--- a/results/robust_recourse_iterative/Main workbooks/Results Comparison Plots.pptx
+++ b/results/robust_recourse_iterative/Main workbooks/Results Comparison Plots.pptx
@@ -112,6 +112,11 @@
       </a:defRPr>
     </a:lvl9pPr>
   </p:defaultTextStyle>
+  <p:extLst>
+    <p:ext uri="{EFAFB233-063F-42B5-8137-9DF3F51BA10A}">
+      <p15:sldGuideLst xmlns:p15="http://schemas.microsoft.com/office/powerpoint/2012/main"/>
+    </p:ext>
+  </p:extLst>
 </p:presentation>
 </file>
 
@@ -149,9 +154,14 @@
               </a:defRPr>
             </a:pPr>
             <a:r>
-              <a:rPr lang="nb-NO" sz="2400"/>
-              <a:t>Initial Case A</a:t>
+              <a:rPr lang="nb-NO" sz="2400" dirty="0"/>
+              <a:t>Initial Case </a:t>
             </a:r>
+            <a:r>
+              <a:rPr lang="nb-NO" sz="2400" dirty="0" smtClean="0"/>
+              <a:t>A: RA</a:t>
+            </a:r>
+            <a:endParaRPr lang="nb-NO" sz="2400" dirty="0"/>
           </a:p>
         </c:rich>
       </c:tx>
@@ -1276,13 +1286,27 @@
           <a:bodyPr rot="0" spcFirstLastPara="1" vertOverflow="ellipsis" vert="horz" wrap="square" anchor="ctr" anchorCtr="1"/>
           <a:lstStyle/>
           <a:p>
-            <a:pPr>
+            <a:pPr marL="0" marR="0" lvl="0" indent="0" algn="ctr" defTabSz="914400" rtl="0" eaLnBrk="1" fontAlgn="auto" latinLnBrk="0" hangingPunct="1">
+              <a:lnSpc>
+                <a:spcPct val="100000"/>
+              </a:lnSpc>
+              <a:spcBef>
+                <a:spcPts val="0"/>
+              </a:spcBef>
+              <a:spcAft>
+                <a:spcPts val="0"/>
+              </a:spcAft>
+              <a:buClrTx/>
+              <a:buSzTx/>
+              <a:buFontTx/>
+              <a:buNone/>
+              <a:tabLst/>
               <a:defRPr sz="2400" b="0" i="0" u="none" strike="noStrike" kern="1200" spc="0" baseline="0">
                 <a:solidFill>
-                  <a:schemeClr val="tx1">
+                  <a:prstClr val="black">
                     <a:lumMod val="65000"/>
                     <a:lumOff val="35000"/>
-                  </a:schemeClr>
+                  </a:prstClr>
                 </a:solidFill>
                 <a:latin typeface="+mn-lt"/>
                 <a:ea typeface="+mn-ea"/>
@@ -1290,9 +1314,20 @@
               </a:defRPr>
             </a:pPr>
             <a:r>
-              <a:rPr lang="nb-NO" sz="2400"/>
-              <a:t>Initial Case B</a:t>
+              <a:rPr lang="nb-NO" sz="2400" dirty="0"/>
+              <a:t>Initial Case </a:t>
             </a:r>
+            <a:r>
+              <a:rPr lang="nb-NO" sz="2400" dirty="0" smtClean="0"/>
+              <a:t>B:</a:t>
+            </a:r>
+            <a:r>
+              <a:rPr lang="nb-NO" sz="2400" baseline="0" dirty="0" smtClean="0"/>
+              <a:t> RA</a:t>
+            </a:r>
+            <a:endParaRPr lang="nb-NO" sz="2400" dirty="0" smtClean="0">
+              <a:effectLst/>
+            </a:endParaRPr>
           </a:p>
         </c:rich>
       </c:tx>
@@ -1309,13 +1344,27 @@
         <a:bodyPr rot="0" spcFirstLastPara="1" vertOverflow="ellipsis" vert="horz" wrap="square" anchor="ctr" anchorCtr="1"/>
         <a:lstStyle/>
         <a:p>
-          <a:pPr>
+          <a:pPr marL="0" marR="0" lvl="0" indent="0" algn="ctr" defTabSz="914400" rtl="0" eaLnBrk="1" fontAlgn="auto" latinLnBrk="0" hangingPunct="1">
+            <a:lnSpc>
+              <a:spcPct val="100000"/>
+            </a:lnSpc>
+            <a:spcBef>
+              <a:spcPts val="0"/>
+            </a:spcBef>
+            <a:spcAft>
+              <a:spcPts val="0"/>
+            </a:spcAft>
+            <a:buClrTx/>
+            <a:buSzTx/>
+            <a:buFontTx/>
+            <a:buNone/>
+            <a:tabLst/>
             <a:defRPr sz="2400" b="0" i="0" u="none" strike="noStrike" kern="1200" spc="0" baseline="0">
               <a:solidFill>
-                <a:schemeClr val="tx1">
+                <a:prstClr val="black">
                   <a:lumMod val="65000"/>
                   <a:lumOff val="35000"/>
-                </a:schemeClr>
+                </a:prstClr>
               </a:solidFill>
               <a:latin typeface="+mn-lt"/>
               <a:ea typeface="+mn-ea"/>
@@ -2397,1146 +2446,6 @@
 </file>
 
 <file path=ppt/charts/chart3.xml><?xml version="1.0" encoding="utf-8"?>
-<c:chartSpace xmlns:c="http://schemas.openxmlformats.org/drawingml/2006/chart" xmlns:a="http://schemas.openxmlformats.org/drawingml/2006/main" xmlns:r="http://schemas.openxmlformats.org/officeDocument/2006/relationships" xmlns:c16r2="http://schemas.microsoft.com/office/drawing/2015/06/chart">
-  <c:date1904 val="0"/>
-  <c:lang val="en-US"/>
-  <c:roundedCorners val="0"/>
-  <mc:AlternateContent xmlns:mc="http://schemas.openxmlformats.org/markup-compatibility/2006">
-    <mc:Choice xmlns:c14="http://schemas.microsoft.com/office/drawing/2007/8/2/chart" Requires="c14">
-      <c14:style val="102"/>
-    </mc:Choice>
-    <mc:Fallback>
-      <c:style val="2"/>
-    </mc:Fallback>
-  </mc:AlternateContent>
-  <c:chart>
-    <c:title>
-      <c:tx>
-        <c:rich>
-          <a:bodyPr rot="0" spcFirstLastPara="1" vertOverflow="ellipsis" vert="horz" wrap="square" anchor="ctr" anchorCtr="1"/>
-          <a:lstStyle/>
-          <a:p>
-            <a:pPr>
-              <a:defRPr sz="2400" b="0" i="0" u="none" strike="noStrike" kern="1200" spc="0" baseline="0">
-                <a:solidFill>
-                  <a:schemeClr val="tx1">
-                    <a:lumMod val="65000"/>
-                    <a:lumOff val="35000"/>
-                  </a:schemeClr>
-                </a:solidFill>
-                <a:latin typeface="+mn-lt"/>
-                <a:ea typeface="+mn-ea"/>
-                <a:cs typeface="+mn-cs"/>
-              </a:defRPr>
-            </a:pPr>
-            <a:r>
-              <a:rPr lang="nb-NO" sz="2400"/>
-              <a:t>Initial Case B</a:t>
-            </a:r>
-          </a:p>
-        </c:rich>
-      </c:tx>
-      <c:layout/>
-      <c:overlay val="0"/>
-      <c:spPr>
-        <a:noFill/>
-        <a:ln>
-          <a:noFill/>
-        </a:ln>
-        <a:effectLst/>
-      </c:spPr>
-      <c:txPr>
-        <a:bodyPr rot="0" spcFirstLastPara="1" vertOverflow="ellipsis" vert="horz" wrap="square" anchor="ctr" anchorCtr="1"/>
-        <a:lstStyle/>
-        <a:p>
-          <a:pPr>
-            <a:defRPr sz="2400" b="0" i="0" u="none" strike="noStrike" kern="1200" spc="0" baseline="0">
-              <a:solidFill>
-                <a:schemeClr val="tx1">
-                  <a:lumMod val="65000"/>
-                  <a:lumOff val="35000"/>
-                </a:schemeClr>
-              </a:solidFill>
-              <a:latin typeface="+mn-lt"/>
-              <a:ea typeface="+mn-ea"/>
-              <a:cs typeface="+mn-cs"/>
-            </a:defRPr>
-          </a:pPr>
-          <a:endParaRPr lang="nb-NO"/>
-        </a:p>
-      </c:txPr>
-    </c:title>
-    <c:autoTitleDeleted val="0"/>
-    <c:plotArea>
-      <c:layout/>
-      <c:areaChart>
-        <c:grouping val="standard"/>
-        <c:varyColors val="0"/>
-        <c:ser>
-          <c:idx val="2"/>
-          <c:order val="2"/>
-          <c:tx>
-            <c:strRef>
-              <c:f>Sheet1!$D$22</c:f>
-              <c:strCache>
-                <c:ptCount val="1"/>
-                <c:pt idx="0">
-                  <c:v>EEV</c:v>
-                </c:pt>
-              </c:strCache>
-            </c:strRef>
-          </c:tx>
-          <c:spPr>
-            <a:solidFill>
-              <a:schemeClr val="bg1"/>
-            </a:solidFill>
-            <a:ln w="25400">
-              <a:noFill/>
-            </a:ln>
-            <a:effectLst/>
-          </c:spPr>
-          <c:cat>
-            <c:numRef>
-              <c:f>Sheet1!$A$23:$A$35</c:f>
-              <c:numCache>
-                <c:formatCode>General</c:formatCode>
-                <c:ptCount val="13"/>
-                <c:pt idx="0">
-                  <c:v>5</c:v>
-                </c:pt>
-                <c:pt idx="1">
-                  <c:v>10</c:v>
-                </c:pt>
-                <c:pt idx="2">
-                  <c:v>15</c:v>
-                </c:pt>
-                <c:pt idx="3">
-                  <c:v>20</c:v>
-                </c:pt>
-                <c:pt idx="4">
-                  <c:v>30</c:v>
-                </c:pt>
-                <c:pt idx="5">
-                  <c:v>40</c:v>
-                </c:pt>
-                <c:pt idx="6">
-                  <c:v>50</c:v>
-                </c:pt>
-                <c:pt idx="7">
-                  <c:v>75</c:v>
-                </c:pt>
-                <c:pt idx="8">
-                  <c:v>100</c:v>
-                </c:pt>
-                <c:pt idx="9">
-                  <c:v>150</c:v>
-                </c:pt>
-                <c:pt idx="10">
-                  <c:v>200</c:v>
-                </c:pt>
-                <c:pt idx="11">
-                  <c:v>300</c:v>
-                </c:pt>
-                <c:pt idx="12">
-                  <c:v>400</c:v>
-                </c:pt>
-              </c:numCache>
-            </c:numRef>
-          </c:cat>
-          <c:val>
-            <c:numRef>
-              <c:f>Sheet1!$Q$23:$Q$35</c:f>
-              <c:numCache>
-                <c:formatCode>General</c:formatCode>
-                <c:ptCount val="13"/>
-                <c:pt idx="0">
-                  <c:v>105.79</c:v>
-                </c:pt>
-                <c:pt idx="1">
-                  <c:v>105.79</c:v>
-                </c:pt>
-                <c:pt idx="2">
-                  <c:v>105.79</c:v>
-                </c:pt>
-                <c:pt idx="3">
-                  <c:v>105.79</c:v>
-                </c:pt>
-                <c:pt idx="4">
-                  <c:v>105.79</c:v>
-                </c:pt>
-                <c:pt idx="5">
-                  <c:v>105.79</c:v>
-                </c:pt>
-                <c:pt idx="6">
-                  <c:v>105.79</c:v>
-                </c:pt>
-                <c:pt idx="7">
-                  <c:v>105.79</c:v>
-                </c:pt>
-                <c:pt idx="8">
-                  <c:v>105.79</c:v>
-                </c:pt>
-                <c:pt idx="9">
-                  <c:v>105.79</c:v>
-                </c:pt>
-                <c:pt idx="10">
-                  <c:v>105.79</c:v>
-                </c:pt>
-                <c:pt idx="11">
-                  <c:v>105.79</c:v>
-                </c:pt>
-                <c:pt idx="12">
-                  <c:v>105.79</c:v>
-                </c:pt>
-              </c:numCache>
-            </c:numRef>
-          </c:val>
-          <c:extLst>
-            <c:ext xmlns:c16="http://schemas.microsoft.com/office/drawing/2014/chart" uri="{C3380CC4-5D6E-409C-BE32-E72D297353CC}">
-              <c16:uniqueId val="{00000000-FA83-4303-AD12-3FD064FB6E4F}"/>
-            </c:ext>
-          </c:extLst>
-        </c:ser>
-        <c:dLbls>
-          <c:showLegendKey val="0"/>
-          <c:showVal val="0"/>
-          <c:showCatName val="0"/>
-          <c:showSerName val="0"/>
-          <c:showPercent val="0"/>
-          <c:showBubbleSize val="0"/>
-        </c:dLbls>
-        <c:axId val="883990904"/>
-        <c:axId val="883990576"/>
-        <c:extLst>
-          <c:ext xmlns:c15="http://schemas.microsoft.com/office/drawing/2012/chart" uri="{02D57815-91ED-43cb-92C2-25804820EDAC}">
-            <c15:filteredAreaSeries>
-              <c15:ser>
-                <c:idx val="1"/>
-                <c:order val="0"/>
-                <c:tx>
-                  <c:v>EVPI</c:v>
-                </c:tx>
-                <c:spPr>
-                  <a:solidFill>
-                    <a:schemeClr val="accent5">
-                      <a:lumMod val="20000"/>
-                      <a:lumOff val="80000"/>
-                    </a:schemeClr>
-                  </a:solidFill>
-                  <a:ln w="25400">
-                    <a:noFill/>
-                  </a:ln>
-                  <a:effectLst/>
-                </c:spPr>
-                <c:cat>
-                  <c:numRef>
-                    <c:extLst>
-                      <c:ext uri="{02D57815-91ED-43cb-92C2-25804820EDAC}">
-                        <c15:formulaRef>
-                          <c15:sqref>Sheet1!$A$23:$A$35</c15:sqref>
-                        </c15:formulaRef>
-                      </c:ext>
-                    </c:extLst>
-                    <c:numCache>
-                      <c:formatCode>General</c:formatCode>
-                      <c:ptCount val="13"/>
-                      <c:pt idx="0">
-                        <c:v>5</c:v>
-                      </c:pt>
-                      <c:pt idx="1">
-                        <c:v>10</c:v>
-                      </c:pt>
-                      <c:pt idx="2">
-                        <c:v>15</c:v>
-                      </c:pt>
-                      <c:pt idx="3">
-                        <c:v>20</c:v>
-                      </c:pt>
-                      <c:pt idx="4">
-                        <c:v>30</c:v>
-                      </c:pt>
-                      <c:pt idx="5">
-                        <c:v>40</c:v>
-                      </c:pt>
-                      <c:pt idx="6">
-                        <c:v>50</c:v>
-                      </c:pt>
-                      <c:pt idx="7">
-                        <c:v>75</c:v>
-                      </c:pt>
-                      <c:pt idx="8">
-                        <c:v>100</c:v>
-                      </c:pt>
-                      <c:pt idx="9">
-                        <c:v>150</c:v>
-                      </c:pt>
-                      <c:pt idx="10">
-                        <c:v>200</c:v>
-                      </c:pt>
-                      <c:pt idx="11">
-                        <c:v>300</c:v>
-                      </c:pt>
-                      <c:pt idx="12">
-                        <c:v>400</c:v>
-                      </c:pt>
-                    </c:numCache>
-                  </c:numRef>
-                </c:cat>
-                <c:val>
-                  <c:numRef>
-                    <c:extLst>
-                      <c:ext uri="{02D57815-91ED-43cb-92C2-25804820EDAC}">
-                        <c15:formulaRef>
-                          <c15:sqref>Sheet1!$P$23:$P$35</c15:sqref>
-                        </c15:formulaRef>
-                      </c:ext>
-                    </c:extLst>
-                    <c:numCache>
-                      <c:formatCode>General</c:formatCode>
-                      <c:ptCount val="13"/>
-                      <c:pt idx="0">
-                        <c:v>120.37</c:v>
-                      </c:pt>
-                      <c:pt idx="1">
-                        <c:v>120.37</c:v>
-                      </c:pt>
-                      <c:pt idx="2">
-                        <c:v>120.37</c:v>
-                      </c:pt>
-                      <c:pt idx="3">
-                        <c:v>120.37</c:v>
-                      </c:pt>
-                      <c:pt idx="4">
-                        <c:v>120.37</c:v>
-                      </c:pt>
-                      <c:pt idx="5">
-                        <c:v>120.37</c:v>
-                      </c:pt>
-                      <c:pt idx="6">
-                        <c:v>120.37</c:v>
-                      </c:pt>
-                      <c:pt idx="7">
-                        <c:v>120.37</c:v>
-                      </c:pt>
-                      <c:pt idx="8">
-                        <c:v>120.37</c:v>
-                      </c:pt>
-                      <c:pt idx="9">
-                        <c:v>120.37</c:v>
-                      </c:pt>
-                      <c:pt idx="10">
-                        <c:v>120.37</c:v>
-                      </c:pt>
-                      <c:pt idx="11">
-                        <c:v>120.37</c:v>
-                      </c:pt>
-                      <c:pt idx="12">
-                        <c:v>120.37</c:v>
-                      </c:pt>
-                    </c:numCache>
-                  </c:numRef>
-                </c:val>
-                <c:extLst>
-                  <c:ext xmlns:c16="http://schemas.microsoft.com/office/drawing/2014/chart" uri="{C3380CC4-5D6E-409C-BE32-E72D297353CC}">
-                    <c16:uniqueId val="{00000004-FA83-4303-AD12-3FD064FB6E4F}"/>
-                  </c:ext>
-                </c:extLst>
-              </c15:ser>
-            </c15:filteredAreaSeries>
-            <c15:filteredAreaSeries>
-              <c15:ser>
-                <c:idx val="0"/>
-                <c:order val="1"/>
-                <c:tx>
-                  <c:v>VSS</c:v>
-                </c:tx>
-                <c:spPr>
-                  <a:solidFill>
-                    <a:schemeClr val="accent1"/>
-                  </a:solidFill>
-                  <a:ln w="25400">
-                    <a:noFill/>
-                  </a:ln>
-                  <a:effectLst/>
-                </c:spPr>
-                <c:cat>
-                  <c:numRef>
-                    <c:extLst xmlns:c15="http://schemas.microsoft.com/office/drawing/2012/chart">
-                      <c:ext xmlns:c15="http://schemas.microsoft.com/office/drawing/2012/chart" uri="{02D57815-91ED-43cb-92C2-25804820EDAC}">
-                        <c15:formulaRef>
-                          <c15:sqref>Sheet1!$A$23:$A$35</c15:sqref>
-                        </c15:formulaRef>
-                      </c:ext>
-                    </c:extLst>
-                    <c:numCache>
-                      <c:formatCode>General</c:formatCode>
-                      <c:ptCount val="13"/>
-                      <c:pt idx="0">
-                        <c:v>5</c:v>
-                      </c:pt>
-                      <c:pt idx="1">
-                        <c:v>10</c:v>
-                      </c:pt>
-                      <c:pt idx="2">
-                        <c:v>15</c:v>
-                      </c:pt>
-                      <c:pt idx="3">
-                        <c:v>20</c:v>
-                      </c:pt>
-                      <c:pt idx="4">
-                        <c:v>30</c:v>
-                      </c:pt>
-                      <c:pt idx="5">
-                        <c:v>40</c:v>
-                      </c:pt>
-                      <c:pt idx="6">
-                        <c:v>50</c:v>
-                      </c:pt>
-                      <c:pt idx="7">
-                        <c:v>75</c:v>
-                      </c:pt>
-                      <c:pt idx="8">
-                        <c:v>100</c:v>
-                      </c:pt>
-                      <c:pt idx="9">
-                        <c:v>150</c:v>
-                      </c:pt>
-                      <c:pt idx="10">
-                        <c:v>200</c:v>
-                      </c:pt>
-                      <c:pt idx="11">
-                        <c:v>300</c:v>
-                      </c:pt>
-                      <c:pt idx="12">
-                        <c:v>400</c:v>
-                      </c:pt>
-                    </c:numCache>
-                  </c:numRef>
-                </c:cat>
-                <c:val>
-                  <c:numRef>
-                    <c:extLst xmlns:c15="http://schemas.microsoft.com/office/drawing/2012/chart">
-                      <c:ext xmlns:c15="http://schemas.microsoft.com/office/drawing/2012/chart" uri="{02D57815-91ED-43cb-92C2-25804820EDAC}">
-                        <c15:formulaRef>
-                          <c15:sqref>Sheet1!$O$23:$O$35</c15:sqref>
-                        </c15:formulaRef>
-                      </c:ext>
-                    </c:extLst>
-                    <c:numCache>
-                      <c:formatCode>General</c:formatCode>
-                      <c:ptCount val="13"/>
-                      <c:pt idx="0">
-                        <c:v>115.05</c:v>
-                      </c:pt>
-                      <c:pt idx="1">
-                        <c:v>113.58846935776199</c:v>
-                      </c:pt>
-                      <c:pt idx="2">
-                        <c:v>113.77667603384999</c:v>
-                      </c:pt>
-                      <c:pt idx="3">
-                        <c:v>113.77667583039999</c:v>
-                      </c:pt>
-                      <c:pt idx="4">
-                        <c:v>109.10116875113199</c:v>
-                      </c:pt>
-                      <c:pt idx="5">
-                        <c:v>108.939860599159</c:v>
-                      </c:pt>
-                      <c:pt idx="6">
-                        <c:v>108.522081297307</c:v>
-                      </c:pt>
-                      <c:pt idx="7">
-                        <c:v>108.30782755820999</c:v>
-                      </c:pt>
-                      <c:pt idx="8">
-                        <c:v>108.30782755820999</c:v>
-                      </c:pt>
-                      <c:pt idx="9">
-                        <c:v>108.307753839645</c:v>
-                      </c:pt>
-                      <c:pt idx="10">
-                        <c:v>108.307753812408</c:v>
-                      </c:pt>
-                      <c:pt idx="11">
-                        <c:v>108.11871201266</c:v>
-                      </c:pt>
-                      <c:pt idx="12">
-                        <c:v>108.100436427529</c:v>
-                      </c:pt>
-                    </c:numCache>
-                  </c:numRef>
-                </c:val>
-                <c:extLst xmlns:c15="http://schemas.microsoft.com/office/drawing/2012/chart">
-                  <c:ext xmlns:c16="http://schemas.microsoft.com/office/drawing/2014/chart" uri="{C3380CC4-5D6E-409C-BE32-E72D297353CC}">
-                    <c16:uniqueId val="{00000005-FA83-4303-AD12-3FD064FB6E4F}"/>
-                  </c:ext>
-                </c:extLst>
-              </c15:ser>
-            </c15:filteredAreaSeries>
-            <c15:filteredAreaSeries>
-              <c15:ser>
-                <c:idx val="3"/>
-                <c:order val="3"/>
-                <c:tx>
-                  <c:v>Infeasible Count</c:v>
-                </c:tx>
-                <c:spPr>
-                  <a:solidFill>
-                    <a:schemeClr val="accent1">
-                      <a:alpha val="38000"/>
-                    </a:schemeClr>
-                  </a:solidFill>
-                  <a:ln>
-                    <a:solidFill>
-                      <a:schemeClr val="accent3"/>
-                    </a:solidFill>
-                  </a:ln>
-                  <a:effectLst/>
-                </c:spPr>
-                <c:cat>
-                  <c:numRef>
-                    <c:extLst xmlns:c15="http://schemas.microsoft.com/office/drawing/2012/chart">
-                      <c:ext xmlns:c15="http://schemas.microsoft.com/office/drawing/2012/chart" uri="{02D57815-91ED-43cb-92C2-25804820EDAC}">
-                        <c15:formulaRef>
-                          <c15:sqref>Sheet1!$A$23:$A$35</c15:sqref>
-                        </c15:formulaRef>
-                      </c:ext>
-                    </c:extLst>
-                    <c:numCache>
-                      <c:formatCode>General</c:formatCode>
-                      <c:ptCount val="13"/>
-                      <c:pt idx="0">
-                        <c:v>5</c:v>
-                      </c:pt>
-                      <c:pt idx="1">
-                        <c:v>10</c:v>
-                      </c:pt>
-                      <c:pt idx="2">
-                        <c:v>15</c:v>
-                      </c:pt>
-                      <c:pt idx="3">
-                        <c:v>20</c:v>
-                      </c:pt>
-                      <c:pt idx="4">
-                        <c:v>30</c:v>
-                      </c:pt>
-                      <c:pt idx="5">
-                        <c:v>40</c:v>
-                      </c:pt>
-                      <c:pt idx="6">
-                        <c:v>50</c:v>
-                      </c:pt>
-                      <c:pt idx="7">
-                        <c:v>75</c:v>
-                      </c:pt>
-                      <c:pt idx="8">
-                        <c:v>100</c:v>
-                      </c:pt>
-                      <c:pt idx="9">
-                        <c:v>150</c:v>
-                      </c:pt>
-                      <c:pt idx="10">
-                        <c:v>200</c:v>
-                      </c:pt>
-                      <c:pt idx="11">
-                        <c:v>300</c:v>
-                      </c:pt>
-                      <c:pt idx="12">
-                        <c:v>400</c:v>
-                      </c:pt>
-                    </c:numCache>
-                  </c:numRef>
-                </c:cat>
-                <c:val>
-                  <c:numRef>
-                    <c:extLst xmlns:c15="http://schemas.microsoft.com/office/drawing/2012/chart">
-                      <c:ext xmlns:c15="http://schemas.microsoft.com/office/drawing/2012/chart" uri="{02D57815-91ED-43cb-92C2-25804820EDAC}">
-                        <c15:formulaRef>
-                          <c15:sqref>Sheet1!$E$23:$E$35</c15:sqref>
-                        </c15:formulaRef>
-                      </c:ext>
-                    </c:extLst>
-                    <c:numCache>
-                      <c:formatCode>General</c:formatCode>
-                      <c:ptCount val="13"/>
-                      <c:pt idx="0">
-                        <c:v>60</c:v>
-                      </c:pt>
-                      <c:pt idx="1">
-                        <c:v>12</c:v>
-                      </c:pt>
-                      <c:pt idx="2">
-                        <c:v>12</c:v>
-                      </c:pt>
-                      <c:pt idx="3">
-                        <c:v>12</c:v>
-                      </c:pt>
-                      <c:pt idx="4">
-                        <c:v>11</c:v>
-                      </c:pt>
-                      <c:pt idx="5">
-                        <c:v>8</c:v>
-                      </c:pt>
-                      <c:pt idx="6">
-                        <c:v>8</c:v>
-                      </c:pt>
-                      <c:pt idx="7">
-                        <c:v>2</c:v>
-                      </c:pt>
-                      <c:pt idx="8">
-                        <c:v>2</c:v>
-                      </c:pt>
-                      <c:pt idx="9">
-                        <c:v>2</c:v>
-                      </c:pt>
-                      <c:pt idx="10">
-                        <c:v>2</c:v>
-                      </c:pt>
-                      <c:pt idx="11">
-                        <c:v>2</c:v>
-                      </c:pt>
-                      <c:pt idx="12">
-                        <c:v>2</c:v>
-                      </c:pt>
-                    </c:numCache>
-                  </c:numRef>
-                </c:val>
-                <c:extLst xmlns:c15="http://schemas.microsoft.com/office/drawing/2012/chart">
-                  <c:ext xmlns:c16="http://schemas.microsoft.com/office/drawing/2014/chart" uri="{C3380CC4-5D6E-409C-BE32-E72D297353CC}">
-                    <c16:uniqueId val="{00000006-FA83-4303-AD12-3FD064FB6E4F}"/>
-                  </c:ext>
-                </c:extLst>
-              </c15:ser>
-            </c15:filteredAreaSeries>
-          </c:ext>
-        </c:extLst>
-      </c:areaChart>
-      <c:lineChart>
-        <c:grouping val="standard"/>
-        <c:varyColors val="0"/>
-        <c:ser>
-          <c:idx val="4"/>
-          <c:order val="4"/>
-          <c:tx>
-            <c:v>EEV</c:v>
-          </c:tx>
-          <c:spPr>
-            <a:ln w="25400" cap="rnd">
-              <a:solidFill>
-                <a:schemeClr val="accent2">
-                  <a:lumMod val="75000"/>
-                </a:schemeClr>
-              </a:solidFill>
-              <a:prstDash val="sysDash"/>
-              <a:round/>
-            </a:ln>
-            <a:effectLst/>
-          </c:spPr>
-          <c:marker>
-            <c:symbol val="none"/>
-          </c:marker>
-          <c:val>
-            <c:numRef>
-              <c:f>Sheet1!$Q$23:$Q$35</c:f>
-              <c:numCache>
-                <c:formatCode>General</c:formatCode>
-                <c:ptCount val="13"/>
-                <c:pt idx="0">
-                  <c:v>105.79</c:v>
-                </c:pt>
-                <c:pt idx="1">
-                  <c:v>105.79</c:v>
-                </c:pt>
-                <c:pt idx="2">
-                  <c:v>105.79</c:v>
-                </c:pt>
-                <c:pt idx="3">
-                  <c:v>105.79</c:v>
-                </c:pt>
-                <c:pt idx="4">
-                  <c:v>105.79</c:v>
-                </c:pt>
-                <c:pt idx="5">
-                  <c:v>105.79</c:v>
-                </c:pt>
-                <c:pt idx="6">
-                  <c:v>105.79</c:v>
-                </c:pt>
-                <c:pt idx="7">
-                  <c:v>105.79</c:v>
-                </c:pt>
-                <c:pt idx="8">
-                  <c:v>105.79</c:v>
-                </c:pt>
-                <c:pt idx="9">
-                  <c:v>105.79</c:v>
-                </c:pt>
-                <c:pt idx="10">
-                  <c:v>105.79</c:v>
-                </c:pt>
-                <c:pt idx="11">
-                  <c:v>105.79</c:v>
-                </c:pt>
-                <c:pt idx="12">
-                  <c:v>105.79</c:v>
-                </c:pt>
-              </c:numCache>
-            </c:numRef>
-          </c:val>
-          <c:smooth val="0"/>
-          <c:extLst>
-            <c:ext xmlns:c16="http://schemas.microsoft.com/office/drawing/2014/chart" uri="{C3380CC4-5D6E-409C-BE32-E72D297353CC}">
-              <c16:uniqueId val="{00000001-FA83-4303-AD12-3FD064FB6E4F}"/>
-            </c:ext>
-          </c:extLst>
-        </c:ser>
-        <c:ser>
-          <c:idx val="5"/>
-          <c:order val="5"/>
-          <c:tx>
-            <c:v>WS</c:v>
-          </c:tx>
-          <c:spPr>
-            <a:ln w="25400" cap="rnd">
-              <a:solidFill>
-                <a:schemeClr val="accent5">
-                  <a:lumMod val="75000"/>
-                </a:schemeClr>
-              </a:solidFill>
-              <a:prstDash val="sysDash"/>
-              <a:round/>
-            </a:ln>
-            <a:effectLst/>
-          </c:spPr>
-          <c:marker>
-            <c:symbol val="none"/>
-          </c:marker>
-          <c:val>
-            <c:numRef>
-              <c:f>Sheet1!$P$23:$P$35</c:f>
-              <c:numCache>
-                <c:formatCode>General</c:formatCode>
-                <c:ptCount val="13"/>
-                <c:pt idx="0">
-                  <c:v>120.37</c:v>
-                </c:pt>
-                <c:pt idx="1">
-                  <c:v>120.37</c:v>
-                </c:pt>
-                <c:pt idx="2">
-                  <c:v>120.37</c:v>
-                </c:pt>
-                <c:pt idx="3">
-                  <c:v>120.37</c:v>
-                </c:pt>
-                <c:pt idx="4">
-                  <c:v>120.37</c:v>
-                </c:pt>
-                <c:pt idx="5">
-                  <c:v>120.37</c:v>
-                </c:pt>
-                <c:pt idx="6">
-                  <c:v>120.37</c:v>
-                </c:pt>
-                <c:pt idx="7">
-                  <c:v>120.37</c:v>
-                </c:pt>
-                <c:pt idx="8">
-                  <c:v>120.37</c:v>
-                </c:pt>
-                <c:pt idx="9">
-                  <c:v>120.37</c:v>
-                </c:pt>
-                <c:pt idx="10">
-                  <c:v>120.37</c:v>
-                </c:pt>
-                <c:pt idx="11">
-                  <c:v>120.37</c:v>
-                </c:pt>
-                <c:pt idx="12">
-                  <c:v>120.37</c:v>
-                </c:pt>
-              </c:numCache>
-            </c:numRef>
-          </c:val>
-          <c:smooth val="0"/>
-          <c:extLst>
-            <c:ext xmlns:c16="http://schemas.microsoft.com/office/drawing/2014/chart" uri="{C3380CC4-5D6E-409C-BE32-E72D297353CC}">
-              <c16:uniqueId val="{00000002-FA83-4303-AD12-3FD064FB6E4F}"/>
-            </c:ext>
-          </c:extLst>
-        </c:ser>
-        <c:ser>
-          <c:idx val="6"/>
-          <c:order val="6"/>
-          <c:tx>
-            <c:v>RA Objective Value</c:v>
-          </c:tx>
-          <c:spPr>
-            <a:ln w="25400" cap="rnd">
-              <a:solidFill>
-                <a:schemeClr val="tx1"/>
-              </a:solidFill>
-              <a:round/>
-            </a:ln>
-            <a:effectLst/>
-          </c:spPr>
-          <c:marker>
-            <c:symbol val="none"/>
-          </c:marker>
-          <c:val>
-            <c:numRef>
-              <c:f>Sheet1!$O$23:$O$35</c:f>
-              <c:numCache>
-                <c:formatCode>General</c:formatCode>
-                <c:ptCount val="13"/>
-                <c:pt idx="0">
-                  <c:v>115.05</c:v>
-                </c:pt>
-                <c:pt idx="1">
-                  <c:v>113.58846935776199</c:v>
-                </c:pt>
-                <c:pt idx="2">
-                  <c:v>113.77667603384999</c:v>
-                </c:pt>
-                <c:pt idx="3">
-                  <c:v>113.77667583039999</c:v>
-                </c:pt>
-                <c:pt idx="4">
-                  <c:v>109.10116875113199</c:v>
-                </c:pt>
-                <c:pt idx="5">
-                  <c:v>108.939860599159</c:v>
-                </c:pt>
-                <c:pt idx="6">
-                  <c:v>108.522081297307</c:v>
-                </c:pt>
-                <c:pt idx="7">
-                  <c:v>108.30782755820999</c:v>
-                </c:pt>
-                <c:pt idx="8">
-                  <c:v>108.30782755820999</c:v>
-                </c:pt>
-                <c:pt idx="9">
-                  <c:v>108.307753839645</c:v>
-                </c:pt>
-                <c:pt idx="10">
-                  <c:v>108.307753812408</c:v>
-                </c:pt>
-                <c:pt idx="11">
-                  <c:v>108.11871201266</c:v>
-                </c:pt>
-                <c:pt idx="12">
-                  <c:v>108.100436427529</c:v>
-                </c:pt>
-              </c:numCache>
-            </c:numRef>
-          </c:val>
-          <c:smooth val="0"/>
-          <c:extLst>
-            <c:ext xmlns:c16="http://schemas.microsoft.com/office/drawing/2014/chart" uri="{C3380CC4-5D6E-409C-BE32-E72D297353CC}">
-              <c16:uniqueId val="{00000003-FA83-4303-AD12-3FD064FB6E4F}"/>
-            </c:ext>
-          </c:extLst>
-        </c:ser>
-        <c:dLbls>
-          <c:showLegendKey val="0"/>
-          <c:showVal val="0"/>
-          <c:showCatName val="0"/>
-          <c:showSerName val="0"/>
-          <c:showPercent val="0"/>
-          <c:showBubbleSize val="0"/>
-        </c:dLbls>
-        <c:marker val="1"/>
-        <c:smooth val="0"/>
-        <c:axId val="883990904"/>
-        <c:axId val="883990576"/>
-      </c:lineChart>
-      <c:valAx>
-        <c:axId val="883990576"/>
-        <c:scaling>
-          <c:orientation val="minMax"/>
-          <c:min val="104"/>
-        </c:scaling>
-        <c:delete val="0"/>
-        <c:axPos val="l"/>
-        <c:title>
-          <c:tx>
-            <c:rich>
-              <a:bodyPr rot="-5400000" spcFirstLastPara="1" vertOverflow="ellipsis" vert="horz" wrap="square" anchor="ctr" anchorCtr="1"/>
-              <a:lstStyle/>
-              <a:p>
-                <a:pPr>
-                  <a:defRPr sz="1600" b="0" i="0" u="none" strike="noStrike" kern="1200" baseline="0">
-                    <a:solidFill>
-                      <a:schemeClr val="tx1">
-                        <a:lumMod val="65000"/>
-                        <a:lumOff val="35000"/>
-                      </a:schemeClr>
-                    </a:solidFill>
-                    <a:latin typeface="+mn-lt"/>
-                    <a:ea typeface="+mn-ea"/>
-                    <a:cs typeface="+mn-cs"/>
-                  </a:defRPr>
-                </a:pPr>
-                <a:r>
-                  <a:rPr lang="nb-NO" sz="1600"/>
-                  <a:t>Oil Output [Sm3/h]</a:t>
-                </a:r>
-              </a:p>
-            </c:rich>
-          </c:tx>
-          <c:layout/>
-          <c:overlay val="0"/>
-          <c:spPr>
-            <a:noFill/>
-            <a:ln>
-              <a:noFill/>
-            </a:ln>
-            <a:effectLst/>
-          </c:spPr>
-          <c:txPr>
-            <a:bodyPr rot="-5400000" spcFirstLastPara="1" vertOverflow="ellipsis" vert="horz" wrap="square" anchor="ctr" anchorCtr="1"/>
-            <a:lstStyle/>
-            <a:p>
-              <a:pPr>
-                <a:defRPr sz="1600" b="0" i="0" u="none" strike="noStrike" kern="1200" baseline="0">
-                  <a:solidFill>
-                    <a:schemeClr val="tx1">
-                      <a:lumMod val="65000"/>
-                      <a:lumOff val="35000"/>
-                    </a:schemeClr>
-                  </a:solidFill>
-                  <a:latin typeface="+mn-lt"/>
-                  <a:ea typeface="+mn-ea"/>
-                  <a:cs typeface="+mn-cs"/>
-                </a:defRPr>
-              </a:pPr>
-              <a:endParaRPr lang="nb-NO"/>
-            </a:p>
-          </c:txPr>
-        </c:title>
-        <c:numFmt formatCode="General" sourceLinked="1"/>
-        <c:majorTickMark val="out"/>
-        <c:minorTickMark val="none"/>
-        <c:tickLblPos val="nextTo"/>
-        <c:spPr>
-          <a:noFill/>
-          <a:ln w="9525" cap="flat" cmpd="sng" algn="ctr">
-            <a:solidFill>
-              <a:schemeClr val="tx1">
-                <a:lumMod val="25000"/>
-                <a:lumOff val="75000"/>
-              </a:schemeClr>
-            </a:solidFill>
-            <a:round/>
-          </a:ln>
-          <a:effectLst/>
-        </c:spPr>
-        <c:txPr>
-          <a:bodyPr rot="-60000000" spcFirstLastPara="1" vertOverflow="ellipsis" vert="horz" wrap="square" anchor="ctr" anchorCtr="1"/>
-          <a:lstStyle/>
-          <a:p>
-            <a:pPr>
-              <a:defRPr sz="1600" b="0" i="0" u="none" strike="noStrike" kern="1200" baseline="0">
-                <a:solidFill>
-                  <a:schemeClr val="tx1">
-                    <a:lumMod val="65000"/>
-                    <a:lumOff val="35000"/>
-                  </a:schemeClr>
-                </a:solidFill>
-                <a:latin typeface="+mn-lt"/>
-                <a:ea typeface="+mn-ea"/>
-                <a:cs typeface="+mn-cs"/>
-              </a:defRPr>
-            </a:pPr>
-            <a:endParaRPr lang="nb-NO"/>
-          </a:p>
-        </c:txPr>
-        <c:crossAx val="883990904"/>
-        <c:crosses val="autoZero"/>
-        <c:crossBetween val="between"/>
-      </c:valAx>
-      <c:catAx>
-        <c:axId val="883990904"/>
-        <c:scaling>
-          <c:orientation val="minMax"/>
-        </c:scaling>
-        <c:delete val="0"/>
-        <c:axPos val="b"/>
-        <c:title>
-          <c:tx>
-            <c:rich>
-              <a:bodyPr rot="0" spcFirstLastPara="1" vertOverflow="ellipsis" vert="horz" wrap="square" anchor="ctr" anchorCtr="1"/>
-              <a:lstStyle/>
-              <a:p>
-                <a:pPr>
-                  <a:defRPr sz="1600" b="0" i="0" u="none" strike="noStrike" kern="1200" baseline="0">
-                    <a:solidFill>
-                      <a:schemeClr val="tx1">
-                        <a:lumMod val="65000"/>
-                        <a:lumOff val="35000"/>
-                      </a:schemeClr>
-                    </a:solidFill>
-                    <a:latin typeface="+mn-lt"/>
-                    <a:ea typeface="+mn-ea"/>
-                    <a:cs typeface="+mn-cs"/>
-                  </a:defRPr>
-                </a:pPr>
-                <a:r>
-                  <a:rPr lang="nb-NO" sz="1600"/>
-                  <a:t>Scenarios</a:t>
-                </a:r>
-              </a:p>
-            </c:rich>
-          </c:tx>
-          <c:layout/>
-          <c:overlay val="0"/>
-          <c:spPr>
-            <a:noFill/>
-            <a:ln>
-              <a:noFill/>
-            </a:ln>
-            <a:effectLst/>
-          </c:spPr>
-          <c:txPr>
-            <a:bodyPr rot="0" spcFirstLastPara="1" vertOverflow="ellipsis" vert="horz" wrap="square" anchor="ctr" anchorCtr="1"/>
-            <a:lstStyle/>
-            <a:p>
-              <a:pPr>
-                <a:defRPr sz="1600" b="0" i="0" u="none" strike="noStrike" kern="1200" baseline="0">
-                  <a:solidFill>
-                    <a:schemeClr val="tx1">
-                      <a:lumMod val="65000"/>
-                      <a:lumOff val="35000"/>
-                    </a:schemeClr>
-                  </a:solidFill>
-                  <a:latin typeface="+mn-lt"/>
-                  <a:ea typeface="+mn-ea"/>
-                  <a:cs typeface="+mn-cs"/>
-                </a:defRPr>
-              </a:pPr>
-              <a:endParaRPr lang="nb-NO"/>
-            </a:p>
-          </c:txPr>
-        </c:title>
-        <c:numFmt formatCode="General" sourceLinked="1"/>
-        <c:majorTickMark val="out"/>
-        <c:minorTickMark val="none"/>
-        <c:tickLblPos val="nextTo"/>
-        <c:spPr>
-          <a:noFill/>
-          <a:ln w="9525" cap="flat" cmpd="sng" algn="ctr">
-            <a:solidFill>
-              <a:schemeClr val="tx1">
-                <a:lumMod val="25000"/>
-                <a:lumOff val="75000"/>
-              </a:schemeClr>
-            </a:solidFill>
-            <a:round/>
-          </a:ln>
-          <a:effectLst/>
-        </c:spPr>
-        <c:txPr>
-          <a:bodyPr rot="-60000000" spcFirstLastPara="1" vertOverflow="ellipsis" vert="horz" wrap="square" anchor="ctr" anchorCtr="1"/>
-          <a:lstStyle/>
-          <a:p>
-            <a:pPr>
-              <a:defRPr sz="2000" b="0" i="0" u="none" strike="noStrike" kern="1200" baseline="0">
-                <a:solidFill>
-                  <a:schemeClr val="tx1">
-                    <a:lumMod val="65000"/>
-                    <a:lumOff val="35000"/>
-                  </a:schemeClr>
-                </a:solidFill>
-                <a:latin typeface="+mn-lt"/>
-                <a:ea typeface="+mn-ea"/>
-                <a:cs typeface="+mn-cs"/>
-              </a:defRPr>
-            </a:pPr>
-            <a:endParaRPr lang="nb-NO"/>
-          </a:p>
-        </c:txPr>
-        <c:crossAx val="883990576"/>
-        <c:crosses val="autoZero"/>
-        <c:auto val="1"/>
-        <c:lblAlgn val="ctr"/>
-        <c:lblOffset val="100"/>
-        <c:noMultiLvlLbl val="0"/>
-      </c:catAx>
-      <c:spPr>
-        <a:noFill/>
-        <a:ln>
-          <a:noFill/>
-        </a:ln>
-        <a:effectLst/>
-      </c:spPr>
-    </c:plotArea>
-    <c:legend>
-      <c:legendPos val="b"/>
-      <c:legendEntry>
-        <c:idx val="0"/>
-        <c:delete val="1"/>
-      </c:legendEntry>
-      <c:layout/>
-      <c:overlay val="0"/>
-      <c:spPr>
-        <a:noFill/>
-        <a:ln>
-          <a:noFill/>
-        </a:ln>
-        <a:effectLst/>
-      </c:spPr>
-      <c:txPr>
-        <a:bodyPr rot="0" spcFirstLastPara="1" vertOverflow="ellipsis" vert="horz" wrap="square" anchor="ctr" anchorCtr="1"/>
-        <a:lstStyle/>
-        <a:p>
-          <a:pPr>
-            <a:defRPr sz="1800" b="0" i="0" u="none" strike="noStrike" kern="1200" baseline="0">
-              <a:solidFill>
-                <a:schemeClr val="tx1">
-                  <a:lumMod val="65000"/>
-                  <a:lumOff val="35000"/>
-                </a:schemeClr>
-              </a:solidFill>
-              <a:latin typeface="+mn-lt"/>
-              <a:ea typeface="+mn-ea"/>
-              <a:cs typeface="+mn-cs"/>
-            </a:defRPr>
-          </a:pPr>
-          <a:endParaRPr lang="nb-NO"/>
-        </a:p>
-      </c:txPr>
-    </c:legend>
-    <c:plotVisOnly val="1"/>
-    <c:dispBlanksAs val="gap"/>
-    <c:showDLblsOverMax val="0"/>
-  </c:chart>
-  <c:spPr>
-    <a:noFill/>
-    <a:ln>
-      <a:noFill/>
-    </a:ln>
-    <a:effectLst/>
-  </c:spPr>
-  <c:txPr>
-    <a:bodyPr/>
-    <a:lstStyle/>
-    <a:p>
-      <a:pPr>
-        <a:defRPr/>
-      </a:pPr>
-      <a:endParaRPr lang="nb-NO"/>
-    </a:p>
-  </c:txPr>
-  <c:externalData r:id="rId3">
-    <c:autoUpdate val="0"/>
-  </c:externalData>
-</c:chartSpace>
-</file>
-
-<file path=ppt/charts/chart4.xml><?xml version="1.0" encoding="utf-8"?>
 <c:chartSpace xmlns:c="http://schemas.openxmlformats.org/drawingml/2006/chart" xmlns:a="http://schemas.openxmlformats.org/drawingml/2006/main" xmlns:r="http://schemas.openxmlformats.org/officeDocument/2006/relationships" xmlns:c16r2="http://schemas.microsoft.com/office/drawing/2015/06/chart">
   <c:date1904 val="0"/>
   <c:lang val="en-US"/>
@@ -4359,7 +3268,7 @@
 </c:chartSpace>
 </file>
 
-<file path=ppt/charts/chart5.xml><?xml version="1.0" encoding="utf-8"?>
+<file path=ppt/charts/chart4.xml><?xml version="1.0" encoding="utf-8"?>
 <c:chartSpace xmlns:c="http://schemas.openxmlformats.org/drawingml/2006/chart" xmlns:a="http://schemas.openxmlformats.org/drawingml/2006/main" xmlns:r="http://schemas.openxmlformats.org/officeDocument/2006/relationships" xmlns:c16r2="http://schemas.microsoft.com/office/drawing/2015/06/chart">
   <c:date1904 val="0"/>
   <c:lang val="en-US"/>
@@ -4404,7 +3313,6 @@
           </a:p>
         </c:rich>
       </c:tx>
-      <c:layout/>
       <c:overlay val="0"/>
       <c:spPr>
         <a:noFill/>
@@ -4599,7 +3507,7 @@
                     </c:numCache>
                   </c:numRef>
                 </c:val>
-                <c:extLst>
+                <c:extLst xmlns:c15="http://schemas.microsoft.com/office/drawing/2012/chart">
                   <c:ext xmlns:c16="http://schemas.microsoft.com/office/drawing/2014/chart" uri="{C3380CC4-5D6E-409C-BE32-E72D297353CC}">
                     <c16:uniqueId val="{00000006-3515-4BA9-AB47-FA54EEE18ADB}"/>
                   </c:ext>
@@ -4678,7 +3586,7 @@
                     </c:numCache>
                   </c:numRef>
                 </c:val>
-                <c:extLst>
+                <c:extLst xmlns:c15="http://schemas.microsoft.com/office/drawing/2012/chart">
                   <c:ext xmlns:c16="http://schemas.microsoft.com/office/drawing/2014/chart" uri="{C3380CC4-5D6E-409C-BE32-E72D297353CC}">
                     <c16:uniqueId val="{00000007-3515-4BA9-AB47-FA54EEE18ADB}"/>
                   </c:ext>
@@ -4755,7 +3663,7 @@
                     </c:numCache>
                   </c:numRef>
                 </c:val>
-                <c:extLst>
+                <c:extLst xmlns:c15="http://schemas.microsoft.com/office/drawing/2012/chart">
                   <c:ext xmlns:c16="http://schemas.microsoft.com/office/drawing/2014/chart" uri="{C3380CC4-5D6E-409C-BE32-E72D297353CC}">
                     <c16:uniqueId val="{00000008-3515-4BA9-AB47-FA54EEE18ADB}"/>
                   </c:ext>
@@ -5320,7 +4228,7 @@
                   </c:numRef>
                 </c:val>
                 <c:smooth val="0"/>
-                <c:extLst>
+                <c:extLst xmlns:c15="http://schemas.microsoft.com/office/drawing/2012/chart">
                   <c:ext xmlns:c16="http://schemas.microsoft.com/office/drawing/2014/chart" uri="{C3380CC4-5D6E-409C-BE32-E72D297353CC}">
                     <c16:uniqueId val="{00000004-3515-4BA9-AB47-FA54EEE18ADB}"/>
                   </c:ext>
@@ -5395,7 +4303,7 @@
                   </c:numRef>
                 </c:val>
                 <c:smooth val="0"/>
-                <c:extLst>
+                <c:extLst xmlns:c15="http://schemas.microsoft.com/office/drawing/2012/chart">
                   <c:ext xmlns:c16="http://schemas.microsoft.com/office/drawing/2014/chart" uri="{C3380CC4-5D6E-409C-BE32-E72D297353CC}">
                     <c16:uniqueId val="{00000009-3515-4BA9-AB47-FA54EEE18ADB}"/>
                   </c:ext>
@@ -5438,7 +4346,6 @@
               </a:p>
             </c:rich>
           </c:tx>
-          <c:layout/>
           <c:overlay val="0"/>
           <c:spPr>
             <a:noFill/>
@@ -5551,7 +4458,6 @@
               </a:p>
             </c:rich>
           </c:tx>
-          <c:layout/>
           <c:overlay val="0"/>
           <c:spPr>
             <a:noFill/>
@@ -5632,7 +4538,6 @@
     </c:plotArea>
     <c:legend>
       <c:legendPos val="b"/>
-      <c:layout/>
       <c:overlay val="0"/>
       <c:spPr>
         <a:noFill/>
@@ -5689,7 +4594,7 @@
 </c:chartSpace>
 </file>
 
-<file path=ppt/charts/chart6.xml><?xml version="1.0" encoding="utf-8"?>
+<file path=ppt/charts/chart5.xml><?xml version="1.0" encoding="utf-8"?>
 <c:chartSpace xmlns:c="http://schemas.openxmlformats.org/drawingml/2006/chart" xmlns:a="http://schemas.openxmlformats.org/drawingml/2006/main" xmlns:r="http://schemas.openxmlformats.org/officeDocument/2006/relationships" xmlns:c16r2="http://schemas.microsoft.com/office/drawing/2015/06/chart">
   <c:date1904 val="0"/>
   <c:lang val="en-US"/>
@@ -5734,7 +4639,6 @@
           </a:p>
         </c:rich>
       </c:tx>
-      <c:layout/>
       <c:overlay val="0"/>
       <c:spPr>
         <a:noFill/>
@@ -5929,7 +4833,7 @@
                     </c:numCache>
                   </c:numRef>
                 </c:val>
-                <c:extLst>
+                <c:extLst xmlns:c15="http://schemas.microsoft.com/office/drawing/2012/chart">
                   <c:ext xmlns:c16="http://schemas.microsoft.com/office/drawing/2014/chart" uri="{C3380CC4-5D6E-409C-BE32-E72D297353CC}">
                     <c16:uniqueId val="{00000004-E07D-4AB4-BA60-E3FBA1D8B021}"/>
                   </c:ext>
@@ -6008,7 +4912,7 @@
                     </c:numCache>
                   </c:numRef>
                 </c:val>
-                <c:extLst>
+                <c:extLst xmlns:c15="http://schemas.microsoft.com/office/drawing/2012/chart">
                   <c:ext xmlns:c16="http://schemas.microsoft.com/office/drawing/2014/chart" uri="{C3380CC4-5D6E-409C-BE32-E72D297353CC}">
                     <c16:uniqueId val="{00000005-E07D-4AB4-BA60-E3FBA1D8B021}"/>
                   </c:ext>
@@ -6085,7 +4989,7 @@
                     </c:numCache>
                   </c:numRef>
                 </c:val>
-                <c:extLst>
+                <c:extLst xmlns:c15="http://schemas.microsoft.com/office/drawing/2012/chart">
                   <c:ext xmlns:c16="http://schemas.microsoft.com/office/drawing/2014/chart" uri="{C3380CC4-5D6E-409C-BE32-E72D297353CC}">
                     <c16:uniqueId val="{00000006-E07D-4AB4-BA60-E3FBA1D8B021}"/>
                   </c:ext>
@@ -6641,7 +5545,7 @@
                   </c:numRef>
                 </c:val>
                 <c:smooth val="0"/>
-                <c:extLst>
+                <c:extLst xmlns:c15="http://schemas.microsoft.com/office/drawing/2012/chart">
                   <c:ext xmlns:c16="http://schemas.microsoft.com/office/drawing/2014/chart" uri="{C3380CC4-5D6E-409C-BE32-E72D297353CC}">
                     <c16:uniqueId val="{00000008-E07D-4AB4-BA60-E3FBA1D8B021}"/>
                   </c:ext>
@@ -6716,7 +5620,7 @@
                   </c:numRef>
                 </c:val>
                 <c:smooth val="0"/>
-                <c:extLst>
+                <c:extLst xmlns:c15="http://schemas.microsoft.com/office/drawing/2012/chart">
                   <c:ext xmlns:c16="http://schemas.microsoft.com/office/drawing/2014/chart" uri="{C3380CC4-5D6E-409C-BE32-E72D297353CC}">
                     <c16:uniqueId val="{00000009-E07D-4AB4-BA60-E3FBA1D8B021}"/>
                   </c:ext>
@@ -6759,7 +5663,6 @@
               </a:p>
             </c:rich>
           </c:tx>
-          <c:layout/>
           <c:overlay val="0"/>
           <c:spPr>
             <a:noFill/>
@@ -6872,7 +5775,6 @@
               </a:p>
             </c:rich>
           </c:tx>
-          <c:layout/>
           <c:overlay val="0"/>
           <c:spPr>
             <a:noFill/>
@@ -6953,7 +5855,6 @@
     </c:plotArea>
     <c:legend>
       <c:legendPos val="b"/>
-      <c:layout/>
       <c:overlay val="0"/>
       <c:spPr>
         <a:noFill/>
@@ -7010,7 +5911,7 @@
 </c:chartSpace>
 </file>
 
-<file path=ppt/charts/chart7.xml><?xml version="1.0" encoding="utf-8"?>
+<file path=ppt/charts/chart6.xml><?xml version="1.0" encoding="utf-8"?>
 <c:chartSpace xmlns:c="http://schemas.openxmlformats.org/drawingml/2006/chart" xmlns:a="http://schemas.openxmlformats.org/drawingml/2006/main" xmlns:r="http://schemas.openxmlformats.org/officeDocument/2006/relationships" xmlns:c16r2="http://schemas.microsoft.com/office/drawing/2015/06/chart">
   <c:date1904 val="0"/>
   <c:lang val="en-US"/>
@@ -7055,7 +5956,6 @@
           </a:p>
         </c:rich>
       </c:tx>
-      <c:layout/>
       <c:overlay val="0"/>
       <c:spPr>
         <a:noFill/>
@@ -7250,7 +6150,7 @@
                     </c:numCache>
                   </c:numRef>
                 </c:val>
-                <c:extLst>
+                <c:extLst xmlns:c15="http://schemas.microsoft.com/office/drawing/2012/chart">
                   <c:ext xmlns:c16="http://schemas.microsoft.com/office/drawing/2014/chart" uri="{C3380CC4-5D6E-409C-BE32-E72D297353CC}">
                     <c16:uniqueId val="{00000006-6FF2-4863-AE4A-9115D151CE92}"/>
                   </c:ext>
@@ -7333,7 +6233,7 @@
                     </c:numCache>
                   </c:numRef>
                 </c:val>
-                <c:extLst>
+                <c:extLst xmlns:c15="http://schemas.microsoft.com/office/drawing/2012/chart">
                   <c:ext xmlns:c16="http://schemas.microsoft.com/office/drawing/2014/chart" uri="{C3380CC4-5D6E-409C-BE32-E72D297353CC}">
                     <c16:uniqueId val="{00000007-6FF2-4863-AE4A-9115D151CE92}"/>
                   </c:ext>
@@ -7410,7 +6310,7 @@
                     </c:numCache>
                   </c:numRef>
                 </c:val>
-                <c:extLst>
+                <c:extLst xmlns:c15="http://schemas.microsoft.com/office/drawing/2012/chart">
                   <c:ext xmlns:c16="http://schemas.microsoft.com/office/drawing/2014/chart" uri="{C3380CC4-5D6E-409C-BE32-E72D297353CC}">
                     <c16:uniqueId val="{00000008-6FF2-4863-AE4A-9115D151CE92}"/>
                   </c:ext>
@@ -7971,7 +6871,7 @@
                   </c:numRef>
                 </c:val>
                 <c:smooth val="0"/>
-                <c:extLst>
+                <c:extLst xmlns:c15="http://schemas.microsoft.com/office/drawing/2012/chart">
                   <c:ext xmlns:c16="http://schemas.microsoft.com/office/drawing/2014/chart" uri="{C3380CC4-5D6E-409C-BE32-E72D297353CC}">
                     <c16:uniqueId val="{00000004-6FF2-4863-AE4A-9115D151CE92}"/>
                   </c:ext>
@@ -8055,7 +6955,7 @@
                   </c:numRef>
                 </c:val>
                 <c:smooth val="0"/>
-                <c:extLst>
+                <c:extLst xmlns:c15="http://schemas.microsoft.com/office/drawing/2012/chart">
                   <c:ext xmlns:c16="http://schemas.microsoft.com/office/drawing/2014/chart" uri="{C3380CC4-5D6E-409C-BE32-E72D297353CC}">
                     <c16:uniqueId val="{00000009-6FF2-4863-AE4A-9115D151CE92}"/>
                   </c:ext>
@@ -8098,7 +6998,6 @@
               </a:p>
             </c:rich>
           </c:tx>
-          <c:layout/>
           <c:overlay val="0"/>
           <c:spPr>
             <a:noFill/>
@@ -8225,7 +7124,6 @@
               </a:p>
             </c:rich>
           </c:tx>
-          <c:layout/>
           <c:overlay val="0"/>
           <c:spPr>
             <a:noFill/>
@@ -8306,7 +7204,6 @@
     </c:plotArea>
     <c:legend>
       <c:legendPos val="b"/>
-      <c:layout/>
       <c:overlay val="0"/>
       <c:spPr>
         <a:noFill/>
@@ -8363,7 +7260,7 @@
 </c:chartSpace>
 </file>
 
-<file path=ppt/charts/chart8.xml><?xml version="1.0" encoding="utf-8"?>
+<file path=ppt/charts/chart7.xml><?xml version="1.0" encoding="utf-8"?>
 <c:chartSpace xmlns:c="http://schemas.openxmlformats.org/drawingml/2006/chart" xmlns:a="http://schemas.openxmlformats.org/drawingml/2006/main" xmlns:r="http://schemas.openxmlformats.org/officeDocument/2006/relationships" xmlns:c16r2="http://schemas.microsoft.com/office/drawing/2015/06/chart">
   <c:date1904 val="0"/>
   <c:lang val="en-US"/>
@@ -8408,7 +7305,6 @@
           </a:p>
         </c:rich>
       </c:tx>
-      <c:layout/>
       <c:overlay val="0"/>
       <c:spPr>
         <a:noFill/>
@@ -8603,7 +7499,7 @@
                     </c:numCache>
                   </c:numRef>
                 </c:val>
-                <c:extLst>
+                <c:extLst xmlns:c15="http://schemas.microsoft.com/office/drawing/2012/chart">
                   <c:ext xmlns:c16="http://schemas.microsoft.com/office/drawing/2014/chart" uri="{C3380CC4-5D6E-409C-BE32-E72D297353CC}">
                     <c16:uniqueId val="{00000006-24C2-4603-8412-E000409949BC}"/>
                   </c:ext>
@@ -8686,7 +7582,7 @@
                     </c:numCache>
                   </c:numRef>
                 </c:val>
-                <c:extLst>
+                <c:extLst xmlns:c15="http://schemas.microsoft.com/office/drawing/2012/chart">
                   <c:ext xmlns:c16="http://schemas.microsoft.com/office/drawing/2014/chart" uri="{C3380CC4-5D6E-409C-BE32-E72D297353CC}">
                     <c16:uniqueId val="{00000007-24C2-4603-8412-E000409949BC}"/>
                   </c:ext>
@@ -8763,7 +7659,7 @@
                     </c:numCache>
                   </c:numRef>
                 </c:val>
-                <c:extLst>
+                <c:extLst xmlns:c15="http://schemas.microsoft.com/office/drawing/2012/chart">
                   <c:ext xmlns:c16="http://schemas.microsoft.com/office/drawing/2014/chart" uri="{C3380CC4-5D6E-409C-BE32-E72D297353CC}">
                     <c16:uniqueId val="{00000008-24C2-4603-8412-E000409949BC}"/>
                   </c:ext>
@@ -9324,7 +8220,7 @@
                   </c:numRef>
                 </c:val>
                 <c:smooth val="0"/>
-                <c:extLst>
+                <c:extLst xmlns:c15="http://schemas.microsoft.com/office/drawing/2012/chart">
                   <c:ext xmlns:c16="http://schemas.microsoft.com/office/drawing/2014/chart" uri="{C3380CC4-5D6E-409C-BE32-E72D297353CC}">
                     <c16:uniqueId val="{00000004-24C2-4603-8412-E000409949BC}"/>
                   </c:ext>
@@ -9408,7 +8304,7 @@
                   </c:numRef>
                 </c:val>
                 <c:smooth val="0"/>
-                <c:extLst>
+                <c:extLst xmlns:c15="http://schemas.microsoft.com/office/drawing/2012/chart">
                   <c:ext xmlns:c16="http://schemas.microsoft.com/office/drawing/2014/chart" uri="{C3380CC4-5D6E-409C-BE32-E72D297353CC}">
                     <c16:uniqueId val="{00000009-24C2-4603-8412-E000409949BC}"/>
                   </c:ext>
@@ -9451,7 +8347,6 @@
               </a:p>
             </c:rich>
           </c:tx>
-          <c:layout/>
           <c:overlay val="0"/>
           <c:spPr>
             <a:noFill/>
@@ -9578,7 +8473,6 @@
               </a:p>
             </c:rich>
           </c:tx>
-          <c:layout/>
           <c:overlay val="0"/>
           <c:spPr>
             <a:noFill/>
@@ -9659,7 +8553,6 @@
     </c:plotArea>
     <c:legend>
       <c:legendPos val="b"/>
-      <c:layout/>
       <c:overlay val="0"/>
       <c:spPr>
         <a:noFill/>
@@ -9716,7 +8609,7 @@
 </c:chartSpace>
 </file>
 
-<file path=ppt/charts/chart9.xml><?xml version="1.0" encoding="utf-8"?>
+<file path=ppt/charts/chart8.xml><?xml version="1.0" encoding="utf-8"?>
 <c:chartSpace xmlns:c="http://schemas.openxmlformats.org/drawingml/2006/chart" xmlns:a="http://schemas.openxmlformats.org/drawingml/2006/main" xmlns:r="http://schemas.openxmlformats.org/officeDocument/2006/relationships" xmlns:c16r2="http://schemas.microsoft.com/office/drawing/2015/06/chart">
   <c:date1904 val="0"/>
   <c:lang val="en-US"/>
@@ -9761,7 +8654,6 @@
           </a:p>
         </c:rich>
       </c:tx>
-      <c:layout/>
       <c:overlay val="0"/>
       <c:spPr>
         <a:noFill/>
@@ -9956,7 +8848,7 @@
                     </c:numCache>
                   </c:numRef>
                 </c:val>
-                <c:extLst>
+                <c:extLst xmlns:c15="http://schemas.microsoft.com/office/drawing/2012/chart">
                   <c:ext xmlns:c16="http://schemas.microsoft.com/office/drawing/2014/chart" uri="{C3380CC4-5D6E-409C-BE32-E72D297353CC}">
                     <c16:uniqueId val="{00000006-E46F-4423-8CB5-94E352E6E73A}"/>
                   </c:ext>
@@ -10035,7 +8927,7 @@
                     </c:numCache>
                   </c:numRef>
                 </c:val>
-                <c:extLst>
+                <c:extLst xmlns:c15="http://schemas.microsoft.com/office/drawing/2012/chart">
                   <c:ext xmlns:c16="http://schemas.microsoft.com/office/drawing/2014/chart" uri="{C3380CC4-5D6E-409C-BE32-E72D297353CC}">
                     <c16:uniqueId val="{00000007-E46F-4423-8CB5-94E352E6E73A}"/>
                   </c:ext>
@@ -10112,7 +9004,7 @@
                     </c:numCache>
                   </c:numRef>
                 </c:val>
-                <c:extLst>
+                <c:extLst xmlns:c15="http://schemas.microsoft.com/office/drawing/2012/chart">
                   <c:ext xmlns:c16="http://schemas.microsoft.com/office/drawing/2014/chart" uri="{C3380CC4-5D6E-409C-BE32-E72D297353CC}">
                     <c16:uniqueId val="{00000008-E46F-4423-8CB5-94E352E6E73A}"/>
                   </c:ext>
@@ -10669,7 +9561,7 @@
                   </c:numRef>
                 </c:val>
                 <c:smooth val="0"/>
-                <c:extLst>
+                <c:extLst xmlns:c15="http://schemas.microsoft.com/office/drawing/2012/chart">
                   <c:ext xmlns:c16="http://schemas.microsoft.com/office/drawing/2014/chart" uri="{C3380CC4-5D6E-409C-BE32-E72D297353CC}">
                     <c16:uniqueId val="{00000004-E46F-4423-8CB5-94E352E6E73A}"/>
                   </c:ext>
@@ -10753,7 +9645,7 @@
                   </c:numRef>
                 </c:val>
                 <c:smooth val="0"/>
-                <c:extLst>
+                <c:extLst xmlns:c15="http://schemas.microsoft.com/office/drawing/2012/chart">
                   <c:ext xmlns:c16="http://schemas.microsoft.com/office/drawing/2014/chart" uri="{C3380CC4-5D6E-409C-BE32-E72D297353CC}">
                     <c16:uniqueId val="{00000009-E46F-4423-8CB5-94E352E6E73A}"/>
                   </c:ext>
@@ -10796,7 +9688,6 @@
               </a:p>
             </c:rich>
           </c:tx>
-          <c:layout/>
           <c:overlay val="0"/>
           <c:spPr>
             <a:noFill/>
@@ -10923,7 +9814,6 @@
               </a:p>
             </c:rich>
           </c:tx>
-          <c:layout/>
           <c:overlay val="0"/>
           <c:spPr>
             <a:noFill/>
@@ -11004,7 +9894,6 @@
     </c:plotArea>
     <c:legend>
       <c:legendPos val="b"/>
-      <c:layout/>
       <c:overlay val="0"/>
       <c:spPr>
         <a:noFill/>
@@ -11381,46 +10270,6 @@
 </cs:colorStyle>
 </file>
 
-<file path=ppt/charts/colors9.xml><?xml version="1.0" encoding="utf-8"?>
-<cs:colorStyle xmlns:cs="http://schemas.microsoft.com/office/drawing/2012/chartStyle" xmlns:a="http://schemas.openxmlformats.org/drawingml/2006/main" meth="cycle" id="10">
-  <a:schemeClr val="accent1"/>
-  <a:schemeClr val="accent2"/>
-  <a:schemeClr val="accent3"/>
-  <a:schemeClr val="accent4"/>
-  <a:schemeClr val="accent5"/>
-  <a:schemeClr val="accent6"/>
-  <cs:variation/>
-  <cs:variation>
-    <a:lumMod val="60000"/>
-  </cs:variation>
-  <cs:variation>
-    <a:lumMod val="80000"/>
-    <a:lumOff val="20000"/>
-  </cs:variation>
-  <cs:variation>
-    <a:lumMod val="80000"/>
-  </cs:variation>
-  <cs:variation>
-    <a:lumMod val="60000"/>
-    <a:lumOff val="40000"/>
-  </cs:variation>
-  <cs:variation>
-    <a:lumMod val="50000"/>
-  </cs:variation>
-  <cs:variation>
-    <a:lumMod val="70000"/>
-    <a:lumOff val="30000"/>
-  </cs:variation>
-  <cs:variation>
-    <a:lumMod val="70000"/>
-  </cs:variation>
-  <cs:variation>
-    <a:lumMod val="50000"/>
-    <a:lumOff val="50000"/>
-  </cs:variation>
-</cs:colorStyle>
-</file>
-
 <file path=ppt/charts/style1.xml><?xml version="1.0" encoding="utf-8"?>
 <cs:chartStyle xmlns:cs="http://schemas.microsoft.com/office/drawing/2012/chartStyle" xmlns:a="http://schemas.openxmlformats.org/drawingml/2006/main" id="240">
   <cs:axisTitle>
@@ -15034,522 +13883,6 @@
 </file>
 
 <file path=ppt/charts/style8.xml><?xml version="1.0" encoding="utf-8"?>
-<cs:chartStyle xmlns:cs="http://schemas.microsoft.com/office/drawing/2012/chartStyle" xmlns:a="http://schemas.openxmlformats.org/drawingml/2006/main" id="240">
-  <cs:axisTitle>
-    <cs:lnRef idx="0"/>
-    <cs:fillRef idx="0"/>
-    <cs:effectRef idx="0"/>
-    <cs:fontRef idx="minor">
-      <a:schemeClr val="tx1">
-        <a:lumMod val="65000"/>
-        <a:lumOff val="35000"/>
-      </a:schemeClr>
-    </cs:fontRef>
-    <cs:defRPr sz="1000" kern="1200"/>
-  </cs:axisTitle>
-  <cs:categoryAxis>
-    <cs:lnRef idx="0"/>
-    <cs:fillRef idx="0"/>
-    <cs:effectRef idx="0"/>
-    <cs:fontRef idx="minor">
-      <a:schemeClr val="tx1">
-        <a:lumMod val="65000"/>
-        <a:lumOff val="35000"/>
-      </a:schemeClr>
-    </cs:fontRef>
-    <cs:spPr>
-      <a:ln w="9525" cap="flat" cmpd="sng" algn="ctr">
-        <a:solidFill>
-          <a:schemeClr val="tx1">
-            <a:lumMod val="25000"/>
-            <a:lumOff val="75000"/>
-          </a:schemeClr>
-        </a:solidFill>
-        <a:round/>
-      </a:ln>
-    </cs:spPr>
-    <cs:defRPr sz="900" kern="1200"/>
-  </cs:categoryAxis>
-  <cs:chartArea mods="allowNoFillOverride allowNoLineOverride">
-    <cs:lnRef idx="0"/>
-    <cs:fillRef idx="0"/>
-    <cs:effectRef idx="0"/>
-    <cs:fontRef idx="minor">
-      <a:schemeClr val="tx1"/>
-    </cs:fontRef>
-    <cs:spPr>
-      <a:solidFill>
-        <a:schemeClr val="bg1"/>
-      </a:solidFill>
-      <a:ln w="9525" cap="flat" cmpd="sng" algn="ctr">
-        <a:solidFill>
-          <a:schemeClr val="tx1">
-            <a:lumMod val="15000"/>
-            <a:lumOff val="85000"/>
-          </a:schemeClr>
-        </a:solidFill>
-        <a:round/>
-      </a:ln>
-    </cs:spPr>
-    <cs:defRPr sz="1000" kern="1200"/>
-  </cs:chartArea>
-  <cs:dataLabel>
-    <cs:lnRef idx="0"/>
-    <cs:fillRef idx="0"/>
-    <cs:effectRef idx="0"/>
-    <cs:fontRef idx="minor">
-      <a:schemeClr val="tx1">
-        <a:lumMod val="75000"/>
-        <a:lumOff val="25000"/>
-      </a:schemeClr>
-    </cs:fontRef>
-    <cs:defRPr sz="900" kern="1200"/>
-  </cs:dataLabel>
-  <cs:dataLabelCallout>
-    <cs:lnRef idx="0"/>
-    <cs:fillRef idx="0"/>
-    <cs:effectRef idx="0"/>
-    <cs:fontRef idx="minor">
-      <a:schemeClr val="dk1">
-        <a:lumMod val="65000"/>
-        <a:lumOff val="35000"/>
-      </a:schemeClr>
-    </cs:fontRef>
-    <cs:spPr>
-      <a:solidFill>
-        <a:schemeClr val="lt1"/>
-      </a:solidFill>
-      <a:ln>
-        <a:solidFill>
-          <a:schemeClr val="dk1">
-            <a:lumMod val="25000"/>
-            <a:lumOff val="75000"/>
-          </a:schemeClr>
-        </a:solidFill>
-      </a:ln>
-    </cs:spPr>
-    <cs:defRPr sz="900" kern="1200"/>
-    <cs:bodyPr rot="0" spcFirstLastPara="1" vertOverflow="clip" horzOverflow="clip" vert="horz" wrap="square" lIns="36576" tIns="18288" rIns="36576" bIns="18288" anchor="ctr" anchorCtr="1">
-      <a:spAutoFit/>
-    </cs:bodyPr>
-  </cs:dataLabelCallout>
-  <cs:dataPoint>
-    <cs:lnRef idx="0"/>
-    <cs:fillRef idx="1">
-      <cs:styleClr val="auto"/>
-    </cs:fillRef>
-    <cs:effectRef idx="0"/>
-    <cs:fontRef idx="minor">
-      <a:schemeClr val="tx1"/>
-    </cs:fontRef>
-  </cs:dataPoint>
-  <cs:dataPoint3D>
-    <cs:lnRef idx="0"/>
-    <cs:fillRef idx="1">
-      <cs:styleClr val="auto"/>
-    </cs:fillRef>
-    <cs:effectRef idx="0"/>
-    <cs:fontRef idx="minor">
-      <a:schemeClr val="tx1"/>
-    </cs:fontRef>
-  </cs:dataPoint3D>
-  <cs:dataPointLine>
-    <cs:lnRef idx="0">
-      <cs:styleClr val="auto"/>
-    </cs:lnRef>
-    <cs:fillRef idx="1"/>
-    <cs:effectRef idx="0"/>
-    <cs:fontRef idx="minor">
-      <a:schemeClr val="tx1"/>
-    </cs:fontRef>
-    <cs:spPr>
-      <a:ln w="19050" cap="rnd">
-        <a:solidFill>
-          <a:schemeClr val="phClr"/>
-        </a:solidFill>
-        <a:round/>
-      </a:ln>
-    </cs:spPr>
-  </cs:dataPointLine>
-  <cs:dataPointMarker>
-    <cs:lnRef idx="0">
-      <cs:styleClr val="auto"/>
-    </cs:lnRef>
-    <cs:fillRef idx="1">
-      <cs:styleClr val="auto"/>
-    </cs:fillRef>
-    <cs:effectRef idx="0"/>
-    <cs:fontRef idx="minor">
-      <a:schemeClr val="tx1"/>
-    </cs:fontRef>
-    <cs:spPr>
-      <a:ln w="9525">
-        <a:solidFill>
-          <a:schemeClr val="phClr"/>
-        </a:solidFill>
-      </a:ln>
-    </cs:spPr>
-  </cs:dataPointMarker>
-  <cs:dataPointMarkerLayout symbol="circle" size="5"/>
-  <cs:dataPointWireframe>
-    <cs:lnRef idx="0">
-      <cs:styleClr val="auto"/>
-    </cs:lnRef>
-    <cs:fillRef idx="0"/>
-    <cs:effectRef idx="0"/>
-    <cs:fontRef idx="minor">
-      <a:schemeClr val="dk1"/>
-    </cs:fontRef>
-    <cs:spPr>
-      <a:ln w="9525" cap="rnd">
-        <a:solidFill>
-          <a:schemeClr val="phClr"/>
-        </a:solidFill>
-        <a:round/>
-      </a:ln>
-    </cs:spPr>
-  </cs:dataPointWireframe>
-  <cs:dataTable>
-    <cs:lnRef idx="0"/>
-    <cs:fillRef idx="0"/>
-    <cs:effectRef idx="0"/>
-    <cs:fontRef idx="minor">
-      <a:schemeClr val="tx1">
-        <a:lumMod val="65000"/>
-        <a:lumOff val="35000"/>
-      </a:schemeClr>
-    </cs:fontRef>
-    <cs:spPr>
-      <a:noFill/>
-      <a:ln w="9525" cap="flat" cmpd="sng" algn="ctr">
-        <a:solidFill>
-          <a:schemeClr val="tx1">
-            <a:lumMod val="15000"/>
-            <a:lumOff val="85000"/>
-          </a:schemeClr>
-        </a:solidFill>
-        <a:round/>
-      </a:ln>
-    </cs:spPr>
-    <cs:defRPr sz="900" kern="1200"/>
-  </cs:dataTable>
-  <cs:downBar>
-    <cs:lnRef idx="0"/>
-    <cs:fillRef idx="0"/>
-    <cs:effectRef idx="0"/>
-    <cs:fontRef idx="minor">
-      <a:schemeClr val="tx1"/>
-    </cs:fontRef>
-    <cs:spPr>
-      <a:solidFill>
-        <a:schemeClr val="dk1">
-          <a:lumMod val="75000"/>
-          <a:lumOff val="25000"/>
-        </a:schemeClr>
-      </a:solidFill>
-      <a:ln w="9525" cap="flat" cmpd="sng" algn="ctr">
-        <a:solidFill>
-          <a:schemeClr val="tx1">
-            <a:lumMod val="65000"/>
-            <a:lumOff val="35000"/>
-          </a:schemeClr>
-        </a:solidFill>
-        <a:round/>
-      </a:ln>
-    </cs:spPr>
-  </cs:downBar>
-  <cs:dropLine>
-    <cs:lnRef idx="0"/>
-    <cs:fillRef idx="0"/>
-    <cs:effectRef idx="0"/>
-    <cs:fontRef idx="minor">
-      <a:schemeClr val="tx1"/>
-    </cs:fontRef>
-    <cs:spPr>
-      <a:ln w="9525" cap="flat" cmpd="sng" algn="ctr">
-        <a:solidFill>
-          <a:schemeClr val="tx1">
-            <a:lumMod val="35000"/>
-            <a:lumOff val="65000"/>
-          </a:schemeClr>
-        </a:solidFill>
-        <a:round/>
-      </a:ln>
-    </cs:spPr>
-  </cs:dropLine>
-  <cs:errorBar>
-    <cs:lnRef idx="0"/>
-    <cs:fillRef idx="0"/>
-    <cs:effectRef idx="0"/>
-    <cs:fontRef idx="minor">
-      <a:schemeClr val="tx1"/>
-    </cs:fontRef>
-    <cs:spPr>
-      <a:ln w="9525" cap="flat" cmpd="sng" algn="ctr">
-        <a:solidFill>
-          <a:schemeClr val="tx1">
-            <a:lumMod val="65000"/>
-            <a:lumOff val="35000"/>
-          </a:schemeClr>
-        </a:solidFill>
-        <a:round/>
-      </a:ln>
-    </cs:spPr>
-  </cs:errorBar>
-  <cs:floor>
-    <cs:lnRef idx="0"/>
-    <cs:fillRef idx="0"/>
-    <cs:effectRef idx="0"/>
-    <cs:fontRef idx="minor">
-      <a:schemeClr val="tx1"/>
-    </cs:fontRef>
-    <cs:spPr>
-      <a:noFill/>
-      <a:ln>
-        <a:noFill/>
-      </a:ln>
-    </cs:spPr>
-  </cs:floor>
-  <cs:gridlineMajor>
-    <cs:lnRef idx="0"/>
-    <cs:fillRef idx="0"/>
-    <cs:effectRef idx="0"/>
-    <cs:fontRef idx="minor">
-      <a:schemeClr val="tx1"/>
-    </cs:fontRef>
-    <cs:spPr>
-      <a:ln w="9525" cap="flat" cmpd="sng" algn="ctr">
-        <a:solidFill>
-          <a:schemeClr val="tx1">
-            <a:lumMod val="15000"/>
-            <a:lumOff val="85000"/>
-          </a:schemeClr>
-        </a:solidFill>
-        <a:round/>
-      </a:ln>
-    </cs:spPr>
-  </cs:gridlineMajor>
-  <cs:gridlineMinor>
-    <cs:lnRef idx="0"/>
-    <cs:fillRef idx="0"/>
-    <cs:effectRef idx="0"/>
-    <cs:fontRef idx="minor">
-      <a:schemeClr val="tx1"/>
-    </cs:fontRef>
-    <cs:spPr>
-      <a:ln w="9525" cap="flat" cmpd="sng" algn="ctr">
-        <a:solidFill>
-          <a:schemeClr val="tx1">
-            <a:lumMod val="5000"/>
-            <a:lumOff val="95000"/>
-          </a:schemeClr>
-        </a:solidFill>
-        <a:round/>
-      </a:ln>
-    </cs:spPr>
-  </cs:gridlineMinor>
-  <cs:hiLoLine>
-    <cs:lnRef idx="0"/>
-    <cs:fillRef idx="0"/>
-    <cs:effectRef idx="0"/>
-    <cs:fontRef idx="minor">
-      <a:schemeClr val="tx1"/>
-    </cs:fontRef>
-    <cs:spPr>
-      <a:ln w="9525" cap="flat" cmpd="sng" algn="ctr">
-        <a:solidFill>
-          <a:schemeClr val="tx1">
-            <a:lumMod val="50000"/>
-            <a:lumOff val="50000"/>
-          </a:schemeClr>
-        </a:solidFill>
-        <a:round/>
-      </a:ln>
-    </cs:spPr>
-  </cs:hiLoLine>
-  <cs:leaderLine>
-    <cs:lnRef idx="0"/>
-    <cs:fillRef idx="0"/>
-    <cs:effectRef idx="0"/>
-    <cs:fontRef idx="minor">
-      <a:schemeClr val="tx1"/>
-    </cs:fontRef>
-    <cs:spPr>
-      <a:ln w="9525" cap="flat" cmpd="sng" algn="ctr">
-        <a:solidFill>
-          <a:schemeClr val="tx1">
-            <a:lumMod val="35000"/>
-            <a:lumOff val="65000"/>
-          </a:schemeClr>
-        </a:solidFill>
-        <a:round/>
-      </a:ln>
-    </cs:spPr>
-  </cs:leaderLine>
-  <cs:legend>
-    <cs:lnRef idx="0"/>
-    <cs:fillRef idx="0"/>
-    <cs:effectRef idx="0"/>
-    <cs:fontRef idx="minor">
-      <a:schemeClr val="tx1">
-        <a:lumMod val="65000"/>
-        <a:lumOff val="35000"/>
-      </a:schemeClr>
-    </cs:fontRef>
-    <cs:defRPr sz="900" kern="1200"/>
-  </cs:legend>
-  <cs:plotArea mods="allowNoFillOverride allowNoLineOverride">
-    <cs:lnRef idx="0"/>
-    <cs:fillRef idx="0"/>
-    <cs:effectRef idx="0"/>
-    <cs:fontRef idx="minor">
-      <a:schemeClr val="tx1"/>
-    </cs:fontRef>
-  </cs:plotArea>
-  <cs:plotArea3D mods="allowNoFillOverride allowNoLineOverride">
-    <cs:lnRef idx="0"/>
-    <cs:fillRef idx="0"/>
-    <cs:effectRef idx="0"/>
-    <cs:fontRef idx="minor">
-      <a:schemeClr val="tx1"/>
-    </cs:fontRef>
-  </cs:plotArea3D>
-  <cs:seriesAxis>
-    <cs:lnRef idx="0"/>
-    <cs:fillRef idx="0"/>
-    <cs:effectRef idx="0"/>
-    <cs:fontRef idx="minor">
-      <a:schemeClr val="tx1">
-        <a:lumMod val="65000"/>
-        <a:lumOff val="35000"/>
-      </a:schemeClr>
-    </cs:fontRef>
-    <cs:defRPr sz="900" kern="1200"/>
-  </cs:seriesAxis>
-  <cs:seriesLine>
-    <cs:lnRef idx="0"/>
-    <cs:fillRef idx="0"/>
-    <cs:effectRef idx="0"/>
-    <cs:fontRef idx="minor">
-      <a:schemeClr val="tx1"/>
-    </cs:fontRef>
-    <cs:spPr>
-      <a:ln w="9525" cap="flat" cmpd="sng" algn="ctr">
-        <a:solidFill>
-          <a:schemeClr val="tx1">
-            <a:lumMod val="35000"/>
-            <a:lumOff val="65000"/>
-          </a:schemeClr>
-        </a:solidFill>
-        <a:round/>
-      </a:ln>
-    </cs:spPr>
-  </cs:seriesLine>
-  <cs:title>
-    <cs:lnRef idx="0"/>
-    <cs:fillRef idx="0"/>
-    <cs:effectRef idx="0"/>
-    <cs:fontRef idx="minor">
-      <a:schemeClr val="tx1">
-        <a:lumMod val="65000"/>
-        <a:lumOff val="35000"/>
-      </a:schemeClr>
-    </cs:fontRef>
-    <cs:defRPr sz="1400" b="0" kern="1200" spc="0" baseline="0"/>
-  </cs:title>
-  <cs:trendline>
-    <cs:lnRef idx="0">
-      <cs:styleClr val="auto"/>
-    </cs:lnRef>
-    <cs:fillRef idx="0"/>
-    <cs:effectRef idx="0"/>
-    <cs:fontRef idx="minor">
-      <a:schemeClr val="tx1"/>
-    </cs:fontRef>
-    <cs:spPr>
-      <a:ln w="19050" cap="rnd">
-        <a:solidFill>
-          <a:schemeClr val="phClr"/>
-        </a:solidFill>
-        <a:prstDash val="sysDot"/>
-      </a:ln>
-    </cs:spPr>
-  </cs:trendline>
-  <cs:trendlineLabel>
-    <cs:lnRef idx="0"/>
-    <cs:fillRef idx="0"/>
-    <cs:effectRef idx="0"/>
-    <cs:fontRef idx="minor">
-      <a:schemeClr val="tx1">
-        <a:lumMod val="65000"/>
-        <a:lumOff val="35000"/>
-      </a:schemeClr>
-    </cs:fontRef>
-    <cs:defRPr sz="900" kern="1200"/>
-  </cs:trendlineLabel>
-  <cs:upBar>
-    <cs:lnRef idx="0"/>
-    <cs:fillRef idx="0"/>
-    <cs:effectRef idx="0"/>
-    <cs:fontRef idx="minor">
-      <a:schemeClr val="tx1"/>
-    </cs:fontRef>
-    <cs:spPr>
-      <a:solidFill>
-        <a:schemeClr val="lt1"/>
-      </a:solidFill>
-      <a:ln w="9525" cap="flat" cmpd="sng" algn="ctr">
-        <a:solidFill>
-          <a:schemeClr val="tx1">
-            <a:lumMod val="65000"/>
-            <a:lumOff val="35000"/>
-          </a:schemeClr>
-        </a:solidFill>
-        <a:round/>
-      </a:ln>
-    </cs:spPr>
-  </cs:upBar>
-  <cs:valueAxis>
-    <cs:lnRef idx="0"/>
-    <cs:fillRef idx="0"/>
-    <cs:effectRef idx="0"/>
-    <cs:fontRef idx="minor">
-      <a:schemeClr val="tx1">
-        <a:lumMod val="65000"/>
-        <a:lumOff val="35000"/>
-      </a:schemeClr>
-    </cs:fontRef>
-    <cs:spPr>
-      <a:ln w="9525" cap="flat" cmpd="sng" algn="ctr">
-        <a:solidFill>
-          <a:schemeClr val="tx1">
-            <a:lumMod val="25000"/>
-            <a:lumOff val="75000"/>
-          </a:schemeClr>
-        </a:solidFill>
-        <a:round/>
-      </a:ln>
-    </cs:spPr>
-    <cs:defRPr sz="900" kern="1200"/>
-  </cs:valueAxis>
-  <cs:wall>
-    <cs:lnRef idx="0"/>
-    <cs:fillRef idx="0"/>
-    <cs:effectRef idx="0"/>
-    <cs:fontRef idx="minor">
-      <a:schemeClr val="tx1"/>
-    </cs:fontRef>
-    <cs:spPr>
-      <a:noFill/>
-      <a:ln>
-        <a:noFill/>
-      </a:ln>
-    </cs:spPr>
-  </cs:wall>
-</cs:chartStyle>
-</file>
-
-<file path=ppt/charts/style9.xml><?xml version="1.0" encoding="utf-8"?>
 <cs:chartStyle xmlns:cs="http://schemas.microsoft.com/office/drawing/2012/chartStyle" xmlns:a="http://schemas.openxmlformats.org/drawingml/2006/main" id="240">
   <cs:axisTitle>
     <cs:lnRef idx="0"/>
@@ -16196,7 +14529,7 @@
           <a:p>
             <a:fld id="{E9696992-FC42-4C18-BCC9-E69A9169578E}" type="datetimeFigureOut">
               <a:rPr lang="nb-NO" smtClean="0"/>
-              <a:t>27.05.2018</a:t>
+              <a:t>28.05.2018</a:t>
             </a:fld>
             <a:endParaRPr lang="nb-NO"/>
           </a:p>
@@ -16366,7 +14699,7 @@
           <a:p>
             <a:fld id="{E9696992-FC42-4C18-BCC9-E69A9169578E}" type="datetimeFigureOut">
               <a:rPr lang="nb-NO" smtClean="0"/>
-              <a:t>27.05.2018</a:t>
+              <a:t>28.05.2018</a:t>
             </a:fld>
             <a:endParaRPr lang="nb-NO"/>
           </a:p>
@@ -16546,7 +14879,7 @@
           <a:p>
             <a:fld id="{E9696992-FC42-4C18-BCC9-E69A9169578E}" type="datetimeFigureOut">
               <a:rPr lang="nb-NO" smtClean="0"/>
-              <a:t>27.05.2018</a:t>
+              <a:t>28.05.2018</a:t>
             </a:fld>
             <a:endParaRPr lang="nb-NO"/>
           </a:p>
@@ -16716,7 +15049,7 @@
           <a:p>
             <a:fld id="{E9696992-FC42-4C18-BCC9-E69A9169578E}" type="datetimeFigureOut">
               <a:rPr lang="nb-NO" smtClean="0"/>
-              <a:t>27.05.2018</a:t>
+              <a:t>28.05.2018</a:t>
             </a:fld>
             <a:endParaRPr lang="nb-NO"/>
           </a:p>
@@ -16962,7 +15295,7 @@
           <a:p>
             <a:fld id="{E9696992-FC42-4C18-BCC9-E69A9169578E}" type="datetimeFigureOut">
               <a:rPr lang="nb-NO" smtClean="0"/>
-              <a:t>27.05.2018</a:t>
+              <a:t>28.05.2018</a:t>
             </a:fld>
             <a:endParaRPr lang="nb-NO"/>
           </a:p>
@@ -17194,7 +15527,7 @@
           <a:p>
             <a:fld id="{E9696992-FC42-4C18-BCC9-E69A9169578E}" type="datetimeFigureOut">
               <a:rPr lang="nb-NO" smtClean="0"/>
-              <a:t>27.05.2018</a:t>
+              <a:t>28.05.2018</a:t>
             </a:fld>
             <a:endParaRPr lang="nb-NO"/>
           </a:p>
@@ -17561,7 +15894,7 @@
           <a:p>
             <a:fld id="{E9696992-FC42-4C18-BCC9-E69A9169578E}" type="datetimeFigureOut">
               <a:rPr lang="nb-NO" smtClean="0"/>
-              <a:t>27.05.2018</a:t>
+              <a:t>28.05.2018</a:t>
             </a:fld>
             <a:endParaRPr lang="nb-NO"/>
           </a:p>
@@ -17679,7 +16012,7 @@
           <a:p>
             <a:fld id="{E9696992-FC42-4C18-BCC9-E69A9169578E}" type="datetimeFigureOut">
               <a:rPr lang="nb-NO" smtClean="0"/>
-              <a:t>27.05.2018</a:t>
+              <a:t>28.05.2018</a:t>
             </a:fld>
             <a:endParaRPr lang="nb-NO"/>
           </a:p>
@@ -17774,7 +16107,7 @@
           <a:p>
             <a:fld id="{E9696992-FC42-4C18-BCC9-E69A9169578E}" type="datetimeFigureOut">
               <a:rPr lang="nb-NO" smtClean="0"/>
-              <a:t>27.05.2018</a:t>
+              <a:t>28.05.2018</a:t>
             </a:fld>
             <a:endParaRPr lang="nb-NO"/>
           </a:p>
@@ -18051,7 +16384,7 @@
           <a:p>
             <a:fld id="{E9696992-FC42-4C18-BCC9-E69A9169578E}" type="datetimeFigureOut">
               <a:rPr lang="nb-NO" smtClean="0"/>
-              <a:t>27.05.2018</a:t>
+              <a:t>28.05.2018</a:t>
             </a:fld>
             <a:endParaRPr lang="nb-NO"/>
           </a:p>
@@ -18304,7 +16637,7 @@
           <a:p>
             <a:fld id="{E9696992-FC42-4C18-BCC9-E69A9169578E}" type="datetimeFigureOut">
               <a:rPr lang="nb-NO" smtClean="0"/>
-              <a:t>27.05.2018</a:t>
+              <a:t>28.05.2018</a:t>
             </a:fld>
             <a:endParaRPr lang="nb-NO"/>
           </a:p>
@@ -18517,7 +16850,7 @@
           <a:p>
             <a:fld id="{E9696992-FC42-4C18-BCC9-E69A9169578E}" type="datetimeFigureOut">
               <a:rPr lang="nb-NO" smtClean="0"/>
-              <a:t>27.05.2018</a:t>
+              <a:t>28.05.2018</a:t>
             </a:fld>
             <a:endParaRPr lang="nb-NO"/>
           </a:p>
@@ -18931,7 +17264,7 @@
           <p:nvPr>
             <p:extLst>
               <p:ext uri="{D42A27DB-BD31-4B8C-83A1-F6EECF244321}">
-                <p14:modId xmlns:p14="http://schemas.microsoft.com/office/powerpoint/2010/main" val="4227469189"/>
+                <p14:modId xmlns:p14="http://schemas.microsoft.com/office/powerpoint/2010/main" val="924832245"/>
               </p:ext>
             </p:extLst>
           </p:nvPr>
@@ -19250,7 +17583,7 @@
           <p:nvPr>
             <p:extLst>
               <p:ext uri="{D42A27DB-BD31-4B8C-83A1-F6EECF244321}">
-                <p14:modId xmlns:p14="http://schemas.microsoft.com/office/powerpoint/2010/main" val="3731230824"/>
+                <p14:modId xmlns:p14="http://schemas.microsoft.com/office/powerpoint/2010/main" val="2281734227"/>
               </p:ext>
             </p:extLst>
           </p:nvPr>
@@ -19560,30 +17893,6 @@
           <a:chExt cx="0" cy="0"/>
         </a:xfrm>
       </p:grpSpPr>
-      <p:graphicFrame>
-        <p:nvGraphicFramePr>
-          <p:cNvPr id="9" name="Chart 8"/>
-          <p:cNvGraphicFramePr>
-            <a:graphicFrameLocks/>
-          </p:cNvGraphicFramePr>
-          <p:nvPr>
-            <p:extLst>
-              <p:ext uri="{D42A27DB-BD31-4B8C-83A1-F6EECF244321}">
-                <p14:modId xmlns:p14="http://schemas.microsoft.com/office/powerpoint/2010/main" val="3778457183"/>
-              </p:ext>
-            </p:extLst>
-          </p:nvPr>
-        </p:nvGraphicFramePr>
-        <p:xfrm>
-          <a:off x="2794288" y="1022638"/>
-          <a:ext cx="6603424" cy="4812723"/>
-        </p:xfrm>
-        <a:graphic>
-          <a:graphicData uri="http://schemas.openxmlformats.org/drawingml/2006/chart">
-            <c:chart xmlns:c="http://schemas.openxmlformats.org/drawingml/2006/chart" xmlns:r="http://schemas.openxmlformats.org/officeDocument/2006/relationships" r:id="rId2"/>
-          </a:graphicData>
-        </a:graphic>
-      </p:graphicFrame>
       <p:cxnSp>
         <p:nvCxnSpPr>
           <p:cNvPr id="4" name="Straight Arrow Connector 3"/>

--- a/results/robust_recourse_iterative/Main workbooks/Results Comparison Plots.pptx
+++ b/results/robust_recourse_iterative/Main workbooks/Results Comparison Plots.pptx
@@ -14,6 +14,7 @@
     <p:sldId id="262" r:id="rId8"/>
     <p:sldId id="263" r:id="rId9"/>
     <p:sldId id="264" r:id="rId10"/>
+    <p:sldId id="265" r:id="rId11"/>
   </p:sldIdLst>
   <p:sldSz cx="12192000" cy="6858000"/>
   <p:notesSz cx="6858000" cy="9144000"/>
@@ -1331,7 +1332,6 @@
           </a:p>
         </c:rich>
       </c:tx>
-      <c:layout/>
       <c:overlay val="0"/>
       <c:spPr>
         <a:noFill/>
@@ -2196,7 +2196,6 @@
               </a:p>
             </c:rich>
           </c:tx>
-          <c:layout/>
           <c:overlay val="0"/>
           <c:spPr>
             <a:noFill/>
@@ -2300,7 +2299,6 @@
               </a:p>
             </c:rich>
           </c:tx>
-          <c:layout/>
           <c:overlay val="0"/>
           <c:spPr>
             <a:noFill/>
@@ -2388,7 +2386,6 @@
         <c:idx val="0"/>
         <c:delete val="1"/>
       </c:legendEntry>
-      <c:layout/>
       <c:overlay val="0"/>
       <c:spPr>
         <a:noFill/>
@@ -2459,6 +2456,1130 @@
     </mc:Fallback>
   </mc:AlternateContent>
   <c:chart>
+    <c:title>
+      <c:tx>
+        <c:rich>
+          <a:bodyPr rot="0" spcFirstLastPara="1" vertOverflow="ellipsis" vert="horz" wrap="square" anchor="ctr" anchorCtr="1"/>
+          <a:lstStyle/>
+          <a:p>
+            <a:pPr>
+              <a:defRPr sz="2400" b="0" i="0" u="none" strike="noStrike" kern="1200" spc="0" baseline="0">
+                <a:solidFill>
+                  <a:schemeClr val="tx1">
+                    <a:lumMod val="65000"/>
+                    <a:lumOff val="35000"/>
+                  </a:schemeClr>
+                </a:solidFill>
+                <a:latin typeface="+mn-lt"/>
+                <a:ea typeface="+mn-ea"/>
+                <a:cs typeface="+mn-cs"/>
+              </a:defRPr>
+            </a:pPr>
+            <a:r>
+              <a:rPr lang="nb-NO" sz="2400"/>
+              <a:t>Initial Case C</a:t>
+            </a:r>
+          </a:p>
+        </c:rich>
+      </c:tx>
+      <c:overlay val="0"/>
+      <c:spPr>
+        <a:noFill/>
+        <a:ln>
+          <a:noFill/>
+        </a:ln>
+        <a:effectLst/>
+      </c:spPr>
+      <c:txPr>
+        <a:bodyPr rot="0" spcFirstLastPara="1" vertOverflow="ellipsis" vert="horz" wrap="square" anchor="ctr" anchorCtr="1"/>
+        <a:lstStyle/>
+        <a:p>
+          <a:pPr>
+            <a:defRPr sz="2400" b="0" i="0" u="none" strike="noStrike" kern="1200" spc="0" baseline="0">
+              <a:solidFill>
+                <a:schemeClr val="tx1">
+                  <a:lumMod val="65000"/>
+                  <a:lumOff val="35000"/>
+                </a:schemeClr>
+              </a:solidFill>
+              <a:latin typeface="+mn-lt"/>
+              <a:ea typeface="+mn-ea"/>
+              <a:cs typeface="+mn-cs"/>
+            </a:defRPr>
+          </a:pPr>
+          <a:endParaRPr lang="nb-NO"/>
+        </a:p>
+      </c:txPr>
+    </c:title>
+    <c:autoTitleDeleted val="0"/>
+    <c:plotArea>
+      <c:layout/>
+      <c:lineChart>
+        <c:grouping val="standard"/>
+        <c:varyColors val="0"/>
+        <c:ser>
+          <c:idx val="2"/>
+          <c:order val="2"/>
+          <c:tx>
+            <c:strRef>
+              <c:f>Sheet1!$D$22</c:f>
+              <c:strCache>
+                <c:ptCount val="1"/>
+                <c:pt idx="0">
+                  <c:v>EEV</c:v>
+                </c:pt>
+              </c:strCache>
+            </c:strRef>
+          </c:tx>
+          <c:spPr>
+            <a:ln w="19050" cap="rnd">
+              <a:solidFill>
+                <a:schemeClr val="accent3"/>
+              </a:solidFill>
+              <a:round/>
+            </a:ln>
+            <a:effectLst/>
+          </c:spPr>
+          <c:marker>
+            <c:symbol val="none"/>
+          </c:marker>
+          <c:cat>
+            <c:numRef>
+              <c:f>Sheet1!$A$23:$A$35</c:f>
+              <c:numCache>
+                <c:formatCode>General</c:formatCode>
+                <c:ptCount val="13"/>
+                <c:pt idx="0">
+                  <c:v>5</c:v>
+                </c:pt>
+                <c:pt idx="1">
+                  <c:v>10</c:v>
+                </c:pt>
+                <c:pt idx="2">
+                  <c:v>15</c:v>
+                </c:pt>
+                <c:pt idx="3">
+                  <c:v>20</c:v>
+                </c:pt>
+                <c:pt idx="4">
+                  <c:v>30</c:v>
+                </c:pt>
+                <c:pt idx="5">
+                  <c:v>40</c:v>
+                </c:pt>
+                <c:pt idx="6">
+                  <c:v>50</c:v>
+                </c:pt>
+                <c:pt idx="7">
+                  <c:v>75</c:v>
+                </c:pt>
+                <c:pt idx="8">
+                  <c:v>100</c:v>
+                </c:pt>
+                <c:pt idx="9">
+                  <c:v>150</c:v>
+                </c:pt>
+                <c:pt idx="10">
+                  <c:v>200</c:v>
+                </c:pt>
+                <c:pt idx="11">
+                  <c:v>300</c:v>
+                </c:pt>
+                <c:pt idx="12">
+                  <c:v>400</c:v>
+                </c:pt>
+              </c:numCache>
+            </c:numRef>
+          </c:cat>
+          <c:val>
+            <c:numRef>
+              <c:f>Sheet1!$D$39:$D$51</c:f>
+              <c:numCache>
+                <c:formatCode>General</c:formatCode>
+                <c:ptCount val="13"/>
+                <c:pt idx="0">
+                  <c:v>109.2</c:v>
+                </c:pt>
+                <c:pt idx="1">
+                  <c:v>109.2</c:v>
+                </c:pt>
+                <c:pt idx="2">
+                  <c:v>109.2</c:v>
+                </c:pt>
+                <c:pt idx="3">
+                  <c:v>109.2</c:v>
+                </c:pt>
+                <c:pt idx="4">
+                  <c:v>109.2</c:v>
+                </c:pt>
+                <c:pt idx="5">
+                  <c:v>109.2</c:v>
+                </c:pt>
+                <c:pt idx="6">
+                  <c:v>109.2</c:v>
+                </c:pt>
+                <c:pt idx="7">
+                  <c:v>109.2</c:v>
+                </c:pt>
+                <c:pt idx="8">
+                  <c:v>109.2</c:v>
+                </c:pt>
+                <c:pt idx="9">
+                  <c:v>109.2</c:v>
+                </c:pt>
+                <c:pt idx="10">
+                  <c:v>109.2</c:v>
+                </c:pt>
+                <c:pt idx="11">
+                  <c:v>109.2</c:v>
+                </c:pt>
+                <c:pt idx="12">
+                  <c:v>109.2</c:v>
+                </c:pt>
+              </c:numCache>
+            </c:numRef>
+          </c:val>
+          <c:smooth val="1"/>
+          <c:extLst>
+            <c:ext xmlns:c16="http://schemas.microsoft.com/office/drawing/2014/chart" uri="{C3380CC4-5D6E-409C-BE32-E72D297353CC}">
+              <c16:uniqueId val="{00000000-80BD-4ED8-8FDE-D54473853626}"/>
+            </c:ext>
+          </c:extLst>
+        </c:ser>
+        <c:ser>
+          <c:idx val="4"/>
+          <c:order val="4"/>
+          <c:tx>
+            <c:v>EEV</c:v>
+          </c:tx>
+          <c:spPr>
+            <a:ln w="25400" cap="rnd">
+              <a:solidFill>
+                <a:schemeClr val="accent2">
+                  <a:lumMod val="75000"/>
+                </a:schemeClr>
+              </a:solidFill>
+              <a:prstDash val="sysDash"/>
+              <a:round/>
+            </a:ln>
+            <a:effectLst/>
+          </c:spPr>
+          <c:marker>
+            <c:symbol val="none"/>
+          </c:marker>
+          <c:val>
+            <c:numRef>
+              <c:f>Sheet1!$D$39:$D$51</c:f>
+              <c:numCache>
+                <c:formatCode>General</c:formatCode>
+                <c:ptCount val="13"/>
+                <c:pt idx="0">
+                  <c:v>109.2</c:v>
+                </c:pt>
+                <c:pt idx="1">
+                  <c:v>109.2</c:v>
+                </c:pt>
+                <c:pt idx="2">
+                  <c:v>109.2</c:v>
+                </c:pt>
+                <c:pt idx="3">
+                  <c:v>109.2</c:v>
+                </c:pt>
+                <c:pt idx="4">
+                  <c:v>109.2</c:v>
+                </c:pt>
+                <c:pt idx="5">
+                  <c:v>109.2</c:v>
+                </c:pt>
+                <c:pt idx="6">
+                  <c:v>109.2</c:v>
+                </c:pt>
+                <c:pt idx="7">
+                  <c:v>109.2</c:v>
+                </c:pt>
+                <c:pt idx="8">
+                  <c:v>109.2</c:v>
+                </c:pt>
+                <c:pt idx="9">
+                  <c:v>109.2</c:v>
+                </c:pt>
+                <c:pt idx="10">
+                  <c:v>109.2</c:v>
+                </c:pt>
+                <c:pt idx="11">
+                  <c:v>109.2</c:v>
+                </c:pt>
+                <c:pt idx="12">
+                  <c:v>109.2</c:v>
+                </c:pt>
+              </c:numCache>
+            </c:numRef>
+          </c:val>
+          <c:smooth val="0"/>
+          <c:extLst>
+            <c:ext xmlns:c16="http://schemas.microsoft.com/office/drawing/2014/chart" uri="{C3380CC4-5D6E-409C-BE32-E72D297353CC}">
+              <c16:uniqueId val="{00000001-80BD-4ED8-8FDE-D54473853626}"/>
+            </c:ext>
+          </c:extLst>
+        </c:ser>
+        <c:ser>
+          <c:idx val="5"/>
+          <c:order val="5"/>
+          <c:tx>
+            <c:v>WS</c:v>
+          </c:tx>
+          <c:spPr>
+            <a:ln w="25400" cap="rnd">
+              <a:solidFill>
+                <a:schemeClr val="accent5">
+                  <a:lumMod val="75000"/>
+                </a:schemeClr>
+              </a:solidFill>
+              <a:prstDash val="sysDash"/>
+              <a:round/>
+            </a:ln>
+            <a:effectLst/>
+          </c:spPr>
+          <c:marker>
+            <c:symbol val="none"/>
+          </c:marker>
+          <c:val>
+            <c:numRef>
+              <c:f>Sheet1!$C$39:$C$51</c:f>
+              <c:numCache>
+                <c:formatCode>General</c:formatCode>
+                <c:ptCount val="13"/>
+                <c:pt idx="0">
+                  <c:v>131.86000000000001</c:v>
+                </c:pt>
+                <c:pt idx="1">
+                  <c:v>131.86000000000001</c:v>
+                </c:pt>
+                <c:pt idx="2">
+                  <c:v>131.86000000000001</c:v>
+                </c:pt>
+                <c:pt idx="3">
+                  <c:v>131.86000000000001</c:v>
+                </c:pt>
+                <c:pt idx="4">
+                  <c:v>131.86000000000001</c:v>
+                </c:pt>
+                <c:pt idx="5">
+                  <c:v>131.86000000000001</c:v>
+                </c:pt>
+                <c:pt idx="6">
+                  <c:v>131.86000000000001</c:v>
+                </c:pt>
+                <c:pt idx="7">
+                  <c:v>131.86000000000001</c:v>
+                </c:pt>
+                <c:pt idx="8">
+                  <c:v>131.86000000000001</c:v>
+                </c:pt>
+                <c:pt idx="9">
+                  <c:v>131.86000000000001</c:v>
+                </c:pt>
+                <c:pt idx="10">
+                  <c:v>131.86000000000001</c:v>
+                </c:pt>
+                <c:pt idx="11">
+                  <c:v>131.86000000000001</c:v>
+                </c:pt>
+                <c:pt idx="12">
+                  <c:v>131.86000000000001</c:v>
+                </c:pt>
+              </c:numCache>
+            </c:numRef>
+          </c:val>
+          <c:smooth val="0"/>
+          <c:extLst>
+            <c:ext xmlns:c16="http://schemas.microsoft.com/office/drawing/2014/chart" uri="{C3380CC4-5D6E-409C-BE32-E72D297353CC}">
+              <c16:uniqueId val="{00000002-80BD-4ED8-8FDE-D54473853626}"/>
+            </c:ext>
+          </c:extLst>
+        </c:ser>
+        <c:ser>
+          <c:idx val="6"/>
+          <c:order val="6"/>
+          <c:tx>
+            <c:v>RA Objective Value</c:v>
+          </c:tx>
+          <c:spPr>
+            <a:ln w="19050" cap="rnd">
+              <a:solidFill>
+                <a:schemeClr val="tx1"/>
+              </a:solidFill>
+              <a:round/>
+            </a:ln>
+            <a:effectLst/>
+          </c:spPr>
+          <c:marker>
+            <c:symbol val="none"/>
+          </c:marker>
+          <c:val>
+            <c:numRef>
+              <c:f>Sheet1!$B$39:$B$51</c:f>
+              <c:numCache>
+                <c:formatCode>General</c:formatCode>
+                <c:ptCount val="13"/>
+                <c:pt idx="0">
+                  <c:v>112.788049658072</c:v>
+                </c:pt>
+                <c:pt idx="1">
+                  <c:v>117.150782337545</c:v>
+                </c:pt>
+                <c:pt idx="2">
+                  <c:v>117.635063962573</c:v>
+                </c:pt>
+                <c:pt idx="3">
+                  <c:v>119.350937608769</c:v>
+                </c:pt>
+                <c:pt idx="4">
+                  <c:v>116.685259138604</c:v>
+                </c:pt>
+                <c:pt idx="5">
+                  <c:v>115.875292318218</c:v>
+                </c:pt>
+                <c:pt idx="6">
+                  <c:v>115.87648862685801</c:v>
+                </c:pt>
+                <c:pt idx="7">
+                  <c:v>114.76</c:v>
+                </c:pt>
+                <c:pt idx="8">
+                  <c:v>112.617972629745</c:v>
+                </c:pt>
+                <c:pt idx="9">
+                  <c:v>112.654435466987</c:v>
+                </c:pt>
+                <c:pt idx="10">
+                  <c:v>112.66118740144999</c:v>
+                </c:pt>
+                <c:pt idx="11">
+                  <c:v>112.38531552530962</c:v>
+                </c:pt>
+                <c:pt idx="12">
+                  <c:v>112.48501469374948</c:v>
+                </c:pt>
+              </c:numCache>
+            </c:numRef>
+          </c:val>
+          <c:smooth val="0"/>
+          <c:extLst>
+            <c:ext xmlns:c16="http://schemas.microsoft.com/office/drawing/2014/chart" uri="{C3380CC4-5D6E-409C-BE32-E72D297353CC}">
+              <c16:uniqueId val="{00000003-80BD-4ED8-8FDE-D54473853626}"/>
+            </c:ext>
+          </c:extLst>
+        </c:ser>
+        <c:dLbls>
+          <c:showLegendKey val="0"/>
+          <c:showVal val="0"/>
+          <c:showCatName val="0"/>
+          <c:showSerName val="0"/>
+          <c:showPercent val="0"/>
+          <c:showBubbleSize val="0"/>
+        </c:dLbls>
+        <c:smooth val="0"/>
+        <c:axId val="883990904"/>
+        <c:axId val="883990576"/>
+        <c:extLst>
+          <c:ext xmlns:c15="http://schemas.microsoft.com/office/drawing/2012/chart" uri="{02D57815-91ED-43cb-92C2-25804820EDAC}">
+            <c15:filteredLineSeries>
+              <c15:ser>
+                <c:idx val="1"/>
+                <c:order val="0"/>
+                <c:tx>
+                  <c:v>EVPI</c:v>
+                </c:tx>
+                <c:spPr>
+                  <a:ln w="19050" cap="rnd">
+                    <a:solidFill>
+                      <a:schemeClr val="accent2"/>
+                    </a:solidFill>
+                    <a:round/>
+                  </a:ln>
+                  <a:effectLst/>
+                </c:spPr>
+                <c:marker>
+                  <c:symbol val="none"/>
+                </c:marker>
+                <c:cat>
+                  <c:numRef>
+                    <c:extLst>
+                      <c:ext uri="{02D57815-91ED-43cb-92C2-25804820EDAC}">
+                        <c15:formulaRef>
+                          <c15:sqref>Sheet1!$A$23:$A$35</c15:sqref>
+                        </c15:formulaRef>
+                      </c:ext>
+                    </c:extLst>
+                    <c:numCache>
+                      <c:formatCode>General</c:formatCode>
+                      <c:ptCount val="13"/>
+                      <c:pt idx="0">
+                        <c:v>5</c:v>
+                      </c:pt>
+                      <c:pt idx="1">
+                        <c:v>10</c:v>
+                      </c:pt>
+                      <c:pt idx="2">
+                        <c:v>15</c:v>
+                      </c:pt>
+                      <c:pt idx="3">
+                        <c:v>20</c:v>
+                      </c:pt>
+                      <c:pt idx="4">
+                        <c:v>30</c:v>
+                      </c:pt>
+                      <c:pt idx="5">
+                        <c:v>40</c:v>
+                      </c:pt>
+                      <c:pt idx="6">
+                        <c:v>50</c:v>
+                      </c:pt>
+                      <c:pt idx="7">
+                        <c:v>75</c:v>
+                      </c:pt>
+                      <c:pt idx="8">
+                        <c:v>100</c:v>
+                      </c:pt>
+                      <c:pt idx="9">
+                        <c:v>150</c:v>
+                      </c:pt>
+                      <c:pt idx="10">
+                        <c:v>200</c:v>
+                      </c:pt>
+                      <c:pt idx="11">
+                        <c:v>300</c:v>
+                      </c:pt>
+                      <c:pt idx="12">
+                        <c:v>400</c:v>
+                      </c:pt>
+                    </c:numCache>
+                  </c:numRef>
+                </c:cat>
+                <c:val>
+                  <c:numRef>
+                    <c:extLst>
+                      <c:ext uri="{02D57815-91ED-43cb-92C2-25804820EDAC}">
+                        <c15:formulaRef>
+                          <c15:sqref>Sheet1!$C$39:$C$51</c15:sqref>
+                        </c15:formulaRef>
+                      </c:ext>
+                    </c:extLst>
+                    <c:numCache>
+                      <c:formatCode>General</c:formatCode>
+                      <c:ptCount val="13"/>
+                      <c:pt idx="0">
+                        <c:v>131.86000000000001</c:v>
+                      </c:pt>
+                      <c:pt idx="1">
+                        <c:v>131.86000000000001</c:v>
+                      </c:pt>
+                      <c:pt idx="2">
+                        <c:v>131.86000000000001</c:v>
+                      </c:pt>
+                      <c:pt idx="3">
+                        <c:v>131.86000000000001</c:v>
+                      </c:pt>
+                      <c:pt idx="4">
+                        <c:v>131.86000000000001</c:v>
+                      </c:pt>
+                      <c:pt idx="5">
+                        <c:v>131.86000000000001</c:v>
+                      </c:pt>
+                      <c:pt idx="6">
+                        <c:v>131.86000000000001</c:v>
+                      </c:pt>
+                      <c:pt idx="7">
+                        <c:v>131.86000000000001</c:v>
+                      </c:pt>
+                      <c:pt idx="8">
+                        <c:v>131.86000000000001</c:v>
+                      </c:pt>
+                      <c:pt idx="9">
+                        <c:v>131.86000000000001</c:v>
+                      </c:pt>
+                      <c:pt idx="10">
+                        <c:v>131.86000000000001</c:v>
+                      </c:pt>
+                      <c:pt idx="11">
+                        <c:v>131.86000000000001</c:v>
+                      </c:pt>
+                      <c:pt idx="12">
+                        <c:v>131.86000000000001</c:v>
+                      </c:pt>
+                    </c:numCache>
+                  </c:numRef>
+                </c:val>
+                <c:smooth val="1"/>
+                <c:extLst>
+                  <c:ext xmlns:c16="http://schemas.microsoft.com/office/drawing/2014/chart" uri="{C3380CC4-5D6E-409C-BE32-E72D297353CC}">
+                    <c16:uniqueId val="{00000004-80BD-4ED8-8FDE-D54473853626}"/>
+                  </c:ext>
+                </c:extLst>
+              </c15:ser>
+            </c15:filteredLineSeries>
+            <c15:filteredLineSeries>
+              <c15:ser>
+                <c:idx val="0"/>
+                <c:order val="1"/>
+                <c:tx>
+                  <c:v>VSS</c:v>
+                </c:tx>
+                <c:spPr>
+                  <a:ln w="19050" cap="rnd">
+                    <a:solidFill>
+                      <a:schemeClr val="accent1"/>
+                    </a:solidFill>
+                    <a:round/>
+                  </a:ln>
+                  <a:effectLst/>
+                </c:spPr>
+                <c:marker>
+                  <c:symbol val="none"/>
+                </c:marker>
+                <c:cat>
+                  <c:numRef>
+                    <c:extLst xmlns:c15="http://schemas.microsoft.com/office/drawing/2012/chart">
+                      <c:ext xmlns:c15="http://schemas.microsoft.com/office/drawing/2012/chart" uri="{02D57815-91ED-43cb-92C2-25804820EDAC}">
+                        <c15:formulaRef>
+                          <c15:sqref>Sheet1!$A$23:$A$35</c15:sqref>
+                        </c15:formulaRef>
+                      </c:ext>
+                    </c:extLst>
+                    <c:numCache>
+                      <c:formatCode>General</c:formatCode>
+                      <c:ptCount val="13"/>
+                      <c:pt idx="0">
+                        <c:v>5</c:v>
+                      </c:pt>
+                      <c:pt idx="1">
+                        <c:v>10</c:v>
+                      </c:pt>
+                      <c:pt idx="2">
+                        <c:v>15</c:v>
+                      </c:pt>
+                      <c:pt idx="3">
+                        <c:v>20</c:v>
+                      </c:pt>
+                      <c:pt idx="4">
+                        <c:v>30</c:v>
+                      </c:pt>
+                      <c:pt idx="5">
+                        <c:v>40</c:v>
+                      </c:pt>
+                      <c:pt idx="6">
+                        <c:v>50</c:v>
+                      </c:pt>
+                      <c:pt idx="7">
+                        <c:v>75</c:v>
+                      </c:pt>
+                      <c:pt idx="8">
+                        <c:v>100</c:v>
+                      </c:pt>
+                      <c:pt idx="9">
+                        <c:v>150</c:v>
+                      </c:pt>
+                      <c:pt idx="10">
+                        <c:v>200</c:v>
+                      </c:pt>
+                      <c:pt idx="11">
+                        <c:v>300</c:v>
+                      </c:pt>
+                      <c:pt idx="12">
+                        <c:v>400</c:v>
+                      </c:pt>
+                    </c:numCache>
+                  </c:numRef>
+                </c:cat>
+                <c:val>
+                  <c:numRef>
+                    <c:extLst xmlns:c15="http://schemas.microsoft.com/office/drawing/2012/chart">
+                      <c:ext xmlns:c15="http://schemas.microsoft.com/office/drawing/2012/chart" uri="{02D57815-91ED-43cb-92C2-25804820EDAC}">
+                        <c15:formulaRef>
+                          <c15:sqref>Sheet1!$B$39:$B$49</c15:sqref>
+                        </c15:formulaRef>
+                      </c:ext>
+                    </c:extLst>
+                    <c:numCache>
+                      <c:formatCode>General</c:formatCode>
+                      <c:ptCount val="11"/>
+                      <c:pt idx="0">
+                        <c:v>112.788049658072</c:v>
+                      </c:pt>
+                      <c:pt idx="1">
+                        <c:v>117.150782337545</c:v>
+                      </c:pt>
+                      <c:pt idx="2">
+                        <c:v>117.635063962573</c:v>
+                      </c:pt>
+                      <c:pt idx="3">
+                        <c:v>119.350937608769</c:v>
+                      </c:pt>
+                      <c:pt idx="4">
+                        <c:v>116.685259138604</c:v>
+                      </c:pt>
+                      <c:pt idx="5">
+                        <c:v>115.875292318218</c:v>
+                      </c:pt>
+                      <c:pt idx="6">
+                        <c:v>115.87648862685801</c:v>
+                      </c:pt>
+                      <c:pt idx="7">
+                        <c:v>114.76</c:v>
+                      </c:pt>
+                      <c:pt idx="8">
+                        <c:v>112.617972629745</c:v>
+                      </c:pt>
+                      <c:pt idx="9">
+                        <c:v>112.654435466987</c:v>
+                      </c:pt>
+                      <c:pt idx="10">
+                        <c:v>112.66118740144999</c:v>
+                      </c:pt>
+                    </c:numCache>
+                  </c:numRef>
+                </c:val>
+                <c:smooth val="1"/>
+                <c:extLst xmlns:c15="http://schemas.microsoft.com/office/drawing/2012/chart">
+                  <c:ext xmlns:c16="http://schemas.microsoft.com/office/drawing/2014/chart" uri="{C3380CC4-5D6E-409C-BE32-E72D297353CC}">
+                    <c16:uniqueId val="{00000005-80BD-4ED8-8FDE-D54473853626}"/>
+                  </c:ext>
+                </c:extLst>
+              </c15:ser>
+            </c15:filteredLineSeries>
+            <c15:filteredLineSeries>
+              <c15:ser>
+                <c:idx val="3"/>
+                <c:order val="3"/>
+                <c:tx>
+                  <c:v>Infeasible Count</c:v>
+                </c:tx>
+                <c:spPr>
+                  <a:ln w="19050" cap="rnd">
+                    <a:solidFill>
+                      <a:schemeClr val="accent3"/>
+                    </a:solidFill>
+                    <a:round/>
+                  </a:ln>
+                  <a:effectLst/>
+                </c:spPr>
+                <c:marker>
+                  <c:symbol val="none"/>
+                </c:marker>
+                <c:cat>
+                  <c:numRef>
+                    <c:extLst xmlns:c15="http://schemas.microsoft.com/office/drawing/2012/chart">
+                      <c:ext xmlns:c15="http://schemas.microsoft.com/office/drawing/2012/chart" uri="{02D57815-91ED-43cb-92C2-25804820EDAC}">
+                        <c15:formulaRef>
+                          <c15:sqref>Sheet1!$A$23:$A$35</c15:sqref>
+                        </c15:formulaRef>
+                      </c:ext>
+                    </c:extLst>
+                    <c:numCache>
+                      <c:formatCode>General</c:formatCode>
+                      <c:ptCount val="13"/>
+                      <c:pt idx="0">
+                        <c:v>5</c:v>
+                      </c:pt>
+                      <c:pt idx="1">
+                        <c:v>10</c:v>
+                      </c:pt>
+                      <c:pt idx="2">
+                        <c:v>15</c:v>
+                      </c:pt>
+                      <c:pt idx="3">
+                        <c:v>20</c:v>
+                      </c:pt>
+                      <c:pt idx="4">
+                        <c:v>30</c:v>
+                      </c:pt>
+                      <c:pt idx="5">
+                        <c:v>40</c:v>
+                      </c:pt>
+                      <c:pt idx="6">
+                        <c:v>50</c:v>
+                      </c:pt>
+                      <c:pt idx="7">
+                        <c:v>75</c:v>
+                      </c:pt>
+                      <c:pt idx="8">
+                        <c:v>100</c:v>
+                      </c:pt>
+                      <c:pt idx="9">
+                        <c:v>150</c:v>
+                      </c:pt>
+                      <c:pt idx="10">
+                        <c:v>200</c:v>
+                      </c:pt>
+                      <c:pt idx="11">
+                        <c:v>300</c:v>
+                      </c:pt>
+                      <c:pt idx="12">
+                        <c:v>400</c:v>
+                      </c:pt>
+                    </c:numCache>
+                  </c:numRef>
+                </c:cat>
+                <c:val>
+                  <c:numRef>
+                    <c:extLst xmlns:c15="http://schemas.microsoft.com/office/drawing/2012/chart">
+                      <c:ext xmlns:c15="http://schemas.microsoft.com/office/drawing/2012/chart" uri="{02D57815-91ED-43cb-92C2-25804820EDAC}">
+                        <c15:formulaRef>
+                          <c15:sqref>Sheet1!$E$23:$E$35</c15:sqref>
+                        </c15:formulaRef>
+                      </c:ext>
+                    </c:extLst>
+                    <c:numCache>
+                      <c:formatCode>General</c:formatCode>
+                      <c:ptCount val="13"/>
+                      <c:pt idx="0">
+                        <c:v>60</c:v>
+                      </c:pt>
+                      <c:pt idx="1">
+                        <c:v>12</c:v>
+                      </c:pt>
+                      <c:pt idx="2">
+                        <c:v>12</c:v>
+                      </c:pt>
+                      <c:pt idx="3">
+                        <c:v>12</c:v>
+                      </c:pt>
+                      <c:pt idx="4">
+                        <c:v>11</c:v>
+                      </c:pt>
+                      <c:pt idx="5">
+                        <c:v>8</c:v>
+                      </c:pt>
+                      <c:pt idx="6">
+                        <c:v>8</c:v>
+                      </c:pt>
+                      <c:pt idx="7">
+                        <c:v>2</c:v>
+                      </c:pt>
+                      <c:pt idx="8">
+                        <c:v>2</c:v>
+                      </c:pt>
+                      <c:pt idx="9">
+                        <c:v>2</c:v>
+                      </c:pt>
+                      <c:pt idx="10">
+                        <c:v>2</c:v>
+                      </c:pt>
+                      <c:pt idx="11">
+                        <c:v>2</c:v>
+                      </c:pt>
+                      <c:pt idx="12">
+                        <c:v>2</c:v>
+                      </c:pt>
+                    </c:numCache>
+                  </c:numRef>
+                </c:val>
+                <c:smooth val="1"/>
+                <c:extLst xmlns:c15="http://schemas.microsoft.com/office/drawing/2012/chart">
+                  <c:ext xmlns:c16="http://schemas.microsoft.com/office/drawing/2014/chart" uri="{C3380CC4-5D6E-409C-BE32-E72D297353CC}">
+                    <c16:uniqueId val="{00000006-80BD-4ED8-8FDE-D54473853626}"/>
+                  </c:ext>
+                </c:extLst>
+              </c15:ser>
+            </c15:filteredLineSeries>
+          </c:ext>
+        </c:extLst>
+      </c:lineChart>
+      <c:valAx>
+        <c:axId val="883990576"/>
+        <c:scaling>
+          <c:orientation val="minMax"/>
+          <c:min val="106"/>
+        </c:scaling>
+        <c:delete val="0"/>
+        <c:axPos val="l"/>
+        <c:title>
+          <c:tx>
+            <c:rich>
+              <a:bodyPr rot="-5400000" spcFirstLastPara="1" vertOverflow="ellipsis" vert="horz" wrap="square" anchor="ctr" anchorCtr="1"/>
+              <a:lstStyle/>
+              <a:p>
+                <a:pPr>
+                  <a:defRPr sz="1600" b="0" i="0" u="none" strike="noStrike" kern="1200" baseline="0">
+                    <a:solidFill>
+                      <a:schemeClr val="tx1">
+                        <a:lumMod val="65000"/>
+                        <a:lumOff val="35000"/>
+                      </a:schemeClr>
+                    </a:solidFill>
+                    <a:latin typeface="+mn-lt"/>
+                    <a:ea typeface="+mn-ea"/>
+                    <a:cs typeface="+mn-cs"/>
+                  </a:defRPr>
+                </a:pPr>
+                <a:r>
+                  <a:rPr lang="nb-NO" sz="1600"/>
+                  <a:t>Oil Output [Sm3/h]</a:t>
+                </a:r>
+              </a:p>
+            </c:rich>
+          </c:tx>
+          <c:overlay val="0"/>
+          <c:spPr>
+            <a:noFill/>
+            <a:ln>
+              <a:noFill/>
+            </a:ln>
+            <a:effectLst/>
+          </c:spPr>
+          <c:txPr>
+            <a:bodyPr rot="-5400000" spcFirstLastPara="1" vertOverflow="ellipsis" vert="horz" wrap="square" anchor="ctr" anchorCtr="1"/>
+            <a:lstStyle/>
+            <a:p>
+              <a:pPr>
+                <a:defRPr sz="1600" b="0" i="0" u="none" strike="noStrike" kern="1200" baseline="0">
+                  <a:solidFill>
+                    <a:schemeClr val="tx1">
+                      <a:lumMod val="65000"/>
+                      <a:lumOff val="35000"/>
+                    </a:schemeClr>
+                  </a:solidFill>
+                  <a:latin typeface="+mn-lt"/>
+                  <a:ea typeface="+mn-ea"/>
+                  <a:cs typeface="+mn-cs"/>
+                </a:defRPr>
+              </a:pPr>
+              <a:endParaRPr lang="nb-NO"/>
+            </a:p>
+          </c:txPr>
+        </c:title>
+        <c:numFmt formatCode="General" sourceLinked="1"/>
+        <c:majorTickMark val="out"/>
+        <c:minorTickMark val="none"/>
+        <c:tickLblPos val="nextTo"/>
+        <c:spPr>
+          <a:noFill/>
+          <a:ln w="9525" cap="flat" cmpd="sng" algn="ctr">
+            <a:solidFill>
+              <a:schemeClr val="tx1">
+                <a:lumMod val="25000"/>
+                <a:lumOff val="75000"/>
+              </a:schemeClr>
+            </a:solidFill>
+            <a:round/>
+          </a:ln>
+          <a:effectLst/>
+        </c:spPr>
+        <c:txPr>
+          <a:bodyPr rot="-60000000" spcFirstLastPara="1" vertOverflow="ellipsis" vert="horz" wrap="square" anchor="ctr" anchorCtr="1"/>
+          <a:lstStyle/>
+          <a:p>
+            <a:pPr>
+              <a:defRPr sz="1600" b="0" i="0" u="none" strike="noStrike" kern="1200" baseline="0">
+                <a:solidFill>
+                  <a:schemeClr val="tx1">
+                    <a:lumMod val="65000"/>
+                    <a:lumOff val="35000"/>
+                  </a:schemeClr>
+                </a:solidFill>
+                <a:latin typeface="+mn-lt"/>
+                <a:ea typeface="+mn-ea"/>
+                <a:cs typeface="+mn-cs"/>
+              </a:defRPr>
+            </a:pPr>
+            <a:endParaRPr lang="nb-NO"/>
+          </a:p>
+        </c:txPr>
+        <c:crossAx val="883990904"/>
+        <c:crosses val="autoZero"/>
+        <c:crossBetween val="between"/>
+      </c:valAx>
+      <c:catAx>
+        <c:axId val="883990904"/>
+        <c:scaling>
+          <c:orientation val="minMax"/>
+        </c:scaling>
+        <c:delete val="0"/>
+        <c:axPos val="b"/>
+        <c:title>
+          <c:tx>
+            <c:rich>
+              <a:bodyPr rot="0" spcFirstLastPara="1" vertOverflow="ellipsis" vert="horz" wrap="square" anchor="ctr" anchorCtr="1"/>
+              <a:lstStyle/>
+              <a:p>
+                <a:pPr>
+                  <a:defRPr sz="1600" b="0" i="0" u="none" strike="noStrike" kern="1200" baseline="0">
+                    <a:solidFill>
+                      <a:schemeClr val="tx1">
+                        <a:lumMod val="65000"/>
+                        <a:lumOff val="35000"/>
+                      </a:schemeClr>
+                    </a:solidFill>
+                    <a:latin typeface="+mn-lt"/>
+                    <a:ea typeface="+mn-ea"/>
+                    <a:cs typeface="+mn-cs"/>
+                  </a:defRPr>
+                </a:pPr>
+                <a:r>
+                  <a:rPr lang="nb-NO" sz="1600"/>
+                  <a:t>Scenarios</a:t>
+                </a:r>
+              </a:p>
+            </c:rich>
+          </c:tx>
+          <c:overlay val="0"/>
+          <c:spPr>
+            <a:noFill/>
+            <a:ln>
+              <a:noFill/>
+            </a:ln>
+            <a:effectLst/>
+          </c:spPr>
+          <c:txPr>
+            <a:bodyPr rot="0" spcFirstLastPara="1" vertOverflow="ellipsis" vert="horz" wrap="square" anchor="ctr" anchorCtr="1"/>
+            <a:lstStyle/>
+            <a:p>
+              <a:pPr>
+                <a:defRPr sz="1600" b="0" i="0" u="none" strike="noStrike" kern="1200" baseline="0">
+                  <a:solidFill>
+                    <a:schemeClr val="tx1">
+                      <a:lumMod val="65000"/>
+                      <a:lumOff val="35000"/>
+                    </a:schemeClr>
+                  </a:solidFill>
+                  <a:latin typeface="+mn-lt"/>
+                  <a:ea typeface="+mn-ea"/>
+                  <a:cs typeface="+mn-cs"/>
+                </a:defRPr>
+              </a:pPr>
+              <a:endParaRPr lang="nb-NO"/>
+            </a:p>
+          </c:txPr>
+        </c:title>
+        <c:numFmt formatCode="General" sourceLinked="1"/>
+        <c:majorTickMark val="out"/>
+        <c:minorTickMark val="none"/>
+        <c:tickLblPos val="nextTo"/>
+        <c:spPr>
+          <a:noFill/>
+          <a:ln w="9525" cap="flat" cmpd="sng" algn="ctr">
+            <a:solidFill>
+              <a:schemeClr val="tx1">
+                <a:lumMod val="25000"/>
+                <a:lumOff val="75000"/>
+              </a:schemeClr>
+            </a:solidFill>
+            <a:round/>
+          </a:ln>
+          <a:effectLst/>
+        </c:spPr>
+        <c:txPr>
+          <a:bodyPr rot="-60000000" spcFirstLastPara="1" vertOverflow="ellipsis" vert="horz" wrap="square" anchor="ctr" anchorCtr="1"/>
+          <a:lstStyle/>
+          <a:p>
+            <a:pPr>
+              <a:defRPr sz="2000" b="0" i="0" u="none" strike="noStrike" kern="1200" baseline="0">
+                <a:solidFill>
+                  <a:schemeClr val="tx1">
+                    <a:lumMod val="65000"/>
+                    <a:lumOff val="35000"/>
+                  </a:schemeClr>
+                </a:solidFill>
+                <a:latin typeface="+mn-lt"/>
+                <a:ea typeface="+mn-ea"/>
+                <a:cs typeface="+mn-cs"/>
+              </a:defRPr>
+            </a:pPr>
+            <a:endParaRPr lang="nb-NO"/>
+          </a:p>
+        </c:txPr>
+        <c:crossAx val="883990576"/>
+        <c:crosses val="autoZero"/>
+        <c:auto val="1"/>
+        <c:lblAlgn val="ctr"/>
+        <c:lblOffset val="100"/>
+        <c:noMultiLvlLbl val="0"/>
+      </c:catAx>
+      <c:spPr>
+        <a:noFill/>
+        <a:ln>
+          <a:noFill/>
+        </a:ln>
+        <a:effectLst/>
+      </c:spPr>
+    </c:plotArea>
+    <c:legend>
+      <c:legendPos val="b"/>
+      <c:legendEntry>
+        <c:idx val="0"/>
+        <c:delete val="1"/>
+      </c:legendEntry>
+      <c:overlay val="0"/>
+      <c:spPr>
+        <a:noFill/>
+        <a:ln>
+          <a:noFill/>
+        </a:ln>
+        <a:effectLst/>
+      </c:spPr>
+      <c:txPr>
+        <a:bodyPr rot="0" spcFirstLastPara="1" vertOverflow="ellipsis" vert="horz" wrap="square" anchor="ctr" anchorCtr="1"/>
+        <a:lstStyle/>
+        <a:p>
+          <a:pPr>
+            <a:defRPr sz="1800" b="0" i="0" u="none" strike="noStrike" kern="1200" baseline="0">
+              <a:solidFill>
+                <a:schemeClr val="tx1">
+                  <a:lumMod val="65000"/>
+                  <a:lumOff val="35000"/>
+                </a:schemeClr>
+              </a:solidFill>
+              <a:latin typeface="+mn-lt"/>
+              <a:ea typeface="+mn-ea"/>
+              <a:cs typeface="+mn-cs"/>
+            </a:defRPr>
+          </a:pPr>
+          <a:endParaRPr lang="nb-NO"/>
+        </a:p>
+      </c:txPr>
+    </c:legend>
+    <c:plotVisOnly val="1"/>
+    <c:dispBlanksAs val="gap"/>
+    <c:showDLblsOverMax val="0"/>
+  </c:chart>
+  <c:spPr>
+    <a:noFill/>
+    <a:ln>
+      <a:noFill/>
+    </a:ln>
+    <a:effectLst/>
+  </c:spPr>
+  <c:txPr>
+    <a:bodyPr/>
+    <a:lstStyle/>
+    <a:p>
+      <a:pPr>
+        <a:defRPr/>
+      </a:pPr>
+      <a:endParaRPr lang="nb-NO"/>
+    </a:p>
+  </c:txPr>
+  <c:externalData r:id="rId3">
+    <c:autoUpdate val="0"/>
+  </c:externalData>
+</c:chartSpace>
+</file>
+
+<file path=ppt/charts/chart4.xml><?xml version="1.0" encoding="utf-8"?>
+<c:chartSpace xmlns:c="http://schemas.openxmlformats.org/drawingml/2006/chart" xmlns:a="http://schemas.openxmlformats.org/drawingml/2006/main" xmlns:r="http://schemas.openxmlformats.org/officeDocument/2006/relationships" xmlns:c16r2="http://schemas.microsoft.com/office/drawing/2015/06/chart">
+  <c:date1904 val="0"/>
+  <c:lang val="en-US"/>
+  <c:roundedCorners val="0"/>
+  <mc:AlternateContent xmlns:mc="http://schemas.openxmlformats.org/markup-compatibility/2006">
+    <mc:Choice xmlns:c14="http://schemas.microsoft.com/office/drawing/2007/8/2/chart" Requires="c14">
+      <c14:style val="102"/>
+    </mc:Choice>
+    <mc:Fallback>
+      <c:style val="2"/>
+    </mc:Fallback>
+  </mc:AlternateContent>
+  <c:chart>
     <c:autoTitleDeleted val="1"/>
     <c:plotArea>
       <c:layout/>
@@ -3011,7 +4132,6 @@
               </a:p>
             </c:rich>
           </c:tx>
-          <c:layout/>
           <c:overlay val="0"/>
           <c:spPr>
             <a:noFill/>
@@ -3130,7 +4250,6 @@
               </a:p>
             </c:rich>
           </c:tx>
-          <c:layout/>
           <c:overlay val="0"/>
           <c:spPr>
             <a:noFill/>
@@ -3211,7 +4330,6 @@
     </c:plotArea>
     <c:legend>
       <c:legendPos val="b"/>
-      <c:layout/>
       <c:overlay val="0"/>
       <c:spPr>
         <a:noFill/>
@@ -3268,7 +4386,7 @@
 </c:chartSpace>
 </file>
 
-<file path=ppt/charts/chart4.xml><?xml version="1.0" encoding="utf-8"?>
+<file path=ppt/charts/chart5.xml><?xml version="1.0" encoding="utf-8"?>
 <c:chartSpace xmlns:c="http://schemas.openxmlformats.org/drawingml/2006/chart" xmlns:a="http://schemas.openxmlformats.org/drawingml/2006/main" xmlns:r="http://schemas.openxmlformats.org/officeDocument/2006/relationships" xmlns:c16r2="http://schemas.microsoft.com/office/drawing/2015/06/chart">
   <c:date1904 val="0"/>
   <c:lang val="en-US"/>
@@ -4594,7 +5712,7 @@
 </c:chartSpace>
 </file>
 
-<file path=ppt/charts/chart5.xml><?xml version="1.0" encoding="utf-8"?>
+<file path=ppt/charts/chart6.xml><?xml version="1.0" encoding="utf-8"?>
 <c:chartSpace xmlns:c="http://schemas.openxmlformats.org/drawingml/2006/chart" xmlns:a="http://schemas.openxmlformats.org/drawingml/2006/main" xmlns:r="http://schemas.openxmlformats.org/officeDocument/2006/relationships" xmlns:c16r2="http://schemas.microsoft.com/office/drawing/2015/06/chart">
   <c:date1904 val="0"/>
   <c:lang val="en-US"/>
@@ -5911,7 +7029,7 @@
 </c:chartSpace>
 </file>
 
-<file path=ppt/charts/chart6.xml><?xml version="1.0" encoding="utf-8"?>
+<file path=ppt/charts/chart7.xml><?xml version="1.0" encoding="utf-8"?>
 <c:chartSpace xmlns:c="http://schemas.openxmlformats.org/drawingml/2006/chart" xmlns:a="http://schemas.openxmlformats.org/drawingml/2006/main" xmlns:r="http://schemas.openxmlformats.org/officeDocument/2006/relationships" xmlns:c16r2="http://schemas.microsoft.com/office/drawing/2015/06/chart">
   <c:date1904 val="0"/>
   <c:lang val="en-US"/>
@@ -5956,6 +7074,7 @@
           </a:p>
         </c:rich>
       </c:tx>
+      <c:layout/>
       <c:overlay val="0"/>
       <c:spPr>
         <a:noFill/>
@@ -6998,6 +8117,7 @@
               </a:p>
             </c:rich>
           </c:tx>
+          <c:layout/>
           <c:overlay val="0"/>
           <c:spPr>
             <a:noFill/>
@@ -7124,6 +8244,7 @@
               </a:p>
             </c:rich>
           </c:tx>
+          <c:layout/>
           <c:overlay val="0"/>
           <c:spPr>
             <a:noFill/>
@@ -7204,6 +8325,7 @@
     </c:plotArea>
     <c:legend>
       <c:legendPos val="b"/>
+      <c:layout/>
       <c:overlay val="0"/>
       <c:spPr>
         <a:noFill/>
@@ -7260,7 +8382,7 @@
 </c:chartSpace>
 </file>
 
-<file path=ppt/charts/chart7.xml><?xml version="1.0" encoding="utf-8"?>
+<file path=ppt/charts/chart8.xml><?xml version="1.0" encoding="utf-8"?>
 <c:chartSpace xmlns:c="http://schemas.openxmlformats.org/drawingml/2006/chart" xmlns:a="http://schemas.openxmlformats.org/drawingml/2006/main" xmlns:r="http://schemas.openxmlformats.org/officeDocument/2006/relationships" xmlns:c16r2="http://schemas.microsoft.com/office/drawing/2015/06/chart">
   <c:date1904 val="0"/>
   <c:lang val="en-US"/>
@@ -7305,6 +8427,7 @@
           </a:p>
         </c:rich>
       </c:tx>
+      <c:layout/>
       <c:overlay val="0"/>
       <c:spPr>
         <a:noFill/>
@@ -8347,6 +9470,7 @@
               </a:p>
             </c:rich>
           </c:tx>
+          <c:layout/>
           <c:overlay val="0"/>
           <c:spPr>
             <a:noFill/>
@@ -8473,6 +9597,7 @@
               </a:p>
             </c:rich>
           </c:tx>
+          <c:layout/>
           <c:overlay val="0"/>
           <c:spPr>
             <a:noFill/>
@@ -8553,6 +9678,7 @@
     </c:plotArea>
     <c:legend>
       <c:legendPos val="b"/>
+      <c:layout/>
       <c:overlay val="0"/>
       <c:spPr>
         <a:noFill/>
@@ -8609,7 +9735,7 @@
 </c:chartSpace>
 </file>
 
-<file path=ppt/charts/chart8.xml><?xml version="1.0" encoding="utf-8"?>
+<file path=ppt/charts/chart9.xml><?xml version="1.0" encoding="utf-8"?>
 <c:chartSpace xmlns:c="http://schemas.openxmlformats.org/drawingml/2006/chart" xmlns:a="http://schemas.openxmlformats.org/drawingml/2006/main" xmlns:r="http://schemas.openxmlformats.org/officeDocument/2006/relationships" xmlns:c16r2="http://schemas.microsoft.com/office/drawing/2015/06/chart">
   <c:date1904 val="0"/>
   <c:lang val="en-US"/>
@@ -8654,6 +9780,7 @@
           </a:p>
         </c:rich>
       </c:tx>
+      <c:layout/>
       <c:overlay val="0"/>
       <c:spPr>
         <a:noFill/>
@@ -8773,7 +9900,7 @@
                 </c:val>
                 <c:extLst>
                   <c:ext xmlns:c16="http://schemas.microsoft.com/office/drawing/2014/chart" uri="{C3380CC4-5D6E-409C-BE32-E72D297353CC}">
-                    <c16:uniqueId val="{00000005-E46F-4423-8CB5-94E352E6E73A}"/>
+                    <c16:uniqueId val="{00000005-0C80-441B-AD51-C0B607CB0001}"/>
                   </c:ext>
                 </c:extLst>
               </c15:ser>
@@ -8850,7 +9977,7 @@
                 </c:val>
                 <c:extLst xmlns:c15="http://schemas.microsoft.com/office/drawing/2012/chart">
                   <c:ext xmlns:c16="http://schemas.microsoft.com/office/drawing/2014/chart" uri="{C3380CC4-5D6E-409C-BE32-E72D297353CC}">
-                    <c16:uniqueId val="{00000006-E46F-4423-8CB5-94E352E6E73A}"/>
+                    <c16:uniqueId val="{00000006-0C80-441B-AD51-C0B607CB0001}"/>
                   </c:ext>
                 </c:extLst>
               </c15:ser>
@@ -8929,7 +10056,7 @@
                 </c:val>
                 <c:extLst xmlns:c15="http://schemas.microsoft.com/office/drawing/2012/chart">
                   <c:ext xmlns:c16="http://schemas.microsoft.com/office/drawing/2014/chart" uri="{C3380CC4-5D6E-409C-BE32-E72D297353CC}">
-                    <c16:uniqueId val="{00000007-E46F-4423-8CB5-94E352E6E73A}"/>
+                    <c16:uniqueId val="{00000007-0C80-441B-AD51-C0B607CB0001}"/>
                   </c:ext>
                 </c:extLst>
               </c15:ser>
@@ -9006,7 +10133,7 @@
                 </c:val>
                 <c:extLst xmlns:c15="http://schemas.microsoft.com/office/drawing/2012/chart">
                   <c:ext xmlns:c16="http://schemas.microsoft.com/office/drawing/2014/chart" uri="{C3380CC4-5D6E-409C-BE32-E72D297353CC}">
-                    <c16:uniqueId val="{00000008-E46F-4423-8CB5-94E352E6E73A}"/>
+                    <c16:uniqueId val="{00000008-0C80-441B-AD51-C0B607CB0001}"/>
                   </c:ext>
                 </c:extLst>
               </c15:ser>
@@ -9136,7 +10263,7 @@
           <c:smooth val="0"/>
           <c:extLst>
             <c:ext xmlns:c16="http://schemas.microsoft.com/office/drawing/2014/chart" uri="{C3380CC4-5D6E-409C-BE32-E72D297353CC}">
-              <c16:uniqueId val="{00000000-E46F-4423-8CB5-94E352E6E73A}"/>
+              <c16:uniqueId val="{00000000-0C80-441B-AD51-C0B607CB0001}"/>
             </c:ext>
           </c:extLst>
         </c:ser>
@@ -9209,7 +10336,7 @@
           <c:smooth val="0"/>
           <c:extLst>
             <c:ext xmlns:c16="http://schemas.microsoft.com/office/drawing/2014/chart" uri="{C3380CC4-5D6E-409C-BE32-E72D297353CC}">
-              <c16:uniqueId val="{00000001-E46F-4423-8CB5-94E352E6E73A}"/>
+              <c16:uniqueId val="{00000001-0C80-441B-AD51-C0B607CB0001}"/>
             </c:ext>
           </c:extLst>
         </c:ser>
@@ -9233,10 +10360,10 @@
           </c:marker>
           <c:val>
             <c:numRef>
-              <c:f>Sheet1!$G$39:$G$50</c:f>
+              <c:f>Sheet1!$G$39:$G$51</c:f>
               <c:numCache>
                 <c:formatCode>General</c:formatCode>
-                <c:ptCount val="12"/>
+                <c:ptCount val="13"/>
                 <c:pt idx="0">
                   <c:v>109.20354038562397</c:v>
                 </c:pt>
@@ -9270,14 +10397,19 @@
                 <c:pt idx="10">
                   <c:v>112.65443546698727</c:v>
                 </c:pt>
+                <c:pt idx="11">
+                  <c:v>112.39</c:v>
+                </c:pt>
+                <c:pt idx="12">
+                  <c:v>112.49</c:v>
+                </c:pt>
               </c:numCache>
-              <c:extLst xmlns:c15="http://schemas.microsoft.com/office/drawing/2012/chart"/>
             </c:numRef>
           </c:val>
           <c:smooth val="0"/>
           <c:extLst>
             <c:ext xmlns:c16="http://schemas.microsoft.com/office/drawing/2014/chart" uri="{C3380CC4-5D6E-409C-BE32-E72D297353CC}">
-              <c16:uniqueId val="{00000002-E46F-4423-8CB5-94E352E6E73A}"/>
+              <c16:uniqueId val="{00000002-0C80-441B-AD51-C0B607CB0001}"/>
             </c:ext>
           </c:extLst>
         </c:ser>
@@ -9427,7 +10559,7 @@
                 <c:smooth val="0"/>
                 <c:extLst>
                   <c:ext xmlns:c16="http://schemas.microsoft.com/office/drawing/2014/chart" uri="{C3380CC4-5D6E-409C-BE32-E72D297353CC}">
-                    <c16:uniqueId val="{00000003-E46F-4423-8CB5-94E352E6E73A}"/>
+                    <c16:uniqueId val="{00000003-0C80-441B-AD51-C0B607CB0001}"/>
                   </c:ext>
                 </c:extLst>
               </c15:ser>
@@ -9563,7 +10695,7 @@
                 <c:smooth val="0"/>
                 <c:extLst xmlns:c15="http://schemas.microsoft.com/office/drawing/2012/chart">
                   <c:ext xmlns:c16="http://schemas.microsoft.com/office/drawing/2014/chart" uri="{C3380CC4-5D6E-409C-BE32-E72D297353CC}">
-                    <c16:uniqueId val="{00000004-E46F-4423-8CB5-94E352E6E73A}"/>
+                    <c16:uniqueId val="{00000004-0C80-441B-AD51-C0B607CB0001}"/>
                   </c:ext>
                 </c:extLst>
               </c15:ser>
@@ -9647,7 +10779,7 @@
                 <c:smooth val="0"/>
                 <c:extLst xmlns:c15="http://schemas.microsoft.com/office/drawing/2012/chart">
                   <c:ext xmlns:c16="http://schemas.microsoft.com/office/drawing/2014/chart" uri="{C3380CC4-5D6E-409C-BE32-E72D297353CC}">
-                    <c16:uniqueId val="{00000009-E46F-4423-8CB5-94E352E6E73A}"/>
+                    <c16:uniqueId val="{00000009-0C80-441B-AD51-C0B607CB0001}"/>
                   </c:ext>
                 </c:extLst>
               </c15:ser>
@@ -9688,6 +10820,7 @@
               </a:p>
             </c:rich>
           </c:tx>
+          <c:layout/>
           <c:overlay val="0"/>
           <c:spPr>
             <a:noFill/>
@@ -9814,6 +10947,7 @@
               </a:p>
             </c:rich>
           </c:tx>
+          <c:layout/>
           <c:overlay val="0"/>
           <c:spPr>
             <a:noFill/>
@@ -9894,6 +11028,7 @@
     </c:plotArea>
     <c:legend>
       <c:legendPos val="b"/>
+      <c:layout/>
       <c:overlay val="0"/>
       <c:spPr>
         <a:noFill/>
@@ -10270,6 +11405,46 @@
 </cs:colorStyle>
 </file>
 
+<file path=ppt/charts/colors9.xml><?xml version="1.0" encoding="utf-8"?>
+<cs:colorStyle xmlns:cs="http://schemas.microsoft.com/office/drawing/2012/chartStyle" xmlns:a="http://schemas.openxmlformats.org/drawingml/2006/main" meth="cycle" id="10">
+  <a:schemeClr val="accent1"/>
+  <a:schemeClr val="accent2"/>
+  <a:schemeClr val="accent3"/>
+  <a:schemeClr val="accent4"/>
+  <a:schemeClr val="accent5"/>
+  <a:schemeClr val="accent6"/>
+  <cs:variation/>
+  <cs:variation>
+    <a:lumMod val="60000"/>
+  </cs:variation>
+  <cs:variation>
+    <a:lumMod val="80000"/>
+    <a:lumOff val="20000"/>
+  </cs:variation>
+  <cs:variation>
+    <a:lumMod val="80000"/>
+  </cs:variation>
+  <cs:variation>
+    <a:lumMod val="60000"/>
+    <a:lumOff val="40000"/>
+  </cs:variation>
+  <cs:variation>
+    <a:lumMod val="50000"/>
+  </cs:variation>
+  <cs:variation>
+    <a:lumMod val="70000"/>
+    <a:lumOff val="30000"/>
+  </cs:variation>
+  <cs:variation>
+    <a:lumMod val="70000"/>
+  </cs:variation>
+  <cs:variation>
+    <a:lumMod val="50000"/>
+    <a:lumOff val="50000"/>
+  </cs:variation>
+</cs:colorStyle>
+</file>
+
 <file path=ppt/charts/style1.xml><?xml version="1.0" encoding="utf-8"?>
 <cs:chartStyle xmlns:cs="http://schemas.microsoft.com/office/drawing/2012/chartStyle" xmlns:a="http://schemas.openxmlformats.org/drawingml/2006/main" id="240">
   <cs:axisTitle>
@@ -13883,6 +15058,522 @@
 </file>
 
 <file path=ppt/charts/style8.xml><?xml version="1.0" encoding="utf-8"?>
+<cs:chartStyle xmlns:cs="http://schemas.microsoft.com/office/drawing/2012/chartStyle" xmlns:a="http://schemas.openxmlformats.org/drawingml/2006/main" id="240">
+  <cs:axisTitle>
+    <cs:lnRef idx="0"/>
+    <cs:fillRef idx="0"/>
+    <cs:effectRef idx="0"/>
+    <cs:fontRef idx="minor">
+      <a:schemeClr val="tx1">
+        <a:lumMod val="65000"/>
+        <a:lumOff val="35000"/>
+      </a:schemeClr>
+    </cs:fontRef>
+    <cs:defRPr sz="1000" kern="1200"/>
+  </cs:axisTitle>
+  <cs:categoryAxis>
+    <cs:lnRef idx="0"/>
+    <cs:fillRef idx="0"/>
+    <cs:effectRef idx="0"/>
+    <cs:fontRef idx="minor">
+      <a:schemeClr val="tx1">
+        <a:lumMod val="65000"/>
+        <a:lumOff val="35000"/>
+      </a:schemeClr>
+    </cs:fontRef>
+    <cs:spPr>
+      <a:ln w="9525" cap="flat" cmpd="sng" algn="ctr">
+        <a:solidFill>
+          <a:schemeClr val="tx1">
+            <a:lumMod val="25000"/>
+            <a:lumOff val="75000"/>
+          </a:schemeClr>
+        </a:solidFill>
+        <a:round/>
+      </a:ln>
+    </cs:spPr>
+    <cs:defRPr sz="900" kern="1200"/>
+  </cs:categoryAxis>
+  <cs:chartArea mods="allowNoFillOverride allowNoLineOverride">
+    <cs:lnRef idx="0"/>
+    <cs:fillRef idx="0"/>
+    <cs:effectRef idx="0"/>
+    <cs:fontRef idx="minor">
+      <a:schemeClr val="tx1"/>
+    </cs:fontRef>
+    <cs:spPr>
+      <a:solidFill>
+        <a:schemeClr val="bg1"/>
+      </a:solidFill>
+      <a:ln w="9525" cap="flat" cmpd="sng" algn="ctr">
+        <a:solidFill>
+          <a:schemeClr val="tx1">
+            <a:lumMod val="15000"/>
+            <a:lumOff val="85000"/>
+          </a:schemeClr>
+        </a:solidFill>
+        <a:round/>
+      </a:ln>
+    </cs:spPr>
+    <cs:defRPr sz="1000" kern="1200"/>
+  </cs:chartArea>
+  <cs:dataLabel>
+    <cs:lnRef idx="0"/>
+    <cs:fillRef idx="0"/>
+    <cs:effectRef idx="0"/>
+    <cs:fontRef idx="minor">
+      <a:schemeClr val="tx1">
+        <a:lumMod val="75000"/>
+        <a:lumOff val="25000"/>
+      </a:schemeClr>
+    </cs:fontRef>
+    <cs:defRPr sz="900" kern="1200"/>
+  </cs:dataLabel>
+  <cs:dataLabelCallout>
+    <cs:lnRef idx="0"/>
+    <cs:fillRef idx="0"/>
+    <cs:effectRef idx="0"/>
+    <cs:fontRef idx="minor">
+      <a:schemeClr val="dk1">
+        <a:lumMod val="65000"/>
+        <a:lumOff val="35000"/>
+      </a:schemeClr>
+    </cs:fontRef>
+    <cs:spPr>
+      <a:solidFill>
+        <a:schemeClr val="lt1"/>
+      </a:solidFill>
+      <a:ln>
+        <a:solidFill>
+          <a:schemeClr val="dk1">
+            <a:lumMod val="25000"/>
+            <a:lumOff val="75000"/>
+          </a:schemeClr>
+        </a:solidFill>
+      </a:ln>
+    </cs:spPr>
+    <cs:defRPr sz="900" kern="1200"/>
+    <cs:bodyPr rot="0" spcFirstLastPara="1" vertOverflow="clip" horzOverflow="clip" vert="horz" wrap="square" lIns="36576" tIns="18288" rIns="36576" bIns="18288" anchor="ctr" anchorCtr="1">
+      <a:spAutoFit/>
+    </cs:bodyPr>
+  </cs:dataLabelCallout>
+  <cs:dataPoint>
+    <cs:lnRef idx="0"/>
+    <cs:fillRef idx="1">
+      <cs:styleClr val="auto"/>
+    </cs:fillRef>
+    <cs:effectRef idx="0"/>
+    <cs:fontRef idx="minor">
+      <a:schemeClr val="tx1"/>
+    </cs:fontRef>
+  </cs:dataPoint>
+  <cs:dataPoint3D>
+    <cs:lnRef idx="0"/>
+    <cs:fillRef idx="1">
+      <cs:styleClr val="auto"/>
+    </cs:fillRef>
+    <cs:effectRef idx="0"/>
+    <cs:fontRef idx="minor">
+      <a:schemeClr val="tx1"/>
+    </cs:fontRef>
+  </cs:dataPoint3D>
+  <cs:dataPointLine>
+    <cs:lnRef idx="0">
+      <cs:styleClr val="auto"/>
+    </cs:lnRef>
+    <cs:fillRef idx="1"/>
+    <cs:effectRef idx="0"/>
+    <cs:fontRef idx="minor">
+      <a:schemeClr val="tx1"/>
+    </cs:fontRef>
+    <cs:spPr>
+      <a:ln w="19050" cap="rnd">
+        <a:solidFill>
+          <a:schemeClr val="phClr"/>
+        </a:solidFill>
+        <a:round/>
+      </a:ln>
+    </cs:spPr>
+  </cs:dataPointLine>
+  <cs:dataPointMarker>
+    <cs:lnRef idx="0">
+      <cs:styleClr val="auto"/>
+    </cs:lnRef>
+    <cs:fillRef idx="1">
+      <cs:styleClr val="auto"/>
+    </cs:fillRef>
+    <cs:effectRef idx="0"/>
+    <cs:fontRef idx="minor">
+      <a:schemeClr val="tx1"/>
+    </cs:fontRef>
+    <cs:spPr>
+      <a:ln w="9525">
+        <a:solidFill>
+          <a:schemeClr val="phClr"/>
+        </a:solidFill>
+      </a:ln>
+    </cs:spPr>
+  </cs:dataPointMarker>
+  <cs:dataPointMarkerLayout symbol="circle" size="5"/>
+  <cs:dataPointWireframe>
+    <cs:lnRef idx="0">
+      <cs:styleClr val="auto"/>
+    </cs:lnRef>
+    <cs:fillRef idx="0"/>
+    <cs:effectRef idx="0"/>
+    <cs:fontRef idx="minor">
+      <a:schemeClr val="dk1"/>
+    </cs:fontRef>
+    <cs:spPr>
+      <a:ln w="9525" cap="rnd">
+        <a:solidFill>
+          <a:schemeClr val="phClr"/>
+        </a:solidFill>
+        <a:round/>
+      </a:ln>
+    </cs:spPr>
+  </cs:dataPointWireframe>
+  <cs:dataTable>
+    <cs:lnRef idx="0"/>
+    <cs:fillRef idx="0"/>
+    <cs:effectRef idx="0"/>
+    <cs:fontRef idx="minor">
+      <a:schemeClr val="tx1">
+        <a:lumMod val="65000"/>
+        <a:lumOff val="35000"/>
+      </a:schemeClr>
+    </cs:fontRef>
+    <cs:spPr>
+      <a:noFill/>
+      <a:ln w="9525" cap="flat" cmpd="sng" algn="ctr">
+        <a:solidFill>
+          <a:schemeClr val="tx1">
+            <a:lumMod val="15000"/>
+            <a:lumOff val="85000"/>
+          </a:schemeClr>
+        </a:solidFill>
+        <a:round/>
+      </a:ln>
+    </cs:spPr>
+    <cs:defRPr sz="900" kern="1200"/>
+  </cs:dataTable>
+  <cs:downBar>
+    <cs:lnRef idx="0"/>
+    <cs:fillRef idx="0"/>
+    <cs:effectRef idx="0"/>
+    <cs:fontRef idx="minor">
+      <a:schemeClr val="tx1"/>
+    </cs:fontRef>
+    <cs:spPr>
+      <a:solidFill>
+        <a:schemeClr val="dk1">
+          <a:lumMod val="75000"/>
+          <a:lumOff val="25000"/>
+        </a:schemeClr>
+      </a:solidFill>
+      <a:ln w="9525" cap="flat" cmpd="sng" algn="ctr">
+        <a:solidFill>
+          <a:schemeClr val="tx1">
+            <a:lumMod val="65000"/>
+            <a:lumOff val="35000"/>
+          </a:schemeClr>
+        </a:solidFill>
+        <a:round/>
+      </a:ln>
+    </cs:spPr>
+  </cs:downBar>
+  <cs:dropLine>
+    <cs:lnRef idx="0"/>
+    <cs:fillRef idx="0"/>
+    <cs:effectRef idx="0"/>
+    <cs:fontRef idx="minor">
+      <a:schemeClr val="tx1"/>
+    </cs:fontRef>
+    <cs:spPr>
+      <a:ln w="9525" cap="flat" cmpd="sng" algn="ctr">
+        <a:solidFill>
+          <a:schemeClr val="tx1">
+            <a:lumMod val="35000"/>
+            <a:lumOff val="65000"/>
+          </a:schemeClr>
+        </a:solidFill>
+        <a:round/>
+      </a:ln>
+    </cs:spPr>
+  </cs:dropLine>
+  <cs:errorBar>
+    <cs:lnRef idx="0"/>
+    <cs:fillRef idx="0"/>
+    <cs:effectRef idx="0"/>
+    <cs:fontRef idx="minor">
+      <a:schemeClr val="tx1"/>
+    </cs:fontRef>
+    <cs:spPr>
+      <a:ln w="9525" cap="flat" cmpd="sng" algn="ctr">
+        <a:solidFill>
+          <a:schemeClr val="tx1">
+            <a:lumMod val="65000"/>
+            <a:lumOff val="35000"/>
+          </a:schemeClr>
+        </a:solidFill>
+        <a:round/>
+      </a:ln>
+    </cs:spPr>
+  </cs:errorBar>
+  <cs:floor>
+    <cs:lnRef idx="0"/>
+    <cs:fillRef idx="0"/>
+    <cs:effectRef idx="0"/>
+    <cs:fontRef idx="minor">
+      <a:schemeClr val="tx1"/>
+    </cs:fontRef>
+    <cs:spPr>
+      <a:noFill/>
+      <a:ln>
+        <a:noFill/>
+      </a:ln>
+    </cs:spPr>
+  </cs:floor>
+  <cs:gridlineMajor>
+    <cs:lnRef idx="0"/>
+    <cs:fillRef idx="0"/>
+    <cs:effectRef idx="0"/>
+    <cs:fontRef idx="minor">
+      <a:schemeClr val="tx1"/>
+    </cs:fontRef>
+    <cs:spPr>
+      <a:ln w="9525" cap="flat" cmpd="sng" algn="ctr">
+        <a:solidFill>
+          <a:schemeClr val="tx1">
+            <a:lumMod val="15000"/>
+            <a:lumOff val="85000"/>
+          </a:schemeClr>
+        </a:solidFill>
+        <a:round/>
+      </a:ln>
+    </cs:spPr>
+  </cs:gridlineMajor>
+  <cs:gridlineMinor>
+    <cs:lnRef idx="0"/>
+    <cs:fillRef idx="0"/>
+    <cs:effectRef idx="0"/>
+    <cs:fontRef idx="minor">
+      <a:schemeClr val="tx1"/>
+    </cs:fontRef>
+    <cs:spPr>
+      <a:ln w="9525" cap="flat" cmpd="sng" algn="ctr">
+        <a:solidFill>
+          <a:schemeClr val="tx1">
+            <a:lumMod val="5000"/>
+            <a:lumOff val="95000"/>
+          </a:schemeClr>
+        </a:solidFill>
+        <a:round/>
+      </a:ln>
+    </cs:spPr>
+  </cs:gridlineMinor>
+  <cs:hiLoLine>
+    <cs:lnRef idx="0"/>
+    <cs:fillRef idx="0"/>
+    <cs:effectRef idx="0"/>
+    <cs:fontRef idx="minor">
+      <a:schemeClr val="tx1"/>
+    </cs:fontRef>
+    <cs:spPr>
+      <a:ln w="9525" cap="flat" cmpd="sng" algn="ctr">
+        <a:solidFill>
+          <a:schemeClr val="tx1">
+            <a:lumMod val="50000"/>
+            <a:lumOff val="50000"/>
+          </a:schemeClr>
+        </a:solidFill>
+        <a:round/>
+      </a:ln>
+    </cs:spPr>
+  </cs:hiLoLine>
+  <cs:leaderLine>
+    <cs:lnRef idx="0"/>
+    <cs:fillRef idx="0"/>
+    <cs:effectRef idx="0"/>
+    <cs:fontRef idx="minor">
+      <a:schemeClr val="tx1"/>
+    </cs:fontRef>
+    <cs:spPr>
+      <a:ln w="9525" cap="flat" cmpd="sng" algn="ctr">
+        <a:solidFill>
+          <a:schemeClr val="tx1">
+            <a:lumMod val="35000"/>
+            <a:lumOff val="65000"/>
+          </a:schemeClr>
+        </a:solidFill>
+        <a:round/>
+      </a:ln>
+    </cs:spPr>
+  </cs:leaderLine>
+  <cs:legend>
+    <cs:lnRef idx="0"/>
+    <cs:fillRef idx="0"/>
+    <cs:effectRef idx="0"/>
+    <cs:fontRef idx="minor">
+      <a:schemeClr val="tx1">
+        <a:lumMod val="65000"/>
+        <a:lumOff val="35000"/>
+      </a:schemeClr>
+    </cs:fontRef>
+    <cs:defRPr sz="900" kern="1200"/>
+  </cs:legend>
+  <cs:plotArea mods="allowNoFillOverride allowNoLineOverride">
+    <cs:lnRef idx="0"/>
+    <cs:fillRef idx="0"/>
+    <cs:effectRef idx="0"/>
+    <cs:fontRef idx="minor">
+      <a:schemeClr val="tx1"/>
+    </cs:fontRef>
+  </cs:plotArea>
+  <cs:plotArea3D mods="allowNoFillOverride allowNoLineOverride">
+    <cs:lnRef idx="0"/>
+    <cs:fillRef idx="0"/>
+    <cs:effectRef idx="0"/>
+    <cs:fontRef idx="minor">
+      <a:schemeClr val="tx1"/>
+    </cs:fontRef>
+  </cs:plotArea3D>
+  <cs:seriesAxis>
+    <cs:lnRef idx="0"/>
+    <cs:fillRef idx="0"/>
+    <cs:effectRef idx="0"/>
+    <cs:fontRef idx="minor">
+      <a:schemeClr val="tx1">
+        <a:lumMod val="65000"/>
+        <a:lumOff val="35000"/>
+      </a:schemeClr>
+    </cs:fontRef>
+    <cs:defRPr sz="900" kern="1200"/>
+  </cs:seriesAxis>
+  <cs:seriesLine>
+    <cs:lnRef idx="0"/>
+    <cs:fillRef idx="0"/>
+    <cs:effectRef idx="0"/>
+    <cs:fontRef idx="minor">
+      <a:schemeClr val="tx1"/>
+    </cs:fontRef>
+    <cs:spPr>
+      <a:ln w="9525" cap="flat" cmpd="sng" algn="ctr">
+        <a:solidFill>
+          <a:schemeClr val="tx1">
+            <a:lumMod val="35000"/>
+            <a:lumOff val="65000"/>
+          </a:schemeClr>
+        </a:solidFill>
+        <a:round/>
+      </a:ln>
+    </cs:spPr>
+  </cs:seriesLine>
+  <cs:title>
+    <cs:lnRef idx="0"/>
+    <cs:fillRef idx="0"/>
+    <cs:effectRef idx="0"/>
+    <cs:fontRef idx="minor">
+      <a:schemeClr val="tx1">
+        <a:lumMod val="65000"/>
+        <a:lumOff val="35000"/>
+      </a:schemeClr>
+    </cs:fontRef>
+    <cs:defRPr sz="1400" b="0" kern="1200" spc="0" baseline="0"/>
+  </cs:title>
+  <cs:trendline>
+    <cs:lnRef idx="0">
+      <cs:styleClr val="auto"/>
+    </cs:lnRef>
+    <cs:fillRef idx="0"/>
+    <cs:effectRef idx="0"/>
+    <cs:fontRef idx="minor">
+      <a:schemeClr val="tx1"/>
+    </cs:fontRef>
+    <cs:spPr>
+      <a:ln w="19050" cap="rnd">
+        <a:solidFill>
+          <a:schemeClr val="phClr"/>
+        </a:solidFill>
+        <a:prstDash val="sysDot"/>
+      </a:ln>
+    </cs:spPr>
+  </cs:trendline>
+  <cs:trendlineLabel>
+    <cs:lnRef idx="0"/>
+    <cs:fillRef idx="0"/>
+    <cs:effectRef idx="0"/>
+    <cs:fontRef idx="minor">
+      <a:schemeClr val="tx1">
+        <a:lumMod val="65000"/>
+        <a:lumOff val="35000"/>
+      </a:schemeClr>
+    </cs:fontRef>
+    <cs:defRPr sz="900" kern="1200"/>
+  </cs:trendlineLabel>
+  <cs:upBar>
+    <cs:lnRef idx="0"/>
+    <cs:fillRef idx="0"/>
+    <cs:effectRef idx="0"/>
+    <cs:fontRef idx="minor">
+      <a:schemeClr val="tx1"/>
+    </cs:fontRef>
+    <cs:spPr>
+      <a:solidFill>
+        <a:schemeClr val="lt1"/>
+      </a:solidFill>
+      <a:ln w="9525" cap="flat" cmpd="sng" algn="ctr">
+        <a:solidFill>
+          <a:schemeClr val="tx1">
+            <a:lumMod val="65000"/>
+            <a:lumOff val="35000"/>
+          </a:schemeClr>
+        </a:solidFill>
+        <a:round/>
+      </a:ln>
+    </cs:spPr>
+  </cs:upBar>
+  <cs:valueAxis>
+    <cs:lnRef idx="0"/>
+    <cs:fillRef idx="0"/>
+    <cs:effectRef idx="0"/>
+    <cs:fontRef idx="minor">
+      <a:schemeClr val="tx1">
+        <a:lumMod val="65000"/>
+        <a:lumOff val="35000"/>
+      </a:schemeClr>
+    </cs:fontRef>
+    <cs:spPr>
+      <a:ln w="9525" cap="flat" cmpd="sng" algn="ctr">
+        <a:solidFill>
+          <a:schemeClr val="tx1">
+            <a:lumMod val="25000"/>
+            <a:lumOff val="75000"/>
+          </a:schemeClr>
+        </a:solidFill>
+        <a:round/>
+      </a:ln>
+    </cs:spPr>
+    <cs:defRPr sz="900" kern="1200"/>
+  </cs:valueAxis>
+  <cs:wall>
+    <cs:lnRef idx="0"/>
+    <cs:fillRef idx="0"/>
+    <cs:effectRef idx="0"/>
+    <cs:fontRef idx="minor">
+      <a:schemeClr val="tx1"/>
+    </cs:fontRef>
+    <cs:spPr>
+      <a:noFill/>
+      <a:ln>
+        <a:noFill/>
+      </a:ln>
+    </cs:spPr>
+  </cs:wall>
+</cs:chartStyle>
+</file>
+
+<file path=ppt/charts/style9.xml><?xml version="1.0" encoding="utf-8"?>
 <cs:chartStyle xmlns:cs="http://schemas.microsoft.com/office/drawing/2012/chartStyle" xmlns:a="http://schemas.openxmlformats.org/drawingml/2006/main" id="240">
   <cs:axisTitle>
     <cs:lnRef idx="0"/>
@@ -17557,6 +19248,3588 @@
 </p:sld>
 </file>
 
+<file path=ppt/slides/slide10.xml><?xml version="1.0" encoding="utf-8"?>
+<p:sld xmlns:a="http://schemas.openxmlformats.org/drawingml/2006/main" xmlns:r="http://schemas.openxmlformats.org/officeDocument/2006/relationships" xmlns:p="http://schemas.openxmlformats.org/presentationml/2006/main">
+  <p:cSld>
+    <p:spTree>
+      <p:nvGrpSpPr>
+        <p:cNvPr id="1" name=""/>
+        <p:cNvGrpSpPr/>
+        <p:nvPr/>
+      </p:nvGrpSpPr>
+      <p:grpSpPr>
+        <a:xfrm>
+          <a:off x="0" y="0"/>
+          <a:ext cx="0" cy="0"/>
+          <a:chOff x="0" y="0"/>
+          <a:chExt cx="0" cy="0"/>
+        </a:xfrm>
+      </p:grpSpPr>
+      <p:graphicFrame>
+        <p:nvGraphicFramePr>
+          <p:cNvPr id="7" name="Table 6"/>
+          <p:cNvGraphicFramePr>
+            <a:graphicFrameLocks noGrp="1"/>
+          </p:cNvGraphicFramePr>
+          <p:nvPr>
+            <p:extLst>
+              <p:ext uri="{D42A27DB-BD31-4B8C-83A1-F6EECF244321}">
+                <p14:modId xmlns:p14="http://schemas.microsoft.com/office/powerpoint/2010/main" val="2952959798"/>
+              </p:ext>
+            </p:extLst>
+          </p:nvPr>
+        </p:nvGraphicFramePr>
+        <p:xfrm>
+          <a:off x="264696" y="1347537"/>
+          <a:ext cx="3657600" cy="3514114"/>
+        </p:xfrm>
+        <a:graphic>
+          <a:graphicData uri="http://schemas.openxmlformats.org/drawingml/2006/table">
+            <a:tbl>
+              <a:tblPr/>
+              <a:tblGrid>
+                <a:gridCol w="609600">
+                  <a:extLst>
+                    <a:ext uri="{9D8B030D-6E8A-4147-A177-3AD203B41FA5}">
+                      <a16:colId xmlns:a16="http://schemas.microsoft.com/office/drawing/2014/main" val="1127395704"/>
+                    </a:ext>
+                  </a:extLst>
+                </a:gridCol>
+                <a:gridCol w="609600">
+                  <a:extLst>
+                    <a:ext uri="{9D8B030D-6E8A-4147-A177-3AD203B41FA5}">
+                      <a16:colId xmlns:a16="http://schemas.microsoft.com/office/drawing/2014/main" val="3553091660"/>
+                    </a:ext>
+                  </a:extLst>
+                </a:gridCol>
+                <a:gridCol w="609600">
+                  <a:extLst>
+                    <a:ext uri="{9D8B030D-6E8A-4147-A177-3AD203B41FA5}">
+                      <a16:colId xmlns:a16="http://schemas.microsoft.com/office/drawing/2014/main" val="3328770684"/>
+                    </a:ext>
+                  </a:extLst>
+                </a:gridCol>
+                <a:gridCol w="609600">
+                  <a:extLst>
+                    <a:ext uri="{9D8B030D-6E8A-4147-A177-3AD203B41FA5}">
+                      <a16:colId xmlns:a16="http://schemas.microsoft.com/office/drawing/2014/main" val="3522918978"/>
+                    </a:ext>
+                  </a:extLst>
+                </a:gridCol>
+                <a:gridCol w="609600">
+                  <a:extLst>
+                    <a:ext uri="{9D8B030D-6E8A-4147-A177-3AD203B41FA5}">
+                      <a16:colId xmlns:a16="http://schemas.microsoft.com/office/drawing/2014/main" val="737026744"/>
+                    </a:ext>
+                  </a:extLst>
+                </a:gridCol>
+                <a:gridCol w="609600">
+                  <a:extLst>
+                    <a:ext uri="{9D8B030D-6E8A-4147-A177-3AD203B41FA5}">
+                      <a16:colId xmlns:a16="http://schemas.microsoft.com/office/drawing/2014/main" val="1601631585"/>
+                    </a:ext>
+                  </a:extLst>
+                </a:gridCol>
+              </a:tblGrid>
+              <a:tr h="203224">
+                <a:tc gridSpan="2">
+                  <a:txBody>
+                    <a:bodyPr/>
+                    <a:lstStyle/>
+                    <a:p>
+                      <a:pPr algn="l" fontAlgn="b"/>
+                      <a:r>
+                        <a:rPr lang="nb-NO" sz="1100" b="0" i="0" u="none" strike="noStrike">
+                          <a:solidFill>
+                            <a:srgbClr val="000000"/>
+                          </a:solidFill>
+                          <a:effectLst/>
+                          <a:latin typeface="Calibri" panose="020F0502020204030204" pitchFamily="34" charset="0"/>
+                        </a:rPr>
+                        <a:t>changes: 3 </a:t>
+                      </a:r>
+                    </a:p>
+                  </a:txBody>
+                  <a:tcPr marL="9525" marR="9525" marT="9525" marB="0" anchor="b">
+                    <a:lnL w="6350" cap="flat" cmpd="sng" algn="ctr">
+                      <a:solidFill>
+                        <a:srgbClr val="000000"/>
+                      </a:solidFill>
+                      <a:prstDash val="solid"/>
+                      <a:round/>
+                      <a:headEnd type="none" w="med" len="med"/>
+                      <a:tailEnd type="none" w="med" len="med"/>
+                    </a:lnL>
+                    <a:lnR>
+                      <a:noFill/>
+                    </a:lnR>
+                    <a:lnT w="6350" cap="flat" cmpd="sng" algn="ctr">
+                      <a:solidFill>
+                        <a:srgbClr val="000000"/>
+                      </a:solidFill>
+                      <a:prstDash val="solid"/>
+                      <a:round/>
+                      <a:headEnd type="none" w="med" len="med"/>
+                      <a:tailEnd type="none" w="med" len="med"/>
+                    </a:lnT>
+                    <a:lnB>
+                      <a:noFill/>
+                    </a:lnB>
+                  </a:tcPr>
+                </a:tc>
+                <a:tc hMerge="1">
+                  <a:txBody>
+                    <a:bodyPr/>
+                    <a:lstStyle/>
+                    <a:p>
+                      <a:endParaRPr lang="nb-NO"/>
+                    </a:p>
+                  </a:txBody>
+                  <a:tcPr/>
+                </a:tc>
+                <a:tc>
+                  <a:txBody>
+                    <a:bodyPr/>
+                    <a:lstStyle/>
+                    <a:p>
+                      <a:pPr algn="l" fontAlgn="b"/>
+                      <a:r>
+                        <a:rPr lang="nb-NO" sz="1100" b="0" i="0" u="none" strike="noStrike">
+                          <a:solidFill>
+                            <a:srgbClr val="000000"/>
+                          </a:solidFill>
+                          <a:effectLst/>
+                          <a:latin typeface="Calibri" panose="020F0502020204030204" pitchFamily="34" charset="0"/>
+                        </a:rPr>
+                        <a:t> </a:t>
+                      </a:r>
+                    </a:p>
+                  </a:txBody>
+                  <a:tcPr marL="9525" marR="9525" marT="9525" marB="0" anchor="b">
+                    <a:lnL>
+                      <a:noFill/>
+                    </a:lnL>
+                    <a:lnR>
+                      <a:noFill/>
+                    </a:lnR>
+                    <a:lnT w="6350" cap="flat" cmpd="sng" algn="ctr">
+                      <a:solidFill>
+                        <a:srgbClr val="000000"/>
+                      </a:solidFill>
+                      <a:prstDash val="solid"/>
+                      <a:round/>
+                      <a:headEnd type="none" w="med" len="med"/>
+                      <a:tailEnd type="none" w="med" len="med"/>
+                    </a:lnT>
+                    <a:lnB>
+                      <a:noFill/>
+                    </a:lnB>
+                  </a:tcPr>
+                </a:tc>
+                <a:tc>
+                  <a:txBody>
+                    <a:bodyPr/>
+                    <a:lstStyle/>
+                    <a:p>
+                      <a:pPr algn="l" fontAlgn="b"/>
+                      <a:r>
+                        <a:rPr lang="nb-NO" sz="1100" b="0" i="0" u="none" strike="noStrike">
+                          <a:solidFill>
+                            <a:srgbClr val="000000"/>
+                          </a:solidFill>
+                          <a:effectLst/>
+                          <a:latin typeface="Calibri" panose="020F0502020204030204" pitchFamily="34" charset="0"/>
+                        </a:rPr>
+                        <a:t> </a:t>
+                      </a:r>
+                    </a:p>
+                  </a:txBody>
+                  <a:tcPr marL="9525" marR="9525" marT="9525" marB="0" anchor="b">
+                    <a:lnL>
+                      <a:noFill/>
+                    </a:lnL>
+                    <a:lnR>
+                      <a:noFill/>
+                    </a:lnR>
+                    <a:lnT w="6350" cap="flat" cmpd="sng" algn="ctr">
+                      <a:solidFill>
+                        <a:srgbClr val="000000"/>
+                      </a:solidFill>
+                      <a:prstDash val="solid"/>
+                      <a:round/>
+                      <a:headEnd type="none" w="med" len="med"/>
+                      <a:tailEnd type="none" w="med" len="med"/>
+                    </a:lnT>
+                    <a:lnB>
+                      <a:noFill/>
+                    </a:lnB>
+                  </a:tcPr>
+                </a:tc>
+                <a:tc>
+                  <a:txBody>
+                    <a:bodyPr/>
+                    <a:lstStyle/>
+                    <a:p>
+                      <a:pPr algn="l" fontAlgn="b"/>
+                      <a:r>
+                        <a:rPr lang="nb-NO" sz="1100" b="0" i="0" u="none" strike="noStrike">
+                          <a:solidFill>
+                            <a:srgbClr val="000000"/>
+                          </a:solidFill>
+                          <a:effectLst/>
+                          <a:latin typeface="Calibri" panose="020F0502020204030204" pitchFamily="34" charset="0"/>
+                        </a:rPr>
+                        <a:t> </a:t>
+                      </a:r>
+                    </a:p>
+                  </a:txBody>
+                  <a:tcPr marL="9525" marR="9525" marT="9525" marB="0" anchor="b">
+                    <a:lnL>
+                      <a:noFill/>
+                    </a:lnL>
+                    <a:lnR>
+                      <a:noFill/>
+                    </a:lnR>
+                    <a:lnT w="6350" cap="flat" cmpd="sng" algn="ctr">
+                      <a:solidFill>
+                        <a:srgbClr val="000000"/>
+                      </a:solidFill>
+                      <a:prstDash val="solid"/>
+                      <a:round/>
+                      <a:headEnd type="none" w="med" len="med"/>
+                      <a:tailEnd type="none" w="med" len="med"/>
+                    </a:lnT>
+                    <a:lnB>
+                      <a:noFill/>
+                    </a:lnB>
+                  </a:tcPr>
+                </a:tc>
+                <a:tc>
+                  <a:txBody>
+                    <a:bodyPr/>
+                    <a:lstStyle/>
+                    <a:p>
+                      <a:pPr algn="l" fontAlgn="b"/>
+                      <a:r>
+                        <a:rPr lang="nb-NO" sz="1100" b="0" i="0" u="none" strike="noStrike">
+                          <a:solidFill>
+                            <a:srgbClr val="000000"/>
+                          </a:solidFill>
+                          <a:effectLst/>
+                          <a:latin typeface="Calibri" panose="020F0502020204030204" pitchFamily="34" charset="0"/>
+                        </a:rPr>
+                        <a:t> </a:t>
+                      </a:r>
+                    </a:p>
+                  </a:txBody>
+                  <a:tcPr marL="9525" marR="9525" marT="9525" marB="0" anchor="b">
+                    <a:lnL>
+                      <a:noFill/>
+                    </a:lnL>
+                    <a:lnR w="6350" cap="flat" cmpd="sng" algn="ctr">
+                      <a:solidFill>
+                        <a:srgbClr val="000000"/>
+                      </a:solidFill>
+                      <a:prstDash val="solid"/>
+                      <a:round/>
+                      <a:headEnd type="none" w="med" len="med"/>
+                      <a:tailEnd type="none" w="med" len="med"/>
+                    </a:lnR>
+                    <a:lnT w="6350" cap="flat" cmpd="sng" algn="ctr">
+                      <a:solidFill>
+                        <a:srgbClr val="000000"/>
+                      </a:solidFill>
+                      <a:prstDash val="solid"/>
+                      <a:round/>
+                      <a:headEnd type="none" w="med" len="med"/>
+                      <a:tailEnd type="none" w="med" len="med"/>
+                    </a:lnT>
+                    <a:lnB>
+                      <a:noFill/>
+                    </a:lnB>
+                  </a:tcPr>
+                </a:tc>
+                <a:extLst>
+                  <a:ext uri="{0D108BD9-81ED-4DB2-BD59-A6C34878D82A}">
+                    <a16:rowId xmlns:a16="http://schemas.microsoft.com/office/drawing/2014/main" val="1435894076"/>
+                  </a:ext>
+                </a:extLst>
+              </a:tr>
+              <a:tr h="190500">
+                <a:tc gridSpan="4">
+                  <a:txBody>
+                    <a:bodyPr/>
+                    <a:lstStyle/>
+                    <a:p>
+                      <a:pPr algn="l" fontAlgn="b"/>
+                      <a:r>
+                        <a:rPr lang="en-US" sz="1100" b="0" i="0" u="none" strike="noStrike">
+                          <a:solidFill>
+                            <a:srgbClr val="000000"/>
+                          </a:solidFill>
+                          <a:effectLst/>
+                          <a:latin typeface="Calibri" panose="020F0502020204030204" pitchFamily="34" charset="0"/>
+                        </a:rPr>
+                        <a:t>change well: W7    [ 53.43 ---&gt; 30.17 ]</a:t>
+                      </a:r>
+                    </a:p>
+                  </a:txBody>
+                  <a:tcPr marL="9525" marR="9525" marT="9525" marB="0" anchor="b">
+                    <a:lnL w="6350" cap="flat" cmpd="sng" algn="ctr">
+                      <a:solidFill>
+                        <a:srgbClr val="000000"/>
+                      </a:solidFill>
+                      <a:prstDash val="solid"/>
+                      <a:round/>
+                      <a:headEnd type="none" w="med" len="med"/>
+                      <a:tailEnd type="none" w="med" len="med"/>
+                    </a:lnL>
+                    <a:lnR>
+                      <a:noFill/>
+                    </a:lnR>
+                    <a:lnT>
+                      <a:noFill/>
+                    </a:lnT>
+                    <a:lnB>
+                      <a:noFill/>
+                    </a:lnB>
+                  </a:tcPr>
+                </a:tc>
+                <a:tc hMerge="1">
+                  <a:txBody>
+                    <a:bodyPr/>
+                    <a:lstStyle/>
+                    <a:p>
+                      <a:endParaRPr lang="nb-NO"/>
+                    </a:p>
+                  </a:txBody>
+                  <a:tcPr/>
+                </a:tc>
+                <a:tc hMerge="1">
+                  <a:txBody>
+                    <a:bodyPr/>
+                    <a:lstStyle/>
+                    <a:p>
+                      <a:endParaRPr lang="nb-NO"/>
+                    </a:p>
+                  </a:txBody>
+                  <a:tcPr/>
+                </a:tc>
+                <a:tc hMerge="1">
+                  <a:txBody>
+                    <a:bodyPr/>
+                    <a:lstStyle/>
+                    <a:p>
+                      <a:endParaRPr lang="nb-NO"/>
+                    </a:p>
+                  </a:txBody>
+                  <a:tcPr/>
+                </a:tc>
+                <a:tc>
+                  <a:txBody>
+                    <a:bodyPr/>
+                    <a:lstStyle/>
+                    <a:p>
+                      <a:pPr algn="l" fontAlgn="b"/>
+                      <a:endParaRPr lang="nb-NO" sz="1100" b="0" i="0" u="none" strike="noStrike">
+                        <a:solidFill>
+                          <a:srgbClr val="000000"/>
+                        </a:solidFill>
+                        <a:effectLst/>
+                        <a:latin typeface="Calibri" panose="020F0502020204030204" pitchFamily="34" charset="0"/>
+                      </a:endParaRPr>
+                    </a:p>
+                  </a:txBody>
+                  <a:tcPr marL="9525" marR="9525" marT="9525" marB="0" anchor="b">
+                    <a:lnL>
+                      <a:noFill/>
+                    </a:lnL>
+                    <a:lnR>
+                      <a:noFill/>
+                    </a:lnR>
+                    <a:lnT>
+                      <a:noFill/>
+                    </a:lnT>
+                    <a:lnB>
+                      <a:noFill/>
+                    </a:lnB>
+                  </a:tcPr>
+                </a:tc>
+                <a:tc>
+                  <a:txBody>
+                    <a:bodyPr/>
+                    <a:lstStyle/>
+                    <a:p>
+                      <a:pPr algn="l" fontAlgn="b"/>
+                      <a:r>
+                        <a:rPr lang="nb-NO" sz="1100" b="0" i="0" u="none" strike="noStrike">
+                          <a:solidFill>
+                            <a:srgbClr val="000000"/>
+                          </a:solidFill>
+                          <a:effectLst/>
+                          <a:latin typeface="Calibri" panose="020F0502020204030204" pitchFamily="34" charset="0"/>
+                        </a:rPr>
+                        <a:t> </a:t>
+                      </a:r>
+                    </a:p>
+                  </a:txBody>
+                  <a:tcPr marL="9525" marR="9525" marT="9525" marB="0" anchor="b">
+                    <a:lnL>
+                      <a:noFill/>
+                    </a:lnL>
+                    <a:lnR w="6350" cap="flat" cmpd="sng" algn="ctr">
+                      <a:solidFill>
+                        <a:srgbClr val="000000"/>
+                      </a:solidFill>
+                      <a:prstDash val="solid"/>
+                      <a:round/>
+                      <a:headEnd type="none" w="med" len="med"/>
+                      <a:tailEnd type="none" w="med" len="med"/>
+                    </a:lnR>
+                    <a:lnT>
+                      <a:noFill/>
+                    </a:lnT>
+                    <a:lnB>
+                      <a:noFill/>
+                    </a:lnB>
+                  </a:tcPr>
+                </a:tc>
+                <a:extLst>
+                  <a:ext uri="{0D108BD9-81ED-4DB2-BD59-A6C34878D82A}">
+                    <a16:rowId xmlns:a16="http://schemas.microsoft.com/office/drawing/2014/main" val="30241742"/>
+                  </a:ext>
+                </a:extLst>
+              </a:tr>
+              <a:tr h="190500">
+                <a:tc gridSpan="3">
+                  <a:txBody>
+                    <a:bodyPr/>
+                    <a:lstStyle/>
+                    <a:p>
+                      <a:pPr algn="l" fontAlgn="b"/>
+                      <a:r>
+                        <a:rPr lang="nb-NO" sz="1100" b="0" i="0" u="none" strike="noStrike">
+                          <a:solidFill>
+                            <a:srgbClr val="000000"/>
+                          </a:solidFill>
+                          <a:effectLst/>
+                          <a:latin typeface="Calibri" panose="020F0502020204030204" pitchFamily="34" charset="0"/>
+                        </a:rPr>
+                        <a:t>Infeasible!  W7 gas: 34726.42</a:t>
+                      </a:r>
+                    </a:p>
+                  </a:txBody>
+                  <a:tcPr marL="9525" marR="9525" marT="9525" marB="0" anchor="b">
+                    <a:lnL w="6350" cap="flat" cmpd="sng" algn="ctr">
+                      <a:solidFill>
+                        <a:srgbClr val="000000"/>
+                      </a:solidFill>
+                      <a:prstDash val="solid"/>
+                      <a:round/>
+                      <a:headEnd type="none" w="med" len="med"/>
+                      <a:tailEnd type="none" w="med" len="med"/>
+                    </a:lnL>
+                    <a:lnR>
+                      <a:noFill/>
+                    </a:lnR>
+                    <a:lnT>
+                      <a:noFill/>
+                    </a:lnT>
+                    <a:lnB>
+                      <a:noFill/>
+                    </a:lnB>
+                  </a:tcPr>
+                </a:tc>
+                <a:tc hMerge="1">
+                  <a:txBody>
+                    <a:bodyPr/>
+                    <a:lstStyle/>
+                    <a:p>
+                      <a:endParaRPr lang="nb-NO"/>
+                    </a:p>
+                  </a:txBody>
+                  <a:tcPr/>
+                </a:tc>
+                <a:tc hMerge="1">
+                  <a:txBody>
+                    <a:bodyPr/>
+                    <a:lstStyle/>
+                    <a:p>
+                      <a:endParaRPr lang="nb-NO"/>
+                    </a:p>
+                  </a:txBody>
+                  <a:tcPr/>
+                </a:tc>
+                <a:tc>
+                  <a:txBody>
+                    <a:bodyPr/>
+                    <a:lstStyle/>
+                    <a:p>
+                      <a:pPr algn="l" fontAlgn="b"/>
+                      <a:endParaRPr lang="nb-NO" sz="1100" b="0" i="0" u="none" strike="noStrike">
+                        <a:solidFill>
+                          <a:srgbClr val="000000"/>
+                        </a:solidFill>
+                        <a:effectLst/>
+                        <a:latin typeface="Calibri" panose="020F0502020204030204" pitchFamily="34" charset="0"/>
+                      </a:endParaRPr>
+                    </a:p>
+                  </a:txBody>
+                  <a:tcPr marL="9525" marR="9525" marT="9525" marB="0" anchor="b">
+                    <a:lnL>
+                      <a:noFill/>
+                    </a:lnL>
+                    <a:lnR>
+                      <a:noFill/>
+                    </a:lnR>
+                    <a:lnT>
+                      <a:noFill/>
+                    </a:lnT>
+                    <a:lnB>
+                      <a:noFill/>
+                    </a:lnB>
+                  </a:tcPr>
+                </a:tc>
+                <a:tc>
+                  <a:txBody>
+                    <a:bodyPr/>
+                    <a:lstStyle/>
+                    <a:p>
+                      <a:pPr algn="l" fontAlgn="b"/>
+                      <a:endParaRPr lang="nb-NO" sz="1100" b="0" i="0" u="none" strike="noStrike">
+                        <a:solidFill>
+                          <a:srgbClr val="000000"/>
+                        </a:solidFill>
+                        <a:effectLst/>
+                        <a:latin typeface="Calibri" panose="020F0502020204030204" pitchFamily="34" charset="0"/>
+                      </a:endParaRPr>
+                    </a:p>
+                  </a:txBody>
+                  <a:tcPr marL="9525" marR="9525" marT="9525" marB="0" anchor="b">
+                    <a:lnL>
+                      <a:noFill/>
+                    </a:lnL>
+                    <a:lnR>
+                      <a:noFill/>
+                    </a:lnR>
+                    <a:lnT>
+                      <a:noFill/>
+                    </a:lnT>
+                    <a:lnB>
+                      <a:noFill/>
+                    </a:lnB>
+                  </a:tcPr>
+                </a:tc>
+                <a:tc>
+                  <a:txBody>
+                    <a:bodyPr/>
+                    <a:lstStyle/>
+                    <a:p>
+                      <a:pPr algn="l" fontAlgn="b"/>
+                      <a:r>
+                        <a:rPr lang="nb-NO" sz="1100" b="0" i="0" u="none" strike="noStrike">
+                          <a:solidFill>
+                            <a:srgbClr val="000000"/>
+                          </a:solidFill>
+                          <a:effectLst/>
+                          <a:latin typeface="Calibri" panose="020F0502020204030204" pitchFamily="34" charset="0"/>
+                        </a:rPr>
+                        <a:t> </a:t>
+                      </a:r>
+                    </a:p>
+                  </a:txBody>
+                  <a:tcPr marL="9525" marR="9525" marT="9525" marB="0" anchor="b">
+                    <a:lnL>
+                      <a:noFill/>
+                    </a:lnL>
+                    <a:lnR w="6350" cap="flat" cmpd="sng" algn="ctr">
+                      <a:solidFill>
+                        <a:srgbClr val="000000"/>
+                      </a:solidFill>
+                      <a:prstDash val="solid"/>
+                      <a:round/>
+                      <a:headEnd type="none" w="med" len="med"/>
+                      <a:tailEnd type="none" w="med" len="med"/>
+                    </a:lnR>
+                    <a:lnT>
+                      <a:noFill/>
+                    </a:lnT>
+                    <a:lnB>
+                      <a:noFill/>
+                    </a:lnB>
+                  </a:tcPr>
+                </a:tc>
+                <a:extLst>
+                  <a:ext uri="{0D108BD9-81ED-4DB2-BD59-A6C34878D82A}">
+                    <a16:rowId xmlns:a16="http://schemas.microsoft.com/office/drawing/2014/main" val="4028878447"/>
+                  </a:ext>
+                </a:extLst>
+              </a:tr>
+              <a:tr h="190500">
+                <a:tc>
+                  <a:txBody>
+                    <a:bodyPr/>
+                    <a:lstStyle/>
+                    <a:p>
+                      <a:pPr algn="l" fontAlgn="b"/>
+                      <a:r>
+                        <a:rPr lang="nb-NO" sz="1100" b="0" i="0" u="none" strike="noStrike">
+                          <a:solidFill>
+                            <a:srgbClr val="000000"/>
+                          </a:solidFill>
+                          <a:effectLst/>
+                          <a:latin typeface="Calibri" panose="020F0502020204030204" pitchFamily="34" charset="0"/>
+                        </a:rPr>
+                        <a:t> </a:t>
+                      </a:r>
+                    </a:p>
+                  </a:txBody>
+                  <a:tcPr marL="9525" marR="9525" marT="9525" marB="0" anchor="b">
+                    <a:lnL w="6350" cap="flat" cmpd="sng" algn="ctr">
+                      <a:solidFill>
+                        <a:srgbClr val="000000"/>
+                      </a:solidFill>
+                      <a:prstDash val="solid"/>
+                      <a:round/>
+                      <a:headEnd type="none" w="med" len="med"/>
+                      <a:tailEnd type="none" w="med" len="med"/>
+                    </a:lnL>
+                    <a:lnR>
+                      <a:noFill/>
+                    </a:lnR>
+                    <a:lnT>
+                      <a:noFill/>
+                    </a:lnT>
+                    <a:lnB w="6350" cap="flat" cmpd="sng" algn="ctr">
+                      <a:solidFill>
+                        <a:srgbClr val="000000"/>
+                      </a:solidFill>
+                      <a:prstDash val="solid"/>
+                      <a:round/>
+                      <a:headEnd type="none" w="med" len="med"/>
+                      <a:tailEnd type="none" w="med" len="med"/>
+                    </a:lnB>
+                  </a:tcPr>
+                </a:tc>
+                <a:tc>
+                  <a:txBody>
+                    <a:bodyPr/>
+                    <a:lstStyle/>
+                    <a:p>
+                      <a:pPr algn="l" fontAlgn="b"/>
+                      <a:r>
+                        <a:rPr lang="nb-NO" sz="1100" b="0" i="0" u="none" strike="noStrike">
+                          <a:solidFill>
+                            <a:srgbClr val="000000"/>
+                          </a:solidFill>
+                          <a:effectLst/>
+                          <a:latin typeface="Calibri" panose="020F0502020204030204" pitchFamily="34" charset="0"/>
+                        </a:rPr>
+                        <a:t> </a:t>
+                      </a:r>
+                    </a:p>
+                  </a:txBody>
+                  <a:tcPr marL="9525" marR="9525" marT="9525" marB="0" anchor="b">
+                    <a:lnL>
+                      <a:noFill/>
+                    </a:lnL>
+                    <a:lnR>
+                      <a:noFill/>
+                    </a:lnR>
+                    <a:lnT>
+                      <a:noFill/>
+                    </a:lnT>
+                    <a:lnB w="6350" cap="flat" cmpd="sng" algn="ctr">
+                      <a:solidFill>
+                        <a:srgbClr val="000000"/>
+                      </a:solidFill>
+                      <a:prstDash val="solid"/>
+                      <a:round/>
+                      <a:headEnd type="none" w="med" len="med"/>
+                      <a:tailEnd type="none" w="med" len="med"/>
+                    </a:lnB>
+                  </a:tcPr>
+                </a:tc>
+                <a:tc>
+                  <a:txBody>
+                    <a:bodyPr/>
+                    <a:lstStyle/>
+                    <a:p>
+                      <a:pPr algn="l" fontAlgn="b"/>
+                      <a:r>
+                        <a:rPr lang="nb-NO" sz="1100" b="0" i="0" u="none" strike="noStrike">
+                          <a:solidFill>
+                            <a:srgbClr val="000000"/>
+                          </a:solidFill>
+                          <a:effectLst/>
+                          <a:latin typeface="Calibri" panose="020F0502020204030204" pitchFamily="34" charset="0"/>
+                        </a:rPr>
+                        <a:t> </a:t>
+                      </a:r>
+                    </a:p>
+                  </a:txBody>
+                  <a:tcPr marL="9525" marR="9525" marT="9525" marB="0" anchor="b">
+                    <a:lnL>
+                      <a:noFill/>
+                    </a:lnL>
+                    <a:lnR>
+                      <a:noFill/>
+                    </a:lnR>
+                    <a:lnT>
+                      <a:noFill/>
+                    </a:lnT>
+                    <a:lnB w="6350" cap="flat" cmpd="sng" algn="ctr">
+                      <a:solidFill>
+                        <a:srgbClr val="000000"/>
+                      </a:solidFill>
+                      <a:prstDash val="solid"/>
+                      <a:round/>
+                      <a:headEnd type="none" w="med" len="med"/>
+                      <a:tailEnd type="none" w="med" len="med"/>
+                    </a:lnB>
+                  </a:tcPr>
+                </a:tc>
+                <a:tc>
+                  <a:txBody>
+                    <a:bodyPr/>
+                    <a:lstStyle/>
+                    <a:p>
+                      <a:pPr algn="l" fontAlgn="b"/>
+                      <a:r>
+                        <a:rPr lang="nb-NO" sz="1100" b="0" i="0" u="none" strike="noStrike">
+                          <a:solidFill>
+                            <a:srgbClr val="000000"/>
+                          </a:solidFill>
+                          <a:effectLst/>
+                          <a:latin typeface="Calibri" panose="020F0502020204030204" pitchFamily="34" charset="0"/>
+                        </a:rPr>
+                        <a:t> </a:t>
+                      </a:r>
+                    </a:p>
+                  </a:txBody>
+                  <a:tcPr marL="9525" marR="9525" marT="9525" marB="0" anchor="b">
+                    <a:lnL>
+                      <a:noFill/>
+                    </a:lnL>
+                    <a:lnR>
+                      <a:noFill/>
+                    </a:lnR>
+                    <a:lnT>
+                      <a:noFill/>
+                    </a:lnT>
+                    <a:lnB w="6350" cap="flat" cmpd="sng" algn="ctr">
+                      <a:solidFill>
+                        <a:srgbClr val="000000"/>
+                      </a:solidFill>
+                      <a:prstDash val="solid"/>
+                      <a:round/>
+                      <a:headEnd type="none" w="med" len="med"/>
+                      <a:tailEnd type="none" w="med" len="med"/>
+                    </a:lnB>
+                  </a:tcPr>
+                </a:tc>
+                <a:tc>
+                  <a:txBody>
+                    <a:bodyPr/>
+                    <a:lstStyle/>
+                    <a:p>
+                      <a:pPr algn="l" fontAlgn="b"/>
+                      <a:r>
+                        <a:rPr lang="nb-NO" sz="1100" b="0" i="0" u="none" strike="noStrike">
+                          <a:solidFill>
+                            <a:srgbClr val="000000"/>
+                          </a:solidFill>
+                          <a:effectLst/>
+                          <a:latin typeface="Calibri" panose="020F0502020204030204" pitchFamily="34" charset="0"/>
+                        </a:rPr>
+                        <a:t> </a:t>
+                      </a:r>
+                    </a:p>
+                  </a:txBody>
+                  <a:tcPr marL="9525" marR="9525" marT="9525" marB="0" anchor="b">
+                    <a:lnL>
+                      <a:noFill/>
+                    </a:lnL>
+                    <a:lnR>
+                      <a:noFill/>
+                    </a:lnR>
+                    <a:lnT>
+                      <a:noFill/>
+                    </a:lnT>
+                    <a:lnB w="6350" cap="flat" cmpd="sng" algn="ctr">
+                      <a:solidFill>
+                        <a:srgbClr val="000000"/>
+                      </a:solidFill>
+                      <a:prstDash val="solid"/>
+                      <a:round/>
+                      <a:headEnd type="none" w="med" len="med"/>
+                      <a:tailEnd type="none" w="med" len="med"/>
+                    </a:lnB>
+                  </a:tcPr>
+                </a:tc>
+                <a:tc>
+                  <a:txBody>
+                    <a:bodyPr/>
+                    <a:lstStyle/>
+                    <a:p>
+                      <a:pPr algn="l" fontAlgn="b"/>
+                      <a:r>
+                        <a:rPr lang="nb-NO" sz="1100" b="0" i="0" u="none" strike="noStrike">
+                          <a:solidFill>
+                            <a:srgbClr val="000000"/>
+                          </a:solidFill>
+                          <a:effectLst/>
+                          <a:latin typeface="Calibri" panose="020F0502020204030204" pitchFamily="34" charset="0"/>
+                        </a:rPr>
+                        <a:t> </a:t>
+                      </a:r>
+                    </a:p>
+                  </a:txBody>
+                  <a:tcPr marL="9525" marR="9525" marT="9525" marB="0" anchor="b">
+                    <a:lnL>
+                      <a:noFill/>
+                    </a:lnL>
+                    <a:lnR w="6350" cap="flat" cmpd="sng" algn="ctr">
+                      <a:solidFill>
+                        <a:srgbClr val="000000"/>
+                      </a:solidFill>
+                      <a:prstDash val="solid"/>
+                      <a:round/>
+                      <a:headEnd type="none" w="med" len="med"/>
+                      <a:tailEnd type="none" w="med" len="med"/>
+                    </a:lnR>
+                    <a:lnT>
+                      <a:noFill/>
+                    </a:lnT>
+                    <a:lnB w="6350" cap="flat" cmpd="sng" algn="ctr">
+                      <a:solidFill>
+                        <a:srgbClr val="000000"/>
+                      </a:solidFill>
+                      <a:prstDash val="solid"/>
+                      <a:round/>
+                      <a:headEnd type="none" w="med" len="med"/>
+                      <a:tailEnd type="none" w="med" len="med"/>
+                    </a:lnB>
+                  </a:tcPr>
+                </a:tc>
+                <a:extLst>
+                  <a:ext uri="{0D108BD9-81ED-4DB2-BD59-A6C34878D82A}">
+                    <a16:rowId xmlns:a16="http://schemas.microsoft.com/office/drawing/2014/main" val="120331664"/>
+                  </a:ext>
+                </a:extLst>
+              </a:tr>
+              <a:tr h="190500">
+                <a:tc gridSpan="2">
+                  <a:txBody>
+                    <a:bodyPr/>
+                    <a:lstStyle/>
+                    <a:p>
+                      <a:pPr algn="ctr" fontAlgn="b"/>
+                      <a:r>
+                        <a:rPr lang="nb-NO" sz="1100" b="0" i="0" u="none" strike="noStrike">
+                          <a:solidFill>
+                            <a:srgbClr val="000000"/>
+                          </a:solidFill>
+                          <a:effectLst/>
+                          <a:latin typeface="Calibri" panose="020F0502020204030204" pitchFamily="34" charset="0"/>
+                        </a:rPr>
+                        <a:t>initial</a:t>
+                      </a:r>
+                    </a:p>
+                  </a:txBody>
+                  <a:tcPr marL="9525" marR="9525" marT="9525" marB="0" anchor="b">
+                    <a:lnL w="6350" cap="flat" cmpd="sng" algn="ctr">
+                      <a:solidFill>
+                        <a:srgbClr val="000000"/>
+                      </a:solidFill>
+                      <a:prstDash val="solid"/>
+                      <a:round/>
+                      <a:headEnd type="none" w="med" len="med"/>
+                      <a:tailEnd type="none" w="med" len="med"/>
+                    </a:lnL>
+                    <a:lnR w="6350" cap="flat" cmpd="sng" algn="ctr">
+                      <a:solidFill>
+                        <a:srgbClr val="000000"/>
+                      </a:solidFill>
+                      <a:prstDash val="solid"/>
+                      <a:round/>
+                      <a:headEnd type="none" w="med" len="med"/>
+                      <a:tailEnd type="none" w="med" len="med"/>
+                    </a:lnR>
+                    <a:lnT w="6350" cap="flat" cmpd="sng" algn="ctr">
+                      <a:solidFill>
+                        <a:srgbClr val="000000"/>
+                      </a:solidFill>
+                      <a:prstDash val="solid"/>
+                      <a:round/>
+                      <a:headEnd type="none" w="med" len="med"/>
+                      <a:tailEnd type="none" w="med" len="med"/>
+                    </a:lnT>
+                    <a:lnB>
+                      <a:noFill/>
+                    </a:lnB>
+                  </a:tcPr>
+                </a:tc>
+                <a:tc hMerge="1">
+                  <a:txBody>
+                    <a:bodyPr/>
+                    <a:lstStyle/>
+                    <a:p>
+                      <a:endParaRPr lang="nb-NO"/>
+                    </a:p>
+                  </a:txBody>
+                  <a:tcPr/>
+                </a:tc>
+                <a:tc>
+                  <a:txBody>
+                    <a:bodyPr/>
+                    <a:lstStyle/>
+                    <a:p>
+                      <a:pPr algn="l" fontAlgn="b"/>
+                      <a:r>
+                        <a:rPr lang="nb-NO" sz="1100" b="0" i="0" u="none" strike="noStrike">
+                          <a:solidFill>
+                            <a:srgbClr val="000000"/>
+                          </a:solidFill>
+                          <a:effectLst/>
+                          <a:latin typeface="Calibri" panose="020F0502020204030204" pitchFamily="34" charset="0"/>
+                        </a:rPr>
+                        <a:t>impl</a:t>
+                      </a:r>
+                    </a:p>
+                  </a:txBody>
+                  <a:tcPr marL="9525" marR="9525" marT="9525" marB="0" anchor="b">
+                    <a:lnL w="6350" cap="flat" cmpd="sng" algn="ctr">
+                      <a:solidFill>
+                        <a:srgbClr val="000000"/>
+                      </a:solidFill>
+                      <a:prstDash val="solid"/>
+                      <a:round/>
+                      <a:headEnd type="none" w="med" len="med"/>
+                      <a:tailEnd type="none" w="med" len="med"/>
+                    </a:lnL>
+                    <a:lnR>
+                      <a:noFill/>
+                    </a:lnR>
+                    <a:lnT w="6350" cap="flat" cmpd="sng" algn="ctr">
+                      <a:solidFill>
+                        <a:srgbClr val="000000"/>
+                      </a:solidFill>
+                      <a:prstDash val="solid"/>
+                      <a:round/>
+                      <a:headEnd type="none" w="med" len="med"/>
+                      <a:tailEnd type="none" w="med" len="med"/>
+                    </a:lnT>
+                    <a:lnB>
+                      <a:noFill/>
+                    </a:lnB>
+                  </a:tcPr>
+                </a:tc>
+                <a:tc>
+                  <a:txBody>
+                    <a:bodyPr/>
+                    <a:lstStyle/>
+                    <a:p>
+                      <a:pPr algn="l" fontAlgn="b"/>
+                      <a:r>
+                        <a:rPr lang="nb-NO" sz="1100" b="0" i="0" u="none" strike="noStrike">
+                          <a:solidFill>
+                            <a:srgbClr val="000000"/>
+                          </a:solidFill>
+                          <a:effectLst/>
+                          <a:latin typeface="Calibri" panose="020F0502020204030204" pitchFamily="34" charset="0"/>
+                        </a:rPr>
+                        <a:t>chokes:</a:t>
+                      </a:r>
+                    </a:p>
+                  </a:txBody>
+                  <a:tcPr marL="9525" marR="9525" marT="9525" marB="0" anchor="b">
+                    <a:lnL>
+                      <a:noFill/>
+                    </a:lnL>
+                    <a:lnR w="6350" cap="flat" cmpd="sng" algn="ctr">
+                      <a:solidFill>
+                        <a:srgbClr val="000000"/>
+                      </a:solidFill>
+                      <a:prstDash val="solid"/>
+                      <a:round/>
+                      <a:headEnd type="none" w="med" len="med"/>
+                      <a:tailEnd type="none" w="med" len="med"/>
+                    </a:lnR>
+                    <a:lnT w="6350" cap="flat" cmpd="sng" algn="ctr">
+                      <a:solidFill>
+                        <a:srgbClr val="000000"/>
+                      </a:solidFill>
+                      <a:prstDash val="solid"/>
+                      <a:round/>
+                      <a:headEnd type="none" w="med" len="med"/>
+                      <a:tailEnd type="none" w="med" len="med"/>
+                    </a:lnT>
+                    <a:lnB>
+                      <a:noFill/>
+                    </a:lnB>
+                  </a:tcPr>
+                </a:tc>
+                <a:tc gridSpan="2">
+                  <a:txBody>
+                    <a:bodyPr/>
+                    <a:lstStyle/>
+                    <a:p>
+                      <a:pPr algn="ctr" fontAlgn="b"/>
+                      <a:r>
+                        <a:rPr lang="nb-NO" sz="1100" b="0" i="0" u="none" strike="noStrike">
+                          <a:solidFill>
+                            <a:srgbClr val="000000"/>
+                          </a:solidFill>
+                          <a:effectLst/>
+                          <a:latin typeface="Calibri" panose="020F0502020204030204" pitchFamily="34" charset="0"/>
+                        </a:rPr>
+                        <a:t>suggested chokes:</a:t>
+                      </a:r>
+                    </a:p>
+                  </a:txBody>
+                  <a:tcPr marL="9525" marR="9525" marT="9525" marB="0" anchor="b">
+                    <a:lnL w="6350" cap="flat" cmpd="sng" algn="ctr">
+                      <a:solidFill>
+                        <a:srgbClr val="000000"/>
+                      </a:solidFill>
+                      <a:prstDash val="solid"/>
+                      <a:round/>
+                      <a:headEnd type="none" w="med" len="med"/>
+                      <a:tailEnd type="none" w="med" len="med"/>
+                    </a:lnL>
+                    <a:lnR w="6350" cap="flat" cmpd="sng" algn="ctr">
+                      <a:solidFill>
+                        <a:srgbClr val="000000"/>
+                      </a:solidFill>
+                      <a:prstDash val="solid"/>
+                      <a:round/>
+                      <a:headEnd type="none" w="med" len="med"/>
+                      <a:tailEnd type="none" w="med" len="med"/>
+                    </a:lnR>
+                    <a:lnT w="6350" cap="flat" cmpd="sng" algn="ctr">
+                      <a:solidFill>
+                        <a:srgbClr val="000000"/>
+                      </a:solidFill>
+                      <a:prstDash val="solid"/>
+                      <a:round/>
+                      <a:headEnd type="none" w="med" len="med"/>
+                      <a:tailEnd type="none" w="med" len="med"/>
+                    </a:lnT>
+                    <a:lnB>
+                      <a:noFill/>
+                    </a:lnB>
+                  </a:tcPr>
+                </a:tc>
+                <a:tc hMerge="1">
+                  <a:txBody>
+                    <a:bodyPr/>
+                    <a:lstStyle/>
+                    <a:p>
+                      <a:endParaRPr lang="nb-NO"/>
+                    </a:p>
+                  </a:txBody>
+                  <a:tcPr/>
+                </a:tc>
+                <a:extLst>
+                  <a:ext uri="{0D108BD9-81ED-4DB2-BD59-A6C34878D82A}">
+                    <a16:rowId xmlns:a16="http://schemas.microsoft.com/office/drawing/2014/main" val="6180063"/>
+                  </a:ext>
+                </a:extLst>
+              </a:tr>
+              <a:tr h="190500">
+                <a:tc>
+                  <a:txBody>
+                    <a:bodyPr/>
+                    <a:lstStyle/>
+                    <a:p>
+                      <a:pPr algn="l" fontAlgn="b"/>
+                      <a:r>
+                        <a:rPr lang="nb-NO" sz="1100" b="0" i="0" u="none" strike="noStrike">
+                          <a:solidFill>
+                            <a:srgbClr val="000000"/>
+                          </a:solidFill>
+                          <a:effectLst/>
+                          <a:latin typeface="Calibri" panose="020F0502020204030204" pitchFamily="34" charset="0"/>
+                        </a:rPr>
+                        <a:t>W1</a:t>
+                      </a:r>
+                    </a:p>
+                  </a:txBody>
+                  <a:tcPr marL="9525" marR="9525" marT="9525" marB="0" anchor="b">
+                    <a:lnL w="6350" cap="flat" cmpd="sng" algn="ctr">
+                      <a:solidFill>
+                        <a:srgbClr val="000000"/>
+                      </a:solidFill>
+                      <a:prstDash val="solid"/>
+                      <a:round/>
+                      <a:headEnd type="none" w="med" len="med"/>
+                      <a:tailEnd type="none" w="med" len="med"/>
+                    </a:lnL>
+                    <a:lnR>
+                      <a:noFill/>
+                    </a:lnR>
+                    <a:lnT>
+                      <a:noFill/>
+                    </a:lnT>
+                    <a:lnB>
+                      <a:noFill/>
+                    </a:lnB>
+                  </a:tcPr>
+                </a:tc>
+                <a:tc>
+                  <a:txBody>
+                    <a:bodyPr/>
+                    <a:lstStyle/>
+                    <a:p>
+                      <a:pPr algn="l" fontAlgn="b"/>
+                      <a:r>
+                        <a:rPr lang="nb-NO" sz="1100" b="0" i="0" u="none" strike="noStrike">
+                          <a:solidFill>
+                            <a:srgbClr val="000000"/>
+                          </a:solidFill>
+                          <a:effectLst/>
+                          <a:latin typeface="Calibri" panose="020F0502020204030204" pitchFamily="34" charset="0"/>
+                        </a:rPr>
+                        <a:t>72.984</a:t>
+                      </a:r>
+                    </a:p>
+                  </a:txBody>
+                  <a:tcPr marL="9525" marR="9525" marT="9525" marB="0" anchor="b">
+                    <a:lnL>
+                      <a:noFill/>
+                    </a:lnL>
+                    <a:lnR w="6350" cap="flat" cmpd="sng" algn="ctr">
+                      <a:solidFill>
+                        <a:srgbClr val="000000"/>
+                      </a:solidFill>
+                      <a:prstDash val="solid"/>
+                      <a:round/>
+                      <a:headEnd type="none" w="med" len="med"/>
+                      <a:tailEnd type="none" w="med" len="med"/>
+                    </a:lnR>
+                    <a:lnT>
+                      <a:noFill/>
+                    </a:lnT>
+                    <a:lnB>
+                      <a:noFill/>
+                    </a:lnB>
+                  </a:tcPr>
+                </a:tc>
+                <a:tc>
+                  <a:txBody>
+                    <a:bodyPr/>
+                    <a:lstStyle/>
+                    <a:p>
+                      <a:pPr algn="l" fontAlgn="b"/>
+                      <a:r>
+                        <a:rPr lang="nb-NO" sz="1100" b="0" i="0" u="none" strike="noStrike">
+                          <a:solidFill>
+                            <a:srgbClr val="000000"/>
+                          </a:solidFill>
+                          <a:effectLst/>
+                          <a:latin typeface="Calibri" panose="020F0502020204030204" pitchFamily="34" charset="0"/>
+                        </a:rPr>
+                        <a:t>W1</a:t>
+                      </a:r>
+                    </a:p>
+                  </a:txBody>
+                  <a:tcPr marL="9525" marR="9525" marT="9525" marB="0" anchor="b">
+                    <a:lnL w="6350" cap="flat" cmpd="sng" algn="ctr">
+                      <a:solidFill>
+                        <a:srgbClr val="000000"/>
+                      </a:solidFill>
+                      <a:prstDash val="solid"/>
+                      <a:round/>
+                      <a:headEnd type="none" w="med" len="med"/>
+                      <a:tailEnd type="none" w="med" len="med"/>
+                    </a:lnL>
+                    <a:lnR>
+                      <a:noFill/>
+                    </a:lnR>
+                    <a:lnT>
+                      <a:noFill/>
+                    </a:lnT>
+                    <a:lnB>
+                      <a:noFill/>
+                    </a:lnB>
+                  </a:tcPr>
+                </a:tc>
+                <a:tc>
+                  <a:txBody>
+                    <a:bodyPr/>
+                    <a:lstStyle/>
+                    <a:p>
+                      <a:pPr algn="l" fontAlgn="b"/>
+                      <a:r>
+                        <a:rPr lang="nb-NO" sz="1100" b="0" i="0" u="none" strike="noStrike">
+                          <a:solidFill>
+                            <a:srgbClr val="000000"/>
+                          </a:solidFill>
+                          <a:effectLst/>
+                          <a:latin typeface="Calibri" panose="020F0502020204030204" pitchFamily="34" charset="0"/>
+                        </a:rPr>
+                        <a:t>72.98</a:t>
+                      </a:r>
+                    </a:p>
+                  </a:txBody>
+                  <a:tcPr marL="9525" marR="9525" marT="9525" marB="0" anchor="b">
+                    <a:lnL>
+                      <a:noFill/>
+                    </a:lnL>
+                    <a:lnR w="6350" cap="flat" cmpd="sng" algn="ctr">
+                      <a:solidFill>
+                        <a:srgbClr val="000000"/>
+                      </a:solidFill>
+                      <a:prstDash val="solid"/>
+                      <a:round/>
+                      <a:headEnd type="none" w="med" len="med"/>
+                      <a:tailEnd type="none" w="med" len="med"/>
+                    </a:lnR>
+                    <a:lnT>
+                      <a:noFill/>
+                    </a:lnT>
+                    <a:lnB>
+                      <a:noFill/>
+                    </a:lnB>
+                  </a:tcPr>
+                </a:tc>
+                <a:tc>
+                  <a:txBody>
+                    <a:bodyPr/>
+                    <a:lstStyle/>
+                    <a:p>
+                      <a:pPr algn="l" fontAlgn="b"/>
+                      <a:r>
+                        <a:rPr lang="nb-NO" sz="1100" b="0" i="0" u="none" strike="noStrike">
+                          <a:solidFill>
+                            <a:srgbClr val="000000"/>
+                          </a:solidFill>
+                          <a:effectLst/>
+                          <a:latin typeface="Calibri" panose="020F0502020204030204" pitchFamily="34" charset="0"/>
+                        </a:rPr>
+                        <a:t>W1</a:t>
+                      </a:r>
+                    </a:p>
+                  </a:txBody>
+                  <a:tcPr marL="9525" marR="9525" marT="9525" marB="0" anchor="b">
+                    <a:lnL w="6350" cap="flat" cmpd="sng" algn="ctr">
+                      <a:solidFill>
+                        <a:srgbClr val="000000"/>
+                      </a:solidFill>
+                      <a:prstDash val="solid"/>
+                      <a:round/>
+                      <a:headEnd type="none" w="med" len="med"/>
+                      <a:tailEnd type="none" w="med" len="med"/>
+                    </a:lnL>
+                    <a:lnR>
+                      <a:noFill/>
+                    </a:lnR>
+                    <a:lnT>
+                      <a:noFill/>
+                    </a:lnT>
+                    <a:lnB>
+                      <a:noFill/>
+                    </a:lnB>
+                  </a:tcPr>
+                </a:tc>
+                <a:tc>
+                  <a:txBody>
+                    <a:bodyPr/>
+                    <a:lstStyle/>
+                    <a:p>
+                      <a:pPr algn="l" fontAlgn="b"/>
+                      <a:r>
+                        <a:rPr lang="nb-NO" sz="1100" b="0" i="0" u="none" strike="noStrike">
+                          <a:solidFill>
+                            <a:srgbClr val="000000"/>
+                          </a:solidFill>
+                          <a:effectLst/>
+                          <a:latin typeface="Calibri" panose="020F0502020204030204" pitchFamily="34" charset="0"/>
+                        </a:rPr>
+                        <a:t>72.98</a:t>
+                      </a:r>
+                    </a:p>
+                  </a:txBody>
+                  <a:tcPr marL="9525" marR="9525" marT="9525" marB="0" anchor="b">
+                    <a:lnL>
+                      <a:noFill/>
+                    </a:lnL>
+                    <a:lnR w="6350" cap="flat" cmpd="sng" algn="ctr">
+                      <a:solidFill>
+                        <a:srgbClr val="000000"/>
+                      </a:solidFill>
+                      <a:prstDash val="solid"/>
+                      <a:round/>
+                      <a:headEnd type="none" w="med" len="med"/>
+                      <a:tailEnd type="none" w="med" len="med"/>
+                    </a:lnR>
+                    <a:lnT>
+                      <a:noFill/>
+                    </a:lnT>
+                    <a:lnB>
+                      <a:noFill/>
+                    </a:lnB>
+                  </a:tcPr>
+                </a:tc>
+                <a:extLst>
+                  <a:ext uri="{0D108BD9-81ED-4DB2-BD59-A6C34878D82A}">
+                    <a16:rowId xmlns:a16="http://schemas.microsoft.com/office/drawing/2014/main" val="3432115527"/>
+                  </a:ext>
+                </a:extLst>
+              </a:tr>
+              <a:tr h="190500">
+                <a:tc>
+                  <a:txBody>
+                    <a:bodyPr/>
+                    <a:lstStyle/>
+                    <a:p>
+                      <a:pPr algn="l" fontAlgn="b"/>
+                      <a:r>
+                        <a:rPr lang="nb-NO" sz="1100" b="0" i="0" u="none" strike="noStrike">
+                          <a:solidFill>
+                            <a:srgbClr val="000000"/>
+                          </a:solidFill>
+                          <a:effectLst/>
+                          <a:latin typeface="Calibri" panose="020F0502020204030204" pitchFamily="34" charset="0"/>
+                        </a:rPr>
+                        <a:t>W2</a:t>
+                      </a:r>
+                    </a:p>
+                  </a:txBody>
+                  <a:tcPr marL="9525" marR="9525" marT="9525" marB="0" anchor="b">
+                    <a:lnL w="6350" cap="flat" cmpd="sng" algn="ctr">
+                      <a:solidFill>
+                        <a:srgbClr val="000000"/>
+                      </a:solidFill>
+                      <a:prstDash val="solid"/>
+                      <a:round/>
+                      <a:headEnd type="none" w="med" len="med"/>
+                      <a:tailEnd type="none" w="med" len="med"/>
+                    </a:lnL>
+                    <a:lnR>
+                      <a:noFill/>
+                    </a:lnR>
+                    <a:lnT>
+                      <a:noFill/>
+                    </a:lnT>
+                    <a:lnB>
+                      <a:noFill/>
+                    </a:lnB>
+                  </a:tcPr>
+                </a:tc>
+                <a:tc>
+                  <a:txBody>
+                    <a:bodyPr/>
+                    <a:lstStyle/>
+                    <a:p>
+                      <a:pPr algn="l" fontAlgn="b"/>
+                      <a:r>
+                        <a:rPr lang="nb-NO" sz="1100" b="0" i="0" u="none" strike="noStrike">
+                          <a:solidFill>
+                            <a:srgbClr val="000000"/>
+                          </a:solidFill>
+                          <a:effectLst/>
+                          <a:latin typeface="Calibri" panose="020F0502020204030204" pitchFamily="34" charset="0"/>
+                        </a:rPr>
+                        <a:t> 47.067</a:t>
+                      </a:r>
+                    </a:p>
+                  </a:txBody>
+                  <a:tcPr marL="9525" marR="9525" marT="9525" marB="0" anchor="b">
+                    <a:lnL>
+                      <a:noFill/>
+                    </a:lnL>
+                    <a:lnR w="6350" cap="flat" cmpd="sng" algn="ctr">
+                      <a:solidFill>
+                        <a:srgbClr val="000000"/>
+                      </a:solidFill>
+                      <a:prstDash val="solid"/>
+                      <a:round/>
+                      <a:headEnd type="none" w="med" len="med"/>
+                      <a:tailEnd type="none" w="med" len="med"/>
+                    </a:lnR>
+                    <a:lnT>
+                      <a:noFill/>
+                    </a:lnT>
+                    <a:lnB>
+                      <a:noFill/>
+                    </a:lnB>
+                  </a:tcPr>
+                </a:tc>
+                <a:tc>
+                  <a:txBody>
+                    <a:bodyPr/>
+                    <a:lstStyle/>
+                    <a:p>
+                      <a:pPr algn="l" fontAlgn="b"/>
+                      <a:r>
+                        <a:rPr lang="nb-NO" sz="1100" b="0" i="0" u="none" strike="noStrike">
+                          <a:solidFill>
+                            <a:srgbClr val="000000"/>
+                          </a:solidFill>
+                          <a:effectLst/>
+                          <a:latin typeface="Calibri" panose="020F0502020204030204" pitchFamily="34" charset="0"/>
+                        </a:rPr>
+                        <a:t>W2</a:t>
+                      </a:r>
+                    </a:p>
+                  </a:txBody>
+                  <a:tcPr marL="9525" marR="9525" marT="9525" marB="0" anchor="b">
+                    <a:lnL w="6350" cap="flat" cmpd="sng" algn="ctr">
+                      <a:solidFill>
+                        <a:srgbClr val="000000"/>
+                      </a:solidFill>
+                      <a:prstDash val="solid"/>
+                      <a:round/>
+                      <a:headEnd type="none" w="med" len="med"/>
+                      <a:tailEnd type="none" w="med" len="med"/>
+                    </a:lnL>
+                    <a:lnR>
+                      <a:noFill/>
+                    </a:lnR>
+                    <a:lnT>
+                      <a:noFill/>
+                    </a:lnT>
+                    <a:lnB>
+                      <a:noFill/>
+                    </a:lnB>
+                  </a:tcPr>
+                </a:tc>
+                <a:tc>
+                  <a:txBody>
+                    <a:bodyPr/>
+                    <a:lstStyle/>
+                    <a:p>
+                      <a:pPr algn="l" fontAlgn="b"/>
+                      <a:r>
+                        <a:rPr lang="nb-NO" sz="1100" b="0" i="0" u="none" strike="noStrike">
+                          <a:solidFill>
+                            <a:srgbClr val="000000"/>
+                          </a:solidFill>
+                          <a:effectLst/>
+                          <a:latin typeface="Calibri" panose="020F0502020204030204" pitchFamily="34" charset="0"/>
+                        </a:rPr>
+                        <a:t>0.0</a:t>
+                      </a:r>
+                    </a:p>
+                  </a:txBody>
+                  <a:tcPr marL="9525" marR="9525" marT="9525" marB="0" anchor="b">
+                    <a:lnL>
+                      <a:noFill/>
+                    </a:lnL>
+                    <a:lnR w="6350" cap="flat" cmpd="sng" algn="ctr">
+                      <a:solidFill>
+                        <a:srgbClr val="000000"/>
+                      </a:solidFill>
+                      <a:prstDash val="solid"/>
+                      <a:round/>
+                      <a:headEnd type="none" w="med" len="med"/>
+                      <a:tailEnd type="none" w="med" len="med"/>
+                    </a:lnR>
+                    <a:lnT>
+                      <a:noFill/>
+                    </a:lnT>
+                    <a:lnB>
+                      <a:noFill/>
+                    </a:lnB>
+                  </a:tcPr>
+                </a:tc>
+                <a:tc>
+                  <a:txBody>
+                    <a:bodyPr/>
+                    <a:lstStyle/>
+                    <a:p>
+                      <a:pPr algn="l" fontAlgn="b"/>
+                      <a:r>
+                        <a:rPr lang="nb-NO" sz="1100" b="0" i="0" u="none" strike="noStrike">
+                          <a:solidFill>
+                            <a:srgbClr val="000000"/>
+                          </a:solidFill>
+                          <a:effectLst/>
+                          <a:latin typeface="Calibri" panose="020F0502020204030204" pitchFamily="34" charset="0"/>
+                        </a:rPr>
+                        <a:t>W2</a:t>
+                      </a:r>
+                    </a:p>
+                  </a:txBody>
+                  <a:tcPr marL="9525" marR="9525" marT="9525" marB="0" anchor="b">
+                    <a:lnL w="6350" cap="flat" cmpd="sng" algn="ctr">
+                      <a:solidFill>
+                        <a:srgbClr val="000000"/>
+                      </a:solidFill>
+                      <a:prstDash val="solid"/>
+                      <a:round/>
+                      <a:headEnd type="none" w="med" len="med"/>
+                      <a:tailEnd type="none" w="med" len="med"/>
+                    </a:lnL>
+                    <a:lnR>
+                      <a:noFill/>
+                    </a:lnR>
+                    <a:lnT>
+                      <a:noFill/>
+                    </a:lnT>
+                    <a:lnB>
+                      <a:noFill/>
+                    </a:lnB>
+                  </a:tcPr>
+                </a:tc>
+                <a:tc>
+                  <a:txBody>
+                    <a:bodyPr/>
+                    <a:lstStyle/>
+                    <a:p>
+                      <a:pPr algn="l" fontAlgn="b"/>
+                      <a:r>
+                        <a:rPr lang="nb-NO" sz="1100" b="0" i="0" u="none" strike="noStrike" dirty="0">
+                          <a:solidFill>
+                            <a:srgbClr val="000000"/>
+                          </a:solidFill>
+                          <a:effectLst/>
+                          <a:latin typeface="Calibri" panose="020F0502020204030204" pitchFamily="34" charset="0"/>
+                        </a:rPr>
+                        <a:t>0</a:t>
+                      </a:r>
+                    </a:p>
+                  </a:txBody>
+                  <a:tcPr marL="9525" marR="9525" marT="9525" marB="0" anchor="b">
+                    <a:lnL>
+                      <a:noFill/>
+                    </a:lnL>
+                    <a:lnR w="6350" cap="flat" cmpd="sng" algn="ctr">
+                      <a:solidFill>
+                        <a:srgbClr val="000000"/>
+                      </a:solidFill>
+                      <a:prstDash val="solid"/>
+                      <a:round/>
+                      <a:headEnd type="none" w="med" len="med"/>
+                      <a:tailEnd type="none" w="med" len="med"/>
+                    </a:lnR>
+                    <a:lnT>
+                      <a:noFill/>
+                    </a:lnT>
+                    <a:lnB>
+                      <a:noFill/>
+                    </a:lnB>
+                  </a:tcPr>
+                </a:tc>
+                <a:extLst>
+                  <a:ext uri="{0D108BD9-81ED-4DB2-BD59-A6C34878D82A}">
+                    <a16:rowId xmlns:a16="http://schemas.microsoft.com/office/drawing/2014/main" val="1100386140"/>
+                  </a:ext>
+                </a:extLst>
+              </a:tr>
+              <a:tr h="190500">
+                <a:tc>
+                  <a:txBody>
+                    <a:bodyPr/>
+                    <a:lstStyle/>
+                    <a:p>
+                      <a:pPr algn="l" fontAlgn="b"/>
+                      <a:r>
+                        <a:rPr lang="nb-NO" sz="1100" b="0" i="0" u="none" strike="noStrike">
+                          <a:solidFill>
+                            <a:srgbClr val="000000"/>
+                          </a:solidFill>
+                          <a:effectLst/>
+                          <a:latin typeface="Calibri" panose="020F0502020204030204" pitchFamily="34" charset="0"/>
+                        </a:rPr>
+                        <a:t>W3</a:t>
+                      </a:r>
+                    </a:p>
+                  </a:txBody>
+                  <a:tcPr marL="9525" marR="9525" marT="9525" marB="0" anchor="b">
+                    <a:lnL w="6350" cap="flat" cmpd="sng" algn="ctr">
+                      <a:solidFill>
+                        <a:srgbClr val="000000"/>
+                      </a:solidFill>
+                      <a:prstDash val="solid"/>
+                      <a:round/>
+                      <a:headEnd type="none" w="med" len="med"/>
+                      <a:tailEnd type="none" w="med" len="med"/>
+                    </a:lnL>
+                    <a:lnR>
+                      <a:noFill/>
+                    </a:lnR>
+                    <a:lnT>
+                      <a:noFill/>
+                    </a:lnT>
+                    <a:lnB>
+                      <a:noFill/>
+                    </a:lnB>
+                  </a:tcPr>
+                </a:tc>
+                <a:tc>
+                  <a:txBody>
+                    <a:bodyPr/>
+                    <a:lstStyle/>
+                    <a:p>
+                      <a:pPr algn="l" fontAlgn="b"/>
+                      <a:r>
+                        <a:rPr lang="nb-NO" sz="1100" b="0" i="0" u="none" strike="noStrike">
+                          <a:solidFill>
+                            <a:srgbClr val="000000"/>
+                          </a:solidFill>
+                          <a:effectLst/>
+                          <a:latin typeface="Calibri" panose="020F0502020204030204" pitchFamily="34" charset="0"/>
+                        </a:rPr>
+                        <a:t> 0.0</a:t>
+                      </a:r>
+                    </a:p>
+                  </a:txBody>
+                  <a:tcPr marL="9525" marR="9525" marT="9525" marB="0" anchor="b">
+                    <a:lnL>
+                      <a:noFill/>
+                    </a:lnL>
+                    <a:lnR w="6350" cap="flat" cmpd="sng" algn="ctr">
+                      <a:solidFill>
+                        <a:srgbClr val="000000"/>
+                      </a:solidFill>
+                      <a:prstDash val="solid"/>
+                      <a:round/>
+                      <a:headEnd type="none" w="med" len="med"/>
+                      <a:tailEnd type="none" w="med" len="med"/>
+                    </a:lnR>
+                    <a:lnT>
+                      <a:noFill/>
+                    </a:lnT>
+                    <a:lnB>
+                      <a:noFill/>
+                    </a:lnB>
+                  </a:tcPr>
+                </a:tc>
+                <a:tc>
+                  <a:txBody>
+                    <a:bodyPr/>
+                    <a:lstStyle/>
+                    <a:p>
+                      <a:pPr algn="l" fontAlgn="b"/>
+                      <a:r>
+                        <a:rPr lang="nb-NO" sz="1100" b="0" i="0" u="none" strike="noStrike">
+                          <a:solidFill>
+                            <a:srgbClr val="000000"/>
+                          </a:solidFill>
+                          <a:effectLst/>
+                          <a:latin typeface="Calibri" panose="020F0502020204030204" pitchFamily="34" charset="0"/>
+                        </a:rPr>
+                        <a:t>W3</a:t>
+                      </a:r>
+                    </a:p>
+                  </a:txBody>
+                  <a:tcPr marL="9525" marR="9525" marT="9525" marB="0" anchor="b">
+                    <a:lnL w="6350" cap="flat" cmpd="sng" algn="ctr">
+                      <a:solidFill>
+                        <a:srgbClr val="000000"/>
+                      </a:solidFill>
+                      <a:prstDash val="solid"/>
+                      <a:round/>
+                      <a:headEnd type="none" w="med" len="med"/>
+                      <a:tailEnd type="none" w="med" len="med"/>
+                    </a:lnL>
+                    <a:lnR>
+                      <a:noFill/>
+                    </a:lnR>
+                    <a:lnT>
+                      <a:noFill/>
+                    </a:lnT>
+                    <a:lnB>
+                      <a:noFill/>
+                    </a:lnB>
+                  </a:tcPr>
+                </a:tc>
+                <a:tc>
+                  <a:txBody>
+                    <a:bodyPr/>
+                    <a:lstStyle/>
+                    <a:p>
+                      <a:pPr algn="l" fontAlgn="b"/>
+                      <a:r>
+                        <a:rPr lang="nb-NO" sz="1100" b="0" i="0" u="none" strike="noStrike">
+                          <a:solidFill>
+                            <a:srgbClr val="000000"/>
+                          </a:solidFill>
+                          <a:effectLst/>
+                          <a:latin typeface="Calibri" panose="020F0502020204030204" pitchFamily="34" charset="0"/>
+                        </a:rPr>
+                        <a:t>40.0</a:t>
+                      </a:r>
+                    </a:p>
+                  </a:txBody>
+                  <a:tcPr marL="9525" marR="9525" marT="9525" marB="0" anchor="b">
+                    <a:lnL>
+                      <a:noFill/>
+                    </a:lnL>
+                    <a:lnR w="6350" cap="flat" cmpd="sng" algn="ctr">
+                      <a:solidFill>
+                        <a:srgbClr val="000000"/>
+                      </a:solidFill>
+                      <a:prstDash val="solid"/>
+                      <a:round/>
+                      <a:headEnd type="none" w="med" len="med"/>
+                      <a:tailEnd type="none" w="med" len="med"/>
+                    </a:lnR>
+                    <a:lnT>
+                      <a:noFill/>
+                    </a:lnT>
+                    <a:lnB>
+                      <a:noFill/>
+                    </a:lnB>
+                  </a:tcPr>
+                </a:tc>
+                <a:tc>
+                  <a:txBody>
+                    <a:bodyPr/>
+                    <a:lstStyle/>
+                    <a:p>
+                      <a:pPr algn="l" fontAlgn="b"/>
+                      <a:r>
+                        <a:rPr lang="nb-NO" sz="1100" b="0" i="0" u="none" strike="noStrike">
+                          <a:solidFill>
+                            <a:srgbClr val="000000"/>
+                          </a:solidFill>
+                          <a:effectLst/>
+                          <a:latin typeface="Calibri" panose="020F0502020204030204" pitchFamily="34" charset="0"/>
+                        </a:rPr>
+                        <a:t>W3</a:t>
+                      </a:r>
+                    </a:p>
+                  </a:txBody>
+                  <a:tcPr marL="9525" marR="9525" marT="9525" marB="0" anchor="b">
+                    <a:lnL w="6350" cap="flat" cmpd="sng" algn="ctr">
+                      <a:solidFill>
+                        <a:srgbClr val="000000"/>
+                      </a:solidFill>
+                      <a:prstDash val="solid"/>
+                      <a:round/>
+                      <a:headEnd type="none" w="med" len="med"/>
+                      <a:tailEnd type="none" w="med" len="med"/>
+                    </a:lnL>
+                    <a:lnR>
+                      <a:noFill/>
+                    </a:lnR>
+                    <a:lnT>
+                      <a:noFill/>
+                    </a:lnT>
+                    <a:lnB>
+                      <a:noFill/>
+                    </a:lnB>
+                  </a:tcPr>
+                </a:tc>
+                <a:tc>
+                  <a:txBody>
+                    <a:bodyPr/>
+                    <a:lstStyle/>
+                    <a:p>
+                      <a:pPr algn="l" fontAlgn="b"/>
+                      <a:r>
+                        <a:rPr lang="nb-NO" sz="1100" b="0" i="0" u="none" strike="noStrike">
+                          <a:solidFill>
+                            <a:srgbClr val="000000"/>
+                          </a:solidFill>
+                          <a:effectLst/>
+                          <a:latin typeface="Calibri" panose="020F0502020204030204" pitchFamily="34" charset="0"/>
+                        </a:rPr>
+                        <a:t>58.0</a:t>
+                      </a:r>
+                    </a:p>
+                  </a:txBody>
+                  <a:tcPr marL="9525" marR="9525" marT="9525" marB="0" anchor="b">
+                    <a:lnL>
+                      <a:noFill/>
+                    </a:lnL>
+                    <a:lnR w="6350" cap="flat" cmpd="sng" algn="ctr">
+                      <a:solidFill>
+                        <a:srgbClr val="000000"/>
+                      </a:solidFill>
+                      <a:prstDash val="solid"/>
+                      <a:round/>
+                      <a:headEnd type="none" w="med" len="med"/>
+                      <a:tailEnd type="none" w="med" len="med"/>
+                    </a:lnR>
+                    <a:lnT>
+                      <a:noFill/>
+                    </a:lnT>
+                    <a:lnB>
+                      <a:noFill/>
+                    </a:lnB>
+                  </a:tcPr>
+                </a:tc>
+                <a:extLst>
+                  <a:ext uri="{0D108BD9-81ED-4DB2-BD59-A6C34878D82A}">
+                    <a16:rowId xmlns:a16="http://schemas.microsoft.com/office/drawing/2014/main" val="4168750564"/>
+                  </a:ext>
+                </a:extLst>
+              </a:tr>
+              <a:tr h="190500">
+                <a:tc>
+                  <a:txBody>
+                    <a:bodyPr/>
+                    <a:lstStyle/>
+                    <a:p>
+                      <a:pPr algn="l" fontAlgn="b"/>
+                      <a:r>
+                        <a:rPr lang="nb-NO" sz="1100" b="0" i="0" u="none" strike="noStrike">
+                          <a:solidFill>
+                            <a:srgbClr val="000000"/>
+                          </a:solidFill>
+                          <a:effectLst/>
+                          <a:latin typeface="Calibri" panose="020F0502020204030204" pitchFamily="34" charset="0"/>
+                        </a:rPr>
+                        <a:t>W4</a:t>
+                      </a:r>
+                    </a:p>
+                  </a:txBody>
+                  <a:tcPr marL="9525" marR="9525" marT="9525" marB="0" anchor="b">
+                    <a:lnL w="6350" cap="flat" cmpd="sng" algn="ctr">
+                      <a:solidFill>
+                        <a:srgbClr val="000000"/>
+                      </a:solidFill>
+                      <a:prstDash val="solid"/>
+                      <a:round/>
+                      <a:headEnd type="none" w="med" len="med"/>
+                      <a:tailEnd type="none" w="med" len="med"/>
+                    </a:lnL>
+                    <a:lnR>
+                      <a:noFill/>
+                    </a:lnR>
+                    <a:lnT>
+                      <a:noFill/>
+                    </a:lnT>
+                    <a:lnB>
+                      <a:noFill/>
+                    </a:lnB>
+                  </a:tcPr>
+                </a:tc>
+                <a:tc>
+                  <a:txBody>
+                    <a:bodyPr/>
+                    <a:lstStyle/>
+                    <a:p>
+                      <a:pPr algn="l" fontAlgn="b"/>
+                      <a:r>
+                        <a:rPr lang="nb-NO" sz="1100" b="0" i="0" u="none" strike="noStrike">
+                          <a:solidFill>
+                            <a:srgbClr val="000000"/>
+                          </a:solidFill>
+                          <a:effectLst/>
+                          <a:latin typeface="Calibri" panose="020F0502020204030204" pitchFamily="34" charset="0"/>
+                        </a:rPr>
+                        <a:t> 0.0</a:t>
+                      </a:r>
+                    </a:p>
+                  </a:txBody>
+                  <a:tcPr marL="9525" marR="9525" marT="9525" marB="0" anchor="b">
+                    <a:lnL>
+                      <a:noFill/>
+                    </a:lnL>
+                    <a:lnR w="6350" cap="flat" cmpd="sng" algn="ctr">
+                      <a:solidFill>
+                        <a:srgbClr val="000000"/>
+                      </a:solidFill>
+                      <a:prstDash val="solid"/>
+                      <a:round/>
+                      <a:headEnd type="none" w="med" len="med"/>
+                      <a:tailEnd type="none" w="med" len="med"/>
+                    </a:lnR>
+                    <a:lnT>
+                      <a:noFill/>
+                    </a:lnT>
+                    <a:lnB>
+                      <a:noFill/>
+                    </a:lnB>
+                  </a:tcPr>
+                </a:tc>
+                <a:tc>
+                  <a:txBody>
+                    <a:bodyPr/>
+                    <a:lstStyle/>
+                    <a:p>
+                      <a:pPr algn="l" fontAlgn="b"/>
+                      <a:r>
+                        <a:rPr lang="nb-NO" sz="1100" b="0" i="0" u="none" strike="noStrike">
+                          <a:solidFill>
+                            <a:srgbClr val="000000"/>
+                          </a:solidFill>
+                          <a:effectLst/>
+                          <a:latin typeface="Calibri" panose="020F0502020204030204" pitchFamily="34" charset="0"/>
+                        </a:rPr>
+                        <a:t>W4</a:t>
+                      </a:r>
+                    </a:p>
+                  </a:txBody>
+                  <a:tcPr marL="9525" marR="9525" marT="9525" marB="0" anchor="b">
+                    <a:lnL w="6350" cap="flat" cmpd="sng" algn="ctr">
+                      <a:solidFill>
+                        <a:srgbClr val="000000"/>
+                      </a:solidFill>
+                      <a:prstDash val="solid"/>
+                      <a:round/>
+                      <a:headEnd type="none" w="med" len="med"/>
+                      <a:tailEnd type="none" w="med" len="med"/>
+                    </a:lnL>
+                    <a:lnR>
+                      <a:noFill/>
+                    </a:lnR>
+                    <a:lnT>
+                      <a:noFill/>
+                    </a:lnT>
+                    <a:lnB>
+                      <a:noFill/>
+                    </a:lnB>
+                  </a:tcPr>
+                </a:tc>
+                <a:tc>
+                  <a:txBody>
+                    <a:bodyPr/>
+                    <a:lstStyle/>
+                    <a:p>
+                      <a:pPr algn="l" fontAlgn="b"/>
+                      <a:r>
+                        <a:rPr lang="nb-NO" sz="1100" b="0" i="0" u="none" strike="noStrike">
+                          <a:solidFill>
+                            <a:srgbClr val="000000"/>
+                          </a:solidFill>
+                          <a:effectLst/>
+                          <a:latin typeface="Calibri" panose="020F0502020204030204" pitchFamily="34" charset="0"/>
+                        </a:rPr>
+                        <a:t>22.52</a:t>
+                      </a:r>
+                    </a:p>
+                  </a:txBody>
+                  <a:tcPr marL="9525" marR="9525" marT="9525" marB="0" anchor="b">
+                    <a:lnL>
+                      <a:noFill/>
+                    </a:lnL>
+                    <a:lnR w="6350" cap="flat" cmpd="sng" algn="ctr">
+                      <a:solidFill>
+                        <a:srgbClr val="000000"/>
+                      </a:solidFill>
+                      <a:prstDash val="solid"/>
+                      <a:round/>
+                      <a:headEnd type="none" w="med" len="med"/>
+                      <a:tailEnd type="none" w="med" len="med"/>
+                    </a:lnR>
+                    <a:lnT>
+                      <a:noFill/>
+                    </a:lnT>
+                    <a:lnB>
+                      <a:noFill/>
+                    </a:lnB>
+                  </a:tcPr>
+                </a:tc>
+                <a:tc>
+                  <a:txBody>
+                    <a:bodyPr/>
+                    <a:lstStyle/>
+                    <a:p>
+                      <a:pPr algn="l" fontAlgn="b"/>
+                      <a:r>
+                        <a:rPr lang="nb-NO" sz="1100" b="0" i="0" u="none" strike="noStrike">
+                          <a:solidFill>
+                            <a:srgbClr val="000000"/>
+                          </a:solidFill>
+                          <a:effectLst/>
+                          <a:latin typeface="Calibri" panose="020F0502020204030204" pitchFamily="34" charset="0"/>
+                        </a:rPr>
+                        <a:t>W4</a:t>
+                      </a:r>
+                    </a:p>
+                  </a:txBody>
+                  <a:tcPr marL="9525" marR="9525" marT="9525" marB="0" anchor="b">
+                    <a:lnL w="6350" cap="flat" cmpd="sng" algn="ctr">
+                      <a:solidFill>
+                        <a:srgbClr val="000000"/>
+                      </a:solidFill>
+                      <a:prstDash val="solid"/>
+                      <a:round/>
+                      <a:headEnd type="none" w="med" len="med"/>
+                      <a:tailEnd type="none" w="med" len="med"/>
+                    </a:lnL>
+                    <a:lnR>
+                      <a:noFill/>
+                    </a:lnR>
+                    <a:lnT>
+                      <a:noFill/>
+                    </a:lnT>
+                    <a:lnB>
+                      <a:noFill/>
+                    </a:lnB>
+                  </a:tcPr>
+                </a:tc>
+                <a:tc>
+                  <a:txBody>
+                    <a:bodyPr/>
+                    <a:lstStyle/>
+                    <a:p>
+                      <a:pPr algn="l" fontAlgn="b"/>
+                      <a:r>
+                        <a:rPr lang="nb-NO" sz="1100" b="0" i="0" u="none" strike="noStrike">
+                          <a:solidFill>
+                            <a:srgbClr val="000000"/>
+                          </a:solidFill>
+                          <a:effectLst/>
+                          <a:latin typeface="Calibri" panose="020F0502020204030204" pitchFamily="34" charset="0"/>
+                        </a:rPr>
+                        <a:t>22.52</a:t>
+                      </a:r>
+                    </a:p>
+                  </a:txBody>
+                  <a:tcPr marL="9525" marR="9525" marT="9525" marB="0" anchor="b">
+                    <a:lnL>
+                      <a:noFill/>
+                    </a:lnL>
+                    <a:lnR w="6350" cap="flat" cmpd="sng" algn="ctr">
+                      <a:solidFill>
+                        <a:srgbClr val="000000"/>
+                      </a:solidFill>
+                      <a:prstDash val="solid"/>
+                      <a:round/>
+                      <a:headEnd type="none" w="med" len="med"/>
+                      <a:tailEnd type="none" w="med" len="med"/>
+                    </a:lnR>
+                    <a:lnT>
+                      <a:noFill/>
+                    </a:lnT>
+                    <a:lnB>
+                      <a:noFill/>
+                    </a:lnB>
+                  </a:tcPr>
+                </a:tc>
+                <a:extLst>
+                  <a:ext uri="{0D108BD9-81ED-4DB2-BD59-A6C34878D82A}">
+                    <a16:rowId xmlns:a16="http://schemas.microsoft.com/office/drawing/2014/main" val="2768292698"/>
+                  </a:ext>
+                </a:extLst>
+              </a:tr>
+              <a:tr h="190500">
+                <a:tc>
+                  <a:txBody>
+                    <a:bodyPr/>
+                    <a:lstStyle/>
+                    <a:p>
+                      <a:pPr algn="l" fontAlgn="b"/>
+                      <a:r>
+                        <a:rPr lang="nb-NO" sz="1100" b="0" i="0" u="none" strike="noStrike">
+                          <a:solidFill>
+                            <a:srgbClr val="000000"/>
+                          </a:solidFill>
+                          <a:effectLst/>
+                          <a:latin typeface="Calibri" panose="020F0502020204030204" pitchFamily="34" charset="0"/>
+                        </a:rPr>
+                        <a:t>W5</a:t>
+                      </a:r>
+                    </a:p>
+                  </a:txBody>
+                  <a:tcPr marL="9525" marR="9525" marT="9525" marB="0" anchor="b">
+                    <a:lnL w="6350" cap="flat" cmpd="sng" algn="ctr">
+                      <a:solidFill>
+                        <a:srgbClr val="000000"/>
+                      </a:solidFill>
+                      <a:prstDash val="solid"/>
+                      <a:round/>
+                      <a:headEnd type="none" w="med" len="med"/>
+                      <a:tailEnd type="none" w="med" len="med"/>
+                    </a:lnL>
+                    <a:lnR>
+                      <a:noFill/>
+                    </a:lnR>
+                    <a:lnT>
+                      <a:noFill/>
+                    </a:lnT>
+                    <a:lnB>
+                      <a:noFill/>
+                    </a:lnB>
+                  </a:tcPr>
+                </a:tc>
+                <a:tc>
+                  <a:txBody>
+                    <a:bodyPr/>
+                    <a:lstStyle/>
+                    <a:p>
+                      <a:pPr algn="l" fontAlgn="b"/>
+                      <a:r>
+                        <a:rPr lang="nb-NO" sz="1100" b="0" i="0" u="none" strike="noStrike">
+                          <a:solidFill>
+                            <a:srgbClr val="000000"/>
+                          </a:solidFill>
+                          <a:effectLst/>
+                          <a:latin typeface="Calibri" panose="020F0502020204030204" pitchFamily="34" charset="0"/>
+                        </a:rPr>
+                        <a:t> 47.84</a:t>
+                      </a:r>
+                    </a:p>
+                  </a:txBody>
+                  <a:tcPr marL="9525" marR="9525" marT="9525" marB="0" anchor="b">
+                    <a:lnL>
+                      <a:noFill/>
+                    </a:lnL>
+                    <a:lnR w="6350" cap="flat" cmpd="sng" algn="ctr">
+                      <a:solidFill>
+                        <a:srgbClr val="000000"/>
+                      </a:solidFill>
+                      <a:prstDash val="solid"/>
+                      <a:round/>
+                      <a:headEnd type="none" w="med" len="med"/>
+                      <a:tailEnd type="none" w="med" len="med"/>
+                    </a:lnR>
+                    <a:lnT>
+                      <a:noFill/>
+                    </a:lnT>
+                    <a:lnB>
+                      <a:noFill/>
+                    </a:lnB>
+                  </a:tcPr>
+                </a:tc>
+                <a:tc>
+                  <a:txBody>
+                    <a:bodyPr/>
+                    <a:lstStyle/>
+                    <a:p>
+                      <a:pPr algn="l" fontAlgn="b"/>
+                      <a:r>
+                        <a:rPr lang="nb-NO" sz="1100" b="0" i="0" u="none" strike="noStrike">
+                          <a:solidFill>
+                            <a:srgbClr val="000000"/>
+                          </a:solidFill>
+                          <a:effectLst/>
+                          <a:latin typeface="Calibri" panose="020F0502020204030204" pitchFamily="34" charset="0"/>
+                        </a:rPr>
+                        <a:t>W5</a:t>
+                      </a:r>
+                    </a:p>
+                  </a:txBody>
+                  <a:tcPr marL="9525" marR="9525" marT="9525" marB="0" anchor="b">
+                    <a:lnL w="6350" cap="flat" cmpd="sng" algn="ctr">
+                      <a:solidFill>
+                        <a:srgbClr val="000000"/>
+                      </a:solidFill>
+                      <a:prstDash val="solid"/>
+                      <a:round/>
+                      <a:headEnd type="none" w="med" len="med"/>
+                      <a:tailEnd type="none" w="med" len="med"/>
+                    </a:lnL>
+                    <a:lnR>
+                      <a:noFill/>
+                    </a:lnR>
+                    <a:lnT>
+                      <a:noFill/>
+                    </a:lnT>
+                    <a:lnB>
+                      <a:noFill/>
+                    </a:lnB>
+                  </a:tcPr>
+                </a:tc>
+                <a:tc>
+                  <a:txBody>
+                    <a:bodyPr/>
+                    <a:lstStyle/>
+                    <a:p>
+                      <a:pPr algn="l" fontAlgn="b"/>
+                      <a:r>
+                        <a:rPr lang="nb-NO" sz="1100" b="0" i="0" u="none" strike="noStrike">
+                          <a:solidFill>
+                            <a:srgbClr val="000000"/>
+                          </a:solidFill>
+                          <a:effectLst/>
+                          <a:latin typeface="Calibri" panose="020F0502020204030204" pitchFamily="34" charset="0"/>
+                        </a:rPr>
+                        <a:t>53.23</a:t>
+                      </a:r>
+                    </a:p>
+                  </a:txBody>
+                  <a:tcPr marL="9525" marR="9525" marT="9525" marB="0" anchor="b">
+                    <a:lnL>
+                      <a:noFill/>
+                    </a:lnL>
+                    <a:lnR w="6350" cap="flat" cmpd="sng" algn="ctr">
+                      <a:solidFill>
+                        <a:srgbClr val="000000"/>
+                      </a:solidFill>
+                      <a:prstDash val="solid"/>
+                      <a:round/>
+                      <a:headEnd type="none" w="med" len="med"/>
+                      <a:tailEnd type="none" w="med" len="med"/>
+                    </a:lnR>
+                    <a:lnT>
+                      <a:noFill/>
+                    </a:lnT>
+                    <a:lnB>
+                      <a:noFill/>
+                    </a:lnB>
+                  </a:tcPr>
+                </a:tc>
+                <a:tc>
+                  <a:txBody>
+                    <a:bodyPr/>
+                    <a:lstStyle/>
+                    <a:p>
+                      <a:pPr algn="l" fontAlgn="b"/>
+                      <a:r>
+                        <a:rPr lang="nb-NO" sz="1100" b="0" i="0" u="none" strike="noStrike">
+                          <a:solidFill>
+                            <a:srgbClr val="000000"/>
+                          </a:solidFill>
+                          <a:effectLst/>
+                          <a:latin typeface="Calibri" panose="020F0502020204030204" pitchFamily="34" charset="0"/>
+                        </a:rPr>
+                        <a:t>W5</a:t>
+                      </a:r>
+                    </a:p>
+                  </a:txBody>
+                  <a:tcPr marL="9525" marR="9525" marT="9525" marB="0" anchor="b">
+                    <a:lnL w="6350" cap="flat" cmpd="sng" algn="ctr">
+                      <a:solidFill>
+                        <a:srgbClr val="000000"/>
+                      </a:solidFill>
+                      <a:prstDash val="solid"/>
+                      <a:round/>
+                      <a:headEnd type="none" w="med" len="med"/>
+                      <a:tailEnd type="none" w="med" len="med"/>
+                    </a:lnL>
+                    <a:lnR>
+                      <a:noFill/>
+                    </a:lnR>
+                    <a:lnT>
+                      <a:noFill/>
+                    </a:lnT>
+                    <a:lnB>
+                      <a:noFill/>
+                    </a:lnB>
+                  </a:tcPr>
+                </a:tc>
+                <a:tc>
+                  <a:txBody>
+                    <a:bodyPr/>
+                    <a:lstStyle/>
+                    <a:p>
+                      <a:pPr algn="l" fontAlgn="b"/>
+                      <a:r>
+                        <a:rPr lang="nb-NO" sz="1100" b="0" i="0" u="none" strike="noStrike">
+                          <a:solidFill>
+                            <a:srgbClr val="000000"/>
+                          </a:solidFill>
+                          <a:effectLst/>
+                          <a:latin typeface="Calibri" panose="020F0502020204030204" pitchFamily="34" charset="0"/>
+                        </a:rPr>
+                        <a:t>29.27</a:t>
+                      </a:r>
+                    </a:p>
+                  </a:txBody>
+                  <a:tcPr marL="9525" marR="9525" marT="9525" marB="0" anchor="b">
+                    <a:lnL>
+                      <a:noFill/>
+                    </a:lnL>
+                    <a:lnR w="6350" cap="flat" cmpd="sng" algn="ctr">
+                      <a:solidFill>
+                        <a:srgbClr val="000000"/>
+                      </a:solidFill>
+                      <a:prstDash val="solid"/>
+                      <a:round/>
+                      <a:headEnd type="none" w="med" len="med"/>
+                      <a:tailEnd type="none" w="med" len="med"/>
+                    </a:lnR>
+                    <a:lnT>
+                      <a:noFill/>
+                    </a:lnT>
+                    <a:lnB>
+                      <a:noFill/>
+                    </a:lnB>
+                  </a:tcPr>
+                </a:tc>
+                <a:extLst>
+                  <a:ext uri="{0D108BD9-81ED-4DB2-BD59-A6C34878D82A}">
+                    <a16:rowId xmlns:a16="http://schemas.microsoft.com/office/drawing/2014/main" val="2568418249"/>
+                  </a:ext>
+                </a:extLst>
+              </a:tr>
+              <a:tr h="190500">
+                <a:tc>
+                  <a:txBody>
+                    <a:bodyPr/>
+                    <a:lstStyle/>
+                    <a:p>
+                      <a:pPr algn="l" fontAlgn="b"/>
+                      <a:r>
+                        <a:rPr lang="nb-NO" sz="1100" b="0" i="0" u="none" strike="noStrike">
+                          <a:solidFill>
+                            <a:srgbClr val="000000"/>
+                          </a:solidFill>
+                          <a:effectLst/>
+                          <a:latin typeface="Calibri" panose="020F0502020204030204" pitchFamily="34" charset="0"/>
+                        </a:rPr>
+                        <a:t>W6</a:t>
+                      </a:r>
+                    </a:p>
+                  </a:txBody>
+                  <a:tcPr marL="9525" marR="9525" marT="9525" marB="0" anchor="b">
+                    <a:lnL w="6350" cap="flat" cmpd="sng" algn="ctr">
+                      <a:solidFill>
+                        <a:srgbClr val="000000"/>
+                      </a:solidFill>
+                      <a:prstDash val="solid"/>
+                      <a:round/>
+                      <a:headEnd type="none" w="med" len="med"/>
+                      <a:tailEnd type="none" w="med" len="med"/>
+                    </a:lnL>
+                    <a:lnR>
+                      <a:noFill/>
+                    </a:lnR>
+                    <a:lnT>
+                      <a:noFill/>
+                    </a:lnT>
+                    <a:lnB>
+                      <a:noFill/>
+                    </a:lnB>
+                  </a:tcPr>
+                </a:tc>
+                <a:tc>
+                  <a:txBody>
+                    <a:bodyPr/>
+                    <a:lstStyle/>
+                    <a:p>
+                      <a:pPr algn="l" fontAlgn="b"/>
+                      <a:r>
+                        <a:rPr lang="nb-NO" sz="1100" b="0" i="0" u="none" strike="noStrike">
+                          <a:solidFill>
+                            <a:srgbClr val="000000"/>
+                          </a:solidFill>
+                          <a:effectLst/>
+                          <a:latin typeface="Calibri" panose="020F0502020204030204" pitchFamily="34" charset="0"/>
+                        </a:rPr>
+                        <a:t> 62.6</a:t>
+                      </a:r>
+                    </a:p>
+                  </a:txBody>
+                  <a:tcPr marL="9525" marR="9525" marT="9525" marB="0" anchor="b">
+                    <a:lnL>
+                      <a:noFill/>
+                    </a:lnL>
+                    <a:lnR w="6350" cap="flat" cmpd="sng" algn="ctr">
+                      <a:solidFill>
+                        <a:srgbClr val="000000"/>
+                      </a:solidFill>
+                      <a:prstDash val="solid"/>
+                      <a:round/>
+                      <a:headEnd type="none" w="med" len="med"/>
+                      <a:tailEnd type="none" w="med" len="med"/>
+                    </a:lnR>
+                    <a:lnT>
+                      <a:noFill/>
+                    </a:lnT>
+                    <a:lnB>
+                      <a:noFill/>
+                    </a:lnB>
+                  </a:tcPr>
+                </a:tc>
+                <a:tc>
+                  <a:txBody>
+                    <a:bodyPr/>
+                    <a:lstStyle/>
+                    <a:p>
+                      <a:pPr algn="l" fontAlgn="b"/>
+                      <a:r>
+                        <a:rPr lang="nb-NO" sz="1100" b="0" i="0" u="none" strike="noStrike">
+                          <a:solidFill>
+                            <a:srgbClr val="000000"/>
+                          </a:solidFill>
+                          <a:effectLst/>
+                          <a:latin typeface="Calibri" panose="020F0502020204030204" pitchFamily="34" charset="0"/>
+                        </a:rPr>
+                        <a:t>W6</a:t>
+                      </a:r>
+                    </a:p>
+                  </a:txBody>
+                  <a:tcPr marL="9525" marR="9525" marT="9525" marB="0" anchor="b">
+                    <a:lnL w="6350" cap="flat" cmpd="sng" algn="ctr">
+                      <a:solidFill>
+                        <a:srgbClr val="000000"/>
+                      </a:solidFill>
+                      <a:prstDash val="solid"/>
+                      <a:round/>
+                      <a:headEnd type="none" w="med" len="med"/>
+                      <a:tailEnd type="none" w="med" len="med"/>
+                    </a:lnL>
+                    <a:lnR>
+                      <a:noFill/>
+                    </a:lnR>
+                    <a:lnT>
+                      <a:noFill/>
+                    </a:lnT>
+                    <a:lnB>
+                      <a:noFill/>
+                    </a:lnB>
+                  </a:tcPr>
+                </a:tc>
+                <a:tc>
+                  <a:txBody>
+                    <a:bodyPr/>
+                    <a:lstStyle/>
+                    <a:p>
+                      <a:pPr algn="l" fontAlgn="b"/>
+                      <a:r>
+                        <a:rPr lang="nb-NO" sz="1100" b="0" i="0" u="none" strike="noStrike">
+                          <a:solidFill>
+                            <a:srgbClr val="000000"/>
+                          </a:solidFill>
+                          <a:effectLst/>
+                          <a:latin typeface="Calibri" panose="020F0502020204030204" pitchFamily="34" charset="0"/>
+                        </a:rPr>
+                        <a:t>62.61</a:t>
+                      </a:r>
+                    </a:p>
+                  </a:txBody>
+                  <a:tcPr marL="9525" marR="9525" marT="9525" marB="0" anchor="b">
+                    <a:lnL>
+                      <a:noFill/>
+                    </a:lnL>
+                    <a:lnR w="6350" cap="flat" cmpd="sng" algn="ctr">
+                      <a:solidFill>
+                        <a:srgbClr val="000000"/>
+                      </a:solidFill>
+                      <a:prstDash val="solid"/>
+                      <a:round/>
+                      <a:headEnd type="none" w="med" len="med"/>
+                      <a:tailEnd type="none" w="med" len="med"/>
+                    </a:lnR>
+                    <a:lnT>
+                      <a:noFill/>
+                    </a:lnT>
+                    <a:lnB>
+                      <a:noFill/>
+                    </a:lnB>
+                  </a:tcPr>
+                </a:tc>
+                <a:tc>
+                  <a:txBody>
+                    <a:bodyPr/>
+                    <a:lstStyle/>
+                    <a:p>
+                      <a:pPr algn="l" fontAlgn="b"/>
+                      <a:r>
+                        <a:rPr lang="nb-NO" sz="1100" b="0" i="0" u="none" strike="noStrike">
+                          <a:solidFill>
+                            <a:srgbClr val="000000"/>
+                          </a:solidFill>
+                          <a:effectLst/>
+                          <a:latin typeface="Calibri" panose="020F0502020204030204" pitchFamily="34" charset="0"/>
+                        </a:rPr>
+                        <a:t>W6</a:t>
+                      </a:r>
+                    </a:p>
+                  </a:txBody>
+                  <a:tcPr marL="9525" marR="9525" marT="9525" marB="0" anchor="b">
+                    <a:lnL w="6350" cap="flat" cmpd="sng" algn="ctr">
+                      <a:solidFill>
+                        <a:srgbClr val="000000"/>
+                      </a:solidFill>
+                      <a:prstDash val="solid"/>
+                      <a:round/>
+                      <a:headEnd type="none" w="med" len="med"/>
+                      <a:tailEnd type="none" w="med" len="med"/>
+                    </a:lnL>
+                    <a:lnR>
+                      <a:noFill/>
+                    </a:lnR>
+                    <a:lnT>
+                      <a:noFill/>
+                    </a:lnT>
+                    <a:lnB>
+                      <a:noFill/>
+                    </a:lnB>
+                  </a:tcPr>
+                </a:tc>
+                <a:tc>
+                  <a:txBody>
+                    <a:bodyPr/>
+                    <a:lstStyle/>
+                    <a:p>
+                      <a:pPr algn="l" fontAlgn="b"/>
+                      <a:r>
+                        <a:rPr lang="nb-NO" sz="1100" b="0" i="0" u="none" strike="noStrike">
+                          <a:solidFill>
+                            <a:srgbClr val="000000"/>
+                          </a:solidFill>
+                          <a:effectLst/>
+                          <a:latin typeface="Calibri" panose="020F0502020204030204" pitchFamily="34" charset="0"/>
+                        </a:rPr>
+                        <a:t>62.61</a:t>
+                      </a:r>
+                    </a:p>
+                  </a:txBody>
+                  <a:tcPr marL="9525" marR="9525" marT="9525" marB="0" anchor="b">
+                    <a:lnL>
+                      <a:noFill/>
+                    </a:lnL>
+                    <a:lnR w="6350" cap="flat" cmpd="sng" algn="ctr">
+                      <a:solidFill>
+                        <a:srgbClr val="000000"/>
+                      </a:solidFill>
+                      <a:prstDash val="solid"/>
+                      <a:round/>
+                      <a:headEnd type="none" w="med" len="med"/>
+                      <a:tailEnd type="none" w="med" len="med"/>
+                    </a:lnR>
+                    <a:lnT>
+                      <a:noFill/>
+                    </a:lnT>
+                    <a:lnB>
+                      <a:noFill/>
+                    </a:lnB>
+                  </a:tcPr>
+                </a:tc>
+                <a:extLst>
+                  <a:ext uri="{0D108BD9-81ED-4DB2-BD59-A6C34878D82A}">
+                    <a16:rowId xmlns:a16="http://schemas.microsoft.com/office/drawing/2014/main" val="1281635846"/>
+                  </a:ext>
+                </a:extLst>
+              </a:tr>
+              <a:tr h="190500">
+                <a:tc>
+                  <a:txBody>
+                    <a:bodyPr/>
+                    <a:lstStyle/>
+                    <a:p>
+                      <a:pPr algn="l" fontAlgn="b"/>
+                      <a:r>
+                        <a:rPr lang="nb-NO" sz="1100" b="0" i="0" u="none" strike="noStrike">
+                          <a:solidFill>
+                            <a:srgbClr val="000000"/>
+                          </a:solidFill>
+                          <a:effectLst/>
+                          <a:latin typeface="Calibri" panose="020F0502020204030204" pitchFamily="34" charset="0"/>
+                        </a:rPr>
+                        <a:t>W7</a:t>
+                      </a:r>
+                    </a:p>
+                  </a:txBody>
+                  <a:tcPr marL="9525" marR="9525" marT="9525" marB="0" anchor="b">
+                    <a:lnL w="6350" cap="flat" cmpd="sng" algn="ctr">
+                      <a:solidFill>
+                        <a:srgbClr val="000000"/>
+                      </a:solidFill>
+                      <a:prstDash val="solid"/>
+                      <a:round/>
+                      <a:headEnd type="none" w="med" len="med"/>
+                      <a:tailEnd type="none" w="med" len="med"/>
+                    </a:lnL>
+                    <a:lnR>
+                      <a:noFill/>
+                    </a:lnR>
+                    <a:lnT>
+                      <a:noFill/>
+                    </a:lnT>
+                    <a:lnB w="6350" cap="flat" cmpd="sng" algn="ctr">
+                      <a:solidFill>
+                        <a:srgbClr val="000000"/>
+                      </a:solidFill>
+                      <a:prstDash val="solid"/>
+                      <a:round/>
+                      <a:headEnd type="none" w="med" len="med"/>
+                      <a:tailEnd type="none" w="med" len="med"/>
+                    </a:lnB>
+                  </a:tcPr>
+                </a:tc>
+                <a:tc>
+                  <a:txBody>
+                    <a:bodyPr/>
+                    <a:lstStyle/>
+                    <a:p>
+                      <a:pPr algn="l" fontAlgn="b"/>
+                      <a:r>
+                        <a:rPr lang="nb-NO" sz="1100" b="0" i="0" u="none" strike="noStrike">
+                          <a:solidFill>
+                            <a:srgbClr val="000000"/>
+                          </a:solidFill>
+                          <a:effectLst/>
+                          <a:latin typeface="Calibri" panose="020F0502020204030204" pitchFamily="34" charset="0"/>
+                        </a:rPr>
+                        <a:t> 50.34</a:t>
+                      </a:r>
+                    </a:p>
+                  </a:txBody>
+                  <a:tcPr marL="9525" marR="9525" marT="9525" marB="0" anchor="b">
+                    <a:lnL>
+                      <a:noFill/>
+                    </a:lnL>
+                    <a:lnR w="6350" cap="flat" cmpd="sng" algn="ctr">
+                      <a:solidFill>
+                        <a:srgbClr val="000000"/>
+                      </a:solidFill>
+                      <a:prstDash val="solid"/>
+                      <a:round/>
+                      <a:headEnd type="none" w="med" len="med"/>
+                      <a:tailEnd type="none" w="med" len="med"/>
+                    </a:lnR>
+                    <a:lnT>
+                      <a:noFill/>
+                    </a:lnT>
+                    <a:lnB w="6350" cap="flat" cmpd="sng" algn="ctr">
+                      <a:solidFill>
+                        <a:srgbClr val="000000"/>
+                      </a:solidFill>
+                      <a:prstDash val="solid"/>
+                      <a:round/>
+                      <a:headEnd type="none" w="med" len="med"/>
+                      <a:tailEnd type="none" w="med" len="med"/>
+                    </a:lnB>
+                  </a:tcPr>
+                </a:tc>
+                <a:tc>
+                  <a:txBody>
+                    <a:bodyPr/>
+                    <a:lstStyle/>
+                    <a:p>
+                      <a:pPr algn="l" fontAlgn="b"/>
+                      <a:r>
+                        <a:rPr lang="nb-NO" sz="1100" b="0" i="0" u="none" strike="noStrike">
+                          <a:solidFill>
+                            <a:srgbClr val="000000"/>
+                          </a:solidFill>
+                          <a:effectLst/>
+                          <a:latin typeface="Calibri" panose="020F0502020204030204" pitchFamily="34" charset="0"/>
+                        </a:rPr>
+                        <a:t>W7</a:t>
+                      </a:r>
+                    </a:p>
+                  </a:txBody>
+                  <a:tcPr marL="9525" marR="9525" marT="9525" marB="0" anchor="b">
+                    <a:lnL w="6350" cap="flat" cmpd="sng" algn="ctr">
+                      <a:solidFill>
+                        <a:srgbClr val="000000"/>
+                      </a:solidFill>
+                      <a:prstDash val="solid"/>
+                      <a:round/>
+                      <a:headEnd type="none" w="med" len="med"/>
+                      <a:tailEnd type="none" w="med" len="med"/>
+                    </a:lnL>
+                    <a:lnR>
+                      <a:noFill/>
+                    </a:lnR>
+                    <a:lnT>
+                      <a:noFill/>
+                    </a:lnT>
+                    <a:lnB w="6350" cap="flat" cmpd="sng" algn="ctr">
+                      <a:solidFill>
+                        <a:srgbClr val="000000"/>
+                      </a:solidFill>
+                      <a:prstDash val="solid"/>
+                      <a:round/>
+                      <a:headEnd type="none" w="med" len="med"/>
+                      <a:tailEnd type="none" w="med" len="med"/>
+                    </a:lnB>
+                  </a:tcPr>
+                </a:tc>
+                <a:tc>
+                  <a:txBody>
+                    <a:bodyPr/>
+                    <a:lstStyle/>
+                    <a:p>
+                      <a:pPr algn="l" fontAlgn="b"/>
+                      <a:r>
+                        <a:rPr lang="nb-NO" sz="1100" b="0" i="0" u="none" strike="noStrike">
+                          <a:solidFill>
+                            <a:srgbClr val="000000"/>
+                          </a:solidFill>
+                          <a:effectLst/>
+                          <a:latin typeface="Calibri" panose="020F0502020204030204" pitchFamily="34" charset="0"/>
+                        </a:rPr>
+                        <a:t>30.17</a:t>
+                      </a:r>
+                    </a:p>
+                  </a:txBody>
+                  <a:tcPr marL="9525" marR="9525" marT="9525" marB="0" anchor="b">
+                    <a:lnL>
+                      <a:noFill/>
+                    </a:lnL>
+                    <a:lnR w="6350" cap="flat" cmpd="sng" algn="ctr">
+                      <a:solidFill>
+                        <a:srgbClr val="000000"/>
+                      </a:solidFill>
+                      <a:prstDash val="solid"/>
+                      <a:round/>
+                      <a:headEnd type="none" w="med" len="med"/>
+                      <a:tailEnd type="none" w="med" len="med"/>
+                    </a:lnR>
+                    <a:lnT>
+                      <a:noFill/>
+                    </a:lnT>
+                    <a:lnB w="6350" cap="flat" cmpd="sng" algn="ctr">
+                      <a:solidFill>
+                        <a:srgbClr val="000000"/>
+                      </a:solidFill>
+                      <a:prstDash val="solid"/>
+                      <a:round/>
+                      <a:headEnd type="none" w="med" len="med"/>
+                      <a:tailEnd type="none" w="med" len="med"/>
+                    </a:lnB>
+                  </a:tcPr>
+                </a:tc>
+                <a:tc>
+                  <a:txBody>
+                    <a:bodyPr/>
+                    <a:lstStyle/>
+                    <a:p>
+                      <a:pPr algn="l" fontAlgn="b"/>
+                      <a:r>
+                        <a:rPr lang="nb-NO" sz="1100" b="0" i="0" u="none" strike="noStrike">
+                          <a:solidFill>
+                            <a:srgbClr val="000000"/>
+                          </a:solidFill>
+                          <a:effectLst/>
+                          <a:latin typeface="Calibri" panose="020F0502020204030204" pitchFamily="34" charset="0"/>
+                        </a:rPr>
+                        <a:t>W7</a:t>
+                      </a:r>
+                    </a:p>
+                  </a:txBody>
+                  <a:tcPr marL="9525" marR="9525" marT="9525" marB="0" anchor="b">
+                    <a:lnL w="6350" cap="flat" cmpd="sng" algn="ctr">
+                      <a:solidFill>
+                        <a:srgbClr val="000000"/>
+                      </a:solidFill>
+                      <a:prstDash val="solid"/>
+                      <a:round/>
+                      <a:headEnd type="none" w="med" len="med"/>
+                      <a:tailEnd type="none" w="med" len="med"/>
+                    </a:lnL>
+                    <a:lnR>
+                      <a:noFill/>
+                    </a:lnR>
+                    <a:lnT>
+                      <a:noFill/>
+                    </a:lnT>
+                    <a:lnB w="6350" cap="flat" cmpd="sng" algn="ctr">
+                      <a:solidFill>
+                        <a:srgbClr val="000000"/>
+                      </a:solidFill>
+                      <a:prstDash val="solid"/>
+                      <a:round/>
+                      <a:headEnd type="none" w="med" len="med"/>
+                      <a:tailEnd type="none" w="med" len="med"/>
+                    </a:lnB>
+                  </a:tcPr>
+                </a:tc>
+                <a:tc>
+                  <a:txBody>
+                    <a:bodyPr/>
+                    <a:lstStyle/>
+                    <a:p>
+                      <a:pPr algn="l" fontAlgn="b"/>
+                      <a:r>
+                        <a:rPr lang="nb-NO" sz="1100" b="0" i="0" u="none" strike="noStrike">
+                          <a:solidFill>
+                            <a:srgbClr val="000000"/>
+                          </a:solidFill>
+                          <a:effectLst/>
+                          <a:latin typeface="Calibri" panose="020F0502020204030204" pitchFamily="34" charset="0"/>
+                        </a:rPr>
+                        <a:t>30.17</a:t>
+                      </a:r>
+                    </a:p>
+                  </a:txBody>
+                  <a:tcPr marL="9525" marR="9525" marT="9525" marB="0" anchor="b">
+                    <a:lnL>
+                      <a:noFill/>
+                    </a:lnL>
+                    <a:lnR w="6350" cap="flat" cmpd="sng" algn="ctr">
+                      <a:solidFill>
+                        <a:srgbClr val="000000"/>
+                      </a:solidFill>
+                      <a:prstDash val="solid"/>
+                      <a:round/>
+                      <a:headEnd type="none" w="med" len="med"/>
+                      <a:tailEnd type="none" w="med" len="med"/>
+                    </a:lnR>
+                    <a:lnT>
+                      <a:noFill/>
+                    </a:lnT>
+                    <a:lnB w="6350" cap="flat" cmpd="sng" algn="ctr">
+                      <a:solidFill>
+                        <a:srgbClr val="000000"/>
+                      </a:solidFill>
+                      <a:prstDash val="solid"/>
+                      <a:round/>
+                      <a:headEnd type="none" w="med" len="med"/>
+                      <a:tailEnd type="none" w="med" len="med"/>
+                    </a:lnB>
+                  </a:tcPr>
+                </a:tc>
+                <a:extLst>
+                  <a:ext uri="{0D108BD9-81ED-4DB2-BD59-A6C34878D82A}">
+                    <a16:rowId xmlns:a16="http://schemas.microsoft.com/office/drawing/2014/main" val="762285585"/>
+                  </a:ext>
+                </a:extLst>
+              </a:tr>
+              <a:tr h="190500">
+                <a:tc>
+                  <a:txBody>
+                    <a:bodyPr/>
+                    <a:lstStyle/>
+                    <a:p>
+                      <a:pPr algn="l" fontAlgn="b"/>
+                      <a:endParaRPr lang="nb-NO" sz="1100" b="0" i="0" u="none" strike="noStrike">
+                        <a:solidFill>
+                          <a:srgbClr val="000000"/>
+                        </a:solidFill>
+                        <a:effectLst/>
+                        <a:latin typeface="Calibri" panose="020F0502020204030204" pitchFamily="34" charset="0"/>
+                      </a:endParaRPr>
+                    </a:p>
+                  </a:txBody>
+                  <a:tcPr marL="9525" marR="9525" marT="9525" marB="0" anchor="b">
+                    <a:lnL>
+                      <a:noFill/>
+                    </a:lnL>
+                    <a:lnR>
+                      <a:noFill/>
+                    </a:lnR>
+                    <a:lnT w="6350" cap="flat" cmpd="sng" algn="ctr">
+                      <a:solidFill>
+                        <a:srgbClr val="000000"/>
+                      </a:solidFill>
+                      <a:prstDash val="solid"/>
+                      <a:round/>
+                      <a:headEnd type="none" w="med" len="med"/>
+                      <a:tailEnd type="none" w="med" len="med"/>
+                    </a:lnT>
+                    <a:lnB w="6350" cap="flat" cmpd="sng" algn="ctr">
+                      <a:solidFill>
+                        <a:srgbClr val="000000"/>
+                      </a:solidFill>
+                      <a:prstDash val="solid"/>
+                      <a:round/>
+                      <a:headEnd type="none" w="med" len="med"/>
+                      <a:tailEnd type="none" w="med" len="med"/>
+                    </a:lnB>
+                  </a:tcPr>
+                </a:tc>
+                <a:tc>
+                  <a:txBody>
+                    <a:bodyPr/>
+                    <a:lstStyle/>
+                    <a:p>
+                      <a:pPr algn="l" fontAlgn="b"/>
+                      <a:endParaRPr lang="nb-NO" sz="1100" b="0" i="0" u="none" strike="noStrike">
+                        <a:solidFill>
+                          <a:srgbClr val="000000"/>
+                        </a:solidFill>
+                        <a:effectLst/>
+                        <a:latin typeface="Calibri" panose="020F0502020204030204" pitchFamily="34" charset="0"/>
+                      </a:endParaRPr>
+                    </a:p>
+                  </a:txBody>
+                  <a:tcPr marL="9525" marR="9525" marT="9525" marB="0" anchor="b">
+                    <a:lnL>
+                      <a:noFill/>
+                    </a:lnL>
+                    <a:lnR>
+                      <a:noFill/>
+                    </a:lnR>
+                    <a:lnT w="6350" cap="flat" cmpd="sng" algn="ctr">
+                      <a:solidFill>
+                        <a:srgbClr val="000000"/>
+                      </a:solidFill>
+                      <a:prstDash val="solid"/>
+                      <a:round/>
+                      <a:headEnd type="none" w="med" len="med"/>
+                      <a:tailEnd type="none" w="med" len="med"/>
+                    </a:lnT>
+                    <a:lnB w="6350" cap="flat" cmpd="sng" algn="ctr">
+                      <a:solidFill>
+                        <a:srgbClr val="000000"/>
+                      </a:solidFill>
+                      <a:prstDash val="solid"/>
+                      <a:round/>
+                      <a:headEnd type="none" w="med" len="med"/>
+                      <a:tailEnd type="none" w="med" len="med"/>
+                    </a:lnB>
+                  </a:tcPr>
+                </a:tc>
+                <a:tc>
+                  <a:txBody>
+                    <a:bodyPr/>
+                    <a:lstStyle/>
+                    <a:p>
+                      <a:pPr algn="l" fontAlgn="b"/>
+                      <a:endParaRPr lang="nb-NO" sz="1100" b="0" i="0" u="none" strike="noStrike">
+                        <a:solidFill>
+                          <a:srgbClr val="000000"/>
+                        </a:solidFill>
+                        <a:effectLst/>
+                        <a:latin typeface="Calibri" panose="020F0502020204030204" pitchFamily="34" charset="0"/>
+                      </a:endParaRPr>
+                    </a:p>
+                  </a:txBody>
+                  <a:tcPr marL="9525" marR="9525" marT="9525" marB="0" anchor="b">
+                    <a:lnL>
+                      <a:noFill/>
+                    </a:lnL>
+                    <a:lnR>
+                      <a:noFill/>
+                    </a:lnR>
+                    <a:lnT w="6350" cap="flat" cmpd="sng" algn="ctr">
+                      <a:solidFill>
+                        <a:srgbClr val="000000"/>
+                      </a:solidFill>
+                      <a:prstDash val="solid"/>
+                      <a:round/>
+                      <a:headEnd type="none" w="med" len="med"/>
+                      <a:tailEnd type="none" w="med" len="med"/>
+                    </a:lnT>
+                    <a:lnB w="6350" cap="flat" cmpd="sng" algn="ctr">
+                      <a:solidFill>
+                        <a:srgbClr val="000000"/>
+                      </a:solidFill>
+                      <a:prstDash val="solid"/>
+                      <a:round/>
+                      <a:headEnd type="none" w="med" len="med"/>
+                      <a:tailEnd type="none" w="med" len="med"/>
+                    </a:lnB>
+                  </a:tcPr>
+                </a:tc>
+                <a:tc>
+                  <a:txBody>
+                    <a:bodyPr/>
+                    <a:lstStyle/>
+                    <a:p>
+                      <a:pPr algn="l" fontAlgn="b"/>
+                      <a:endParaRPr lang="nb-NO" sz="1100" b="0" i="0" u="none" strike="noStrike">
+                        <a:solidFill>
+                          <a:srgbClr val="000000"/>
+                        </a:solidFill>
+                        <a:effectLst/>
+                        <a:latin typeface="Calibri" panose="020F0502020204030204" pitchFamily="34" charset="0"/>
+                      </a:endParaRPr>
+                    </a:p>
+                  </a:txBody>
+                  <a:tcPr marL="9525" marR="9525" marT="9525" marB="0" anchor="b">
+                    <a:lnL>
+                      <a:noFill/>
+                    </a:lnL>
+                    <a:lnR>
+                      <a:noFill/>
+                    </a:lnR>
+                    <a:lnT w="6350" cap="flat" cmpd="sng" algn="ctr">
+                      <a:solidFill>
+                        <a:srgbClr val="000000"/>
+                      </a:solidFill>
+                      <a:prstDash val="solid"/>
+                      <a:round/>
+                      <a:headEnd type="none" w="med" len="med"/>
+                      <a:tailEnd type="none" w="med" len="med"/>
+                    </a:lnT>
+                    <a:lnB w="6350" cap="flat" cmpd="sng" algn="ctr">
+                      <a:solidFill>
+                        <a:srgbClr val="000000"/>
+                      </a:solidFill>
+                      <a:prstDash val="solid"/>
+                      <a:round/>
+                      <a:headEnd type="none" w="med" len="med"/>
+                      <a:tailEnd type="none" w="med" len="med"/>
+                    </a:lnB>
+                  </a:tcPr>
+                </a:tc>
+                <a:tc>
+                  <a:txBody>
+                    <a:bodyPr/>
+                    <a:lstStyle/>
+                    <a:p>
+                      <a:pPr algn="l" fontAlgn="b"/>
+                      <a:endParaRPr lang="nb-NO" sz="1100" b="0" i="0" u="none" strike="noStrike">
+                        <a:solidFill>
+                          <a:srgbClr val="000000"/>
+                        </a:solidFill>
+                        <a:effectLst/>
+                        <a:latin typeface="Calibri" panose="020F0502020204030204" pitchFamily="34" charset="0"/>
+                      </a:endParaRPr>
+                    </a:p>
+                  </a:txBody>
+                  <a:tcPr marL="9525" marR="9525" marT="9525" marB="0" anchor="b">
+                    <a:lnL>
+                      <a:noFill/>
+                    </a:lnL>
+                    <a:lnR>
+                      <a:noFill/>
+                    </a:lnR>
+                    <a:lnT w="6350" cap="flat" cmpd="sng" algn="ctr">
+                      <a:solidFill>
+                        <a:srgbClr val="000000"/>
+                      </a:solidFill>
+                      <a:prstDash val="solid"/>
+                      <a:round/>
+                      <a:headEnd type="none" w="med" len="med"/>
+                      <a:tailEnd type="none" w="med" len="med"/>
+                    </a:lnT>
+                    <a:lnB w="6350" cap="flat" cmpd="sng" algn="ctr">
+                      <a:solidFill>
+                        <a:srgbClr val="000000"/>
+                      </a:solidFill>
+                      <a:prstDash val="solid"/>
+                      <a:round/>
+                      <a:headEnd type="none" w="med" len="med"/>
+                      <a:tailEnd type="none" w="med" len="med"/>
+                    </a:lnB>
+                  </a:tcPr>
+                </a:tc>
+                <a:tc>
+                  <a:txBody>
+                    <a:bodyPr/>
+                    <a:lstStyle/>
+                    <a:p>
+                      <a:pPr algn="l" fontAlgn="b"/>
+                      <a:endParaRPr lang="nb-NO" sz="1100" b="0" i="0" u="none" strike="noStrike">
+                        <a:solidFill>
+                          <a:srgbClr val="000000"/>
+                        </a:solidFill>
+                        <a:effectLst/>
+                        <a:latin typeface="Calibri" panose="020F0502020204030204" pitchFamily="34" charset="0"/>
+                      </a:endParaRPr>
+                    </a:p>
+                  </a:txBody>
+                  <a:tcPr marL="9525" marR="9525" marT="9525" marB="0" anchor="b">
+                    <a:lnL>
+                      <a:noFill/>
+                    </a:lnL>
+                    <a:lnR>
+                      <a:noFill/>
+                    </a:lnR>
+                    <a:lnT w="6350" cap="flat" cmpd="sng" algn="ctr">
+                      <a:solidFill>
+                        <a:srgbClr val="000000"/>
+                      </a:solidFill>
+                      <a:prstDash val="solid"/>
+                      <a:round/>
+                      <a:headEnd type="none" w="med" len="med"/>
+                      <a:tailEnd type="none" w="med" len="med"/>
+                    </a:lnT>
+                    <a:lnB w="6350" cap="flat" cmpd="sng" algn="ctr">
+                      <a:solidFill>
+                        <a:srgbClr val="000000"/>
+                      </a:solidFill>
+                      <a:prstDash val="solid"/>
+                      <a:round/>
+                      <a:headEnd type="none" w="med" len="med"/>
+                      <a:tailEnd type="none" w="med" len="med"/>
+                    </a:lnB>
+                  </a:tcPr>
+                </a:tc>
+                <a:extLst>
+                  <a:ext uri="{0D108BD9-81ED-4DB2-BD59-A6C34878D82A}">
+                    <a16:rowId xmlns:a16="http://schemas.microsoft.com/office/drawing/2014/main" val="327641331"/>
+                  </a:ext>
+                </a:extLst>
+              </a:tr>
+              <a:tr h="190500">
+                <a:tc>
+                  <a:txBody>
+                    <a:bodyPr/>
+                    <a:lstStyle/>
+                    <a:p>
+                      <a:pPr algn="l" fontAlgn="b"/>
+                      <a:r>
+                        <a:rPr lang="nb-NO" sz="1100" b="0" i="0" u="none" strike="noStrike">
+                          <a:solidFill>
+                            <a:srgbClr val="000000"/>
+                          </a:solidFill>
+                          <a:effectLst/>
+                          <a:latin typeface="Calibri" panose="020F0502020204030204" pitchFamily="34" charset="0"/>
+                        </a:rPr>
+                        <a:t>tot</a:t>
+                      </a:r>
+                    </a:p>
+                  </a:txBody>
+                  <a:tcPr marL="9525" marR="9525" marT="9525" marB="0" anchor="b">
+                    <a:lnL w="6350" cap="flat" cmpd="sng" algn="ctr">
+                      <a:solidFill>
+                        <a:srgbClr val="000000"/>
+                      </a:solidFill>
+                      <a:prstDash val="solid"/>
+                      <a:round/>
+                      <a:headEnd type="none" w="med" len="med"/>
+                      <a:tailEnd type="none" w="med" len="med"/>
+                    </a:lnL>
+                    <a:lnR>
+                      <a:noFill/>
+                    </a:lnR>
+                    <a:lnT w="6350" cap="flat" cmpd="sng" algn="ctr">
+                      <a:solidFill>
+                        <a:srgbClr val="000000"/>
+                      </a:solidFill>
+                      <a:prstDash val="solid"/>
+                      <a:round/>
+                      <a:headEnd type="none" w="med" len="med"/>
+                      <a:tailEnd type="none" w="med" len="med"/>
+                    </a:lnT>
+                    <a:lnB>
+                      <a:noFill/>
+                    </a:lnB>
+                  </a:tcPr>
+                </a:tc>
+                <a:tc>
+                  <a:txBody>
+                    <a:bodyPr/>
+                    <a:lstStyle/>
+                    <a:p>
+                      <a:pPr algn="l" fontAlgn="b"/>
+                      <a:r>
+                        <a:rPr lang="nb-NO" sz="1100" b="0" i="0" u="none" strike="noStrike">
+                          <a:solidFill>
+                            <a:srgbClr val="000000"/>
+                          </a:solidFill>
+                          <a:effectLst/>
+                          <a:latin typeface="Calibri" panose="020F0502020204030204" pitchFamily="34" charset="0"/>
+                        </a:rPr>
+                        <a:t>oil:</a:t>
+                      </a:r>
+                    </a:p>
+                  </a:txBody>
+                  <a:tcPr marL="9525" marR="9525" marT="9525" marB="0" anchor="b">
+                    <a:lnL>
+                      <a:noFill/>
+                    </a:lnL>
+                    <a:lnR>
+                      <a:noFill/>
+                    </a:lnR>
+                    <a:lnT w="6350" cap="flat" cmpd="sng" algn="ctr">
+                      <a:solidFill>
+                        <a:srgbClr val="000000"/>
+                      </a:solidFill>
+                      <a:prstDash val="solid"/>
+                      <a:round/>
+                      <a:headEnd type="none" w="med" len="med"/>
+                      <a:tailEnd type="none" w="med" len="med"/>
+                    </a:lnT>
+                    <a:lnB>
+                      <a:noFill/>
+                    </a:lnB>
+                  </a:tcPr>
+                </a:tc>
+                <a:tc>
+                  <a:txBody>
+                    <a:bodyPr/>
+                    <a:lstStyle/>
+                    <a:p>
+                      <a:pPr algn="l" fontAlgn="b"/>
+                      <a:r>
+                        <a:rPr lang="nb-NO" sz="1100" b="0" i="0" u="none" strike="noStrike">
+                          <a:solidFill>
+                            <a:srgbClr val="000000"/>
+                          </a:solidFill>
+                          <a:effectLst/>
+                          <a:latin typeface="Calibri" panose="020F0502020204030204" pitchFamily="34" charset="0"/>
+                        </a:rPr>
+                        <a:t>113.39063707675862</a:t>
+                      </a:r>
+                    </a:p>
+                  </a:txBody>
+                  <a:tcPr marL="9525" marR="9525" marT="9525" marB="0" anchor="b">
+                    <a:lnL>
+                      <a:noFill/>
+                    </a:lnL>
+                    <a:lnR>
+                      <a:noFill/>
+                    </a:lnR>
+                    <a:lnT w="6350" cap="flat" cmpd="sng" algn="ctr">
+                      <a:solidFill>
+                        <a:srgbClr val="000000"/>
+                      </a:solidFill>
+                      <a:prstDash val="solid"/>
+                      <a:round/>
+                      <a:headEnd type="none" w="med" len="med"/>
+                      <a:tailEnd type="none" w="med" len="med"/>
+                    </a:lnT>
+                    <a:lnB>
+                      <a:noFill/>
+                    </a:lnB>
+                  </a:tcPr>
+                </a:tc>
+                <a:tc>
+                  <a:txBody>
+                    <a:bodyPr/>
+                    <a:lstStyle/>
+                    <a:p>
+                      <a:pPr algn="l" fontAlgn="b"/>
+                      <a:r>
+                        <a:rPr lang="nb-NO" sz="1100" b="0" i="0" u="none" strike="noStrike">
+                          <a:solidFill>
+                            <a:srgbClr val="000000"/>
+                          </a:solidFill>
+                          <a:effectLst/>
+                          <a:latin typeface="Calibri" panose="020F0502020204030204" pitchFamily="34" charset="0"/>
+                        </a:rPr>
+                        <a:t>suggested</a:t>
+                      </a:r>
+                    </a:p>
+                  </a:txBody>
+                  <a:tcPr marL="9525" marR="9525" marT="9525" marB="0" anchor="b">
+                    <a:lnL>
+                      <a:noFill/>
+                    </a:lnL>
+                    <a:lnR>
+                      <a:noFill/>
+                    </a:lnR>
+                    <a:lnT w="6350" cap="flat" cmpd="sng" algn="ctr">
+                      <a:solidFill>
+                        <a:srgbClr val="000000"/>
+                      </a:solidFill>
+                      <a:prstDash val="solid"/>
+                      <a:round/>
+                      <a:headEnd type="none" w="med" len="med"/>
+                      <a:tailEnd type="none" w="med" len="med"/>
+                    </a:lnT>
+                    <a:lnB>
+                      <a:noFill/>
+                    </a:lnB>
+                  </a:tcPr>
+                </a:tc>
+                <a:tc>
+                  <a:txBody>
+                    <a:bodyPr/>
+                    <a:lstStyle/>
+                    <a:p>
+                      <a:pPr algn="l" fontAlgn="b"/>
+                      <a:r>
+                        <a:rPr lang="nb-NO" sz="1100" b="0" i="0" u="none" strike="noStrike">
+                          <a:solidFill>
+                            <a:srgbClr val="000000"/>
+                          </a:solidFill>
+                          <a:effectLst/>
+                          <a:latin typeface="Calibri" panose="020F0502020204030204" pitchFamily="34" charset="0"/>
+                        </a:rPr>
+                        <a:t>tot</a:t>
+                      </a:r>
+                    </a:p>
+                  </a:txBody>
+                  <a:tcPr marL="9525" marR="9525" marT="9525" marB="0" anchor="b">
+                    <a:lnL>
+                      <a:noFill/>
+                    </a:lnL>
+                    <a:lnR>
+                      <a:noFill/>
+                    </a:lnR>
+                    <a:lnT w="6350" cap="flat" cmpd="sng" algn="ctr">
+                      <a:solidFill>
+                        <a:srgbClr val="000000"/>
+                      </a:solidFill>
+                      <a:prstDash val="solid"/>
+                      <a:round/>
+                      <a:headEnd type="none" w="med" len="med"/>
+                      <a:tailEnd type="none" w="med" len="med"/>
+                    </a:lnT>
+                    <a:lnB>
+                      <a:noFill/>
+                    </a:lnB>
+                  </a:tcPr>
+                </a:tc>
+                <a:tc>
+                  <a:txBody>
+                    <a:bodyPr/>
+                    <a:lstStyle/>
+                    <a:p>
+                      <a:pPr algn="l" fontAlgn="b"/>
+                      <a:r>
+                        <a:rPr lang="nb-NO" sz="1100" b="0" i="0" u="none" strike="noStrike">
+                          <a:solidFill>
+                            <a:srgbClr val="000000"/>
+                          </a:solidFill>
+                          <a:effectLst/>
+                          <a:latin typeface="Calibri" panose="020F0502020204030204" pitchFamily="34" charset="0"/>
+                        </a:rPr>
+                        <a:t>oil:</a:t>
+                      </a:r>
+                    </a:p>
+                  </a:txBody>
+                  <a:tcPr marL="9525" marR="9525" marT="9525" marB="0" anchor="b">
+                    <a:lnL>
+                      <a:noFill/>
+                    </a:lnL>
+                    <a:lnR>
+                      <a:noFill/>
+                    </a:lnR>
+                    <a:lnT w="6350" cap="flat" cmpd="sng" algn="ctr">
+                      <a:solidFill>
+                        <a:srgbClr val="000000"/>
+                      </a:solidFill>
+                      <a:prstDash val="solid"/>
+                      <a:round/>
+                      <a:headEnd type="none" w="med" len="med"/>
+                      <a:tailEnd type="none" w="med" len="med"/>
+                    </a:lnT>
+                    <a:lnB>
+                      <a:noFill/>
+                    </a:lnB>
+                  </a:tcPr>
+                </a:tc>
+                <a:extLst>
+                  <a:ext uri="{0D108BD9-81ED-4DB2-BD59-A6C34878D82A}">
+                    <a16:rowId xmlns:a16="http://schemas.microsoft.com/office/drawing/2014/main" val="1236195863"/>
+                  </a:ext>
+                </a:extLst>
+              </a:tr>
+              <a:tr h="190500">
+                <a:tc>
+                  <a:txBody>
+                    <a:bodyPr/>
+                    <a:lstStyle/>
+                    <a:p>
+                      <a:pPr algn="l" fontAlgn="b"/>
+                      <a:r>
+                        <a:rPr lang="nb-NO" sz="1100" b="0" i="0" u="none" strike="noStrike">
+                          <a:solidFill>
+                            <a:srgbClr val="000000"/>
+                          </a:solidFill>
+                          <a:effectLst/>
+                          <a:latin typeface="Calibri" panose="020F0502020204030204" pitchFamily="34" charset="0"/>
+                        </a:rPr>
+                        <a:t>tot</a:t>
+                      </a:r>
+                    </a:p>
+                  </a:txBody>
+                  <a:tcPr marL="9525" marR="9525" marT="9525" marB="0" anchor="b">
+                    <a:lnL w="6350" cap="flat" cmpd="sng" algn="ctr">
+                      <a:solidFill>
+                        <a:srgbClr val="000000"/>
+                      </a:solidFill>
+                      <a:prstDash val="solid"/>
+                      <a:round/>
+                      <a:headEnd type="none" w="med" len="med"/>
+                      <a:tailEnd type="none" w="med" len="med"/>
+                    </a:lnL>
+                    <a:lnR>
+                      <a:noFill/>
+                    </a:lnR>
+                    <a:lnT>
+                      <a:noFill/>
+                    </a:lnT>
+                    <a:lnB w="6350" cap="flat" cmpd="sng" algn="ctr">
+                      <a:solidFill>
+                        <a:srgbClr val="000000"/>
+                      </a:solidFill>
+                      <a:prstDash val="solid"/>
+                      <a:round/>
+                      <a:headEnd type="none" w="med" len="med"/>
+                      <a:tailEnd type="none" w="med" len="med"/>
+                    </a:lnB>
+                  </a:tcPr>
+                </a:tc>
+                <a:tc>
+                  <a:txBody>
+                    <a:bodyPr/>
+                    <a:lstStyle/>
+                    <a:p>
+                      <a:pPr algn="l" fontAlgn="b"/>
+                      <a:r>
+                        <a:rPr lang="nb-NO" sz="1100" b="0" i="0" u="none" strike="noStrike">
+                          <a:solidFill>
+                            <a:srgbClr val="000000"/>
+                          </a:solidFill>
+                          <a:effectLst/>
+                          <a:latin typeface="Calibri" panose="020F0502020204030204" pitchFamily="34" charset="0"/>
+                        </a:rPr>
+                        <a:t>gas:</a:t>
+                      </a:r>
+                    </a:p>
+                  </a:txBody>
+                  <a:tcPr marL="9525" marR="9525" marT="9525" marB="0" anchor="b">
+                    <a:lnL>
+                      <a:noFill/>
+                    </a:lnL>
+                    <a:lnR>
+                      <a:noFill/>
+                    </a:lnR>
+                    <a:lnT>
+                      <a:noFill/>
+                    </a:lnT>
+                    <a:lnB w="6350" cap="flat" cmpd="sng" algn="ctr">
+                      <a:solidFill>
+                        <a:srgbClr val="000000"/>
+                      </a:solidFill>
+                      <a:prstDash val="solid"/>
+                      <a:round/>
+                      <a:headEnd type="none" w="med" len="med"/>
+                      <a:tailEnd type="none" w="med" len="med"/>
+                    </a:lnB>
+                  </a:tcPr>
+                </a:tc>
+                <a:tc>
+                  <a:txBody>
+                    <a:bodyPr/>
+                    <a:lstStyle/>
+                    <a:p>
+                      <a:pPr algn="l" fontAlgn="b"/>
+                      <a:r>
+                        <a:rPr lang="nb-NO" sz="1100" b="0" i="0" u="none" strike="noStrike">
+                          <a:solidFill>
+                            <a:srgbClr val="000000"/>
+                          </a:solidFill>
+                          <a:effectLst/>
+                          <a:latin typeface="Calibri" panose="020F0502020204030204" pitchFamily="34" charset="0"/>
+                        </a:rPr>
+                        <a:t>231247.1050572125</a:t>
+                      </a:r>
+                    </a:p>
+                  </a:txBody>
+                  <a:tcPr marL="9525" marR="9525" marT="9525" marB="0" anchor="b">
+                    <a:lnL>
+                      <a:noFill/>
+                    </a:lnL>
+                    <a:lnR>
+                      <a:noFill/>
+                    </a:lnR>
+                    <a:lnT>
+                      <a:noFill/>
+                    </a:lnT>
+                    <a:lnB w="6350" cap="flat" cmpd="sng" algn="ctr">
+                      <a:solidFill>
+                        <a:srgbClr val="000000"/>
+                      </a:solidFill>
+                      <a:prstDash val="solid"/>
+                      <a:round/>
+                      <a:headEnd type="none" w="med" len="med"/>
+                      <a:tailEnd type="none" w="med" len="med"/>
+                    </a:lnB>
+                  </a:tcPr>
+                </a:tc>
+                <a:tc>
+                  <a:txBody>
+                    <a:bodyPr/>
+                    <a:lstStyle/>
+                    <a:p>
+                      <a:pPr algn="l" fontAlgn="b"/>
+                      <a:r>
+                        <a:rPr lang="nb-NO" sz="1100" b="0" i="0" u="none" strike="noStrike">
+                          <a:solidFill>
+                            <a:srgbClr val="000000"/>
+                          </a:solidFill>
+                          <a:effectLst/>
+                          <a:latin typeface="Calibri" panose="020F0502020204030204" pitchFamily="34" charset="0"/>
+                        </a:rPr>
+                        <a:t>suggested</a:t>
+                      </a:r>
+                    </a:p>
+                  </a:txBody>
+                  <a:tcPr marL="9525" marR="9525" marT="9525" marB="0" anchor="b">
+                    <a:lnL>
+                      <a:noFill/>
+                    </a:lnL>
+                    <a:lnR>
+                      <a:noFill/>
+                    </a:lnR>
+                    <a:lnT>
+                      <a:noFill/>
+                    </a:lnT>
+                    <a:lnB w="6350" cap="flat" cmpd="sng" algn="ctr">
+                      <a:solidFill>
+                        <a:srgbClr val="000000"/>
+                      </a:solidFill>
+                      <a:prstDash val="solid"/>
+                      <a:round/>
+                      <a:headEnd type="none" w="med" len="med"/>
+                      <a:tailEnd type="none" w="med" len="med"/>
+                    </a:lnB>
+                  </a:tcPr>
+                </a:tc>
+                <a:tc>
+                  <a:txBody>
+                    <a:bodyPr/>
+                    <a:lstStyle/>
+                    <a:p>
+                      <a:pPr algn="l" fontAlgn="b"/>
+                      <a:r>
+                        <a:rPr lang="nb-NO" sz="1100" b="0" i="0" u="none" strike="noStrike">
+                          <a:solidFill>
+                            <a:srgbClr val="000000"/>
+                          </a:solidFill>
+                          <a:effectLst/>
+                          <a:latin typeface="Calibri" panose="020F0502020204030204" pitchFamily="34" charset="0"/>
+                        </a:rPr>
+                        <a:t>tot</a:t>
+                      </a:r>
+                    </a:p>
+                  </a:txBody>
+                  <a:tcPr marL="9525" marR="9525" marT="9525" marB="0" anchor="b">
+                    <a:lnL>
+                      <a:noFill/>
+                    </a:lnL>
+                    <a:lnR>
+                      <a:noFill/>
+                    </a:lnR>
+                    <a:lnT>
+                      <a:noFill/>
+                    </a:lnT>
+                    <a:lnB w="6350" cap="flat" cmpd="sng" algn="ctr">
+                      <a:solidFill>
+                        <a:srgbClr val="000000"/>
+                      </a:solidFill>
+                      <a:prstDash val="solid"/>
+                      <a:round/>
+                      <a:headEnd type="none" w="med" len="med"/>
+                      <a:tailEnd type="none" w="med" len="med"/>
+                    </a:lnB>
+                  </a:tcPr>
+                </a:tc>
+                <a:tc>
+                  <a:txBody>
+                    <a:bodyPr/>
+                    <a:lstStyle/>
+                    <a:p>
+                      <a:pPr algn="l" fontAlgn="b"/>
+                      <a:r>
+                        <a:rPr lang="nb-NO" sz="1100" b="0" i="0" u="none" strike="noStrike" dirty="0">
+                          <a:solidFill>
+                            <a:srgbClr val="000000"/>
+                          </a:solidFill>
+                          <a:effectLst/>
+                          <a:latin typeface="Calibri" panose="020F0502020204030204" pitchFamily="34" charset="0"/>
+                        </a:rPr>
+                        <a:t>gas:</a:t>
+                      </a:r>
+                    </a:p>
+                  </a:txBody>
+                  <a:tcPr marL="9525" marR="9525" marT="9525" marB="0" anchor="b">
+                    <a:lnL>
+                      <a:noFill/>
+                    </a:lnL>
+                    <a:lnR>
+                      <a:noFill/>
+                    </a:lnR>
+                    <a:lnT>
+                      <a:noFill/>
+                    </a:lnT>
+                    <a:lnB w="6350" cap="flat" cmpd="sng" algn="ctr">
+                      <a:solidFill>
+                        <a:srgbClr val="000000"/>
+                      </a:solidFill>
+                      <a:prstDash val="solid"/>
+                      <a:round/>
+                      <a:headEnd type="none" w="med" len="med"/>
+                      <a:tailEnd type="none" w="med" len="med"/>
+                    </a:lnB>
+                  </a:tcPr>
+                </a:tc>
+                <a:extLst>
+                  <a:ext uri="{0D108BD9-81ED-4DB2-BD59-A6C34878D82A}">
+                    <a16:rowId xmlns:a16="http://schemas.microsoft.com/office/drawing/2014/main" val="1906895596"/>
+                  </a:ext>
+                </a:extLst>
+              </a:tr>
+            </a:tbl>
+          </a:graphicData>
+        </a:graphic>
+      </p:graphicFrame>
+    </p:spTree>
+    <p:extLst>
+      <p:ext uri="{BB962C8B-B14F-4D97-AF65-F5344CB8AC3E}">
+        <p14:creationId xmlns:p14="http://schemas.microsoft.com/office/powerpoint/2010/main" val="2129926186"/>
+      </p:ext>
+    </p:extLst>
+  </p:cSld>
+  <p:clrMapOvr>
+    <a:masterClrMapping/>
+  </p:clrMapOvr>
+</p:sld>
+</file>
+
 <file path=ppt/slides/slide2.xml><?xml version="1.0" encoding="utf-8"?>
 <p:sld xmlns:a="http://schemas.openxmlformats.org/drawingml/2006/main" xmlns:r="http://schemas.openxmlformats.org/officeDocument/2006/relationships" xmlns:p="http://schemas.openxmlformats.org/presentationml/2006/main">
   <p:cSld>
@@ -17893,6 +23166,30 @@
           <a:chExt cx="0" cy="0"/>
         </a:xfrm>
       </p:grpSpPr>
+      <p:graphicFrame>
+        <p:nvGraphicFramePr>
+          <p:cNvPr id="10" name="Chart 9"/>
+          <p:cNvGraphicFramePr>
+            <a:graphicFrameLocks/>
+          </p:cNvGraphicFramePr>
+          <p:nvPr>
+            <p:extLst>
+              <p:ext uri="{D42A27DB-BD31-4B8C-83A1-F6EECF244321}">
+                <p14:modId xmlns:p14="http://schemas.microsoft.com/office/powerpoint/2010/main" val="3580749087"/>
+              </p:ext>
+            </p:extLst>
+          </p:nvPr>
+        </p:nvGraphicFramePr>
+        <p:xfrm>
+          <a:off x="2785196" y="1047750"/>
+          <a:ext cx="6621607" cy="4762500"/>
+        </p:xfrm>
+        <a:graphic>
+          <a:graphicData uri="http://schemas.openxmlformats.org/drawingml/2006/chart">
+            <c:chart xmlns:c="http://schemas.openxmlformats.org/drawingml/2006/chart" xmlns:r="http://schemas.openxmlformats.org/officeDocument/2006/relationships" r:id="rId2"/>
+          </a:graphicData>
+        </a:graphic>
+      </p:graphicFrame>
       <p:cxnSp>
         <p:nvCxnSpPr>
           <p:cNvPr id="4" name="Straight Arrow Connector 3"/>
@@ -17901,8 +23198,8 @@
         </p:nvCxnSpPr>
         <p:spPr>
           <a:xfrm>
-            <a:off x="9004835" y="1988820"/>
-            <a:ext cx="0" cy="1821180"/>
+            <a:off x="9004835" y="2147888"/>
+            <a:ext cx="0" cy="1662112"/>
           </a:xfrm>
           <a:prstGeom prst="straightConnector1">
             <a:avLst/>
@@ -18030,8 +23327,8 @@
         </p:nvCxnSpPr>
         <p:spPr>
           <a:xfrm>
-            <a:off x="9004835" y="3911235"/>
-            <a:ext cx="0" cy="259080"/>
+            <a:off x="9004835" y="3920527"/>
+            <a:ext cx="0" cy="217440"/>
           </a:xfrm>
           <a:prstGeom prst="straightConnector1">
             <a:avLst/>
@@ -18068,7 +23365,7 @@
         </p:nvSpPr>
         <p:spPr>
           <a:xfrm>
-            <a:off x="8194709" y="3845262"/>
+            <a:off x="8194709" y="3833734"/>
             <a:ext cx="625642" cy="391026"/>
           </a:xfrm>
           <a:prstGeom prst="rect">
@@ -19011,14 +24308,14 @@
       </p:grpSpPr>
       <p:graphicFrame>
         <p:nvGraphicFramePr>
-          <p:cNvPr id="8" name="Chart 7"/>
+          <p:cNvPr id="5" name="Chart 4"/>
           <p:cNvGraphicFramePr>
             <a:graphicFrameLocks/>
           </p:cNvGraphicFramePr>
           <p:nvPr>
             <p:extLst>
               <p:ext uri="{D42A27DB-BD31-4B8C-83A1-F6EECF244321}">
-                <p14:modId xmlns:p14="http://schemas.microsoft.com/office/powerpoint/2010/main" val="2119647292"/>
+                <p14:modId xmlns:p14="http://schemas.microsoft.com/office/powerpoint/2010/main" val="3099613812"/>
               </p:ext>
             </p:extLst>
           </p:nvPr>

--- a/results/robust_recourse_iterative/Main workbooks/Results Comparison Plots.pptx
+++ b/results/robust_recourse_iterative/Main workbooks/Results Comparison Plots.pptx
@@ -1287,27 +1287,13 @@
           <a:bodyPr rot="0" spcFirstLastPara="1" vertOverflow="ellipsis" vert="horz" wrap="square" anchor="ctr" anchorCtr="1"/>
           <a:lstStyle/>
           <a:p>
-            <a:pPr marL="0" marR="0" lvl="0" indent="0" algn="ctr" defTabSz="914400" rtl="0" eaLnBrk="1" fontAlgn="auto" latinLnBrk="0" hangingPunct="1">
-              <a:lnSpc>
-                <a:spcPct val="100000"/>
-              </a:lnSpc>
-              <a:spcBef>
-                <a:spcPts val="0"/>
-              </a:spcBef>
-              <a:spcAft>
-                <a:spcPts val="0"/>
-              </a:spcAft>
-              <a:buClrTx/>
-              <a:buSzTx/>
-              <a:buFontTx/>
-              <a:buNone/>
-              <a:tabLst/>
+            <a:pPr>
               <a:defRPr sz="2400" b="0" i="0" u="none" strike="noStrike" kern="1200" spc="0" baseline="0">
                 <a:solidFill>
-                  <a:prstClr val="black">
+                  <a:schemeClr val="tx1">
                     <a:lumMod val="65000"/>
                     <a:lumOff val="35000"/>
-                  </a:prstClr>
+                  </a:schemeClr>
                 </a:solidFill>
                 <a:latin typeface="+mn-lt"/>
                 <a:ea typeface="+mn-ea"/>
@@ -1320,18 +1306,13 @@
             </a:r>
             <a:r>
               <a:rPr lang="nb-NO" sz="2400" dirty="0" smtClean="0"/>
-              <a:t>B:</a:t>
+              <a:t>B: RA</a:t>
             </a:r>
-            <a:r>
-              <a:rPr lang="nb-NO" sz="2400" baseline="0" dirty="0" smtClean="0"/>
-              <a:t> RA</a:t>
-            </a:r>
-            <a:endParaRPr lang="nb-NO" sz="2400" dirty="0" smtClean="0">
-              <a:effectLst/>
-            </a:endParaRPr>
+            <a:endParaRPr lang="nb-NO" sz="2400" dirty="0"/>
           </a:p>
         </c:rich>
       </c:tx>
+      <c:layout/>
       <c:overlay val="0"/>
       <c:spPr>
         <a:noFill/>
@@ -1344,27 +1325,13 @@
         <a:bodyPr rot="0" spcFirstLastPara="1" vertOverflow="ellipsis" vert="horz" wrap="square" anchor="ctr" anchorCtr="1"/>
         <a:lstStyle/>
         <a:p>
-          <a:pPr marL="0" marR="0" lvl="0" indent="0" algn="ctr" defTabSz="914400" rtl="0" eaLnBrk="1" fontAlgn="auto" latinLnBrk="0" hangingPunct="1">
-            <a:lnSpc>
-              <a:spcPct val="100000"/>
-            </a:lnSpc>
-            <a:spcBef>
-              <a:spcPts val="0"/>
-            </a:spcBef>
-            <a:spcAft>
-              <a:spcPts val="0"/>
-            </a:spcAft>
-            <a:buClrTx/>
-            <a:buSzTx/>
-            <a:buFontTx/>
-            <a:buNone/>
-            <a:tabLst/>
+          <a:pPr>
             <a:defRPr sz="2400" b="0" i="0" u="none" strike="noStrike" kern="1200" spc="0" baseline="0">
               <a:solidFill>
-                <a:prstClr val="black">
+                <a:schemeClr val="tx1">
                   <a:lumMod val="65000"/>
                   <a:lumOff val="35000"/>
-                </a:prstClr>
+                </a:schemeClr>
               </a:solidFill>
               <a:latin typeface="+mn-lt"/>
               <a:ea typeface="+mn-ea"/>
@@ -1502,7 +1469,7 @@
           </c:val>
           <c:extLst>
             <c:ext xmlns:c16="http://schemas.microsoft.com/office/drawing/2014/chart" uri="{C3380CC4-5D6E-409C-BE32-E72D297353CC}">
-              <c16:uniqueId val="{00000000-A5D9-48CC-9F0D-87F92E7F87C9}"/>
+              <c16:uniqueId val="{00000000-4D5C-4074-900D-F9F2E2AE264B}"/>
             </c:ext>
           </c:extLst>
         </c:ser>
@@ -1647,7 +1614,7 @@
                 </c:val>
                 <c:extLst>
                   <c:ext xmlns:c16="http://schemas.microsoft.com/office/drawing/2014/chart" uri="{C3380CC4-5D6E-409C-BE32-E72D297353CC}">
-                    <c16:uniqueId val="{00000004-A5D9-48CC-9F0D-87F92E7F87C9}"/>
+                    <c16:uniqueId val="{00000004-4D5C-4074-900D-F9F2E2AE264B}"/>
                   </c:ext>
                 </c:extLst>
               </c15:ser>
@@ -1735,25 +1702,25 @@
                       <c:formatCode>General</c:formatCode>
                       <c:ptCount val="13"/>
                       <c:pt idx="0">
-                        <c:v>115.05</c:v>
+                        <c:v>111.18</c:v>
                       </c:pt>
                       <c:pt idx="1">
-                        <c:v>113.58846935776199</c:v>
+                        <c:v>112.21</c:v>
                       </c:pt>
                       <c:pt idx="2">
-                        <c:v>113.77667603384999</c:v>
+                        <c:v>112.35</c:v>
                       </c:pt>
                       <c:pt idx="3">
-                        <c:v>113.77667583039999</c:v>
+                        <c:v>112.35</c:v>
                       </c:pt>
                       <c:pt idx="4">
-                        <c:v>109.10116875113199</c:v>
+                        <c:v>108.67</c:v>
                       </c:pt>
                       <c:pt idx="5">
-                        <c:v>108.939860599159</c:v>
+                        <c:v>108.58</c:v>
                       </c:pt>
                       <c:pt idx="6">
-                        <c:v>108.522081297307</c:v>
+                        <c:v>108.16</c:v>
                       </c:pt>
                       <c:pt idx="7">
                         <c:v>108.30782755820999</c:v>
@@ -1778,7 +1745,7 @@
                 </c:val>
                 <c:extLst xmlns:c15="http://schemas.microsoft.com/office/drawing/2012/chart">
                   <c:ext xmlns:c16="http://schemas.microsoft.com/office/drawing/2014/chart" uri="{C3380CC4-5D6E-409C-BE32-E72D297353CC}">
-                    <c16:uniqueId val="{00000005-A5D9-48CC-9F0D-87F92E7F87C9}"/>
+                    <c16:uniqueId val="{00000005-4D5C-4074-900D-F9F2E2AE264B}"/>
                   </c:ext>
                 </c:extLst>
               </c15:ser>
@@ -1913,7 +1880,7 @@
                 </c:val>
                 <c:extLst xmlns:c15="http://schemas.microsoft.com/office/drawing/2012/chart">
                   <c:ext xmlns:c16="http://schemas.microsoft.com/office/drawing/2014/chart" uri="{C3380CC4-5D6E-409C-BE32-E72D297353CC}">
-                    <c16:uniqueId val="{00000006-A5D9-48CC-9F0D-87F92E7F87C9}"/>
+                    <c16:uniqueId val="{00000006-4D5C-4074-900D-F9F2E2AE264B}"/>
                   </c:ext>
                 </c:extLst>
               </c15:ser>
@@ -1996,7 +1963,7 @@
           <c:smooth val="0"/>
           <c:extLst>
             <c:ext xmlns:c16="http://schemas.microsoft.com/office/drawing/2014/chart" uri="{C3380CC4-5D6E-409C-BE32-E72D297353CC}">
-              <c16:uniqueId val="{00000001-A5D9-48CC-9F0D-87F92E7F87C9}"/>
+              <c16:uniqueId val="{00000001-4D5C-4074-900D-F9F2E2AE264B}"/>
             </c:ext>
           </c:extLst>
         </c:ser>
@@ -2072,7 +2039,7 @@
           <c:smooth val="0"/>
           <c:extLst>
             <c:ext xmlns:c16="http://schemas.microsoft.com/office/drawing/2014/chart" uri="{C3380CC4-5D6E-409C-BE32-E72D297353CC}">
-              <c16:uniqueId val="{00000002-A5D9-48CC-9F0D-87F92E7F87C9}"/>
+              <c16:uniqueId val="{00000002-4D5C-4074-900D-F9F2E2AE264B}"/>
             </c:ext>
           </c:extLst>
         </c:ser>
@@ -2101,25 +2068,25 @@
                 <c:formatCode>General</c:formatCode>
                 <c:ptCount val="13"/>
                 <c:pt idx="0">
-                  <c:v>115.05</c:v>
+                  <c:v>111.18</c:v>
                 </c:pt>
                 <c:pt idx="1">
-                  <c:v>113.58846935776199</c:v>
+                  <c:v>112.21</c:v>
                 </c:pt>
                 <c:pt idx="2">
-                  <c:v>113.77667603384999</c:v>
+                  <c:v>112.35</c:v>
                 </c:pt>
                 <c:pt idx="3">
-                  <c:v>113.77667583039999</c:v>
+                  <c:v>112.35</c:v>
                 </c:pt>
                 <c:pt idx="4">
-                  <c:v>109.10116875113199</c:v>
+                  <c:v>108.67</c:v>
                 </c:pt>
                 <c:pt idx="5">
-                  <c:v>108.939860599159</c:v>
+                  <c:v>108.58</c:v>
                 </c:pt>
                 <c:pt idx="6">
-                  <c:v>108.522081297307</c:v>
+                  <c:v>108.16</c:v>
                 </c:pt>
                 <c:pt idx="7">
                   <c:v>108.30782755820999</c:v>
@@ -2145,7 +2112,7 @@
           <c:smooth val="0"/>
           <c:extLst>
             <c:ext xmlns:c16="http://schemas.microsoft.com/office/drawing/2014/chart" uri="{C3380CC4-5D6E-409C-BE32-E72D297353CC}">
-              <c16:uniqueId val="{00000003-A5D9-48CC-9F0D-87F92E7F87C9}"/>
+              <c16:uniqueId val="{00000003-4D5C-4074-900D-F9F2E2AE264B}"/>
             </c:ext>
           </c:extLst>
         </c:ser>
@@ -2196,6 +2163,7 @@
               </a:p>
             </c:rich>
           </c:tx>
+          <c:layout/>
           <c:overlay val="0"/>
           <c:spPr>
             <a:noFill/>
@@ -2299,6 +2267,7 @@
               </a:p>
             </c:rich>
           </c:tx>
+          <c:layout/>
           <c:overlay val="0"/>
           <c:spPr>
             <a:noFill/>
@@ -2386,6 +2355,7 @@
         <c:idx val="0"/>
         <c:delete val="1"/>
       </c:legendEntry>
+      <c:layout/>
       <c:overlay val="0"/>
       <c:spPr>
         <a:noFill/>
@@ -2476,12 +2446,18 @@
               </a:defRPr>
             </a:pPr>
             <a:r>
-              <a:rPr lang="nb-NO" sz="2400"/>
-              <a:t>Initial Case C</a:t>
+              <a:rPr lang="nb-NO" sz="2400" dirty="0"/>
+              <a:t>Initial Case </a:t>
             </a:r>
+            <a:r>
+              <a:rPr lang="nb-NO" sz="2400" dirty="0" smtClean="0"/>
+              <a:t>C: RA</a:t>
+            </a:r>
+            <a:endParaRPr lang="nb-NO" sz="2400" dirty="0"/>
           </a:p>
         </c:rich>
       </c:tx>
+      <c:layout/>
       <c:overlay val="0"/>
       <c:spPr>
         <a:noFill/>
@@ -3320,6 +3296,7 @@
               </a:p>
             </c:rich>
           </c:tx>
+          <c:layout/>
           <c:overlay val="0"/>
           <c:spPr>
             <a:noFill/>
@@ -3423,6 +3400,7 @@
               </a:p>
             </c:rich>
           </c:tx>
+          <c:layout/>
           <c:overlay val="0"/>
           <c:spPr>
             <a:noFill/>
@@ -3510,6 +3488,7 @@
         <c:idx val="0"/>
         <c:delete val="1"/>
       </c:legendEntry>
+      <c:layout/>
       <c:overlay val="0"/>
       <c:spPr>
         <a:noFill/>
@@ -4431,2649 +4410,6 @@
           </a:p>
         </c:rich>
       </c:tx>
-      <c:overlay val="0"/>
-      <c:spPr>
-        <a:noFill/>
-        <a:ln>
-          <a:noFill/>
-        </a:ln>
-        <a:effectLst/>
-      </c:spPr>
-      <c:txPr>
-        <a:bodyPr rot="0" spcFirstLastPara="1" vertOverflow="ellipsis" vert="horz" wrap="square" anchor="ctr" anchorCtr="1"/>
-        <a:lstStyle/>
-        <a:p>
-          <a:pPr>
-            <a:defRPr sz="2400" b="0" i="0" u="none" strike="noStrike" kern="1200" spc="0" baseline="0">
-              <a:solidFill>
-                <a:schemeClr val="tx1">
-                  <a:lumMod val="65000"/>
-                  <a:lumOff val="35000"/>
-                </a:schemeClr>
-              </a:solidFill>
-              <a:latin typeface="+mn-lt"/>
-              <a:ea typeface="+mn-ea"/>
-              <a:cs typeface="+mn-cs"/>
-            </a:defRPr>
-          </a:pPr>
-          <a:endParaRPr lang="nb-NO"/>
-        </a:p>
-      </c:txPr>
-    </c:title>
-    <c:autoTitleDeleted val="0"/>
-    <c:plotArea>
-      <c:layout/>
-      <c:areaChart>
-        <c:grouping val="standard"/>
-        <c:varyColors val="0"/>
-        <c:dLbls>
-          <c:showLegendKey val="0"/>
-          <c:showVal val="0"/>
-          <c:showCatName val="0"/>
-          <c:showSerName val="0"/>
-          <c:showPercent val="0"/>
-          <c:showBubbleSize val="0"/>
-        </c:dLbls>
-        <c:axId val="669610408"/>
-        <c:axId val="669614016"/>
-        <c:extLst>
-          <c:ext xmlns:c15="http://schemas.microsoft.com/office/drawing/2012/chart" uri="{02D57815-91ED-43cb-92C2-25804820EDAC}">
-            <c15:filteredAreaSeries>
-              <c15:ser>
-                <c:idx val="3"/>
-                <c:order val="3"/>
-                <c:tx>
-                  <c:v>EVPI</c:v>
-                </c:tx>
-                <c:spPr>
-                  <a:solidFill>
-                    <a:schemeClr val="accent4"/>
-                  </a:solidFill>
-                  <a:ln>
-                    <a:noFill/>
-                  </a:ln>
-                  <a:effectLst/>
-                </c:spPr>
-                <c:val>
-                  <c:numRef>
-                    <c:extLst>
-                      <c:ext uri="{02D57815-91ED-43cb-92C2-25804820EDAC}">
-                        <c15:formulaRef>
-                          <c15:sqref>Sheet1!$C$39:$C$51</c15:sqref>
-                        </c15:formulaRef>
-                      </c:ext>
-                    </c:extLst>
-                    <c:numCache>
-                      <c:formatCode>General</c:formatCode>
-                      <c:ptCount val="13"/>
-                      <c:pt idx="0">
-                        <c:v>131.86000000000001</c:v>
-                      </c:pt>
-                      <c:pt idx="1">
-                        <c:v>131.86000000000001</c:v>
-                      </c:pt>
-                      <c:pt idx="2">
-                        <c:v>131.86000000000001</c:v>
-                      </c:pt>
-                      <c:pt idx="3">
-                        <c:v>131.86000000000001</c:v>
-                      </c:pt>
-                      <c:pt idx="4">
-                        <c:v>131.86000000000001</c:v>
-                      </c:pt>
-                      <c:pt idx="5">
-                        <c:v>131.86000000000001</c:v>
-                      </c:pt>
-                      <c:pt idx="6">
-                        <c:v>131.86000000000001</c:v>
-                      </c:pt>
-                      <c:pt idx="7">
-                        <c:v>131.86000000000001</c:v>
-                      </c:pt>
-                      <c:pt idx="8">
-                        <c:v>131.86000000000001</c:v>
-                      </c:pt>
-                      <c:pt idx="9">
-                        <c:v>131.86000000000001</c:v>
-                      </c:pt>
-                      <c:pt idx="10">
-                        <c:v>131.86000000000001</c:v>
-                      </c:pt>
-                      <c:pt idx="11">
-                        <c:v>131.86000000000001</c:v>
-                      </c:pt>
-                      <c:pt idx="12">
-                        <c:v>131.86000000000001</c:v>
-                      </c:pt>
-                    </c:numCache>
-                  </c:numRef>
-                </c:val>
-                <c:extLst>
-                  <c:ext xmlns:c16="http://schemas.microsoft.com/office/drawing/2014/chart" uri="{C3380CC4-5D6E-409C-BE32-E72D297353CC}">
-                    <c16:uniqueId val="{00000005-3515-4BA9-AB47-FA54EEE18ADB}"/>
-                  </c:ext>
-                </c:extLst>
-              </c15:ser>
-            </c15:filteredAreaSeries>
-            <c15:filteredAreaSeries>
-              <c15:ser>
-                <c:idx val="4"/>
-                <c:order val="4"/>
-                <c:tx>
-                  <c:v>VSS</c:v>
-                </c:tx>
-                <c:spPr>
-                  <a:solidFill>
-                    <a:schemeClr val="accent5"/>
-                  </a:solidFill>
-                  <a:ln>
-                    <a:noFill/>
-                  </a:ln>
-                  <a:effectLst/>
-                </c:spPr>
-                <c:val>
-                  <c:numRef>
-                    <c:extLst xmlns:c15="http://schemas.microsoft.com/office/drawing/2012/chart">
-                      <c:ext xmlns:c15="http://schemas.microsoft.com/office/drawing/2012/chart" uri="{02D57815-91ED-43cb-92C2-25804820EDAC}">
-                        <c15:formulaRef>
-                          <c15:sqref>Sheet1!$E$39:$E$51</c15:sqref>
-                        </c15:formulaRef>
-                      </c:ext>
-                    </c:extLst>
-                    <c:numCache>
-                      <c:formatCode>General</c:formatCode>
-                      <c:ptCount val="13"/>
-                      <c:pt idx="0">
-                        <c:v>108.27187127943978</c:v>
-                      </c:pt>
-                      <c:pt idx="1">
-                        <c:v>113.67031379430423</c:v>
-                      </c:pt>
-                      <c:pt idx="2">
-                        <c:v>114.21539494830016</c:v>
-                      </c:pt>
-                      <c:pt idx="3">
-                        <c:v>116.08138426208811</c:v>
-                      </c:pt>
-                      <c:pt idx="4">
-                        <c:v>115.35200699157679</c:v>
-                      </c:pt>
-                      <c:pt idx="5">
-                        <c:v>115.0099528276165</c:v>
-                      </c:pt>
-                      <c:pt idx="6">
-                        <c:v>114.69560382312626</c:v>
-                      </c:pt>
-                      <c:pt idx="7">
-                        <c:v>114.08852893125128</c:v>
-                      </c:pt>
-                      <c:pt idx="8">
-                        <c:v>112.93770485283977</c:v>
-                      </c:pt>
-                      <c:pt idx="9">
-                        <c:v>112.91023522267056</c:v>
-                      </c:pt>
-                      <c:pt idx="10">
-                        <c:v>112.91023522267056</c:v>
-                      </c:pt>
-                      <c:pt idx="11">
-                        <c:v>111.63559539105303</c:v>
-                      </c:pt>
-                      <c:pt idx="12">
-                        <c:v>111.63559539105303</c:v>
-                      </c:pt>
-                    </c:numCache>
-                  </c:numRef>
-                </c:val>
-                <c:extLst xmlns:c15="http://schemas.microsoft.com/office/drawing/2012/chart">
-                  <c:ext xmlns:c16="http://schemas.microsoft.com/office/drawing/2014/chart" uri="{C3380CC4-5D6E-409C-BE32-E72D297353CC}">
-                    <c16:uniqueId val="{00000006-3515-4BA9-AB47-FA54EEE18ADB}"/>
-                  </c:ext>
-                </c:extLst>
-              </c15:ser>
-            </c15:filteredAreaSeries>
-            <c15:filteredAreaSeries>
-              <c15:ser>
-                <c:idx val="6"/>
-                <c:order val="5"/>
-                <c:tx>
-                  <c:v>VSS Strict</c:v>
-                </c:tx>
-                <c:spPr>
-                  <a:solidFill>
-                    <a:schemeClr val="accent1">
-                      <a:lumMod val="60000"/>
-                    </a:schemeClr>
-                  </a:solidFill>
-                  <a:ln>
-                    <a:noFill/>
-                  </a:ln>
-                  <a:effectLst/>
-                </c:spPr>
-                <c:val>
-                  <c:numRef>
-                    <c:extLst xmlns:c15="http://schemas.microsoft.com/office/drawing/2012/chart">
-                      <c:ext xmlns:c15="http://schemas.microsoft.com/office/drawing/2012/chart" uri="{02D57815-91ED-43cb-92C2-25804820EDAC}">
-                        <c15:formulaRef>
-                          <c15:sqref>Sheet1!$B$39:$B$51</c15:sqref>
-                        </c15:formulaRef>
-                      </c:ext>
-                    </c:extLst>
-                    <c:numCache>
-                      <c:formatCode>General</c:formatCode>
-                      <c:ptCount val="13"/>
-                      <c:pt idx="0">
-                        <c:v>48.275643736800184</c:v>
-                      </c:pt>
-                      <c:pt idx="1">
-                        <c:v>79.745700844568205</c:v>
-                      </c:pt>
-                      <c:pt idx="2">
-                        <c:v>83.082676005325951</c:v>
-                      </c:pt>
-                      <c:pt idx="3">
-                        <c:v>100.31233925538501</c:v>
-                      </c:pt>
-                      <c:pt idx="4">
-                        <c:v>102.9305061684053</c:v>
-                      </c:pt>
-                      <c:pt idx="5">
-                        <c:v>106.64038936756984</c:v>
-                      </c:pt>
-                      <c:pt idx="6">
-                        <c:v>107.85873644733994</c:v>
-                      </c:pt>
-                      <c:pt idx="7">
-                        <c:v>108.22254629152117</c:v>
-                      </c:pt>
-                      <c:pt idx="8">
-                        <c:v>107.63446156943486</c:v>
-                      </c:pt>
-                      <c:pt idx="9">
-                        <c:v>107.605033751498</c:v>
-                      </c:pt>
-                      <c:pt idx="10">
-                        <c:v>107.605033751498</c:v>
-                      </c:pt>
-                      <c:pt idx="11">
-                        <c:v>108.31154051726779</c:v>
-                      </c:pt>
-                      <c:pt idx="12">
-                        <c:v>108.31154051726779</c:v>
-                      </c:pt>
-                    </c:numCache>
-                  </c:numRef>
-                </c:val>
-                <c:extLst xmlns:c15="http://schemas.microsoft.com/office/drawing/2012/chart">
-                  <c:ext xmlns:c16="http://schemas.microsoft.com/office/drawing/2014/chart" uri="{C3380CC4-5D6E-409C-BE32-E72D297353CC}">
-                    <c16:uniqueId val="{00000007-3515-4BA9-AB47-FA54EEE18ADB}"/>
-                  </c:ext>
-                </c:extLst>
-              </c15:ser>
-            </c15:filteredAreaSeries>
-            <c15:filteredAreaSeries>
-              <c15:ser>
-                <c:idx val="5"/>
-                <c:order val="6"/>
-                <c:tx>
-                  <c:v>EEV2</c:v>
-                </c:tx>
-                <c:spPr>
-                  <a:solidFill>
-                    <a:schemeClr val="bg1"/>
-                  </a:solidFill>
-                  <a:ln>
-                    <a:noFill/>
-                  </a:ln>
-                  <a:effectLst/>
-                </c:spPr>
-                <c:val>
-                  <c:numRef>
-                    <c:extLst xmlns:c15="http://schemas.microsoft.com/office/drawing/2012/chart">
-                      <c:ext xmlns:c15="http://schemas.microsoft.com/office/drawing/2012/chart" uri="{02D57815-91ED-43cb-92C2-25804820EDAC}">
-                        <c15:formulaRef>
-                          <c15:sqref>Sheet1!$D$39:$D$51</c15:sqref>
-                        </c15:formulaRef>
-                      </c:ext>
-                    </c:extLst>
-                    <c:numCache>
-                      <c:formatCode>General</c:formatCode>
-                      <c:ptCount val="13"/>
-                      <c:pt idx="0">
-                        <c:v>22.545795752419867</c:v>
-                      </c:pt>
-                      <c:pt idx="1">
-                        <c:v>22.545795752419867</c:v>
-                      </c:pt>
-                      <c:pt idx="2">
-                        <c:v>22.545795752419867</c:v>
-                      </c:pt>
-                      <c:pt idx="3">
-                        <c:v>22.545795752419867</c:v>
-                      </c:pt>
-                      <c:pt idx="4">
-                        <c:v>22.545795752419867</c:v>
-                      </c:pt>
-                      <c:pt idx="5">
-                        <c:v>22.545795752419867</c:v>
-                      </c:pt>
-                      <c:pt idx="6">
-                        <c:v>22.545795752419867</c:v>
-                      </c:pt>
-                      <c:pt idx="7">
-                        <c:v>22.545795752419867</c:v>
-                      </c:pt>
-                      <c:pt idx="8">
-                        <c:v>22.545795752419867</c:v>
-                      </c:pt>
-                      <c:pt idx="9">
-                        <c:v>22.545795752419867</c:v>
-                      </c:pt>
-                      <c:pt idx="10">
-                        <c:v>22.545795752419867</c:v>
-                      </c:pt>
-                      <c:pt idx="11">
-                        <c:v>22.545795752419867</c:v>
-                      </c:pt>
-                      <c:pt idx="12">
-                        <c:v>22.545795752419867</c:v>
-                      </c:pt>
-                    </c:numCache>
-                  </c:numRef>
-                </c:val>
-                <c:extLst xmlns:c15="http://schemas.microsoft.com/office/drawing/2012/chart">
-                  <c:ext xmlns:c16="http://schemas.microsoft.com/office/drawing/2014/chart" uri="{C3380CC4-5D6E-409C-BE32-E72D297353CC}">
-                    <c16:uniqueId val="{00000008-3515-4BA9-AB47-FA54EEE18ADB}"/>
-                  </c:ext>
-                </c:extLst>
-              </c15:ser>
-            </c15:filteredAreaSeries>
-          </c:ext>
-        </c:extLst>
-      </c:areaChart>
-      <c:lineChart>
-        <c:grouping val="standard"/>
-        <c:varyColors val="0"/>
-        <c:ser>
-          <c:idx val="2"/>
-          <c:order val="2"/>
-          <c:tx>
-            <c:v>WS</c:v>
-          </c:tx>
-          <c:spPr>
-            <a:ln w="25400" cap="rnd">
-              <a:solidFill>
-                <a:schemeClr val="accent5"/>
-              </a:solidFill>
-              <a:prstDash val="sysDash"/>
-              <a:round/>
-            </a:ln>
-            <a:effectLst/>
-          </c:spPr>
-          <c:marker>
-            <c:symbol val="none"/>
-          </c:marker>
-          <c:cat>
-            <c:numRef>
-              <c:f>Sheet1!$A$39:$A$51</c:f>
-              <c:numCache>
-                <c:formatCode>General</c:formatCode>
-                <c:ptCount val="13"/>
-                <c:pt idx="0">
-                  <c:v>5</c:v>
-                </c:pt>
-                <c:pt idx="1">
-                  <c:v>10</c:v>
-                </c:pt>
-                <c:pt idx="2">
-                  <c:v>15</c:v>
-                </c:pt>
-                <c:pt idx="3">
-                  <c:v>20</c:v>
-                </c:pt>
-                <c:pt idx="4">
-                  <c:v>30</c:v>
-                </c:pt>
-                <c:pt idx="5">
-                  <c:v>40</c:v>
-                </c:pt>
-                <c:pt idx="6">
-                  <c:v>50</c:v>
-                </c:pt>
-                <c:pt idx="7">
-                  <c:v>75</c:v>
-                </c:pt>
-                <c:pt idx="8">
-                  <c:v>100</c:v>
-                </c:pt>
-                <c:pt idx="9">
-                  <c:v>150</c:v>
-                </c:pt>
-                <c:pt idx="10">
-                  <c:v>200</c:v>
-                </c:pt>
-                <c:pt idx="11">
-                  <c:v>300</c:v>
-                </c:pt>
-                <c:pt idx="12">
-                  <c:v>400</c:v>
-                </c:pt>
-              </c:numCache>
-            </c:numRef>
-          </c:cat>
-          <c:val>
-            <c:numRef>
-              <c:f>Sheet1!$C$39:$C$51</c:f>
-              <c:numCache>
-                <c:formatCode>General</c:formatCode>
-                <c:ptCount val="13"/>
-                <c:pt idx="0">
-                  <c:v>131.86000000000001</c:v>
-                </c:pt>
-                <c:pt idx="1">
-                  <c:v>131.86000000000001</c:v>
-                </c:pt>
-                <c:pt idx="2">
-                  <c:v>131.86000000000001</c:v>
-                </c:pt>
-                <c:pt idx="3">
-                  <c:v>131.86000000000001</c:v>
-                </c:pt>
-                <c:pt idx="4">
-                  <c:v>131.86000000000001</c:v>
-                </c:pt>
-                <c:pt idx="5">
-                  <c:v>131.86000000000001</c:v>
-                </c:pt>
-                <c:pt idx="6">
-                  <c:v>131.86000000000001</c:v>
-                </c:pt>
-                <c:pt idx="7">
-                  <c:v>131.86000000000001</c:v>
-                </c:pt>
-                <c:pt idx="8">
-                  <c:v>131.86000000000001</c:v>
-                </c:pt>
-                <c:pt idx="9">
-                  <c:v>131.86000000000001</c:v>
-                </c:pt>
-                <c:pt idx="10">
-                  <c:v>131.86000000000001</c:v>
-                </c:pt>
-                <c:pt idx="11">
-                  <c:v>131.86000000000001</c:v>
-                </c:pt>
-                <c:pt idx="12">
-                  <c:v>131.86000000000001</c:v>
-                </c:pt>
-              </c:numCache>
-            </c:numRef>
-          </c:val>
-          <c:smooth val="0"/>
-          <c:extLst>
-            <c:ext xmlns:c16="http://schemas.microsoft.com/office/drawing/2014/chart" uri="{C3380CC4-5D6E-409C-BE32-E72D297353CC}">
-              <c16:uniqueId val="{00000000-3515-4BA9-AB47-FA54EEE18ADB}"/>
-            </c:ext>
-          </c:extLst>
-        </c:ser>
-        <c:ser>
-          <c:idx val="7"/>
-          <c:order val="7"/>
-          <c:tx>
-            <c:v>Switch-Off Penalty</c:v>
-          </c:tx>
-          <c:spPr>
-            <a:ln w="25400" cap="rnd">
-              <a:solidFill>
-                <a:schemeClr val="tx1"/>
-              </a:solidFill>
-              <a:round/>
-            </a:ln>
-            <a:effectLst/>
-          </c:spPr>
-          <c:marker>
-            <c:symbol val="none"/>
-          </c:marker>
-          <c:val>
-            <c:numRef>
-              <c:f>Sheet1!$E$39:$E$51</c:f>
-              <c:numCache>
-                <c:formatCode>General</c:formatCode>
-                <c:ptCount val="13"/>
-                <c:pt idx="0">
-                  <c:v>108.27187127943978</c:v>
-                </c:pt>
-                <c:pt idx="1">
-                  <c:v>113.67031379430423</c:v>
-                </c:pt>
-                <c:pt idx="2">
-                  <c:v>114.21539494830016</c:v>
-                </c:pt>
-                <c:pt idx="3">
-                  <c:v>116.08138426208811</c:v>
-                </c:pt>
-                <c:pt idx="4">
-                  <c:v>115.35200699157679</c:v>
-                </c:pt>
-                <c:pt idx="5">
-                  <c:v>115.0099528276165</c:v>
-                </c:pt>
-                <c:pt idx="6">
-                  <c:v>114.69560382312626</c:v>
-                </c:pt>
-                <c:pt idx="7">
-                  <c:v>114.08852893125128</c:v>
-                </c:pt>
-                <c:pt idx="8">
-                  <c:v>112.93770485283977</c:v>
-                </c:pt>
-                <c:pt idx="9">
-                  <c:v>112.91023522267056</c:v>
-                </c:pt>
-                <c:pt idx="10">
-                  <c:v>112.91023522267056</c:v>
-                </c:pt>
-                <c:pt idx="11">
-                  <c:v>111.63559539105303</c:v>
-                </c:pt>
-                <c:pt idx="12">
-                  <c:v>111.63559539105303</c:v>
-                </c:pt>
-              </c:numCache>
-            </c:numRef>
-          </c:val>
-          <c:smooth val="0"/>
-          <c:extLst>
-            <c:ext xmlns:c16="http://schemas.microsoft.com/office/drawing/2014/chart" uri="{C3380CC4-5D6E-409C-BE32-E72D297353CC}">
-              <c16:uniqueId val="{00000001-3515-4BA9-AB47-FA54EEE18ADB}"/>
-            </c:ext>
-          </c:extLst>
-        </c:ser>
-        <c:ser>
-          <c:idx val="8"/>
-          <c:order val="8"/>
-          <c:tx>
-            <c:v>EEV Switch-Off</c:v>
-          </c:tx>
-          <c:spPr>
-            <a:ln w="25400" cap="rnd">
-              <a:solidFill>
-                <a:schemeClr val="accent2">
-                  <a:lumMod val="75000"/>
-                </a:schemeClr>
-              </a:solidFill>
-              <a:prstDash val="sysDash"/>
-              <a:round/>
-            </a:ln>
-            <a:effectLst/>
-          </c:spPr>
-          <c:marker>
-            <c:symbol val="none"/>
-          </c:marker>
-          <c:val>
-            <c:numRef>
-              <c:f>Sheet1!$F$39:$F$51</c:f>
-              <c:numCache>
-                <c:formatCode>General</c:formatCode>
-                <c:ptCount val="13"/>
-                <c:pt idx="0">
-                  <c:v>99.429301529510141</c:v>
-                </c:pt>
-                <c:pt idx="1">
-                  <c:v>99.429301529510141</c:v>
-                </c:pt>
-                <c:pt idx="2">
-                  <c:v>99.429301529510141</c:v>
-                </c:pt>
-                <c:pt idx="3">
-                  <c:v>99.429301529510141</c:v>
-                </c:pt>
-                <c:pt idx="4">
-                  <c:v>99.429301529510141</c:v>
-                </c:pt>
-                <c:pt idx="5">
-                  <c:v>99.429301529510141</c:v>
-                </c:pt>
-                <c:pt idx="6">
-                  <c:v>99.429301529510141</c:v>
-                </c:pt>
-                <c:pt idx="7">
-                  <c:v>99.429301529510141</c:v>
-                </c:pt>
-                <c:pt idx="8">
-                  <c:v>99.429301529510141</c:v>
-                </c:pt>
-                <c:pt idx="9">
-                  <c:v>99.429301529510141</c:v>
-                </c:pt>
-                <c:pt idx="10">
-                  <c:v>99.429301529510141</c:v>
-                </c:pt>
-                <c:pt idx="11">
-                  <c:v>99.429301529510141</c:v>
-                </c:pt>
-                <c:pt idx="12">
-                  <c:v>99.429301529510141</c:v>
-                </c:pt>
-              </c:numCache>
-            </c:numRef>
-          </c:val>
-          <c:smooth val="0"/>
-          <c:extLst>
-            <c:ext xmlns:c16="http://schemas.microsoft.com/office/drawing/2014/chart" uri="{C3380CC4-5D6E-409C-BE32-E72D297353CC}">
-              <c16:uniqueId val="{00000002-3515-4BA9-AB47-FA54EEE18ADB}"/>
-            </c:ext>
-          </c:extLst>
-        </c:ser>
-        <c:dLbls>
-          <c:showLegendKey val="0"/>
-          <c:showVal val="0"/>
-          <c:showCatName val="0"/>
-          <c:showSerName val="0"/>
-          <c:showPercent val="0"/>
-          <c:showBubbleSize val="0"/>
-        </c:dLbls>
-        <c:marker val="1"/>
-        <c:smooth val="0"/>
-        <c:axId val="669610408"/>
-        <c:axId val="669614016"/>
-        <c:extLst>
-          <c:ext xmlns:c15="http://schemas.microsoft.com/office/drawing/2012/chart" uri="{02D57815-91ED-43cb-92C2-25804820EDAC}">
-            <c15:filteredLineSeries>
-              <c15:ser>
-                <c:idx val="0"/>
-                <c:order val="0"/>
-                <c:tx>
-                  <c:v>Strict Penalty</c:v>
-                </c:tx>
-                <c:spPr>
-                  <a:ln w="19050" cap="rnd">
-                    <a:solidFill>
-                      <a:schemeClr val="accent6">
-                        <a:lumMod val="75000"/>
-                      </a:schemeClr>
-                    </a:solidFill>
-                    <a:round/>
-                  </a:ln>
-                  <a:effectLst/>
-                </c:spPr>
-                <c:marker>
-                  <c:symbol val="none"/>
-                </c:marker>
-                <c:cat>
-                  <c:numRef>
-                    <c:extLst>
-                      <c:ext uri="{02D57815-91ED-43cb-92C2-25804820EDAC}">
-                        <c15:formulaRef>
-                          <c15:sqref>Sheet1!$A$39:$A$51</c15:sqref>
-                        </c15:formulaRef>
-                      </c:ext>
-                    </c:extLst>
-                    <c:numCache>
-                      <c:formatCode>General</c:formatCode>
-                      <c:ptCount val="13"/>
-                      <c:pt idx="0">
-                        <c:v>5</c:v>
-                      </c:pt>
-                      <c:pt idx="1">
-                        <c:v>10</c:v>
-                      </c:pt>
-                      <c:pt idx="2">
-                        <c:v>15</c:v>
-                      </c:pt>
-                      <c:pt idx="3">
-                        <c:v>20</c:v>
-                      </c:pt>
-                      <c:pt idx="4">
-                        <c:v>30</c:v>
-                      </c:pt>
-                      <c:pt idx="5">
-                        <c:v>40</c:v>
-                      </c:pt>
-                      <c:pt idx="6">
-                        <c:v>50</c:v>
-                      </c:pt>
-                      <c:pt idx="7">
-                        <c:v>75</c:v>
-                      </c:pt>
-                      <c:pt idx="8">
-                        <c:v>100</c:v>
-                      </c:pt>
-                      <c:pt idx="9">
-                        <c:v>150</c:v>
-                      </c:pt>
-                      <c:pt idx="10">
-                        <c:v>200</c:v>
-                      </c:pt>
-                      <c:pt idx="11">
-                        <c:v>300</c:v>
-                      </c:pt>
-                      <c:pt idx="12">
-                        <c:v>400</c:v>
-                      </c:pt>
-                    </c:numCache>
-                  </c:numRef>
-                </c:cat>
-                <c:val>
-                  <c:numRef>
-                    <c:extLst>
-                      <c:ext uri="{02D57815-91ED-43cb-92C2-25804820EDAC}">
-                        <c15:formulaRef>
-                          <c15:sqref>Sheet1!$B$39:$B$51</c15:sqref>
-                        </c15:formulaRef>
-                      </c:ext>
-                    </c:extLst>
-                    <c:numCache>
-                      <c:formatCode>General</c:formatCode>
-                      <c:ptCount val="13"/>
-                      <c:pt idx="0">
-                        <c:v>48.275643736800184</c:v>
-                      </c:pt>
-                      <c:pt idx="1">
-                        <c:v>79.745700844568205</c:v>
-                      </c:pt>
-                      <c:pt idx="2">
-                        <c:v>83.082676005325951</c:v>
-                      </c:pt>
-                      <c:pt idx="3">
-                        <c:v>100.31233925538501</c:v>
-                      </c:pt>
-                      <c:pt idx="4">
-                        <c:v>102.9305061684053</c:v>
-                      </c:pt>
-                      <c:pt idx="5">
-                        <c:v>106.64038936756984</c:v>
-                      </c:pt>
-                      <c:pt idx="6">
-                        <c:v>107.85873644733994</c:v>
-                      </c:pt>
-                      <c:pt idx="7">
-                        <c:v>108.22254629152117</c:v>
-                      </c:pt>
-                      <c:pt idx="8">
-                        <c:v>107.63446156943486</c:v>
-                      </c:pt>
-                      <c:pt idx="9">
-                        <c:v>107.605033751498</c:v>
-                      </c:pt>
-                      <c:pt idx="10">
-                        <c:v>107.605033751498</c:v>
-                      </c:pt>
-                      <c:pt idx="11">
-                        <c:v>108.31154051726779</c:v>
-                      </c:pt>
-                      <c:pt idx="12">
-                        <c:v>108.31154051726779</c:v>
-                      </c:pt>
-                    </c:numCache>
-                  </c:numRef>
-                </c:val>
-                <c:smooth val="0"/>
-                <c:extLst>
-                  <c:ext xmlns:c16="http://schemas.microsoft.com/office/drawing/2014/chart" uri="{C3380CC4-5D6E-409C-BE32-E72D297353CC}">
-                    <c16:uniqueId val="{00000003-3515-4BA9-AB47-FA54EEE18ADB}"/>
-                  </c:ext>
-                </c:extLst>
-              </c15:ser>
-            </c15:filteredLineSeries>
-            <c15:filteredLineSeries>
-              <c15:ser>
-                <c:idx val="1"/>
-                <c:order val="1"/>
-                <c:tx>
-                  <c:v>EEV Strict</c:v>
-                </c:tx>
-                <c:spPr>
-                  <a:ln w="25400" cap="rnd">
-                    <a:solidFill>
-                      <a:schemeClr val="accent6">
-                        <a:lumMod val="75000"/>
-                      </a:schemeClr>
-                    </a:solidFill>
-                    <a:round/>
-                  </a:ln>
-                  <a:effectLst/>
-                </c:spPr>
-                <c:marker>
-                  <c:symbol val="none"/>
-                </c:marker>
-                <c:cat>
-                  <c:numRef>
-                    <c:extLst xmlns:c15="http://schemas.microsoft.com/office/drawing/2012/chart">
-                      <c:ext xmlns:c15="http://schemas.microsoft.com/office/drawing/2012/chart" uri="{02D57815-91ED-43cb-92C2-25804820EDAC}">
-                        <c15:formulaRef>
-                          <c15:sqref>Sheet1!$A$39:$A$51</c15:sqref>
-                        </c15:formulaRef>
-                      </c:ext>
-                    </c:extLst>
-                    <c:numCache>
-                      <c:formatCode>General</c:formatCode>
-                      <c:ptCount val="13"/>
-                      <c:pt idx="0">
-                        <c:v>5</c:v>
-                      </c:pt>
-                      <c:pt idx="1">
-                        <c:v>10</c:v>
-                      </c:pt>
-                      <c:pt idx="2">
-                        <c:v>15</c:v>
-                      </c:pt>
-                      <c:pt idx="3">
-                        <c:v>20</c:v>
-                      </c:pt>
-                      <c:pt idx="4">
-                        <c:v>30</c:v>
-                      </c:pt>
-                      <c:pt idx="5">
-                        <c:v>40</c:v>
-                      </c:pt>
-                      <c:pt idx="6">
-                        <c:v>50</c:v>
-                      </c:pt>
-                      <c:pt idx="7">
-                        <c:v>75</c:v>
-                      </c:pt>
-                      <c:pt idx="8">
-                        <c:v>100</c:v>
-                      </c:pt>
-                      <c:pt idx="9">
-                        <c:v>150</c:v>
-                      </c:pt>
-                      <c:pt idx="10">
-                        <c:v>200</c:v>
-                      </c:pt>
-                      <c:pt idx="11">
-                        <c:v>300</c:v>
-                      </c:pt>
-                      <c:pt idx="12">
-                        <c:v>400</c:v>
-                      </c:pt>
-                    </c:numCache>
-                  </c:numRef>
-                </c:cat>
-                <c:val>
-                  <c:numRef>
-                    <c:extLst xmlns:c15="http://schemas.microsoft.com/office/drawing/2012/chart">
-                      <c:ext xmlns:c15="http://schemas.microsoft.com/office/drawing/2012/chart" uri="{02D57815-91ED-43cb-92C2-25804820EDAC}">
-                        <c15:formulaRef>
-                          <c15:sqref>Sheet1!$D$39:$D$51</c15:sqref>
-                        </c15:formulaRef>
-                      </c:ext>
-                    </c:extLst>
-                    <c:numCache>
-                      <c:formatCode>General</c:formatCode>
-                      <c:ptCount val="13"/>
-                      <c:pt idx="0">
-                        <c:v>22.545795752419867</c:v>
-                      </c:pt>
-                      <c:pt idx="1">
-                        <c:v>22.545795752419867</c:v>
-                      </c:pt>
-                      <c:pt idx="2">
-                        <c:v>22.545795752419867</c:v>
-                      </c:pt>
-                      <c:pt idx="3">
-                        <c:v>22.545795752419867</c:v>
-                      </c:pt>
-                      <c:pt idx="4">
-                        <c:v>22.545795752419867</c:v>
-                      </c:pt>
-                      <c:pt idx="5">
-                        <c:v>22.545795752419867</c:v>
-                      </c:pt>
-                      <c:pt idx="6">
-                        <c:v>22.545795752419867</c:v>
-                      </c:pt>
-                      <c:pt idx="7">
-                        <c:v>22.545795752419867</c:v>
-                      </c:pt>
-                      <c:pt idx="8">
-                        <c:v>22.545795752419867</c:v>
-                      </c:pt>
-                      <c:pt idx="9">
-                        <c:v>22.545795752419867</c:v>
-                      </c:pt>
-                      <c:pt idx="10">
-                        <c:v>22.545795752419867</c:v>
-                      </c:pt>
-                      <c:pt idx="11">
-                        <c:v>22.545795752419867</c:v>
-                      </c:pt>
-                      <c:pt idx="12">
-                        <c:v>22.545795752419867</c:v>
-                      </c:pt>
-                    </c:numCache>
-                  </c:numRef>
-                </c:val>
-                <c:smooth val="0"/>
-                <c:extLst xmlns:c15="http://schemas.microsoft.com/office/drawing/2012/chart">
-                  <c:ext xmlns:c16="http://schemas.microsoft.com/office/drawing/2014/chart" uri="{C3380CC4-5D6E-409C-BE32-E72D297353CC}">
-                    <c16:uniqueId val="{00000004-3515-4BA9-AB47-FA54EEE18ADB}"/>
-                  </c:ext>
-                </c:extLst>
-              </c15:ser>
-            </c15:filteredLineSeries>
-            <c15:filteredLineSeries>
-              <c15:ser>
-                <c:idx val="9"/>
-                <c:order val="9"/>
-                <c:tx>
-                  <c:v>RA ObjVal</c:v>
-                </c:tx>
-                <c:spPr>
-                  <a:ln w="19050" cap="rnd">
-                    <a:solidFill>
-                      <a:schemeClr val="accent1"/>
-                    </a:solidFill>
-                    <a:round/>
-                  </a:ln>
-                  <a:effectLst/>
-                </c:spPr>
-                <c:marker>
-                  <c:symbol val="none"/>
-                </c:marker>
-                <c:val>
-                  <c:numRef>
-                    <c:extLst xmlns:c15="http://schemas.microsoft.com/office/drawing/2012/chart">
-                      <c:ext xmlns:c15="http://schemas.microsoft.com/office/drawing/2012/chart" uri="{02D57815-91ED-43cb-92C2-25804820EDAC}">
-                        <c15:formulaRef>
-                          <c15:sqref>Sheet1!$G$39:$G$50</c15:sqref>
-                        </c15:formulaRef>
-                      </c:ext>
-                    </c:extLst>
-                    <c:numCache>
-                      <c:formatCode>General</c:formatCode>
-                      <c:ptCount val="12"/>
-                      <c:pt idx="0">
-                        <c:v>109.20354038562397</c:v>
-                      </c:pt>
-                      <c:pt idx="1">
-                        <c:v>112.78804965807207</c:v>
-                      </c:pt>
-                      <c:pt idx="2">
-                        <c:v>117.15078233754488</c:v>
-                      </c:pt>
-                      <c:pt idx="3">
-                        <c:v>117.63506396257284</c:v>
-                      </c:pt>
-                      <c:pt idx="4">
-                        <c:v>119.35093760876916</c:v>
-                      </c:pt>
-                      <c:pt idx="5">
-                        <c:v>116.68525913860371</c:v>
-                      </c:pt>
-                      <c:pt idx="6">
-                        <c:v>115.87529231821765</c:v>
-                      </c:pt>
-                      <c:pt idx="7">
-                        <c:v>115.87648862685775</c:v>
-                      </c:pt>
-                      <c:pt idx="8">
-                        <c:v>114.75802726767851</c:v>
-                      </c:pt>
-                      <c:pt idx="9">
-                        <c:v>112.61797262974525</c:v>
-                      </c:pt>
-                      <c:pt idx="10">
-                        <c:v>112.65443546698727</c:v>
-                      </c:pt>
-                    </c:numCache>
-                  </c:numRef>
-                </c:val>
-                <c:smooth val="0"/>
-                <c:extLst xmlns:c15="http://schemas.microsoft.com/office/drawing/2012/chart">
-                  <c:ext xmlns:c16="http://schemas.microsoft.com/office/drawing/2014/chart" uri="{C3380CC4-5D6E-409C-BE32-E72D297353CC}">
-                    <c16:uniqueId val="{00000009-3515-4BA9-AB47-FA54EEE18ADB}"/>
-                  </c:ext>
-                </c:extLst>
-              </c15:ser>
-            </c15:filteredLineSeries>
-          </c:ext>
-        </c:extLst>
-      </c:lineChart>
-      <c:catAx>
-        <c:axId val="669610408"/>
-        <c:scaling>
-          <c:orientation val="minMax"/>
-        </c:scaling>
-        <c:delete val="0"/>
-        <c:axPos val="b"/>
-        <c:title>
-          <c:tx>
-            <c:rich>
-              <a:bodyPr rot="0" spcFirstLastPara="1" vertOverflow="ellipsis" vert="horz" wrap="square" anchor="ctr" anchorCtr="1"/>
-              <a:lstStyle/>
-              <a:p>
-                <a:pPr>
-                  <a:defRPr sz="1800" b="0" i="0" u="none" strike="noStrike" kern="1200" baseline="0">
-                    <a:solidFill>
-                      <a:schemeClr val="tx1">
-                        <a:lumMod val="65000"/>
-                        <a:lumOff val="35000"/>
-                      </a:schemeClr>
-                    </a:solidFill>
-                    <a:latin typeface="+mn-lt"/>
-                    <a:ea typeface="+mn-ea"/>
-                    <a:cs typeface="+mn-cs"/>
-                  </a:defRPr>
-                </a:pPr>
-                <a:r>
-                  <a:rPr lang="nb-NO" sz="1800"/>
-                  <a:t>Scenarios</a:t>
-                </a:r>
-              </a:p>
-            </c:rich>
-          </c:tx>
-          <c:overlay val="0"/>
-          <c:spPr>
-            <a:noFill/>
-            <a:ln>
-              <a:noFill/>
-            </a:ln>
-            <a:effectLst/>
-          </c:spPr>
-          <c:txPr>
-            <a:bodyPr rot="0" spcFirstLastPara="1" vertOverflow="ellipsis" vert="horz" wrap="square" anchor="ctr" anchorCtr="1"/>
-            <a:lstStyle/>
-            <a:p>
-              <a:pPr>
-                <a:defRPr sz="1800" b="0" i="0" u="none" strike="noStrike" kern="1200" baseline="0">
-                  <a:solidFill>
-                    <a:schemeClr val="tx1">
-                      <a:lumMod val="65000"/>
-                      <a:lumOff val="35000"/>
-                    </a:schemeClr>
-                  </a:solidFill>
-                  <a:latin typeface="+mn-lt"/>
-                  <a:ea typeface="+mn-ea"/>
-                  <a:cs typeface="+mn-cs"/>
-                </a:defRPr>
-              </a:pPr>
-              <a:endParaRPr lang="nb-NO"/>
-            </a:p>
-          </c:txPr>
-        </c:title>
-        <c:numFmt formatCode="General" sourceLinked="1"/>
-        <c:majorTickMark val="none"/>
-        <c:minorTickMark val="none"/>
-        <c:tickLblPos val="nextTo"/>
-        <c:spPr>
-          <a:noFill/>
-          <a:ln w="9525" cap="flat" cmpd="sng" algn="ctr">
-            <a:solidFill>
-              <a:schemeClr val="tx1">
-                <a:lumMod val="25000"/>
-                <a:lumOff val="75000"/>
-              </a:schemeClr>
-            </a:solidFill>
-            <a:round/>
-          </a:ln>
-          <a:effectLst/>
-        </c:spPr>
-        <c:txPr>
-          <a:bodyPr rot="-60000000" spcFirstLastPara="1" vertOverflow="ellipsis" vert="horz" wrap="square" anchor="ctr" anchorCtr="1"/>
-          <a:lstStyle/>
-          <a:p>
-            <a:pPr>
-              <a:defRPr sz="2000" b="0" i="0" u="none" strike="noStrike" kern="1200" baseline="0">
-                <a:solidFill>
-                  <a:schemeClr val="tx1">
-                    <a:lumMod val="65000"/>
-                    <a:lumOff val="35000"/>
-                  </a:schemeClr>
-                </a:solidFill>
-                <a:latin typeface="+mn-lt"/>
-                <a:ea typeface="+mn-ea"/>
-                <a:cs typeface="+mn-cs"/>
-              </a:defRPr>
-            </a:pPr>
-            <a:endParaRPr lang="nb-NO"/>
-          </a:p>
-        </c:txPr>
-        <c:crossAx val="669614016"/>
-        <c:crosses val="autoZero"/>
-        <c:auto val="1"/>
-        <c:lblAlgn val="ctr"/>
-        <c:lblOffset val="100"/>
-        <c:noMultiLvlLbl val="0"/>
-      </c:catAx>
-      <c:valAx>
-        <c:axId val="669614016"/>
-        <c:scaling>
-          <c:orientation val="minMax"/>
-          <c:min val="95"/>
-        </c:scaling>
-        <c:delete val="0"/>
-        <c:axPos val="l"/>
-        <c:title>
-          <c:tx>
-            <c:rich>
-              <a:bodyPr rot="-5400000" spcFirstLastPara="1" vertOverflow="ellipsis" vert="horz" wrap="square" anchor="ctr" anchorCtr="1"/>
-              <a:lstStyle/>
-              <a:p>
-                <a:pPr>
-                  <a:defRPr sz="1000" b="0" i="0" u="none" strike="noStrike" kern="1200" baseline="0">
-                    <a:solidFill>
-                      <a:schemeClr val="tx1">
-                        <a:lumMod val="65000"/>
-                        <a:lumOff val="35000"/>
-                      </a:schemeClr>
-                    </a:solidFill>
-                    <a:latin typeface="+mn-lt"/>
-                    <a:ea typeface="+mn-ea"/>
-                    <a:cs typeface="+mn-cs"/>
-                  </a:defRPr>
-                </a:pPr>
-                <a:r>
-                  <a:rPr lang="nb-NO" sz="1800" b="0" i="0" baseline="0">
-                    <a:effectLst/>
-                  </a:rPr>
-                  <a:t>Oil Output [Sm3/h]</a:t>
-                </a:r>
-                <a:endParaRPr lang="nb-NO">
-                  <a:effectLst/>
-                </a:endParaRPr>
-              </a:p>
-            </c:rich>
-          </c:tx>
-          <c:overlay val="0"/>
-          <c:spPr>
-            <a:noFill/>
-            <a:ln>
-              <a:noFill/>
-            </a:ln>
-            <a:effectLst/>
-          </c:spPr>
-          <c:txPr>
-            <a:bodyPr rot="-5400000" spcFirstLastPara="1" vertOverflow="ellipsis" vert="horz" wrap="square" anchor="ctr" anchorCtr="1"/>
-            <a:lstStyle/>
-            <a:p>
-              <a:pPr>
-                <a:defRPr sz="1000" b="0" i="0" u="none" strike="noStrike" kern="1200" baseline="0">
-                  <a:solidFill>
-                    <a:schemeClr val="tx1">
-                      <a:lumMod val="65000"/>
-                      <a:lumOff val="35000"/>
-                    </a:schemeClr>
-                  </a:solidFill>
-                  <a:latin typeface="+mn-lt"/>
-                  <a:ea typeface="+mn-ea"/>
-                  <a:cs typeface="+mn-cs"/>
-                </a:defRPr>
-              </a:pPr>
-              <a:endParaRPr lang="nb-NO"/>
-            </a:p>
-          </c:txPr>
-        </c:title>
-        <c:numFmt formatCode="General" sourceLinked="1"/>
-        <c:majorTickMark val="none"/>
-        <c:minorTickMark val="none"/>
-        <c:tickLblPos val="nextTo"/>
-        <c:spPr>
-          <a:noFill/>
-          <a:ln w="9525" cap="flat" cmpd="sng" algn="ctr">
-            <a:solidFill>
-              <a:schemeClr val="tx1">
-                <a:lumMod val="25000"/>
-                <a:lumOff val="75000"/>
-              </a:schemeClr>
-            </a:solidFill>
-            <a:round/>
-          </a:ln>
-          <a:effectLst/>
-        </c:spPr>
-        <c:txPr>
-          <a:bodyPr rot="-60000000" spcFirstLastPara="1" vertOverflow="ellipsis" vert="horz" wrap="square" anchor="ctr" anchorCtr="1"/>
-          <a:lstStyle/>
-          <a:p>
-            <a:pPr>
-              <a:defRPr sz="1600" b="0" i="0" u="none" strike="noStrike" kern="1200" baseline="0">
-                <a:solidFill>
-                  <a:schemeClr val="tx1">
-                    <a:lumMod val="65000"/>
-                    <a:lumOff val="35000"/>
-                  </a:schemeClr>
-                </a:solidFill>
-                <a:latin typeface="+mn-lt"/>
-                <a:ea typeface="+mn-ea"/>
-                <a:cs typeface="+mn-cs"/>
-              </a:defRPr>
-            </a:pPr>
-            <a:endParaRPr lang="nb-NO"/>
-          </a:p>
-        </c:txPr>
-        <c:crossAx val="669610408"/>
-        <c:crosses val="autoZero"/>
-        <c:crossBetween val="between"/>
-      </c:valAx>
-      <c:spPr>
-        <a:noFill/>
-        <a:ln>
-          <a:noFill/>
-        </a:ln>
-        <a:effectLst/>
-      </c:spPr>
-    </c:plotArea>
-    <c:legend>
-      <c:legendPos val="b"/>
-      <c:overlay val="0"/>
-      <c:spPr>
-        <a:noFill/>
-        <a:ln>
-          <a:noFill/>
-        </a:ln>
-        <a:effectLst/>
-      </c:spPr>
-      <c:txPr>
-        <a:bodyPr rot="0" spcFirstLastPara="1" vertOverflow="ellipsis" vert="horz" wrap="square" anchor="ctr" anchorCtr="1"/>
-        <a:lstStyle/>
-        <a:p>
-          <a:pPr>
-            <a:defRPr sz="1800" b="0" i="0" u="none" strike="noStrike" kern="1200" baseline="0">
-              <a:solidFill>
-                <a:schemeClr val="tx1">
-                  <a:lumMod val="65000"/>
-                  <a:lumOff val="35000"/>
-                </a:schemeClr>
-              </a:solidFill>
-              <a:latin typeface="+mn-lt"/>
-              <a:ea typeface="+mn-ea"/>
-              <a:cs typeface="+mn-cs"/>
-            </a:defRPr>
-          </a:pPr>
-          <a:endParaRPr lang="nb-NO"/>
-        </a:p>
-      </c:txPr>
-    </c:legend>
-    <c:plotVisOnly val="1"/>
-    <c:dispBlanksAs val="gap"/>
-    <c:showDLblsOverMax val="0"/>
-  </c:chart>
-  <c:spPr>
-    <a:noFill/>
-    <a:ln>
-      <a:noFill/>
-    </a:ln>
-    <a:effectLst/>
-  </c:spPr>
-  <c:txPr>
-    <a:bodyPr/>
-    <a:lstStyle/>
-    <a:p>
-      <a:pPr>
-        <a:defRPr/>
-      </a:pPr>
-      <a:endParaRPr lang="nb-NO"/>
-    </a:p>
-  </c:txPr>
-  <c:externalData r:id="rId3">
-    <c:autoUpdate val="0"/>
-  </c:externalData>
-</c:chartSpace>
-</file>
-
-<file path=ppt/charts/chart6.xml><?xml version="1.0" encoding="utf-8"?>
-<c:chartSpace xmlns:c="http://schemas.openxmlformats.org/drawingml/2006/chart" xmlns:a="http://schemas.openxmlformats.org/drawingml/2006/main" xmlns:r="http://schemas.openxmlformats.org/officeDocument/2006/relationships" xmlns:c16r2="http://schemas.microsoft.com/office/drawing/2015/06/chart">
-  <c:date1904 val="0"/>
-  <c:lang val="en-US"/>
-  <c:roundedCorners val="0"/>
-  <mc:AlternateContent xmlns:mc="http://schemas.openxmlformats.org/markup-compatibility/2006">
-    <mc:Choice xmlns:c14="http://schemas.microsoft.com/office/drawing/2007/8/2/chart" Requires="c14">
-      <c14:style val="102"/>
-    </mc:Choice>
-    <mc:Fallback>
-      <c:style val="2"/>
-    </mc:Fallback>
-  </mc:AlternateContent>
-  <c:chart>
-    <c:title>
-      <c:tx>
-        <c:rich>
-          <a:bodyPr rot="0" spcFirstLastPara="1" vertOverflow="ellipsis" vert="horz" wrap="square" anchor="ctr" anchorCtr="1"/>
-          <a:lstStyle/>
-          <a:p>
-            <a:pPr>
-              <a:defRPr sz="2400" b="0" i="0" u="none" strike="noStrike" kern="1200" spc="0" baseline="0">
-                <a:solidFill>
-                  <a:schemeClr val="tx1">
-                    <a:lumMod val="65000"/>
-                    <a:lumOff val="35000"/>
-                  </a:schemeClr>
-                </a:solidFill>
-                <a:latin typeface="+mn-lt"/>
-                <a:ea typeface="+mn-ea"/>
-                <a:cs typeface="+mn-cs"/>
-              </a:defRPr>
-            </a:pPr>
-            <a:r>
-              <a:rPr lang="nb-NO" sz="2400"/>
-              <a:t>Initial Case</a:t>
-            </a:r>
-            <a:r>
-              <a:rPr lang="nb-NO" sz="2400" baseline="0"/>
-              <a:t> C: Strict Penalty</a:t>
-            </a:r>
-            <a:endParaRPr lang="nb-NO" sz="2400"/>
-          </a:p>
-        </c:rich>
-      </c:tx>
-      <c:overlay val="0"/>
-      <c:spPr>
-        <a:noFill/>
-        <a:ln>
-          <a:noFill/>
-        </a:ln>
-        <a:effectLst/>
-      </c:spPr>
-      <c:txPr>
-        <a:bodyPr rot="0" spcFirstLastPara="1" vertOverflow="ellipsis" vert="horz" wrap="square" anchor="ctr" anchorCtr="1"/>
-        <a:lstStyle/>
-        <a:p>
-          <a:pPr>
-            <a:defRPr sz="2400" b="0" i="0" u="none" strike="noStrike" kern="1200" spc="0" baseline="0">
-              <a:solidFill>
-                <a:schemeClr val="tx1">
-                  <a:lumMod val="65000"/>
-                  <a:lumOff val="35000"/>
-                </a:schemeClr>
-              </a:solidFill>
-              <a:latin typeface="+mn-lt"/>
-              <a:ea typeface="+mn-ea"/>
-              <a:cs typeface="+mn-cs"/>
-            </a:defRPr>
-          </a:pPr>
-          <a:endParaRPr lang="nb-NO"/>
-        </a:p>
-      </c:txPr>
-    </c:title>
-    <c:autoTitleDeleted val="0"/>
-    <c:plotArea>
-      <c:layout/>
-      <c:areaChart>
-        <c:grouping val="standard"/>
-        <c:varyColors val="0"/>
-        <c:dLbls>
-          <c:showLegendKey val="0"/>
-          <c:showVal val="0"/>
-          <c:showCatName val="0"/>
-          <c:showSerName val="0"/>
-          <c:showPercent val="0"/>
-          <c:showBubbleSize val="0"/>
-        </c:dLbls>
-        <c:axId val="669610408"/>
-        <c:axId val="669614016"/>
-        <c:extLst>
-          <c:ext xmlns:c15="http://schemas.microsoft.com/office/drawing/2012/chart" uri="{02D57815-91ED-43cb-92C2-25804820EDAC}">
-            <c15:filteredAreaSeries>
-              <c15:ser>
-                <c:idx val="3"/>
-                <c:order val="3"/>
-                <c:tx>
-                  <c:v>EVPI</c:v>
-                </c:tx>
-                <c:spPr>
-                  <a:solidFill>
-                    <a:schemeClr val="accent4"/>
-                  </a:solidFill>
-                  <a:ln>
-                    <a:noFill/>
-                  </a:ln>
-                  <a:effectLst/>
-                </c:spPr>
-                <c:val>
-                  <c:numRef>
-                    <c:extLst>
-                      <c:ext uri="{02D57815-91ED-43cb-92C2-25804820EDAC}">
-                        <c15:formulaRef>
-                          <c15:sqref>Sheet1!$C$39:$C$51</c15:sqref>
-                        </c15:formulaRef>
-                      </c:ext>
-                    </c:extLst>
-                    <c:numCache>
-                      <c:formatCode>General</c:formatCode>
-                      <c:ptCount val="13"/>
-                      <c:pt idx="0">
-                        <c:v>131.86000000000001</c:v>
-                      </c:pt>
-                      <c:pt idx="1">
-                        <c:v>131.86000000000001</c:v>
-                      </c:pt>
-                      <c:pt idx="2">
-                        <c:v>131.86000000000001</c:v>
-                      </c:pt>
-                      <c:pt idx="3">
-                        <c:v>131.86000000000001</c:v>
-                      </c:pt>
-                      <c:pt idx="4">
-                        <c:v>131.86000000000001</c:v>
-                      </c:pt>
-                      <c:pt idx="5">
-                        <c:v>131.86000000000001</c:v>
-                      </c:pt>
-                      <c:pt idx="6">
-                        <c:v>131.86000000000001</c:v>
-                      </c:pt>
-                      <c:pt idx="7">
-                        <c:v>131.86000000000001</c:v>
-                      </c:pt>
-                      <c:pt idx="8">
-                        <c:v>131.86000000000001</c:v>
-                      </c:pt>
-                      <c:pt idx="9">
-                        <c:v>131.86000000000001</c:v>
-                      </c:pt>
-                      <c:pt idx="10">
-                        <c:v>131.86000000000001</c:v>
-                      </c:pt>
-                      <c:pt idx="11">
-                        <c:v>131.86000000000001</c:v>
-                      </c:pt>
-                      <c:pt idx="12">
-                        <c:v>131.86000000000001</c:v>
-                      </c:pt>
-                    </c:numCache>
-                  </c:numRef>
-                </c:val>
-                <c:extLst>
-                  <c:ext xmlns:c16="http://schemas.microsoft.com/office/drawing/2014/chart" uri="{C3380CC4-5D6E-409C-BE32-E72D297353CC}">
-                    <c16:uniqueId val="{00000003-E07D-4AB4-BA60-E3FBA1D8B021}"/>
-                  </c:ext>
-                </c:extLst>
-              </c15:ser>
-            </c15:filteredAreaSeries>
-            <c15:filteredAreaSeries>
-              <c15:ser>
-                <c:idx val="4"/>
-                <c:order val="4"/>
-                <c:tx>
-                  <c:v>VSS</c:v>
-                </c:tx>
-                <c:spPr>
-                  <a:solidFill>
-                    <a:schemeClr val="accent5"/>
-                  </a:solidFill>
-                  <a:ln>
-                    <a:noFill/>
-                  </a:ln>
-                  <a:effectLst/>
-                </c:spPr>
-                <c:val>
-                  <c:numRef>
-                    <c:extLst xmlns:c15="http://schemas.microsoft.com/office/drawing/2012/chart">
-                      <c:ext xmlns:c15="http://schemas.microsoft.com/office/drawing/2012/chart" uri="{02D57815-91ED-43cb-92C2-25804820EDAC}">
-                        <c15:formulaRef>
-                          <c15:sqref>Sheet1!$E$39:$E$51</c15:sqref>
-                        </c15:formulaRef>
-                      </c:ext>
-                    </c:extLst>
-                    <c:numCache>
-                      <c:formatCode>General</c:formatCode>
-                      <c:ptCount val="13"/>
-                      <c:pt idx="0">
-                        <c:v>108.27187127943978</c:v>
-                      </c:pt>
-                      <c:pt idx="1">
-                        <c:v>113.67031379430423</c:v>
-                      </c:pt>
-                      <c:pt idx="2">
-                        <c:v>114.21539494830016</c:v>
-                      </c:pt>
-                      <c:pt idx="3">
-                        <c:v>116.08138426208811</c:v>
-                      </c:pt>
-                      <c:pt idx="4">
-                        <c:v>115.35200699157679</c:v>
-                      </c:pt>
-                      <c:pt idx="5">
-                        <c:v>115.0099528276165</c:v>
-                      </c:pt>
-                      <c:pt idx="6">
-                        <c:v>114.69560382312626</c:v>
-                      </c:pt>
-                      <c:pt idx="7">
-                        <c:v>114.08852893125128</c:v>
-                      </c:pt>
-                      <c:pt idx="8">
-                        <c:v>112.93770485283977</c:v>
-                      </c:pt>
-                      <c:pt idx="9">
-                        <c:v>112.91023522267056</c:v>
-                      </c:pt>
-                      <c:pt idx="10">
-                        <c:v>112.91023522267056</c:v>
-                      </c:pt>
-                      <c:pt idx="11">
-                        <c:v>111.63559539105303</c:v>
-                      </c:pt>
-                      <c:pt idx="12">
-                        <c:v>111.63559539105303</c:v>
-                      </c:pt>
-                    </c:numCache>
-                  </c:numRef>
-                </c:val>
-                <c:extLst xmlns:c15="http://schemas.microsoft.com/office/drawing/2012/chart">
-                  <c:ext xmlns:c16="http://schemas.microsoft.com/office/drawing/2014/chart" uri="{C3380CC4-5D6E-409C-BE32-E72D297353CC}">
-                    <c16:uniqueId val="{00000004-E07D-4AB4-BA60-E3FBA1D8B021}"/>
-                  </c:ext>
-                </c:extLst>
-              </c15:ser>
-            </c15:filteredAreaSeries>
-            <c15:filteredAreaSeries>
-              <c15:ser>
-                <c:idx val="6"/>
-                <c:order val="5"/>
-                <c:tx>
-                  <c:v>VSS Strict</c:v>
-                </c:tx>
-                <c:spPr>
-                  <a:solidFill>
-                    <a:schemeClr val="accent1">
-                      <a:lumMod val="60000"/>
-                    </a:schemeClr>
-                  </a:solidFill>
-                  <a:ln>
-                    <a:noFill/>
-                  </a:ln>
-                  <a:effectLst/>
-                </c:spPr>
-                <c:val>
-                  <c:numRef>
-                    <c:extLst xmlns:c15="http://schemas.microsoft.com/office/drawing/2012/chart">
-                      <c:ext xmlns:c15="http://schemas.microsoft.com/office/drawing/2012/chart" uri="{02D57815-91ED-43cb-92C2-25804820EDAC}">
-                        <c15:formulaRef>
-                          <c15:sqref>Sheet1!$B$39:$B$51</c15:sqref>
-                        </c15:formulaRef>
-                      </c:ext>
-                    </c:extLst>
-                    <c:numCache>
-                      <c:formatCode>General</c:formatCode>
-                      <c:ptCount val="13"/>
-                      <c:pt idx="0">
-                        <c:v>48.275643736800184</c:v>
-                      </c:pt>
-                      <c:pt idx="1">
-                        <c:v>79.745700844568205</c:v>
-                      </c:pt>
-                      <c:pt idx="2">
-                        <c:v>83.082676005325951</c:v>
-                      </c:pt>
-                      <c:pt idx="3">
-                        <c:v>100.31233925538501</c:v>
-                      </c:pt>
-                      <c:pt idx="4">
-                        <c:v>102.9305061684053</c:v>
-                      </c:pt>
-                      <c:pt idx="5">
-                        <c:v>106.64038936756984</c:v>
-                      </c:pt>
-                      <c:pt idx="6">
-                        <c:v>107.85873644733994</c:v>
-                      </c:pt>
-                      <c:pt idx="7">
-                        <c:v>108.22254629152117</c:v>
-                      </c:pt>
-                      <c:pt idx="8">
-                        <c:v>107.63446156943486</c:v>
-                      </c:pt>
-                      <c:pt idx="9">
-                        <c:v>107.605033751498</c:v>
-                      </c:pt>
-                      <c:pt idx="10">
-                        <c:v>107.605033751498</c:v>
-                      </c:pt>
-                      <c:pt idx="11">
-                        <c:v>108.31154051726779</c:v>
-                      </c:pt>
-                      <c:pt idx="12">
-                        <c:v>108.31154051726779</c:v>
-                      </c:pt>
-                    </c:numCache>
-                  </c:numRef>
-                </c:val>
-                <c:extLst xmlns:c15="http://schemas.microsoft.com/office/drawing/2012/chart">
-                  <c:ext xmlns:c16="http://schemas.microsoft.com/office/drawing/2014/chart" uri="{C3380CC4-5D6E-409C-BE32-E72D297353CC}">
-                    <c16:uniqueId val="{00000005-E07D-4AB4-BA60-E3FBA1D8B021}"/>
-                  </c:ext>
-                </c:extLst>
-              </c15:ser>
-            </c15:filteredAreaSeries>
-            <c15:filteredAreaSeries>
-              <c15:ser>
-                <c:idx val="5"/>
-                <c:order val="6"/>
-                <c:tx>
-                  <c:v>EEV2</c:v>
-                </c:tx>
-                <c:spPr>
-                  <a:solidFill>
-                    <a:schemeClr val="bg1"/>
-                  </a:solidFill>
-                  <a:ln>
-                    <a:noFill/>
-                  </a:ln>
-                  <a:effectLst/>
-                </c:spPr>
-                <c:val>
-                  <c:numRef>
-                    <c:extLst xmlns:c15="http://schemas.microsoft.com/office/drawing/2012/chart">
-                      <c:ext xmlns:c15="http://schemas.microsoft.com/office/drawing/2012/chart" uri="{02D57815-91ED-43cb-92C2-25804820EDAC}">
-                        <c15:formulaRef>
-                          <c15:sqref>Sheet1!$D$39:$D$51</c15:sqref>
-                        </c15:formulaRef>
-                      </c:ext>
-                    </c:extLst>
-                    <c:numCache>
-                      <c:formatCode>General</c:formatCode>
-                      <c:ptCount val="13"/>
-                      <c:pt idx="0">
-                        <c:v>22.545795752419867</c:v>
-                      </c:pt>
-                      <c:pt idx="1">
-                        <c:v>22.545795752419867</c:v>
-                      </c:pt>
-                      <c:pt idx="2">
-                        <c:v>22.545795752419867</c:v>
-                      </c:pt>
-                      <c:pt idx="3">
-                        <c:v>22.545795752419867</c:v>
-                      </c:pt>
-                      <c:pt idx="4">
-                        <c:v>22.545795752419867</c:v>
-                      </c:pt>
-                      <c:pt idx="5">
-                        <c:v>22.545795752419867</c:v>
-                      </c:pt>
-                      <c:pt idx="6">
-                        <c:v>22.545795752419867</c:v>
-                      </c:pt>
-                      <c:pt idx="7">
-                        <c:v>22.545795752419867</c:v>
-                      </c:pt>
-                      <c:pt idx="8">
-                        <c:v>22.545795752419867</c:v>
-                      </c:pt>
-                      <c:pt idx="9">
-                        <c:v>22.545795752419867</c:v>
-                      </c:pt>
-                      <c:pt idx="10">
-                        <c:v>22.545795752419867</c:v>
-                      </c:pt>
-                      <c:pt idx="11">
-                        <c:v>22.545795752419867</c:v>
-                      </c:pt>
-                      <c:pt idx="12">
-                        <c:v>22.545795752419867</c:v>
-                      </c:pt>
-                    </c:numCache>
-                  </c:numRef>
-                </c:val>
-                <c:extLst xmlns:c15="http://schemas.microsoft.com/office/drawing/2012/chart">
-                  <c:ext xmlns:c16="http://schemas.microsoft.com/office/drawing/2014/chart" uri="{C3380CC4-5D6E-409C-BE32-E72D297353CC}">
-                    <c16:uniqueId val="{00000006-E07D-4AB4-BA60-E3FBA1D8B021}"/>
-                  </c:ext>
-                </c:extLst>
-              </c15:ser>
-            </c15:filteredAreaSeries>
-          </c:ext>
-        </c:extLst>
-      </c:areaChart>
-      <c:lineChart>
-        <c:grouping val="standard"/>
-        <c:varyColors val="0"/>
-        <c:ser>
-          <c:idx val="0"/>
-          <c:order val="0"/>
-          <c:tx>
-            <c:v>Strict Penalty</c:v>
-          </c:tx>
-          <c:spPr>
-            <a:ln w="25400" cap="rnd">
-              <a:solidFill>
-                <a:schemeClr val="tx1"/>
-              </a:solidFill>
-              <a:round/>
-            </a:ln>
-            <a:effectLst/>
-          </c:spPr>
-          <c:marker>
-            <c:symbol val="none"/>
-          </c:marker>
-          <c:cat>
-            <c:numRef>
-              <c:f>Sheet1!$A$39:$A$51</c:f>
-              <c:numCache>
-                <c:formatCode>General</c:formatCode>
-                <c:ptCount val="13"/>
-                <c:pt idx="0">
-                  <c:v>5</c:v>
-                </c:pt>
-                <c:pt idx="1">
-                  <c:v>10</c:v>
-                </c:pt>
-                <c:pt idx="2">
-                  <c:v>15</c:v>
-                </c:pt>
-                <c:pt idx="3">
-                  <c:v>20</c:v>
-                </c:pt>
-                <c:pt idx="4">
-                  <c:v>30</c:v>
-                </c:pt>
-                <c:pt idx="5">
-                  <c:v>40</c:v>
-                </c:pt>
-                <c:pt idx="6">
-                  <c:v>50</c:v>
-                </c:pt>
-                <c:pt idx="7">
-                  <c:v>75</c:v>
-                </c:pt>
-                <c:pt idx="8">
-                  <c:v>100</c:v>
-                </c:pt>
-                <c:pt idx="9">
-                  <c:v>150</c:v>
-                </c:pt>
-                <c:pt idx="10">
-                  <c:v>200</c:v>
-                </c:pt>
-                <c:pt idx="11">
-                  <c:v>300</c:v>
-                </c:pt>
-                <c:pt idx="12">
-                  <c:v>400</c:v>
-                </c:pt>
-              </c:numCache>
-              <c:extLst xmlns:c15="http://schemas.microsoft.com/office/drawing/2012/chart"/>
-            </c:numRef>
-          </c:cat>
-          <c:val>
-            <c:numRef>
-              <c:f>Sheet1!$B$39:$B$51</c:f>
-              <c:numCache>
-                <c:formatCode>General</c:formatCode>
-                <c:ptCount val="13"/>
-                <c:pt idx="0">
-                  <c:v>48.275643736800184</c:v>
-                </c:pt>
-                <c:pt idx="1">
-                  <c:v>79.745700844568205</c:v>
-                </c:pt>
-                <c:pt idx="2">
-                  <c:v>83.082676005325951</c:v>
-                </c:pt>
-                <c:pt idx="3">
-                  <c:v>100.31233925538501</c:v>
-                </c:pt>
-                <c:pt idx="4">
-                  <c:v>102.9305061684053</c:v>
-                </c:pt>
-                <c:pt idx="5">
-                  <c:v>106.64038936756984</c:v>
-                </c:pt>
-                <c:pt idx="6">
-                  <c:v>107.85873644733994</c:v>
-                </c:pt>
-                <c:pt idx="7">
-                  <c:v>108.22254629152117</c:v>
-                </c:pt>
-                <c:pt idx="8">
-                  <c:v>107.63446156943486</c:v>
-                </c:pt>
-                <c:pt idx="9">
-                  <c:v>107.605033751498</c:v>
-                </c:pt>
-                <c:pt idx="10">
-                  <c:v>107.605033751498</c:v>
-                </c:pt>
-                <c:pt idx="11">
-                  <c:v>108.31154051726779</c:v>
-                </c:pt>
-                <c:pt idx="12">
-                  <c:v>108.31154051726779</c:v>
-                </c:pt>
-              </c:numCache>
-              <c:extLst xmlns:c15="http://schemas.microsoft.com/office/drawing/2012/chart"/>
-            </c:numRef>
-          </c:val>
-          <c:smooth val="0"/>
-          <c:extLst>
-            <c:ext xmlns:c16="http://schemas.microsoft.com/office/drawing/2014/chart" uri="{C3380CC4-5D6E-409C-BE32-E72D297353CC}">
-              <c16:uniqueId val="{00000000-E07D-4AB4-BA60-E3FBA1D8B021}"/>
-            </c:ext>
-          </c:extLst>
-        </c:ser>
-        <c:ser>
-          <c:idx val="1"/>
-          <c:order val="1"/>
-          <c:tx>
-            <c:v>EEV Strict Penalty</c:v>
-          </c:tx>
-          <c:spPr>
-            <a:ln w="25400" cap="rnd">
-              <a:solidFill>
-                <a:schemeClr val="accent2">
-                  <a:lumMod val="75000"/>
-                </a:schemeClr>
-              </a:solidFill>
-              <a:prstDash val="sysDash"/>
-              <a:round/>
-            </a:ln>
-            <a:effectLst/>
-          </c:spPr>
-          <c:marker>
-            <c:symbol val="none"/>
-          </c:marker>
-          <c:cat>
-            <c:numRef>
-              <c:f>Sheet1!$A$39:$A$51</c:f>
-              <c:numCache>
-                <c:formatCode>General</c:formatCode>
-                <c:ptCount val="13"/>
-                <c:pt idx="0">
-                  <c:v>5</c:v>
-                </c:pt>
-                <c:pt idx="1">
-                  <c:v>10</c:v>
-                </c:pt>
-                <c:pt idx="2">
-                  <c:v>15</c:v>
-                </c:pt>
-                <c:pt idx="3">
-                  <c:v>20</c:v>
-                </c:pt>
-                <c:pt idx="4">
-                  <c:v>30</c:v>
-                </c:pt>
-                <c:pt idx="5">
-                  <c:v>40</c:v>
-                </c:pt>
-                <c:pt idx="6">
-                  <c:v>50</c:v>
-                </c:pt>
-                <c:pt idx="7">
-                  <c:v>75</c:v>
-                </c:pt>
-                <c:pt idx="8">
-                  <c:v>100</c:v>
-                </c:pt>
-                <c:pt idx="9">
-                  <c:v>150</c:v>
-                </c:pt>
-                <c:pt idx="10">
-                  <c:v>200</c:v>
-                </c:pt>
-                <c:pt idx="11">
-                  <c:v>300</c:v>
-                </c:pt>
-                <c:pt idx="12">
-                  <c:v>400</c:v>
-                </c:pt>
-              </c:numCache>
-              <c:extLst xmlns:c15="http://schemas.microsoft.com/office/drawing/2012/chart"/>
-            </c:numRef>
-          </c:cat>
-          <c:val>
-            <c:numRef>
-              <c:f>Sheet1!$D$39:$D$51</c:f>
-              <c:numCache>
-                <c:formatCode>General</c:formatCode>
-                <c:ptCount val="13"/>
-                <c:pt idx="0">
-                  <c:v>22.545795752419867</c:v>
-                </c:pt>
-                <c:pt idx="1">
-                  <c:v>22.545795752419867</c:v>
-                </c:pt>
-                <c:pt idx="2">
-                  <c:v>22.545795752419867</c:v>
-                </c:pt>
-                <c:pt idx="3">
-                  <c:v>22.545795752419867</c:v>
-                </c:pt>
-                <c:pt idx="4">
-                  <c:v>22.545795752419867</c:v>
-                </c:pt>
-                <c:pt idx="5">
-                  <c:v>22.545795752419867</c:v>
-                </c:pt>
-                <c:pt idx="6">
-                  <c:v>22.545795752419867</c:v>
-                </c:pt>
-                <c:pt idx="7">
-                  <c:v>22.545795752419867</c:v>
-                </c:pt>
-                <c:pt idx="8">
-                  <c:v>22.545795752419867</c:v>
-                </c:pt>
-                <c:pt idx="9">
-                  <c:v>22.545795752419867</c:v>
-                </c:pt>
-                <c:pt idx="10">
-                  <c:v>22.545795752419867</c:v>
-                </c:pt>
-                <c:pt idx="11">
-                  <c:v>22.545795752419867</c:v>
-                </c:pt>
-                <c:pt idx="12">
-                  <c:v>22.545795752419867</c:v>
-                </c:pt>
-              </c:numCache>
-              <c:extLst xmlns:c15="http://schemas.microsoft.com/office/drawing/2012/chart"/>
-            </c:numRef>
-          </c:val>
-          <c:smooth val="0"/>
-          <c:extLst>
-            <c:ext xmlns:c16="http://schemas.microsoft.com/office/drawing/2014/chart" uri="{C3380CC4-5D6E-409C-BE32-E72D297353CC}">
-              <c16:uniqueId val="{00000001-E07D-4AB4-BA60-E3FBA1D8B021}"/>
-            </c:ext>
-          </c:extLst>
-        </c:ser>
-        <c:ser>
-          <c:idx val="2"/>
-          <c:order val="2"/>
-          <c:tx>
-            <c:v>WS</c:v>
-          </c:tx>
-          <c:spPr>
-            <a:ln w="25400" cap="rnd">
-              <a:solidFill>
-                <a:schemeClr val="accent5"/>
-              </a:solidFill>
-              <a:prstDash val="sysDash"/>
-              <a:round/>
-            </a:ln>
-            <a:effectLst/>
-          </c:spPr>
-          <c:marker>
-            <c:symbol val="none"/>
-          </c:marker>
-          <c:cat>
-            <c:numRef>
-              <c:f>Sheet1!$A$39:$A$51</c:f>
-              <c:numCache>
-                <c:formatCode>General</c:formatCode>
-                <c:ptCount val="13"/>
-                <c:pt idx="0">
-                  <c:v>5</c:v>
-                </c:pt>
-                <c:pt idx="1">
-                  <c:v>10</c:v>
-                </c:pt>
-                <c:pt idx="2">
-                  <c:v>15</c:v>
-                </c:pt>
-                <c:pt idx="3">
-                  <c:v>20</c:v>
-                </c:pt>
-                <c:pt idx="4">
-                  <c:v>30</c:v>
-                </c:pt>
-                <c:pt idx="5">
-                  <c:v>40</c:v>
-                </c:pt>
-                <c:pt idx="6">
-                  <c:v>50</c:v>
-                </c:pt>
-                <c:pt idx="7">
-                  <c:v>75</c:v>
-                </c:pt>
-                <c:pt idx="8">
-                  <c:v>100</c:v>
-                </c:pt>
-                <c:pt idx="9">
-                  <c:v>150</c:v>
-                </c:pt>
-                <c:pt idx="10">
-                  <c:v>200</c:v>
-                </c:pt>
-                <c:pt idx="11">
-                  <c:v>300</c:v>
-                </c:pt>
-                <c:pt idx="12">
-                  <c:v>400</c:v>
-                </c:pt>
-              </c:numCache>
-            </c:numRef>
-          </c:cat>
-          <c:val>
-            <c:numRef>
-              <c:f>Sheet1!$C$39:$C$51</c:f>
-              <c:numCache>
-                <c:formatCode>General</c:formatCode>
-                <c:ptCount val="13"/>
-                <c:pt idx="0">
-                  <c:v>131.86000000000001</c:v>
-                </c:pt>
-                <c:pt idx="1">
-                  <c:v>131.86000000000001</c:v>
-                </c:pt>
-                <c:pt idx="2">
-                  <c:v>131.86000000000001</c:v>
-                </c:pt>
-                <c:pt idx="3">
-                  <c:v>131.86000000000001</c:v>
-                </c:pt>
-                <c:pt idx="4">
-                  <c:v>131.86000000000001</c:v>
-                </c:pt>
-                <c:pt idx="5">
-                  <c:v>131.86000000000001</c:v>
-                </c:pt>
-                <c:pt idx="6">
-                  <c:v>131.86000000000001</c:v>
-                </c:pt>
-                <c:pt idx="7">
-                  <c:v>131.86000000000001</c:v>
-                </c:pt>
-                <c:pt idx="8">
-                  <c:v>131.86000000000001</c:v>
-                </c:pt>
-                <c:pt idx="9">
-                  <c:v>131.86000000000001</c:v>
-                </c:pt>
-                <c:pt idx="10">
-                  <c:v>131.86000000000001</c:v>
-                </c:pt>
-                <c:pt idx="11">
-                  <c:v>131.86000000000001</c:v>
-                </c:pt>
-                <c:pt idx="12">
-                  <c:v>131.86000000000001</c:v>
-                </c:pt>
-              </c:numCache>
-            </c:numRef>
-          </c:val>
-          <c:smooth val="0"/>
-          <c:extLst>
-            <c:ext xmlns:c16="http://schemas.microsoft.com/office/drawing/2014/chart" uri="{C3380CC4-5D6E-409C-BE32-E72D297353CC}">
-              <c16:uniqueId val="{00000002-E07D-4AB4-BA60-E3FBA1D8B021}"/>
-            </c:ext>
-          </c:extLst>
-        </c:ser>
-        <c:dLbls>
-          <c:showLegendKey val="0"/>
-          <c:showVal val="0"/>
-          <c:showCatName val="0"/>
-          <c:showSerName val="0"/>
-          <c:showPercent val="0"/>
-          <c:showBubbleSize val="0"/>
-        </c:dLbls>
-        <c:marker val="1"/>
-        <c:smooth val="0"/>
-        <c:axId val="669610408"/>
-        <c:axId val="669614016"/>
-        <c:extLst>
-          <c:ext xmlns:c15="http://schemas.microsoft.com/office/drawing/2012/chart" uri="{02D57815-91ED-43cb-92C2-25804820EDAC}">
-            <c15:filteredLineSeries>
-              <c15:ser>
-                <c:idx val="7"/>
-                <c:order val="7"/>
-                <c:tx>
-                  <c:v>Switch-Off Penalty</c:v>
-                </c:tx>
-                <c:spPr>
-                  <a:ln w="19050" cap="rnd">
-                    <a:solidFill>
-                      <a:schemeClr val="tx1"/>
-                    </a:solidFill>
-                    <a:round/>
-                  </a:ln>
-                  <a:effectLst/>
-                </c:spPr>
-                <c:marker>
-                  <c:symbol val="none"/>
-                </c:marker>
-                <c:val>
-                  <c:numRef>
-                    <c:extLst>
-                      <c:ext uri="{02D57815-91ED-43cb-92C2-25804820EDAC}">
-                        <c15:formulaRef>
-                          <c15:sqref>Sheet1!$E$39:$E$51</c15:sqref>
-                        </c15:formulaRef>
-                      </c:ext>
-                    </c:extLst>
-                    <c:numCache>
-                      <c:formatCode>General</c:formatCode>
-                      <c:ptCount val="13"/>
-                      <c:pt idx="0">
-                        <c:v>108.27187127943978</c:v>
-                      </c:pt>
-                      <c:pt idx="1">
-                        <c:v>113.67031379430423</c:v>
-                      </c:pt>
-                      <c:pt idx="2">
-                        <c:v>114.21539494830016</c:v>
-                      </c:pt>
-                      <c:pt idx="3">
-                        <c:v>116.08138426208811</c:v>
-                      </c:pt>
-                      <c:pt idx="4">
-                        <c:v>115.35200699157679</c:v>
-                      </c:pt>
-                      <c:pt idx="5">
-                        <c:v>115.0099528276165</c:v>
-                      </c:pt>
-                      <c:pt idx="6">
-                        <c:v>114.69560382312626</c:v>
-                      </c:pt>
-                      <c:pt idx="7">
-                        <c:v>114.08852893125128</c:v>
-                      </c:pt>
-                      <c:pt idx="8">
-                        <c:v>112.93770485283977</c:v>
-                      </c:pt>
-                      <c:pt idx="9">
-                        <c:v>112.91023522267056</c:v>
-                      </c:pt>
-                      <c:pt idx="10">
-                        <c:v>112.91023522267056</c:v>
-                      </c:pt>
-                      <c:pt idx="11">
-                        <c:v>111.63559539105303</c:v>
-                      </c:pt>
-                      <c:pt idx="12">
-                        <c:v>111.63559539105303</c:v>
-                      </c:pt>
-                    </c:numCache>
-                  </c:numRef>
-                </c:val>
-                <c:smooth val="0"/>
-                <c:extLst>
-                  <c:ext xmlns:c16="http://schemas.microsoft.com/office/drawing/2014/chart" uri="{C3380CC4-5D6E-409C-BE32-E72D297353CC}">
-                    <c16:uniqueId val="{00000007-E07D-4AB4-BA60-E3FBA1D8B021}"/>
-                  </c:ext>
-                </c:extLst>
-              </c15:ser>
-            </c15:filteredLineSeries>
-            <c15:filteredLineSeries>
-              <c15:ser>
-                <c:idx val="8"/>
-                <c:order val="8"/>
-                <c:tx>
-                  <c:v>EEV Switch-Off</c:v>
-                </c:tx>
-                <c:spPr>
-                  <a:ln w="19050" cap="rnd">
-                    <a:solidFill>
-                      <a:schemeClr val="accent2">
-                        <a:lumMod val="75000"/>
-                      </a:schemeClr>
-                    </a:solidFill>
-                    <a:prstDash val="sysDash"/>
-                    <a:round/>
-                  </a:ln>
-                  <a:effectLst/>
-                </c:spPr>
-                <c:marker>
-                  <c:symbol val="none"/>
-                </c:marker>
-                <c:val>
-                  <c:numRef>
-                    <c:extLst xmlns:c15="http://schemas.microsoft.com/office/drawing/2012/chart">
-                      <c:ext xmlns:c15="http://schemas.microsoft.com/office/drawing/2012/chart" uri="{02D57815-91ED-43cb-92C2-25804820EDAC}">
-                        <c15:formulaRef>
-                          <c15:sqref>Sheet1!$F$39:$F$51</c15:sqref>
-                        </c15:formulaRef>
-                      </c:ext>
-                    </c:extLst>
-                    <c:numCache>
-                      <c:formatCode>General</c:formatCode>
-                      <c:ptCount val="13"/>
-                      <c:pt idx="0">
-                        <c:v>99.429301529510141</c:v>
-                      </c:pt>
-                      <c:pt idx="1">
-                        <c:v>99.429301529510141</c:v>
-                      </c:pt>
-                      <c:pt idx="2">
-                        <c:v>99.429301529510141</c:v>
-                      </c:pt>
-                      <c:pt idx="3">
-                        <c:v>99.429301529510141</c:v>
-                      </c:pt>
-                      <c:pt idx="4">
-                        <c:v>99.429301529510141</c:v>
-                      </c:pt>
-                      <c:pt idx="5">
-                        <c:v>99.429301529510141</c:v>
-                      </c:pt>
-                      <c:pt idx="6">
-                        <c:v>99.429301529510141</c:v>
-                      </c:pt>
-                      <c:pt idx="7">
-                        <c:v>99.429301529510141</c:v>
-                      </c:pt>
-                      <c:pt idx="8">
-                        <c:v>99.429301529510141</c:v>
-                      </c:pt>
-                      <c:pt idx="9">
-                        <c:v>99.429301529510141</c:v>
-                      </c:pt>
-                      <c:pt idx="10">
-                        <c:v>99.429301529510141</c:v>
-                      </c:pt>
-                      <c:pt idx="11">
-                        <c:v>99.429301529510141</c:v>
-                      </c:pt>
-                      <c:pt idx="12">
-                        <c:v>99.429301529510141</c:v>
-                      </c:pt>
-                    </c:numCache>
-                  </c:numRef>
-                </c:val>
-                <c:smooth val="0"/>
-                <c:extLst xmlns:c15="http://schemas.microsoft.com/office/drawing/2012/chart">
-                  <c:ext xmlns:c16="http://schemas.microsoft.com/office/drawing/2014/chart" uri="{C3380CC4-5D6E-409C-BE32-E72D297353CC}">
-                    <c16:uniqueId val="{00000008-E07D-4AB4-BA60-E3FBA1D8B021}"/>
-                  </c:ext>
-                </c:extLst>
-              </c15:ser>
-            </c15:filteredLineSeries>
-            <c15:filteredLineSeries>
-              <c15:ser>
-                <c:idx val="9"/>
-                <c:order val="9"/>
-                <c:tx>
-                  <c:v>RA ObjVal</c:v>
-                </c:tx>
-                <c:spPr>
-                  <a:ln w="19050" cap="rnd">
-                    <a:solidFill>
-                      <a:schemeClr val="accent1"/>
-                    </a:solidFill>
-                    <a:round/>
-                  </a:ln>
-                  <a:effectLst/>
-                </c:spPr>
-                <c:marker>
-                  <c:symbol val="none"/>
-                </c:marker>
-                <c:val>
-                  <c:numRef>
-                    <c:extLst xmlns:c15="http://schemas.microsoft.com/office/drawing/2012/chart">
-                      <c:ext xmlns:c15="http://schemas.microsoft.com/office/drawing/2012/chart" uri="{02D57815-91ED-43cb-92C2-25804820EDAC}">
-                        <c15:formulaRef>
-                          <c15:sqref>Sheet1!$G$39:$G$50</c15:sqref>
-                        </c15:formulaRef>
-                      </c:ext>
-                    </c:extLst>
-                    <c:numCache>
-                      <c:formatCode>General</c:formatCode>
-                      <c:ptCount val="12"/>
-                      <c:pt idx="0">
-                        <c:v>109.20354038562397</c:v>
-                      </c:pt>
-                      <c:pt idx="1">
-                        <c:v>112.78804965807207</c:v>
-                      </c:pt>
-                      <c:pt idx="2">
-                        <c:v>117.15078233754488</c:v>
-                      </c:pt>
-                      <c:pt idx="3">
-                        <c:v>117.63506396257284</c:v>
-                      </c:pt>
-                      <c:pt idx="4">
-                        <c:v>119.35093760876916</c:v>
-                      </c:pt>
-                      <c:pt idx="5">
-                        <c:v>116.68525913860371</c:v>
-                      </c:pt>
-                      <c:pt idx="6">
-                        <c:v>115.87529231821765</c:v>
-                      </c:pt>
-                      <c:pt idx="7">
-                        <c:v>115.87648862685775</c:v>
-                      </c:pt>
-                      <c:pt idx="8">
-                        <c:v>114.75802726767851</c:v>
-                      </c:pt>
-                      <c:pt idx="9">
-                        <c:v>112.61797262974525</c:v>
-                      </c:pt>
-                      <c:pt idx="10">
-                        <c:v>112.65443546698727</c:v>
-                      </c:pt>
-                    </c:numCache>
-                  </c:numRef>
-                </c:val>
-                <c:smooth val="0"/>
-                <c:extLst xmlns:c15="http://schemas.microsoft.com/office/drawing/2012/chart">
-                  <c:ext xmlns:c16="http://schemas.microsoft.com/office/drawing/2014/chart" uri="{C3380CC4-5D6E-409C-BE32-E72D297353CC}">
-                    <c16:uniqueId val="{00000009-E07D-4AB4-BA60-E3FBA1D8B021}"/>
-                  </c:ext>
-                </c:extLst>
-              </c15:ser>
-            </c15:filteredLineSeries>
-          </c:ext>
-        </c:extLst>
-      </c:lineChart>
-      <c:catAx>
-        <c:axId val="669610408"/>
-        <c:scaling>
-          <c:orientation val="minMax"/>
-        </c:scaling>
-        <c:delete val="0"/>
-        <c:axPos val="b"/>
-        <c:title>
-          <c:tx>
-            <c:rich>
-              <a:bodyPr rot="0" spcFirstLastPara="1" vertOverflow="ellipsis" vert="horz" wrap="square" anchor="ctr" anchorCtr="1"/>
-              <a:lstStyle/>
-              <a:p>
-                <a:pPr>
-                  <a:defRPr sz="1800" b="0" i="0" u="none" strike="noStrike" kern="1200" baseline="0">
-                    <a:solidFill>
-                      <a:schemeClr val="tx1">
-                        <a:lumMod val="65000"/>
-                        <a:lumOff val="35000"/>
-                      </a:schemeClr>
-                    </a:solidFill>
-                    <a:latin typeface="+mn-lt"/>
-                    <a:ea typeface="+mn-ea"/>
-                    <a:cs typeface="+mn-cs"/>
-                  </a:defRPr>
-                </a:pPr>
-                <a:r>
-                  <a:rPr lang="nb-NO" sz="1800"/>
-                  <a:t>Scenarios</a:t>
-                </a:r>
-              </a:p>
-            </c:rich>
-          </c:tx>
-          <c:overlay val="0"/>
-          <c:spPr>
-            <a:noFill/>
-            <a:ln>
-              <a:noFill/>
-            </a:ln>
-            <a:effectLst/>
-          </c:spPr>
-          <c:txPr>
-            <a:bodyPr rot="0" spcFirstLastPara="1" vertOverflow="ellipsis" vert="horz" wrap="square" anchor="ctr" anchorCtr="1"/>
-            <a:lstStyle/>
-            <a:p>
-              <a:pPr>
-                <a:defRPr sz="1800" b="0" i="0" u="none" strike="noStrike" kern="1200" baseline="0">
-                  <a:solidFill>
-                    <a:schemeClr val="tx1">
-                      <a:lumMod val="65000"/>
-                      <a:lumOff val="35000"/>
-                    </a:schemeClr>
-                  </a:solidFill>
-                  <a:latin typeface="+mn-lt"/>
-                  <a:ea typeface="+mn-ea"/>
-                  <a:cs typeface="+mn-cs"/>
-                </a:defRPr>
-              </a:pPr>
-              <a:endParaRPr lang="nb-NO"/>
-            </a:p>
-          </c:txPr>
-        </c:title>
-        <c:numFmt formatCode="General" sourceLinked="1"/>
-        <c:majorTickMark val="none"/>
-        <c:minorTickMark val="none"/>
-        <c:tickLblPos val="nextTo"/>
-        <c:spPr>
-          <a:noFill/>
-          <a:ln w="9525" cap="flat" cmpd="sng" algn="ctr">
-            <a:solidFill>
-              <a:schemeClr val="tx1">
-                <a:lumMod val="25000"/>
-                <a:lumOff val="75000"/>
-              </a:schemeClr>
-            </a:solidFill>
-            <a:round/>
-          </a:ln>
-          <a:effectLst/>
-        </c:spPr>
-        <c:txPr>
-          <a:bodyPr rot="-60000000" spcFirstLastPara="1" vertOverflow="ellipsis" vert="horz" wrap="square" anchor="ctr" anchorCtr="1"/>
-          <a:lstStyle/>
-          <a:p>
-            <a:pPr>
-              <a:defRPr sz="2000" b="0" i="0" u="none" strike="noStrike" kern="1200" baseline="0">
-                <a:solidFill>
-                  <a:schemeClr val="tx1">
-                    <a:lumMod val="65000"/>
-                    <a:lumOff val="35000"/>
-                  </a:schemeClr>
-                </a:solidFill>
-                <a:latin typeface="+mn-lt"/>
-                <a:ea typeface="+mn-ea"/>
-                <a:cs typeface="+mn-cs"/>
-              </a:defRPr>
-            </a:pPr>
-            <a:endParaRPr lang="nb-NO"/>
-          </a:p>
-        </c:txPr>
-        <c:crossAx val="669614016"/>
-        <c:crosses val="autoZero"/>
-        <c:auto val="1"/>
-        <c:lblAlgn val="ctr"/>
-        <c:lblOffset val="100"/>
-        <c:noMultiLvlLbl val="0"/>
-      </c:catAx>
-      <c:valAx>
-        <c:axId val="669614016"/>
-        <c:scaling>
-          <c:orientation val="minMax"/>
-          <c:min val="18"/>
-        </c:scaling>
-        <c:delete val="0"/>
-        <c:axPos val="l"/>
-        <c:title>
-          <c:tx>
-            <c:rich>
-              <a:bodyPr rot="-5400000" spcFirstLastPara="1" vertOverflow="ellipsis" vert="horz" wrap="square" anchor="ctr" anchorCtr="1"/>
-              <a:lstStyle/>
-              <a:p>
-                <a:pPr>
-                  <a:defRPr sz="1000" b="0" i="0" u="none" strike="noStrike" kern="1200" baseline="0">
-                    <a:solidFill>
-                      <a:schemeClr val="tx1">
-                        <a:lumMod val="65000"/>
-                        <a:lumOff val="35000"/>
-                      </a:schemeClr>
-                    </a:solidFill>
-                    <a:latin typeface="+mn-lt"/>
-                    <a:ea typeface="+mn-ea"/>
-                    <a:cs typeface="+mn-cs"/>
-                  </a:defRPr>
-                </a:pPr>
-                <a:r>
-                  <a:rPr lang="nb-NO" sz="1800" b="0" i="0" baseline="0">
-                    <a:effectLst/>
-                  </a:rPr>
-                  <a:t>Oil Output [Sm3/h]</a:t>
-                </a:r>
-                <a:endParaRPr lang="nb-NO">
-                  <a:effectLst/>
-                </a:endParaRPr>
-              </a:p>
-            </c:rich>
-          </c:tx>
-          <c:overlay val="0"/>
-          <c:spPr>
-            <a:noFill/>
-            <a:ln>
-              <a:noFill/>
-            </a:ln>
-            <a:effectLst/>
-          </c:spPr>
-          <c:txPr>
-            <a:bodyPr rot="-5400000" spcFirstLastPara="1" vertOverflow="ellipsis" vert="horz" wrap="square" anchor="ctr" anchorCtr="1"/>
-            <a:lstStyle/>
-            <a:p>
-              <a:pPr>
-                <a:defRPr sz="1000" b="0" i="0" u="none" strike="noStrike" kern="1200" baseline="0">
-                  <a:solidFill>
-                    <a:schemeClr val="tx1">
-                      <a:lumMod val="65000"/>
-                      <a:lumOff val="35000"/>
-                    </a:schemeClr>
-                  </a:solidFill>
-                  <a:latin typeface="+mn-lt"/>
-                  <a:ea typeface="+mn-ea"/>
-                  <a:cs typeface="+mn-cs"/>
-                </a:defRPr>
-              </a:pPr>
-              <a:endParaRPr lang="nb-NO"/>
-            </a:p>
-          </c:txPr>
-        </c:title>
-        <c:numFmt formatCode="General" sourceLinked="1"/>
-        <c:majorTickMark val="none"/>
-        <c:minorTickMark val="none"/>
-        <c:tickLblPos val="nextTo"/>
-        <c:spPr>
-          <a:noFill/>
-          <a:ln w="9525" cap="flat" cmpd="sng" algn="ctr">
-            <a:solidFill>
-              <a:schemeClr val="tx1">
-                <a:lumMod val="25000"/>
-                <a:lumOff val="75000"/>
-              </a:schemeClr>
-            </a:solidFill>
-            <a:round/>
-          </a:ln>
-          <a:effectLst/>
-        </c:spPr>
-        <c:txPr>
-          <a:bodyPr rot="-60000000" spcFirstLastPara="1" vertOverflow="ellipsis" vert="horz" wrap="square" anchor="ctr" anchorCtr="1"/>
-          <a:lstStyle/>
-          <a:p>
-            <a:pPr>
-              <a:defRPr sz="1600" b="0" i="0" u="none" strike="noStrike" kern="1200" baseline="0">
-                <a:solidFill>
-                  <a:schemeClr val="tx1">
-                    <a:lumMod val="65000"/>
-                    <a:lumOff val="35000"/>
-                  </a:schemeClr>
-                </a:solidFill>
-                <a:latin typeface="+mn-lt"/>
-                <a:ea typeface="+mn-ea"/>
-                <a:cs typeface="+mn-cs"/>
-              </a:defRPr>
-            </a:pPr>
-            <a:endParaRPr lang="nb-NO"/>
-          </a:p>
-        </c:txPr>
-        <c:crossAx val="669610408"/>
-        <c:crosses val="autoZero"/>
-        <c:crossBetween val="between"/>
-      </c:valAx>
-      <c:spPr>
-        <a:noFill/>
-        <a:ln>
-          <a:noFill/>
-        </a:ln>
-        <a:effectLst/>
-      </c:spPr>
-    </c:plotArea>
-    <c:legend>
-      <c:legendPos val="b"/>
-      <c:overlay val="0"/>
-      <c:spPr>
-        <a:noFill/>
-        <a:ln>
-          <a:noFill/>
-        </a:ln>
-        <a:effectLst/>
-      </c:spPr>
-      <c:txPr>
-        <a:bodyPr rot="0" spcFirstLastPara="1" vertOverflow="ellipsis" vert="horz" wrap="square" anchor="ctr" anchorCtr="1"/>
-        <a:lstStyle/>
-        <a:p>
-          <a:pPr>
-            <a:defRPr sz="1800" b="0" i="0" u="none" strike="noStrike" kern="1200" baseline="0">
-              <a:solidFill>
-                <a:schemeClr val="tx1">
-                  <a:lumMod val="65000"/>
-                  <a:lumOff val="35000"/>
-                </a:schemeClr>
-              </a:solidFill>
-              <a:latin typeface="+mn-lt"/>
-              <a:ea typeface="+mn-ea"/>
-              <a:cs typeface="+mn-cs"/>
-            </a:defRPr>
-          </a:pPr>
-          <a:endParaRPr lang="nb-NO"/>
-        </a:p>
-      </c:txPr>
-    </c:legend>
-    <c:plotVisOnly val="1"/>
-    <c:dispBlanksAs val="gap"/>
-    <c:showDLblsOverMax val="0"/>
-  </c:chart>
-  <c:spPr>
-    <a:noFill/>
-    <a:ln>
-      <a:noFill/>
-    </a:ln>
-    <a:effectLst/>
-  </c:spPr>
-  <c:txPr>
-    <a:bodyPr/>
-    <a:lstStyle/>
-    <a:p>
-      <a:pPr>
-        <a:defRPr/>
-      </a:pPr>
-      <a:endParaRPr lang="nb-NO"/>
-    </a:p>
-  </c:txPr>
-  <c:externalData r:id="rId3">
-    <c:autoUpdate val="0"/>
-  </c:externalData>
-</c:chartSpace>
-</file>
-
-<file path=ppt/charts/chart7.xml><?xml version="1.0" encoding="utf-8"?>
-<c:chartSpace xmlns:c="http://schemas.openxmlformats.org/drawingml/2006/chart" xmlns:a="http://schemas.openxmlformats.org/drawingml/2006/main" xmlns:r="http://schemas.openxmlformats.org/officeDocument/2006/relationships" xmlns:c16r2="http://schemas.microsoft.com/office/drawing/2015/06/chart">
-  <c:date1904 val="0"/>
-  <c:lang val="en-US"/>
-  <c:roundedCorners val="0"/>
-  <mc:AlternateContent xmlns:mc="http://schemas.openxmlformats.org/markup-compatibility/2006">
-    <mc:Choice xmlns:c14="http://schemas.microsoft.com/office/drawing/2007/8/2/chart" Requires="c14">
-      <c14:style val="102"/>
-    </mc:Choice>
-    <mc:Fallback>
-      <c:style val="2"/>
-    </mc:Fallback>
-  </mc:AlternateContent>
-  <c:chart>
-    <c:title>
-      <c:tx>
-        <c:rich>
-          <a:bodyPr rot="0" spcFirstLastPara="1" vertOverflow="ellipsis" vert="horz" wrap="square" anchor="ctr" anchorCtr="1"/>
-          <a:lstStyle/>
-          <a:p>
-            <a:pPr>
-              <a:defRPr sz="2400" b="0" i="0" u="none" strike="noStrike" kern="1200" spc="0" baseline="0">
-                <a:solidFill>
-                  <a:schemeClr val="tx1">
-                    <a:lumMod val="65000"/>
-                    <a:lumOff val="35000"/>
-                  </a:schemeClr>
-                </a:solidFill>
-                <a:latin typeface="+mn-lt"/>
-                <a:ea typeface="+mn-ea"/>
-                <a:cs typeface="+mn-cs"/>
-              </a:defRPr>
-            </a:pPr>
-            <a:r>
-              <a:rPr lang="nb-NO" sz="2400"/>
-              <a:t>Initial Case</a:t>
-            </a:r>
-            <a:r>
-              <a:rPr lang="nb-NO" sz="2400" baseline="0"/>
-              <a:t> A: Objective Value Comparison</a:t>
-            </a:r>
-            <a:endParaRPr lang="nb-NO" sz="2400"/>
-          </a:p>
-        </c:rich>
-      </c:tx>
       <c:layout/>
       <c:overlay val="0"/>
       <c:spPr>
@@ -7194,7 +4530,7 @@
                 </c:val>
                 <c:extLst>
                   <c:ext xmlns:c16="http://schemas.microsoft.com/office/drawing/2014/chart" uri="{C3380CC4-5D6E-409C-BE32-E72D297353CC}">
-                    <c16:uniqueId val="{00000005-6FF2-4863-AE4A-9115D151CE92}"/>
+                    <c16:uniqueId val="{00000005-3515-4BA9-AB47-FA54EEE18ADB}"/>
                   </c:ext>
                 </c:extLst>
               </c15:ser>
@@ -7271,7 +4607,7 @@
                 </c:val>
                 <c:extLst xmlns:c15="http://schemas.microsoft.com/office/drawing/2012/chart">
                   <c:ext xmlns:c16="http://schemas.microsoft.com/office/drawing/2014/chart" uri="{C3380CC4-5D6E-409C-BE32-E72D297353CC}">
-                    <c16:uniqueId val="{00000006-6FF2-4863-AE4A-9115D151CE92}"/>
+                    <c16:uniqueId val="{00000006-3515-4BA9-AB47-FA54EEE18ADB}"/>
                   </c:ext>
                 </c:extLst>
               </c15:ser>
@@ -7290,11 +4626,7 @@
                     </a:schemeClr>
                   </a:solidFill>
                   <a:ln>
-                    <a:solidFill>
-                      <a:schemeClr val="accent6">
-                        <a:lumMod val="75000"/>
-                      </a:schemeClr>
-                    </a:solidFill>
+                    <a:noFill/>
                   </a:ln>
                   <a:effectLst/>
                 </c:spPr>
@@ -7354,7 +4686,7 @@
                 </c:val>
                 <c:extLst xmlns:c15="http://schemas.microsoft.com/office/drawing/2012/chart">
                   <c:ext xmlns:c16="http://schemas.microsoft.com/office/drawing/2014/chart" uri="{C3380CC4-5D6E-409C-BE32-E72D297353CC}">
-                    <c16:uniqueId val="{00000007-6FF2-4863-AE4A-9115D151CE92}"/>
+                    <c16:uniqueId val="{00000007-3515-4BA9-AB47-FA54EEE18ADB}"/>
                   </c:ext>
                 </c:extLst>
               </c15:ser>
@@ -7431,7 +4763,7 @@
                 </c:val>
                 <c:extLst xmlns:c15="http://schemas.microsoft.com/office/drawing/2012/chart">
                   <c:ext xmlns:c16="http://schemas.microsoft.com/office/drawing/2014/chart" uri="{C3380CC4-5D6E-409C-BE32-E72D297353CC}">
-                    <c16:uniqueId val="{00000008-6FF2-4863-AE4A-9115D151CE92}"/>
+                    <c16:uniqueId val="{00000008-3515-4BA9-AB47-FA54EEE18ADB}"/>
                   </c:ext>
                 </c:extLst>
               </c15:ser>
@@ -7443,16 +4775,17 @@
         <c:grouping val="standard"/>
         <c:varyColors val="0"/>
         <c:ser>
-          <c:idx val="0"/>
-          <c:order val="0"/>
+          <c:idx val="2"/>
+          <c:order val="2"/>
           <c:tx>
-            <c:v>Strict Penalty</c:v>
+            <c:v>WS</c:v>
           </c:tx>
           <c:spPr>
             <a:ln w="25400" cap="rnd">
               <a:solidFill>
-                <a:schemeClr val="accent6"/>
+                <a:schemeClr val="accent5"/>
               </a:solidFill>
+              <a:prstDash val="sysDash"/>
               <a:round/>
             </a:ln>
             <a:effectLst/>
@@ -7506,53 +4839,52 @@
                   <c:v>400</c:v>
                 </c:pt>
               </c:numCache>
-              <c:extLst xmlns:c15="http://schemas.microsoft.com/office/drawing/2012/chart"/>
             </c:numRef>
           </c:cat>
           <c:val>
             <c:numRef>
-              <c:f>Sheet1!$E$56:$E$68</c:f>
+              <c:f>Sheet1!$C$39:$C$51</c:f>
               <c:numCache>
                 <c:formatCode>General</c:formatCode>
                 <c:ptCount val="13"/>
                 <c:pt idx="0">
-                  <c:v>92.408536944526261</c:v>
+                  <c:v>131.86000000000001</c:v>
                 </c:pt>
                 <c:pt idx="1">
-                  <c:v>110.46002300648922</c:v>
+                  <c:v>131.86000000000001</c:v>
                 </c:pt>
                 <c:pt idx="2">
-                  <c:v>118.23400143363257</c:v>
+                  <c:v>131.86000000000001</c:v>
                 </c:pt>
                 <c:pt idx="3">
-                  <c:v>118.23400143363043</c:v>
+                  <c:v>131.86000000000001</c:v>
                 </c:pt>
                 <c:pt idx="4">
-                  <c:v>125.43687005537154</c:v>
+                  <c:v>131.86000000000001</c:v>
                 </c:pt>
                 <c:pt idx="5">
-                  <c:v>125.43687005537154</c:v>
+                  <c:v>131.86000000000001</c:v>
                 </c:pt>
                 <c:pt idx="6">
-                  <c:v>125.74267155861624</c:v>
+                  <c:v>131.86000000000001</c:v>
                 </c:pt>
                 <c:pt idx="7">
-                  <c:v>126.35921352797935</c:v>
+                  <c:v>131.86000000000001</c:v>
                 </c:pt>
                 <c:pt idx="8">
-                  <c:v>126.35921352797935</c:v>
+                  <c:v>131.86000000000001</c:v>
                 </c:pt>
                 <c:pt idx="9">
-                  <c:v>126.35921352797935</c:v>
+                  <c:v>131.86000000000001</c:v>
                 </c:pt>
                 <c:pt idx="10">
-                  <c:v>127.49336474121159</c:v>
+                  <c:v>131.86000000000001</c:v>
                 </c:pt>
                 <c:pt idx="11">
-                  <c:v>127.49336474121159</c:v>
+                  <c:v>131.86000000000001</c:v>
                 </c:pt>
                 <c:pt idx="12">
-                  <c:v>127.8647868552555</c:v>
+                  <c:v>131.86000000000001</c:v>
                 </c:pt>
               </c:numCache>
             </c:numRef>
@@ -7560,7 +4892,7 @@
           <c:smooth val="0"/>
           <c:extLst>
             <c:ext xmlns:c16="http://schemas.microsoft.com/office/drawing/2014/chart" uri="{C3380CC4-5D6E-409C-BE32-E72D297353CC}">
-              <c16:uniqueId val="{00000000-6FF2-4863-AE4A-9115D151CE92}"/>
+              <c16:uniqueId val="{00000000-3515-4BA9-AB47-FA54EEE18ADB}"/>
             </c:ext>
           </c:extLst>
         </c:ser>
@@ -7568,80 +4900,7 @@
           <c:idx val="7"/>
           <c:order val="7"/>
           <c:tx>
-            <c:v>Reversion Penalty</c:v>
-          </c:tx>
-          <c:spPr>
-            <a:ln w="25400" cap="rnd">
-              <a:solidFill>
-                <a:schemeClr val="accent1"/>
-              </a:solidFill>
-              <a:round/>
-            </a:ln>
-            <a:effectLst/>
-          </c:spPr>
-          <c:marker>
-            <c:symbol val="none"/>
-          </c:marker>
-          <c:val>
-            <c:numRef>
-              <c:f>Sheet1!$F$56:$F$68</c:f>
-              <c:numCache>
-                <c:formatCode>General</c:formatCode>
-                <c:ptCount val="13"/>
-                <c:pt idx="0">
-                  <c:v>128.85223961904114</c:v>
-                </c:pt>
-                <c:pt idx="1">
-                  <c:v>130.95960576090386</c:v>
-                </c:pt>
-                <c:pt idx="2">
-                  <c:v>130.76152422799706</c:v>
-                </c:pt>
-                <c:pt idx="3">
-                  <c:v>130.7615242279949</c:v>
-                </c:pt>
-                <c:pt idx="4">
-                  <c:v>131.70063145255378</c:v>
-                </c:pt>
-                <c:pt idx="5">
-                  <c:v>131.70063145255378</c:v>
-                </c:pt>
-                <c:pt idx="6">
-                  <c:v>130.86756724721988</c:v>
-                </c:pt>
-                <c:pt idx="7">
-                  <c:v>128.06751209084723</c:v>
-                </c:pt>
-                <c:pt idx="8">
-                  <c:v>128.06751209084723</c:v>
-                </c:pt>
-                <c:pt idx="9">
-                  <c:v>128.06751209084723</c:v>
-                </c:pt>
-                <c:pt idx="10">
-                  <c:v>128.06279759550088</c:v>
-                </c:pt>
-                <c:pt idx="11">
-                  <c:v>128.06279759550088</c:v>
-                </c:pt>
-                <c:pt idx="12">
-                  <c:v>127.8647868552555</c:v>
-                </c:pt>
-              </c:numCache>
-            </c:numRef>
-          </c:val>
-          <c:smooth val="0"/>
-          <c:extLst>
-            <c:ext xmlns:c16="http://schemas.microsoft.com/office/drawing/2014/chart" uri="{C3380CC4-5D6E-409C-BE32-E72D297353CC}">
-              <c16:uniqueId val="{00000001-6FF2-4863-AE4A-9115D151CE92}"/>
-            </c:ext>
-          </c:extLst>
-        </c:ser>
-        <c:ser>
-          <c:idx val="9"/>
-          <c:order val="9"/>
-          <c:tx>
-            <c:v>RA ObjVal</c:v>
+            <c:v>Switch-Off Penalty</c:v>
           </c:tx>
           <c:spPr>
             <a:ln w="25400" cap="rnd">
@@ -7657,48 +4916,48 @@
           </c:marker>
           <c:val>
             <c:numRef>
-              <c:f>Sheet1!$G$56:$G$68</c:f>
+              <c:f>Sheet1!$E$39:$E$51</c:f>
               <c:numCache>
                 <c:formatCode>General</c:formatCode>
                 <c:ptCount val="13"/>
                 <c:pt idx="0">
-                  <c:v>126.96</c:v>
+                  <c:v>108.27187127943978</c:v>
                 </c:pt>
                 <c:pt idx="1">
-                  <c:v>130.75</c:v>
+                  <c:v>113.67031379430423</c:v>
                 </c:pt>
                 <c:pt idx="2">
-                  <c:v>130.47</c:v>
+                  <c:v>114.21539494830016</c:v>
                 </c:pt>
                 <c:pt idx="3">
-                  <c:v>130.47</c:v>
+                  <c:v>116.08138426208811</c:v>
                 </c:pt>
                 <c:pt idx="4">
-                  <c:v>131.04499999999999</c:v>
+                  <c:v>115.35200699157679</c:v>
                 </c:pt>
                 <c:pt idx="5">
-                  <c:v>129.83000000000001</c:v>
+                  <c:v>115.0099528276165</c:v>
                 </c:pt>
                 <c:pt idx="6">
-                  <c:v>129.83000000000001</c:v>
+                  <c:v>114.69560382312626</c:v>
                 </c:pt>
                 <c:pt idx="7">
-                  <c:v>127.79</c:v>
+                  <c:v>114.08852893125128</c:v>
                 </c:pt>
                 <c:pt idx="8">
-                  <c:v>127.79</c:v>
+                  <c:v>112.93770485283977</c:v>
                 </c:pt>
                 <c:pt idx="9">
-                  <c:v>127.53</c:v>
+                  <c:v>112.91023522267056</c:v>
                 </c:pt>
                 <c:pt idx="10">
-                  <c:v>128.53</c:v>
+                  <c:v>112.91023522267056</c:v>
                 </c:pt>
                 <c:pt idx="11">
-                  <c:v>128.53</c:v>
+                  <c:v>111.63559539105303</c:v>
                 </c:pt>
                 <c:pt idx="12">
-                  <c:v>128.19999999999999</c:v>
+                  <c:v>111.63559539105303</c:v>
                 </c:pt>
               </c:numCache>
             </c:numRef>
@@ -7706,7 +4965,83 @@
           <c:smooth val="0"/>
           <c:extLst>
             <c:ext xmlns:c16="http://schemas.microsoft.com/office/drawing/2014/chart" uri="{C3380CC4-5D6E-409C-BE32-E72D297353CC}">
-              <c16:uniqueId val="{00000002-6FF2-4863-AE4A-9115D151CE92}"/>
+              <c16:uniqueId val="{00000001-3515-4BA9-AB47-FA54EEE18ADB}"/>
+            </c:ext>
+          </c:extLst>
+        </c:ser>
+        <c:ser>
+          <c:idx val="8"/>
+          <c:order val="8"/>
+          <c:tx>
+            <c:v>EEV Switch-Off</c:v>
+          </c:tx>
+          <c:spPr>
+            <a:ln w="25400" cap="rnd">
+              <a:solidFill>
+                <a:schemeClr val="accent2">
+                  <a:lumMod val="75000"/>
+                </a:schemeClr>
+              </a:solidFill>
+              <a:prstDash val="sysDash"/>
+              <a:round/>
+            </a:ln>
+            <a:effectLst/>
+          </c:spPr>
+          <c:marker>
+            <c:symbol val="none"/>
+          </c:marker>
+          <c:val>
+            <c:numRef>
+              <c:f>Sheet1!$F$39:$F$51</c:f>
+              <c:numCache>
+                <c:formatCode>General</c:formatCode>
+                <c:ptCount val="13"/>
+                <c:pt idx="0">
+                  <c:v>99.429301529510141</c:v>
+                </c:pt>
+                <c:pt idx="1">
+                  <c:v>99.429301529510141</c:v>
+                </c:pt>
+                <c:pt idx="2">
+                  <c:v>99.429301529510141</c:v>
+                </c:pt>
+                <c:pt idx="3">
+                  <c:v>99.429301529510141</c:v>
+                </c:pt>
+                <c:pt idx="4">
+                  <c:v>99.429301529510141</c:v>
+                </c:pt>
+                <c:pt idx="5">
+                  <c:v>99.429301529510141</c:v>
+                </c:pt>
+                <c:pt idx="6">
+                  <c:v>99.429301529510141</c:v>
+                </c:pt>
+                <c:pt idx="7">
+                  <c:v>99.429301529510141</c:v>
+                </c:pt>
+                <c:pt idx="8">
+                  <c:v>99.429301529510141</c:v>
+                </c:pt>
+                <c:pt idx="9">
+                  <c:v>99.429301529510141</c:v>
+                </c:pt>
+                <c:pt idx="10">
+                  <c:v>99.429301529510141</c:v>
+                </c:pt>
+                <c:pt idx="11">
+                  <c:v>99.429301529510141</c:v>
+                </c:pt>
+                <c:pt idx="12">
+                  <c:v>99.429301529510141</c:v>
+                </c:pt>
+              </c:numCache>
+            </c:numRef>
+          </c:val>
+          <c:smooth val="0"/>
+          <c:extLst>
+            <c:ext xmlns:c16="http://schemas.microsoft.com/office/drawing/2014/chart" uri="{C3380CC4-5D6E-409C-BE32-E72D297353CC}">
+              <c16:uniqueId val="{00000002-3515-4BA9-AB47-FA54EEE18ADB}"/>
             </c:ext>
           </c:extLst>
         </c:ser>
@@ -7726,13 +5061,13 @@
           <c:ext xmlns:c15="http://schemas.microsoft.com/office/drawing/2012/chart" uri="{02D57815-91ED-43cb-92C2-25804820EDAC}">
             <c15:filteredLineSeries>
               <c15:ser>
-                <c:idx val="1"/>
-                <c:order val="1"/>
+                <c:idx val="0"/>
+                <c:order val="0"/>
                 <c:tx>
-                  <c:v>EEV Strict</c:v>
+                  <c:v>Strict Penalty</c:v>
                 </c:tx>
                 <c:spPr>
-                  <a:ln w="25400" cap="rnd">
+                  <a:ln w="19050" cap="rnd">
                     <a:solidFill>
                       <a:schemeClr val="accent6">
                         <a:lumMod val="75000"/>
@@ -7804,7 +5139,7 @@
                     <c:extLst>
                       <c:ext uri="{02D57815-91ED-43cb-92C2-25804820EDAC}">
                         <c15:formulaRef>
-                          <c15:sqref>Sheet1!$D$39:$D$51</c15:sqref>
+                          <c15:sqref>Sheet1!$B$39:$B$51</c15:sqref>
                         </c15:formulaRef>
                       </c:ext>
                     </c:extLst>
@@ -7812,43 +5147,43 @@
                       <c:formatCode>General</c:formatCode>
                       <c:ptCount val="13"/>
                       <c:pt idx="0">
-                        <c:v>22.545795752419867</c:v>
+                        <c:v>48.275643736800184</c:v>
                       </c:pt>
                       <c:pt idx="1">
-                        <c:v>22.545795752419867</c:v>
+                        <c:v>79.745700844568205</c:v>
                       </c:pt>
                       <c:pt idx="2">
-                        <c:v>22.545795752419867</c:v>
+                        <c:v>83.082676005325951</c:v>
                       </c:pt>
                       <c:pt idx="3">
-                        <c:v>22.545795752419867</c:v>
+                        <c:v>100.31233925538501</c:v>
                       </c:pt>
                       <c:pt idx="4">
-                        <c:v>22.545795752419867</c:v>
+                        <c:v>102.9305061684053</c:v>
                       </c:pt>
                       <c:pt idx="5">
-                        <c:v>22.545795752419867</c:v>
+                        <c:v>106.64038936756984</c:v>
                       </c:pt>
                       <c:pt idx="6">
-                        <c:v>22.545795752419867</c:v>
+                        <c:v>107.85873644733994</c:v>
                       </c:pt>
                       <c:pt idx="7">
-                        <c:v>22.545795752419867</c:v>
+                        <c:v>108.22254629152117</c:v>
                       </c:pt>
                       <c:pt idx="8">
-                        <c:v>22.545795752419867</c:v>
+                        <c:v>107.63446156943486</c:v>
                       </c:pt>
                       <c:pt idx="9">
-                        <c:v>22.545795752419867</c:v>
+                        <c:v>107.605033751498</c:v>
                       </c:pt>
                       <c:pt idx="10">
-                        <c:v>22.545795752419867</c:v>
+                        <c:v>107.605033751498</c:v>
                       </c:pt>
                       <c:pt idx="11">
-                        <c:v>22.545795752419867</c:v>
+                        <c:v>108.31154051726779</c:v>
                       </c:pt>
                       <c:pt idx="12">
-                        <c:v>22.545795752419867</c:v>
+                        <c:v>108.31154051726779</c:v>
                       </c:pt>
                     </c:numCache>
                   </c:numRef>
@@ -7856,24 +5191,25 @@
                 <c:smooth val="0"/>
                 <c:extLst>
                   <c:ext xmlns:c16="http://schemas.microsoft.com/office/drawing/2014/chart" uri="{C3380CC4-5D6E-409C-BE32-E72D297353CC}">
-                    <c16:uniqueId val="{00000003-6FF2-4863-AE4A-9115D151CE92}"/>
+                    <c16:uniqueId val="{00000003-3515-4BA9-AB47-FA54EEE18ADB}"/>
                   </c:ext>
                 </c:extLst>
               </c15:ser>
             </c15:filteredLineSeries>
             <c15:filteredLineSeries>
               <c15:ser>
-                <c:idx val="2"/>
-                <c:order val="2"/>
+                <c:idx val="1"/>
+                <c:order val="1"/>
                 <c:tx>
-                  <c:v>WS</c:v>
+                  <c:v>EEV Strict</c:v>
                 </c:tx>
                 <c:spPr>
                   <a:ln w="25400" cap="rnd">
                     <a:solidFill>
-                      <a:schemeClr val="accent5"/>
+                      <a:schemeClr val="accent6">
+                        <a:lumMod val="75000"/>
+                      </a:schemeClr>
                     </a:solidFill>
-                    <a:prstDash val="sysDash"/>
                     <a:round/>
                   </a:ln>
                   <a:effectLst/>
@@ -7940,7 +5276,7 @@
                     <c:extLst xmlns:c15="http://schemas.microsoft.com/office/drawing/2012/chart">
                       <c:ext xmlns:c15="http://schemas.microsoft.com/office/drawing/2012/chart" uri="{02D57815-91ED-43cb-92C2-25804820EDAC}">
                         <c15:formulaRef>
-                          <c15:sqref>Sheet1!$C$39:$C$51</c15:sqref>
+                          <c15:sqref>Sheet1!$D$39:$D$51</c15:sqref>
                         </c15:formulaRef>
                       </c:ext>
                     </c:extLst>
@@ -7948,43 +5284,43 @@
                       <c:formatCode>General</c:formatCode>
                       <c:ptCount val="13"/>
                       <c:pt idx="0">
-                        <c:v>131.86000000000001</c:v>
+                        <c:v>22.545795752419867</c:v>
                       </c:pt>
                       <c:pt idx="1">
-                        <c:v>131.86000000000001</c:v>
+                        <c:v>22.545795752419867</c:v>
                       </c:pt>
                       <c:pt idx="2">
-                        <c:v>131.86000000000001</c:v>
+                        <c:v>22.545795752419867</c:v>
                       </c:pt>
                       <c:pt idx="3">
-                        <c:v>131.86000000000001</c:v>
+                        <c:v>22.545795752419867</c:v>
                       </c:pt>
                       <c:pt idx="4">
-                        <c:v>131.86000000000001</c:v>
+                        <c:v>22.545795752419867</c:v>
                       </c:pt>
                       <c:pt idx="5">
-                        <c:v>131.86000000000001</c:v>
+                        <c:v>22.545795752419867</c:v>
                       </c:pt>
                       <c:pt idx="6">
-                        <c:v>131.86000000000001</c:v>
+                        <c:v>22.545795752419867</c:v>
                       </c:pt>
                       <c:pt idx="7">
-                        <c:v>131.86000000000001</c:v>
+                        <c:v>22.545795752419867</c:v>
                       </c:pt>
                       <c:pt idx="8">
-                        <c:v>131.86000000000001</c:v>
+                        <c:v>22.545795752419867</c:v>
                       </c:pt>
                       <c:pt idx="9">
-                        <c:v>131.86000000000001</c:v>
+                        <c:v>22.545795752419867</c:v>
                       </c:pt>
                       <c:pt idx="10">
-                        <c:v>131.86000000000001</c:v>
+                        <c:v>22.545795752419867</c:v>
                       </c:pt>
                       <c:pt idx="11">
-                        <c:v>131.86000000000001</c:v>
+                        <c:v>22.545795752419867</c:v>
                       </c:pt>
                       <c:pt idx="12">
-                        <c:v>131.86000000000001</c:v>
+                        <c:v>22.545795752419867</c:v>
                       </c:pt>
                     </c:numCache>
                   </c:numRef>
@@ -7992,26 +5328,23 @@
                 <c:smooth val="0"/>
                 <c:extLst xmlns:c15="http://schemas.microsoft.com/office/drawing/2012/chart">
                   <c:ext xmlns:c16="http://schemas.microsoft.com/office/drawing/2014/chart" uri="{C3380CC4-5D6E-409C-BE32-E72D297353CC}">
-                    <c16:uniqueId val="{00000004-6FF2-4863-AE4A-9115D151CE92}"/>
+                    <c16:uniqueId val="{00000004-3515-4BA9-AB47-FA54EEE18ADB}"/>
                   </c:ext>
                 </c:extLst>
               </c15:ser>
             </c15:filteredLineSeries>
             <c15:filteredLineSeries>
               <c15:ser>
-                <c:idx val="8"/>
-                <c:order val="8"/>
+                <c:idx val="9"/>
+                <c:order val="9"/>
                 <c:tx>
-                  <c:v>EEV Switch-Off</c:v>
+                  <c:v>RA ObjVal</c:v>
                 </c:tx>
                 <c:spPr>
-                  <a:ln w="25400" cap="rnd">
+                  <a:ln w="19050" cap="rnd">
                     <a:solidFill>
-                      <a:schemeClr val="accent2">
-                        <a:lumMod val="75000"/>
-                      </a:schemeClr>
+                      <a:schemeClr val="accent1"/>
                     </a:solidFill>
-                    <a:prstDash val="sysDash"/>
                     <a:round/>
                   </a:ln>
                   <a:effectLst/>
@@ -8024,51 +5357,45 @@
                     <c:extLst xmlns:c15="http://schemas.microsoft.com/office/drawing/2012/chart">
                       <c:ext xmlns:c15="http://schemas.microsoft.com/office/drawing/2012/chart" uri="{02D57815-91ED-43cb-92C2-25804820EDAC}">
                         <c15:formulaRef>
-                          <c15:sqref>Sheet1!$F$39:$F$51</c15:sqref>
+                          <c15:sqref>Sheet1!$G$39:$G$50</c15:sqref>
                         </c15:formulaRef>
                       </c:ext>
                     </c:extLst>
                     <c:numCache>
                       <c:formatCode>General</c:formatCode>
-                      <c:ptCount val="13"/>
+                      <c:ptCount val="12"/>
                       <c:pt idx="0">
-                        <c:v>99.429301529510141</c:v>
+                        <c:v>109.20354038562397</c:v>
                       </c:pt>
                       <c:pt idx="1">
-                        <c:v>99.429301529510141</c:v>
+                        <c:v>112.78804965807207</c:v>
                       </c:pt>
                       <c:pt idx="2">
-                        <c:v>99.429301529510141</c:v>
+                        <c:v>117.15078233754488</c:v>
                       </c:pt>
                       <c:pt idx="3">
-                        <c:v>99.429301529510141</c:v>
+                        <c:v>117.63506396257284</c:v>
                       </c:pt>
                       <c:pt idx="4">
-                        <c:v>99.429301529510141</c:v>
+                        <c:v>119.35093760876916</c:v>
                       </c:pt>
                       <c:pt idx="5">
-                        <c:v>99.429301529510141</c:v>
+                        <c:v>116.68525913860371</c:v>
                       </c:pt>
                       <c:pt idx="6">
-                        <c:v>99.429301529510141</c:v>
+                        <c:v>115.87529231821765</c:v>
                       </c:pt>
                       <c:pt idx="7">
-                        <c:v>99.429301529510141</c:v>
+                        <c:v>115.87648862685775</c:v>
                       </c:pt>
                       <c:pt idx="8">
-                        <c:v>99.429301529510141</c:v>
+                        <c:v>114.75802726767851</c:v>
                       </c:pt>
                       <c:pt idx="9">
-                        <c:v>99.429301529510141</c:v>
+                        <c:v>112.61797262974525</c:v>
                       </c:pt>
                       <c:pt idx="10">
-                        <c:v>99.429301529510141</c:v>
-                      </c:pt>
-                      <c:pt idx="11">
-                        <c:v>99.429301529510141</c:v>
-                      </c:pt>
-                      <c:pt idx="12">
-                        <c:v>99.429301529510141</c:v>
+                        <c:v>112.65443546698727</c:v>
                       </c:pt>
                     </c:numCache>
                   </c:numRef>
@@ -8076,7 +5403,7 @@
                 <c:smooth val="0"/>
                 <c:extLst xmlns:c15="http://schemas.microsoft.com/office/drawing/2012/chart">
                   <c:ext xmlns:c16="http://schemas.microsoft.com/office/drawing/2014/chart" uri="{C3380CC4-5D6E-409C-BE32-E72D297353CC}">
-                    <c16:uniqueId val="{00000009-6FF2-4863-AE4A-9115D151CE92}"/>
+                    <c16:uniqueId val="{00000009-3515-4BA9-AB47-FA54EEE18ADB}"/>
                   </c:ext>
                 </c:extLst>
               </c15:ser>
@@ -8195,24 +5522,10 @@
         <c:axId val="669614016"/>
         <c:scaling>
           <c:orientation val="minMax"/>
-          <c:min val="90"/>
+          <c:min val="95"/>
         </c:scaling>
         <c:delete val="0"/>
         <c:axPos val="l"/>
-        <c:majorGridlines>
-          <c:spPr>
-            <a:ln w="9525" cap="flat" cmpd="sng" algn="ctr">
-              <a:solidFill>
-                <a:schemeClr val="tx1">
-                  <a:lumMod val="15000"/>
-                  <a:lumOff val="85000"/>
-                </a:schemeClr>
-              </a:solidFill>
-              <a:round/>
-            </a:ln>
-            <a:effectLst/>
-          </c:spPr>
-        </c:majorGridlines>
         <c:title>
           <c:tx>
             <c:rich>
@@ -8382,7 +5695,7 @@
 </c:chartSpace>
 </file>
 
-<file path=ppt/charts/chart8.xml><?xml version="1.0" encoding="utf-8"?>
+<file path=ppt/charts/chart6.xml><?xml version="1.0" encoding="utf-8"?>
 <c:chartSpace xmlns:c="http://schemas.openxmlformats.org/drawingml/2006/chart" xmlns:a="http://schemas.openxmlformats.org/drawingml/2006/main" xmlns:r="http://schemas.openxmlformats.org/officeDocument/2006/relationships" xmlns:c16r2="http://schemas.microsoft.com/office/drawing/2015/06/chart">
   <c:date1904 val="0"/>
   <c:lang val="en-US"/>
@@ -8421,7 +5734,7 @@
             </a:r>
             <a:r>
               <a:rPr lang="nb-NO" sz="2400" baseline="0"/>
-              <a:t> B: Objective Value Comparison</a:t>
+              <a:t> C: Strict Penalty</a:t>
             </a:r>
             <a:endParaRPr lang="nb-NO" sz="2400"/>
           </a:p>
@@ -8547,7 +5860,7 @@
                 </c:val>
                 <c:extLst>
                   <c:ext xmlns:c16="http://schemas.microsoft.com/office/drawing/2014/chart" uri="{C3380CC4-5D6E-409C-BE32-E72D297353CC}">
-                    <c16:uniqueId val="{00000005-24C2-4603-8412-E000409949BC}"/>
+                    <c16:uniqueId val="{00000003-E07D-4AB4-BA60-E3FBA1D8B021}"/>
                   </c:ext>
                 </c:extLst>
               </c15:ser>
@@ -8624,7 +5937,7 @@
                 </c:val>
                 <c:extLst xmlns:c15="http://schemas.microsoft.com/office/drawing/2012/chart">
                   <c:ext xmlns:c16="http://schemas.microsoft.com/office/drawing/2014/chart" uri="{C3380CC4-5D6E-409C-BE32-E72D297353CC}">
-                    <c16:uniqueId val="{00000006-24C2-4603-8412-E000409949BC}"/>
+                    <c16:uniqueId val="{00000004-E07D-4AB4-BA60-E3FBA1D8B021}"/>
                   </c:ext>
                 </c:extLst>
               </c15:ser>
@@ -8643,11 +5956,7 @@
                     </a:schemeClr>
                   </a:solidFill>
                   <a:ln>
-                    <a:solidFill>
-                      <a:schemeClr val="accent6">
-                        <a:lumMod val="75000"/>
-                      </a:schemeClr>
-                    </a:solidFill>
+                    <a:noFill/>
                   </a:ln>
                   <a:effectLst/>
                 </c:spPr>
@@ -8707,7 +6016,7 @@
                 </c:val>
                 <c:extLst xmlns:c15="http://schemas.microsoft.com/office/drawing/2012/chart">
                   <c:ext xmlns:c16="http://schemas.microsoft.com/office/drawing/2014/chart" uri="{C3380CC4-5D6E-409C-BE32-E72D297353CC}">
-                    <c16:uniqueId val="{00000007-24C2-4603-8412-E000409949BC}"/>
+                    <c16:uniqueId val="{00000005-E07D-4AB4-BA60-E3FBA1D8B021}"/>
                   </c:ext>
                 </c:extLst>
               </c15:ser>
@@ -8784,7 +6093,7 @@
                 </c:val>
                 <c:extLst xmlns:c15="http://schemas.microsoft.com/office/drawing/2012/chart">
                   <c:ext xmlns:c16="http://schemas.microsoft.com/office/drawing/2014/chart" uri="{C3380CC4-5D6E-409C-BE32-E72D297353CC}">
-                    <c16:uniqueId val="{00000008-24C2-4603-8412-E000409949BC}"/>
+                    <c16:uniqueId val="{00000006-E07D-4AB4-BA60-E3FBA1D8B021}"/>
                   </c:ext>
                 </c:extLst>
               </c15:ser>
@@ -8804,7 +6113,7 @@
           <c:spPr>
             <a:ln w="25400" cap="rnd">
               <a:solidFill>
-                <a:schemeClr val="accent6"/>
+                <a:schemeClr val="tx1"/>
               </a:solidFill>
               <a:round/>
             </a:ln>
@@ -8864,70 +6173,74 @@
           </c:cat>
           <c:val>
             <c:numRef>
-              <c:f>Sheet1!$E$23:$E$35</c:f>
+              <c:f>Sheet1!$B$39:$B$51</c:f>
               <c:numCache>
                 <c:formatCode>General</c:formatCode>
                 <c:ptCount val="13"/>
                 <c:pt idx="0">
-                  <c:v>55.258176938755234</c:v>
+                  <c:v>48.275643736800184</c:v>
                 </c:pt>
                 <c:pt idx="1">
-                  <c:v>79.092874626695874</c:v>
+                  <c:v>79.745700844568205</c:v>
                 </c:pt>
                 <c:pt idx="2">
-                  <c:v>91.898260263482626</c:v>
+                  <c:v>83.082676005325951</c:v>
                 </c:pt>
                 <c:pt idx="3">
-                  <c:v>91.898260263482626</c:v>
+                  <c:v>100.31233925538501</c:v>
                 </c:pt>
                 <c:pt idx="4">
-                  <c:v>98.547551243872817</c:v>
+                  <c:v>102.9305061684053</c:v>
                 </c:pt>
                 <c:pt idx="5">
-                  <c:v>104.64102684745468</c:v>
+                  <c:v>106.64038936756984</c:v>
                 </c:pt>
                 <c:pt idx="6">
-                  <c:v>104.64102684745468</c:v>
+                  <c:v>107.85873644733994</c:v>
                 </c:pt>
                 <c:pt idx="7">
-                  <c:v>104.64102684745468</c:v>
+                  <c:v>108.22254629152117</c:v>
                 </c:pt>
                 <c:pt idx="8">
-                  <c:v>104.64102684745468</c:v>
+                  <c:v>107.63446156943486</c:v>
                 </c:pt>
                 <c:pt idx="9">
-                  <c:v>104.65966197236172</c:v>
+                  <c:v>107.605033751498</c:v>
                 </c:pt>
                 <c:pt idx="10">
-                  <c:v>105.95904183257875</c:v>
+                  <c:v>107.605033751498</c:v>
                 </c:pt>
                 <c:pt idx="11">
-                  <c:v>105.75575769376563</c:v>
+                  <c:v>108.31154051726779</c:v>
                 </c:pt>
                 <c:pt idx="12">
-                  <c:v>105.75575769376563</c:v>
+                  <c:v>108.31154051726779</c:v>
                 </c:pt>
               </c:numCache>
+              <c:extLst xmlns:c15="http://schemas.microsoft.com/office/drawing/2012/chart"/>
             </c:numRef>
           </c:val>
           <c:smooth val="0"/>
           <c:extLst>
             <c:ext xmlns:c16="http://schemas.microsoft.com/office/drawing/2014/chart" uri="{C3380CC4-5D6E-409C-BE32-E72D297353CC}">
-              <c16:uniqueId val="{00000000-24C2-4603-8412-E000409949BC}"/>
+              <c16:uniqueId val="{00000000-E07D-4AB4-BA60-E3FBA1D8B021}"/>
             </c:ext>
           </c:extLst>
         </c:ser>
         <c:ser>
-          <c:idx val="7"/>
-          <c:order val="7"/>
+          <c:idx val="1"/>
+          <c:order val="1"/>
           <c:tx>
-            <c:v>Switch-Off Penalty</c:v>
+            <c:v>EEV Strict Penalty</c:v>
           </c:tx>
           <c:spPr>
             <a:ln w="25400" cap="rnd">
               <a:solidFill>
-                <a:schemeClr val="accent1"/>
+                <a:schemeClr val="accent2">
+                  <a:lumMod val="75000"/>
+                </a:schemeClr>
               </a:solidFill>
+              <a:prstDash val="sysDash"/>
               <a:round/>
             </a:ln>
             <a:effectLst/>
@@ -8935,72 +6248,123 @@
           <c:marker>
             <c:symbol val="none"/>
           </c:marker>
-          <c:val>
+          <c:cat>
             <c:numRef>
-              <c:f>Sheet1!$F$23:$F$35</c:f>
+              <c:f>Sheet1!$A$39:$A$51</c:f>
               <c:numCache>
                 <c:formatCode>General</c:formatCode>
                 <c:ptCount val="13"/>
                 <c:pt idx="0">
-                  <c:v>104.2224025970575</c:v>
+                  <c:v>5</c:v>
                 </c:pt>
                 <c:pt idx="1">
-                  <c:v>111.049599204705</c:v>
+                  <c:v>10</c:v>
                 </c:pt>
                 <c:pt idx="2">
-                  <c:v>110.7015509457194</c:v>
+                  <c:v>15</c:v>
                 </c:pt>
                 <c:pt idx="3">
-                  <c:v>110.70155094571925</c:v>
+                  <c:v>20</c:v>
                 </c:pt>
                 <c:pt idx="4">
-                  <c:v>108.61988638874692</c:v>
+                  <c:v>30</c:v>
                 </c:pt>
                 <c:pt idx="5">
-                  <c:v>107.85926768980687</c:v>
+                  <c:v>40</c:v>
                 </c:pt>
                 <c:pt idx="6">
-                  <c:v>107.85926768980687</c:v>
+                  <c:v>50</c:v>
                 </c:pt>
                 <c:pt idx="7">
-                  <c:v>107.85926768980687</c:v>
+                  <c:v>75</c:v>
                 </c:pt>
                 <c:pt idx="8">
-                  <c:v>107.85926768980687</c:v>
+                  <c:v>100</c:v>
                 </c:pt>
                 <c:pt idx="9">
-                  <c:v>107.32817673556752</c:v>
+                  <c:v>150</c:v>
                 </c:pt>
                 <c:pt idx="10">
-                  <c:v>107.02330865922056</c:v>
+                  <c:v>200</c:v>
                 </c:pt>
                 <c:pt idx="11">
-                  <c:v>106.8179711452669</c:v>
+                  <c:v>300</c:v>
                 </c:pt>
                 <c:pt idx="12">
-                  <c:v>106.8179711452669</c:v>
+                  <c:v>400</c:v>
                 </c:pt>
               </c:numCache>
+              <c:extLst xmlns:c15="http://schemas.microsoft.com/office/drawing/2012/chart"/>
+            </c:numRef>
+          </c:cat>
+          <c:val>
+            <c:numRef>
+              <c:f>Sheet1!$D$39:$D$51</c:f>
+              <c:numCache>
+                <c:formatCode>General</c:formatCode>
+                <c:ptCount val="13"/>
+                <c:pt idx="0">
+                  <c:v>22.545795752419867</c:v>
+                </c:pt>
+                <c:pt idx="1">
+                  <c:v>22.545795752419867</c:v>
+                </c:pt>
+                <c:pt idx="2">
+                  <c:v>22.545795752419867</c:v>
+                </c:pt>
+                <c:pt idx="3">
+                  <c:v>22.545795752419867</c:v>
+                </c:pt>
+                <c:pt idx="4">
+                  <c:v>22.545795752419867</c:v>
+                </c:pt>
+                <c:pt idx="5">
+                  <c:v>22.545795752419867</c:v>
+                </c:pt>
+                <c:pt idx="6">
+                  <c:v>22.545795752419867</c:v>
+                </c:pt>
+                <c:pt idx="7">
+                  <c:v>22.545795752419867</c:v>
+                </c:pt>
+                <c:pt idx="8">
+                  <c:v>22.545795752419867</c:v>
+                </c:pt>
+                <c:pt idx="9">
+                  <c:v>22.545795752419867</c:v>
+                </c:pt>
+                <c:pt idx="10">
+                  <c:v>22.545795752419867</c:v>
+                </c:pt>
+                <c:pt idx="11">
+                  <c:v>22.545795752419867</c:v>
+                </c:pt>
+                <c:pt idx="12">
+                  <c:v>22.545795752419867</c:v>
+                </c:pt>
+              </c:numCache>
+              <c:extLst xmlns:c15="http://schemas.microsoft.com/office/drawing/2012/chart"/>
             </c:numRef>
           </c:val>
           <c:smooth val="0"/>
           <c:extLst>
             <c:ext xmlns:c16="http://schemas.microsoft.com/office/drawing/2014/chart" uri="{C3380CC4-5D6E-409C-BE32-E72D297353CC}">
-              <c16:uniqueId val="{00000001-24C2-4603-8412-E000409949BC}"/>
+              <c16:uniqueId val="{00000001-E07D-4AB4-BA60-E3FBA1D8B021}"/>
             </c:ext>
           </c:extLst>
         </c:ser>
         <c:ser>
-          <c:idx val="9"/>
-          <c:order val="9"/>
+          <c:idx val="2"/>
+          <c:order val="2"/>
           <c:tx>
-            <c:v>RA ObjVal</c:v>
+            <c:v>WS</c:v>
           </c:tx>
           <c:spPr>
             <a:ln w="25400" cap="rnd">
               <a:solidFill>
-                <a:schemeClr val="tx1"/>
+                <a:schemeClr val="accent5"/>
               </a:solidFill>
+              <a:prstDash val="sysDash"/>
               <a:round/>
             </a:ln>
             <a:effectLst/>
@@ -9008,50 +6372,98 @@
           <c:marker>
             <c:symbol val="none"/>
           </c:marker>
-          <c:val>
+          <c:cat>
             <c:numRef>
-              <c:f>Sheet1!$G$23:$G$35</c:f>
+              <c:f>Sheet1!$A$39:$A$51</c:f>
               <c:numCache>
                 <c:formatCode>General</c:formatCode>
                 <c:ptCount val="13"/>
                 <c:pt idx="0">
-                  <c:v>115.05</c:v>
+                  <c:v>5</c:v>
                 </c:pt>
                 <c:pt idx="1">
-                  <c:v>113.58846935776199</c:v>
+                  <c:v>10</c:v>
                 </c:pt>
                 <c:pt idx="2">
-                  <c:v>113.77667603384999</c:v>
+                  <c:v>15</c:v>
                 </c:pt>
                 <c:pt idx="3">
-                  <c:v>113.77667583039999</c:v>
+                  <c:v>20</c:v>
                 </c:pt>
                 <c:pt idx="4">
-                  <c:v>109.10116875113199</c:v>
+                  <c:v>30</c:v>
                 </c:pt>
                 <c:pt idx="5">
-                  <c:v>108.939860599159</c:v>
+                  <c:v>40</c:v>
                 </c:pt>
                 <c:pt idx="6">
-                  <c:v>108.522081297307</c:v>
+                  <c:v>50</c:v>
                 </c:pt>
                 <c:pt idx="7">
-                  <c:v>108.30782755820999</c:v>
+                  <c:v>75</c:v>
                 </c:pt>
                 <c:pt idx="8">
-                  <c:v>108.30782755820999</c:v>
+                  <c:v>100</c:v>
                 </c:pt>
                 <c:pt idx="9">
-                  <c:v>108.307753839645</c:v>
+                  <c:v>150</c:v>
                 </c:pt>
                 <c:pt idx="10">
-                  <c:v>108.307753812408</c:v>
+                  <c:v>200</c:v>
                 </c:pt>
                 <c:pt idx="11">
-                  <c:v>108.11871201266</c:v>
+                  <c:v>300</c:v>
                 </c:pt>
                 <c:pt idx="12">
-                  <c:v>108.100436427529</c:v>
+                  <c:v>400</c:v>
+                </c:pt>
+              </c:numCache>
+            </c:numRef>
+          </c:cat>
+          <c:val>
+            <c:numRef>
+              <c:f>Sheet1!$C$39:$C$51</c:f>
+              <c:numCache>
+                <c:formatCode>General</c:formatCode>
+                <c:ptCount val="13"/>
+                <c:pt idx="0">
+                  <c:v>131.86000000000001</c:v>
+                </c:pt>
+                <c:pt idx="1">
+                  <c:v>131.86000000000001</c:v>
+                </c:pt>
+                <c:pt idx="2">
+                  <c:v>131.86000000000001</c:v>
+                </c:pt>
+                <c:pt idx="3">
+                  <c:v>131.86000000000001</c:v>
+                </c:pt>
+                <c:pt idx="4">
+                  <c:v>131.86000000000001</c:v>
+                </c:pt>
+                <c:pt idx="5">
+                  <c:v>131.86000000000001</c:v>
+                </c:pt>
+                <c:pt idx="6">
+                  <c:v>131.86000000000001</c:v>
+                </c:pt>
+                <c:pt idx="7">
+                  <c:v>131.86000000000001</c:v>
+                </c:pt>
+                <c:pt idx="8">
+                  <c:v>131.86000000000001</c:v>
+                </c:pt>
+                <c:pt idx="9">
+                  <c:v>131.86000000000001</c:v>
+                </c:pt>
+                <c:pt idx="10">
+                  <c:v>131.86000000000001</c:v>
+                </c:pt>
+                <c:pt idx="11">
+                  <c:v>131.86000000000001</c:v>
+                </c:pt>
+                <c:pt idx="12">
+                  <c:v>131.86000000000001</c:v>
                 </c:pt>
               </c:numCache>
             </c:numRef>
@@ -9059,7 +6471,7 @@
           <c:smooth val="0"/>
           <c:extLst>
             <c:ext xmlns:c16="http://schemas.microsoft.com/office/drawing/2014/chart" uri="{C3380CC4-5D6E-409C-BE32-E72D297353CC}">
-              <c16:uniqueId val="{00000002-24C2-4603-8412-E000409949BC}"/>
+              <c16:uniqueId val="{00000002-E07D-4AB4-BA60-E3FBA1D8B021}"/>
             </c:ext>
           </c:extLst>
         </c:ser>
@@ -9079,17 +6491,15 @@
           <c:ext xmlns:c15="http://schemas.microsoft.com/office/drawing/2012/chart" uri="{02D57815-91ED-43cb-92C2-25804820EDAC}">
             <c15:filteredLineSeries>
               <c15:ser>
-                <c:idx val="1"/>
-                <c:order val="1"/>
+                <c:idx val="7"/>
+                <c:order val="7"/>
                 <c:tx>
-                  <c:v>EEV Strict</c:v>
+                  <c:v>Switch-Off Penalty</c:v>
                 </c:tx>
                 <c:spPr>
-                  <a:ln w="25400" cap="rnd">
+                  <a:ln w="19050" cap="rnd">
                     <a:solidFill>
-                      <a:schemeClr val="accent6">
-                        <a:lumMod val="75000"/>
-                      </a:schemeClr>
+                      <a:schemeClr val="tx1"/>
                     </a:solidFill>
                     <a:round/>
                   </a:ln>
@@ -9098,12 +6508,12 @@
                 <c:marker>
                   <c:symbol val="none"/>
                 </c:marker>
-                <c:cat>
+                <c:val>
                   <c:numRef>
                     <c:extLst>
                       <c:ext uri="{02D57815-91ED-43cb-92C2-25804820EDAC}">
                         <c15:formulaRef>
-                          <c15:sqref>Sheet1!$A$39:$A$51</c15:sqref>
+                          <c15:sqref>Sheet1!$E$39:$E$51</c15:sqref>
                         </c15:formulaRef>
                       </c:ext>
                     </c:extLst>
@@ -9111,97 +6521,43 @@
                       <c:formatCode>General</c:formatCode>
                       <c:ptCount val="13"/>
                       <c:pt idx="0">
-                        <c:v>5</c:v>
+                        <c:v>108.27187127943978</c:v>
                       </c:pt>
                       <c:pt idx="1">
-                        <c:v>10</c:v>
+                        <c:v>113.67031379430423</c:v>
                       </c:pt>
                       <c:pt idx="2">
-                        <c:v>15</c:v>
+                        <c:v>114.21539494830016</c:v>
                       </c:pt>
                       <c:pt idx="3">
-                        <c:v>20</c:v>
+                        <c:v>116.08138426208811</c:v>
                       </c:pt>
                       <c:pt idx="4">
-                        <c:v>30</c:v>
+                        <c:v>115.35200699157679</c:v>
                       </c:pt>
                       <c:pt idx="5">
-                        <c:v>40</c:v>
+                        <c:v>115.0099528276165</c:v>
                       </c:pt>
                       <c:pt idx="6">
-                        <c:v>50</c:v>
+                        <c:v>114.69560382312626</c:v>
                       </c:pt>
                       <c:pt idx="7">
-                        <c:v>75</c:v>
+                        <c:v>114.08852893125128</c:v>
                       </c:pt>
                       <c:pt idx="8">
-                        <c:v>100</c:v>
+                        <c:v>112.93770485283977</c:v>
                       </c:pt>
                       <c:pt idx="9">
-                        <c:v>150</c:v>
+                        <c:v>112.91023522267056</c:v>
                       </c:pt>
                       <c:pt idx="10">
-                        <c:v>200</c:v>
+                        <c:v>112.91023522267056</c:v>
                       </c:pt>
                       <c:pt idx="11">
-                        <c:v>300</c:v>
+                        <c:v>111.63559539105303</c:v>
                       </c:pt>
                       <c:pt idx="12">
-                        <c:v>400</c:v>
-                      </c:pt>
-                    </c:numCache>
-                  </c:numRef>
-                </c:cat>
-                <c:val>
-                  <c:numRef>
-                    <c:extLst>
-                      <c:ext uri="{02D57815-91ED-43cb-92C2-25804820EDAC}">
-                        <c15:formulaRef>
-                          <c15:sqref>Sheet1!$D$39:$D$51</c15:sqref>
-                        </c15:formulaRef>
-                      </c:ext>
-                    </c:extLst>
-                    <c:numCache>
-                      <c:formatCode>General</c:formatCode>
-                      <c:ptCount val="13"/>
-                      <c:pt idx="0">
-                        <c:v>22.545795752419867</c:v>
-                      </c:pt>
-                      <c:pt idx="1">
-                        <c:v>22.545795752419867</c:v>
-                      </c:pt>
-                      <c:pt idx="2">
-                        <c:v>22.545795752419867</c:v>
-                      </c:pt>
-                      <c:pt idx="3">
-                        <c:v>22.545795752419867</c:v>
-                      </c:pt>
-                      <c:pt idx="4">
-                        <c:v>22.545795752419867</c:v>
-                      </c:pt>
-                      <c:pt idx="5">
-                        <c:v>22.545795752419867</c:v>
-                      </c:pt>
-                      <c:pt idx="6">
-                        <c:v>22.545795752419867</c:v>
-                      </c:pt>
-                      <c:pt idx="7">
-                        <c:v>22.545795752419867</c:v>
-                      </c:pt>
-                      <c:pt idx="8">
-                        <c:v>22.545795752419867</c:v>
-                      </c:pt>
-                      <c:pt idx="9">
-                        <c:v>22.545795752419867</c:v>
-                      </c:pt>
-                      <c:pt idx="10">
-                        <c:v>22.545795752419867</c:v>
-                      </c:pt>
-                      <c:pt idx="11">
-                        <c:v>22.545795752419867</c:v>
-                      </c:pt>
-                      <c:pt idx="12">
-                        <c:v>22.545795752419867</c:v>
+                        <c:v>111.63559539105303</c:v>
                       </c:pt>
                     </c:numCache>
                   </c:numRef>
@@ -9209,143 +6565,7 @@
                 <c:smooth val="0"/>
                 <c:extLst>
                   <c:ext xmlns:c16="http://schemas.microsoft.com/office/drawing/2014/chart" uri="{C3380CC4-5D6E-409C-BE32-E72D297353CC}">
-                    <c16:uniqueId val="{00000003-24C2-4603-8412-E000409949BC}"/>
-                  </c:ext>
-                </c:extLst>
-              </c15:ser>
-            </c15:filteredLineSeries>
-            <c15:filteredLineSeries>
-              <c15:ser>
-                <c:idx val="2"/>
-                <c:order val="2"/>
-                <c:tx>
-                  <c:v>WS</c:v>
-                </c:tx>
-                <c:spPr>
-                  <a:ln w="25400" cap="rnd">
-                    <a:solidFill>
-                      <a:schemeClr val="accent5"/>
-                    </a:solidFill>
-                    <a:prstDash val="sysDash"/>
-                    <a:round/>
-                  </a:ln>
-                  <a:effectLst/>
-                </c:spPr>
-                <c:marker>
-                  <c:symbol val="none"/>
-                </c:marker>
-                <c:cat>
-                  <c:numRef>
-                    <c:extLst xmlns:c15="http://schemas.microsoft.com/office/drawing/2012/chart">
-                      <c:ext xmlns:c15="http://schemas.microsoft.com/office/drawing/2012/chart" uri="{02D57815-91ED-43cb-92C2-25804820EDAC}">
-                        <c15:formulaRef>
-                          <c15:sqref>Sheet1!$A$39:$A$51</c15:sqref>
-                        </c15:formulaRef>
-                      </c:ext>
-                    </c:extLst>
-                    <c:numCache>
-                      <c:formatCode>General</c:formatCode>
-                      <c:ptCount val="13"/>
-                      <c:pt idx="0">
-                        <c:v>5</c:v>
-                      </c:pt>
-                      <c:pt idx="1">
-                        <c:v>10</c:v>
-                      </c:pt>
-                      <c:pt idx="2">
-                        <c:v>15</c:v>
-                      </c:pt>
-                      <c:pt idx="3">
-                        <c:v>20</c:v>
-                      </c:pt>
-                      <c:pt idx="4">
-                        <c:v>30</c:v>
-                      </c:pt>
-                      <c:pt idx="5">
-                        <c:v>40</c:v>
-                      </c:pt>
-                      <c:pt idx="6">
-                        <c:v>50</c:v>
-                      </c:pt>
-                      <c:pt idx="7">
-                        <c:v>75</c:v>
-                      </c:pt>
-                      <c:pt idx="8">
-                        <c:v>100</c:v>
-                      </c:pt>
-                      <c:pt idx="9">
-                        <c:v>150</c:v>
-                      </c:pt>
-                      <c:pt idx="10">
-                        <c:v>200</c:v>
-                      </c:pt>
-                      <c:pt idx="11">
-                        <c:v>300</c:v>
-                      </c:pt>
-                      <c:pt idx="12">
-                        <c:v>400</c:v>
-                      </c:pt>
-                    </c:numCache>
-                  </c:numRef>
-                </c:cat>
-                <c:val>
-                  <c:numRef>
-                    <c:extLst xmlns:c15="http://schemas.microsoft.com/office/drawing/2012/chart">
-                      <c:ext xmlns:c15="http://schemas.microsoft.com/office/drawing/2012/chart" uri="{02D57815-91ED-43cb-92C2-25804820EDAC}">
-                        <c15:formulaRef>
-                          <c15:sqref>Sheet1!$C$39:$C$51</c15:sqref>
-                        </c15:formulaRef>
-                      </c:ext>
-                    </c:extLst>
-                    <c:numCache>
-                      <c:formatCode>General</c:formatCode>
-                      <c:ptCount val="13"/>
-                      <c:pt idx="0">
-                        <c:v>131.86000000000001</c:v>
-                      </c:pt>
-                      <c:pt idx="1">
-                        <c:v>131.86000000000001</c:v>
-                      </c:pt>
-                      <c:pt idx="2">
-                        <c:v>131.86000000000001</c:v>
-                      </c:pt>
-                      <c:pt idx="3">
-                        <c:v>131.86000000000001</c:v>
-                      </c:pt>
-                      <c:pt idx="4">
-                        <c:v>131.86000000000001</c:v>
-                      </c:pt>
-                      <c:pt idx="5">
-                        <c:v>131.86000000000001</c:v>
-                      </c:pt>
-                      <c:pt idx="6">
-                        <c:v>131.86000000000001</c:v>
-                      </c:pt>
-                      <c:pt idx="7">
-                        <c:v>131.86000000000001</c:v>
-                      </c:pt>
-                      <c:pt idx="8">
-                        <c:v>131.86000000000001</c:v>
-                      </c:pt>
-                      <c:pt idx="9">
-                        <c:v>131.86000000000001</c:v>
-                      </c:pt>
-                      <c:pt idx="10">
-                        <c:v>131.86000000000001</c:v>
-                      </c:pt>
-                      <c:pt idx="11">
-                        <c:v>131.86000000000001</c:v>
-                      </c:pt>
-                      <c:pt idx="12">
-                        <c:v>131.86000000000001</c:v>
-                      </c:pt>
-                    </c:numCache>
-                  </c:numRef>
-                </c:val>
-                <c:smooth val="0"/>
-                <c:extLst xmlns:c15="http://schemas.microsoft.com/office/drawing/2012/chart">
-                  <c:ext xmlns:c16="http://schemas.microsoft.com/office/drawing/2014/chart" uri="{C3380CC4-5D6E-409C-BE32-E72D297353CC}">
-                    <c16:uniqueId val="{00000004-24C2-4603-8412-E000409949BC}"/>
+                    <c16:uniqueId val="{00000007-E07D-4AB4-BA60-E3FBA1D8B021}"/>
                   </c:ext>
                 </c:extLst>
               </c15:ser>
@@ -9358,7 +6578,7 @@
                   <c:v>EEV Switch-Off</c:v>
                 </c:tx>
                 <c:spPr>
-                  <a:ln w="25400" cap="rnd">
+                  <a:ln w="19050" cap="rnd">
                     <a:solidFill>
                       <a:schemeClr val="accent2">
                         <a:lumMod val="75000"/>
@@ -9429,7 +6649,82 @@
                 <c:smooth val="0"/>
                 <c:extLst xmlns:c15="http://schemas.microsoft.com/office/drawing/2012/chart">
                   <c:ext xmlns:c16="http://schemas.microsoft.com/office/drawing/2014/chart" uri="{C3380CC4-5D6E-409C-BE32-E72D297353CC}">
-                    <c16:uniqueId val="{00000009-24C2-4603-8412-E000409949BC}"/>
+                    <c16:uniqueId val="{00000008-E07D-4AB4-BA60-E3FBA1D8B021}"/>
+                  </c:ext>
+                </c:extLst>
+              </c15:ser>
+            </c15:filteredLineSeries>
+            <c15:filteredLineSeries>
+              <c15:ser>
+                <c:idx val="9"/>
+                <c:order val="9"/>
+                <c:tx>
+                  <c:v>RA ObjVal</c:v>
+                </c:tx>
+                <c:spPr>
+                  <a:ln w="19050" cap="rnd">
+                    <a:solidFill>
+                      <a:schemeClr val="accent1"/>
+                    </a:solidFill>
+                    <a:round/>
+                  </a:ln>
+                  <a:effectLst/>
+                </c:spPr>
+                <c:marker>
+                  <c:symbol val="none"/>
+                </c:marker>
+                <c:val>
+                  <c:numRef>
+                    <c:extLst xmlns:c15="http://schemas.microsoft.com/office/drawing/2012/chart">
+                      <c:ext xmlns:c15="http://schemas.microsoft.com/office/drawing/2012/chart" uri="{02D57815-91ED-43cb-92C2-25804820EDAC}">
+                        <c15:formulaRef>
+                          <c15:sqref>Sheet1!$G$39:$G$50</c15:sqref>
+                        </c15:formulaRef>
+                      </c:ext>
+                    </c:extLst>
+                    <c:numCache>
+                      <c:formatCode>General</c:formatCode>
+                      <c:ptCount val="12"/>
+                      <c:pt idx="0">
+                        <c:v>109.20354038562397</c:v>
+                      </c:pt>
+                      <c:pt idx="1">
+                        <c:v>112.78804965807207</c:v>
+                      </c:pt>
+                      <c:pt idx="2">
+                        <c:v>117.15078233754488</c:v>
+                      </c:pt>
+                      <c:pt idx="3">
+                        <c:v>117.63506396257284</c:v>
+                      </c:pt>
+                      <c:pt idx="4">
+                        <c:v>119.35093760876916</c:v>
+                      </c:pt>
+                      <c:pt idx="5">
+                        <c:v>116.68525913860371</c:v>
+                      </c:pt>
+                      <c:pt idx="6">
+                        <c:v>115.87529231821765</c:v>
+                      </c:pt>
+                      <c:pt idx="7">
+                        <c:v>115.87648862685775</c:v>
+                      </c:pt>
+                      <c:pt idx="8">
+                        <c:v>114.75802726767851</c:v>
+                      </c:pt>
+                      <c:pt idx="9">
+                        <c:v>112.61797262974525</c:v>
+                      </c:pt>
+                      <c:pt idx="10">
+                        <c:v>112.65443546698727</c:v>
+                      </c:pt>
+                    </c:numCache>
+                  </c:numRef>
+                </c:val>
+                <c:smooth val="0"/>
+                <c:extLst xmlns:c15="http://schemas.microsoft.com/office/drawing/2012/chart">
+                  <c:ext xmlns:c16="http://schemas.microsoft.com/office/drawing/2014/chart" uri="{C3380CC4-5D6E-409C-BE32-E72D297353CC}">
+                    <c16:uniqueId val="{00000009-E07D-4AB4-BA60-E3FBA1D8B021}"/>
                   </c:ext>
                 </c:extLst>
               </c15:ser>
@@ -9548,24 +6843,10 @@
         <c:axId val="669614016"/>
         <c:scaling>
           <c:orientation val="minMax"/>
-          <c:min val="50"/>
+          <c:min val="18"/>
         </c:scaling>
         <c:delete val="0"/>
         <c:axPos val="l"/>
-        <c:majorGridlines>
-          <c:spPr>
-            <a:ln w="9525" cap="flat" cmpd="sng" algn="ctr">
-              <a:solidFill>
-                <a:schemeClr val="tx1">
-                  <a:lumMod val="15000"/>
-                  <a:lumOff val="85000"/>
-                </a:schemeClr>
-              </a:solidFill>
-              <a:round/>
-            </a:ln>
-            <a:effectLst/>
-          </c:spPr>
-        </c:majorGridlines>
         <c:title>
           <c:tx>
             <c:rich>
@@ -9735,7 +7016,7 @@
 </c:chartSpace>
 </file>
 
-<file path=ppt/charts/chart9.xml><?xml version="1.0" encoding="utf-8"?>
+<file path=ppt/charts/chart7.xml><?xml version="1.0" encoding="utf-8"?>
 <c:chartSpace xmlns:c="http://schemas.openxmlformats.org/drawingml/2006/chart" xmlns:a="http://schemas.openxmlformats.org/drawingml/2006/main" xmlns:r="http://schemas.openxmlformats.org/officeDocument/2006/relationships" xmlns:c16r2="http://schemas.microsoft.com/office/drawing/2015/06/chart">
   <c:date1904 val="0"/>
   <c:lang val="en-US"/>
@@ -9774,13 +7055,12 @@
             </a:r>
             <a:r>
               <a:rPr lang="nb-NO" sz="2400" baseline="0"/>
-              <a:t> C: Objective Value Comparison</a:t>
+              <a:t> A: Objective Value Comparison</a:t>
             </a:r>
             <a:endParaRPr lang="nb-NO" sz="2400"/>
           </a:p>
         </c:rich>
       </c:tx>
-      <c:layout/>
       <c:overlay val="0"/>
       <c:spPr>
         <a:noFill/>
@@ -9900,6 +7180,2704 @@
                 </c:val>
                 <c:extLst>
                   <c:ext xmlns:c16="http://schemas.microsoft.com/office/drawing/2014/chart" uri="{C3380CC4-5D6E-409C-BE32-E72D297353CC}">
+                    <c16:uniqueId val="{00000005-6FF2-4863-AE4A-9115D151CE92}"/>
+                  </c:ext>
+                </c:extLst>
+              </c15:ser>
+            </c15:filteredAreaSeries>
+            <c15:filteredAreaSeries>
+              <c15:ser>
+                <c:idx val="4"/>
+                <c:order val="4"/>
+                <c:tx>
+                  <c:v>VSS</c:v>
+                </c:tx>
+                <c:spPr>
+                  <a:solidFill>
+                    <a:schemeClr val="accent5"/>
+                  </a:solidFill>
+                  <a:ln>
+                    <a:noFill/>
+                  </a:ln>
+                  <a:effectLst/>
+                </c:spPr>
+                <c:val>
+                  <c:numRef>
+                    <c:extLst xmlns:c15="http://schemas.microsoft.com/office/drawing/2012/chart">
+                      <c:ext xmlns:c15="http://schemas.microsoft.com/office/drawing/2012/chart" uri="{02D57815-91ED-43cb-92C2-25804820EDAC}">
+                        <c15:formulaRef>
+                          <c15:sqref>Sheet1!$E$39:$E$51</c15:sqref>
+                        </c15:formulaRef>
+                      </c:ext>
+                    </c:extLst>
+                    <c:numCache>
+                      <c:formatCode>General</c:formatCode>
+                      <c:ptCount val="13"/>
+                      <c:pt idx="0">
+                        <c:v>108.27187127943978</c:v>
+                      </c:pt>
+                      <c:pt idx="1">
+                        <c:v>113.67031379430423</c:v>
+                      </c:pt>
+                      <c:pt idx="2">
+                        <c:v>114.21539494830016</c:v>
+                      </c:pt>
+                      <c:pt idx="3">
+                        <c:v>116.08138426208811</c:v>
+                      </c:pt>
+                      <c:pt idx="4">
+                        <c:v>115.35200699157679</c:v>
+                      </c:pt>
+                      <c:pt idx="5">
+                        <c:v>115.0099528276165</c:v>
+                      </c:pt>
+                      <c:pt idx="6">
+                        <c:v>114.69560382312626</c:v>
+                      </c:pt>
+                      <c:pt idx="7">
+                        <c:v>114.08852893125128</c:v>
+                      </c:pt>
+                      <c:pt idx="8">
+                        <c:v>112.93770485283977</c:v>
+                      </c:pt>
+                      <c:pt idx="9">
+                        <c:v>112.91023522267056</c:v>
+                      </c:pt>
+                      <c:pt idx="10">
+                        <c:v>112.91023522267056</c:v>
+                      </c:pt>
+                      <c:pt idx="11">
+                        <c:v>111.63559539105303</c:v>
+                      </c:pt>
+                      <c:pt idx="12">
+                        <c:v>111.63559539105303</c:v>
+                      </c:pt>
+                    </c:numCache>
+                  </c:numRef>
+                </c:val>
+                <c:extLst xmlns:c15="http://schemas.microsoft.com/office/drawing/2012/chart">
+                  <c:ext xmlns:c16="http://schemas.microsoft.com/office/drawing/2014/chart" uri="{C3380CC4-5D6E-409C-BE32-E72D297353CC}">
+                    <c16:uniqueId val="{00000006-6FF2-4863-AE4A-9115D151CE92}"/>
+                  </c:ext>
+                </c:extLst>
+              </c15:ser>
+            </c15:filteredAreaSeries>
+            <c15:filteredAreaSeries>
+              <c15:ser>
+                <c:idx val="6"/>
+                <c:order val="5"/>
+                <c:tx>
+                  <c:v>VSS Strict</c:v>
+                </c:tx>
+                <c:spPr>
+                  <a:solidFill>
+                    <a:schemeClr val="accent1">
+                      <a:lumMod val="60000"/>
+                    </a:schemeClr>
+                  </a:solidFill>
+                  <a:ln>
+                    <a:solidFill>
+                      <a:schemeClr val="accent6">
+                        <a:lumMod val="75000"/>
+                      </a:schemeClr>
+                    </a:solidFill>
+                  </a:ln>
+                  <a:effectLst/>
+                </c:spPr>
+                <c:val>
+                  <c:numRef>
+                    <c:extLst xmlns:c15="http://schemas.microsoft.com/office/drawing/2012/chart">
+                      <c:ext xmlns:c15="http://schemas.microsoft.com/office/drawing/2012/chart" uri="{02D57815-91ED-43cb-92C2-25804820EDAC}">
+                        <c15:formulaRef>
+                          <c15:sqref>Sheet1!$B$39:$B$51</c15:sqref>
+                        </c15:formulaRef>
+                      </c:ext>
+                    </c:extLst>
+                    <c:numCache>
+                      <c:formatCode>General</c:formatCode>
+                      <c:ptCount val="13"/>
+                      <c:pt idx="0">
+                        <c:v>48.275643736800184</c:v>
+                      </c:pt>
+                      <c:pt idx="1">
+                        <c:v>79.745700844568205</c:v>
+                      </c:pt>
+                      <c:pt idx="2">
+                        <c:v>83.082676005325951</c:v>
+                      </c:pt>
+                      <c:pt idx="3">
+                        <c:v>100.31233925538501</c:v>
+                      </c:pt>
+                      <c:pt idx="4">
+                        <c:v>102.9305061684053</c:v>
+                      </c:pt>
+                      <c:pt idx="5">
+                        <c:v>106.64038936756984</c:v>
+                      </c:pt>
+                      <c:pt idx="6">
+                        <c:v>107.85873644733994</c:v>
+                      </c:pt>
+                      <c:pt idx="7">
+                        <c:v>108.22254629152117</c:v>
+                      </c:pt>
+                      <c:pt idx="8">
+                        <c:v>107.63446156943486</c:v>
+                      </c:pt>
+                      <c:pt idx="9">
+                        <c:v>107.605033751498</c:v>
+                      </c:pt>
+                      <c:pt idx="10">
+                        <c:v>107.605033751498</c:v>
+                      </c:pt>
+                      <c:pt idx="11">
+                        <c:v>108.31154051726779</c:v>
+                      </c:pt>
+                      <c:pt idx="12">
+                        <c:v>108.31154051726779</c:v>
+                      </c:pt>
+                    </c:numCache>
+                  </c:numRef>
+                </c:val>
+                <c:extLst xmlns:c15="http://schemas.microsoft.com/office/drawing/2012/chart">
+                  <c:ext xmlns:c16="http://schemas.microsoft.com/office/drawing/2014/chart" uri="{C3380CC4-5D6E-409C-BE32-E72D297353CC}">
+                    <c16:uniqueId val="{00000007-6FF2-4863-AE4A-9115D151CE92}"/>
+                  </c:ext>
+                </c:extLst>
+              </c15:ser>
+            </c15:filteredAreaSeries>
+            <c15:filteredAreaSeries>
+              <c15:ser>
+                <c:idx val="5"/>
+                <c:order val="6"/>
+                <c:tx>
+                  <c:v>EEV2</c:v>
+                </c:tx>
+                <c:spPr>
+                  <a:solidFill>
+                    <a:schemeClr val="bg1"/>
+                  </a:solidFill>
+                  <a:ln>
+                    <a:noFill/>
+                  </a:ln>
+                  <a:effectLst/>
+                </c:spPr>
+                <c:val>
+                  <c:numRef>
+                    <c:extLst xmlns:c15="http://schemas.microsoft.com/office/drawing/2012/chart">
+                      <c:ext xmlns:c15="http://schemas.microsoft.com/office/drawing/2012/chart" uri="{02D57815-91ED-43cb-92C2-25804820EDAC}">
+                        <c15:formulaRef>
+                          <c15:sqref>Sheet1!$D$39:$D$51</c15:sqref>
+                        </c15:formulaRef>
+                      </c:ext>
+                    </c:extLst>
+                    <c:numCache>
+                      <c:formatCode>General</c:formatCode>
+                      <c:ptCount val="13"/>
+                      <c:pt idx="0">
+                        <c:v>22.545795752419867</c:v>
+                      </c:pt>
+                      <c:pt idx="1">
+                        <c:v>22.545795752419867</c:v>
+                      </c:pt>
+                      <c:pt idx="2">
+                        <c:v>22.545795752419867</c:v>
+                      </c:pt>
+                      <c:pt idx="3">
+                        <c:v>22.545795752419867</c:v>
+                      </c:pt>
+                      <c:pt idx="4">
+                        <c:v>22.545795752419867</c:v>
+                      </c:pt>
+                      <c:pt idx="5">
+                        <c:v>22.545795752419867</c:v>
+                      </c:pt>
+                      <c:pt idx="6">
+                        <c:v>22.545795752419867</c:v>
+                      </c:pt>
+                      <c:pt idx="7">
+                        <c:v>22.545795752419867</c:v>
+                      </c:pt>
+                      <c:pt idx="8">
+                        <c:v>22.545795752419867</c:v>
+                      </c:pt>
+                      <c:pt idx="9">
+                        <c:v>22.545795752419867</c:v>
+                      </c:pt>
+                      <c:pt idx="10">
+                        <c:v>22.545795752419867</c:v>
+                      </c:pt>
+                      <c:pt idx="11">
+                        <c:v>22.545795752419867</c:v>
+                      </c:pt>
+                      <c:pt idx="12">
+                        <c:v>22.545795752419867</c:v>
+                      </c:pt>
+                    </c:numCache>
+                  </c:numRef>
+                </c:val>
+                <c:extLst xmlns:c15="http://schemas.microsoft.com/office/drawing/2012/chart">
+                  <c:ext xmlns:c16="http://schemas.microsoft.com/office/drawing/2014/chart" uri="{C3380CC4-5D6E-409C-BE32-E72D297353CC}">
+                    <c16:uniqueId val="{00000008-6FF2-4863-AE4A-9115D151CE92}"/>
+                  </c:ext>
+                </c:extLst>
+              </c15:ser>
+            </c15:filteredAreaSeries>
+          </c:ext>
+        </c:extLst>
+      </c:areaChart>
+      <c:lineChart>
+        <c:grouping val="standard"/>
+        <c:varyColors val="0"/>
+        <c:ser>
+          <c:idx val="0"/>
+          <c:order val="0"/>
+          <c:tx>
+            <c:v>Strict Penalty</c:v>
+          </c:tx>
+          <c:spPr>
+            <a:ln w="25400" cap="rnd">
+              <a:solidFill>
+                <a:schemeClr val="accent6"/>
+              </a:solidFill>
+              <a:round/>
+            </a:ln>
+            <a:effectLst/>
+          </c:spPr>
+          <c:marker>
+            <c:symbol val="none"/>
+          </c:marker>
+          <c:cat>
+            <c:numRef>
+              <c:f>Sheet1!$A$39:$A$51</c:f>
+              <c:numCache>
+                <c:formatCode>General</c:formatCode>
+                <c:ptCount val="13"/>
+                <c:pt idx="0">
+                  <c:v>5</c:v>
+                </c:pt>
+                <c:pt idx="1">
+                  <c:v>10</c:v>
+                </c:pt>
+                <c:pt idx="2">
+                  <c:v>15</c:v>
+                </c:pt>
+                <c:pt idx="3">
+                  <c:v>20</c:v>
+                </c:pt>
+                <c:pt idx="4">
+                  <c:v>30</c:v>
+                </c:pt>
+                <c:pt idx="5">
+                  <c:v>40</c:v>
+                </c:pt>
+                <c:pt idx="6">
+                  <c:v>50</c:v>
+                </c:pt>
+                <c:pt idx="7">
+                  <c:v>75</c:v>
+                </c:pt>
+                <c:pt idx="8">
+                  <c:v>100</c:v>
+                </c:pt>
+                <c:pt idx="9">
+                  <c:v>150</c:v>
+                </c:pt>
+                <c:pt idx="10">
+                  <c:v>200</c:v>
+                </c:pt>
+                <c:pt idx="11">
+                  <c:v>300</c:v>
+                </c:pt>
+                <c:pt idx="12">
+                  <c:v>400</c:v>
+                </c:pt>
+              </c:numCache>
+              <c:extLst xmlns:c15="http://schemas.microsoft.com/office/drawing/2012/chart"/>
+            </c:numRef>
+          </c:cat>
+          <c:val>
+            <c:numRef>
+              <c:f>Sheet1!$E$56:$E$68</c:f>
+              <c:numCache>
+                <c:formatCode>General</c:formatCode>
+                <c:ptCount val="13"/>
+                <c:pt idx="0">
+                  <c:v>92.408536944526261</c:v>
+                </c:pt>
+                <c:pt idx="1">
+                  <c:v>110.46002300648922</c:v>
+                </c:pt>
+                <c:pt idx="2">
+                  <c:v>118.23400143363257</c:v>
+                </c:pt>
+                <c:pt idx="3">
+                  <c:v>118.23400143363043</c:v>
+                </c:pt>
+                <c:pt idx="4">
+                  <c:v>125.43687005537154</c:v>
+                </c:pt>
+                <c:pt idx="5">
+                  <c:v>125.43687005537154</c:v>
+                </c:pt>
+                <c:pt idx="6">
+                  <c:v>125.74267155861624</c:v>
+                </c:pt>
+                <c:pt idx="7">
+                  <c:v>126.35921352797935</c:v>
+                </c:pt>
+                <c:pt idx="8">
+                  <c:v>126.35921352797935</c:v>
+                </c:pt>
+                <c:pt idx="9">
+                  <c:v>126.35921352797935</c:v>
+                </c:pt>
+                <c:pt idx="10">
+                  <c:v>127.49336474121159</c:v>
+                </c:pt>
+                <c:pt idx="11">
+                  <c:v>127.49336474121159</c:v>
+                </c:pt>
+                <c:pt idx="12">
+                  <c:v>127.8647868552555</c:v>
+                </c:pt>
+              </c:numCache>
+            </c:numRef>
+          </c:val>
+          <c:smooth val="0"/>
+          <c:extLst>
+            <c:ext xmlns:c16="http://schemas.microsoft.com/office/drawing/2014/chart" uri="{C3380CC4-5D6E-409C-BE32-E72D297353CC}">
+              <c16:uniqueId val="{00000000-6FF2-4863-AE4A-9115D151CE92}"/>
+            </c:ext>
+          </c:extLst>
+        </c:ser>
+        <c:ser>
+          <c:idx val="7"/>
+          <c:order val="7"/>
+          <c:tx>
+            <c:v>Reversion Penalty</c:v>
+          </c:tx>
+          <c:spPr>
+            <a:ln w="25400" cap="rnd">
+              <a:solidFill>
+                <a:schemeClr val="accent1"/>
+              </a:solidFill>
+              <a:round/>
+            </a:ln>
+            <a:effectLst/>
+          </c:spPr>
+          <c:marker>
+            <c:symbol val="none"/>
+          </c:marker>
+          <c:val>
+            <c:numRef>
+              <c:f>Sheet1!$F$56:$F$68</c:f>
+              <c:numCache>
+                <c:formatCode>General</c:formatCode>
+                <c:ptCount val="13"/>
+                <c:pt idx="0">
+                  <c:v>128.85223961904114</c:v>
+                </c:pt>
+                <c:pt idx="1">
+                  <c:v>130.95960576090386</c:v>
+                </c:pt>
+                <c:pt idx="2">
+                  <c:v>130.76152422799706</c:v>
+                </c:pt>
+                <c:pt idx="3">
+                  <c:v>130.7615242279949</c:v>
+                </c:pt>
+                <c:pt idx="4">
+                  <c:v>131.70063145255378</c:v>
+                </c:pt>
+                <c:pt idx="5">
+                  <c:v>131.70063145255378</c:v>
+                </c:pt>
+                <c:pt idx="6">
+                  <c:v>130.86756724721988</c:v>
+                </c:pt>
+                <c:pt idx="7">
+                  <c:v>128.06751209084723</c:v>
+                </c:pt>
+                <c:pt idx="8">
+                  <c:v>128.06751209084723</c:v>
+                </c:pt>
+                <c:pt idx="9">
+                  <c:v>128.06751209084723</c:v>
+                </c:pt>
+                <c:pt idx="10">
+                  <c:v>128.06279759550088</c:v>
+                </c:pt>
+                <c:pt idx="11">
+                  <c:v>128.06279759550088</c:v>
+                </c:pt>
+                <c:pt idx="12">
+                  <c:v>127.8647868552555</c:v>
+                </c:pt>
+              </c:numCache>
+            </c:numRef>
+          </c:val>
+          <c:smooth val="0"/>
+          <c:extLst>
+            <c:ext xmlns:c16="http://schemas.microsoft.com/office/drawing/2014/chart" uri="{C3380CC4-5D6E-409C-BE32-E72D297353CC}">
+              <c16:uniqueId val="{00000001-6FF2-4863-AE4A-9115D151CE92}"/>
+            </c:ext>
+          </c:extLst>
+        </c:ser>
+        <c:ser>
+          <c:idx val="9"/>
+          <c:order val="9"/>
+          <c:tx>
+            <c:v>RA ObjVal</c:v>
+          </c:tx>
+          <c:spPr>
+            <a:ln w="25400" cap="rnd">
+              <a:solidFill>
+                <a:schemeClr val="tx1"/>
+              </a:solidFill>
+              <a:round/>
+            </a:ln>
+            <a:effectLst/>
+          </c:spPr>
+          <c:marker>
+            <c:symbol val="none"/>
+          </c:marker>
+          <c:val>
+            <c:numRef>
+              <c:f>Sheet1!$G$56:$G$68</c:f>
+              <c:numCache>
+                <c:formatCode>General</c:formatCode>
+                <c:ptCount val="13"/>
+                <c:pt idx="0">
+                  <c:v>126.96</c:v>
+                </c:pt>
+                <c:pt idx="1">
+                  <c:v>130.75</c:v>
+                </c:pt>
+                <c:pt idx="2">
+                  <c:v>130.47</c:v>
+                </c:pt>
+                <c:pt idx="3">
+                  <c:v>130.47</c:v>
+                </c:pt>
+                <c:pt idx="4">
+                  <c:v>131.04499999999999</c:v>
+                </c:pt>
+                <c:pt idx="5">
+                  <c:v>129.83000000000001</c:v>
+                </c:pt>
+                <c:pt idx="6">
+                  <c:v>129.83000000000001</c:v>
+                </c:pt>
+                <c:pt idx="7">
+                  <c:v>127.79</c:v>
+                </c:pt>
+                <c:pt idx="8">
+                  <c:v>127.79</c:v>
+                </c:pt>
+                <c:pt idx="9">
+                  <c:v>127.53</c:v>
+                </c:pt>
+                <c:pt idx="10">
+                  <c:v>128.53</c:v>
+                </c:pt>
+                <c:pt idx="11">
+                  <c:v>128.53</c:v>
+                </c:pt>
+                <c:pt idx="12">
+                  <c:v>128.19999999999999</c:v>
+                </c:pt>
+              </c:numCache>
+            </c:numRef>
+          </c:val>
+          <c:smooth val="0"/>
+          <c:extLst>
+            <c:ext xmlns:c16="http://schemas.microsoft.com/office/drawing/2014/chart" uri="{C3380CC4-5D6E-409C-BE32-E72D297353CC}">
+              <c16:uniqueId val="{00000002-6FF2-4863-AE4A-9115D151CE92}"/>
+            </c:ext>
+          </c:extLst>
+        </c:ser>
+        <c:dLbls>
+          <c:showLegendKey val="0"/>
+          <c:showVal val="0"/>
+          <c:showCatName val="0"/>
+          <c:showSerName val="0"/>
+          <c:showPercent val="0"/>
+          <c:showBubbleSize val="0"/>
+        </c:dLbls>
+        <c:marker val="1"/>
+        <c:smooth val="0"/>
+        <c:axId val="669610408"/>
+        <c:axId val="669614016"/>
+        <c:extLst>
+          <c:ext xmlns:c15="http://schemas.microsoft.com/office/drawing/2012/chart" uri="{02D57815-91ED-43cb-92C2-25804820EDAC}">
+            <c15:filteredLineSeries>
+              <c15:ser>
+                <c:idx val="1"/>
+                <c:order val="1"/>
+                <c:tx>
+                  <c:v>EEV Strict</c:v>
+                </c:tx>
+                <c:spPr>
+                  <a:ln w="25400" cap="rnd">
+                    <a:solidFill>
+                      <a:schemeClr val="accent6">
+                        <a:lumMod val="75000"/>
+                      </a:schemeClr>
+                    </a:solidFill>
+                    <a:round/>
+                  </a:ln>
+                  <a:effectLst/>
+                </c:spPr>
+                <c:marker>
+                  <c:symbol val="none"/>
+                </c:marker>
+                <c:cat>
+                  <c:numRef>
+                    <c:extLst>
+                      <c:ext uri="{02D57815-91ED-43cb-92C2-25804820EDAC}">
+                        <c15:formulaRef>
+                          <c15:sqref>Sheet1!$A$39:$A$51</c15:sqref>
+                        </c15:formulaRef>
+                      </c:ext>
+                    </c:extLst>
+                    <c:numCache>
+                      <c:formatCode>General</c:formatCode>
+                      <c:ptCount val="13"/>
+                      <c:pt idx="0">
+                        <c:v>5</c:v>
+                      </c:pt>
+                      <c:pt idx="1">
+                        <c:v>10</c:v>
+                      </c:pt>
+                      <c:pt idx="2">
+                        <c:v>15</c:v>
+                      </c:pt>
+                      <c:pt idx="3">
+                        <c:v>20</c:v>
+                      </c:pt>
+                      <c:pt idx="4">
+                        <c:v>30</c:v>
+                      </c:pt>
+                      <c:pt idx="5">
+                        <c:v>40</c:v>
+                      </c:pt>
+                      <c:pt idx="6">
+                        <c:v>50</c:v>
+                      </c:pt>
+                      <c:pt idx="7">
+                        <c:v>75</c:v>
+                      </c:pt>
+                      <c:pt idx="8">
+                        <c:v>100</c:v>
+                      </c:pt>
+                      <c:pt idx="9">
+                        <c:v>150</c:v>
+                      </c:pt>
+                      <c:pt idx="10">
+                        <c:v>200</c:v>
+                      </c:pt>
+                      <c:pt idx="11">
+                        <c:v>300</c:v>
+                      </c:pt>
+                      <c:pt idx="12">
+                        <c:v>400</c:v>
+                      </c:pt>
+                    </c:numCache>
+                  </c:numRef>
+                </c:cat>
+                <c:val>
+                  <c:numRef>
+                    <c:extLst>
+                      <c:ext uri="{02D57815-91ED-43cb-92C2-25804820EDAC}">
+                        <c15:formulaRef>
+                          <c15:sqref>Sheet1!$D$39:$D$51</c15:sqref>
+                        </c15:formulaRef>
+                      </c:ext>
+                    </c:extLst>
+                    <c:numCache>
+                      <c:formatCode>General</c:formatCode>
+                      <c:ptCount val="13"/>
+                      <c:pt idx="0">
+                        <c:v>22.545795752419867</c:v>
+                      </c:pt>
+                      <c:pt idx="1">
+                        <c:v>22.545795752419867</c:v>
+                      </c:pt>
+                      <c:pt idx="2">
+                        <c:v>22.545795752419867</c:v>
+                      </c:pt>
+                      <c:pt idx="3">
+                        <c:v>22.545795752419867</c:v>
+                      </c:pt>
+                      <c:pt idx="4">
+                        <c:v>22.545795752419867</c:v>
+                      </c:pt>
+                      <c:pt idx="5">
+                        <c:v>22.545795752419867</c:v>
+                      </c:pt>
+                      <c:pt idx="6">
+                        <c:v>22.545795752419867</c:v>
+                      </c:pt>
+                      <c:pt idx="7">
+                        <c:v>22.545795752419867</c:v>
+                      </c:pt>
+                      <c:pt idx="8">
+                        <c:v>22.545795752419867</c:v>
+                      </c:pt>
+                      <c:pt idx="9">
+                        <c:v>22.545795752419867</c:v>
+                      </c:pt>
+                      <c:pt idx="10">
+                        <c:v>22.545795752419867</c:v>
+                      </c:pt>
+                      <c:pt idx="11">
+                        <c:v>22.545795752419867</c:v>
+                      </c:pt>
+                      <c:pt idx="12">
+                        <c:v>22.545795752419867</c:v>
+                      </c:pt>
+                    </c:numCache>
+                  </c:numRef>
+                </c:val>
+                <c:smooth val="0"/>
+                <c:extLst>
+                  <c:ext xmlns:c16="http://schemas.microsoft.com/office/drawing/2014/chart" uri="{C3380CC4-5D6E-409C-BE32-E72D297353CC}">
+                    <c16:uniqueId val="{00000003-6FF2-4863-AE4A-9115D151CE92}"/>
+                  </c:ext>
+                </c:extLst>
+              </c15:ser>
+            </c15:filteredLineSeries>
+            <c15:filteredLineSeries>
+              <c15:ser>
+                <c:idx val="2"/>
+                <c:order val="2"/>
+                <c:tx>
+                  <c:v>WS</c:v>
+                </c:tx>
+                <c:spPr>
+                  <a:ln w="25400" cap="rnd">
+                    <a:solidFill>
+                      <a:schemeClr val="accent5"/>
+                    </a:solidFill>
+                    <a:prstDash val="sysDash"/>
+                    <a:round/>
+                  </a:ln>
+                  <a:effectLst/>
+                </c:spPr>
+                <c:marker>
+                  <c:symbol val="none"/>
+                </c:marker>
+                <c:cat>
+                  <c:numRef>
+                    <c:extLst xmlns:c15="http://schemas.microsoft.com/office/drawing/2012/chart">
+                      <c:ext xmlns:c15="http://schemas.microsoft.com/office/drawing/2012/chart" uri="{02D57815-91ED-43cb-92C2-25804820EDAC}">
+                        <c15:formulaRef>
+                          <c15:sqref>Sheet1!$A$39:$A$51</c15:sqref>
+                        </c15:formulaRef>
+                      </c:ext>
+                    </c:extLst>
+                    <c:numCache>
+                      <c:formatCode>General</c:formatCode>
+                      <c:ptCount val="13"/>
+                      <c:pt idx="0">
+                        <c:v>5</c:v>
+                      </c:pt>
+                      <c:pt idx="1">
+                        <c:v>10</c:v>
+                      </c:pt>
+                      <c:pt idx="2">
+                        <c:v>15</c:v>
+                      </c:pt>
+                      <c:pt idx="3">
+                        <c:v>20</c:v>
+                      </c:pt>
+                      <c:pt idx="4">
+                        <c:v>30</c:v>
+                      </c:pt>
+                      <c:pt idx="5">
+                        <c:v>40</c:v>
+                      </c:pt>
+                      <c:pt idx="6">
+                        <c:v>50</c:v>
+                      </c:pt>
+                      <c:pt idx="7">
+                        <c:v>75</c:v>
+                      </c:pt>
+                      <c:pt idx="8">
+                        <c:v>100</c:v>
+                      </c:pt>
+                      <c:pt idx="9">
+                        <c:v>150</c:v>
+                      </c:pt>
+                      <c:pt idx="10">
+                        <c:v>200</c:v>
+                      </c:pt>
+                      <c:pt idx="11">
+                        <c:v>300</c:v>
+                      </c:pt>
+                      <c:pt idx="12">
+                        <c:v>400</c:v>
+                      </c:pt>
+                    </c:numCache>
+                  </c:numRef>
+                </c:cat>
+                <c:val>
+                  <c:numRef>
+                    <c:extLst xmlns:c15="http://schemas.microsoft.com/office/drawing/2012/chart">
+                      <c:ext xmlns:c15="http://schemas.microsoft.com/office/drawing/2012/chart" uri="{02D57815-91ED-43cb-92C2-25804820EDAC}">
+                        <c15:formulaRef>
+                          <c15:sqref>Sheet1!$C$39:$C$51</c15:sqref>
+                        </c15:formulaRef>
+                      </c:ext>
+                    </c:extLst>
+                    <c:numCache>
+                      <c:formatCode>General</c:formatCode>
+                      <c:ptCount val="13"/>
+                      <c:pt idx="0">
+                        <c:v>131.86000000000001</c:v>
+                      </c:pt>
+                      <c:pt idx="1">
+                        <c:v>131.86000000000001</c:v>
+                      </c:pt>
+                      <c:pt idx="2">
+                        <c:v>131.86000000000001</c:v>
+                      </c:pt>
+                      <c:pt idx="3">
+                        <c:v>131.86000000000001</c:v>
+                      </c:pt>
+                      <c:pt idx="4">
+                        <c:v>131.86000000000001</c:v>
+                      </c:pt>
+                      <c:pt idx="5">
+                        <c:v>131.86000000000001</c:v>
+                      </c:pt>
+                      <c:pt idx="6">
+                        <c:v>131.86000000000001</c:v>
+                      </c:pt>
+                      <c:pt idx="7">
+                        <c:v>131.86000000000001</c:v>
+                      </c:pt>
+                      <c:pt idx="8">
+                        <c:v>131.86000000000001</c:v>
+                      </c:pt>
+                      <c:pt idx="9">
+                        <c:v>131.86000000000001</c:v>
+                      </c:pt>
+                      <c:pt idx="10">
+                        <c:v>131.86000000000001</c:v>
+                      </c:pt>
+                      <c:pt idx="11">
+                        <c:v>131.86000000000001</c:v>
+                      </c:pt>
+                      <c:pt idx="12">
+                        <c:v>131.86000000000001</c:v>
+                      </c:pt>
+                    </c:numCache>
+                  </c:numRef>
+                </c:val>
+                <c:smooth val="0"/>
+                <c:extLst xmlns:c15="http://schemas.microsoft.com/office/drawing/2012/chart">
+                  <c:ext xmlns:c16="http://schemas.microsoft.com/office/drawing/2014/chart" uri="{C3380CC4-5D6E-409C-BE32-E72D297353CC}">
+                    <c16:uniqueId val="{00000004-6FF2-4863-AE4A-9115D151CE92}"/>
+                  </c:ext>
+                </c:extLst>
+              </c15:ser>
+            </c15:filteredLineSeries>
+            <c15:filteredLineSeries>
+              <c15:ser>
+                <c:idx val="8"/>
+                <c:order val="8"/>
+                <c:tx>
+                  <c:v>EEV Switch-Off</c:v>
+                </c:tx>
+                <c:spPr>
+                  <a:ln w="25400" cap="rnd">
+                    <a:solidFill>
+                      <a:schemeClr val="accent2">
+                        <a:lumMod val="75000"/>
+                      </a:schemeClr>
+                    </a:solidFill>
+                    <a:prstDash val="sysDash"/>
+                    <a:round/>
+                  </a:ln>
+                  <a:effectLst/>
+                </c:spPr>
+                <c:marker>
+                  <c:symbol val="none"/>
+                </c:marker>
+                <c:val>
+                  <c:numRef>
+                    <c:extLst xmlns:c15="http://schemas.microsoft.com/office/drawing/2012/chart">
+                      <c:ext xmlns:c15="http://schemas.microsoft.com/office/drawing/2012/chart" uri="{02D57815-91ED-43cb-92C2-25804820EDAC}">
+                        <c15:formulaRef>
+                          <c15:sqref>Sheet1!$F$39:$F$51</c15:sqref>
+                        </c15:formulaRef>
+                      </c:ext>
+                    </c:extLst>
+                    <c:numCache>
+                      <c:formatCode>General</c:formatCode>
+                      <c:ptCount val="13"/>
+                      <c:pt idx="0">
+                        <c:v>99.429301529510141</c:v>
+                      </c:pt>
+                      <c:pt idx="1">
+                        <c:v>99.429301529510141</c:v>
+                      </c:pt>
+                      <c:pt idx="2">
+                        <c:v>99.429301529510141</c:v>
+                      </c:pt>
+                      <c:pt idx="3">
+                        <c:v>99.429301529510141</c:v>
+                      </c:pt>
+                      <c:pt idx="4">
+                        <c:v>99.429301529510141</c:v>
+                      </c:pt>
+                      <c:pt idx="5">
+                        <c:v>99.429301529510141</c:v>
+                      </c:pt>
+                      <c:pt idx="6">
+                        <c:v>99.429301529510141</c:v>
+                      </c:pt>
+                      <c:pt idx="7">
+                        <c:v>99.429301529510141</c:v>
+                      </c:pt>
+                      <c:pt idx="8">
+                        <c:v>99.429301529510141</c:v>
+                      </c:pt>
+                      <c:pt idx="9">
+                        <c:v>99.429301529510141</c:v>
+                      </c:pt>
+                      <c:pt idx="10">
+                        <c:v>99.429301529510141</c:v>
+                      </c:pt>
+                      <c:pt idx="11">
+                        <c:v>99.429301529510141</c:v>
+                      </c:pt>
+                      <c:pt idx="12">
+                        <c:v>99.429301529510141</c:v>
+                      </c:pt>
+                    </c:numCache>
+                  </c:numRef>
+                </c:val>
+                <c:smooth val="0"/>
+                <c:extLst xmlns:c15="http://schemas.microsoft.com/office/drawing/2012/chart">
+                  <c:ext xmlns:c16="http://schemas.microsoft.com/office/drawing/2014/chart" uri="{C3380CC4-5D6E-409C-BE32-E72D297353CC}">
+                    <c16:uniqueId val="{00000009-6FF2-4863-AE4A-9115D151CE92}"/>
+                  </c:ext>
+                </c:extLst>
+              </c15:ser>
+            </c15:filteredLineSeries>
+          </c:ext>
+        </c:extLst>
+      </c:lineChart>
+      <c:catAx>
+        <c:axId val="669610408"/>
+        <c:scaling>
+          <c:orientation val="minMax"/>
+        </c:scaling>
+        <c:delete val="0"/>
+        <c:axPos val="b"/>
+        <c:title>
+          <c:tx>
+            <c:rich>
+              <a:bodyPr rot="0" spcFirstLastPara="1" vertOverflow="ellipsis" vert="horz" wrap="square" anchor="ctr" anchorCtr="1"/>
+              <a:lstStyle/>
+              <a:p>
+                <a:pPr>
+                  <a:defRPr sz="1800" b="0" i="0" u="none" strike="noStrike" kern="1200" baseline="0">
+                    <a:solidFill>
+                      <a:schemeClr val="tx1">
+                        <a:lumMod val="65000"/>
+                        <a:lumOff val="35000"/>
+                      </a:schemeClr>
+                    </a:solidFill>
+                    <a:latin typeface="+mn-lt"/>
+                    <a:ea typeface="+mn-ea"/>
+                    <a:cs typeface="+mn-cs"/>
+                  </a:defRPr>
+                </a:pPr>
+                <a:r>
+                  <a:rPr lang="nb-NO" sz="1800"/>
+                  <a:t>Scenarios</a:t>
+                </a:r>
+              </a:p>
+            </c:rich>
+          </c:tx>
+          <c:overlay val="0"/>
+          <c:spPr>
+            <a:noFill/>
+            <a:ln>
+              <a:noFill/>
+            </a:ln>
+            <a:effectLst/>
+          </c:spPr>
+          <c:txPr>
+            <a:bodyPr rot="0" spcFirstLastPara="1" vertOverflow="ellipsis" vert="horz" wrap="square" anchor="ctr" anchorCtr="1"/>
+            <a:lstStyle/>
+            <a:p>
+              <a:pPr>
+                <a:defRPr sz="1800" b="0" i="0" u="none" strike="noStrike" kern="1200" baseline="0">
+                  <a:solidFill>
+                    <a:schemeClr val="tx1">
+                      <a:lumMod val="65000"/>
+                      <a:lumOff val="35000"/>
+                    </a:schemeClr>
+                  </a:solidFill>
+                  <a:latin typeface="+mn-lt"/>
+                  <a:ea typeface="+mn-ea"/>
+                  <a:cs typeface="+mn-cs"/>
+                </a:defRPr>
+              </a:pPr>
+              <a:endParaRPr lang="nb-NO"/>
+            </a:p>
+          </c:txPr>
+        </c:title>
+        <c:numFmt formatCode="General" sourceLinked="1"/>
+        <c:majorTickMark val="none"/>
+        <c:minorTickMark val="none"/>
+        <c:tickLblPos val="nextTo"/>
+        <c:spPr>
+          <a:noFill/>
+          <a:ln w="9525" cap="flat" cmpd="sng" algn="ctr">
+            <a:solidFill>
+              <a:schemeClr val="tx1">
+                <a:lumMod val="25000"/>
+                <a:lumOff val="75000"/>
+              </a:schemeClr>
+            </a:solidFill>
+            <a:round/>
+          </a:ln>
+          <a:effectLst/>
+        </c:spPr>
+        <c:txPr>
+          <a:bodyPr rot="-60000000" spcFirstLastPara="1" vertOverflow="ellipsis" vert="horz" wrap="square" anchor="ctr" anchorCtr="1"/>
+          <a:lstStyle/>
+          <a:p>
+            <a:pPr>
+              <a:defRPr sz="2000" b="0" i="0" u="none" strike="noStrike" kern="1200" baseline="0">
+                <a:solidFill>
+                  <a:schemeClr val="tx1">
+                    <a:lumMod val="65000"/>
+                    <a:lumOff val="35000"/>
+                  </a:schemeClr>
+                </a:solidFill>
+                <a:latin typeface="+mn-lt"/>
+                <a:ea typeface="+mn-ea"/>
+                <a:cs typeface="+mn-cs"/>
+              </a:defRPr>
+            </a:pPr>
+            <a:endParaRPr lang="nb-NO"/>
+          </a:p>
+        </c:txPr>
+        <c:crossAx val="669614016"/>
+        <c:crosses val="autoZero"/>
+        <c:auto val="1"/>
+        <c:lblAlgn val="ctr"/>
+        <c:lblOffset val="100"/>
+        <c:noMultiLvlLbl val="0"/>
+      </c:catAx>
+      <c:valAx>
+        <c:axId val="669614016"/>
+        <c:scaling>
+          <c:orientation val="minMax"/>
+          <c:min val="90"/>
+        </c:scaling>
+        <c:delete val="0"/>
+        <c:axPos val="l"/>
+        <c:majorGridlines>
+          <c:spPr>
+            <a:ln w="9525" cap="flat" cmpd="sng" algn="ctr">
+              <a:solidFill>
+                <a:schemeClr val="tx1">
+                  <a:lumMod val="15000"/>
+                  <a:lumOff val="85000"/>
+                </a:schemeClr>
+              </a:solidFill>
+              <a:round/>
+            </a:ln>
+            <a:effectLst/>
+          </c:spPr>
+        </c:majorGridlines>
+        <c:title>
+          <c:tx>
+            <c:rich>
+              <a:bodyPr rot="-5400000" spcFirstLastPara="1" vertOverflow="ellipsis" vert="horz" wrap="square" anchor="ctr" anchorCtr="1"/>
+              <a:lstStyle/>
+              <a:p>
+                <a:pPr>
+                  <a:defRPr sz="1000" b="0" i="0" u="none" strike="noStrike" kern="1200" baseline="0">
+                    <a:solidFill>
+                      <a:schemeClr val="tx1">
+                        <a:lumMod val="65000"/>
+                        <a:lumOff val="35000"/>
+                      </a:schemeClr>
+                    </a:solidFill>
+                    <a:latin typeface="+mn-lt"/>
+                    <a:ea typeface="+mn-ea"/>
+                    <a:cs typeface="+mn-cs"/>
+                  </a:defRPr>
+                </a:pPr>
+                <a:r>
+                  <a:rPr lang="nb-NO" sz="1800" b="0" i="0" baseline="0">
+                    <a:effectLst/>
+                  </a:rPr>
+                  <a:t>Oil Output [Sm3/h]</a:t>
+                </a:r>
+                <a:endParaRPr lang="nb-NO">
+                  <a:effectLst/>
+                </a:endParaRPr>
+              </a:p>
+            </c:rich>
+          </c:tx>
+          <c:overlay val="0"/>
+          <c:spPr>
+            <a:noFill/>
+            <a:ln>
+              <a:noFill/>
+            </a:ln>
+            <a:effectLst/>
+          </c:spPr>
+          <c:txPr>
+            <a:bodyPr rot="-5400000" spcFirstLastPara="1" vertOverflow="ellipsis" vert="horz" wrap="square" anchor="ctr" anchorCtr="1"/>
+            <a:lstStyle/>
+            <a:p>
+              <a:pPr>
+                <a:defRPr sz="1000" b="0" i="0" u="none" strike="noStrike" kern="1200" baseline="0">
+                  <a:solidFill>
+                    <a:schemeClr val="tx1">
+                      <a:lumMod val="65000"/>
+                      <a:lumOff val="35000"/>
+                    </a:schemeClr>
+                  </a:solidFill>
+                  <a:latin typeface="+mn-lt"/>
+                  <a:ea typeface="+mn-ea"/>
+                  <a:cs typeface="+mn-cs"/>
+                </a:defRPr>
+              </a:pPr>
+              <a:endParaRPr lang="nb-NO"/>
+            </a:p>
+          </c:txPr>
+        </c:title>
+        <c:numFmt formatCode="General" sourceLinked="1"/>
+        <c:majorTickMark val="none"/>
+        <c:minorTickMark val="none"/>
+        <c:tickLblPos val="nextTo"/>
+        <c:spPr>
+          <a:noFill/>
+          <a:ln w="9525" cap="flat" cmpd="sng" algn="ctr">
+            <a:solidFill>
+              <a:schemeClr val="tx1">
+                <a:lumMod val="25000"/>
+                <a:lumOff val="75000"/>
+              </a:schemeClr>
+            </a:solidFill>
+            <a:round/>
+          </a:ln>
+          <a:effectLst/>
+        </c:spPr>
+        <c:txPr>
+          <a:bodyPr rot="-60000000" spcFirstLastPara="1" vertOverflow="ellipsis" vert="horz" wrap="square" anchor="ctr" anchorCtr="1"/>
+          <a:lstStyle/>
+          <a:p>
+            <a:pPr>
+              <a:defRPr sz="1600" b="0" i="0" u="none" strike="noStrike" kern="1200" baseline="0">
+                <a:solidFill>
+                  <a:schemeClr val="tx1">
+                    <a:lumMod val="65000"/>
+                    <a:lumOff val="35000"/>
+                  </a:schemeClr>
+                </a:solidFill>
+                <a:latin typeface="+mn-lt"/>
+                <a:ea typeface="+mn-ea"/>
+                <a:cs typeface="+mn-cs"/>
+              </a:defRPr>
+            </a:pPr>
+            <a:endParaRPr lang="nb-NO"/>
+          </a:p>
+        </c:txPr>
+        <c:crossAx val="669610408"/>
+        <c:crosses val="autoZero"/>
+        <c:crossBetween val="between"/>
+      </c:valAx>
+      <c:spPr>
+        <a:noFill/>
+        <a:ln>
+          <a:noFill/>
+        </a:ln>
+        <a:effectLst/>
+      </c:spPr>
+    </c:plotArea>
+    <c:legend>
+      <c:legendPos val="b"/>
+      <c:overlay val="0"/>
+      <c:spPr>
+        <a:noFill/>
+        <a:ln>
+          <a:noFill/>
+        </a:ln>
+        <a:effectLst/>
+      </c:spPr>
+      <c:txPr>
+        <a:bodyPr rot="0" spcFirstLastPara="1" vertOverflow="ellipsis" vert="horz" wrap="square" anchor="ctr" anchorCtr="1"/>
+        <a:lstStyle/>
+        <a:p>
+          <a:pPr>
+            <a:defRPr sz="1800" b="0" i="0" u="none" strike="noStrike" kern="1200" baseline="0">
+              <a:solidFill>
+                <a:schemeClr val="tx1">
+                  <a:lumMod val="65000"/>
+                  <a:lumOff val="35000"/>
+                </a:schemeClr>
+              </a:solidFill>
+              <a:latin typeface="+mn-lt"/>
+              <a:ea typeface="+mn-ea"/>
+              <a:cs typeface="+mn-cs"/>
+            </a:defRPr>
+          </a:pPr>
+          <a:endParaRPr lang="nb-NO"/>
+        </a:p>
+      </c:txPr>
+    </c:legend>
+    <c:plotVisOnly val="1"/>
+    <c:dispBlanksAs val="gap"/>
+    <c:showDLblsOverMax val="0"/>
+  </c:chart>
+  <c:spPr>
+    <a:noFill/>
+    <a:ln>
+      <a:noFill/>
+    </a:ln>
+    <a:effectLst/>
+  </c:spPr>
+  <c:txPr>
+    <a:bodyPr/>
+    <a:lstStyle/>
+    <a:p>
+      <a:pPr>
+        <a:defRPr/>
+      </a:pPr>
+      <a:endParaRPr lang="nb-NO"/>
+    </a:p>
+  </c:txPr>
+  <c:externalData r:id="rId3">
+    <c:autoUpdate val="0"/>
+  </c:externalData>
+</c:chartSpace>
+</file>
+
+<file path=ppt/charts/chart8.xml><?xml version="1.0" encoding="utf-8"?>
+<c:chartSpace xmlns:c="http://schemas.openxmlformats.org/drawingml/2006/chart" xmlns:a="http://schemas.openxmlformats.org/drawingml/2006/main" xmlns:r="http://schemas.openxmlformats.org/officeDocument/2006/relationships" xmlns:c16r2="http://schemas.microsoft.com/office/drawing/2015/06/chart">
+  <c:date1904 val="0"/>
+  <c:lang val="en-US"/>
+  <c:roundedCorners val="0"/>
+  <mc:AlternateContent xmlns:mc="http://schemas.openxmlformats.org/markup-compatibility/2006">
+    <mc:Choice xmlns:c14="http://schemas.microsoft.com/office/drawing/2007/8/2/chart" Requires="c14">
+      <c14:style val="102"/>
+    </mc:Choice>
+    <mc:Fallback>
+      <c:style val="2"/>
+    </mc:Fallback>
+  </mc:AlternateContent>
+  <c:chart>
+    <c:title>
+      <c:tx>
+        <c:rich>
+          <a:bodyPr rot="0" spcFirstLastPara="1" vertOverflow="ellipsis" vert="horz" wrap="square" anchor="ctr" anchorCtr="1"/>
+          <a:lstStyle/>
+          <a:p>
+            <a:pPr>
+              <a:defRPr sz="2400" b="0" i="0" u="none" strike="noStrike" kern="1200" spc="0" baseline="0">
+                <a:solidFill>
+                  <a:schemeClr val="tx1">
+                    <a:lumMod val="65000"/>
+                    <a:lumOff val="35000"/>
+                  </a:schemeClr>
+                </a:solidFill>
+                <a:latin typeface="+mn-lt"/>
+                <a:ea typeface="+mn-ea"/>
+                <a:cs typeface="+mn-cs"/>
+              </a:defRPr>
+            </a:pPr>
+            <a:r>
+              <a:rPr lang="nb-NO" sz="2400"/>
+              <a:t>Initial Case</a:t>
+            </a:r>
+            <a:r>
+              <a:rPr lang="nb-NO" sz="2400" baseline="0"/>
+              <a:t> B: Objective Value Comparison</a:t>
+            </a:r>
+            <a:endParaRPr lang="nb-NO" sz="2400"/>
+          </a:p>
+        </c:rich>
+      </c:tx>
+      <c:overlay val="0"/>
+      <c:spPr>
+        <a:noFill/>
+        <a:ln>
+          <a:noFill/>
+        </a:ln>
+        <a:effectLst/>
+      </c:spPr>
+      <c:txPr>
+        <a:bodyPr rot="0" spcFirstLastPara="1" vertOverflow="ellipsis" vert="horz" wrap="square" anchor="ctr" anchorCtr="1"/>
+        <a:lstStyle/>
+        <a:p>
+          <a:pPr>
+            <a:defRPr sz="2400" b="0" i="0" u="none" strike="noStrike" kern="1200" spc="0" baseline="0">
+              <a:solidFill>
+                <a:schemeClr val="tx1">
+                  <a:lumMod val="65000"/>
+                  <a:lumOff val="35000"/>
+                </a:schemeClr>
+              </a:solidFill>
+              <a:latin typeface="+mn-lt"/>
+              <a:ea typeface="+mn-ea"/>
+              <a:cs typeface="+mn-cs"/>
+            </a:defRPr>
+          </a:pPr>
+          <a:endParaRPr lang="nb-NO"/>
+        </a:p>
+      </c:txPr>
+    </c:title>
+    <c:autoTitleDeleted val="0"/>
+    <c:plotArea>
+      <c:layout/>
+      <c:areaChart>
+        <c:grouping val="standard"/>
+        <c:varyColors val="0"/>
+        <c:dLbls>
+          <c:showLegendKey val="0"/>
+          <c:showVal val="0"/>
+          <c:showCatName val="0"/>
+          <c:showSerName val="0"/>
+          <c:showPercent val="0"/>
+          <c:showBubbleSize val="0"/>
+        </c:dLbls>
+        <c:axId val="669610408"/>
+        <c:axId val="669614016"/>
+        <c:extLst>
+          <c:ext xmlns:c15="http://schemas.microsoft.com/office/drawing/2012/chart" uri="{02D57815-91ED-43cb-92C2-25804820EDAC}">
+            <c15:filteredAreaSeries>
+              <c15:ser>
+                <c:idx val="3"/>
+                <c:order val="3"/>
+                <c:tx>
+                  <c:v>EVPI</c:v>
+                </c:tx>
+                <c:spPr>
+                  <a:solidFill>
+                    <a:schemeClr val="accent4"/>
+                  </a:solidFill>
+                  <a:ln>
+                    <a:noFill/>
+                  </a:ln>
+                  <a:effectLst/>
+                </c:spPr>
+                <c:val>
+                  <c:numRef>
+                    <c:extLst>
+                      <c:ext uri="{02D57815-91ED-43cb-92C2-25804820EDAC}">
+                        <c15:formulaRef>
+                          <c15:sqref>Sheet1!$C$39:$C$51</c15:sqref>
+                        </c15:formulaRef>
+                      </c:ext>
+                    </c:extLst>
+                    <c:numCache>
+                      <c:formatCode>General</c:formatCode>
+                      <c:ptCount val="13"/>
+                      <c:pt idx="0">
+                        <c:v>131.86000000000001</c:v>
+                      </c:pt>
+                      <c:pt idx="1">
+                        <c:v>131.86000000000001</c:v>
+                      </c:pt>
+                      <c:pt idx="2">
+                        <c:v>131.86000000000001</c:v>
+                      </c:pt>
+                      <c:pt idx="3">
+                        <c:v>131.86000000000001</c:v>
+                      </c:pt>
+                      <c:pt idx="4">
+                        <c:v>131.86000000000001</c:v>
+                      </c:pt>
+                      <c:pt idx="5">
+                        <c:v>131.86000000000001</c:v>
+                      </c:pt>
+                      <c:pt idx="6">
+                        <c:v>131.86000000000001</c:v>
+                      </c:pt>
+                      <c:pt idx="7">
+                        <c:v>131.86000000000001</c:v>
+                      </c:pt>
+                      <c:pt idx="8">
+                        <c:v>131.86000000000001</c:v>
+                      </c:pt>
+                      <c:pt idx="9">
+                        <c:v>131.86000000000001</c:v>
+                      </c:pt>
+                      <c:pt idx="10">
+                        <c:v>131.86000000000001</c:v>
+                      </c:pt>
+                      <c:pt idx="11">
+                        <c:v>131.86000000000001</c:v>
+                      </c:pt>
+                      <c:pt idx="12">
+                        <c:v>131.86000000000001</c:v>
+                      </c:pt>
+                    </c:numCache>
+                  </c:numRef>
+                </c:val>
+                <c:extLst>
+                  <c:ext xmlns:c16="http://schemas.microsoft.com/office/drawing/2014/chart" uri="{C3380CC4-5D6E-409C-BE32-E72D297353CC}">
+                    <c16:uniqueId val="{00000005-24C2-4603-8412-E000409949BC}"/>
+                  </c:ext>
+                </c:extLst>
+              </c15:ser>
+            </c15:filteredAreaSeries>
+            <c15:filteredAreaSeries>
+              <c15:ser>
+                <c:idx val="4"/>
+                <c:order val="4"/>
+                <c:tx>
+                  <c:v>VSS</c:v>
+                </c:tx>
+                <c:spPr>
+                  <a:solidFill>
+                    <a:schemeClr val="accent5"/>
+                  </a:solidFill>
+                  <a:ln>
+                    <a:noFill/>
+                  </a:ln>
+                  <a:effectLst/>
+                </c:spPr>
+                <c:val>
+                  <c:numRef>
+                    <c:extLst xmlns:c15="http://schemas.microsoft.com/office/drawing/2012/chart">
+                      <c:ext xmlns:c15="http://schemas.microsoft.com/office/drawing/2012/chart" uri="{02D57815-91ED-43cb-92C2-25804820EDAC}">
+                        <c15:formulaRef>
+                          <c15:sqref>Sheet1!$E$39:$E$51</c15:sqref>
+                        </c15:formulaRef>
+                      </c:ext>
+                    </c:extLst>
+                    <c:numCache>
+                      <c:formatCode>General</c:formatCode>
+                      <c:ptCount val="13"/>
+                      <c:pt idx="0">
+                        <c:v>108.27187127943978</c:v>
+                      </c:pt>
+                      <c:pt idx="1">
+                        <c:v>113.67031379430423</c:v>
+                      </c:pt>
+                      <c:pt idx="2">
+                        <c:v>114.21539494830016</c:v>
+                      </c:pt>
+                      <c:pt idx="3">
+                        <c:v>116.08138426208811</c:v>
+                      </c:pt>
+                      <c:pt idx="4">
+                        <c:v>115.35200699157679</c:v>
+                      </c:pt>
+                      <c:pt idx="5">
+                        <c:v>115.0099528276165</c:v>
+                      </c:pt>
+                      <c:pt idx="6">
+                        <c:v>114.69560382312626</c:v>
+                      </c:pt>
+                      <c:pt idx="7">
+                        <c:v>114.08852893125128</c:v>
+                      </c:pt>
+                      <c:pt idx="8">
+                        <c:v>112.93770485283977</c:v>
+                      </c:pt>
+                      <c:pt idx="9">
+                        <c:v>112.91023522267056</c:v>
+                      </c:pt>
+                      <c:pt idx="10">
+                        <c:v>112.91023522267056</c:v>
+                      </c:pt>
+                      <c:pt idx="11">
+                        <c:v>111.63559539105303</c:v>
+                      </c:pt>
+                      <c:pt idx="12">
+                        <c:v>111.63559539105303</c:v>
+                      </c:pt>
+                    </c:numCache>
+                  </c:numRef>
+                </c:val>
+                <c:extLst xmlns:c15="http://schemas.microsoft.com/office/drawing/2012/chart">
+                  <c:ext xmlns:c16="http://schemas.microsoft.com/office/drawing/2014/chart" uri="{C3380CC4-5D6E-409C-BE32-E72D297353CC}">
+                    <c16:uniqueId val="{00000006-24C2-4603-8412-E000409949BC}"/>
+                  </c:ext>
+                </c:extLst>
+              </c15:ser>
+            </c15:filteredAreaSeries>
+            <c15:filteredAreaSeries>
+              <c15:ser>
+                <c:idx val="6"/>
+                <c:order val="5"/>
+                <c:tx>
+                  <c:v>VSS Strict</c:v>
+                </c:tx>
+                <c:spPr>
+                  <a:solidFill>
+                    <a:schemeClr val="accent1">
+                      <a:lumMod val="60000"/>
+                    </a:schemeClr>
+                  </a:solidFill>
+                  <a:ln>
+                    <a:solidFill>
+                      <a:schemeClr val="accent6">
+                        <a:lumMod val="75000"/>
+                      </a:schemeClr>
+                    </a:solidFill>
+                  </a:ln>
+                  <a:effectLst/>
+                </c:spPr>
+                <c:val>
+                  <c:numRef>
+                    <c:extLst xmlns:c15="http://schemas.microsoft.com/office/drawing/2012/chart">
+                      <c:ext xmlns:c15="http://schemas.microsoft.com/office/drawing/2012/chart" uri="{02D57815-91ED-43cb-92C2-25804820EDAC}">
+                        <c15:formulaRef>
+                          <c15:sqref>Sheet1!$B$39:$B$51</c15:sqref>
+                        </c15:formulaRef>
+                      </c:ext>
+                    </c:extLst>
+                    <c:numCache>
+                      <c:formatCode>General</c:formatCode>
+                      <c:ptCount val="13"/>
+                      <c:pt idx="0">
+                        <c:v>48.275643736800184</c:v>
+                      </c:pt>
+                      <c:pt idx="1">
+                        <c:v>79.745700844568205</c:v>
+                      </c:pt>
+                      <c:pt idx="2">
+                        <c:v>83.082676005325951</c:v>
+                      </c:pt>
+                      <c:pt idx="3">
+                        <c:v>100.31233925538501</c:v>
+                      </c:pt>
+                      <c:pt idx="4">
+                        <c:v>102.9305061684053</c:v>
+                      </c:pt>
+                      <c:pt idx="5">
+                        <c:v>106.64038936756984</c:v>
+                      </c:pt>
+                      <c:pt idx="6">
+                        <c:v>107.85873644733994</c:v>
+                      </c:pt>
+                      <c:pt idx="7">
+                        <c:v>108.22254629152117</c:v>
+                      </c:pt>
+                      <c:pt idx="8">
+                        <c:v>107.63446156943486</c:v>
+                      </c:pt>
+                      <c:pt idx="9">
+                        <c:v>107.605033751498</c:v>
+                      </c:pt>
+                      <c:pt idx="10">
+                        <c:v>107.605033751498</c:v>
+                      </c:pt>
+                      <c:pt idx="11">
+                        <c:v>108.31154051726779</c:v>
+                      </c:pt>
+                      <c:pt idx="12">
+                        <c:v>108.31154051726779</c:v>
+                      </c:pt>
+                    </c:numCache>
+                  </c:numRef>
+                </c:val>
+                <c:extLst xmlns:c15="http://schemas.microsoft.com/office/drawing/2012/chart">
+                  <c:ext xmlns:c16="http://schemas.microsoft.com/office/drawing/2014/chart" uri="{C3380CC4-5D6E-409C-BE32-E72D297353CC}">
+                    <c16:uniqueId val="{00000007-24C2-4603-8412-E000409949BC}"/>
+                  </c:ext>
+                </c:extLst>
+              </c15:ser>
+            </c15:filteredAreaSeries>
+            <c15:filteredAreaSeries>
+              <c15:ser>
+                <c:idx val="5"/>
+                <c:order val="6"/>
+                <c:tx>
+                  <c:v>EEV2</c:v>
+                </c:tx>
+                <c:spPr>
+                  <a:solidFill>
+                    <a:schemeClr val="bg1"/>
+                  </a:solidFill>
+                  <a:ln>
+                    <a:noFill/>
+                  </a:ln>
+                  <a:effectLst/>
+                </c:spPr>
+                <c:val>
+                  <c:numRef>
+                    <c:extLst xmlns:c15="http://schemas.microsoft.com/office/drawing/2012/chart">
+                      <c:ext xmlns:c15="http://schemas.microsoft.com/office/drawing/2012/chart" uri="{02D57815-91ED-43cb-92C2-25804820EDAC}">
+                        <c15:formulaRef>
+                          <c15:sqref>Sheet1!$D$39:$D$51</c15:sqref>
+                        </c15:formulaRef>
+                      </c:ext>
+                    </c:extLst>
+                    <c:numCache>
+                      <c:formatCode>General</c:formatCode>
+                      <c:ptCount val="13"/>
+                      <c:pt idx="0">
+                        <c:v>22.545795752419867</c:v>
+                      </c:pt>
+                      <c:pt idx="1">
+                        <c:v>22.545795752419867</c:v>
+                      </c:pt>
+                      <c:pt idx="2">
+                        <c:v>22.545795752419867</c:v>
+                      </c:pt>
+                      <c:pt idx="3">
+                        <c:v>22.545795752419867</c:v>
+                      </c:pt>
+                      <c:pt idx="4">
+                        <c:v>22.545795752419867</c:v>
+                      </c:pt>
+                      <c:pt idx="5">
+                        <c:v>22.545795752419867</c:v>
+                      </c:pt>
+                      <c:pt idx="6">
+                        <c:v>22.545795752419867</c:v>
+                      </c:pt>
+                      <c:pt idx="7">
+                        <c:v>22.545795752419867</c:v>
+                      </c:pt>
+                      <c:pt idx="8">
+                        <c:v>22.545795752419867</c:v>
+                      </c:pt>
+                      <c:pt idx="9">
+                        <c:v>22.545795752419867</c:v>
+                      </c:pt>
+                      <c:pt idx="10">
+                        <c:v>22.545795752419867</c:v>
+                      </c:pt>
+                      <c:pt idx="11">
+                        <c:v>22.545795752419867</c:v>
+                      </c:pt>
+                      <c:pt idx="12">
+                        <c:v>22.545795752419867</c:v>
+                      </c:pt>
+                    </c:numCache>
+                  </c:numRef>
+                </c:val>
+                <c:extLst xmlns:c15="http://schemas.microsoft.com/office/drawing/2012/chart">
+                  <c:ext xmlns:c16="http://schemas.microsoft.com/office/drawing/2014/chart" uri="{C3380CC4-5D6E-409C-BE32-E72D297353CC}">
+                    <c16:uniqueId val="{00000008-24C2-4603-8412-E000409949BC}"/>
+                  </c:ext>
+                </c:extLst>
+              </c15:ser>
+            </c15:filteredAreaSeries>
+          </c:ext>
+        </c:extLst>
+      </c:areaChart>
+      <c:lineChart>
+        <c:grouping val="standard"/>
+        <c:varyColors val="0"/>
+        <c:ser>
+          <c:idx val="0"/>
+          <c:order val="0"/>
+          <c:tx>
+            <c:v>Strict Penalty</c:v>
+          </c:tx>
+          <c:spPr>
+            <a:ln w="25400" cap="rnd">
+              <a:solidFill>
+                <a:schemeClr val="accent6"/>
+              </a:solidFill>
+              <a:round/>
+            </a:ln>
+            <a:effectLst/>
+          </c:spPr>
+          <c:marker>
+            <c:symbol val="none"/>
+          </c:marker>
+          <c:cat>
+            <c:numRef>
+              <c:f>Sheet1!$A$39:$A$51</c:f>
+              <c:numCache>
+                <c:formatCode>General</c:formatCode>
+                <c:ptCount val="13"/>
+                <c:pt idx="0">
+                  <c:v>5</c:v>
+                </c:pt>
+                <c:pt idx="1">
+                  <c:v>10</c:v>
+                </c:pt>
+                <c:pt idx="2">
+                  <c:v>15</c:v>
+                </c:pt>
+                <c:pt idx="3">
+                  <c:v>20</c:v>
+                </c:pt>
+                <c:pt idx="4">
+                  <c:v>30</c:v>
+                </c:pt>
+                <c:pt idx="5">
+                  <c:v>40</c:v>
+                </c:pt>
+                <c:pt idx="6">
+                  <c:v>50</c:v>
+                </c:pt>
+                <c:pt idx="7">
+                  <c:v>75</c:v>
+                </c:pt>
+                <c:pt idx="8">
+                  <c:v>100</c:v>
+                </c:pt>
+                <c:pt idx="9">
+                  <c:v>150</c:v>
+                </c:pt>
+                <c:pt idx="10">
+                  <c:v>200</c:v>
+                </c:pt>
+                <c:pt idx="11">
+                  <c:v>300</c:v>
+                </c:pt>
+                <c:pt idx="12">
+                  <c:v>400</c:v>
+                </c:pt>
+              </c:numCache>
+              <c:extLst xmlns:c15="http://schemas.microsoft.com/office/drawing/2012/chart"/>
+            </c:numRef>
+          </c:cat>
+          <c:val>
+            <c:numRef>
+              <c:f>Sheet1!$E$23:$E$35</c:f>
+              <c:numCache>
+                <c:formatCode>General</c:formatCode>
+                <c:ptCount val="13"/>
+                <c:pt idx="0">
+                  <c:v>55.258176938755234</c:v>
+                </c:pt>
+                <c:pt idx="1">
+                  <c:v>79.092874626695874</c:v>
+                </c:pt>
+                <c:pt idx="2">
+                  <c:v>91.898260263482626</c:v>
+                </c:pt>
+                <c:pt idx="3">
+                  <c:v>91.898260263482626</c:v>
+                </c:pt>
+                <c:pt idx="4">
+                  <c:v>98.547551243872817</c:v>
+                </c:pt>
+                <c:pt idx="5">
+                  <c:v>104.64102684745468</c:v>
+                </c:pt>
+                <c:pt idx="6">
+                  <c:v>104.64102684745468</c:v>
+                </c:pt>
+                <c:pt idx="7">
+                  <c:v>104.64102684745468</c:v>
+                </c:pt>
+                <c:pt idx="8">
+                  <c:v>104.64102684745468</c:v>
+                </c:pt>
+                <c:pt idx="9">
+                  <c:v>104.65966197236172</c:v>
+                </c:pt>
+                <c:pt idx="10">
+                  <c:v>105.95904183257875</c:v>
+                </c:pt>
+                <c:pt idx="11">
+                  <c:v>105.75575769376563</c:v>
+                </c:pt>
+                <c:pt idx="12">
+                  <c:v>105.75575769376563</c:v>
+                </c:pt>
+              </c:numCache>
+            </c:numRef>
+          </c:val>
+          <c:smooth val="0"/>
+          <c:extLst>
+            <c:ext xmlns:c16="http://schemas.microsoft.com/office/drawing/2014/chart" uri="{C3380CC4-5D6E-409C-BE32-E72D297353CC}">
+              <c16:uniqueId val="{00000000-24C2-4603-8412-E000409949BC}"/>
+            </c:ext>
+          </c:extLst>
+        </c:ser>
+        <c:ser>
+          <c:idx val="7"/>
+          <c:order val="7"/>
+          <c:tx>
+            <c:v>Switch-Off Penalty</c:v>
+          </c:tx>
+          <c:spPr>
+            <a:ln w="25400" cap="rnd">
+              <a:solidFill>
+                <a:schemeClr val="accent1"/>
+              </a:solidFill>
+              <a:round/>
+            </a:ln>
+            <a:effectLst/>
+          </c:spPr>
+          <c:marker>
+            <c:symbol val="none"/>
+          </c:marker>
+          <c:val>
+            <c:numRef>
+              <c:f>Sheet1!$F$23:$F$35</c:f>
+              <c:numCache>
+                <c:formatCode>General</c:formatCode>
+                <c:ptCount val="13"/>
+                <c:pt idx="0">
+                  <c:v>104.2224025970575</c:v>
+                </c:pt>
+                <c:pt idx="1">
+                  <c:v>111.049599204705</c:v>
+                </c:pt>
+                <c:pt idx="2">
+                  <c:v>110.7015509457194</c:v>
+                </c:pt>
+                <c:pt idx="3">
+                  <c:v>110.70155094571925</c:v>
+                </c:pt>
+                <c:pt idx="4">
+                  <c:v>108.61988638874692</c:v>
+                </c:pt>
+                <c:pt idx="5">
+                  <c:v>107.85926768980687</c:v>
+                </c:pt>
+                <c:pt idx="6">
+                  <c:v>107.85926768980687</c:v>
+                </c:pt>
+                <c:pt idx="7">
+                  <c:v>107.85926768980687</c:v>
+                </c:pt>
+                <c:pt idx="8">
+                  <c:v>107.85926768980687</c:v>
+                </c:pt>
+                <c:pt idx="9">
+                  <c:v>107.32817673556752</c:v>
+                </c:pt>
+                <c:pt idx="10">
+                  <c:v>107.02330865922056</c:v>
+                </c:pt>
+                <c:pt idx="11">
+                  <c:v>106.8179711452669</c:v>
+                </c:pt>
+                <c:pt idx="12">
+                  <c:v>106.8179711452669</c:v>
+                </c:pt>
+              </c:numCache>
+            </c:numRef>
+          </c:val>
+          <c:smooth val="0"/>
+          <c:extLst>
+            <c:ext xmlns:c16="http://schemas.microsoft.com/office/drawing/2014/chart" uri="{C3380CC4-5D6E-409C-BE32-E72D297353CC}">
+              <c16:uniqueId val="{00000001-24C2-4603-8412-E000409949BC}"/>
+            </c:ext>
+          </c:extLst>
+        </c:ser>
+        <c:ser>
+          <c:idx val="9"/>
+          <c:order val="9"/>
+          <c:tx>
+            <c:v>RA ObjVal</c:v>
+          </c:tx>
+          <c:spPr>
+            <a:ln w="25400" cap="rnd">
+              <a:solidFill>
+                <a:schemeClr val="tx1"/>
+              </a:solidFill>
+              <a:round/>
+            </a:ln>
+            <a:effectLst/>
+          </c:spPr>
+          <c:marker>
+            <c:symbol val="none"/>
+          </c:marker>
+          <c:val>
+            <c:numRef>
+              <c:f>Sheet1!$G$23:$G$35</c:f>
+              <c:numCache>
+                <c:formatCode>General</c:formatCode>
+                <c:ptCount val="13"/>
+                <c:pt idx="0">
+                  <c:v>115.05</c:v>
+                </c:pt>
+                <c:pt idx="1">
+                  <c:v>113.58846935776199</c:v>
+                </c:pt>
+                <c:pt idx="2">
+                  <c:v>113.77667603384999</c:v>
+                </c:pt>
+                <c:pt idx="3">
+                  <c:v>113.77667583039999</c:v>
+                </c:pt>
+                <c:pt idx="4">
+                  <c:v>109.10116875113199</c:v>
+                </c:pt>
+                <c:pt idx="5">
+                  <c:v>108.939860599159</c:v>
+                </c:pt>
+                <c:pt idx="6">
+                  <c:v>108.522081297307</c:v>
+                </c:pt>
+                <c:pt idx="7">
+                  <c:v>108.30782755820999</c:v>
+                </c:pt>
+                <c:pt idx="8">
+                  <c:v>108.30782755820999</c:v>
+                </c:pt>
+                <c:pt idx="9">
+                  <c:v>108.307753839645</c:v>
+                </c:pt>
+                <c:pt idx="10">
+                  <c:v>108.307753812408</c:v>
+                </c:pt>
+                <c:pt idx="11">
+                  <c:v>108.11871201266</c:v>
+                </c:pt>
+                <c:pt idx="12">
+                  <c:v>108.100436427529</c:v>
+                </c:pt>
+              </c:numCache>
+            </c:numRef>
+          </c:val>
+          <c:smooth val="0"/>
+          <c:extLst>
+            <c:ext xmlns:c16="http://schemas.microsoft.com/office/drawing/2014/chart" uri="{C3380CC4-5D6E-409C-BE32-E72D297353CC}">
+              <c16:uniqueId val="{00000002-24C2-4603-8412-E000409949BC}"/>
+            </c:ext>
+          </c:extLst>
+        </c:ser>
+        <c:dLbls>
+          <c:showLegendKey val="0"/>
+          <c:showVal val="0"/>
+          <c:showCatName val="0"/>
+          <c:showSerName val="0"/>
+          <c:showPercent val="0"/>
+          <c:showBubbleSize val="0"/>
+        </c:dLbls>
+        <c:marker val="1"/>
+        <c:smooth val="0"/>
+        <c:axId val="669610408"/>
+        <c:axId val="669614016"/>
+        <c:extLst>
+          <c:ext xmlns:c15="http://schemas.microsoft.com/office/drawing/2012/chart" uri="{02D57815-91ED-43cb-92C2-25804820EDAC}">
+            <c15:filteredLineSeries>
+              <c15:ser>
+                <c:idx val="1"/>
+                <c:order val="1"/>
+                <c:tx>
+                  <c:v>EEV Strict</c:v>
+                </c:tx>
+                <c:spPr>
+                  <a:ln w="25400" cap="rnd">
+                    <a:solidFill>
+                      <a:schemeClr val="accent6">
+                        <a:lumMod val="75000"/>
+                      </a:schemeClr>
+                    </a:solidFill>
+                    <a:round/>
+                  </a:ln>
+                  <a:effectLst/>
+                </c:spPr>
+                <c:marker>
+                  <c:symbol val="none"/>
+                </c:marker>
+                <c:cat>
+                  <c:numRef>
+                    <c:extLst>
+                      <c:ext uri="{02D57815-91ED-43cb-92C2-25804820EDAC}">
+                        <c15:formulaRef>
+                          <c15:sqref>Sheet1!$A$39:$A$51</c15:sqref>
+                        </c15:formulaRef>
+                      </c:ext>
+                    </c:extLst>
+                    <c:numCache>
+                      <c:formatCode>General</c:formatCode>
+                      <c:ptCount val="13"/>
+                      <c:pt idx="0">
+                        <c:v>5</c:v>
+                      </c:pt>
+                      <c:pt idx="1">
+                        <c:v>10</c:v>
+                      </c:pt>
+                      <c:pt idx="2">
+                        <c:v>15</c:v>
+                      </c:pt>
+                      <c:pt idx="3">
+                        <c:v>20</c:v>
+                      </c:pt>
+                      <c:pt idx="4">
+                        <c:v>30</c:v>
+                      </c:pt>
+                      <c:pt idx="5">
+                        <c:v>40</c:v>
+                      </c:pt>
+                      <c:pt idx="6">
+                        <c:v>50</c:v>
+                      </c:pt>
+                      <c:pt idx="7">
+                        <c:v>75</c:v>
+                      </c:pt>
+                      <c:pt idx="8">
+                        <c:v>100</c:v>
+                      </c:pt>
+                      <c:pt idx="9">
+                        <c:v>150</c:v>
+                      </c:pt>
+                      <c:pt idx="10">
+                        <c:v>200</c:v>
+                      </c:pt>
+                      <c:pt idx="11">
+                        <c:v>300</c:v>
+                      </c:pt>
+                      <c:pt idx="12">
+                        <c:v>400</c:v>
+                      </c:pt>
+                    </c:numCache>
+                  </c:numRef>
+                </c:cat>
+                <c:val>
+                  <c:numRef>
+                    <c:extLst>
+                      <c:ext uri="{02D57815-91ED-43cb-92C2-25804820EDAC}">
+                        <c15:formulaRef>
+                          <c15:sqref>Sheet1!$D$39:$D$51</c15:sqref>
+                        </c15:formulaRef>
+                      </c:ext>
+                    </c:extLst>
+                    <c:numCache>
+                      <c:formatCode>General</c:formatCode>
+                      <c:ptCount val="13"/>
+                      <c:pt idx="0">
+                        <c:v>22.545795752419867</c:v>
+                      </c:pt>
+                      <c:pt idx="1">
+                        <c:v>22.545795752419867</c:v>
+                      </c:pt>
+                      <c:pt idx="2">
+                        <c:v>22.545795752419867</c:v>
+                      </c:pt>
+                      <c:pt idx="3">
+                        <c:v>22.545795752419867</c:v>
+                      </c:pt>
+                      <c:pt idx="4">
+                        <c:v>22.545795752419867</c:v>
+                      </c:pt>
+                      <c:pt idx="5">
+                        <c:v>22.545795752419867</c:v>
+                      </c:pt>
+                      <c:pt idx="6">
+                        <c:v>22.545795752419867</c:v>
+                      </c:pt>
+                      <c:pt idx="7">
+                        <c:v>22.545795752419867</c:v>
+                      </c:pt>
+                      <c:pt idx="8">
+                        <c:v>22.545795752419867</c:v>
+                      </c:pt>
+                      <c:pt idx="9">
+                        <c:v>22.545795752419867</c:v>
+                      </c:pt>
+                      <c:pt idx="10">
+                        <c:v>22.545795752419867</c:v>
+                      </c:pt>
+                      <c:pt idx="11">
+                        <c:v>22.545795752419867</c:v>
+                      </c:pt>
+                      <c:pt idx="12">
+                        <c:v>22.545795752419867</c:v>
+                      </c:pt>
+                    </c:numCache>
+                  </c:numRef>
+                </c:val>
+                <c:smooth val="0"/>
+                <c:extLst>
+                  <c:ext xmlns:c16="http://schemas.microsoft.com/office/drawing/2014/chart" uri="{C3380CC4-5D6E-409C-BE32-E72D297353CC}">
+                    <c16:uniqueId val="{00000003-24C2-4603-8412-E000409949BC}"/>
+                  </c:ext>
+                </c:extLst>
+              </c15:ser>
+            </c15:filteredLineSeries>
+            <c15:filteredLineSeries>
+              <c15:ser>
+                <c:idx val="2"/>
+                <c:order val="2"/>
+                <c:tx>
+                  <c:v>WS</c:v>
+                </c:tx>
+                <c:spPr>
+                  <a:ln w="25400" cap="rnd">
+                    <a:solidFill>
+                      <a:schemeClr val="accent5"/>
+                    </a:solidFill>
+                    <a:prstDash val="sysDash"/>
+                    <a:round/>
+                  </a:ln>
+                  <a:effectLst/>
+                </c:spPr>
+                <c:marker>
+                  <c:symbol val="none"/>
+                </c:marker>
+                <c:cat>
+                  <c:numRef>
+                    <c:extLst xmlns:c15="http://schemas.microsoft.com/office/drawing/2012/chart">
+                      <c:ext xmlns:c15="http://schemas.microsoft.com/office/drawing/2012/chart" uri="{02D57815-91ED-43cb-92C2-25804820EDAC}">
+                        <c15:formulaRef>
+                          <c15:sqref>Sheet1!$A$39:$A$51</c15:sqref>
+                        </c15:formulaRef>
+                      </c:ext>
+                    </c:extLst>
+                    <c:numCache>
+                      <c:formatCode>General</c:formatCode>
+                      <c:ptCount val="13"/>
+                      <c:pt idx="0">
+                        <c:v>5</c:v>
+                      </c:pt>
+                      <c:pt idx="1">
+                        <c:v>10</c:v>
+                      </c:pt>
+                      <c:pt idx="2">
+                        <c:v>15</c:v>
+                      </c:pt>
+                      <c:pt idx="3">
+                        <c:v>20</c:v>
+                      </c:pt>
+                      <c:pt idx="4">
+                        <c:v>30</c:v>
+                      </c:pt>
+                      <c:pt idx="5">
+                        <c:v>40</c:v>
+                      </c:pt>
+                      <c:pt idx="6">
+                        <c:v>50</c:v>
+                      </c:pt>
+                      <c:pt idx="7">
+                        <c:v>75</c:v>
+                      </c:pt>
+                      <c:pt idx="8">
+                        <c:v>100</c:v>
+                      </c:pt>
+                      <c:pt idx="9">
+                        <c:v>150</c:v>
+                      </c:pt>
+                      <c:pt idx="10">
+                        <c:v>200</c:v>
+                      </c:pt>
+                      <c:pt idx="11">
+                        <c:v>300</c:v>
+                      </c:pt>
+                      <c:pt idx="12">
+                        <c:v>400</c:v>
+                      </c:pt>
+                    </c:numCache>
+                  </c:numRef>
+                </c:cat>
+                <c:val>
+                  <c:numRef>
+                    <c:extLst xmlns:c15="http://schemas.microsoft.com/office/drawing/2012/chart">
+                      <c:ext xmlns:c15="http://schemas.microsoft.com/office/drawing/2012/chart" uri="{02D57815-91ED-43cb-92C2-25804820EDAC}">
+                        <c15:formulaRef>
+                          <c15:sqref>Sheet1!$C$39:$C$51</c15:sqref>
+                        </c15:formulaRef>
+                      </c:ext>
+                    </c:extLst>
+                    <c:numCache>
+                      <c:formatCode>General</c:formatCode>
+                      <c:ptCount val="13"/>
+                      <c:pt idx="0">
+                        <c:v>131.86000000000001</c:v>
+                      </c:pt>
+                      <c:pt idx="1">
+                        <c:v>131.86000000000001</c:v>
+                      </c:pt>
+                      <c:pt idx="2">
+                        <c:v>131.86000000000001</c:v>
+                      </c:pt>
+                      <c:pt idx="3">
+                        <c:v>131.86000000000001</c:v>
+                      </c:pt>
+                      <c:pt idx="4">
+                        <c:v>131.86000000000001</c:v>
+                      </c:pt>
+                      <c:pt idx="5">
+                        <c:v>131.86000000000001</c:v>
+                      </c:pt>
+                      <c:pt idx="6">
+                        <c:v>131.86000000000001</c:v>
+                      </c:pt>
+                      <c:pt idx="7">
+                        <c:v>131.86000000000001</c:v>
+                      </c:pt>
+                      <c:pt idx="8">
+                        <c:v>131.86000000000001</c:v>
+                      </c:pt>
+                      <c:pt idx="9">
+                        <c:v>131.86000000000001</c:v>
+                      </c:pt>
+                      <c:pt idx="10">
+                        <c:v>131.86000000000001</c:v>
+                      </c:pt>
+                      <c:pt idx="11">
+                        <c:v>131.86000000000001</c:v>
+                      </c:pt>
+                      <c:pt idx="12">
+                        <c:v>131.86000000000001</c:v>
+                      </c:pt>
+                    </c:numCache>
+                  </c:numRef>
+                </c:val>
+                <c:smooth val="0"/>
+                <c:extLst xmlns:c15="http://schemas.microsoft.com/office/drawing/2012/chart">
+                  <c:ext xmlns:c16="http://schemas.microsoft.com/office/drawing/2014/chart" uri="{C3380CC4-5D6E-409C-BE32-E72D297353CC}">
+                    <c16:uniqueId val="{00000004-24C2-4603-8412-E000409949BC}"/>
+                  </c:ext>
+                </c:extLst>
+              </c15:ser>
+            </c15:filteredLineSeries>
+            <c15:filteredLineSeries>
+              <c15:ser>
+                <c:idx val="8"/>
+                <c:order val="8"/>
+                <c:tx>
+                  <c:v>EEV Switch-Off</c:v>
+                </c:tx>
+                <c:spPr>
+                  <a:ln w="25400" cap="rnd">
+                    <a:solidFill>
+                      <a:schemeClr val="accent2">
+                        <a:lumMod val="75000"/>
+                      </a:schemeClr>
+                    </a:solidFill>
+                    <a:prstDash val="sysDash"/>
+                    <a:round/>
+                  </a:ln>
+                  <a:effectLst/>
+                </c:spPr>
+                <c:marker>
+                  <c:symbol val="none"/>
+                </c:marker>
+                <c:val>
+                  <c:numRef>
+                    <c:extLst xmlns:c15="http://schemas.microsoft.com/office/drawing/2012/chart">
+                      <c:ext xmlns:c15="http://schemas.microsoft.com/office/drawing/2012/chart" uri="{02D57815-91ED-43cb-92C2-25804820EDAC}">
+                        <c15:formulaRef>
+                          <c15:sqref>Sheet1!$F$39:$F$51</c15:sqref>
+                        </c15:formulaRef>
+                      </c:ext>
+                    </c:extLst>
+                    <c:numCache>
+                      <c:formatCode>General</c:formatCode>
+                      <c:ptCount val="13"/>
+                      <c:pt idx="0">
+                        <c:v>99.429301529510141</c:v>
+                      </c:pt>
+                      <c:pt idx="1">
+                        <c:v>99.429301529510141</c:v>
+                      </c:pt>
+                      <c:pt idx="2">
+                        <c:v>99.429301529510141</c:v>
+                      </c:pt>
+                      <c:pt idx="3">
+                        <c:v>99.429301529510141</c:v>
+                      </c:pt>
+                      <c:pt idx="4">
+                        <c:v>99.429301529510141</c:v>
+                      </c:pt>
+                      <c:pt idx="5">
+                        <c:v>99.429301529510141</c:v>
+                      </c:pt>
+                      <c:pt idx="6">
+                        <c:v>99.429301529510141</c:v>
+                      </c:pt>
+                      <c:pt idx="7">
+                        <c:v>99.429301529510141</c:v>
+                      </c:pt>
+                      <c:pt idx="8">
+                        <c:v>99.429301529510141</c:v>
+                      </c:pt>
+                      <c:pt idx="9">
+                        <c:v>99.429301529510141</c:v>
+                      </c:pt>
+                      <c:pt idx="10">
+                        <c:v>99.429301529510141</c:v>
+                      </c:pt>
+                      <c:pt idx="11">
+                        <c:v>99.429301529510141</c:v>
+                      </c:pt>
+                      <c:pt idx="12">
+                        <c:v>99.429301529510141</c:v>
+                      </c:pt>
+                    </c:numCache>
+                  </c:numRef>
+                </c:val>
+                <c:smooth val="0"/>
+                <c:extLst xmlns:c15="http://schemas.microsoft.com/office/drawing/2012/chart">
+                  <c:ext xmlns:c16="http://schemas.microsoft.com/office/drawing/2014/chart" uri="{C3380CC4-5D6E-409C-BE32-E72D297353CC}">
+                    <c16:uniqueId val="{00000009-24C2-4603-8412-E000409949BC}"/>
+                  </c:ext>
+                </c:extLst>
+              </c15:ser>
+            </c15:filteredLineSeries>
+          </c:ext>
+        </c:extLst>
+      </c:lineChart>
+      <c:catAx>
+        <c:axId val="669610408"/>
+        <c:scaling>
+          <c:orientation val="minMax"/>
+        </c:scaling>
+        <c:delete val="0"/>
+        <c:axPos val="b"/>
+        <c:title>
+          <c:tx>
+            <c:rich>
+              <a:bodyPr rot="0" spcFirstLastPara="1" vertOverflow="ellipsis" vert="horz" wrap="square" anchor="ctr" anchorCtr="1"/>
+              <a:lstStyle/>
+              <a:p>
+                <a:pPr>
+                  <a:defRPr sz="1800" b="0" i="0" u="none" strike="noStrike" kern="1200" baseline="0">
+                    <a:solidFill>
+                      <a:schemeClr val="tx1">
+                        <a:lumMod val="65000"/>
+                        <a:lumOff val="35000"/>
+                      </a:schemeClr>
+                    </a:solidFill>
+                    <a:latin typeface="+mn-lt"/>
+                    <a:ea typeface="+mn-ea"/>
+                    <a:cs typeface="+mn-cs"/>
+                  </a:defRPr>
+                </a:pPr>
+                <a:r>
+                  <a:rPr lang="nb-NO" sz="1800"/>
+                  <a:t>Scenarios</a:t>
+                </a:r>
+              </a:p>
+            </c:rich>
+          </c:tx>
+          <c:overlay val="0"/>
+          <c:spPr>
+            <a:noFill/>
+            <a:ln>
+              <a:noFill/>
+            </a:ln>
+            <a:effectLst/>
+          </c:spPr>
+          <c:txPr>
+            <a:bodyPr rot="0" spcFirstLastPara="1" vertOverflow="ellipsis" vert="horz" wrap="square" anchor="ctr" anchorCtr="1"/>
+            <a:lstStyle/>
+            <a:p>
+              <a:pPr>
+                <a:defRPr sz="1800" b="0" i="0" u="none" strike="noStrike" kern="1200" baseline="0">
+                  <a:solidFill>
+                    <a:schemeClr val="tx1">
+                      <a:lumMod val="65000"/>
+                      <a:lumOff val="35000"/>
+                    </a:schemeClr>
+                  </a:solidFill>
+                  <a:latin typeface="+mn-lt"/>
+                  <a:ea typeface="+mn-ea"/>
+                  <a:cs typeface="+mn-cs"/>
+                </a:defRPr>
+              </a:pPr>
+              <a:endParaRPr lang="nb-NO"/>
+            </a:p>
+          </c:txPr>
+        </c:title>
+        <c:numFmt formatCode="General" sourceLinked="1"/>
+        <c:majorTickMark val="none"/>
+        <c:minorTickMark val="none"/>
+        <c:tickLblPos val="nextTo"/>
+        <c:spPr>
+          <a:noFill/>
+          <a:ln w="9525" cap="flat" cmpd="sng" algn="ctr">
+            <a:solidFill>
+              <a:schemeClr val="tx1">
+                <a:lumMod val="25000"/>
+                <a:lumOff val="75000"/>
+              </a:schemeClr>
+            </a:solidFill>
+            <a:round/>
+          </a:ln>
+          <a:effectLst/>
+        </c:spPr>
+        <c:txPr>
+          <a:bodyPr rot="-60000000" spcFirstLastPara="1" vertOverflow="ellipsis" vert="horz" wrap="square" anchor="ctr" anchorCtr="1"/>
+          <a:lstStyle/>
+          <a:p>
+            <a:pPr>
+              <a:defRPr sz="2000" b="0" i="0" u="none" strike="noStrike" kern="1200" baseline="0">
+                <a:solidFill>
+                  <a:schemeClr val="tx1">
+                    <a:lumMod val="65000"/>
+                    <a:lumOff val="35000"/>
+                  </a:schemeClr>
+                </a:solidFill>
+                <a:latin typeface="+mn-lt"/>
+                <a:ea typeface="+mn-ea"/>
+                <a:cs typeface="+mn-cs"/>
+              </a:defRPr>
+            </a:pPr>
+            <a:endParaRPr lang="nb-NO"/>
+          </a:p>
+        </c:txPr>
+        <c:crossAx val="669614016"/>
+        <c:crosses val="autoZero"/>
+        <c:auto val="1"/>
+        <c:lblAlgn val="ctr"/>
+        <c:lblOffset val="100"/>
+        <c:noMultiLvlLbl val="0"/>
+      </c:catAx>
+      <c:valAx>
+        <c:axId val="669614016"/>
+        <c:scaling>
+          <c:orientation val="minMax"/>
+          <c:min val="50"/>
+        </c:scaling>
+        <c:delete val="0"/>
+        <c:axPos val="l"/>
+        <c:majorGridlines>
+          <c:spPr>
+            <a:ln w="9525" cap="flat" cmpd="sng" algn="ctr">
+              <a:solidFill>
+                <a:schemeClr val="tx1">
+                  <a:lumMod val="15000"/>
+                  <a:lumOff val="85000"/>
+                </a:schemeClr>
+              </a:solidFill>
+              <a:round/>
+            </a:ln>
+            <a:effectLst/>
+          </c:spPr>
+        </c:majorGridlines>
+        <c:title>
+          <c:tx>
+            <c:rich>
+              <a:bodyPr rot="-5400000" spcFirstLastPara="1" vertOverflow="ellipsis" vert="horz" wrap="square" anchor="ctr" anchorCtr="1"/>
+              <a:lstStyle/>
+              <a:p>
+                <a:pPr>
+                  <a:defRPr sz="1000" b="0" i="0" u="none" strike="noStrike" kern="1200" baseline="0">
+                    <a:solidFill>
+                      <a:schemeClr val="tx1">
+                        <a:lumMod val="65000"/>
+                        <a:lumOff val="35000"/>
+                      </a:schemeClr>
+                    </a:solidFill>
+                    <a:latin typeface="+mn-lt"/>
+                    <a:ea typeface="+mn-ea"/>
+                    <a:cs typeface="+mn-cs"/>
+                  </a:defRPr>
+                </a:pPr>
+                <a:r>
+                  <a:rPr lang="nb-NO" sz="1800" b="0" i="0" baseline="0">
+                    <a:effectLst/>
+                  </a:rPr>
+                  <a:t>Oil Output [Sm3/h]</a:t>
+                </a:r>
+                <a:endParaRPr lang="nb-NO">
+                  <a:effectLst/>
+                </a:endParaRPr>
+              </a:p>
+            </c:rich>
+          </c:tx>
+          <c:overlay val="0"/>
+          <c:spPr>
+            <a:noFill/>
+            <a:ln>
+              <a:noFill/>
+            </a:ln>
+            <a:effectLst/>
+          </c:spPr>
+          <c:txPr>
+            <a:bodyPr rot="-5400000" spcFirstLastPara="1" vertOverflow="ellipsis" vert="horz" wrap="square" anchor="ctr" anchorCtr="1"/>
+            <a:lstStyle/>
+            <a:p>
+              <a:pPr>
+                <a:defRPr sz="1000" b="0" i="0" u="none" strike="noStrike" kern="1200" baseline="0">
+                  <a:solidFill>
+                    <a:schemeClr val="tx1">
+                      <a:lumMod val="65000"/>
+                      <a:lumOff val="35000"/>
+                    </a:schemeClr>
+                  </a:solidFill>
+                  <a:latin typeface="+mn-lt"/>
+                  <a:ea typeface="+mn-ea"/>
+                  <a:cs typeface="+mn-cs"/>
+                </a:defRPr>
+              </a:pPr>
+              <a:endParaRPr lang="nb-NO"/>
+            </a:p>
+          </c:txPr>
+        </c:title>
+        <c:numFmt formatCode="General" sourceLinked="1"/>
+        <c:majorTickMark val="none"/>
+        <c:minorTickMark val="none"/>
+        <c:tickLblPos val="nextTo"/>
+        <c:spPr>
+          <a:noFill/>
+          <a:ln w="9525" cap="flat" cmpd="sng" algn="ctr">
+            <a:solidFill>
+              <a:schemeClr val="tx1">
+                <a:lumMod val="25000"/>
+                <a:lumOff val="75000"/>
+              </a:schemeClr>
+            </a:solidFill>
+            <a:round/>
+          </a:ln>
+          <a:effectLst/>
+        </c:spPr>
+        <c:txPr>
+          <a:bodyPr rot="-60000000" spcFirstLastPara="1" vertOverflow="ellipsis" vert="horz" wrap="square" anchor="ctr" anchorCtr="1"/>
+          <a:lstStyle/>
+          <a:p>
+            <a:pPr>
+              <a:defRPr sz="1600" b="0" i="0" u="none" strike="noStrike" kern="1200" baseline="0">
+                <a:solidFill>
+                  <a:schemeClr val="tx1">
+                    <a:lumMod val="65000"/>
+                    <a:lumOff val="35000"/>
+                  </a:schemeClr>
+                </a:solidFill>
+                <a:latin typeface="+mn-lt"/>
+                <a:ea typeface="+mn-ea"/>
+                <a:cs typeface="+mn-cs"/>
+              </a:defRPr>
+            </a:pPr>
+            <a:endParaRPr lang="nb-NO"/>
+          </a:p>
+        </c:txPr>
+        <c:crossAx val="669610408"/>
+        <c:crosses val="autoZero"/>
+        <c:crossBetween val="between"/>
+      </c:valAx>
+      <c:spPr>
+        <a:noFill/>
+        <a:ln>
+          <a:noFill/>
+        </a:ln>
+        <a:effectLst/>
+      </c:spPr>
+    </c:plotArea>
+    <c:legend>
+      <c:legendPos val="b"/>
+      <c:overlay val="0"/>
+      <c:spPr>
+        <a:noFill/>
+        <a:ln>
+          <a:noFill/>
+        </a:ln>
+        <a:effectLst/>
+      </c:spPr>
+      <c:txPr>
+        <a:bodyPr rot="0" spcFirstLastPara="1" vertOverflow="ellipsis" vert="horz" wrap="square" anchor="ctr" anchorCtr="1"/>
+        <a:lstStyle/>
+        <a:p>
+          <a:pPr>
+            <a:defRPr sz="1800" b="0" i="0" u="none" strike="noStrike" kern="1200" baseline="0">
+              <a:solidFill>
+                <a:schemeClr val="tx1">
+                  <a:lumMod val="65000"/>
+                  <a:lumOff val="35000"/>
+                </a:schemeClr>
+              </a:solidFill>
+              <a:latin typeface="+mn-lt"/>
+              <a:ea typeface="+mn-ea"/>
+              <a:cs typeface="+mn-cs"/>
+            </a:defRPr>
+          </a:pPr>
+          <a:endParaRPr lang="nb-NO"/>
+        </a:p>
+      </c:txPr>
+    </c:legend>
+    <c:plotVisOnly val="1"/>
+    <c:dispBlanksAs val="gap"/>
+    <c:showDLblsOverMax val="0"/>
+  </c:chart>
+  <c:spPr>
+    <a:noFill/>
+    <a:ln>
+      <a:noFill/>
+    </a:ln>
+    <a:effectLst/>
+  </c:spPr>
+  <c:txPr>
+    <a:bodyPr/>
+    <a:lstStyle/>
+    <a:p>
+      <a:pPr>
+        <a:defRPr/>
+      </a:pPr>
+      <a:endParaRPr lang="nb-NO"/>
+    </a:p>
+  </c:txPr>
+  <c:externalData r:id="rId3">
+    <c:autoUpdate val="0"/>
+  </c:externalData>
+</c:chartSpace>
+</file>
+
+<file path=ppt/charts/chart9.xml><?xml version="1.0" encoding="utf-8"?>
+<c:chartSpace xmlns:c="http://schemas.openxmlformats.org/drawingml/2006/chart" xmlns:a="http://schemas.openxmlformats.org/drawingml/2006/main" xmlns:r="http://schemas.openxmlformats.org/officeDocument/2006/relationships" xmlns:c16r2="http://schemas.microsoft.com/office/drawing/2015/06/chart">
+  <c:date1904 val="0"/>
+  <c:lang val="en-US"/>
+  <c:roundedCorners val="0"/>
+  <mc:AlternateContent xmlns:mc="http://schemas.openxmlformats.org/markup-compatibility/2006">
+    <mc:Choice xmlns:c14="http://schemas.microsoft.com/office/drawing/2007/8/2/chart" Requires="c14">
+      <c14:style val="102"/>
+    </mc:Choice>
+    <mc:Fallback>
+      <c:style val="2"/>
+    </mc:Fallback>
+  </mc:AlternateContent>
+  <c:chart>
+    <c:title>
+      <c:tx>
+        <c:rich>
+          <a:bodyPr rot="0" spcFirstLastPara="1" vertOverflow="ellipsis" vert="horz" wrap="square" anchor="ctr" anchorCtr="1"/>
+          <a:lstStyle/>
+          <a:p>
+            <a:pPr>
+              <a:defRPr sz="2400" b="0" i="0" u="none" strike="noStrike" kern="1200" spc="0" baseline="0">
+                <a:solidFill>
+                  <a:schemeClr val="tx1">
+                    <a:lumMod val="65000"/>
+                    <a:lumOff val="35000"/>
+                  </a:schemeClr>
+                </a:solidFill>
+                <a:latin typeface="+mn-lt"/>
+                <a:ea typeface="+mn-ea"/>
+                <a:cs typeface="+mn-cs"/>
+              </a:defRPr>
+            </a:pPr>
+            <a:r>
+              <a:rPr lang="nb-NO" sz="2400"/>
+              <a:t>Initial Case</a:t>
+            </a:r>
+            <a:r>
+              <a:rPr lang="nb-NO" sz="2400" baseline="0"/>
+              <a:t> C: Objective Value Comparison</a:t>
+            </a:r>
+            <a:endParaRPr lang="nb-NO" sz="2400"/>
+          </a:p>
+        </c:rich>
+      </c:tx>
+      <c:overlay val="0"/>
+      <c:spPr>
+        <a:noFill/>
+        <a:ln>
+          <a:noFill/>
+        </a:ln>
+        <a:effectLst/>
+      </c:spPr>
+      <c:txPr>
+        <a:bodyPr rot="0" spcFirstLastPara="1" vertOverflow="ellipsis" vert="horz" wrap="square" anchor="ctr" anchorCtr="1"/>
+        <a:lstStyle/>
+        <a:p>
+          <a:pPr>
+            <a:defRPr sz="2400" b="0" i="0" u="none" strike="noStrike" kern="1200" spc="0" baseline="0">
+              <a:solidFill>
+                <a:schemeClr val="tx1">
+                  <a:lumMod val="65000"/>
+                  <a:lumOff val="35000"/>
+                </a:schemeClr>
+              </a:solidFill>
+              <a:latin typeface="+mn-lt"/>
+              <a:ea typeface="+mn-ea"/>
+              <a:cs typeface="+mn-cs"/>
+            </a:defRPr>
+          </a:pPr>
+          <a:endParaRPr lang="nb-NO"/>
+        </a:p>
+      </c:txPr>
+    </c:title>
+    <c:autoTitleDeleted val="0"/>
+    <c:plotArea>
+      <c:layout/>
+      <c:areaChart>
+        <c:grouping val="standard"/>
+        <c:varyColors val="0"/>
+        <c:dLbls>
+          <c:showLegendKey val="0"/>
+          <c:showVal val="0"/>
+          <c:showCatName val="0"/>
+          <c:showSerName val="0"/>
+          <c:showPercent val="0"/>
+          <c:showBubbleSize val="0"/>
+        </c:dLbls>
+        <c:axId val="669610408"/>
+        <c:axId val="669614016"/>
+        <c:extLst>
+          <c:ext xmlns:c15="http://schemas.microsoft.com/office/drawing/2012/chart" uri="{02D57815-91ED-43cb-92C2-25804820EDAC}">
+            <c15:filteredAreaSeries>
+              <c15:ser>
+                <c:idx val="3"/>
+                <c:order val="3"/>
+                <c:tx>
+                  <c:v>EVPI</c:v>
+                </c:tx>
+                <c:spPr>
+                  <a:solidFill>
+                    <a:schemeClr val="accent4"/>
+                  </a:solidFill>
+                  <a:ln>
+                    <a:noFill/>
+                  </a:ln>
+                  <a:effectLst/>
+                </c:spPr>
+                <c:val>
+                  <c:numRef>
+                    <c:extLst>
+                      <c:ext uri="{02D57815-91ED-43cb-92C2-25804820EDAC}">
+                        <c15:formulaRef>
+                          <c15:sqref>Sheet1!$C$39:$C$51</c15:sqref>
+                        </c15:formulaRef>
+                      </c:ext>
+                    </c:extLst>
+                    <c:numCache>
+                      <c:formatCode>General</c:formatCode>
+                      <c:ptCount val="13"/>
+                      <c:pt idx="0">
+                        <c:v>131.86000000000001</c:v>
+                      </c:pt>
+                      <c:pt idx="1">
+                        <c:v>131.86000000000001</c:v>
+                      </c:pt>
+                      <c:pt idx="2">
+                        <c:v>131.86000000000001</c:v>
+                      </c:pt>
+                      <c:pt idx="3">
+                        <c:v>131.86000000000001</c:v>
+                      </c:pt>
+                      <c:pt idx="4">
+                        <c:v>131.86000000000001</c:v>
+                      </c:pt>
+                      <c:pt idx="5">
+                        <c:v>131.86000000000001</c:v>
+                      </c:pt>
+                      <c:pt idx="6">
+                        <c:v>131.86000000000001</c:v>
+                      </c:pt>
+                      <c:pt idx="7">
+                        <c:v>131.86000000000001</c:v>
+                      </c:pt>
+                      <c:pt idx="8">
+                        <c:v>131.86000000000001</c:v>
+                      </c:pt>
+                      <c:pt idx="9">
+                        <c:v>131.86000000000001</c:v>
+                      </c:pt>
+                      <c:pt idx="10">
+                        <c:v>131.86000000000001</c:v>
+                      </c:pt>
+                      <c:pt idx="11">
+                        <c:v>131.86000000000001</c:v>
+                      </c:pt>
+                      <c:pt idx="12">
+                        <c:v>131.86000000000001</c:v>
+                      </c:pt>
+                    </c:numCache>
+                  </c:numRef>
+                </c:val>
+                <c:extLst>
+                  <c:ext xmlns:c16="http://schemas.microsoft.com/office/drawing/2014/chart" uri="{C3380CC4-5D6E-409C-BE32-E72D297353CC}">
                     <c16:uniqueId val="{00000005-0C80-441B-AD51-C0B607CB0001}"/>
                   </c:ext>
                 </c:extLst>
@@ -10820,7 +10798,6 @@
               </a:p>
             </c:rich>
           </c:tx>
-          <c:layout/>
           <c:overlay val="0"/>
           <c:spPr>
             <a:noFill/>
@@ -10947,7 +10924,6 @@
               </a:p>
             </c:rich>
           </c:tx>
-          <c:layout/>
           <c:overlay val="0"/>
           <c:spPr>
             <a:noFill/>
@@ -11028,7 +11004,6 @@
     </c:plotArea>
     <c:legend>
       <c:legendPos val="b"/>
-      <c:layout/>
       <c:overlay val="0"/>
       <c:spPr>
         <a:noFill/>
@@ -22847,30 +22822,6 @@
           <a:chExt cx="0" cy="0"/>
         </a:xfrm>
       </p:grpSpPr>
-      <p:graphicFrame>
-        <p:nvGraphicFramePr>
-          <p:cNvPr id="11" name="Chart 10"/>
-          <p:cNvGraphicFramePr>
-            <a:graphicFrameLocks/>
-          </p:cNvGraphicFramePr>
-          <p:nvPr>
-            <p:extLst>
-              <p:ext uri="{D42A27DB-BD31-4B8C-83A1-F6EECF244321}">
-                <p14:modId xmlns:p14="http://schemas.microsoft.com/office/powerpoint/2010/main" val="2281734227"/>
-              </p:ext>
-            </p:extLst>
-          </p:nvPr>
-        </p:nvGraphicFramePr>
-        <p:xfrm>
-          <a:off x="2794288" y="1022638"/>
-          <a:ext cx="6603424" cy="4812723"/>
-        </p:xfrm>
-        <a:graphic>
-          <a:graphicData uri="http://schemas.openxmlformats.org/drawingml/2006/chart">
-            <c:chart xmlns:c="http://schemas.openxmlformats.org/drawingml/2006/chart" xmlns:r="http://schemas.openxmlformats.org/officeDocument/2006/relationships" r:id="rId2"/>
-          </a:graphicData>
-        </a:graphic>
-      </p:graphicFrame>
       <p:cxnSp>
         <p:nvCxnSpPr>
           <p:cNvPr id="4" name="Straight Arrow Connector 3"/>
@@ -23129,6 +23080,30 @@
           </a:p>
         </p:txBody>
       </p:sp>
+      <p:graphicFrame>
+        <p:nvGraphicFramePr>
+          <p:cNvPr id="8" name="Chart 7"/>
+          <p:cNvGraphicFramePr>
+            <a:graphicFrameLocks/>
+          </p:cNvGraphicFramePr>
+          <p:nvPr>
+            <p:extLst>
+              <p:ext uri="{D42A27DB-BD31-4B8C-83A1-F6EECF244321}">
+                <p14:modId xmlns:p14="http://schemas.microsoft.com/office/powerpoint/2010/main" val="1790361511"/>
+              </p:ext>
+            </p:extLst>
+          </p:nvPr>
+        </p:nvGraphicFramePr>
+        <p:xfrm>
+          <a:off x="2794288" y="1022638"/>
+          <a:ext cx="6603424" cy="4812723"/>
+        </p:xfrm>
+        <a:graphic>
+          <a:graphicData uri="http://schemas.openxmlformats.org/drawingml/2006/chart">
+            <c:chart xmlns:c="http://schemas.openxmlformats.org/drawingml/2006/chart" xmlns:r="http://schemas.openxmlformats.org/officeDocument/2006/relationships" r:id="rId2"/>
+          </a:graphicData>
+        </a:graphic>
+      </p:graphicFrame>
     </p:spTree>
     <p:extLst>
       <p:ext uri="{BB962C8B-B14F-4D97-AF65-F5344CB8AC3E}">
@@ -23175,7 +23150,7 @@
           <p:nvPr>
             <p:extLst>
               <p:ext uri="{D42A27DB-BD31-4B8C-83A1-F6EECF244321}">
-                <p14:modId xmlns:p14="http://schemas.microsoft.com/office/powerpoint/2010/main" val="3580749087"/>
+                <p14:modId xmlns:p14="http://schemas.microsoft.com/office/powerpoint/2010/main" val="569441578"/>
               </p:ext>
             </p:extLst>
           </p:nvPr>

--- a/results/robust_recourse_iterative/Main workbooks/Results Comparison Plots.pptx
+++ b/results/robust_recourse_iterative/Main workbooks/Results Comparison Plots.pptx
@@ -15,6 +15,8 @@
     <p:sldId id="263" r:id="rId9"/>
     <p:sldId id="264" r:id="rId10"/>
     <p:sldId id="265" r:id="rId11"/>
+    <p:sldId id="266" r:id="rId12"/>
+    <p:sldId id="267" r:id="rId13"/>
   </p:sldIdLst>
   <p:sldSz cx="12192000" cy="6858000"/>
   <p:notesSz cx="6858000" cy="9144000"/>
@@ -1267,6 +1269,8324 @@
 </c:chartSpace>
 </file>
 
+<file path=ppt/charts/chart10.xml><?xml version="1.0" encoding="utf-8"?>
+<c:chartSpace xmlns:c="http://schemas.openxmlformats.org/drawingml/2006/chart" xmlns:a="http://schemas.openxmlformats.org/drawingml/2006/main" xmlns:r="http://schemas.openxmlformats.org/officeDocument/2006/relationships" xmlns:c16r2="http://schemas.microsoft.com/office/drawing/2015/06/chart">
+  <c:date1904 val="0"/>
+  <c:lang val="en-US"/>
+  <c:roundedCorners val="0"/>
+  <mc:AlternateContent xmlns:mc="http://schemas.openxmlformats.org/markup-compatibility/2006">
+    <mc:Choice xmlns:c14="http://schemas.microsoft.com/office/drawing/2007/8/2/chart" Requires="c14">
+      <c14:style val="102"/>
+    </mc:Choice>
+    <mc:Fallback>
+      <c:style val="2"/>
+    </mc:Fallback>
+  </mc:AlternateContent>
+  <c:chart>
+    <c:title>
+      <c:tx>
+        <c:rich>
+          <a:bodyPr rot="0" spcFirstLastPara="1" vertOverflow="ellipsis" vert="horz" wrap="square" anchor="ctr" anchorCtr="1"/>
+          <a:lstStyle/>
+          <a:p>
+            <a:pPr>
+              <a:defRPr sz="2800" b="0" i="0" u="none" strike="noStrike" kern="1200" spc="0" baseline="0">
+                <a:solidFill>
+                  <a:schemeClr val="tx1">
+                    <a:lumMod val="65000"/>
+                    <a:lumOff val="35000"/>
+                  </a:schemeClr>
+                </a:solidFill>
+                <a:latin typeface="+mn-lt"/>
+                <a:ea typeface="+mn-ea"/>
+                <a:cs typeface="+mn-cs"/>
+              </a:defRPr>
+            </a:pPr>
+            <a:r>
+              <a:rPr lang="en-US" sz="2800"/>
+              <a:t>Case</a:t>
+            </a:r>
+            <a:r>
+              <a:rPr lang="en-US" sz="2800" baseline="0"/>
+              <a:t> A</a:t>
+            </a:r>
+          </a:p>
+        </c:rich>
+      </c:tx>
+      <c:layout/>
+      <c:overlay val="0"/>
+      <c:spPr>
+        <a:noFill/>
+        <a:ln>
+          <a:noFill/>
+        </a:ln>
+        <a:effectLst/>
+      </c:spPr>
+    </c:title>
+    <c:autoTitleDeleted val="0"/>
+    <c:plotArea>
+      <c:layout>
+        <c:manualLayout>
+          <c:layoutTarget val="inner"/>
+          <c:xMode val="edge"/>
+          <c:yMode val="edge"/>
+          <c:x val="0.1483864246437275"/>
+          <c:y val="0.11806370794559772"/>
+          <c:w val="0.76380127800118924"/>
+          <c:h val="0.66074652276034374"/>
+        </c:manualLayout>
+      </c:layout>
+      <c:scatterChart>
+        <c:scatterStyle val="lineMarker"/>
+        <c:varyColors val="0"/>
+        <c:ser>
+          <c:idx val="9"/>
+          <c:order val="0"/>
+          <c:tx>
+            <c:v>1 Change</c:v>
+          </c:tx>
+          <c:spPr>
+            <a:ln w="22225">
+              <a:solidFill>
+                <a:schemeClr val="accent1"/>
+              </a:solidFill>
+            </a:ln>
+          </c:spPr>
+          <c:marker>
+            <c:symbol val="diamond"/>
+            <c:size val="5"/>
+            <c:spPr>
+              <a:solidFill>
+                <a:schemeClr val="accent1"/>
+              </a:solidFill>
+              <a:ln>
+                <a:solidFill>
+                  <a:schemeClr val="accent1"/>
+                </a:solidFill>
+              </a:ln>
+            </c:spPr>
+          </c:marker>
+          <c:xVal>
+            <c:numRef>
+              <c:f>Results!$AB$3:$AB$101</c:f>
+              <c:numCache>
+                <c:formatCode>General</c:formatCode>
+                <c:ptCount val="99"/>
+                <c:pt idx="0">
+                  <c:v>85.935326050302393</c:v>
+                </c:pt>
+                <c:pt idx="1">
+                  <c:v>85.935326050301896</c:v>
+                </c:pt>
+                <c:pt idx="2">
+                  <c:v>85.935326050301896</c:v>
+                </c:pt>
+                <c:pt idx="3">
+                  <c:v>85.935326050301896</c:v>
+                </c:pt>
+                <c:pt idx="4">
+                  <c:v>85.935326050301896</c:v>
+                </c:pt>
+                <c:pt idx="5">
+                  <c:v>85.935326050301896</c:v>
+                </c:pt>
+                <c:pt idx="6">
+                  <c:v>85.935326050301896</c:v>
+                </c:pt>
+                <c:pt idx="7">
+                  <c:v>85.935326050302393</c:v>
+                </c:pt>
+                <c:pt idx="8">
+                  <c:v>85.935326050301896</c:v>
+                </c:pt>
+                <c:pt idx="9">
+                  <c:v>85.935326050302194</c:v>
+                </c:pt>
+                <c:pt idx="10">
+                  <c:v>85.935326050302393</c:v>
+                </c:pt>
+                <c:pt idx="11">
+                  <c:v>85.935326050302393</c:v>
+                </c:pt>
+                <c:pt idx="12">
+                  <c:v>85.935326050302393</c:v>
+                </c:pt>
+                <c:pt idx="13">
+                  <c:v>85.935326050302393</c:v>
+                </c:pt>
+                <c:pt idx="14">
+                  <c:v>85.935326050302393</c:v>
+                </c:pt>
+                <c:pt idx="15">
+                  <c:v>85.935326050302393</c:v>
+                </c:pt>
+                <c:pt idx="16">
+                  <c:v>85.935326050302393</c:v>
+                </c:pt>
+                <c:pt idx="17">
+                  <c:v>85.935326050302393</c:v>
+                </c:pt>
+                <c:pt idx="18">
+                  <c:v>85.935326050302393</c:v>
+                </c:pt>
+                <c:pt idx="19">
+                  <c:v>85.935326050302393</c:v>
+                </c:pt>
+                <c:pt idx="20">
+                  <c:v>85.935326050301896</c:v>
+                </c:pt>
+                <c:pt idx="21">
+                  <c:v>85.935326050301896</c:v>
+                </c:pt>
+                <c:pt idx="22">
+                  <c:v>85.935326050301896</c:v>
+                </c:pt>
+                <c:pt idx="23">
+                  <c:v>85.935326050301896</c:v>
+                </c:pt>
+                <c:pt idx="24">
+                  <c:v>85.935326050302095</c:v>
+                </c:pt>
+                <c:pt idx="25">
+                  <c:v>85.935326050301896</c:v>
+                </c:pt>
+                <c:pt idx="26">
+                  <c:v>85.935326050302095</c:v>
+                </c:pt>
+                <c:pt idx="27">
+                  <c:v>85.935326050302095</c:v>
+                </c:pt>
+                <c:pt idx="28">
+                  <c:v>85.935326050302095</c:v>
+                </c:pt>
+                <c:pt idx="29">
+                  <c:v>85.935326050302095</c:v>
+                </c:pt>
+                <c:pt idx="30">
+                  <c:v>85.935326050302095</c:v>
+                </c:pt>
+                <c:pt idx="31">
+                  <c:v>85.935326050302095</c:v>
+                </c:pt>
+                <c:pt idx="32">
+                  <c:v>85.935326050301896</c:v>
+                </c:pt>
+                <c:pt idx="33">
+                  <c:v>85.935326050302095</c:v>
+                </c:pt>
+                <c:pt idx="34">
+                  <c:v>85.935326050302095</c:v>
+                </c:pt>
+                <c:pt idx="35">
+                  <c:v>85.935326050302095</c:v>
+                </c:pt>
+                <c:pt idx="36">
+                  <c:v>85.935326050301896</c:v>
+                </c:pt>
+                <c:pt idx="37">
+                  <c:v>85.935326050301896</c:v>
+                </c:pt>
+                <c:pt idx="38">
+                  <c:v>85.935326050301896</c:v>
+                </c:pt>
+                <c:pt idx="39">
+                  <c:v>85.935326050301896</c:v>
+                </c:pt>
+                <c:pt idx="40">
+                  <c:v>85.935326050302095</c:v>
+                </c:pt>
+                <c:pt idx="41">
+                  <c:v>85.935326050301896</c:v>
+                </c:pt>
+                <c:pt idx="42">
+                  <c:v>85.935326050301896</c:v>
+                </c:pt>
+                <c:pt idx="43">
+                  <c:v>85.935326050301896</c:v>
+                </c:pt>
+                <c:pt idx="44">
+                  <c:v>85.935326050301896</c:v>
+                </c:pt>
+                <c:pt idx="45">
+                  <c:v>85.935326050301896</c:v>
+                </c:pt>
+                <c:pt idx="46">
+                  <c:v>85.935311237989396</c:v>
+                </c:pt>
+                <c:pt idx="47">
+                  <c:v>85.935311237989396</c:v>
+                </c:pt>
+                <c:pt idx="48">
+                  <c:v>85.935311237989396</c:v>
+                </c:pt>
+                <c:pt idx="49">
+                  <c:v>85.935326050302393</c:v>
+                </c:pt>
+                <c:pt idx="50">
+                  <c:v>85.935326050302393</c:v>
+                </c:pt>
+                <c:pt idx="51">
+                  <c:v>85.935326050302393</c:v>
+                </c:pt>
+                <c:pt idx="52">
+                  <c:v>85.935326050302393</c:v>
+                </c:pt>
+                <c:pt idx="53">
+                  <c:v>85.935326050301896</c:v>
+                </c:pt>
+                <c:pt idx="54">
+                  <c:v>85.935326050301896</c:v>
+                </c:pt>
+                <c:pt idx="55">
+                  <c:v>85.935326050302393</c:v>
+                </c:pt>
+                <c:pt idx="56">
+                  <c:v>85.935326050301896</c:v>
+                </c:pt>
+                <c:pt idx="57">
+                  <c:v>85.935311237999699</c:v>
+                </c:pt>
+                <c:pt idx="58">
+                  <c:v>85.935326050301896</c:v>
+                </c:pt>
+                <c:pt idx="59">
+                  <c:v>85.935326050301896</c:v>
+                </c:pt>
+                <c:pt idx="60">
+                  <c:v>85.935326050301995</c:v>
+                </c:pt>
+                <c:pt idx="61">
+                  <c:v>85.935326050301995</c:v>
+                </c:pt>
+                <c:pt idx="62">
+                  <c:v>85.935326050301896</c:v>
+                </c:pt>
+                <c:pt idx="63">
+                  <c:v>85.9353260503012</c:v>
+                </c:pt>
+                <c:pt idx="64">
+                  <c:v>85.935326050305704</c:v>
+                </c:pt>
+                <c:pt idx="65">
+                  <c:v>85.935326050304198</c:v>
+                </c:pt>
+                <c:pt idx="66">
+                  <c:v>85.935326050304297</c:v>
+                </c:pt>
+                <c:pt idx="67">
+                  <c:v>93.560723974845899</c:v>
+                </c:pt>
+                <c:pt idx="68">
+                  <c:v>93.560723974845899</c:v>
+                </c:pt>
+                <c:pt idx="69">
+                  <c:v>93.5607239748458</c:v>
+                </c:pt>
+                <c:pt idx="70">
+                  <c:v>93.5607239748458</c:v>
+                </c:pt>
+                <c:pt idx="71">
+                  <c:v>93.5607239748458</c:v>
+                </c:pt>
+                <c:pt idx="72">
+                  <c:v>93.5607239748458</c:v>
+                </c:pt>
+                <c:pt idx="73">
+                  <c:v>100.133153798574</c:v>
+                </c:pt>
+                <c:pt idx="74">
+                  <c:v>100.133153798574</c:v>
+                </c:pt>
+                <c:pt idx="75">
+                  <c:v>100.133153798574</c:v>
+                </c:pt>
+                <c:pt idx="76">
+                  <c:v>100.133153798574</c:v>
+                </c:pt>
+                <c:pt idx="77">
+                  <c:v>100.133153798574</c:v>
+                </c:pt>
+                <c:pt idx="78">
+                  <c:v>103.310609899486</c:v>
+                </c:pt>
+                <c:pt idx="79">
+                  <c:v>103.310609899486</c:v>
+                </c:pt>
+                <c:pt idx="80">
+                  <c:v>103.809090118577</c:v>
+                </c:pt>
+                <c:pt idx="81">
+                  <c:v>105.09068383608999</c:v>
+                </c:pt>
+                <c:pt idx="82">
+                  <c:v>106.372277553603</c:v>
+                </c:pt>
+                <c:pt idx="83">
+                  <c:v>107.653871271117</c:v>
+                </c:pt>
+                <c:pt idx="84">
+                  <c:v>108.93546498863</c:v>
+                </c:pt>
+                <c:pt idx="85">
+                  <c:v>110.21705870614301</c:v>
+                </c:pt>
+                <c:pt idx="86">
+                  <c:v>111.498652423656</c:v>
+                </c:pt>
+                <c:pt idx="87">
+                  <c:v>112.78024614117101</c:v>
+                </c:pt>
+                <c:pt idx="88">
+                  <c:v>114.061839858684</c:v>
+                </c:pt>
+                <c:pt idx="89">
+                  <c:v>115.343433576197</c:v>
+                </c:pt>
+                <c:pt idx="90">
+                  <c:v>116.62502729371</c:v>
+                </c:pt>
+                <c:pt idx="91">
+                  <c:v>117.906621011224</c:v>
+                </c:pt>
+                <c:pt idx="92">
+                  <c:v>119.18821472873699</c:v>
+                </c:pt>
+                <c:pt idx="93">
+                  <c:v>120.46980844625099</c:v>
+                </c:pt>
+              </c:numCache>
+            </c:numRef>
+          </c:xVal>
+          <c:yVal>
+            <c:numRef>
+              <c:f>Results!$AD$3:$AD$101</c:f>
+              <c:numCache>
+                <c:formatCode>General</c:formatCode>
+                <c:ptCount val="99"/>
+                <c:pt idx="0">
+                  <c:v>0.99999789556219754</c:v>
+                </c:pt>
+                <c:pt idx="1">
+                  <c:v>0.99999789556219754</c:v>
+                </c:pt>
+                <c:pt idx="2">
+                  <c:v>0.99999789556219754</c:v>
+                </c:pt>
+                <c:pt idx="3">
+                  <c:v>0.99999789556219754</c:v>
+                </c:pt>
+                <c:pt idx="4">
+                  <c:v>0.99999789556219754</c:v>
+                </c:pt>
+                <c:pt idx="5">
+                  <c:v>0.99999789556219754</c:v>
+                </c:pt>
+                <c:pt idx="6">
+                  <c:v>0.99999789556219754</c:v>
+                </c:pt>
+                <c:pt idx="7">
+                  <c:v>0.99999789556219754</c:v>
+                </c:pt>
+                <c:pt idx="8">
+                  <c:v>0.99999789556219754</c:v>
+                </c:pt>
+                <c:pt idx="9">
+                  <c:v>0.99999789556219754</c:v>
+                </c:pt>
+                <c:pt idx="10">
+                  <c:v>0.99999789556219754</c:v>
+                </c:pt>
+                <c:pt idx="11">
+                  <c:v>0.99999789556219754</c:v>
+                </c:pt>
+                <c:pt idx="12">
+                  <c:v>0.99999789556219754</c:v>
+                </c:pt>
+                <c:pt idx="13">
+                  <c:v>0.99999789556219754</c:v>
+                </c:pt>
+                <c:pt idx="14">
+                  <c:v>0.99999789556219754</c:v>
+                </c:pt>
+                <c:pt idx="15">
+                  <c:v>0.99999789556219754</c:v>
+                </c:pt>
+                <c:pt idx="16">
+                  <c:v>0.99999789556219754</c:v>
+                </c:pt>
+                <c:pt idx="17">
+                  <c:v>0.99999789556219754</c:v>
+                </c:pt>
+                <c:pt idx="18">
+                  <c:v>0.99999789556219754</c:v>
+                </c:pt>
+                <c:pt idx="19">
+                  <c:v>0.99999789556219754</c:v>
+                </c:pt>
+                <c:pt idx="20">
+                  <c:v>0.99999789556219754</c:v>
+                </c:pt>
+                <c:pt idx="21">
+                  <c:v>0.99999789556219754</c:v>
+                </c:pt>
+                <c:pt idx="22">
+                  <c:v>0.99999789556219754</c:v>
+                </c:pt>
+                <c:pt idx="23">
+                  <c:v>0.99999789556219754</c:v>
+                </c:pt>
+                <c:pt idx="24">
+                  <c:v>0.99999789556219754</c:v>
+                </c:pt>
+                <c:pt idx="25">
+                  <c:v>0.99999789556219754</c:v>
+                </c:pt>
+                <c:pt idx="26">
+                  <c:v>0.99999789556219754</c:v>
+                </c:pt>
+                <c:pt idx="27">
+                  <c:v>0.99999789556219754</c:v>
+                </c:pt>
+                <c:pt idx="28">
+                  <c:v>0.99999789556219754</c:v>
+                </c:pt>
+                <c:pt idx="29">
+                  <c:v>0.99999789556219754</c:v>
+                </c:pt>
+                <c:pt idx="30">
+                  <c:v>0.99999789556219754</c:v>
+                </c:pt>
+                <c:pt idx="31">
+                  <c:v>0.99999789556219754</c:v>
+                </c:pt>
+                <c:pt idx="32">
+                  <c:v>0.99999789556219754</c:v>
+                </c:pt>
+                <c:pt idx="33">
+                  <c:v>0.99999789556219754</c:v>
+                </c:pt>
+                <c:pt idx="34">
+                  <c:v>0.99999789556219754</c:v>
+                </c:pt>
+                <c:pt idx="35">
+                  <c:v>0.99999789556219754</c:v>
+                </c:pt>
+                <c:pt idx="36">
+                  <c:v>0.99999789556219754</c:v>
+                </c:pt>
+                <c:pt idx="37">
+                  <c:v>0.99999789556219754</c:v>
+                </c:pt>
+                <c:pt idx="38">
+                  <c:v>0.99999789556219754</c:v>
+                </c:pt>
+                <c:pt idx="39">
+                  <c:v>0.99999789556219754</c:v>
+                </c:pt>
+                <c:pt idx="40">
+                  <c:v>0.99999789556219754</c:v>
+                </c:pt>
+                <c:pt idx="41">
+                  <c:v>0.99999789556219754</c:v>
+                </c:pt>
+                <c:pt idx="42">
+                  <c:v>0.99999789556219754</c:v>
+                </c:pt>
+                <c:pt idx="43">
+                  <c:v>0.99999789556219754</c:v>
+                </c:pt>
+                <c:pt idx="44">
+                  <c:v>0.99999789556219754</c:v>
+                </c:pt>
+                <c:pt idx="45">
+                  <c:v>0.99999789556219754</c:v>
+                </c:pt>
+                <c:pt idx="46">
+                  <c:v>0.99999789556219754</c:v>
+                </c:pt>
+                <c:pt idx="47">
+                  <c:v>0.99999789556219754</c:v>
+                </c:pt>
+                <c:pt idx="48">
+                  <c:v>0.99999789556219754</c:v>
+                </c:pt>
+                <c:pt idx="49">
+                  <c:v>0.99999789556219754</c:v>
+                </c:pt>
+                <c:pt idx="50">
+                  <c:v>0.99999789556219754</c:v>
+                </c:pt>
+                <c:pt idx="51">
+                  <c:v>0.99999789556219754</c:v>
+                </c:pt>
+                <c:pt idx="52">
+                  <c:v>0.99999789556219754</c:v>
+                </c:pt>
+                <c:pt idx="53">
+                  <c:v>0.99999789556219754</c:v>
+                </c:pt>
+                <c:pt idx="54">
+                  <c:v>0.99999789556219754</c:v>
+                </c:pt>
+                <c:pt idx="55">
+                  <c:v>0.99999789556219754</c:v>
+                </c:pt>
+                <c:pt idx="56">
+                  <c:v>0.99999789556219754</c:v>
+                </c:pt>
+                <c:pt idx="57">
+                  <c:v>0.99999789556219754</c:v>
+                </c:pt>
+                <c:pt idx="58">
+                  <c:v>0.99999789556219754</c:v>
+                </c:pt>
+                <c:pt idx="59">
+                  <c:v>0.99999789556219754</c:v>
+                </c:pt>
+                <c:pt idx="60">
+                  <c:v>0.99999789556219754</c:v>
+                </c:pt>
+                <c:pt idx="61">
+                  <c:v>0.99999789556219754</c:v>
+                </c:pt>
+                <c:pt idx="62">
+                  <c:v>0.99999789556219754</c:v>
+                </c:pt>
+                <c:pt idx="63">
+                  <c:v>0.99999789556219798</c:v>
+                </c:pt>
+                <c:pt idx="64">
+                  <c:v>0.99999789556219754</c:v>
+                </c:pt>
+                <c:pt idx="65">
+                  <c:v>0.99999789556219754</c:v>
+                </c:pt>
+                <c:pt idx="66">
+                  <c:v>0.99999789556219754</c:v>
+                </c:pt>
+                <c:pt idx="67">
+                  <c:v>0.99998714957111545</c:v>
+                </c:pt>
+                <c:pt idx="68">
+                  <c:v>0.99998714957111545</c:v>
+                </c:pt>
+                <c:pt idx="69">
+                  <c:v>0.99998714957111545</c:v>
+                </c:pt>
+                <c:pt idx="70">
+                  <c:v>0.99998714957111545</c:v>
+                </c:pt>
+                <c:pt idx="71">
+                  <c:v>0.99998714957111545</c:v>
+                </c:pt>
+                <c:pt idx="72">
+                  <c:v>0.99998714957111545</c:v>
+                </c:pt>
+                <c:pt idx="73">
+                  <c:v>1</c:v>
+                </c:pt>
+                <c:pt idx="74">
+                  <c:v>1</c:v>
+                </c:pt>
+                <c:pt idx="75">
+                  <c:v>1</c:v>
+                </c:pt>
+                <c:pt idx="76">
+                  <c:v>1</c:v>
+                </c:pt>
+                <c:pt idx="77">
+                  <c:v>1</c:v>
+                </c:pt>
+                <c:pt idx="78">
+                  <c:v>1</c:v>
+                </c:pt>
+                <c:pt idx="79">
+                  <c:v>1</c:v>
+                </c:pt>
+                <c:pt idx="80">
+                  <c:v>1</c:v>
+                </c:pt>
+                <c:pt idx="81">
+                  <c:v>1</c:v>
+                </c:pt>
+                <c:pt idx="82">
+                  <c:v>0.98146268111642521</c:v>
+                </c:pt>
+                <c:pt idx="83">
+                  <c:v>0.94247569203485015</c:v>
+                </c:pt>
+                <c:pt idx="84">
+                  <c:v>0.93518831169676564</c:v>
+                </c:pt>
+                <c:pt idx="85">
+                  <c:v>0.88540911009869017</c:v>
+                </c:pt>
+                <c:pt idx="86">
+                  <c:v>0.74928476971465563</c:v>
+                </c:pt>
+                <c:pt idx="87">
+                  <c:v>0.67336101113241864</c:v>
+                </c:pt>
+                <c:pt idx="88">
+                  <c:v>0.59493171329357941</c:v>
+                </c:pt>
+                <c:pt idx="89">
+                  <c:v>0.52151042806377446</c:v>
+                </c:pt>
+                <c:pt idx="90">
+                  <c:v>0.45082179355109853</c:v>
+                </c:pt>
+                <c:pt idx="91">
+                  <c:v>0.45739364174706387</c:v>
+                </c:pt>
+                <c:pt idx="92">
+                  <c:v>0.40807012602757076</c:v>
+                </c:pt>
+                <c:pt idx="93">
+                  <c:v>0.35909289005542344</c:v>
+                </c:pt>
+              </c:numCache>
+            </c:numRef>
+          </c:yVal>
+          <c:smooth val="0"/>
+          <c:extLst>
+            <c:ext xmlns:c16="http://schemas.microsoft.com/office/drawing/2014/chart" uri="{C3380CC4-5D6E-409C-BE32-E72D297353CC}">
+              <c16:uniqueId val="{00000000-AF87-4A83-BC9B-4CE219E1A821}"/>
+            </c:ext>
+          </c:extLst>
+        </c:ser>
+        <c:ser>
+          <c:idx val="5"/>
+          <c:order val="1"/>
+          <c:tx>
+            <c:v>2 Changes</c:v>
+          </c:tx>
+          <c:spPr>
+            <a:ln w="22225">
+              <a:solidFill>
+                <a:schemeClr val="accent2"/>
+              </a:solidFill>
+            </a:ln>
+          </c:spPr>
+          <c:marker>
+            <c:spPr>
+              <a:solidFill>
+                <a:schemeClr val="accent2"/>
+              </a:solidFill>
+              <a:ln>
+                <a:solidFill>
+                  <a:schemeClr val="accent2"/>
+                </a:solidFill>
+              </a:ln>
+            </c:spPr>
+          </c:marker>
+          <c:xVal>
+            <c:numRef>
+              <c:f>Results!$AF$3:$AF$101</c:f>
+              <c:numCache>
+                <c:formatCode>General</c:formatCode>
+                <c:ptCount val="99"/>
+                <c:pt idx="0">
+                  <c:v>65.470983303316899</c:v>
+                </c:pt>
+                <c:pt idx="1">
+                  <c:v>65.470983303316899</c:v>
+                </c:pt>
+                <c:pt idx="2">
+                  <c:v>65.470983303316899</c:v>
+                </c:pt>
+                <c:pt idx="3">
+                  <c:v>65.470983303316899</c:v>
+                </c:pt>
+                <c:pt idx="4">
+                  <c:v>65.470983303316899</c:v>
+                </c:pt>
+                <c:pt idx="5">
+                  <c:v>65.470983303316899</c:v>
+                </c:pt>
+                <c:pt idx="6">
+                  <c:v>65.470983303316899</c:v>
+                </c:pt>
+                <c:pt idx="7">
+                  <c:v>65.470983303316899</c:v>
+                </c:pt>
+                <c:pt idx="8">
+                  <c:v>65.470983303316899</c:v>
+                </c:pt>
+                <c:pt idx="9">
+                  <c:v>65.470983303316899</c:v>
+                </c:pt>
+                <c:pt idx="10">
+                  <c:v>65.470983303316899</c:v>
+                </c:pt>
+                <c:pt idx="11">
+                  <c:v>65.470983303316899</c:v>
+                </c:pt>
+                <c:pt idx="12">
+                  <c:v>65.470983303316899</c:v>
+                </c:pt>
+                <c:pt idx="13">
+                  <c:v>65.470983303316899</c:v>
+                </c:pt>
+                <c:pt idx="14">
+                  <c:v>65.470983303316899</c:v>
+                </c:pt>
+                <c:pt idx="15">
+                  <c:v>65.470983303316899</c:v>
+                </c:pt>
+                <c:pt idx="16">
+                  <c:v>65.470983303316899</c:v>
+                </c:pt>
+                <c:pt idx="17">
+                  <c:v>65.470983303316899</c:v>
+                </c:pt>
+                <c:pt idx="18">
+                  <c:v>65.470983303316899</c:v>
+                </c:pt>
+                <c:pt idx="19">
+                  <c:v>65.470983303316899</c:v>
+                </c:pt>
+                <c:pt idx="20">
+                  <c:v>65.470983303316899</c:v>
+                </c:pt>
+                <c:pt idx="21">
+                  <c:v>65.4709833033167</c:v>
+                </c:pt>
+                <c:pt idx="22">
+                  <c:v>65.4709833033167</c:v>
+                </c:pt>
+                <c:pt idx="23">
+                  <c:v>65.4709833033167</c:v>
+                </c:pt>
+                <c:pt idx="24">
+                  <c:v>65.4709833033167</c:v>
+                </c:pt>
+                <c:pt idx="25">
+                  <c:v>65.4709833033167</c:v>
+                </c:pt>
+                <c:pt idx="26">
+                  <c:v>65.4709833033167</c:v>
+                </c:pt>
+                <c:pt idx="27">
+                  <c:v>65.4709833033167</c:v>
+                </c:pt>
+                <c:pt idx="28">
+                  <c:v>65.4709833033167</c:v>
+                </c:pt>
+                <c:pt idx="29">
+                  <c:v>65.4709833033167</c:v>
+                </c:pt>
+                <c:pt idx="30">
+                  <c:v>65.470983303316899</c:v>
+                </c:pt>
+                <c:pt idx="31">
+                  <c:v>65.470983303316899</c:v>
+                </c:pt>
+                <c:pt idx="32">
+                  <c:v>65.470983303316899</c:v>
+                </c:pt>
+                <c:pt idx="33">
+                  <c:v>65.470983303316899</c:v>
+                </c:pt>
+                <c:pt idx="34">
+                  <c:v>65.470983303316899</c:v>
+                </c:pt>
+                <c:pt idx="35">
+                  <c:v>65.470983303316899</c:v>
+                </c:pt>
+                <c:pt idx="36">
+                  <c:v>65.470983303316899</c:v>
+                </c:pt>
+                <c:pt idx="37">
+                  <c:v>65.470983303316899</c:v>
+                </c:pt>
+                <c:pt idx="38">
+                  <c:v>65.470983303316899</c:v>
+                </c:pt>
+                <c:pt idx="39">
+                  <c:v>65.470983303316899</c:v>
+                </c:pt>
+                <c:pt idx="40">
+                  <c:v>65.470983303316899</c:v>
+                </c:pt>
+                <c:pt idx="41">
+                  <c:v>65.470983303316899</c:v>
+                </c:pt>
+                <c:pt idx="42">
+                  <c:v>65.470983303455299</c:v>
+                </c:pt>
+                <c:pt idx="43">
+                  <c:v>65.470983303368698</c:v>
+                </c:pt>
+                <c:pt idx="44">
+                  <c:v>65.4709833033546</c:v>
+                </c:pt>
+                <c:pt idx="45">
+                  <c:v>65.4709833033167</c:v>
+                </c:pt>
+                <c:pt idx="46">
+                  <c:v>65.470983303369806</c:v>
+                </c:pt>
+                <c:pt idx="47">
+                  <c:v>73.971916684416101</c:v>
+                </c:pt>
+                <c:pt idx="48">
+                  <c:v>73.971916684416001</c:v>
+                </c:pt>
+                <c:pt idx="49">
+                  <c:v>73.971916684416001</c:v>
+                </c:pt>
+                <c:pt idx="50">
+                  <c:v>73.971916684416499</c:v>
+                </c:pt>
+                <c:pt idx="51">
+                  <c:v>73.971916684416499</c:v>
+                </c:pt>
+                <c:pt idx="52">
+                  <c:v>73.971916684416499</c:v>
+                </c:pt>
+                <c:pt idx="53">
+                  <c:v>73.971916684416399</c:v>
+                </c:pt>
+                <c:pt idx="54">
+                  <c:v>81.597314608957603</c:v>
+                </c:pt>
+                <c:pt idx="55">
+                  <c:v>81.597313353358302</c:v>
+                </c:pt>
+                <c:pt idx="56">
+                  <c:v>81.597313353358302</c:v>
+                </c:pt>
+                <c:pt idx="57">
+                  <c:v>81.597313353358302</c:v>
+                </c:pt>
+                <c:pt idx="58">
+                  <c:v>81.597313353359894</c:v>
+                </c:pt>
+                <c:pt idx="59">
+                  <c:v>83.894239140610196</c:v>
+                </c:pt>
+                <c:pt idx="60">
+                  <c:v>83.894239140606501</c:v>
+                </c:pt>
+                <c:pt idx="61">
+                  <c:v>84.731679614415597</c:v>
+                </c:pt>
+                <c:pt idx="62">
+                  <c:v>87.755772565941001</c:v>
+                </c:pt>
+                <c:pt idx="63">
+                  <c:v>87.755772573260799</c:v>
+                </c:pt>
+                <c:pt idx="64">
+                  <c:v>91.3472005335978</c:v>
+                </c:pt>
+                <c:pt idx="65">
+                  <c:v>91.347200536227703</c:v>
+                </c:pt>
+                <c:pt idx="66">
+                  <c:v>91.564879663964604</c:v>
+                </c:pt>
+                <c:pt idx="67">
+                  <c:v>92.931519673875201</c:v>
+                </c:pt>
+                <c:pt idx="68">
+                  <c:v>94.298159683783496</c:v>
+                </c:pt>
+                <c:pt idx="69">
+                  <c:v>95.664799693690597</c:v>
+                </c:pt>
+                <c:pt idx="70">
+                  <c:v>97.031439703605002</c:v>
+                </c:pt>
+                <c:pt idx="71">
+                  <c:v>98.398079713514804</c:v>
+                </c:pt>
+                <c:pt idx="72">
+                  <c:v>99.764719723424804</c:v>
+                </c:pt>
+                <c:pt idx="73">
+                  <c:v>101.13135973333399</c:v>
+                </c:pt>
+                <c:pt idx="74">
+                  <c:v>102.49799974324399</c:v>
+                </c:pt>
+                <c:pt idx="75">
+                  <c:v>103.86463975315399</c:v>
+                </c:pt>
+                <c:pt idx="76">
+                  <c:v>105.23127976306399</c:v>
+                </c:pt>
+                <c:pt idx="77">
+                  <c:v>106.597919772974</c:v>
+                </c:pt>
+                <c:pt idx="78">
+                  <c:v>107.964559782884</c:v>
+                </c:pt>
+                <c:pt idx="79">
+                  <c:v>109.331199792794</c:v>
+                </c:pt>
+                <c:pt idx="80">
+                  <c:v>110.697839802704</c:v>
+                </c:pt>
+                <c:pt idx="81">
+                  <c:v>112.064479812614</c:v>
+                </c:pt>
+                <c:pt idx="82">
+                  <c:v>113.431119822524</c:v>
+                </c:pt>
+                <c:pt idx="83">
+                  <c:v>114.797759832434</c:v>
+                </c:pt>
+                <c:pt idx="84">
+                  <c:v>116.164399842344</c:v>
+                </c:pt>
+                <c:pt idx="85">
+                  <c:v>117.531039852253</c:v>
+                </c:pt>
+                <c:pt idx="86">
+                  <c:v>118.897679862163</c:v>
+                </c:pt>
+                <c:pt idx="87">
+                  <c:v>120.264319872073</c:v>
+                </c:pt>
+                <c:pt idx="88">
+                  <c:v>121.630959883275</c:v>
+                </c:pt>
+                <c:pt idx="89">
+                  <c:v>122.997599891891</c:v>
+                </c:pt>
+                <c:pt idx="90">
+                  <c:v>124.364239901803</c:v>
+                </c:pt>
+                <c:pt idx="91">
+                  <c:v>125.730879911713</c:v>
+                </c:pt>
+                <c:pt idx="92">
+                  <c:v>127.097519921623</c:v>
+                </c:pt>
+                <c:pt idx="93">
+                  <c:v>128.464159931533</c:v>
+                </c:pt>
+                <c:pt idx="94">
+                  <c:v>129.83079994144299</c:v>
+                </c:pt>
+                <c:pt idx="95">
+                  <c:v>131.197439951353</c:v>
+                </c:pt>
+                <c:pt idx="96">
+                  <c:v>132.56407996126299</c:v>
+                </c:pt>
+                <c:pt idx="97">
+                  <c:v>133.930719971173</c:v>
+                </c:pt>
+                <c:pt idx="98">
+                  <c:v>134.99735998108298</c:v>
+                </c:pt>
+              </c:numCache>
+            </c:numRef>
+          </c:xVal>
+          <c:yVal>
+            <c:numRef>
+              <c:f>Results!$AH$3:$AH$101</c:f>
+              <c:numCache>
+                <c:formatCode>General</c:formatCode>
+                <c:ptCount val="99"/>
+                <c:pt idx="0">
+                  <c:v>1</c:v>
+                </c:pt>
+                <c:pt idx="1">
+                  <c:v>1</c:v>
+                </c:pt>
+                <c:pt idx="2">
+                  <c:v>1</c:v>
+                </c:pt>
+                <c:pt idx="3">
+                  <c:v>1</c:v>
+                </c:pt>
+                <c:pt idx="4">
+                  <c:v>1</c:v>
+                </c:pt>
+                <c:pt idx="5">
+                  <c:v>1</c:v>
+                </c:pt>
+                <c:pt idx="6">
+                  <c:v>1</c:v>
+                </c:pt>
+                <c:pt idx="7">
+                  <c:v>1</c:v>
+                </c:pt>
+                <c:pt idx="8">
+                  <c:v>1</c:v>
+                </c:pt>
+                <c:pt idx="9">
+                  <c:v>1</c:v>
+                </c:pt>
+                <c:pt idx="10">
+                  <c:v>1</c:v>
+                </c:pt>
+                <c:pt idx="11">
+                  <c:v>1</c:v>
+                </c:pt>
+                <c:pt idx="12">
+                  <c:v>1</c:v>
+                </c:pt>
+                <c:pt idx="13">
+                  <c:v>1</c:v>
+                </c:pt>
+                <c:pt idx="14">
+                  <c:v>1</c:v>
+                </c:pt>
+                <c:pt idx="15">
+                  <c:v>1</c:v>
+                </c:pt>
+                <c:pt idx="16">
+                  <c:v>1</c:v>
+                </c:pt>
+                <c:pt idx="17">
+                  <c:v>1</c:v>
+                </c:pt>
+                <c:pt idx="18">
+                  <c:v>1</c:v>
+                </c:pt>
+                <c:pt idx="19">
+                  <c:v>1</c:v>
+                </c:pt>
+                <c:pt idx="20">
+                  <c:v>1</c:v>
+                </c:pt>
+                <c:pt idx="21">
+                  <c:v>1</c:v>
+                </c:pt>
+                <c:pt idx="22">
+                  <c:v>1</c:v>
+                </c:pt>
+                <c:pt idx="23">
+                  <c:v>1</c:v>
+                </c:pt>
+                <c:pt idx="24">
+                  <c:v>1</c:v>
+                </c:pt>
+                <c:pt idx="25">
+                  <c:v>1</c:v>
+                </c:pt>
+                <c:pt idx="26">
+                  <c:v>1</c:v>
+                </c:pt>
+                <c:pt idx="27">
+                  <c:v>1</c:v>
+                </c:pt>
+                <c:pt idx="28">
+                  <c:v>1</c:v>
+                </c:pt>
+                <c:pt idx="29">
+                  <c:v>1</c:v>
+                </c:pt>
+                <c:pt idx="30">
+                  <c:v>1</c:v>
+                </c:pt>
+                <c:pt idx="31">
+                  <c:v>1</c:v>
+                </c:pt>
+                <c:pt idx="32">
+                  <c:v>1</c:v>
+                </c:pt>
+                <c:pt idx="33">
+                  <c:v>1</c:v>
+                </c:pt>
+                <c:pt idx="34">
+                  <c:v>1</c:v>
+                </c:pt>
+                <c:pt idx="35">
+                  <c:v>1</c:v>
+                </c:pt>
+                <c:pt idx="36">
+                  <c:v>1</c:v>
+                </c:pt>
+                <c:pt idx="37">
+                  <c:v>1</c:v>
+                </c:pt>
+                <c:pt idx="38">
+                  <c:v>1</c:v>
+                </c:pt>
+                <c:pt idx="39">
+                  <c:v>1</c:v>
+                </c:pt>
+                <c:pt idx="40">
+                  <c:v>1</c:v>
+                </c:pt>
+                <c:pt idx="41">
+                  <c:v>1</c:v>
+                </c:pt>
+                <c:pt idx="42">
+                  <c:v>1</c:v>
+                </c:pt>
+                <c:pt idx="43">
+                  <c:v>1</c:v>
+                </c:pt>
+                <c:pt idx="44">
+                  <c:v>1</c:v>
+                </c:pt>
+                <c:pt idx="45">
+                  <c:v>1</c:v>
+                </c:pt>
+                <c:pt idx="46">
+                  <c:v>1</c:v>
+                </c:pt>
+                <c:pt idx="47">
+                  <c:v>1</c:v>
+                </c:pt>
+                <c:pt idx="48">
+                  <c:v>1</c:v>
+                </c:pt>
+                <c:pt idx="49">
+                  <c:v>1</c:v>
+                </c:pt>
+                <c:pt idx="50">
+                  <c:v>1</c:v>
+                </c:pt>
+                <c:pt idx="51">
+                  <c:v>1</c:v>
+                </c:pt>
+                <c:pt idx="52">
+                  <c:v>1</c:v>
+                </c:pt>
+                <c:pt idx="53">
+                  <c:v>1</c:v>
+                </c:pt>
+                <c:pt idx="54">
+                  <c:v>0.99999999999999967</c:v>
+                </c:pt>
+                <c:pt idx="55">
+                  <c:v>0.99999999999999967</c:v>
+                </c:pt>
+                <c:pt idx="56">
+                  <c:v>0.99999999999999967</c:v>
+                </c:pt>
+                <c:pt idx="57">
+                  <c:v>0.99999999999999967</c:v>
+                </c:pt>
+                <c:pt idx="58">
+                  <c:v>0.99999999999999967</c:v>
+                </c:pt>
+                <c:pt idx="59">
+                  <c:v>0.99999999999998213</c:v>
+                </c:pt>
+                <c:pt idx="60">
+                  <c:v>0.99999999999998213</c:v>
+                </c:pt>
+                <c:pt idx="61">
+                  <c:v>0.99999999999996103</c:v>
+                </c:pt>
+                <c:pt idx="62">
+                  <c:v>0.99999999958787222</c:v>
+                </c:pt>
+                <c:pt idx="63">
+                  <c:v>0.99999999958787222</c:v>
+                </c:pt>
+                <c:pt idx="64">
+                  <c:v>0.99999999664390271</c:v>
+                </c:pt>
+                <c:pt idx="65">
+                  <c:v>0.99999999664390271</c:v>
+                </c:pt>
+                <c:pt idx="66">
+                  <c:v>0.99999999586394372</c:v>
+                </c:pt>
+                <c:pt idx="67">
+                  <c:v>0.99999998453117767</c:v>
+                </c:pt>
+                <c:pt idx="68">
+                  <c:v>0.99999992486044709</c:v>
+                </c:pt>
+                <c:pt idx="69">
+                  <c:v>0.99999972954047056</c:v>
+                </c:pt>
+                <c:pt idx="70">
+                  <c:v>0.99999849657330409</c:v>
+                </c:pt>
+                <c:pt idx="71">
+                  <c:v>0.99996899426286645</c:v>
+                </c:pt>
+                <c:pt idx="72">
+                  <c:v>1</c:v>
+                </c:pt>
+                <c:pt idx="73">
+                  <c:v>1</c:v>
+                </c:pt>
+                <c:pt idx="74">
+                  <c:v>1</c:v>
+                </c:pt>
+                <c:pt idx="75">
+                  <c:v>1</c:v>
+                </c:pt>
+                <c:pt idx="76">
+                  <c:v>1</c:v>
+                </c:pt>
+                <c:pt idx="77">
+                  <c:v>0.99461925078454128</c:v>
+                </c:pt>
+                <c:pt idx="78">
+                  <c:v>0.99242389608025672</c:v>
+                </c:pt>
+                <c:pt idx="79">
+                  <c:v>0.98935517778050419</c:v>
+                </c:pt>
+                <c:pt idx="80">
+                  <c:v>0.98335342966900252</c:v>
+                </c:pt>
+                <c:pt idx="81">
+                  <c:v>0.97728186382360938</c:v>
+                </c:pt>
+                <c:pt idx="82">
+                  <c:v>0.96699406230777052</c:v>
+                </c:pt>
+                <c:pt idx="83">
+                  <c:v>0.95042607459730644</c:v>
+                </c:pt>
+                <c:pt idx="84">
+                  <c:v>0.92746323337961978</c:v>
+                </c:pt>
+                <c:pt idx="85">
+                  <c:v>0.90258401901190577</c:v>
+                </c:pt>
+                <c:pt idx="86">
+                  <c:v>0.85675425138603012</c:v>
+                </c:pt>
+                <c:pt idx="87">
+                  <c:v>0.76458186053601696</c:v>
+                </c:pt>
+                <c:pt idx="88">
+                  <c:v>0.7444697515452442</c:v>
+                </c:pt>
+                <c:pt idx="89">
+                  <c:v>0.72382166905251222</c:v>
+                </c:pt>
+                <c:pt idx="90">
+                  <c:v>0.70747777058535632</c:v>
+                </c:pt>
+                <c:pt idx="91">
+                  <c:v>0.69097894267295967</c:v>
+                </c:pt>
+                <c:pt idx="92">
+                  <c:v>0.67438114402845772</c:v>
+                </c:pt>
+                <c:pt idx="93">
+                  <c:v>0.65751799593393634</c:v>
+                </c:pt>
+                <c:pt idx="94">
+                  <c:v>0.25582060121397321</c:v>
+                </c:pt>
+                <c:pt idx="95">
+                  <c:v>0.24440185926811764</c:v>
+                </c:pt>
+                <c:pt idx="96">
+                  <c:v>0.23339417335525925</c:v>
+                </c:pt>
+                <c:pt idx="97">
+                  <c:v>0.22290499391008556</c:v>
+                </c:pt>
+                <c:pt idx="98">
+                  <c:v>0.2049698951452521</c:v>
+                </c:pt>
+              </c:numCache>
+            </c:numRef>
+          </c:yVal>
+          <c:smooth val="0"/>
+          <c:extLst>
+            <c:ext xmlns:c16="http://schemas.microsoft.com/office/drawing/2014/chart" uri="{C3380CC4-5D6E-409C-BE32-E72D297353CC}">
+              <c16:uniqueId val="{00000001-AF87-4A83-BC9B-4CE219E1A821}"/>
+            </c:ext>
+          </c:extLst>
+        </c:ser>
+        <c:ser>
+          <c:idx val="6"/>
+          <c:order val="2"/>
+          <c:tx>
+            <c:v>3 Changes</c:v>
+          </c:tx>
+          <c:spPr>
+            <a:ln w="22225">
+              <a:solidFill>
+                <a:schemeClr val="accent4"/>
+              </a:solidFill>
+            </a:ln>
+          </c:spPr>
+          <c:marker>
+            <c:spPr>
+              <a:solidFill>
+                <a:schemeClr val="accent4"/>
+              </a:solidFill>
+              <a:ln>
+                <a:solidFill>
+                  <a:schemeClr val="accent4"/>
+                </a:solidFill>
+              </a:ln>
+            </c:spPr>
+          </c:marker>
+          <c:xVal>
+            <c:numRef>
+              <c:f>Results!$AJ$3:$AJ$103</c:f>
+              <c:numCache>
+                <c:formatCode>General</c:formatCode>
+                <c:ptCount val="101"/>
+                <c:pt idx="0">
+                  <c:v>40.716742925498899</c:v>
+                </c:pt>
+                <c:pt idx="1">
+                  <c:v>40.716742925498899</c:v>
+                </c:pt>
+                <c:pt idx="2">
+                  <c:v>40.716742925498899</c:v>
+                </c:pt>
+                <c:pt idx="3">
+                  <c:v>40.716742925498899</c:v>
+                </c:pt>
+                <c:pt idx="4">
+                  <c:v>40.716742925498899</c:v>
+                </c:pt>
+                <c:pt idx="5">
+                  <c:v>40.716742925498899</c:v>
+                </c:pt>
+                <c:pt idx="6">
+                  <c:v>40.716742925498899</c:v>
+                </c:pt>
+                <c:pt idx="7">
+                  <c:v>40.716742925498899</c:v>
+                </c:pt>
+                <c:pt idx="8">
+                  <c:v>40.716742925498899</c:v>
+                </c:pt>
+                <c:pt idx="9">
+                  <c:v>40.716742925498899</c:v>
+                </c:pt>
+                <c:pt idx="10">
+                  <c:v>40.716742925498899</c:v>
+                </c:pt>
+                <c:pt idx="11">
+                  <c:v>40.716742925498899</c:v>
+                </c:pt>
+                <c:pt idx="12">
+                  <c:v>40.716742925498899</c:v>
+                </c:pt>
+                <c:pt idx="13">
+                  <c:v>40.716742925498899</c:v>
+                </c:pt>
+                <c:pt idx="14">
+                  <c:v>40.716742925498899</c:v>
+                </c:pt>
+                <c:pt idx="15">
+                  <c:v>40.716742925498899</c:v>
+                </c:pt>
+                <c:pt idx="16">
+                  <c:v>40.716742925498899</c:v>
+                </c:pt>
+                <c:pt idx="17">
+                  <c:v>40.716742925498899</c:v>
+                </c:pt>
+                <c:pt idx="18">
+                  <c:v>40.716742925498899</c:v>
+                </c:pt>
+                <c:pt idx="19">
+                  <c:v>40.716742925498899</c:v>
+                </c:pt>
+                <c:pt idx="20">
+                  <c:v>40.716742925498899</c:v>
+                </c:pt>
+                <c:pt idx="21">
+                  <c:v>40.716742925498899</c:v>
+                </c:pt>
+                <c:pt idx="22">
+                  <c:v>40.716742925498899</c:v>
+                </c:pt>
+                <c:pt idx="23">
+                  <c:v>40.716742925498899</c:v>
+                </c:pt>
+                <c:pt idx="24">
+                  <c:v>40.716742925498899</c:v>
+                </c:pt>
+                <c:pt idx="25">
+                  <c:v>40.716742925496</c:v>
+                </c:pt>
+                <c:pt idx="26">
+                  <c:v>40.716742925469099</c:v>
+                </c:pt>
+                <c:pt idx="27">
+                  <c:v>40.716742925523398</c:v>
+                </c:pt>
+                <c:pt idx="28">
+                  <c:v>40.716742925512897</c:v>
+                </c:pt>
+                <c:pt idx="29">
+                  <c:v>53.507573937430202</c:v>
+                </c:pt>
+                <c:pt idx="30">
+                  <c:v>53.5075739374766</c:v>
+                </c:pt>
+                <c:pt idx="31">
+                  <c:v>53.5075739374359</c:v>
+                </c:pt>
+                <c:pt idx="32">
+                  <c:v>53.5075739374454</c:v>
+                </c:pt>
+                <c:pt idx="33">
+                  <c:v>53.507573937468202</c:v>
+                </c:pt>
+                <c:pt idx="34">
+                  <c:v>53.507573980069999</c:v>
+                </c:pt>
+                <c:pt idx="35">
+                  <c:v>53.507573937399698</c:v>
+                </c:pt>
+                <c:pt idx="36">
+                  <c:v>53.507573937579501</c:v>
+                </c:pt>
+                <c:pt idx="37">
+                  <c:v>53.5075739374916</c:v>
+                </c:pt>
+                <c:pt idx="38">
+                  <c:v>61.132971861941002</c:v>
+                </c:pt>
+                <c:pt idx="39">
+                  <c:v>61.132971861941499</c:v>
+                </c:pt>
+                <c:pt idx="40">
+                  <c:v>61.132993064328403</c:v>
+                </c:pt>
+                <c:pt idx="41">
+                  <c:v>61.132971861940199</c:v>
+                </c:pt>
+                <c:pt idx="42">
+                  <c:v>61.132971861946999</c:v>
+                </c:pt>
+                <c:pt idx="43">
+                  <c:v>61.132971861941101</c:v>
+                </c:pt>
+                <c:pt idx="44">
+                  <c:v>64.305431850177001</c:v>
+                </c:pt>
+                <c:pt idx="45">
+                  <c:v>64.305431850171701</c:v>
+                </c:pt>
+                <c:pt idx="46">
+                  <c:v>64.933000946021707</c:v>
+                </c:pt>
+                <c:pt idx="47">
+                  <c:v>71.930829774718802</c:v>
+                </c:pt>
+                <c:pt idx="48">
+                  <c:v>71.930829774719399</c:v>
+                </c:pt>
+                <c:pt idx="49">
+                  <c:v>71.930829774719399</c:v>
+                </c:pt>
+                <c:pt idx="50">
+                  <c:v>71.930829774719399</c:v>
+                </c:pt>
+                <c:pt idx="51">
+                  <c:v>71.930829774719399</c:v>
+                </c:pt>
+                <c:pt idx="52">
+                  <c:v>73.222319882189197</c:v>
+                </c:pt>
+                <c:pt idx="53">
+                  <c:v>74.603873106379197</c:v>
+                </c:pt>
+                <c:pt idx="54">
+                  <c:v>75.985426330573702</c:v>
+                </c:pt>
+                <c:pt idx="55">
+                  <c:v>77.366979554765905</c:v>
+                </c:pt>
+                <c:pt idx="56">
+                  <c:v>78.748532778958193</c:v>
+                </c:pt>
+                <c:pt idx="57">
+                  <c:v>80.130086003150396</c:v>
+                </c:pt>
+                <c:pt idx="58">
+                  <c:v>81.680715699360206</c:v>
+                </c:pt>
+                <c:pt idx="59">
+                  <c:v>82.893192451534901</c:v>
+                </c:pt>
+                <c:pt idx="60">
+                  <c:v>84.274745675727104</c:v>
+                </c:pt>
+                <c:pt idx="61">
+                  <c:v>85.656298899919406</c:v>
+                </c:pt>
+                <c:pt idx="62">
+                  <c:v>87.037852124111694</c:v>
+                </c:pt>
+                <c:pt idx="63">
+                  <c:v>88.419405348303897</c:v>
+                </c:pt>
+                <c:pt idx="64">
+                  <c:v>89.800958572496199</c:v>
+                </c:pt>
+                <c:pt idx="65">
+                  <c:v>91.182511796685802</c:v>
+                </c:pt>
+                <c:pt idx="66">
+                  <c:v>92.564065021021307</c:v>
+                </c:pt>
+                <c:pt idx="67">
+                  <c:v>93.945618245072893</c:v>
+                </c:pt>
+                <c:pt idx="68">
+                  <c:v>95.327171469264698</c:v>
+                </c:pt>
+                <c:pt idx="69">
+                  <c:v>96.708724693457796</c:v>
+                </c:pt>
+                <c:pt idx="70">
+                  <c:v>98.090277917649601</c:v>
+                </c:pt>
+                <c:pt idx="71">
+                  <c:v>99.471831141852107</c:v>
+                </c:pt>
+                <c:pt idx="72">
+                  <c:v>100.85338436603401</c:v>
+                </c:pt>
+                <c:pt idx="73">
+                  <c:v>102.234937590226</c:v>
+                </c:pt>
+                <c:pt idx="74">
+                  <c:v>103.616490814418</c:v>
+                </c:pt>
+                <c:pt idx="75">
+                  <c:v>104.99804403861</c:v>
+                </c:pt>
+                <c:pt idx="76">
+                  <c:v>106.379597262803</c:v>
+                </c:pt>
+                <c:pt idx="77">
+                  <c:v>107.76115048699501</c:v>
+                </c:pt>
+                <c:pt idx="78">
+                  <c:v>109.142703711187</c:v>
+                </c:pt>
+                <c:pt idx="79">
+                  <c:v>110.524256935379</c:v>
+                </c:pt>
+                <c:pt idx="80">
+                  <c:v>111.905810159572</c:v>
+                </c:pt>
+                <c:pt idx="81">
+                  <c:v>113.287363383764</c:v>
+                </c:pt>
+                <c:pt idx="82">
+                  <c:v>114.66891660795601</c:v>
+                </c:pt>
+                <c:pt idx="83">
+                  <c:v>116.050469832148</c:v>
+                </c:pt>
+                <c:pt idx="84">
+                  <c:v>117.432023056341</c:v>
+                </c:pt>
+                <c:pt idx="85">
+                  <c:v>118.813576280533</c:v>
+                </c:pt>
+                <c:pt idx="86">
+                  <c:v>120.195129504725</c:v>
+                </c:pt>
+                <c:pt idx="87">
+                  <c:v>121.57668272891701</c:v>
+                </c:pt>
+                <c:pt idx="88">
+                  <c:v>122.95823595311001</c:v>
+                </c:pt>
+                <c:pt idx="89">
+                  <c:v>124.33978917730199</c:v>
+                </c:pt>
+                <c:pt idx="90">
+                  <c:v>125.721342401494</c:v>
+                </c:pt>
+                <c:pt idx="91">
+                  <c:v>127.102895625686</c:v>
+                </c:pt>
+                <c:pt idx="92">
+                  <c:v>128.48444884987899</c:v>
+                </c:pt>
+                <c:pt idx="93">
+                  <c:v>129.86600207407099</c:v>
+                </c:pt>
+                <c:pt idx="94">
+                  <c:v>131.24755529826299</c:v>
+                </c:pt>
+                <c:pt idx="95">
+                  <c:v>131.24755529826299</c:v>
+                </c:pt>
+                <c:pt idx="96">
+                  <c:v>132.629108522455</c:v>
+                </c:pt>
+                <c:pt idx="97">
+                  <c:v>134.010661746648</c:v>
+                </c:pt>
+                <c:pt idx="98">
+                  <c:v>134.52213765016899</c:v>
+                </c:pt>
+                <c:pt idx="99">
+                  <c:v>135.39221497084</c:v>
+                </c:pt>
+                <c:pt idx="100">
+                  <c:v>136.77376819503201</c:v>
+                </c:pt>
+              </c:numCache>
+            </c:numRef>
+          </c:xVal>
+          <c:yVal>
+            <c:numRef>
+              <c:f>Results!$AL$3:$AL$103</c:f>
+              <c:numCache>
+                <c:formatCode>General</c:formatCode>
+                <c:ptCount val="101"/>
+                <c:pt idx="0">
+                  <c:v>1</c:v>
+                </c:pt>
+                <c:pt idx="1">
+                  <c:v>1</c:v>
+                </c:pt>
+                <c:pt idx="2">
+                  <c:v>1</c:v>
+                </c:pt>
+                <c:pt idx="3">
+                  <c:v>1</c:v>
+                </c:pt>
+                <c:pt idx="4">
+                  <c:v>1</c:v>
+                </c:pt>
+                <c:pt idx="5">
+                  <c:v>1</c:v>
+                </c:pt>
+                <c:pt idx="6">
+                  <c:v>1</c:v>
+                </c:pt>
+                <c:pt idx="7">
+                  <c:v>1</c:v>
+                </c:pt>
+                <c:pt idx="8">
+                  <c:v>1</c:v>
+                </c:pt>
+                <c:pt idx="9">
+                  <c:v>1</c:v>
+                </c:pt>
+                <c:pt idx="10">
+                  <c:v>1</c:v>
+                </c:pt>
+                <c:pt idx="11">
+                  <c:v>1</c:v>
+                </c:pt>
+                <c:pt idx="12">
+                  <c:v>1</c:v>
+                </c:pt>
+                <c:pt idx="13">
+                  <c:v>1</c:v>
+                </c:pt>
+                <c:pt idx="14">
+                  <c:v>1</c:v>
+                </c:pt>
+                <c:pt idx="15">
+                  <c:v>1</c:v>
+                </c:pt>
+                <c:pt idx="16">
+                  <c:v>1</c:v>
+                </c:pt>
+                <c:pt idx="17">
+                  <c:v>1</c:v>
+                </c:pt>
+                <c:pt idx="18">
+                  <c:v>1</c:v>
+                </c:pt>
+                <c:pt idx="19">
+                  <c:v>1</c:v>
+                </c:pt>
+                <c:pt idx="20">
+                  <c:v>1</c:v>
+                </c:pt>
+                <c:pt idx="21">
+                  <c:v>1</c:v>
+                </c:pt>
+                <c:pt idx="22">
+                  <c:v>1</c:v>
+                </c:pt>
+                <c:pt idx="23">
+                  <c:v>1</c:v>
+                </c:pt>
+                <c:pt idx="24">
+                  <c:v>1</c:v>
+                </c:pt>
+                <c:pt idx="25">
+                  <c:v>1</c:v>
+                </c:pt>
+                <c:pt idx="26">
+                  <c:v>1</c:v>
+                </c:pt>
+                <c:pt idx="27">
+                  <c:v>1</c:v>
+                </c:pt>
+                <c:pt idx="28">
+                  <c:v>1</c:v>
+                </c:pt>
+                <c:pt idx="29">
+                  <c:v>1</c:v>
+                </c:pt>
+                <c:pt idx="30">
+                  <c:v>1</c:v>
+                </c:pt>
+                <c:pt idx="31">
+                  <c:v>1</c:v>
+                </c:pt>
+                <c:pt idx="32">
+                  <c:v>1</c:v>
+                </c:pt>
+                <c:pt idx="33">
+                  <c:v>1</c:v>
+                </c:pt>
+                <c:pt idx="34">
+                  <c:v>1</c:v>
+                </c:pt>
+                <c:pt idx="35">
+                  <c:v>1</c:v>
+                </c:pt>
+                <c:pt idx="36">
+                  <c:v>1</c:v>
+                </c:pt>
+                <c:pt idx="37">
+                  <c:v>1</c:v>
+                </c:pt>
+                <c:pt idx="38">
+                  <c:v>1</c:v>
+                </c:pt>
+                <c:pt idx="39">
+                  <c:v>1</c:v>
+                </c:pt>
+                <c:pt idx="40">
+                  <c:v>1</c:v>
+                </c:pt>
+                <c:pt idx="41">
+                  <c:v>1</c:v>
+                </c:pt>
+                <c:pt idx="42">
+                  <c:v>1</c:v>
+                </c:pt>
+                <c:pt idx="43">
+                  <c:v>1</c:v>
+                </c:pt>
+                <c:pt idx="44">
+                  <c:v>1</c:v>
+                </c:pt>
+                <c:pt idx="45">
+                  <c:v>1</c:v>
+                </c:pt>
+                <c:pt idx="46">
+                  <c:v>1</c:v>
+                </c:pt>
+                <c:pt idx="47">
+                  <c:v>1</c:v>
+                </c:pt>
+                <c:pt idx="48">
+                  <c:v>1</c:v>
+                </c:pt>
+                <c:pt idx="49">
+                  <c:v>1</c:v>
+                </c:pt>
+                <c:pt idx="50">
+                  <c:v>1</c:v>
+                </c:pt>
+                <c:pt idx="51">
+                  <c:v>1</c:v>
+                </c:pt>
+                <c:pt idx="52">
+                  <c:v>1</c:v>
+                </c:pt>
+                <c:pt idx="53">
+                  <c:v>1</c:v>
+                </c:pt>
+                <c:pt idx="54">
+                  <c:v>1</c:v>
+                </c:pt>
+                <c:pt idx="55">
+                  <c:v>1</c:v>
+                </c:pt>
+                <c:pt idx="56">
+                  <c:v>1</c:v>
+                </c:pt>
+                <c:pt idx="57">
+                  <c:v>1</c:v>
+                </c:pt>
+                <c:pt idx="58">
+                  <c:v>1</c:v>
+                </c:pt>
+                <c:pt idx="59">
+                  <c:v>1</c:v>
+                </c:pt>
+                <c:pt idx="60">
+                  <c:v>1</c:v>
+                </c:pt>
+                <c:pt idx="61">
+                  <c:v>1</c:v>
+                </c:pt>
+                <c:pt idx="62">
+                  <c:v>0.99999999999999822</c:v>
+                </c:pt>
+                <c:pt idx="63">
+                  <c:v>0.99999999999998768</c:v>
+                </c:pt>
+                <c:pt idx="64">
+                  <c:v>0.99999999999830746</c:v>
+                </c:pt>
+                <c:pt idx="65">
+                  <c:v>0.99999999534869666</c:v>
+                </c:pt>
+                <c:pt idx="66">
+                  <c:v>0.99999998780494992</c:v>
+                </c:pt>
+                <c:pt idx="67">
+                  <c:v>0.99999997464131618</c:v>
+                </c:pt>
+                <c:pt idx="68">
+                  <c:v>0.9999999210588485</c:v>
+                </c:pt>
+                <c:pt idx="69">
+                  <c:v>0.99999972458794195</c:v>
+                </c:pt>
+                <c:pt idx="70">
+                  <c:v>0.99999895496770475</c:v>
+                </c:pt>
+                <c:pt idx="71">
+                  <c:v>0.99999766518653144</c:v>
+                </c:pt>
+                <c:pt idx="72">
+                  <c:v>0.9999619811719479</c:v>
+                </c:pt>
+                <c:pt idx="73">
+                  <c:v>1</c:v>
+                </c:pt>
+                <c:pt idx="74">
+                  <c:v>1</c:v>
+                </c:pt>
+                <c:pt idx="75">
+                  <c:v>1</c:v>
+                </c:pt>
+                <c:pt idx="76">
+                  <c:v>0.99955963038105045</c:v>
+                </c:pt>
+                <c:pt idx="77">
+                  <c:v>0.99939793016780243</c:v>
+                </c:pt>
+                <c:pt idx="78">
+                  <c:v>0.99918701011894151</c:v>
+                </c:pt>
+                <c:pt idx="79">
+                  <c:v>0.99686232470565439</c:v>
+                </c:pt>
+                <c:pt idx="80">
+                  <c:v>0.99474660335772469</c:v>
+                </c:pt>
+                <c:pt idx="81">
+                  <c:v>0.98989269998155316</c:v>
+                </c:pt>
+                <c:pt idx="82">
+                  <c:v>0.98535890415646366</c:v>
+                </c:pt>
+                <c:pt idx="83">
+                  <c:v>0.96334518036878991</c:v>
+                </c:pt>
+                <c:pt idx="84">
+                  <c:v>0.96404486338698137</c:v>
+                </c:pt>
+                <c:pt idx="85">
+                  <c:v>0.95855140195320854</c:v>
+                </c:pt>
+                <c:pt idx="86">
+                  <c:v>0.95202004729803413</c:v>
+                </c:pt>
+                <c:pt idx="87">
+                  <c:v>0.93589383503525603</c:v>
+                </c:pt>
+                <c:pt idx="88">
+                  <c:v>0.91133041340004461</c:v>
+                </c:pt>
+                <c:pt idx="89">
+                  <c:v>0.88131848112657485</c:v>
+                </c:pt>
+                <c:pt idx="90">
+                  <c:v>0.841479171903182</c:v>
+                </c:pt>
+                <c:pt idx="91">
+                  <c:v>0.73190671489911918</c:v>
+                </c:pt>
+                <c:pt idx="92">
+                  <c:v>0.67420497721014017</c:v>
+                </c:pt>
+                <c:pt idx="93">
+                  <c:v>0.61519328391122308</c:v>
+                </c:pt>
+                <c:pt idx="94">
+                  <c:v>0.4509206712819982</c:v>
+                </c:pt>
+                <c:pt idx="95">
+                  <c:v>0.4509206712819982</c:v>
+                </c:pt>
+                <c:pt idx="96">
+                  <c:v>0.34280731069453341</c:v>
+                </c:pt>
+                <c:pt idx="97">
+                  <c:v>0.27130815159806432</c:v>
+                </c:pt>
+                <c:pt idx="98">
+                  <c:v>0.23166672780177422</c:v>
+                </c:pt>
+                <c:pt idx="99">
+                  <c:v>0.19835157113931312</c:v>
+                </c:pt>
+                <c:pt idx="100">
+                  <c:v>0.17218305907793696</c:v>
+                </c:pt>
+              </c:numCache>
+            </c:numRef>
+          </c:yVal>
+          <c:smooth val="0"/>
+          <c:extLst>
+            <c:ext xmlns:c16="http://schemas.microsoft.com/office/drawing/2014/chart" uri="{C3380CC4-5D6E-409C-BE32-E72D297353CC}">
+              <c16:uniqueId val="{00000002-AF87-4A83-BC9B-4CE219E1A821}"/>
+            </c:ext>
+          </c:extLst>
+        </c:ser>
+        <c:ser>
+          <c:idx val="7"/>
+          <c:order val="3"/>
+          <c:tx>
+            <c:v>4 Changes</c:v>
+          </c:tx>
+          <c:spPr>
+            <a:ln w="22225">
+              <a:solidFill>
+                <a:schemeClr val="accent3"/>
+              </a:solidFill>
+            </a:ln>
+          </c:spPr>
+          <c:marker>
+            <c:symbol val="circle"/>
+            <c:size val="5"/>
+            <c:spPr>
+              <a:solidFill>
+                <a:schemeClr val="accent3"/>
+              </a:solidFill>
+              <a:ln>
+                <a:solidFill>
+                  <a:schemeClr val="accent3"/>
+                </a:solidFill>
+              </a:ln>
+            </c:spPr>
+          </c:marker>
+          <c:xVal>
+            <c:numRef>
+              <c:f>Results!$AN$3:$AN$102</c:f>
+              <c:numCache>
+                <c:formatCode>General</c:formatCode>
+                <c:ptCount val="100"/>
+                <c:pt idx="0">
+                  <c:v>28.7533335595819</c:v>
+                </c:pt>
+                <c:pt idx="1">
+                  <c:v>28.7533335595819</c:v>
+                </c:pt>
+                <c:pt idx="2">
+                  <c:v>28.7533335595819</c:v>
+                </c:pt>
+                <c:pt idx="3">
+                  <c:v>28.7533335595819</c:v>
+                </c:pt>
+                <c:pt idx="4">
+                  <c:v>28.7533335595819</c:v>
+                </c:pt>
+                <c:pt idx="5">
+                  <c:v>28.7533335595819</c:v>
+                </c:pt>
+                <c:pt idx="6">
+                  <c:v>28.7533335596119</c:v>
+                </c:pt>
+                <c:pt idx="7">
+                  <c:v>28.7533335596119</c:v>
+                </c:pt>
+                <c:pt idx="8">
+                  <c:v>28.7533335595833</c:v>
+                </c:pt>
+                <c:pt idx="9">
+                  <c:v>28.7533335595819</c:v>
+                </c:pt>
+                <c:pt idx="10">
+                  <c:v>28.7533335595819</c:v>
+                </c:pt>
+                <c:pt idx="11">
+                  <c:v>28.7533335595819</c:v>
+                </c:pt>
+                <c:pt idx="12">
+                  <c:v>28.7533335595819</c:v>
+                </c:pt>
+                <c:pt idx="13">
+                  <c:v>28.7533335595819</c:v>
+                </c:pt>
+                <c:pt idx="14">
+                  <c:v>28.7533335595819</c:v>
+                </c:pt>
+                <c:pt idx="15">
+                  <c:v>28.7533335595819</c:v>
+                </c:pt>
+                <c:pt idx="16">
+                  <c:v>28.7533335595819</c:v>
+                </c:pt>
+                <c:pt idx="17">
+                  <c:v>28.7533335595819</c:v>
+                </c:pt>
+                <c:pt idx="18">
+                  <c:v>28.7533335595819</c:v>
+                </c:pt>
+                <c:pt idx="19">
+                  <c:v>28.7533335595819</c:v>
+                </c:pt>
+                <c:pt idx="20">
+                  <c:v>36.378731484123598</c:v>
+                </c:pt>
+                <c:pt idx="21">
+                  <c:v>36.378731484123101</c:v>
+                </c:pt>
+                <c:pt idx="22">
+                  <c:v>36.378731484123101</c:v>
+                </c:pt>
+                <c:pt idx="23">
+                  <c:v>36.378731484123101</c:v>
+                </c:pt>
+                <c:pt idx="24">
+                  <c:v>36.378731484134804</c:v>
+                </c:pt>
+                <c:pt idx="25">
+                  <c:v>39.551191472359498</c:v>
+                </c:pt>
+                <c:pt idx="26">
+                  <c:v>39.5511914723591</c:v>
+                </c:pt>
+                <c:pt idx="27">
+                  <c:v>39.5511914723592</c:v>
+                </c:pt>
+                <c:pt idx="28">
+                  <c:v>40.6368950505721</c:v>
+                </c:pt>
+                <c:pt idx="29">
+                  <c:v>47.176589396902202</c:v>
+                </c:pt>
+                <c:pt idx="30">
+                  <c:v>47.176589396900198</c:v>
+                </c:pt>
+                <c:pt idx="31">
+                  <c:v>47.176589396900901</c:v>
+                </c:pt>
+                <c:pt idx="32">
+                  <c:v>47.176589396900802</c:v>
+                </c:pt>
+                <c:pt idx="33">
+                  <c:v>47.643256438601803</c:v>
+                </c:pt>
+                <c:pt idx="34">
+                  <c:v>49.044528716209399</c:v>
+                </c:pt>
+                <c:pt idx="35">
+                  <c:v>50.445800993813698</c:v>
+                </c:pt>
+                <c:pt idx="36">
+                  <c:v>51.847073271419603</c:v>
+                </c:pt>
+                <c:pt idx="37">
+                  <c:v>53.248345549039797</c:v>
+                </c:pt>
+                <c:pt idx="38">
+                  <c:v>54.649617826631498</c:v>
+                </c:pt>
+                <c:pt idx="39">
+                  <c:v>56.050890104237403</c:v>
+                </c:pt>
+                <c:pt idx="40">
+                  <c:v>57.4521623818408</c:v>
+                </c:pt>
+                <c:pt idx="41">
+                  <c:v>60.051528992756097</c:v>
+                </c:pt>
+                <c:pt idx="42">
+                  <c:v>60.254706937060398</c:v>
+                </c:pt>
+                <c:pt idx="43">
+                  <c:v>61.655979214661201</c:v>
+                </c:pt>
+                <c:pt idx="44">
+                  <c:v>63.057251492267099</c:v>
+                </c:pt>
+                <c:pt idx="45">
+                  <c:v>64.458523769872798</c:v>
+                </c:pt>
+                <c:pt idx="46">
+                  <c:v>65.859796047478994</c:v>
+                </c:pt>
+                <c:pt idx="47">
+                  <c:v>67.261068325084693</c:v>
+                </c:pt>
+                <c:pt idx="48">
+                  <c:v>68.662340602690193</c:v>
+                </c:pt>
+                <c:pt idx="49">
+                  <c:v>70.849386905519907</c:v>
+                </c:pt>
+                <c:pt idx="50">
+                  <c:v>71.4648851579027</c:v>
+                </c:pt>
+                <c:pt idx="51">
+                  <c:v>72.866157435508697</c:v>
+                </c:pt>
+                <c:pt idx="52">
+                  <c:v>74.267429713114595</c:v>
+                </c:pt>
+                <c:pt idx="53">
+                  <c:v>75.668701990720507</c:v>
+                </c:pt>
+                <c:pt idx="54">
+                  <c:v>77.069974268393395</c:v>
+                </c:pt>
+                <c:pt idx="55">
+                  <c:v>78.471246545937007</c:v>
+                </c:pt>
+                <c:pt idx="56">
+                  <c:v>79.8725188235384</c:v>
+                </c:pt>
+                <c:pt idx="57">
+                  <c:v>81.273791101144297</c:v>
+                </c:pt>
+                <c:pt idx="58">
+                  <c:v>82.675063378750195</c:v>
+                </c:pt>
+                <c:pt idx="59">
+                  <c:v>84.076335656356093</c:v>
+                </c:pt>
+                <c:pt idx="60">
+                  <c:v>85.477607933961906</c:v>
+                </c:pt>
+                <c:pt idx="61">
+                  <c:v>86.878880211568003</c:v>
+                </c:pt>
+                <c:pt idx="62">
+                  <c:v>88.280152489174</c:v>
+                </c:pt>
+                <c:pt idx="63">
+                  <c:v>89.681424766779799</c:v>
+                </c:pt>
+                <c:pt idx="64">
+                  <c:v>91.082697044385995</c:v>
+                </c:pt>
+                <c:pt idx="65">
+                  <c:v>92.483969321991793</c:v>
+                </c:pt>
+                <c:pt idx="66">
+                  <c:v>93.885241599597705</c:v>
+                </c:pt>
+                <c:pt idx="67">
+                  <c:v>95.286513877203205</c:v>
+                </c:pt>
+                <c:pt idx="68">
+                  <c:v>96.687786154809601</c:v>
+                </c:pt>
+                <c:pt idx="69">
+                  <c:v>98.089058432415499</c:v>
+                </c:pt>
+                <c:pt idx="70">
+                  <c:v>99.490330710021496</c:v>
+                </c:pt>
+                <c:pt idx="71">
+                  <c:v>100.891602987627</c:v>
+                </c:pt>
+                <c:pt idx="72">
+                  <c:v>102.29287526523299</c:v>
+                </c:pt>
+                <c:pt idx="73">
+                  <c:v>103.694147542839</c:v>
+                </c:pt>
+                <c:pt idx="74">
+                  <c:v>105.095419820445</c:v>
+                </c:pt>
+                <c:pt idx="75">
+                  <c:v>106.496692098051</c:v>
+                </c:pt>
+                <c:pt idx="76">
+                  <c:v>107.897964375657</c:v>
+                </c:pt>
+                <c:pt idx="77">
+                  <c:v>109.29923665326299</c:v>
+                </c:pt>
+                <c:pt idx="78">
+                  <c:v>110.700508930868</c:v>
+                </c:pt>
+                <c:pt idx="79">
+                  <c:v>112.10178120847399</c:v>
+                </c:pt>
+                <c:pt idx="80">
+                  <c:v>113.50305348608001</c:v>
+                </c:pt>
+                <c:pt idx="81">
+                  <c:v>114.904325763686</c:v>
+                </c:pt>
+                <c:pt idx="82">
+                  <c:v>116.305598041292</c:v>
+                </c:pt>
+                <c:pt idx="83">
+                  <c:v>117.706870318898</c:v>
+                </c:pt>
+                <c:pt idx="84">
+                  <c:v>119.108142596504</c:v>
+                </c:pt>
+                <c:pt idx="85">
+                  <c:v>120.50941487411001</c:v>
+                </c:pt>
+                <c:pt idx="86">
+                  <c:v>121.910687151716</c:v>
+                </c:pt>
+                <c:pt idx="87">
+                  <c:v>123.311959429322</c:v>
+                </c:pt>
+                <c:pt idx="88">
+                  <c:v>124.713231706928</c:v>
+                </c:pt>
+                <c:pt idx="89">
+                  <c:v>126.114503984534</c:v>
+                </c:pt>
+                <c:pt idx="90">
+                  <c:v>127.51577626213999</c:v>
+                </c:pt>
+                <c:pt idx="91">
+                  <c:v>128.91704853974599</c:v>
+                </c:pt>
+                <c:pt idx="92">
+                  <c:v>130.318320817352</c:v>
+                </c:pt>
+                <c:pt idx="93">
+                  <c:v>131.71959309495799</c:v>
+                </c:pt>
+                <c:pt idx="94">
+                  <c:v>133.120865372564</c:v>
+                </c:pt>
+                <c:pt idx="95">
+                  <c:v>134.52213765016899</c:v>
+                </c:pt>
+                <c:pt idx="96">
+                  <c:v>135.923409927775</c:v>
+                </c:pt>
+                <c:pt idx="97">
+                  <c:v>137.32468220538101</c:v>
+                </c:pt>
+                <c:pt idx="98">
+                  <c:v>138.72595448298699</c:v>
+                </c:pt>
+              </c:numCache>
+            </c:numRef>
+          </c:xVal>
+          <c:yVal>
+            <c:numRef>
+              <c:f>Results!$AP$3:$AP$102</c:f>
+              <c:numCache>
+                <c:formatCode>General</c:formatCode>
+                <c:ptCount val="100"/>
+                <c:pt idx="0">
+                  <c:v>1</c:v>
+                </c:pt>
+                <c:pt idx="1">
+                  <c:v>1</c:v>
+                </c:pt>
+                <c:pt idx="2">
+                  <c:v>1</c:v>
+                </c:pt>
+                <c:pt idx="3">
+                  <c:v>1</c:v>
+                </c:pt>
+                <c:pt idx="4">
+                  <c:v>1</c:v>
+                </c:pt>
+                <c:pt idx="5">
+                  <c:v>1</c:v>
+                </c:pt>
+                <c:pt idx="6">
+                  <c:v>1</c:v>
+                </c:pt>
+                <c:pt idx="7">
+                  <c:v>1</c:v>
+                </c:pt>
+                <c:pt idx="8">
+                  <c:v>1</c:v>
+                </c:pt>
+                <c:pt idx="9">
+                  <c:v>1</c:v>
+                </c:pt>
+                <c:pt idx="10">
+                  <c:v>1</c:v>
+                </c:pt>
+                <c:pt idx="11">
+                  <c:v>1</c:v>
+                </c:pt>
+                <c:pt idx="12">
+                  <c:v>1</c:v>
+                </c:pt>
+                <c:pt idx="13">
+                  <c:v>1</c:v>
+                </c:pt>
+                <c:pt idx="14">
+                  <c:v>1</c:v>
+                </c:pt>
+                <c:pt idx="15">
+                  <c:v>1</c:v>
+                </c:pt>
+                <c:pt idx="16">
+                  <c:v>1</c:v>
+                </c:pt>
+                <c:pt idx="17">
+                  <c:v>1</c:v>
+                </c:pt>
+                <c:pt idx="18">
+                  <c:v>1</c:v>
+                </c:pt>
+                <c:pt idx="19">
+                  <c:v>1</c:v>
+                </c:pt>
+                <c:pt idx="20">
+                  <c:v>1</c:v>
+                </c:pt>
+                <c:pt idx="21">
+                  <c:v>1</c:v>
+                </c:pt>
+                <c:pt idx="22">
+                  <c:v>1</c:v>
+                </c:pt>
+                <c:pt idx="23">
+                  <c:v>1</c:v>
+                </c:pt>
+                <c:pt idx="24">
+                  <c:v>1</c:v>
+                </c:pt>
+                <c:pt idx="25">
+                  <c:v>1</c:v>
+                </c:pt>
+                <c:pt idx="26">
+                  <c:v>1</c:v>
+                </c:pt>
+                <c:pt idx="27">
+                  <c:v>1</c:v>
+                </c:pt>
+                <c:pt idx="28">
+                  <c:v>1</c:v>
+                </c:pt>
+                <c:pt idx="29">
+                  <c:v>1</c:v>
+                </c:pt>
+                <c:pt idx="30">
+                  <c:v>1</c:v>
+                </c:pt>
+                <c:pt idx="31">
+                  <c:v>1</c:v>
+                </c:pt>
+                <c:pt idx="32">
+                  <c:v>1</c:v>
+                </c:pt>
+                <c:pt idx="33">
+                  <c:v>1</c:v>
+                </c:pt>
+                <c:pt idx="34">
+                  <c:v>1</c:v>
+                </c:pt>
+                <c:pt idx="35">
+                  <c:v>1</c:v>
+                </c:pt>
+                <c:pt idx="36">
+                  <c:v>1</c:v>
+                </c:pt>
+                <c:pt idx="37">
+                  <c:v>1</c:v>
+                </c:pt>
+                <c:pt idx="38">
+                  <c:v>1</c:v>
+                </c:pt>
+                <c:pt idx="39">
+                  <c:v>1</c:v>
+                </c:pt>
+                <c:pt idx="40">
+                  <c:v>1</c:v>
+                </c:pt>
+                <c:pt idx="41">
+                  <c:v>1</c:v>
+                </c:pt>
+                <c:pt idx="42">
+                  <c:v>1</c:v>
+                </c:pt>
+                <c:pt idx="43">
+                  <c:v>1</c:v>
+                </c:pt>
+                <c:pt idx="44">
+                  <c:v>1</c:v>
+                </c:pt>
+                <c:pt idx="45">
+                  <c:v>1</c:v>
+                </c:pt>
+                <c:pt idx="46">
+                  <c:v>1</c:v>
+                </c:pt>
+                <c:pt idx="47">
+                  <c:v>1</c:v>
+                </c:pt>
+                <c:pt idx="48">
+                  <c:v>1</c:v>
+                </c:pt>
+                <c:pt idx="49">
+                  <c:v>1</c:v>
+                </c:pt>
+                <c:pt idx="50">
+                  <c:v>1</c:v>
+                </c:pt>
+                <c:pt idx="51">
+                  <c:v>1</c:v>
+                </c:pt>
+                <c:pt idx="52">
+                  <c:v>1</c:v>
+                </c:pt>
+                <c:pt idx="53">
+                  <c:v>1</c:v>
+                </c:pt>
+                <c:pt idx="54">
+                  <c:v>1</c:v>
+                </c:pt>
+                <c:pt idx="55">
+                  <c:v>1</c:v>
+                </c:pt>
+                <c:pt idx="56">
+                  <c:v>1</c:v>
+                </c:pt>
+                <c:pt idx="57">
+                  <c:v>1</c:v>
+                </c:pt>
+                <c:pt idx="58">
+                  <c:v>1</c:v>
+                </c:pt>
+                <c:pt idx="59">
+                  <c:v>1</c:v>
+                </c:pt>
+                <c:pt idx="60">
+                  <c:v>0.99999999999999978</c:v>
+                </c:pt>
+                <c:pt idx="61">
+                  <c:v>0.99999999999999811</c:v>
+                </c:pt>
+                <c:pt idx="62">
+                  <c:v>0.99999999999999178</c:v>
+                </c:pt>
+                <c:pt idx="63">
+                  <c:v>0.99999999999973055</c:v>
+                </c:pt>
+                <c:pt idx="64">
+                  <c:v>0.99999999999883837</c:v>
+                </c:pt>
+                <c:pt idx="65">
+                  <c:v>0.99999999998541977</c:v>
+                </c:pt>
+                <c:pt idx="66">
+                  <c:v>0.99999999913031856</c:v>
+                </c:pt>
+                <c:pt idx="67">
+                  <c:v>0.99999999422208719</c:v>
+                </c:pt>
+                <c:pt idx="68">
+                  <c:v>0.99999992810292504</c:v>
+                </c:pt>
+                <c:pt idx="69">
+                  <c:v>0.99999984765726768</c:v>
+                </c:pt>
+                <c:pt idx="70">
+                  <c:v>0.99999968885454116</c:v>
+                </c:pt>
+                <c:pt idx="71">
+                  <c:v>0.99999930137902771</c:v>
+                </c:pt>
+                <c:pt idx="72">
+                  <c:v>0.99999781130330645</c:v>
+                </c:pt>
+                <c:pt idx="73">
+                  <c:v>0.99998563036528787</c:v>
+                </c:pt>
+                <c:pt idx="74">
+                  <c:v>0.9999728077312835</c:v>
+                </c:pt>
+                <c:pt idx="75">
+                  <c:v>0.99992821563043999</c:v>
+                </c:pt>
+                <c:pt idx="76">
+                  <c:v>0.9996661767969468</c:v>
+                </c:pt>
+                <c:pt idx="77">
+                  <c:v>0.99945269221062671</c:v>
+                </c:pt>
+                <c:pt idx="78">
+                  <c:v>0.99917498251279235</c:v>
+                </c:pt>
+                <c:pt idx="79">
+                  <c:v>0.99852708592404549</c:v>
+                </c:pt>
+                <c:pt idx="80">
+                  <c:v>0.99715854077304389</c:v>
+                </c:pt>
+                <c:pt idx="81">
+                  <c:v>0.99498113052219239</c:v>
+                </c:pt>
+                <c:pt idx="82">
+                  <c:v>0.99200633218876488</c:v>
+                </c:pt>
+                <c:pt idx="83">
+                  <c:v>0.98408542626545137</c:v>
+                </c:pt>
+                <c:pt idx="84">
+                  <c:v>0.96176775036679008</c:v>
+                </c:pt>
+                <c:pt idx="85">
+                  <c:v>0.95502280297267117</c:v>
+                </c:pt>
+                <c:pt idx="86">
+                  <c:v>0.93424044188552935</c:v>
+                </c:pt>
+                <c:pt idx="87">
+                  <c:v>0.91156466776978273</c:v>
+                </c:pt>
+                <c:pt idx="88">
+                  <c:v>0.8858993267253531</c:v>
+                </c:pt>
+                <c:pt idx="89">
+                  <c:v>0.84255057041307757</c:v>
+                </c:pt>
+                <c:pt idx="90">
+                  <c:v>0.79159915672719605</c:v>
+                </c:pt>
+                <c:pt idx="91">
+                  <c:v>0.7346778409130178</c:v>
+                </c:pt>
+                <c:pt idx="92">
+                  <c:v>0.57091188022394546</c:v>
+                </c:pt>
+                <c:pt idx="93">
+                  <c:v>0.5197842491820921</c:v>
+                </c:pt>
+                <c:pt idx="94">
+                  <c:v>0.43069872995654745</c:v>
+                </c:pt>
+                <c:pt idx="95">
+                  <c:v>0.34642527407178264</c:v>
+                </c:pt>
+                <c:pt idx="96">
+                  <c:v>0.27586759773037084</c:v>
+                </c:pt>
+                <c:pt idx="97">
+                  <c:v>0.21725442976840392</c:v>
+                </c:pt>
+                <c:pt idx="98">
+                  <c:v>0.17228835945738596</c:v>
+                </c:pt>
+              </c:numCache>
+            </c:numRef>
+          </c:yVal>
+          <c:smooth val="0"/>
+          <c:extLst>
+            <c:ext xmlns:c16="http://schemas.microsoft.com/office/drawing/2014/chart" uri="{C3380CC4-5D6E-409C-BE32-E72D297353CC}">
+              <c16:uniqueId val="{00000003-AF87-4A83-BC9B-4CE219E1A821}"/>
+            </c:ext>
+          </c:extLst>
+        </c:ser>
+        <c:ser>
+          <c:idx val="8"/>
+          <c:order val="4"/>
+          <c:tx>
+            <c:v>5 Changes</c:v>
+          </c:tx>
+          <c:spPr>
+            <a:ln w="22225">
+              <a:solidFill>
+                <a:schemeClr val="accent6"/>
+              </a:solidFill>
+            </a:ln>
+          </c:spPr>
+          <c:marker>
+            <c:symbol val="circle"/>
+            <c:size val="5"/>
+            <c:spPr>
+              <a:solidFill>
+                <a:schemeClr val="accent6"/>
+              </a:solidFill>
+              <a:ln>
+                <a:solidFill>
+                  <a:schemeClr val="accent6"/>
+                </a:solidFill>
+              </a:ln>
+            </c:spPr>
+          </c:marker>
+          <c:xVal>
+            <c:numRef>
+              <c:f>Results!$AR$3:$AR$101</c:f>
+              <c:numCache>
+                <c:formatCode>General</c:formatCode>
+                <c:ptCount val="99"/>
+                <c:pt idx="0">
+                  <c:v>7.6253979245459202</c:v>
+                </c:pt>
+                <c:pt idx="1">
+                  <c:v>7.6253979245368297</c:v>
+                </c:pt>
+                <c:pt idx="2">
+                  <c:v>7.6253979245459202</c:v>
+                </c:pt>
+                <c:pt idx="3">
+                  <c:v>7.6253979245459398</c:v>
+                </c:pt>
+                <c:pt idx="4">
+                  <c:v>7.6253979245414296</c:v>
+                </c:pt>
+                <c:pt idx="5">
+                  <c:v>10.797857912779399</c:v>
+                </c:pt>
+                <c:pt idx="6">
+                  <c:v>10.797857912779399</c:v>
+                </c:pt>
+                <c:pt idx="7">
+                  <c:v>11.246727993872</c:v>
+                </c:pt>
+                <c:pt idx="8">
+                  <c:v>15.425928827139</c:v>
+                </c:pt>
+                <c:pt idx="9">
+                  <c:v>15.425928827061499</c:v>
+                </c:pt>
+                <c:pt idx="10">
+                  <c:v>18.423255837322699</c:v>
+                </c:pt>
+                <c:pt idx="11">
+                  <c:v>18.423255837324501</c:v>
+                </c:pt>
+                <c:pt idx="12">
+                  <c:v>18.423255837320099</c:v>
+                </c:pt>
+                <c:pt idx="13">
+                  <c:v>19.6817747392741</c:v>
+                </c:pt>
+                <c:pt idx="14">
+                  <c:v>23.051326751600001</c:v>
+                </c:pt>
+                <c:pt idx="15">
+                  <c:v>23.051326751592701</c:v>
+                </c:pt>
+                <c:pt idx="16">
+                  <c:v>23.8992981119763</c:v>
+                </c:pt>
+                <c:pt idx="17">
+                  <c:v>25.305139236210302</c:v>
+                </c:pt>
+                <c:pt idx="18">
+                  <c:v>26.7109803604442</c:v>
+                </c:pt>
+                <c:pt idx="19">
+                  <c:v>28.1168214846778</c:v>
+                </c:pt>
+                <c:pt idx="20">
+                  <c:v>35.297288614920198</c:v>
+                </c:pt>
+                <c:pt idx="21">
+                  <c:v>35.297288614914102</c:v>
+                </c:pt>
+                <c:pt idx="22">
+                  <c:v>35.297288614862197</c:v>
+                </c:pt>
+                <c:pt idx="23">
+                  <c:v>35.297288629146998</c:v>
+                </c:pt>
+                <c:pt idx="24">
+                  <c:v>35.2972886149199</c:v>
+                </c:pt>
+                <c:pt idx="25">
+                  <c:v>36.551868230081197</c:v>
+                </c:pt>
+                <c:pt idx="26">
+                  <c:v>37.957709370259103</c:v>
+                </c:pt>
+                <c:pt idx="27">
+                  <c:v>39.363550493207697</c:v>
+                </c:pt>
+                <c:pt idx="28">
+                  <c:v>40.769391748093902</c:v>
+                </c:pt>
+                <c:pt idx="29">
+                  <c:v>42.175232741659599</c:v>
+                </c:pt>
+                <c:pt idx="30">
+                  <c:v>46.095146527691497</c:v>
+                </c:pt>
+                <c:pt idx="31">
+                  <c:v>46.0951465276978</c:v>
+                </c:pt>
+                <c:pt idx="32">
+                  <c:v>46.392756099718703</c:v>
+                </c:pt>
+                <c:pt idx="33">
+                  <c:v>47.798597223952598</c:v>
+                </c:pt>
+                <c:pt idx="34">
+                  <c:v>49.2044383481865</c:v>
+                </c:pt>
+                <c:pt idx="35">
+                  <c:v>50.610279491513403</c:v>
+                </c:pt>
+                <c:pt idx="36">
+                  <c:v>52.016120596654297</c:v>
+                </c:pt>
+                <c:pt idx="37">
+                  <c:v>53.421961720888198</c:v>
+                </c:pt>
+                <c:pt idx="38">
+                  <c:v>54.8278028451221</c:v>
+                </c:pt>
+                <c:pt idx="39">
+                  <c:v>56.233643969356002</c:v>
+                </c:pt>
+                <c:pt idx="40">
+                  <c:v>57.639485093589897</c:v>
+                </c:pt>
+                <c:pt idx="41">
+                  <c:v>59.045326217823799</c:v>
+                </c:pt>
+                <c:pt idx="42">
+                  <c:v>60.451167342057701</c:v>
+                </c:pt>
+                <c:pt idx="43">
+                  <c:v>61.857008466291603</c:v>
+                </c:pt>
+                <c:pt idx="44">
+                  <c:v>63.2628495905252</c:v>
+                </c:pt>
+                <c:pt idx="45">
+                  <c:v>64.668690714759407</c:v>
+                </c:pt>
+                <c:pt idx="46">
+                  <c:v>66.074531838993295</c:v>
+                </c:pt>
+                <c:pt idx="47">
+                  <c:v>67.480372963227197</c:v>
+                </c:pt>
+                <c:pt idx="48">
+                  <c:v>68.886214087461099</c:v>
+                </c:pt>
+                <c:pt idx="49">
+                  <c:v>70.292055211695001</c:v>
+                </c:pt>
+                <c:pt idx="50">
+                  <c:v>71.697896335928206</c:v>
+                </c:pt>
+                <c:pt idx="51">
+                  <c:v>73.103737460162804</c:v>
+                </c:pt>
+                <c:pt idx="52">
+                  <c:v>74.509578584396706</c:v>
+                </c:pt>
+                <c:pt idx="53">
+                  <c:v>75.915419708630594</c:v>
+                </c:pt>
+                <c:pt idx="54">
+                  <c:v>77.321260832864496</c:v>
+                </c:pt>
+                <c:pt idx="55">
+                  <c:v>78.727101957098</c:v>
+                </c:pt>
+                <c:pt idx="56">
+                  <c:v>80.132943081332201</c:v>
+                </c:pt>
+                <c:pt idx="57">
+                  <c:v>81.538784205566202</c:v>
+                </c:pt>
+                <c:pt idx="58">
+                  <c:v>82.944625329800104</c:v>
+                </c:pt>
+                <c:pt idx="59">
+                  <c:v>84.350466454033906</c:v>
+                </c:pt>
+                <c:pt idx="60">
+                  <c:v>85.756307578267894</c:v>
+                </c:pt>
+                <c:pt idx="61">
+                  <c:v>87.162148702501796</c:v>
+                </c:pt>
+                <c:pt idx="62">
+                  <c:v>88.567989826735698</c:v>
+                </c:pt>
+                <c:pt idx="63">
+                  <c:v>89.973830950969699</c:v>
+                </c:pt>
+                <c:pt idx="64">
+                  <c:v>91.379672075203601</c:v>
+                </c:pt>
+                <c:pt idx="65">
+                  <c:v>92.785513199437602</c:v>
+                </c:pt>
+                <c:pt idx="66">
+                  <c:v>94.191354323671405</c:v>
+                </c:pt>
+                <c:pt idx="67">
+                  <c:v>95.597195447905307</c:v>
+                </c:pt>
+                <c:pt idx="68">
+                  <c:v>97.003036572138996</c:v>
+                </c:pt>
+                <c:pt idx="69">
+                  <c:v>98.408877696373096</c:v>
+                </c:pt>
+                <c:pt idx="70">
+                  <c:v>99.814718820606998</c:v>
+                </c:pt>
+                <c:pt idx="71">
+                  <c:v>101.220559944841</c:v>
+                </c:pt>
+                <c:pt idx="72">
+                  <c:v>102.62640106907401</c:v>
+                </c:pt>
+                <c:pt idx="73">
+                  <c:v>104.03224219330799</c:v>
+                </c:pt>
+                <c:pt idx="74">
+                  <c:v>105.438083317542</c:v>
+                </c:pt>
+                <c:pt idx="75">
+                  <c:v>106.843924441776</c:v>
+                </c:pt>
+                <c:pt idx="76">
+                  <c:v>108.24976556601</c:v>
+                </c:pt>
+                <c:pt idx="77">
+                  <c:v>109.655606690244</c:v>
+                </c:pt>
+                <c:pt idx="78">
+                  <c:v>111.061447814478</c:v>
+                </c:pt>
+                <c:pt idx="79">
+                  <c:v>112.467288938712</c:v>
+                </c:pt>
+                <c:pt idx="80">
+                  <c:v>113.87313006294499</c:v>
+                </c:pt>
+                <c:pt idx="81">
+                  <c:v>115.278971187179</c:v>
+                </c:pt>
+                <c:pt idx="82">
+                  <c:v>116.684812311413</c:v>
+                </c:pt>
+                <c:pt idx="83">
+                  <c:v>118.090653435647</c:v>
+                </c:pt>
+                <c:pt idx="84">
+                  <c:v>119.496494559881</c:v>
+                </c:pt>
+                <c:pt idx="85">
+                  <c:v>120.902335684115</c:v>
+                </c:pt>
+                <c:pt idx="86">
+                  <c:v>122.308176808349</c:v>
+                </c:pt>
+                <c:pt idx="87">
+                  <c:v>123.714017932583</c:v>
+                </c:pt>
+                <c:pt idx="88">
+                  <c:v>125.11985905681701</c:v>
+                </c:pt>
+                <c:pt idx="89">
+                  <c:v>126.52570018105099</c:v>
+                </c:pt>
+                <c:pt idx="90">
+                  <c:v>127.931541305284</c:v>
+                </c:pt>
+                <c:pt idx="91">
+                  <c:v>129.33738242951799</c:v>
+                </c:pt>
+                <c:pt idx="92">
+                  <c:v>130.74322355375301</c:v>
+                </c:pt>
+                <c:pt idx="93">
+                  <c:v>132.14906467798599</c:v>
+                </c:pt>
+                <c:pt idx="94">
+                  <c:v>133.55490580221999</c:v>
+                </c:pt>
+                <c:pt idx="95">
+                  <c:v>134.96074692645399</c:v>
+                </c:pt>
+                <c:pt idx="96">
+                  <c:v>136.36658805068799</c:v>
+                </c:pt>
+                <c:pt idx="97">
+                  <c:v>137.772429174922</c:v>
+                </c:pt>
+                <c:pt idx="98">
+                  <c:v>139.178270299156</c:v>
+                </c:pt>
+              </c:numCache>
+            </c:numRef>
+          </c:xVal>
+          <c:yVal>
+            <c:numRef>
+              <c:f>Results!$AT$3:$AT$101</c:f>
+              <c:numCache>
+                <c:formatCode>General</c:formatCode>
+                <c:ptCount val="99"/>
+                <c:pt idx="0">
+                  <c:v>1</c:v>
+                </c:pt>
+                <c:pt idx="1">
+                  <c:v>1</c:v>
+                </c:pt>
+                <c:pt idx="2">
+                  <c:v>1</c:v>
+                </c:pt>
+                <c:pt idx="3">
+                  <c:v>1</c:v>
+                </c:pt>
+                <c:pt idx="4">
+                  <c:v>1</c:v>
+                </c:pt>
+                <c:pt idx="5">
+                  <c:v>1</c:v>
+                </c:pt>
+                <c:pt idx="6">
+                  <c:v>1</c:v>
+                </c:pt>
+                <c:pt idx="7">
+                  <c:v>1</c:v>
+                </c:pt>
+                <c:pt idx="8">
+                  <c:v>1</c:v>
+                </c:pt>
+                <c:pt idx="9">
+                  <c:v>1</c:v>
+                </c:pt>
+                <c:pt idx="10">
+                  <c:v>1</c:v>
+                </c:pt>
+                <c:pt idx="11">
+                  <c:v>1</c:v>
+                </c:pt>
+                <c:pt idx="12">
+                  <c:v>1</c:v>
+                </c:pt>
+                <c:pt idx="13">
+                  <c:v>1</c:v>
+                </c:pt>
+                <c:pt idx="14">
+                  <c:v>1</c:v>
+                </c:pt>
+                <c:pt idx="15">
+                  <c:v>1</c:v>
+                </c:pt>
+                <c:pt idx="16">
+                  <c:v>1</c:v>
+                </c:pt>
+                <c:pt idx="17">
+                  <c:v>1</c:v>
+                </c:pt>
+                <c:pt idx="18">
+                  <c:v>1</c:v>
+                </c:pt>
+                <c:pt idx="19">
+                  <c:v>1</c:v>
+                </c:pt>
+                <c:pt idx="20">
+                  <c:v>1</c:v>
+                </c:pt>
+                <c:pt idx="21">
+                  <c:v>1</c:v>
+                </c:pt>
+                <c:pt idx="22">
+                  <c:v>1</c:v>
+                </c:pt>
+                <c:pt idx="23">
+                  <c:v>1</c:v>
+                </c:pt>
+                <c:pt idx="24">
+                  <c:v>1</c:v>
+                </c:pt>
+                <c:pt idx="25">
+                  <c:v>1</c:v>
+                </c:pt>
+                <c:pt idx="26">
+                  <c:v>1</c:v>
+                </c:pt>
+                <c:pt idx="27">
+                  <c:v>1</c:v>
+                </c:pt>
+                <c:pt idx="28">
+                  <c:v>1</c:v>
+                </c:pt>
+                <c:pt idx="29">
+                  <c:v>1</c:v>
+                </c:pt>
+                <c:pt idx="30">
+                  <c:v>1</c:v>
+                </c:pt>
+                <c:pt idx="31">
+                  <c:v>1</c:v>
+                </c:pt>
+                <c:pt idx="32">
+                  <c:v>1</c:v>
+                </c:pt>
+                <c:pt idx="33">
+                  <c:v>1</c:v>
+                </c:pt>
+                <c:pt idx="34">
+                  <c:v>1</c:v>
+                </c:pt>
+                <c:pt idx="35">
+                  <c:v>1</c:v>
+                </c:pt>
+                <c:pt idx="36">
+                  <c:v>1</c:v>
+                </c:pt>
+                <c:pt idx="37">
+                  <c:v>1</c:v>
+                </c:pt>
+                <c:pt idx="38">
+                  <c:v>1</c:v>
+                </c:pt>
+                <c:pt idx="39">
+                  <c:v>1</c:v>
+                </c:pt>
+                <c:pt idx="40">
+                  <c:v>1</c:v>
+                </c:pt>
+                <c:pt idx="41">
+                  <c:v>1</c:v>
+                </c:pt>
+                <c:pt idx="42">
+                  <c:v>1</c:v>
+                </c:pt>
+                <c:pt idx="43">
+                  <c:v>1</c:v>
+                </c:pt>
+                <c:pt idx="44">
+                  <c:v>1</c:v>
+                </c:pt>
+                <c:pt idx="45">
+                  <c:v>1</c:v>
+                </c:pt>
+                <c:pt idx="46">
+                  <c:v>1</c:v>
+                </c:pt>
+                <c:pt idx="47">
+                  <c:v>1</c:v>
+                </c:pt>
+                <c:pt idx="48">
+                  <c:v>1</c:v>
+                </c:pt>
+                <c:pt idx="49">
+                  <c:v>1</c:v>
+                </c:pt>
+                <c:pt idx="50">
+                  <c:v>1</c:v>
+                </c:pt>
+                <c:pt idx="51">
+                  <c:v>1</c:v>
+                </c:pt>
+                <c:pt idx="52">
+                  <c:v>1</c:v>
+                </c:pt>
+                <c:pt idx="53">
+                  <c:v>1</c:v>
+                </c:pt>
+                <c:pt idx="54">
+                  <c:v>1</c:v>
+                </c:pt>
+                <c:pt idx="55">
+                  <c:v>1</c:v>
+                </c:pt>
+                <c:pt idx="56">
+                  <c:v>1</c:v>
+                </c:pt>
+                <c:pt idx="57">
+                  <c:v>1</c:v>
+                </c:pt>
+                <c:pt idx="58">
+                  <c:v>1</c:v>
+                </c:pt>
+                <c:pt idx="59">
+                  <c:v>1</c:v>
+                </c:pt>
+                <c:pt idx="60">
+                  <c:v>1</c:v>
+                </c:pt>
+                <c:pt idx="61">
+                  <c:v>1</c:v>
+                </c:pt>
+                <c:pt idx="62">
+                  <c:v>0.99999999999999589</c:v>
+                </c:pt>
+                <c:pt idx="63">
+                  <c:v>0.99999999999997824</c:v>
+                </c:pt>
+                <c:pt idx="64">
+                  <c:v>0.99999999999945999</c:v>
+                </c:pt>
+                <c:pt idx="65">
+                  <c:v>0.99999999998048938</c:v>
+                </c:pt>
+                <c:pt idx="66">
+                  <c:v>0.99999999954461438</c:v>
+                </c:pt>
+                <c:pt idx="67">
+                  <c:v>0.99999998842819393</c:v>
+                </c:pt>
+                <c:pt idx="68">
+                  <c:v>0.99999997218056513</c:v>
+                </c:pt>
+                <c:pt idx="69">
+                  <c:v>0.99999993616044036</c:v>
+                </c:pt>
+                <c:pt idx="70">
+                  <c:v>0.99999983869441722</c:v>
+                </c:pt>
+                <c:pt idx="71">
+                  <c:v>0.999999465459529</c:v>
+                </c:pt>
+                <c:pt idx="72">
+                  <c:v>0.99999724390067979</c:v>
+                </c:pt>
+                <c:pt idx="73">
+                  <c:v>0.99999274276656225</c:v>
+                </c:pt>
+                <c:pt idx="74">
+                  <c:v>0.99997901903235742</c:v>
+                </c:pt>
+                <c:pt idx="75">
+                  <c:v>0.99991439203382604</c:v>
+                </c:pt>
+                <c:pt idx="76">
+                  <c:v>0.99974850210155164</c:v>
+                </c:pt>
+                <c:pt idx="77">
+                  <c:v>0.99959660113500948</c:v>
+                </c:pt>
+                <c:pt idx="78">
+                  <c:v>0.99923556912778688</c:v>
+                </c:pt>
+                <c:pt idx="79">
+                  <c:v>0.99843972453942975</c:v>
+                </c:pt>
+                <c:pt idx="80">
+                  <c:v>0.99705830259698258</c:v>
+                </c:pt>
+                <c:pt idx="81">
+                  <c:v>0.99508503176753582</c:v>
+                </c:pt>
+                <c:pt idx="82">
+                  <c:v>0.99086249483761069</c:v>
+                </c:pt>
+                <c:pt idx="83">
+                  <c:v>0.97960926322281172</c:v>
+                </c:pt>
+                <c:pt idx="84">
+                  <c:v>0.96641823374816727</c:v>
+                </c:pt>
+                <c:pt idx="85">
+                  <c:v>0.9517740106071656</c:v>
+                </c:pt>
+                <c:pt idx="86">
+                  <c:v>0.93000244849267688</c:v>
+                </c:pt>
+                <c:pt idx="87">
+                  <c:v>0.90861904237088287</c:v>
+                </c:pt>
+                <c:pt idx="88">
+                  <c:v>0.87376858447078531</c:v>
+                </c:pt>
+                <c:pt idx="89">
+                  <c:v>0.82751385964322499</c:v>
+                </c:pt>
+                <c:pt idx="90">
+                  <c:v>0.77388061263336483</c:v>
+                </c:pt>
+                <c:pt idx="91">
+                  <c:v>0.72470132316648994</c:v>
+                </c:pt>
+                <c:pt idx="92">
+                  <c:v>0.57609362439390233</c:v>
+                </c:pt>
+                <c:pt idx="93">
+                  <c:v>0.5116443936201801</c:v>
+                </c:pt>
+                <c:pt idx="94">
+                  <c:v>0.44269332010845375</c:v>
+                </c:pt>
+                <c:pt idx="95">
+                  <c:v>0.37753139250901557</c:v>
+                </c:pt>
+                <c:pt idx="96">
+                  <c:v>0.31802857646843041</c:v>
+                </c:pt>
+                <c:pt idx="97">
+                  <c:v>0.23852891533655229</c:v>
+                </c:pt>
+                <c:pt idx="98">
+                  <c:v>0.16516754569179715</c:v>
+                </c:pt>
+              </c:numCache>
+            </c:numRef>
+          </c:yVal>
+          <c:smooth val="0"/>
+          <c:extLst>
+            <c:ext xmlns:c16="http://schemas.microsoft.com/office/drawing/2014/chart" uri="{C3380CC4-5D6E-409C-BE32-E72D297353CC}">
+              <c16:uniqueId val="{00000004-AF87-4A83-BC9B-4CE219E1A821}"/>
+            </c:ext>
+          </c:extLst>
+        </c:ser>
+        <c:dLbls>
+          <c:showLegendKey val="0"/>
+          <c:showVal val="0"/>
+          <c:showCatName val="0"/>
+          <c:showSerName val="0"/>
+          <c:showPercent val="0"/>
+          <c:showBubbleSize val="0"/>
+        </c:dLbls>
+        <c:axId val="545065824"/>
+        <c:axId val="545064512"/>
+        <c:extLst/>
+      </c:scatterChart>
+      <c:valAx>
+        <c:axId val="545065824"/>
+        <c:scaling>
+          <c:orientation val="minMax"/>
+          <c:max val="140"/>
+          <c:min val="100"/>
+        </c:scaling>
+        <c:delete val="0"/>
+        <c:axPos val="b"/>
+        <c:majorGridlines>
+          <c:spPr>
+            <a:ln w="9525" cap="flat" cmpd="sng" algn="ctr">
+              <a:solidFill>
+                <a:schemeClr val="tx1">
+                  <a:lumMod val="15000"/>
+                  <a:lumOff val="85000"/>
+                </a:schemeClr>
+              </a:solidFill>
+              <a:round/>
+            </a:ln>
+            <a:effectLst/>
+          </c:spPr>
+        </c:majorGridlines>
+        <c:title>
+          <c:tx>
+            <c:rich>
+              <a:bodyPr/>
+              <a:lstStyle/>
+              <a:p>
+                <a:pPr>
+                  <a:defRPr sz="1800"/>
+                </a:pPr>
+                <a:r>
+                  <a:rPr lang="nb-NO" sz="1800"/>
+                  <a:t>Oil Output [Sm3/h]</a:t>
+                </a:r>
+              </a:p>
+            </c:rich>
+          </c:tx>
+          <c:layout/>
+          <c:overlay val="0"/>
+        </c:title>
+        <c:numFmt formatCode="General" sourceLinked="1"/>
+        <c:majorTickMark val="none"/>
+        <c:minorTickMark val="none"/>
+        <c:tickLblPos val="nextTo"/>
+        <c:spPr>
+          <a:noFill/>
+          <a:ln w="9525" cap="flat" cmpd="sng" algn="ctr">
+            <a:solidFill>
+              <a:schemeClr val="tx1">
+                <a:lumMod val="25000"/>
+                <a:lumOff val="75000"/>
+              </a:schemeClr>
+            </a:solidFill>
+            <a:round/>
+          </a:ln>
+          <a:effectLst/>
+        </c:spPr>
+        <c:txPr>
+          <a:bodyPr rot="-60000000" spcFirstLastPara="1" vertOverflow="ellipsis" vert="horz" wrap="square" anchor="ctr" anchorCtr="1"/>
+          <a:lstStyle/>
+          <a:p>
+            <a:pPr>
+              <a:defRPr sz="1800" b="0" i="0" u="none" strike="noStrike" kern="1200" baseline="0">
+                <a:solidFill>
+                  <a:schemeClr val="tx1">
+                    <a:lumMod val="65000"/>
+                    <a:lumOff val="35000"/>
+                  </a:schemeClr>
+                </a:solidFill>
+                <a:latin typeface="+mn-lt"/>
+                <a:ea typeface="+mn-ea"/>
+                <a:cs typeface="+mn-cs"/>
+              </a:defRPr>
+            </a:pPr>
+            <a:endParaRPr lang="nb-NO"/>
+          </a:p>
+        </c:txPr>
+        <c:crossAx val="545064512"/>
+        <c:crosses val="autoZero"/>
+        <c:crossBetween val="midCat"/>
+      </c:valAx>
+      <c:valAx>
+        <c:axId val="545064512"/>
+        <c:scaling>
+          <c:orientation val="minMax"/>
+          <c:max val="1.05"/>
+          <c:min val="0"/>
+        </c:scaling>
+        <c:delete val="0"/>
+        <c:axPos val="l"/>
+        <c:majorGridlines>
+          <c:spPr>
+            <a:ln w="9525" cap="flat" cmpd="sng" algn="ctr">
+              <a:solidFill>
+                <a:schemeClr val="tx1">
+                  <a:lumMod val="15000"/>
+                  <a:lumOff val="85000"/>
+                </a:schemeClr>
+              </a:solidFill>
+              <a:round/>
+            </a:ln>
+            <a:effectLst/>
+          </c:spPr>
+        </c:majorGridlines>
+        <c:title>
+          <c:tx>
+            <c:rich>
+              <a:bodyPr/>
+              <a:lstStyle/>
+              <a:p>
+                <a:pPr>
+                  <a:defRPr sz="1800"/>
+                </a:pPr>
+                <a:r>
+                  <a:rPr lang="nb-NO" sz="1800"/>
+                  <a:t>P(Feasible)</a:t>
+                </a:r>
+              </a:p>
+            </c:rich>
+          </c:tx>
+          <c:layout/>
+          <c:overlay val="0"/>
+        </c:title>
+        <c:numFmt formatCode="0%" sourceLinked="0"/>
+        <c:majorTickMark val="none"/>
+        <c:minorTickMark val="none"/>
+        <c:tickLblPos val="nextTo"/>
+        <c:spPr>
+          <a:noFill/>
+          <a:ln w="9525" cap="flat" cmpd="sng" algn="ctr">
+            <a:solidFill>
+              <a:schemeClr val="tx1">
+                <a:lumMod val="25000"/>
+                <a:lumOff val="75000"/>
+              </a:schemeClr>
+            </a:solidFill>
+            <a:round/>
+          </a:ln>
+          <a:effectLst/>
+        </c:spPr>
+        <c:txPr>
+          <a:bodyPr rot="-60000000" spcFirstLastPara="1" vertOverflow="ellipsis" vert="horz" wrap="square" anchor="ctr" anchorCtr="1"/>
+          <a:lstStyle/>
+          <a:p>
+            <a:pPr>
+              <a:defRPr sz="1800" b="0" i="0" u="none" strike="noStrike" kern="1200" baseline="0">
+                <a:solidFill>
+                  <a:schemeClr val="tx1">
+                    <a:lumMod val="65000"/>
+                    <a:lumOff val="35000"/>
+                  </a:schemeClr>
+                </a:solidFill>
+                <a:latin typeface="+mn-lt"/>
+                <a:ea typeface="+mn-ea"/>
+                <a:cs typeface="+mn-cs"/>
+              </a:defRPr>
+            </a:pPr>
+            <a:endParaRPr lang="nb-NO"/>
+          </a:p>
+        </c:txPr>
+        <c:crossAx val="545065824"/>
+        <c:crosses val="autoZero"/>
+        <c:crossBetween val="midCat"/>
+        <c:majorUnit val="0.1"/>
+      </c:valAx>
+    </c:plotArea>
+    <c:legend>
+      <c:legendPos val="b"/>
+      <c:layout/>
+      <c:overlay val="0"/>
+      <c:txPr>
+        <a:bodyPr/>
+        <a:lstStyle/>
+        <a:p>
+          <a:pPr>
+            <a:defRPr sz="1800"/>
+          </a:pPr>
+          <a:endParaRPr lang="nb-NO"/>
+        </a:p>
+      </c:txPr>
+    </c:legend>
+    <c:plotVisOnly val="1"/>
+    <c:dispBlanksAs val="gap"/>
+    <c:showDLblsOverMax val="0"/>
+  </c:chart>
+  <c:txPr>
+    <a:bodyPr/>
+    <a:lstStyle/>
+    <a:p>
+      <a:pPr>
+        <a:defRPr/>
+      </a:pPr>
+      <a:endParaRPr lang="nb-NO"/>
+    </a:p>
+  </c:txPr>
+  <c:externalData r:id="rId1">
+    <c:autoUpdate val="0"/>
+  </c:externalData>
+</c:chartSpace>
+</file>
+
+<file path=ppt/charts/chart11.xml><?xml version="1.0" encoding="utf-8"?>
+<c:chartSpace xmlns:c="http://schemas.openxmlformats.org/drawingml/2006/chart" xmlns:a="http://schemas.openxmlformats.org/drawingml/2006/main" xmlns:r="http://schemas.openxmlformats.org/officeDocument/2006/relationships" xmlns:c16r2="http://schemas.microsoft.com/office/drawing/2015/06/chart">
+  <c:date1904 val="0"/>
+  <c:lang val="en-US"/>
+  <c:roundedCorners val="0"/>
+  <mc:AlternateContent xmlns:mc="http://schemas.openxmlformats.org/markup-compatibility/2006">
+    <mc:Choice xmlns:c14="http://schemas.microsoft.com/office/drawing/2007/8/2/chart" Requires="c14">
+      <c14:style val="102"/>
+    </mc:Choice>
+    <mc:Fallback>
+      <c:style val="2"/>
+    </mc:Fallback>
+  </mc:AlternateContent>
+  <c:chart>
+    <c:title>
+      <c:tx>
+        <c:rich>
+          <a:bodyPr rot="0" spcFirstLastPara="1" vertOverflow="ellipsis" vert="horz" wrap="square" anchor="ctr" anchorCtr="1"/>
+          <a:lstStyle/>
+          <a:p>
+            <a:pPr>
+              <a:defRPr sz="2800" b="0" i="0" u="none" strike="noStrike" kern="1200" spc="0" baseline="0">
+                <a:solidFill>
+                  <a:schemeClr val="tx1">
+                    <a:lumMod val="65000"/>
+                    <a:lumOff val="35000"/>
+                  </a:schemeClr>
+                </a:solidFill>
+                <a:latin typeface="+mn-lt"/>
+                <a:ea typeface="+mn-ea"/>
+                <a:cs typeface="+mn-cs"/>
+              </a:defRPr>
+            </a:pPr>
+            <a:r>
+              <a:rPr lang="en-US" sz="2800"/>
+              <a:t>Case</a:t>
+            </a:r>
+            <a:r>
+              <a:rPr lang="en-US" sz="2800" baseline="0"/>
+              <a:t> B</a:t>
+            </a:r>
+            <a:endParaRPr lang="en-US" sz="2800"/>
+          </a:p>
+        </c:rich>
+      </c:tx>
+      <c:layout/>
+      <c:overlay val="0"/>
+      <c:spPr>
+        <a:noFill/>
+        <a:ln>
+          <a:noFill/>
+        </a:ln>
+        <a:effectLst/>
+      </c:spPr>
+    </c:title>
+    <c:autoTitleDeleted val="0"/>
+    <c:plotArea>
+      <c:layout>
+        <c:manualLayout>
+          <c:layoutTarget val="inner"/>
+          <c:xMode val="edge"/>
+          <c:yMode val="edge"/>
+          <c:x val="0.15256776531252178"/>
+          <c:y val="0.11001174964488014"/>
+          <c:w val="0.78150128272047792"/>
+          <c:h val="0.6742411077925603"/>
+        </c:manualLayout>
+      </c:layout>
+      <c:scatterChart>
+        <c:scatterStyle val="lineMarker"/>
+        <c:varyColors val="0"/>
+        <c:ser>
+          <c:idx val="1"/>
+          <c:order val="0"/>
+          <c:tx>
+            <c:v>1 Change</c:v>
+          </c:tx>
+          <c:spPr>
+            <a:ln w="22225">
+              <a:solidFill>
+                <a:schemeClr val="accent1"/>
+              </a:solidFill>
+            </a:ln>
+          </c:spPr>
+          <c:marker>
+            <c:symbol val="circle"/>
+            <c:size val="5"/>
+            <c:spPr>
+              <a:solidFill>
+                <a:schemeClr val="accent1"/>
+              </a:solidFill>
+              <a:ln>
+                <a:solidFill>
+                  <a:schemeClr val="accent1"/>
+                </a:solidFill>
+              </a:ln>
+            </c:spPr>
+          </c:marker>
+          <c:xVal>
+            <c:numRef>
+              <c:f>Results!$D$3:$D$101</c:f>
+              <c:numCache>
+                <c:formatCode>General</c:formatCode>
+                <c:ptCount val="99"/>
+                <c:pt idx="0">
+                  <c:v>98.913353648703094</c:v>
+                </c:pt>
+                <c:pt idx="1">
+                  <c:v>98.913353648703094</c:v>
+                </c:pt>
+                <c:pt idx="2">
+                  <c:v>98.913353648703094</c:v>
+                </c:pt>
+                <c:pt idx="3">
+                  <c:v>98.913353648703094</c:v>
+                </c:pt>
+                <c:pt idx="4">
+                  <c:v>98.913353648703094</c:v>
+                </c:pt>
+                <c:pt idx="5">
+                  <c:v>98.913353648703094</c:v>
+                </c:pt>
+                <c:pt idx="6">
+                  <c:v>98.913353648703094</c:v>
+                </c:pt>
+                <c:pt idx="7">
+                  <c:v>98.913353648703094</c:v>
+                </c:pt>
+                <c:pt idx="8">
+                  <c:v>98.913353648703094</c:v>
+                </c:pt>
+                <c:pt idx="9">
+                  <c:v>98.913353648703094</c:v>
+                </c:pt>
+                <c:pt idx="10">
+                  <c:v>98.913353648703094</c:v>
+                </c:pt>
+                <c:pt idx="11">
+                  <c:v>98.913353648703094</c:v>
+                </c:pt>
+                <c:pt idx="12">
+                  <c:v>98.913353648703094</c:v>
+                </c:pt>
+                <c:pt idx="13">
+                  <c:v>98.913353648703094</c:v>
+                </c:pt>
+                <c:pt idx="14">
+                  <c:v>98.913353648703094</c:v>
+                </c:pt>
+                <c:pt idx="15">
+                  <c:v>98.913353648703094</c:v>
+                </c:pt>
+                <c:pt idx="16">
+                  <c:v>98.913353648703094</c:v>
+                </c:pt>
+                <c:pt idx="17">
+                  <c:v>98.913353648703094</c:v>
+                </c:pt>
+                <c:pt idx="18">
+                  <c:v>98.913353648703094</c:v>
+                </c:pt>
+                <c:pt idx="19">
+                  <c:v>98.913353648703094</c:v>
+                </c:pt>
+                <c:pt idx="20">
+                  <c:v>98.913353648703094</c:v>
+                </c:pt>
+                <c:pt idx="21">
+                  <c:v>98.913353648703094</c:v>
+                </c:pt>
+                <c:pt idx="22">
+                  <c:v>98.913353648703094</c:v>
+                </c:pt>
+                <c:pt idx="23">
+                  <c:v>98.913353648703094</c:v>
+                </c:pt>
+                <c:pt idx="24">
+                  <c:v>98.913353648703094</c:v>
+                </c:pt>
+                <c:pt idx="25">
+                  <c:v>98.913353648703094</c:v>
+                </c:pt>
+                <c:pt idx="26">
+                  <c:v>98.913353648703094</c:v>
+                </c:pt>
+                <c:pt idx="27">
+                  <c:v>98.913353648703094</c:v>
+                </c:pt>
+                <c:pt idx="28">
+                  <c:v>98.913353648703094</c:v>
+                </c:pt>
+                <c:pt idx="29">
+                  <c:v>98.913353648703094</c:v>
+                </c:pt>
+                <c:pt idx="30">
+                  <c:v>98.913353648703094</c:v>
+                </c:pt>
+                <c:pt idx="31">
+                  <c:v>98.913353648703094</c:v>
+                </c:pt>
+                <c:pt idx="32">
+                  <c:v>98.913353648703094</c:v>
+                </c:pt>
+                <c:pt idx="33">
+                  <c:v>98.913353648703094</c:v>
+                </c:pt>
+                <c:pt idx="34">
+                  <c:v>98.913353648703094</c:v>
+                </c:pt>
+                <c:pt idx="35">
+                  <c:v>98.913353648703094</c:v>
+                </c:pt>
+                <c:pt idx="36">
+                  <c:v>98.913353648703094</c:v>
+                </c:pt>
+                <c:pt idx="37">
+                  <c:v>98.913353648703094</c:v>
+                </c:pt>
+                <c:pt idx="38">
+                  <c:v>98.913353648703094</c:v>
+                </c:pt>
+                <c:pt idx="39">
+                  <c:v>98.913353648703094</c:v>
+                </c:pt>
+                <c:pt idx="40">
+                  <c:v>98.913353648703094</c:v>
+                </c:pt>
+                <c:pt idx="41">
+                  <c:v>98.913353648703094</c:v>
+                </c:pt>
+                <c:pt idx="42">
+                  <c:v>98.913353648703094</c:v>
+                </c:pt>
+                <c:pt idx="43">
+                  <c:v>98.913353648703094</c:v>
+                </c:pt>
+                <c:pt idx="44">
+                  <c:v>98.913353648703094</c:v>
+                </c:pt>
+                <c:pt idx="45">
+                  <c:v>98.913353648703094</c:v>
+                </c:pt>
+                <c:pt idx="46">
+                  <c:v>98.913353648703094</c:v>
+                </c:pt>
+                <c:pt idx="47">
+                  <c:v>98.913353648703094</c:v>
+                </c:pt>
+                <c:pt idx="48">
+                  <c:v>98.913353648703094</c:v>
+                </c:pt>
+                <c:pt idx="49">
+                  <c:v>98.913353648703094</c:v>
+                </c:pt>
+                <c:pt idx="50">
+                  <c:v>98.913353648703094</c:v>
+                </c:pt>
+                <c:pt idx="51">
+                  <c:v>98.913353648703094</c:v>
+                </c:pt>
+                <c:pt idx="52">
+                  <c:v>98.913353648703094</c:v>
+                </c:pt>
+                <c:pt idx="53">
+                  <c:v>98.913353648703094</c:v>
+                </c:pt>
+                <c:pt idx="54">
+                  <c:v>98.913353648703094</c:v>
+                </c:pt>
+                <c:pt idx="55">
+                  <c:v>98.913353648703094</c:v>
+                </c:pt>
+                <c:pt idx="56">
+                  <c:v>98.913353648703094</c:v>
+                </c:pt>
+                <c:pt idx="57">
+                  <c:v>98.913353648703094</c:v>
+                </c:pt>
+                <c:pt idx="58">
+                  <c:v>98.913353648702198</c:v>
+                </c:pt>
+                <c:pt idx="59">
+                  <c:v>98.913353648702198</c:v>
+                </c:pt>
+                <c:pt idx="60">
+                  <c:v>98.913353648703094</c:v>
+                </c:pt>
+                <c:pt idx="61">
+                  <c:v>98.913353648703094</c:v>
+                </c:pt>
+                <c:pt idx="62">
+                  <c:v>98.913353648703094</c:v>
+                </c:pt>
+                <c:pt idx="63">
+                  <c:v>98.913353648702994</c:v>
+                </c:pt>
+                <c:pt idx="64">
+                  <c:v>98.913353648703094</c:v>
+                </c:pt>
+                <c:pt idx="65">
+                  <c:v>98.913353648703094</c:v>
+                </c:pt>
+                <c:pt idx="66">
+                  <c:v>98.913353648703094</c:v>
+                </c:pt>
+                <c:pt idx="67">
+                  <c:v>98.913353648703094</c:v>
+                </c:pt>
+                <c:pt idx="68">
+                  <c:v>98.913353648703094</c:v>
+                </c:pt>
+                <c:pt idx="69">
+                  <c:v>98.913353648703094</c:v>
+                </c:pt>
+                <c:pt idx="70">
+                  <c:v>98.913353648703094</c:v>
+                </c:pt>
+                <c:pt idx="71">
+                  <c:v>98.913353648703094</c:v>
+                </c:pt>
+                <c:pt idx="72">
+                  <c:v>98.913353648703094</c:v>
+                </c:pt>
+                <c:pt idx="73">
+                  <c:v>98.913353648702994</c:v>
+                </c:pt>
+                <c:pt idx="74">
+                  <c:v>98.913353648702994</c:v>
+                </c:pt>
+                <c:pt idx="75">
+                  <c:v>98.913353648701602</c:v>
+                </c:pt>
+                <c:pt idx="76">
+                  <c:v>98.913353648701602</c:v>
+                </c:pt>
+                <c:pt idx="77">
+                  <c:v>98.913353648701602</c:v>
+                </c:pt>
+                <c:pt idx="78">
+                  <c:v>98.913353648702099</c:v>
+                </c:pt>
+                <c:pt idx="79">
+                  <c:v>102.48054903958101</c:v>
+                </c:pt>
+                <c:pt idx="80">
+                  <c:v>102.48054903958101</c:v>
+                </c:pt>
+                <c:pt idx="81">
+                  <c:v>102.48054903958101</c:v>
+                </c:pt>
+                <c:pt idx="82">
+                  <c:v>103.714242767174</c:v>
+                </c:pt>
+                <c:pt idx="83">
+                  <c:v>111.343946316979</c:v>
+                </c:pt>
+                <c:pt idx="84">
+                  <c:v>111.343946316979</c:v>
+                </c:pt>
+                <c:pt idx="85">
+                  <c:v>111.343946316979</c:v>
+                </c:pt>
+                <c:pt idx="86">
+                  <c:v>111.343946316979</c:v>
+                </c:pt>
+                <c:pt idx="87">
+                  <c:v>111.343946316979</c:v>
+                </c:pt>
+                <c:pt idx="88">
+                  <c:v>111.343946316979</c:v>
+                </c:pt>
+                <c:pt idx="89">
+                  <c:v>111.538579847111</c:v>
+                </c:pt>
+                <c:pt idx="90">
+                  <c:v>114.317344581979</c:v>
+                </c:pt>
+                <c:pt idx="91">
+                  <c:v>114.317344581979</c:v>
+                </c:pt>
+                <c:pt idx="92">
+                  <c:v>115.256532542014</c:v>
+                </c:pt>
+                <c:pt idx="93">
+                  <c:v>116.495850106982</c:v>
+                </c:pt>
+                <c:pt idx="94">
+                  <c:v>117.73516767194999</c:v>
+                </c:pt>
+                <c:pt idx="95">
+                  <c:v>118.974485236918</c:v>
+                </c:pt>
+                <c:pt idx="96">
+                  <c:v>121.288621640217</c:v>
+                </c:pt>
+                <c:pt idx="97">
+                  <c:v>121.45312036685399</c:v>
+                </c:pt>
+                <c:pt idx="98">
+                  <c:v>122.69243793182299</c:v>
+                </c:pt>
+              </c:numCache>
+            </c:numRef>
+          </c:xVal>
+          <c:yVal>
+            <c:numRef>
+              <c:f>Results!$F$3:$F$101</c:f>
+              <c:numCache>
+                <c:formatCode>General</c:formatCode>
+                <c:ptCount val="99"/>
+                <c:pt idx="0">
+                  <c:v>0.97945018979369669</c:v>
+                </c:pt>
+                <c:pt idx="1">
+                  <c:v>0.97945018979369669</c:v>
+                </c:pt>
+                <c:pt idx="2">
+                  <c:v>0.97945018979369669</c:v>
+                </c:pt>
+                <c:pt idx="3">
+                  <c:v>0.97945018979369669</c:v>
+                </c:pt>
+                <c:pt idx="4">
+                  <c:v>0.97945018979369669</c:v>
+                </c:pt>
+                <c:pt idx="5">
+                  <c:v>0.97945018979369669</c:v>
+                </c:pt>
+                <c:pt idx="6">
+                  <c:v>0.97945018979369669</c:v>
+                </c:pt>
+                <c:pt idx="7">
+                  <c:v>0.97945018979369669</c:v>
+                </c:pt>
+                <c:pt idx="8">
+                  <c:v>0.97945018979369669</c:v>
+                </c:pt>
+                <c:pt idx="9">
+                  <c:v>0.97945018979369669</c:v>
+                </c:pt>
+                <c:pt idx="10">
+                  <c:v>0.97945018979369669</c:v>
+                </c:pt>
+                <c:pt idx="11">
+                  <c:v>0.97945018979369669</c:v>
+                </c:pt>
+                <c:pt idx="12">
+                  <c:v>0.97945018979369669</c:v>
+                </c:pt>
+                <c:pt idx="13">
+                  <c:v>0.97945018979369669</c:v>
+                </c:pt>
+                <c:pt idx="14">
+                  <c:v>0.97945018979369669</c:v>
+                </c:pt>
+                <c:pt idx="15">
+                  <c:v>0.97945018979369669</c:v>
+                </c:pt>
+                <c:pt idx="16">
+                  <c:v>0.97945018979369669</c:v>
+                </c:pt>
+                <c:pt idx="17">
+                  <c:v>0.97945018979369669</c:v>
+                </c:pt>
+                <c:pt idx="18">
+                  <c:v>0.97945018979369669</c:v>
+                </c:pt>
+                <c:pt idx="19">
+                  <c:v>0.97945018979369669</c:v>
+                </c:pt>
+                <c:pt idx="20">
+                  <c:v>0.97945018979369669</c:v>
+                </c:pt>
+                <c:pt idx="21">
+                  <c:v>0.97945018979369669</c:v>
+                </c:pt>
+                <c:pt idx="22">
+                  <c:v>0.97945018979369669</c:v>
+                </c:pt>
+                <c:pt idx="23">
+                  <c:v>0.97945018979369669</c:v>
+                </c:pt>
+                <c:pt idx="24">
+                  <c:v>0.97945018979369669</c:v>
+                </c:pt>
+                <c:pt idx="25">
+                  <c:v>0.97945018979369669</c:v>
+                </c:pt>
+                <c:pt idx="26">
+                  <c:v>0.97945018979369669</c:v>
+                </c:pt>
+                <c:pt idx="27">
+                  <c:v>0.97945018979369669</c:v>
+                </c:pt>
+                <c:pt idx="28">
+                  <c:v>0.97945018979369669</c:v>
+                </c:pt>
+                <c:pt idx="29">
+                  <c:v>0.97945018979369669</c:v>
+                </c:pt>
+                <c:pt idx="30">
+                  <c:v>0.97945018979369669</c:v>
+                </c:pt>
+                <c:pt idx="31">
+                  <c:v>0.97945018979369669</c:v>
+                </c:pt>
+                <c:pt idx="32">
+                  <c:v>0.97945018979369669</c:v>
+                </c:pt>
+                <c:pt idx="33">
+                  <c:v>0.97945018979369669</c:v>
+                </c:pt>
+                <c:pt idx="34">
+                  <c:v>0.97945018979369669</c:v>
+                </c:pt>
+                <c:pt idx="35">
+                  <c:v>0.97945018979369669</c:v>
+                </c:pt>
+                <c:pt idx="36">
+                  <c:v>0.97945018979369669</c:v>
+                </c:pt>
+                <c:pt idx="37">
+                  <c:v>0.97945018979369669</c:v>
+                </c:pt>
+                <c:pt idx="38">
+                  <c:v>0.97945018979369669</c:v>
+                </c:pt>
+                <c:pt idx="39">
+                  <c:v>0.97945018979369669</c:v>
+                </c:pt>
+                <c:pt idx="40">
+                  <c:v>0.97945018979369669</c:v>
+                </c:pt>
+                <c:pt idx="41">
+                  <c:v>0.97945018979369669</c:v>
+                </c:pt>
+                <c:pt idx="42">
+                  <c:v>0.97945018979369669</c:v>
+                </c:pt>
+                <c:pt idx="43">
+                  <c:v>0.97945018979369669</c:v>
+                </c:pt>
+                <c:pt idx="44">
+                  <c:v>0.97945018979369669</c:v>
+                </c:pt>
+                <c:pt idx="45">
+                  <c:v>0.97945018979369669</c:v>
+                </c:pt>
+                <c:pt idx="46">
+                  <c:v>0.97945018979369669</c:v>
+                </c:pt>
+                <c:pt idx="47">
+                  <c:v>0.97945018979369669</c:v>
+                </c:pt>
+                <c:pt idx="48">
+                  <c:v>0.97945018979369669</c:v>
+                </c:pt>
+                <c:pt idx="49">
+                  <c:v>0.97945018979369669</c:v>
+                </c:pt>
+                <c:pt idx="50">
+                  <c:v>0.97945018979369669</c:v>
+                </c:pt>
+                <c:pt idx="51">
+                  <c:v>0.97945018979369669</c:v>
+                </c:pt>
+                <c:pt idx="52">
+                  <c:v>0.97945018979369669</c:v>
+                </c:pt>
+                <c:pt idx="53">
+                  <c:v>0.97945018979369669</c:v>
+                </c:pt>
+                <c:pt idx="54">
+                  <c:v>0.97945018979369669</c:v>
+                </c:pt>
+                <c:pt idx="55">
+                  <c:v>0.97945018979369669</c:v>
+                </c:pt>
+                <c:pt idx="56">
+                  <c:v>0.97945018979369669</c:v>
+                </c:pt>
+                <c:pt idx="57">
+                  <c:v>0.97945018979369669</c:v>
+                </c:pt>
+                <c:pt idx="58">
+                  <c:v>0.97945018979379461</c:v>
+                </c:pt>
+                <c:pt idx="59">
+                  <c:v>0.97945018979379461</c:v>
+                </c:pt>
+                <c:pt idx="60">
+                  <c:v>0.97945018979369669</c:v>
+                </c:pt>
+                <c:pt idx="61">
+                  <c:v>0.97945018979369669</c:v>
+                </c:pt>
+                <c:pt idx="62">
+                  <c:v>0.97945018979369669</c:v>
+                </c:pt>
+                <c:pt idx="63">
+                  <c:v>0.97945018979370091</c:v>
+                </c:pt>
+                <c:pt idx="64">
+                  <c:v>0.97945018979369669</c:v>
+                </c:pt>
+                <c:pt idx="65">
+                  <c:v>0.97945018979369669</c:v>
+                </c:pt>
+                <c:pt idx="66">
+                  <c:v>0.97945018979369669</c:v>
+                </c:pt>
+                <c:pt idx="67">
+                  <c:v>0.97945018979369669</c:v>
+                </c:pt>
+                <c:pt idx="68">
+                  <c:v>0.97945018979369669</c:v>
+                </c:pt>
+                <c:pt idx="69">
+                  <c:v>0.97945018979369669</c:v>
+                </c:pt>
+                <c:pt idx="70">
+                  <c:v>0.97945018979369669</c:v>
+                </c:pt>
+                <c:pt idx="71">
+                  <c:v>0.97945018979369669</c:v>
+                </c:pt>
+                <c:pt idx="72">
+                  <c:v>0.97945018979369669</c:v>
+                </c:pt>
+                <c:pt idx="73">
+                  <c:v>0.97945018979369669</c:v>
+                </c:pt>
+                <c:pt idx="74">
+                  <c:v>0.97945018979369669</c:v>
+                </c:pt>
+                <c:pt idx="75">
+                  <c:v>0.97945018979370368</c:v>
+                </c:pt>
+                <c:pt idx="76">
+                  <c:v>0.97945018979370368</c:v>
+                </c:pt>
+                <c:pt idx="77">
+                  <c:v>0.97945018979370368</c:v>
+                </c:pt>
+                <c:pt idx="78">
+                  <c:v>0.97945018979379816</c:v>
+                </c:pt>
+                <c:pt idx="79">
+                  <c:v>0.97813005143719489</c:v>
+                </c:pt>
+                <c:pt idx="80">
+                  <c:v>0.97813005143719489</c:v>
+                </c:pt>
+                <c:pt idx="81">
+                  <c:v>0.97813005143719489</c:v>
+                </c:pt>
+                <c:pt idx="82">
+                  <c:v>0.85920873549986965</c:v>
+                </c:pt>
+                <c:pt idx="83">
+                  <c:v>0.65185700028153859</c:v>
+                </c:pt>
+                <c:pt idx="84">
+                  <c:v>0.65185700028153859</c:v>
+                </c:pt>
+                <c:pt idx="85">
+                  <c:v>0.65185700028153859</c:v>
+                </c:pt>
+                <c:pt idx="86">
+                  <c:v>0.65185700028153859</c:v>
+                </c:pt>
+                <c:pt idx="87">
+                  <c:v>0.65185700028156035</c:v>
+                </c:pt>
+                <c:pt idx="88">
+                  <c:v>0.65185700028156035</c:v>
+                </c:pt>
+                <c:pt idx="89">
+                  <c:v>0.63637551281446136</c:v>
+                </c:pt>
+                <c:pt idx="90">
+                  <c:v>0.60871082700803492</c:v>
+                </c:pt>
+                <c:pt idx="91">
+                  <c:v>0.60871082700803503</c:v>
+                </c:pt>
+                <c:pt idx="92">
+                  <c:v>0.55223835630614904</c:v>
+                </c:pt>
+                <c:pt idx="93">
+                  <c:v>0.49449652576946235</c:v>
+                </c:pt>
+                <c:pt idx="94">
+                  <c:v>0.42506820799197853</c:v>
+                </c:pt>
+                <c:pt idx="95">
+                  <c:v>0.29770623476927449</c:v>
+                </c:pt>
+                <c:pt idx="96">
+                  <c:v>0.26133000000000001</c:v>
+                </c:pt>
+                <c:pt idx="97">
+                  <c:v>0.21578</c:v>
+                </c:pt>
+                <c:pt idx="98">
+                  <c:v>0.16459307077835283</c:v>
+                </c:pt>
+              </c:numCache>
+            </c:numRef>
+          </c:yVal>
+          <c:smooth val="0"/>
+          <c:extLst>
+            <c:ext xmlns:c16="http://schemas.microsoft.com/office/drawing/2014/chart" uri="{C3380CC4-5D6E-409C-BE32-E72D297353CC}">
+              <c16:uniqueId val="{00000000-5E51-4124-8004-62A0509B494D}"/>
+            </c:ext>
+          </c:extLst>
+        </c:ser>
+        <c:ser>
+          <c:idx val="2"/>
+          <c:order val="1"/>
+          <c:tx>
+            <c:v>2 Changes</c:v>
+          </c:tx>
+          <c:spPr>
+            <a:ln w="22225" cap="rnd">
+              <a:solidFill>
+                <a:schemeClr val="accent2"/>
+              </a:solidFill>
+              <a:round/>
+            </a:ln>
+            <a:effectLst/>
+          </c:spPr>
+          <c:marker>
+            <c:symbol val="circle"/>
+            <c:size val="5"/>
+            <c:spPr>
+              <a:solidFill>
+                <a:schemeClr val="accent2"/>
+              </a:solidFill>
+              <a:ln>
+                <a:solidFill>
+                  <a:schemeClr val="accent2"/>
+                </a:solidFill>
+              </a:ln>
+            </c:spPr>
+          </c:marker>
+          <c:xVal>
+            <c:numRef>
+              <c:f>Results!$H$3:$H$101</c:f>
+              <c:numCache>
+                <c:formatCode>General</c:formatCode>
+                <c:ptCount val="99"/>
+                <c:pt idx="0">
+                  <c:v>79.294980208610895</c:v>
+                </c:pt>
+                <c:pt idx="1">
+                  <c:v>79.294980208610895</c:v>
+                </c:pt>
+                <c:pt idx="2">
+                  <c:v>79.294980208610895</c:v>
+                </c:pt>
+                <c:pt idx="3">
+                  <c:v>79.294980208610895</c:v>
+                </c:pt>
+                <c:pt idx="4">
+                  <c:v>79.294980208610895</c:v>
+                </c:pt>
+                <c:pt idx="5">
+                  <c:v>79.294980208610895</c:v>
+                </c:pt>
+                <c:pt idx="6">
+                  <c:v>79.294980208610895</c:v>
+                </c:pt>
+                <c:pt idx="7">
+                  <c:v>79.294980208610895</c:v>
+                </c:pt>
+                <c:pt idx="8">
+                  <c:v>79.294980208610895</c:v>
+                </c:pt>
+                <c:pt idx="9">
+                  <c:v>79.294980208610895</c:v>
+                </c:pt>
+                <c:pt idx="10">
+                  <c:v>79.294980208610895</c:v>
+                </c:pt>
+                <c:pt idx="11">
+                  <c:v>79.294980208610895</c:v>
+                </c:pt>
+                <c:pt idx="12">
+                  <c:v>79.294980208610895</c:v>
+                </c:pt>
+                <c:pt idx="13">
+                  <c:v>79.294980208610895</c:v>
+                </c:pt>
+                <c:pt idx="14">
+                  <c:v>79.294980208610895</c:v>
+                </c:pt>
+                <c:pt idx="15">
+                  <c:v>79.294980208610895</c:v>
+                </c:pt>
+                <c:pt idx="16">
+                  <c:v>79.294980208610895</c:v>
+                </c:pt>
+                <c:pt idx="17">
+                  <c:v>79.294980208610895</c:v>
+                </c:pt>
+                <c:pt idx="18">
+                  <c:v>79.294980208610895</c:v>
+                </c:pt>
+                <c:pt idx="19">
+                  <c:v>79.294980208610895</c:v>
+                </c:pt>
+                <c:pt idx="20">
+                  <c:v>79.294980208610895</c:v>
+                </c:pt>
+                <c:pt idx="21">
+                  <c:v>79.294980208610895</c:v>
+                </c:pt>
+                <c:pt idx="22">
+                  <c:v>79.294981700060703</c:v>
+                </c:pt>
+                <c:pt idx="23">
+                  <c:v>79.294981700060703</c:v>
+                </c:pt>
+                <c:pt idx="24">
+                  <c:v>79.294981700060703</c:v>
+                </c:pt>
+                <c:pt idx="25">
+                  <c:v>79.294981700060703</c:v>
+                </c:pt>
+                <c:pt idx="26">
+                  <c:v>79.294981700060703</c:v>
+                </c:pt>
+                <c:pt idx="27">
+                  <c:v>79.294981700060703</c:v>
+                </c:pt>
+                <c:pt idx="28">
+                  <c:v>79.294981700060703</c:v>
+                </c:pt>
+                <c:pt idx="29">
+                  <c:v>79.294981700060703</c:v>
+                </c:pt>
+                <c:pt idx="30">
+                  <c:v>79.294981700060703</c:v>
+                </c:pt>
+                <c:pt idx="31">
+                  <c:v>79.294981700060703</c:v>
+                </c:pt>
+                <c:pt idx="32">
+                  <c:v>79.294981700060703</c:v>
+                </c:pt>
+                <c:pt idx="33">
+                  <c:v>79.294981700060703</c:v>
+                </c:pt>
+                <c:pt idx="34">
+                  <c:v>79.294981700060703</c:v>
+                </c:pt>
+                <c:pt idx="35">
+                  <c:v>79.294981700060703</c:v>
+                </c:pt>
+                <c:pt idx="36">
+                  <c:v>79.294981700060703</c:v>
+                </c:pt>
+                <c:pt idx="37">
+                  <c:v>79.294981700060703</c:v>
+                </c:pt>
+                <c:pt idx="38">
+                  <c:v>79.294981700060703</c:v>
+                </c:pt>
+                <c:pt idx="39">
+                  <c:v>79.294981700060703</c:v>
+                </c:pt>
+                <c:pt idx="40">
+                  <c:v>79.294981700060703</c:v>
+                </c:pt>
+                <c:pt idx="41">
+                  <c:v>79.294981700060703</c:v>
+                </c:pt>
+                <c:pt idx="42">
+                  <c:v>79.294981700060703</c:v>
+                </c:pt>
+                <c:pt idx="43">
+                  <c:v>79.294981700060703</c:v>
+                </c:pt>
+                <c:pt idx="44">
+                  <c:v>79.294981700060703</c:v>
+                </c:pt>
+                <c:pt idx="45">
+                  <c:v>79.294981700067098</c:v>
+                </c:pt>
+                <c:pt idx="46">
+                  <c:v>79.294980208610895</c:v>
+                </c:pt>
+                <c:pt idx="47">
+                  <c:v>79.294980208610895</c:v>
+                </c:pt>
+                <c:pt idx="48">
+                  <c:v>79.294980208610895</c:v>
+                </c:pt>
+                <c:pt idx="49">
+                  <c:v>79.294980208610895</c:v>
+                </c:pt>
+                <c:pt idx="50">
+                  <c:v>79.294980203937499</c:v>
+                </c:pt>
+                <c:pt idx="51">
+                  <c:v>79.294981700067098</c:v>
+                </c:pt>
+                <c:pt idx="52">
+                  <c:v>79.294981700060703</c:v>
+                </c:pt>
+                <c:pt idx="53">
+                  <c:v>79.294981700060703</c:v>
+                </c:pt>
+                <c:pt idx="54">
+                  <c:v>79.294980208610895</c:v>
+                </c:pt>
+                <c:pt idx="55">
+                  <c:v>79.294981594695102</c:v>
+                </c:pt>
+                <c:pt idx="56">
+                  <c:v>79.294981594865703</c:v>
+                </c:pt>
+                <c:pt idx="57">
+                  <c:v>79.294981594857902</c:v>
+                </c:pt>
+                <c:pt idx="58">
+                  <c:v>79.294981757917597</c:v>
+                </c:pt>
+                <c:pt idx="59">
+                  <c:v>79.294981757977794</c:v>
+                </c:pt>
+                <c:pt idx="60">
+                  <c:v>79.294981700188302</c:v>
+                </c:pt>
+                <c:pt idx="61">
+                  <c:v>79.294981700189794</c:v>
+                </c:pt>
+                <c:pt idx="62">
+                  <c:v>80.528675427665604</c:v>
+                </c:pt>
+                <c:pt idx="63">
+                  <c:v>84.095870818537904</c:v>
+                </c:pt>
+                <c:pt idx="64">
+                  <c:v>84.095870818543901</c:v>
+                </c:pt>
+                <c:pt idx="65">
+                  <c:v>84.095870818538003</c:v>
+                </c:pt>
+                <c:pt idx="66">
+                  <c:v>91.725575168908506</c:v>
+                </c:pt>
+                <c:pt idx="67">
+                  <c:v>91.725574368343601</c:v>
+                </c:pt>
+                <c:pt idx="68">
+                  <c:v>91.725574394443797</c:v>
+                </c:pt>
+                <c:pt idx="69">
+                  <c:v>91.725575386428503</c:v>
+                </c:pt>
+                <c:pt idx="70">
+                  <c:v>91.725574587228905</c:v>
+                </c:pt>
+                <c:pt idx="71">
+                  <c:v>91.725574447523599</c:v>
+                </c:pt>
+                <c:pt idx="72">
+                  <c:v>92.175056590759297</c:v>
+                </c:pt>
+                <c:pt idx="73">
+                  <c:v>93.437728734150497</c:v>
+                </c:pt>
+                <c:pt idx="74">
+                  <c:v>94.700400634341605</c:v>
+                </c:pt>
+                <c:pt idx="75">
+                  <c:v>95.963072656132894</c:v>
+                </c:pt>
+                <c:pt idx="76">
+                  <c:v>97.225744677924197</c:v>
+                </c:pt>
+                <c:pt idx="77">
+                  <c:v>98.488416699715401</c:v>
+                </c:pt>
+                <c:pt idx="78">
+                  <c:v>101.67025090243401</c:v>
+                </c:pt>
+                <c:pt idx="79">
+                  <c:v>101.67024879386101</c:v>
+                </c:pt>
+                <c:pt idx="80">
+                  <c:v>102.27643384044499</c:v>
+                </c:pt>
+                <c:pt idx="81">
+                  <c:v>103.562369910744</c:v>
+                </c:pt>
+                <c:pt idx="82">
+                  <c:v>104.80177680867099</c:v>
+                </c:pt>
+                <c:pt idx="83">
+                  <c:v>106.064448830462</c:v>
+                </c:pt>
+                <c:pt idx="84">
+                  <c:v>107.327120852254</c:v>
+                </c:pt>
+                <c:pt idx="85">
+                  <c:v>108.589792874045</c:v>
+                </c:pt>
+                <c:pt idx="86">
+                  <c:v>110.533646968979</c:v>
+                </c:pt>
+                <c:pt idx="87">
+                  <c:v>111.115136917627</c:v>
+                </c:pt>
+                <c:pt idx="88">
+                  <c:v>113.507046051765</c:v>
+                </c:pt>
+                <c:pt idx="89">
+                  <c:v>113.64048096121</c:v>
+                </c:pt>
+                <c:pt idx="90">
+                  <c:v>114.90315298300099</c:v>
+                </c:pt>
+                <c:pt idx="91">
+                  <c:v>116.165825004792</c:v>
+                </c:pt>
+                <c:pt idx="92">
+                  <c:v>117.428497026583</c:v>
+                </c:pt>
+                <c:pt idx="93">
+                  <c:v>118.691169048375</c:v>
+                </c:pt>
+                <c:pt idx="94">
+                  <c:v>119.95384107016601</c:v>
+                </c:pt>
+                <c:pt idx="95">
+                  <c:v>121.216513091957</c:v>
+                </c:pt>
+                <c:pt idx="96">
+                  <c:v>122.479185113748</c:v>
+                </c:pt>
+                <c:pt idx="97">
+                  <c:v>123.74185713553899</c:v>
+                </c:pt>
+                <c:pt idx="98">
+                  <c:v>125.00452915733101</c:v>
+                </c:pt>
+              </c:numCache>
+            </c:numRef>
+          </c:xVal>
+          <c:yVal>
+            <c:numRef>
+              <c:f>Results!$J$3:$J$101</c:f>
+              <c:numCache>
+                <c:formatCode>General</c:formatCode>
+                <c:ptCount val="99"/>
+                <c:pt idx="0">
+                  <c:v>0.99999999999996658</c:v>
+                </c:pt>
+                <c:pt idx="1">
+                  <c:v>0.99999999999996658</c:v>
+                </c:pt>
+                <c:pt idx="2">
+                  <c:v>0.99999999999996658</c:v>
+                </c:pt>
+                <c:pt idx="3">
+                  <c:v>0.99999999999996658</c:v>
+                </c:pt>
+                <c:pt idx="4">
+                  <c:v>0.99999999999996658</c:v>
+                </c:pt>
+                <c:pt idx="5">
+                  <c:v>0.99999999999996658</c:v>
+                </c:pt>
+                <c:pt idx="6">
+                  <c:v>0.99999999999996658</c:v>
+                </c:pt>
+                <c:pt idx="7">
+                  <c:v>0.99999999999996658</c:v>
+                </c:pt>
+                <c:pt idx="8">
+                  <c:v>0.99999999999996658</c:v>
+                </c:pt>
+                <c:pt idx="9">
+                  <c:v>0.99999999999996658</c:v>
+                </c:pt>
+                <c:pt idx="10">
+                  <c:v>0.99999999999996658</c:v>
+                </c:pt>
+                <c:pt idx="11">
+                  <c:v>0.99999999999996658</c:v>
+                </c:pt>
+                <c:pt idx="12">
+                  <c:v>0.99999999999996658</c:v>
+                </c:pt>
+                <c:pt idx="13">
+                  <c:v>0.99999999999996658</c:v>
+                </c:pt>
+                <c:pt idx="14">
+                  <c:v>0.99999999999996658</c:v>
+                </c:pt>
+                <c:pt idx="15">
+                  <c:v>0.99999999999996658</c:v>
+                </c:pt>
+                <c:pt idx="16">
+                  <c:v>0.99999999999996658</c:v>
+                </c:pt>
+                <c:pt idx="17">
+                  <c:v>0.99999999999996658</c:v>
+                </c:pt>
+                <c:pt idx="18">
+                  <c:v>0.99999999999996658</c:v>
+                </c:pt>
+                <c:pt idx="19">
+                  <c:v>0.99999999999996658</c:v>
+                </c:pt>
+                <c:pt idx="20">
+                  <c:v>0.99999999999996658</c:v>
+                </c:pt>
+                <c:pt idx="21">
+                  <c:v>0.99999999999996658</c:v>
+                </c:pt>
+                <c:pt idx="22">
+                  <c:v>0.99999999999996658</c:v>
+                </c:pt>
+                <c:pt idx="23">
+                  <c:v>0.99999999999996658</c:v>
+                </c:pt>
+                <c:pt idx="24">
+                  <c:v>0.99999999999996658</c:v>
+                </c:pt>
+                <c:pt idx="25">
+                  <c:v>0.99999999999996658</c:v>
+                </c:pt>
+                <c:pt idx="26">
+                  <c:v>0.99999999999996658</c:v>
+                </c:pt>
+                <c:pt idx="27">
+                  <c:v>0.99999999999996658</c:v>
+                </c:pt>
+                <c:pt idx="28">
+                  <c:v>0.99999999999996658</c:v>
+                </c:pt>
+                <c:pt idx="29">
+                  <c:v>0.99999999999996658</c:v>
+                </c:pt>
+                <c:pt idx="30">
+                  <c:v>0.99999999999996658</c:v>
+                </c:pt>
+                <c:pt idx="31">
+                  <c:v>0.99999999999996658</c:v>
+                </c:pt>
+                <c:pt idx="32">
+                  <c:v>0.99999999999996658</c:v>
+                </c:pt>
+                <c:pt idx="33">
+                  <c:v>0.99999999999996658</c:v>
+                </c:pt>
+                <c:pt idx="34">
+                  <c:v>0.99999999999996658</c:v>
+                </c:pt>
+                <c:pt idx="35">
+                  <c:v>0.99999999999996658</c:v>
+                </c:pt>
+                <c:pt idx="36">
+                  <c:v>0.99999999999996658</c:v>
+                </c:pt>
+                <c:pt idx="37">
+                  <c:v>0.99999999999996658</c:v>
+                </c:pt>
+                <c:pt idx="38">
+                  <c:v>0.99999999999996658</c:v>
+                </c:pt>
+                <c:pt idx="39">
+                  <c:v>0.99999999999996658</c:v>
+                </c:pt>
+                <c:pt idx="40">
+                  <c:v>0.99999999999996658</c:v>
+                </c:pt>
+                <c:pt idx="41">
+                  <c:v>0.99999999999996658</c:v>
+                </c:pt>
+                <c:pt idx="42">
+                  <c:v>0.99999999999996658</c:v>
+                </c:pt>
+                <c:pt idx="43">
+                  <c:v>0.99999999999996658</c:v>
+                </c:pt>
+                <c:pt idx="44">
+                  <c:v>0.99999999999996658</c:v>
+                </c:pt>
+                <c:pt idx="45">
+                  <c:v>0.99999999999996658</c:v>
+                </c:pt>
+                <c:pt idx="46">
+                  <c:v>0.99999999999996658</c:v>
+                </c:pt>
+                <c:pt idx="47">
+                  <c:v>0.99999999999996658</c:v>
+                </c:pt>
+                <c:pt idx="48">
+                  <c:v>0.99999999999996658</c:v>
+                </c:pt>
+                <c:pt idx="49">
+                  <c:v>0.99999999999996658</c:v>
+                </c:pt>
+                <c:pt idx="50">
+                  <c:v>0.99999999999996658</c:v>
+                </c:pt>
+                <c:pt idx="51">
+                  <c:v>0.99999999999996658</c:v>
+                </c:pt>
+                <c:pt idx="52">
+                  <c:v>0.99999999999996658</c:v>
+                </c:pt>
+                <c:pt idx="53">
+                  <c:v>0.99999999999996658</c:v>
+                </c:pt>
+                <c:pt idx="54">
+                  <c:v>0.99999999999996658</c:v>
+                </c:pt>
+                <c:pt idx="55">
+                  <c:v>0.99999999999996658</c:v>
+                </c:pt>
+                <c:pt idx="56">
+                  <c:v>0.99999999999996658</c:v>
+                </c:pt>
+                <c:pt idx="57">
+                  <c:v>0.99999999999996658</c:v>
+                </c:pt>
+                <c:pt idx="58">
+                  <c:v>0.99999999999996658</c:v>
+                </c:pt>
+                <c:pt idx="59">
+                  <c:v>0.99999999999996658</c:v>
+                </c:pt>
+                <c:pt idx="60">
+                  <c:v>0.99999999999996658</c:v>
+                </c:pt>
+                <c:pt idx="61">
+                  <c:v>0.99999999999996658</c:v>
+                </c:pt>
+                <c:pt idx="62">
+                  <c:v>0.99999998369913456</c:v>
+                </c:pt>
+                <c:pt idx="63">
+                  <c:v>0.99999952190338115</c:v>
+                </c:pt>
+                <c:pt idx="64">
+                  <c:v>0.99999952190338448</c:v>
+                </c:pt>
+                <c:pt idx="65">
+                  <c:v>0.99999952190338115</c:v>
+                </c:pt>
+                <c:pt idx="66">
+                  <c:v>0.99999673682891832</c:v>
+                </c:pt>
+                <c:pt idx="67">
+                  <c:v>0.99999673682895107</c:v>
+                </c:pt>
+                <c:pt idx="68">
+                  <c:v>0.99999673682919832</c:v>
+                </c:pt>
+                <c:pt idx="69">
+                  <c:v>0.99999673682879353</c:v>
+                </c:pt>
+                <c:pt idx="70">
+                  <c:v>0.99999673682890944</c:v>
+                </c:pt>
+                <c:pt idx="71">
+                  <c:v>0.99999673682891643</c:v>
+                </c:pt>
+                <c:pt idx="72">
+                  <c:v>0.9999933686901793</c:v>
+                </c:pt>
+                <c:pt idx="73">
+                  <c:v>0.99993356612857309</c:v>
+                </c:pt>
+                <c:pt idx="74">
+                  <c:v>0.99962138102883025</c:v>
+                </c:pt>
+                <c:pt idx="75">
+                  <c:v>0.99907242197644486</c:v>
+                </c:pt>
+                <c:pt idx="76">
+                  <c:v>0.99862632454234301</c:v>
+                </c:pt>
+                <c:pt idx="77">
+                  <c:v>0.9979466640781145</c:v>
+                </c:pt>
+                <c:pt idx="78">
+                  <c:v>0.99571862681239709</c:v>
+                </c:pt>
+                <c:pt idx="79">
+                  <c:v>0.99571862663209854</c:v>
+                </c:pt>
+                <c:pt idx="80">
+                  <c:v>0.98866608637577025</c:v>
+                </c:pt>
+                <c:pt idx="81">
+                  <c:v>0.97981891071764438</c:v>
+                </c:pt>
+                <c:pt idx="82">
+                  <c:v>0.96355900401442218</c:v>
+                </c:pt>
+                <c:pt idx="83">
+                  <c:v>0.94764449137980367</c:v>
+                </c:pt>
+                <c:pt idx="84">
+                  <c:v>0.91595340171336703</c:v>
+                </c:pt>
+                <c:pt idx="85">
+                  <c:v>0.87900334720076656</c:v>
+                </c:pt>
+                <c:pt idx="86">
+                  <c:v>0.83901429688272233</c:v>
+                </c:pt>
+                <c:pt idx="87">
+                  <c:v>0.80479529259690097</c:v>
+                </c:pt>
+                <c:pt idx="88">
+                  <c:v>0.79475996465206755</c:v>
+                </c:pt>
+                <c:pt idx="89">
+                  <c:v>0.78856579034619234</c:v>
+                </c:pt>
+                <c:pt idx="90">
+                  <c:v>0.72708608337768987</c:v>
+                </c:pt>
+                <c:pt idx="91">
+                  <c:v>0.68641231526400714</c:v>
+                </c:pt>
+                <c:pt idx="92">
+                  <c:v>0.59355308602654933</c:v>
+                </c:pt>
+                <c:pt idx="93">
+                  <c:v>0.46332241537117524</c:v>
+                </c:pt>
+                <c:pt idx="94">
+                  <c:v>0.37798507230061001</c:v>
+                </c:pt>
+                <c:pt idx="95">
+                  <c:v>0.30987089479346563</c:v>
+                </c:pt>
+                <c:pt idx="96">
+                  <c:v>0.25718060960991784</c:v>
+                </c:pt>
+                <c:pt idx="97">
+                  <c:v>0.21657359818823507</c:v>
+                </c:pt>
+                <c:pt idx="98">
+                  <c:v>0.16669747245128286</c:v>
+                </c:pt>
+              </c:numCache>
+            </c:numRef>
+          </c:yVal>
+          <c:smooth val="0"/>
+          <c:extLst>
+            <c:ext xmlns:c16="http://schemas.microsoft.com/office/drawing/2014/chart" uri="{C3380CC4-5D6E-409C-BE32-E72D297353CC}">
+              <c16:uniqueId val="{00000001-5E51-4124-8004-62A0509B494D}"/>
+            </c:ext>
+          </c:extLst>
+        </c:ser>
+        <c:ser>
+          <c:idx val="3"/>
+          <c:order val="2"/>
+          <c:tx>
+            <c:v>3 Changes</c:v>
+          </c:tx>
+          <c:spPr>
+            <a:ln w="38100" cap="rnd">
+              <a:solidFill>
+                <a:schemeClr val="accent4">
+                  <a:lumMod val="60000"/>
+                  <a:lumOff val="40000"/>
+                </a:schemeClr>
+              </a:solidFill>
+              <a:round/>
+            </a:ln>
+            <a:effectLst/>
+          </c:spPr>
+          <c:marker>
+            <c:symbol val="circle"/>
+            <c:size val="5"/>
+          </c:marker>
+          <c:xVal>
+            <c:numRef>
+              <c:f>Results!$L$3:$L$101</c:f>
+              <c:numCache>
+                <c:formatCode>General</c:formatCode>
+                <c:ptCount val="99"/>
+                <c:pt idx="0">
+                  <c:v>54.5383826427652</c:v>
+                </c:pt>
+                <c:pt idx="1">
+                  <c:v>54.5383826427652</c:v>
+                </c:pt>
+                <c:pt idx="2">
+                  <c:v>54.5383826427652</c:v>
+                </c:pt>
+                <c:pt idx="3">
+                  <c:v>54.5383826427652</c:v>
+                </c:pt>
+                <c:pt idx="4">
+                  <c:v>54.5383826427652</c:v>
+                </c:pt>
+                <c:pt idx="5">
+                  <c:v>54.5383826427652</c:v>
+                </c:pt>
+                <c:pt idx="6">
+                  <c:v>54.5383826427652</c:v>
+                </c:pt>
+                <c:pt idx="7">
+                  <c:v>54.5383826427652</c:v>
+                </c:pt>
+                <c:pt idx="8">
+                  <c:v>54.5383826427652</c:v>
+                </c:pt>
+                <c:pt idx="9">
+                  <c:v>54.5383826427652</c:v>
+                </c:pt>
+                <c:pt idx="10">
+                  <c:v>54.5383826427652</c:v>
+                </c:pt>
+                <c:pt idx="11">
+                  <c:v>54.5383826427652</c:v>
+                </c:pt>
+                <c:pt idx="12">
+                  <c:v>54.5383826427652</c:v>
+                </c:pt>
+                <c:pt idx="13">
+                  <c:v>54.5383826427652</c:v>
+                </c:pt>
+                <c:pt idx="14">
+                  <c:v>54.5383826427652</c:v>
+                </c:pt>
+                <c:pt idx="15">
+                  <c:v>54.5383826427652</c:v>
+                </c:pt>
+                <c:pt idx="16">
+                  <c:v>54.5383826427652</c:v>
+                </c:pt>
+                <c:pt idx="17">
+                  <c:v>54.5383826427652</c:v>
+                </c:pt>
+                <c:pt idx="18">
+                  <c:v>54.5383826427652</c:v>
+                </c:pt>
+                <c:pt idx="19">
+                  <c:v>54.5383826427652</c:v>
+                </c:pt>
+                <c:pt idx="20">
+                  <c:v>54.5383826427652</c:v>
+                </c:pt>
+                <c:pt idx="21">
+                  <c:v>54.5383826427652</c:v>
+                </c:pt>
+                <c:pt idx="22">
+                  <c:v>54.538382723182501</c:v>
+                </c:pt>
+                <c:pt idx="23">
+                  <c:v>54.538382723182501</c:v>
+                </c:pt>
+                <c:pt idx="24">
+                  <c:v>54.538382723182501</c:v>
+                </c:pt>
+                <c:pt idx="25">
+                  <c:v>54.5383827231827</c:v>
+                </c:pt>
+                <c:pt idx="26">
+                  <c:v>54.538382723182501</c:v>
+                </c:pt>
+                <c:pt idx="27">
+                  <c:v>54.5383827231827</c:v>
+                </c:pt>
+                <c:pt idx="28">
+                  <c:v>54.538382723182501</c:v>
+                </c:pt>
+                <c:pt idx="29">
+                  <c:v>54.538382723182501</c:v>
+                </c:pt>
+                <c:pt idx="30">
+                  <c:v>54.538382723182501</c:v>
+                </c:pt>
+                <c:pt idx="31">
+                  <c:v>54.538382723182501</c:v>
+                </c:pt>
+                <c:pt idx="32">
+                  <c:v>54.538382723182501</c:v>
+                </c:pt>
+                <c:pt idx="33">
+                  <c:v>54.538382723182501</c:v>
+                </c:pt>
+                <c:pt idx="34">
+                  <c:v>54.538382723182501</c:v>
+                </c:pt>
+                <c:pt idx="35">
+                  <c:v>54.538382661538002</c:v>
+                </c:pt>
+                <c:pt idx="36">
+                  <c:v>54.538382603603402</c:v>
+                </c:pt>
+                <c:pt idx="37">
+                  <c:v>54.538382723210098</c:v>
+                </c:pt>
+                <c:pt idx="38">
+                  <c:v>54.538382723210098</c:v>
+                </c:pt>
+                <c:pt idx="39">
+                  <c:v>54.538382603603502</c:v>
+                </c:pt>
+                <c:pt idx="40">
+                  <c:v>54.538382723182401</c:v>
+                </c:pt>
+                <c:pt idx="41">
+                  <c:v>54.538382723182401</c:v>
+                </c:pt>
+                <c:pt idx="42">
+                  <c:v>60.910303479034901</c:v>
+                </c:pt>
+                <c:pt idx="43">
+                  <c:v>60.910303479040003</c:v>
+                </c:pt>
+                <c:pt idx="44">
+                  <c:v>60.910303479235601</c:v>
+                </c:pt>
+                <c:pt idx="45">
+                  <c:v>60.9103034790351</c:v>
+                </c:pt>
+                <c:pt idx="46">
+                  <c:v>60.910303479030901</c:v>
+                </c:pt>
+                <c:pt idx="47">
+                  <c:v>66.968976404868798</c:v>
+                </c:pt>
+                <c:pt idx="48">
+                  <c:v>66.968976404868698</c:v>
+                </c:pt>
+                <c:pt idx="49">
+                  <c:v>66.968979162474596</c:v>
+                </c:pt>
+                <c:pt idx="50">
+                  <c:v>66.968976404868599</c:v>
+                </c:pt>
+                <c:pt idx="51">
+                  <c:v>66.968975433993407</c:v>
+                </c:pt>
+                <c:pt idx="52">
+                  <c:v>67.508115176221196</c:v>
+                </c:pt>
+                <c:pt idx="53">
+                  <c:v>68.845248570679502</c:v>
+                </c:pt>
+                <c:pt idx="54">
+                  <c:v>70.055591258342801</c:v>
+                </c:pt>
+                <c:pt idx="55">
+                  <c:v>71.329329299475006</c:v>
+                </c:pt>
+                <c:pt idx="56">
+                  <c:v>73.340896147306097</c:v>
+                </c:pt>
+                <c:pt idx="57">
+                  <c:v>73.876805381525699</c:v>
+                </c:pt>
+                <c:pt idx="58">
+                  <c:v>78.484683057793404</c:v>
+                </c:pt>
+                <c:pt idx="59">
+                  <c:v>78.484682413048503</c:v>
+                </c:pt>
+                <c:pt idx="60">
+                  <c:v>78.484682411118797</c:v>
+                </c:pt>
+                <c:pt idx="61">
+                  <c:v>78.971757603875801</c:v>
+                </c:pt>
+                <c:pt idx="62">
+                  <c:v>80.245495586828895</c:v>
+                </c:pt>
+                <c:pt idx="63">
+                  <c:v>81.519233627889804</c:v>
+                </c:pt>
+                <c:pt idx="64">
+                  <c:v>82.792971668950599</c:v>
+                </c:pt>
+                <c:pt idx="65">
+                  <c:v>84.066709710011395</c:v>
+                </c:pt>
+                <c:pt idx="66">
+                  <c:v>85.340447751072205</c:v>
+                </c:pt>
+                <c:pt idx="67">
+                  <c:v>86.614185792133</c:v>
+                </c:pt>
+                <c:pt idx="68">
+                  <c:v>90.915275078436693</c:v>
+                </c:pt>
+                <c:pt idx="69">
+                  <c:v>90.915275150203598</c:v>
+                </c:pt>
+                <c:pt idx="70">
+                  <c:v>90.915275020344296</c:v>
+                </c:pt>
+                <c:pt idx="71">
+                  <c:v>91.709137956376097</c:v>
+                </c:pt>
+                <c:pt idx="72">
+                  <c:v>92.982875997436906</c:v>
+                </c:pt>
+                <c:pt idx="73">
+                  <c:v>94.256614038497702</c:v>
+                </c:pt>
+                <c:pt idx="74">
+                  <c:v>95.530352079558398</c:v>
+                </c:pt>
+                <c:pt idx="75">
+                  <c:v>96.804090120619193</c:v>
+                </c:pt>
+                <c:pt idx="76">
+                  <c:v>98.077828161679903</c:v>
+                </c:pt>
+                <c:pt idx="77">
+                  <c:v>99.351566202740798</c:v>
+                </c:pt>
+                <c:pt idx="78">
+                  <c:v>100.625304243801</c:v>
+                </c:pt>
+                <c:pt idx="79">
+                  <c:v>102.75207062083599</c:v>
+                </c:pt>
+                <c:pt idx="80">
+                  <c:v>103.172780325923</c:v>
+                </c:pt>
+                <c:pt idx="81">
+                  <c:v>104.446518366983</c:v>
+                </c:pt>
+                <c:pt idx="82">
+                  <c:v>105.72025640804399</c:v>
+                </c:pt>
+                <c:pt idx="83">
+                  <c:v>106.993994449105</c:v>
+                </c:pt>
+                <c:pt idx="84">
+                  <c:v>108.267732490166</c:v>
+                </c:pt>
+                <c:pt idx="85">
+                  <c:v>109.54147053122701</c:v>
+                </c:pt>
+                <c:pt idx="86">
+                  <c:v>110.81520857228701</c:v>
+                </c:pt>
+                <c:pt idx="87">
+                  <c:v>112.088946613348</c:v>
+                </c:pt>
+                <c:pt idx="88">
+                  <c:v>113.36268465440899</c:v>
+                </c:pt>
+                <c:pt idx="89">
+                  <c:v>114.63642269547</c:v>
+                </c:pt>
+                <c:pt idx="90">
+                  <c:v>115.91016073653</c:v>
+                </c:pt>
+                <c:pt idx="91">
+                  <c:v>117.183898777591</c:v>
+                </c:pt>
+                <c:pt idx="92">
+                  <c:v>118.15763681865201</c:v>
+                </c:pt>
+                <c:pt idx="93">
+                  <c:v>119.731374859713</c:v>
+                </c:pt>
+                <c:pt idx="94">
+                  <c:v>121.00511290077399</c:v>
+                </c:pt>
+                <c:pt idx="95">
+                  <c:v>122.27885094183399</c:v>
+                </c:pt>
+                <c:pt idx="96">
+                  <c:v>123.552588982895</c:v>
+                </c:pt>
+                <c:pt idx="97">
+                  <c:v>124.826327023956</c:v>
+                </c:pt>
+                <c:pt idx="98">
+                  <c:v>126.10006506501701</c:v>
+                </c:pt>
+              </c:numCache>
+            </c:numRef>
+          </c:xVal>
+          <c:yVal>
+            <c:numRef>
+              <c:f>Results!$N$3:$N$101</c:f>
+              <c:numCache>
+                <c:formatCode>General</c:formatCode>
+                <c:ptCount val="99"/>
+                <c:pt idx="0">
+                  <c:v>1</c:v>
+                </c:pt>
+                <c:pt idx="1">
+                  <c:v>1</c:v>
+                </c:pt>
+                <c:pt idx="2">
+                  <c:v>1</c:v>
+                </c:pt>
+                <c:pt idx="3">
+                  <c:v>1</c:v>
+                </c:pt>
+                <c:pt idx="4">
+                  <c:v>1</c:v>
+                </c:pt>
+                <c:pt idx="5">
+                  <c:v>1</c:v>
+                </c:pt>
+                <c:pt idx="6">
+                  <c:v>1</c:v>
+                </c:pt>
+                <c:pt idx="7">
+                  <c:v>1</c:v>
+                </c:pt>
+                <c:pt idx="8">
+                  <c:v>1</c:v>
+                </c:pt>
+                <c:pt idx="9">
+                  <c:v>1</c:v>
+                </c:pt>
+                <c:pt idx="10">
+                  <c:v>1</c:v>
+                </c:pt>
+                <c:pt idx="11">
+                  <c:v>1</c:v>
+                </c:pt>
+                <c:pt idx="12">
+                  <c:v>1</c:v>
+                </c:pt>
+                <c:pt idx="13">
+                  <c:v>1</c:v>
+                </c:pt>
+                <c:pt idx="14">
+                  <c:v>1</c:v>
+                </c:pt>
+                <c:pt idx="15">
+                  <c:v>1</c:v>
+                </c:pt>
+                <c:pt idx="16">
+                  <c:v>1</c:v>
+                </c:pt>
+                <c:pt idx="17">
+                  <c:v>1</c:v>
+                </c:pt>
+                <c:pt idx="18">
+                  <c:v>1</c:v>
+                </c:pt>
+                <c:pt idx="19">
+                  <c:v>1</c:v>
+                </c:pt>
+                <c:pt idx="20">
+                  <c:v>1</c:v>
+                </c:pt>
+                <c:pt idx="21">
+                  <c:v>1</c:v>
+                </c:pt>
+                <c:pt idx="22">
+                  <c:v>1</c:v>
+                </c:pt>
+                <c:pt idx="23">
+                  <c:v>1</c:v>
+                </c:pt>
+                <c:pt idx="24">
+                  <c:v>1</c:v>
+                </c:pt>
+                <c:pt idx="25">
+                  <c:v>1</c:v>
+                </c:pt>
+                <c:pt idx="26">
+                  <c:v>1</c:v>
+                </c:pt>
+                <c:pt idx="27">
+                  <c:v>1</c:v>
+                </c:pt>
+                <c:pt idx="28">
+                  <c:v>1</c:v>
+                </c:pt>
+                <c:pt idx="29">
+                  <c:v>1</c:v>
+                </c:pt>
+                <c:pt idx="30">
+                  <c:v>1</c:v>
+                </c:pt>
+                <c:pt idx="31">
+                  <c:v>1</c:v>
+                </c:pt>
+                <c:pt idx="32">
+                  <c:v>1</c:v>
+                </c:pt>
+                <c:pt idx="33">
+                  <c:v>1</c:v>
+                </c:pt>
+                <c:pt idx="34">
+                  <c:v>1</c:v>
+                </c:pt>
+                <c:pt idx="35">
+                  <c:v>1</c:v>
+                </c:pt>
+                <c:pt idx="36">
+                  <c:v>1</c:v>
+                </c:pt>
+                <c:pt idx="37">
+                  <c:v>1</c:v>
+                </c:pt>
+                <c:pt idx="38">
+                  <c:v>1</c:v>
+                </c:pt>
+                <c:pt idx="39">
+                  <c:v>1</c:v>
+                </c:pt>
+                <c:pt idx="40">
+                  <c:v>1</c:v>
+                </c:pt>
+                <c:pt idx="41">
+                  <c:v>1</c:v>
+                </c:pt>
+                <c:pt idx="42">
+                  <c:v>1</c:v>
+                </c:pt>
+                <c:pt idx="43">
+                  <c:v>1</c:v>
+                </c:pt>
+                <c:pt idx="44">
+                  <c:v>1</c:v>
+                </c:pt>
+                <c:pt idx="45">
+                  <c:v>1</c:v>
+                </c:pt>
+                <c:pt idx="46">
+                  <c:v>1</c:v>
+                </c:pt>
+                <c:pt idx="47">
+                  <c:v>1</c:v>
+                </c:pt>
+                <c:pt idx="48">
+                  <c:v>1</c:v>
+                </c:pt>
+                <c:pt idx="49">
+                  <c:v>1</c:v>
+                </c:pt>
+                <c:pt idx="50">
+                  <c:v>1</c:v>
+                </c:pt>
+                <c:pt idx="51">
+                  <c:v>1</c:v>
+                </c:pt>
+                <c:pt idx="52">
+                  <c:v>1</c:v>
+                </c:pt>
+                <c:pt idx="53">
+                  <c:v>1</c:v>
+                </c:pt>
+                <c:pt idx="54">
+                  <c:v>1</c:v>
+                </c:pt>
+                <c:pt idx="55">
+                  <c:v>1</c:v>
+                </c:pt>
+                <c:pt idx="56">
+                  <c:v>1</c:v>
+                </c:pt>
+                <c:pt idx="57">
+                  <c:v>1</c:v>
+                </c:pt>
+                <c:pt idx="58">
+                  <c:v>1</c:v>
+                </c:pt>
+                <c:pt idx="59">
+                  <c:v>1</c:v>
+                </c:pt>
+                <c:pt idx="60">
+                  <c:v>1</c:v>
+                </c:pt>
+                <c:pt idx="61">
+                  <c:v>0.99999999999999989</c:v>
+                </c:pt>
+                <c:pt idx="62">
+                  <c:v>0.99999999986992449</c:v>
+                </c:pt>
+                <c:pt idx="63">
+                  <c:v>0.99999999967030273</c:v>
+                </c:pt>
+                <c:pt idx="64">
+                  <c:v>0.9999999992855817</c:v>
+                </c:pt>
+                <c:pt idx="65">
+                  <c:v>0.99999999775495507</c:v>
+                </c:pt>
+                <c:pt idx="66">
+                  <c:v>0.99999999499546188</c:v>
+                </c:pt>
+                <c:pt idx="67">
+                  <c:v>0.99999998400261703</c:v>
+                </c:pt>
+                <c:pt idx="68">
+                  <c:v>0.99999996795194668</c:v>
+                </c:pt>
+                <c:pt idx="69">
+                  <c:v>0.99999996795189638</c:v>
+                </c:pt>
+                <c:pt idx="70">
+                  <c:v>0.99999996795190116</c:v>
+                </c:pt>
+                <c:pt idx="71">
+                  <c:v>0.99999982886906236</c:v>
+                </c:pt>
+                <c:pt idx="72">
+                  <c:v>0.99999697535548127</c:v>
+                </c:pt>
+                <c:pt idx="73">
+                  <c:v>0.99997169281139009</c:v>
+                </c:pt>
+                <c:pt idx="74">
+                  <c:v>0.99993516910558566</c:v>
+                </c:pt>
+                <c:pt idx="75">
+                  <c:v>0.99987934478653839</c:v>
+                </c:pt>
+                <c:pt idx="76">
+                  <c:v>0.99973571268694628</c:v>
+                </c:pt>
+                <c:pt idx="77">
+                  <c:v>0.99918625097447245</c:v>
+                </c:pt>
+                <c:pt idx="78">
+                  <c:v>0.99786138122935131</c:v>
+                </c:pt>
+                <c:pt idx="79">
+                  <c:v>0.99735016928205644</c:v>
+                </c:pt>
+                <c:pt idx="80">
+                  <c:v>0.99646730874354861</c:v>
+                </c:pt>
+                <c:pt idx="81">
+                  <c:v>0.99247230439081269</c:v>
+                </c:pt>
+                <c:pt idx="82">
+                  <c:v>0.98879450581516881</c:v>
+                </c:pt>
+                <c:pt idx="83">
+                  <c:v>0.97216246346776103</c:v>
+                </c:pt>
+                <c:pt idx="84">
+                  <c:v>0.93584867334182864</c:v>
+                </c:pt>
+                <c:pt idx="85">
+                  <c:v>0.93519519929677208</c:v>
+                </c:pt>
+                <c:pt idx="86">
+                  <c:v>0.90164625603865745</c:v>
+                </c:pt>
+                <c:pt idx="87">
+                  <c:v>0.87449444434583756</c:v>
+                </c:pt>
+                <c:pt idx="88">
+                  <c:v>0.83442600795597133</c:v>
+                </c:pt>
+                <c:pt idx="89">
+                  <c:v>0.77621420170973177</c:v>
+                </c:pt>
+                <c:pt idx="90">
+                  <c:v>0.71116381387304384</c:v>
+                </c:pt>
+                <c:pt idx="91">
+                  <c:v>0.64219468720710682</c:v>
+                </c:pt>
+                <c:pt idx="92">
+                  <c:v>0.57182151869297371</c:v>
+                </c:pt>
+                <c:pt idx="93">
+                  <c:v>0.39872676204147883</c:v>
+                </c:pt>
+                <c:pt idx="94">
+                  <c:v>0.35145431036803709</c:v>
+                </c:pt>
+                <c:pt idx="95">
+                  <c:v>0.29046335569421</c:v>
+                </c:pt>
+                <c:pt idx="96">
+                  <c:v>0.23696345072281599</c:v>
+                </c:pt>
+                <c:pt idx="97">
+                  <c:v>0.19118432668431784</c:v>
+                </c:pt>
+                <c:pt idx="98">
+                  <c:v>0.15281409911099808</c:v>
+                </c:pt>
+              </c:numCache>
+            </c:numRef>
+          </c:yVal>
+          <c:smooth val="0"/>
+          <c:extLst>
+            <c:ext xmlns:c16="http://schemas.microsoft.com/office/drawing/2014/chart" uri="{C3380CC4-5D6E-409C-BE32-E72D297353CC}">
+              <c16:uniqueId val="{00000002-5E51-4124-8004-62A0509B494D}"/>
+            </c:ext>
+          </c:extLst>
+        </c:ser>
+        <c:ser>
+          <c:idx val="4"/>
+          <c:order val="3"/>
+          <c:tx>
+            <c:v>4 Changes</c:v>
+          </c:tx>
+          <c:spPr>
+            <a:ln w="22225" cap="rnd">
+              <a:solidFill>
+                <a:schemeClr val="accent3"/>
+              </a:solidFill>
+              <a:round/>
+            </a:ln>
+            <a:effectLst/>
+          </c:spPr>
+          <c:marker>
+            <c:symbol val="circle"/>
+            <c:size val="5"/>
+            <c:spPr>
+              <a:solidFill>
+                <a:schemeClr val="accent3"/>
+              </a:solidFill>
+              <a:ln>
+                <a:solidFill>
+                  <a:schemeClr val="accent3"/>
+                </a:solidFill>
+              </a:ln>
+            </c:spPr>
+          </c:marker>
+          <c:xVal>
+            <c:numRef>
+              <c:f>Results!$P$3:$P$101</c:f>
+              <c:numCache>
+                <c:formatCode>General</c:formatCode>
+                <c:ptCount val="99"/>
+                <c:pt idx="0">
+                  <c:v>36.153704545807102</c:v>
+                </c:pt>
+                <c:pt idx="1">
+                  <c:v>36.153704545807102</c:v>
+                </c:pt>
+                <c:pt idx="2">
+                  <c:v>36.153704545807102</c:v>
+                </c:pt>
+                <c:pt idx="3">
+                  <c:v>36.153704545807102</c:v>
+                </c:pt>
+                <c:pt idx="4">
+                  <c:v>36.153704545807102</c:v>
+                </c:pt>
+                <c:pt idx="5">
+                  <c:v>36.153704545807102</c:v>
+                </c:pt>
+                <c:pt idx="6">
+                  <c:v>36.153704545807102</c:v>
+                </c:pt>
+                <c:pt idx="7">
+                  <c:v>36.153704545807102</c:v>
+                </c:pt>
+                <c:pt idx="8">
+                  <c:v>36.153704545807102</c:v>
+                </c:pt>
+                <c:pt idx="9">
+                  <c:v>36.153704545807102</c:v>
+                </c:pt>
+                <c:pt idx="10">
+                  <c:v>36.153704545807102</c:v>
+                </c:pt>
+                <c:pt idx="11">
+                  <c:v>36.153704545807102</c:v>
+                </c:pt>
+                <c:pt idx="12">
+                  <c:v>36.153704545807102</c:v>
+                </c:pt>
+                <c:pt idx="13">
+                  <c:v>36.153704545816503</c:v>
+                </c:pt>
+                <c:pt idx="14">
+                  <c:v>36.153704545807102</c:v>
+                </c:pt>
+                <c:pt idx="15">
+                  <c:v>36.153704545816503</c:v>
+                </c:pt>
+                <c:pt idx="16">
+                  <c:v>36.153704545807102</c:v>
+                </c:pt>
+                <c:pt idx="17">
+                  <c:v>36.153704545807102</c:v>
+                </c:pt>
+                <c:pt idx="18">
+                  <c:v>36.153704545807102</c:v>
+                </c:pt>
+                <c:pt idx="19">
+                  <c:v>36.153704545807102</c:v>
+                </c:pt>
+                <c:pt idx="20">
+                  <c:v>36.153704545619199</c:v>
+                </c:pt>
+                <c:pt idx="21">
+                  <c:v>36.153704545619199</c:v>
+                </c:pt>
+                <c:pt idx="22">
+                  <c:v>36.153704545807102</c:v>
+                </c:pt>
+                <c:pt idx="23">
+                  <c:v>36.153704545807102</c:v>
+                </c:pt>
+                <c:pt idx="24">
+                  <c:v>36.153704545807102</c:v>
+                </c:pt>
+                <c:pt idx="25">
+                  <c:v>36.153704545807102</c:v>
+                </c:pt>
+                <c:pt idx="26">
+                  <c:v>36.153704545807102</c:v>
+                </c:pt>
+                <c:pt idx="27">
+                  <c:v>36.153704545807102</c:v>
+                </c:pt>
+                <c:pt idx="28">
+                  <c:v>44.088650214182003</c:v>
+                </c:pt>
+                <c:pt idx="29">
+                  <c:v>44.088650214182003</c:v>
+                </c:pt>
+                <c:pt idx="30">
+                  <c:v>44.088650214182003</c:v>
+                </c:pt>
+                <c:pt idx="31">
+                  <c:v>44.088650214181797</c:v>
+                </c:pt>
+                <c:pt idx="32">
+                  <c:v>44.088650214194899</c:v>
+                </c:pt>
+                <c:pt idx="33">
+                  <c:v>44.088650214194899</c:v>
+                </c:pt>
+                <c:pt idx="34">
+                  <c:v>44.710444439707302</c:v>
+                </c:pt>
+                <c:pt idx="35">
+                  <c:v>45.987886391141799</c:v>
+                </c:pt>
+                <c:pt idx="36">
+                  <c:v>47.2653277075907</c:v>
+                </c:pt>
+                <c:pt idx="37">
+                  <c:v>48.584297214083598</c:v>
+                </c:pt>
+                <c:pt idx="38">
+                  <c:v>49.820210340767403</c:v>
+                </c:pt>
+                <c:pt idx="39">
+                  <c:v>53.728084757209999</c:v>
+                </c:pt>
+                <c:pt idx="40">
+                  <c:v>53.728083418852201</c:v>
+                </c:pt>
+                <c:pt idx="41">
+                  <c:v>53.728083266453297</c:v>
+                </c:pt>
+                <c:pt idx="42">
+                  <c:v>60.100004131029003</c:v>
+                </c:pt>
+                <c:pt idx="43">
+                  <c:v>60.100004131099901</c:v>
+                </c:pt>
+                <c:pt idx="44">
+                  <c:v>60.100004131033501</c:v>
+                </c:pt>
+                <c:pt idx="45">
+                  <c:v>60.100004131023397</c:v>
+                </c:pt>
+                <c:pt idx="46">
+                  <c:v>60.100004131058903</c:v>
+                </c:pt>
+                <c:pt idx="47">
+                  <c:v>61.317182188022102</c:v>
+                </c:pt>
+                <c:pt idx="48">
+                  <c:v>66.158676101596001</c:v>
+                </c:pt>
+                <c:pt idx="49">
+                  <c:v>66.158676145222501</c:v>
+                </c:pt>
+                <c:pt idx="50">
+                  <c:v>66.158677010051306</c:v>
+                </c:pt>
+                <c:pt idx="51">
+                  <c:v>66.426947453615597</c:v>
+                </c:pt>
+                <c:pt idx="52">
+                  <c:v>68.034949799403194</c:v>
+                </c:pt>
+                <c:pt idx="53">
+                  <c:v>68.981830086447104</c:v>
+                </c:pt>
+                <c:pt idx="54">
+                  <c:v>70.259271402862794</c:v>
+                </c:pt>
+                <c:pt idx="55">
+                  <c:v>72.530597216823594</c:v>
+                </c:pt>
+                <c:pt idx="56">
+                  <c:v>72.814154035694003</c:v>
+                </c:pt>
+                <c:pt idx="57">
+                  <c:v>74.091595352109906</c:v>
+                </c:pt>
+                <c:pt idx="58">
+                  <c:v>75.369036668525496</c:v>
+                </c:pt>
+                <c:pt idx="59">
+                  <c:v>76.646477984941299</c:v>
+                </c:pt>
+                <c:pt idx="60">
+                  <c:v>77.923919301356904</c:v>
+                </c:pt>
+                <c:pt idx="61">
+                  <c:v>79.201360617772593</c:v>
+                </c:pt>
+                <c:pt idx="62">
+                  <c:v>80.478801934188397</c:v>
+                </c:pt>
+                <c:pt idx="63">
+                  <c:v>81.756243250604001</c:v>
+                </c:pt>
+                <c:pt idx="64">
+                  <c:v>83.033684567019506</c:v>
+                </c:pt>
+                <c:pt idx="65">
+                  <c:v>84.311125883435395</c:v>
+                </c:pt>
+                <c:pt idx="66">
+                  <c:v>85.588567199851099</c:v>
+                </c:pt>
+                <c:pt idx="67">
+                  <c:v>86.866008516266703</c:v>
+                </c:pt>
+                <c:pt idx="68">
+                  <c:v>88.143449832682407</c:v>
+                </c:pt>
+                <c:pt idx="69">
+                  <c:v>89.420891149098097</c:v>
+                </c:pt>
+                <c:pt idx="70">
+                  <c:v>90.698332465513801</c:v>
+                </c:pt>
+                <c:pt idx="71">
+                  <c:v>91.975773781929504</c:v>
+                </c:pt>
+                <c:pt idx="72">
+                  <c:v>93.253215098345194</c:v>
+                </c:pt>
+                <c:pt idx="73">
+                  <c:v>94.530656414760699</c:v>
+                </c:pt>
+                <c:pt idx="74">
+                  <c:v>95.808097731176602</c:v>
+                </c:pt>
+                <c:pt idx="75">
+                  <c:v>97.085539047592206</c:v>
+                </c:pt>
+                <c:pt idx="76">
+                  <c:v>98.362980364007896</c:v>
+                </c:pt>
+                <c:pt idx="77">
+                  <c:v>99.6404216804236</c:v>
+                </c:pt>
+                <c:pt idx="78">
+                  <c:v>100.91786299683901</c:v>
+                </c:pt>
+                <c:pt idx="79">
+                  <c:v>102.19530431325499</c:v>
+                </c:pt>
+                <c:pt idx="80">
+                  <c:v>103.47274562967</c:v>
+                </c:pt>
+                <c:pt idx="81">
+                  <c:v>104.750186946086</c:v>
+                </c:pt>
+                <c:pt idx="82">
+                  <c:v>106.02762826250201</c:v>
+                </c:pt>
+                <c:pt idx="83">
+                  <c:v>107.305069578917</c:v>
+                </c:pt>
+                <c:pt idx="84">
+                  <c:v>108.582510895333</c:v>
+                </c:pt>
+                <c:pt idx="85">
+                  <c:v>109.859952211749</c:v>
+                </c:pt>
+                <c:pt idx="86">
+                  <c:v>111.137393528164</c:v>
+                </c:pt>
+                <c:pt idx="87">
+                  <c:v>112.41483484458</c:v>
+                </c:pt>
+                <c:pt idx="88">
+                  <c:v>113.692276160996</c:v>
+                </c:pt>
+                <c:pt idx="89">
+                  <c:v>114.969717477411</c:v>
+                </c:pt>
+                <c:pt idx="90">
+                  <c:v>116.247158793827</c:v>
+                </c:pt>
+                <c:pt idx="91">
+                  <c:v>117.524600110243</c:v>
+                </c:pt>
+                <c:pt idx="92">
+                  <c:v>118.802074310656</c:v>
+                </c:pt>
+                <c:pt idx="93">
+                  <c:v>120.079482743074</c:v>
+                </c:pt>
+                <c:pt idx="94">
+                  <c:v>121.35692405949</c:v>
+                </c:pt>
+                <c:pt idx="95">
+                  <c:v>122.634365375906</c:v>
+                </c:pt>
+                <c:pt idx="96">
+                  <c:v>123.91180669232099</c:v>
+                </c:pt>
+                <c:pt idx="97">
+                  <c:v>125.189248008737</c:v>
+                </c:pt>
+                <c:pt idx="98">
+                  <c:v>126.466689325153</c:v>
+                </c:pt>
+              </c:numCache>
+            </c:numRef>
+          </c:xVal>
+          <c:yVal>
+            <c:numRef>
+              <c:f>Results!$R$3:$R$101</c:f>
+              <c:numCache>
+                <c:formatCode>General</c:formatCode>
+                <c:ptCount val="99"/>
+                <c:pt idx="0">
+                  <c:v>1</c:v>
+                </c:pt>
+                <c:pt idx="1">
+                  <c:v>1</c:v>
+                </c:pt>
+                <c:pt idx="2">
+                  <c:v>1</c:v>
+                </c:pt>
+                <c:pt idx="3">
+                  <c:v>1</c:v>
+                </c:pt>
+                <c:pt idx="4">
+                  <c:v>1</c:v>
+                </c:pt>
+                <c:pt idx="5">
+                  <c:v>1</c:v>
+                </c:pt>
+                <c:pt idx="6">
+                  <c:v>1</c:v>
+                </c:pt>
+                <c:pt idx="7">
+                  <c:v>1</c:v>
+                </c:pt>
+                <c:pt idx="8">
+                  <c:v>1</c:v>
+                </c:pt>
+                <c:pt idx="9">
+                  <c:v>1</c:v>
+                </c:pt>
+                <c:pt idx="10">
+                  <c:v>1</c:v>
+                </c:pt>
+                <c:pt idx="11">
+                  <c:v>1</c:v>
+                </c:pt>
+                <c:pt idx="12">
+                  <c:v>1</c:v>
+                </c:pt>
+                <c:pt idx="13">
+                  <c:v>1</c:v>
+                </c:pt>
+                <c:pt idx="14">
+                  <c:v>1</c:v>
+                </c:pt>
+                <c:pt idx="15">
+                  <c:v>1</c:v>
+                </c:pt>
+                <c:pt idx="16">
+                  <c:v>1</c:v>
+                </c:pt>
+                <c:pt idx="17">
+                  <c:v>1</c:v>
+                </c:pt>
+                <c:pt idx="18">
+                  <c:v>1</c:v>
+                </c:pt>
+                <c:pt idx="19">
+                  <c:v>1</c:v>
+                </c:pt>
+                <c:pt idx="20">
+                  <c:v>1</c:v>
+                </c:pt>
+                <c:pt idx="21">
+                  <c:v>1</c:v>
+                </c:pt>
+                <c:pt idx="22">
+                  <c:v>1</c:v>
+                </c:pt>
+                <c:pt idx="23">
+                  <c:v>1</c:v>
+                </c:pt>
+                <c:pt idx="24">
+                  <c:v>1</c:v>
+                </c:pt>
+                <c:pt idx="25">
+                  <c:v>1</c:v>
+                </c:pt>
+                <c:pt idx="26">
+                  <c:v>1</c:v>
+                </c:pt>
+                <c:pt idx="27">
+                  <c:v>1</c:v>
+                </c:pt>
+                <c:pt idx="28">
+                  <c:v>1</c:v>
+                </c:pt>
+                <c:pt idx="29">
+                  <c:v>1</c:v>
+                </c:pt>
+                <c:pt idx="30">
+                  <c:v>1</c:v>
+                </c:pt>
+                <c:pt idx="31">
+                  <c:v>1</c:v>
+                </c:pt>
+                <c:pt idx="32">
+                  <c:v>1</c:v>
+                </c:pt>
+                <c:pt idx="33">
+                  <c:v>1</c:v>
+                </c:pt>
+                <c:pt idx="34">
+                  <c:v>1</c:v>
+                </c:pt>
+                <c:pt idx="35">
+                  <c:v>1</c:v>
+                </c:pt>
+                <c:pt idx="36">
+                  <c:v>1</c:v>
+                </c:pt>
+                <c:pt idx="37">
+                  <c:v>1</c:v>
+                </c:pt>
+                <c:pt idx="38">
+                  <c:v>1</c:v>
+                </c:pt>
+                <c:pt idx="39">
+                  <c:v>1</c:v>
+                </c:pt>
+                <c:pt idx="40">
+                  <c:v>1</c:v>
+                </c:pt>
+                <c:pt idx="41">
+                  <c:v>1</c:v>
+                </c:pt>
+                <c:pt idx="42">
+                  <c:v>1</c:v>
+                </c:pt>
+                <c:pt idx="43">
+                  <c:v>1</c:v>
+                </c:pt>
+                <c:pt idx="44">
+                  <c:v>1</c:v>
+                </c:pt>
+                <c:pt idx="45">
+                  <c:v>1</c:v>
+                </c:pt>
+                <c:pt idx="46">
+                  <c:v>1</c:v>
+                </c:pt>
+                <c:pt idx="47">
+                  <c:v>1</c:v>
+                </c:pt>
+                <c:pt idx="48">
+                  <c:v>1</c:v>
+                </c:pt>
+                <c:pt idx="49">
+                  <c:v>1</c:v>
+                </c:pt>
+                <c:pt idx="50">
+                  <c:v>1</c:v>
+                </c:pt>
+                <c:pt idx="51">
+                  <c:v>1</c:v>
+                </c:pt>
+                <c:pt idx="52">
+                  <c:v>1</c:v>
+                </c:pt>
+                <c:pt idx="53">
+                  <c:v>1</c:v>
+                </c:pt>
+                <c:pt idx="54">
+                  <c:v>1</c:v>
+                </c:pt>
+                <c:pt idx="55">
+                  <c:v>1</c:v>
+                </c:pt>
+                <c:pt idx="56">
+                  <c:v>1</c:v>
+                </c:pt>
+                <c:pt idx="57">
+                  <c:v>1</c:v>
+                </c:pt>
+                <c:pt idx="58">
+                  <c:v>1</c:v>
+                </c:pt>
+                <c:pt idx="59">
+                  <c:v>1</c:v>
+                </c:pt>
+                <c:pt idx="60">
+                  <c:v>1</c:v>
+                </c:pt>
+                <c:pt idx="61">
+                  <c:v>0.99999999999992473</c:v>
+                </c:pt>
+                <c:pt idx="62">
+                  <c:v>0.9999999999995639</c:v>
+                </c:pt>
+                <c:pt idx="63">
+                  <c:v>0.99999999999903477</c:v>
+                </c:pt>
+                <c:pt idx="64">
+                  <c:v>0.99999999999648359</c:v>
+                </c:pt>
+                <c:pt idx="65">
+                  <c:v>0.99999999999180256</c:v>
+                </c:pt>
+                <c:pt idx="66">
+                  <c:v>0.99999999997174072</c:v>
+                </c:pt>
+                <c:pt idx="67">
+                  <c:v>0.9999999998447896</c:v>
+                </c:pt>
+                <c:pt idx="68">
+                  <c:v>0.99999999876310852</c:v>
+                </c:pt>
+                <c:pt idx="69">
+                  <c:v>0.99999998795424483</c:v>
+                </c:pt>
+                <c:pt idx="70">
+                  <c:v>0.99999997212325542</c:v>
+                </c:pt>
+                <c:pt idx="71">
+                  <c:v>0.99999971692204148</c:v>
+                </c:pt>
+                <c:pt idx="72">
+                  <c:v>0.99999558992472126</c:v>
+                </c:pt>
+                <c:pt idx="73">
+                  <c:v>0.99997137929276847</c:v>
+                </c:pt>
+                <c:pt idx="74">
+                  <c:v>0.99995490316565439</c:v>
+                </c:pt>
+                <c:pt idx="75">
+                  <c:v>0.99991203429604247</c:v>
+                </c:pt>
+                <c:pt idx="76">
+                  <c:v>0.99978128237291009</c:v>
+                </c:pt>
+                <c:pt idx="77">
+                  <c:v>0.99945486646637061</c:v>
+                </c:pt>
+                <c:pt idx="78">
+                  <c:v>0.99887370988174273</c:v>
+                </c:pt>
+                <c:pt idx="79">
+                  <c:v>0.99774451614441118</c:v>
+                </c:pt>
+                <c:pt idx="80">
+                  <c:v>0.99580213266535178</c:v>
+                </c:pt>
+                <c:pt idx="81">
+                  <c:v>0.99158935345458543</c:v>
+                </c:pt>
+                <c:pt idx="82">
+                  <c:v>0.98734607759150761</c:v>
+                </c:pt>
+                <c:pt idx="83">
+                  <c:v>0.96641087746118592</c:v>
+                </c:pt>
+                <c:pt idx="84">
+                  <c:v>0.94226919345750093</c:v>
+                </c:pt>
+                <c:pt idx="85">
+                  <c:v>0.92893915348885503</c:v>
+                </c:pt>
+                <c:pt idx="86">
+                  <c:v>0.89361479728110638</c:v>
+                </c:pt>
+                <c:pt idx="87">
+                  <c:v>0.86857114476719688</c:v>
+                </c:pt>
+                <c:pt idx="88">
+                  <c:v>0.8227538026189023</c:v>
+                </c:pt>
+                <c:pt idx="89">
+                  <c:v>0.7629018949416343</c:v>
+                </c:pt>
+                <c:pt idx="90">
+                  <c:v>0.69655761809334227</c:v>
+                </c:pt>
+                <c:pt idx="91">
+                  <c:v>0.6269577952495935</c:v>
+                </c:pt>
+                <c:pt idx="92">
+                  <c:v>0.540167936194211</c:v>
+                </c:pt>
+                <c:pt idx="93">
+                  <c:v>0.38802634183912155</c:v>
+                </c:pt>
+                <c:pt idx="94">
+                  <c:v>0.33724030617435763</c:v>
+                </c:pt>
+                <c:pt idx="95">
+                  <c:v>0.27786707342040495</c:v>
+                </c:pt>
+                <c:pt idx="96">
+                  <c:v>0.22592783376425718</c:v>
+                </c:pt>
+                <c:pt idx="97">
+                  <c:v>0.1818140610326564</c:v>
+                </c:pt>
+                <c:pt idx="98">
+                  <c:v>0.14496219556862722</c:v>
+                </c:pt>
+              </c:numCache>
+            </c:numRef>
+          </c:yVal>
+          <c:smooth val="0"/>
+          <c:extLst>
+            <c:ext xmlns:c16="http://schemas.microsoft.com/office/drawing/2014/chart" uri="{C3380CC4-5D6E-409C-BE32-E72D297353CC}">
+              <c16:uniqueId val="{00000003-5E51-4124-8004-62A0509B494D}"/>
+            </c:ext>
+          </c:extLst>
+        </c:ser>
+        <c:ser>
+          <c:idx val="0"/>
+          <c:order val="4"/>
+          <c:tx>
+            <c:v>5 Changes</c:v>
+          </c:tx>
+          <c:spPr>
+            <a:ln w="22225" cap="rnd">
+              <a:solidFill>
+                <a:schemeClr val="accent6"/>
+              </a:solidFill>
+              <a:round/>
+            </a:ln>
+            <a:effectLst/>
+          </c:spPr>
+          <c:marker>
+            <c:symbol val="circle"/>
+            <c:size val="5"/>
+            <c:spPr>
+              <a:solidFill>
+                <a:schemeClr val="accent6"/>
+              </a:solidFill>
+              <a:ln w="9525">
+                <a:solidFill>
+                  <a:schemeClr val="accent6"/>
+                </a:solidFill>
+              </a:ln>
+              <a:effectLst/>
+            </c:spPr>
+          </c:marker>
+          <c:xVal>
+            <c:numRef>
+              <c:f>Results!$T$3:$T$101</c:f>
+              <c:numCache>
+                <c:formatCode>General</c:formatCode>
+                <c:ptCount val="99"/>
+                <c:pt idx="0">
+                  <c:v>7.4003709868349903</c:v>
+                </c:pt>
+                <c:pt idx="1">
+                  <c:v>7.4003709868349903</c:v>
+                </c:pt>
+                <c:pt idx="2">
+                  <c:v>7.4003709868349903</c:v>
+                </c:pt>
+                <c:pt idx="3">
+                  <c:v>7.4003709868349903</c:v>
+                </c:pt>
+                <c:pt idx="4">
+                  <c:v>7.4003709868349903</c:v>
+                </c:pt>
+                <c:pt idx="5">
+                  <c:v>15.335316654600501</c:v>
+                </c:pt>
+                <c:pt idx="6">
+                  <c:v>15.335316227009001</c:v>
+                </c:pt>
+                <c:pt idx="7">
+                  <c:v>15.335316227009001</c:v>
+                </c:pt>
+                <c:pt idx="8">
+                  <c:v>15.3353166546006</c:v>
+                </c:pt>
+                <c:pt idx="9">
+                  <c:v>15.335316609080699</c:v>
+                </c:pt>
+                <c:pt idx="10">
+                  <c:v>15.3353166545752</c:v>
+                </c:pt>
+                <c:pt idx="11">
+                  <c:v>15.3353166546138</c:v>
+                </c:pt>
+                <c:pt idx="12">
+                  <c:v>16.606740373253899</c:v>
+                </c:pt>
+                <c:pt idx="13">
+                  <c:v>17.884182380112101</c:v>
+                </c:pt>
+                <c:pt idx="14">
+                  <c:v>22.826299813270801</c:v>
+                </c:pt>
+                <c:pt idx="15">
+                  <c:v>22.826299813270801</c:v>
+                </c:pt>
+                <c:pt idx="16">
+                  <c:v>22.826299813270801</c:v>
+                </c:pt>
+                <c:pt idx="17">
+                  <c:v>22.9939490601264</c:v>
+                </c:pt>
+                <c:pt idx="18">
+                  <c:v>28.7533335595819</c:v>
+                </c:pt>
+                <c:pt idx="19">
+                  <c:v>28.7533335595819</c:v>
+                </c:pt>
+                <c:pt idx="20">
+                  <c:v>28.753333579073701</c:v>
+                </c:pt>
+                <c:pt idx="21">
+                  <c:v>28.7533335595819</c:v>
+                </c:pt>
+                <c:pt idx="22">
+                  <c:v>35.343405198666098</c:v>
+                </c:pt>
+                <c:pt idx="23">
+                  <c:v>35.343405197807499</c:v>
+                </c:pt>
+                <c:pt idx="24">
+                  <c:v>35.343405198445403</c:v>
+                </c:pt>
+                <c:pt idx="25">
+                  <c:v>35.343405198062598</c:v>
+                </c:pt>
+                <c:pt idx="26">
+                  <c:v>35.343405197807002</c:v>
+                </c:pt>
+                <c:pt idx="27">
+                  <c:v>35.768365760197497</c:v>
+                </c:pt>
+                <c:pt idx="28">
+                  <c:v>37.0458074367154</c:v>
+                </c:pt>
+                <c:pt idx="29">
+                  <c:v>38.323249100210802</c:v>
+                </c:pt>
+                <c:pt idx="30">
+                  <c:v>43.278350881934003</c:v>
+                </c:pt>
+                <c:pt idx="31">
+                  <c:v>43.278351266282499</c:v>
+                </c:pt>
+                <c:pt idx="32">
+                  <c:v>43.27835159112</c:v>
+                </c:pt>
+                <c:pt idx="33">
+                  <c:v>43.433015780239799</c:v>
+                </c:pt>
+                <c:pt idx="34">
+                  <c:v>44.710457450246899</c:v>
+                </c:pt>
+                <c:pt idx="35">
+                  <c:v>45.9878991202538</c:v>
+                </c:pt>
+                <c:pt idx="36">
+                  <c:v>47.773998020795901</c:v>
+                </c:pt>
+                <c:pt idx="37">
+                  <c:v>48.542782460267702</c:v>
+                </c:pt>
+                <c:pt idx="38">
+                  <c:v>49.820224130275101</c:v>
+                </c:pt>
+                <c:pt idx="39">
+                  <c:v>51.097665800282101</c:v>
+                </c:pt>
+                <c:pt idx="40">
+                  <c:v>52.375107470289102</c:v>
+                </c:pt>
+                <c:pt idx="41">
+                  <c:v>53.652549140296301</c:v>
+                </c:pt>
+                <c:pt idx="42">
+                  <c:v>54.929990810303302</c:v>
+                </c:pt>
+                <c:pt idx="43">
+                  <c:v>56.207432480310402</c:v>
+                </c:pt>
+                <c:pt idx="44">
+                  <c:v>57.484874150316898</c:v>
+                </c:pt>
+                <c:pt idx="45">
+                  <c:v>58.762315820324503</c:v>
+                </c:pt>
+                <c:pt idx="46">
+                  <c:v>60.039757490331397</c:v>
+                </c:pt>
+                <c:pt idx="47">
+                  <c:v>61.317199160338603</c:v>
+                </c:pt>
+                <c:pt idx="48">
+                  <c:v>62.594640830345597</c:v>
+                </c:pt>
+                <c:pt idx="49">
+                  <c:v>63.872082500352597</c:v>
+                </c:pt>
+                <c:pt idx="50">
+                  <c:v>65.149524170359697</c:v>
+                </c:pt>
+                <c:pt idx="51">
+                  <c:v>66.426965840366606</c:v>
+                </c:pt>
+                <c:pt idx="52">
+                  <c:v>67.704407510373898</c:v>
+                </c:pt>
+                <c:pt idx="53">
+                  <c:v>68.981849180380905</c:v>
+                </c:pt>
+                <c:pt idx="54">
+                  <c:v>70.259290850387899</c:v>
+                </c:pt>
+                <c:pt idx="55">
+                  <c:v>71.536732520394906</c:v>
+                </c:pt>
+                <c:pt idx="56">
+                  <c:v>72.814174190402099</c:v>
+                </c:pt>
+                <c:pt idx="57">
+                  <c:v>74.091615860409107</c:v>
+                </c:pt>
+                <c:pt idx="58">
+                  <c:v>75.3690575304162</c:v>
+                </c:pt>
+                <c:pt idx="59">
+                  <c:v>76.646499200422795</c:v>
+                </c:pt>
+                <c:pt idx="60">
+                  <c:v>77.9239408704303</c:v>
+                </c:pt>
+                <c:pt idx="61">
+                  <c:v>79.201382540437294</c:v>
+                </c:pt>
+                <c:pt idx="62">
+                  <c:v>80.478824210444401</c:v>
+                </c:pt>
+                <c:pt idx="63">
+                  <c:v>81.756265880451494</c:v>
+                </c:pt>
+                <c:pt idx="64">
+                  <c:v>83.033707550458502</c:v>
+                </c:pt>
+                <c:pt idx="65">
+                  <c:v>84.311149220465595</c:v>
+                </c:pt>
+                <c:pt idx="66">
+                  <c:v>85.588590890472602</c:v>
+                </c:pt>
+                <c:pt idx="67">
+                  <c:v>86.866032560479695</c:v>
+                </c:pt>
+                <c:pt idx="68">
+                  <c:v>88.143474230486703</c:v>
+                </c:pt>
+                <c:pt idx="69">
+                  <c:v>89.420915900493696</c:v>
+                </c:pt>
+                <c:pt idx="70">
+                  <c:v>90.698357570500804</c:v>
+                </c:pt>
+                <c:pt idx="71">
+                  <c:v>91.975799240507897</c:v>
+                </c:pt>
+                <c:pt idx="72">
+                  <c:v>93.253240910514904</c:v>
+                </c:pt>
+                <c:pt idx="73">
+                  <c:v>94.530682580521898</c:v>
+                </c:pt>
+                <c:pt idx="74">
+                  <c:v>95.808124250529005</c:v>
+                </c:pt>
+                <c:pt idx="75">
+                  <c:v>97.085565920536098</c:v>
+                </c:pt>
+                <c:pt idx="76">
+                  <c:v>98.363007590543205</c:v>
+                </c:pt>
+                <c:pt idx="77">
+                  <c:v>99.640449260550199</c:v>
+                </c:pt>
+                <c:pt idx="78">
+                  <c:v>100.91789093055699</c:v>
+                </c:pt>
+                <c:pt idx="79">
+                  <c:v>102.195332600564</c:v>
+                </c:pt>
+                <c:pt idx="80">
+                  <c:v>103.47277427057099</c:v>
+                </c:pt>
+                <c:pt idx="81">
+                  <c:v>104.750215940578</c:v>
+                </c:pt>
+                <c:pt idx="82">
+                  <c:v>106.027657610585</c:v>
+                </c:pt>
+                <c:pt idx="83">
+                  <c:v>107.305099280592</c:v>
+                </c:pt>
+                <c:pt idx="84">
+                  <c:v>108.582540950599</c:v>
+                </c:pt>
+                <c:pt idx="85">
+                  <c:v>109.859982620606</c:v>
+                </c:pt>
+                <c:pt idx="86">
+                  <c:v>111.137424290613</c:v>
+                </c:pt>
+                <c:pt idx="87">
+                  <c:v>112.41486596062001</c:v>
+                </c:pt>
+                <c:pt idx="88">
+                  <c:v>113.692307630627</c:v>
+                </c:pt>
+                <c:pt idx="89">
+                  <c:v>114.96974930063401</c:v>
+                </c:pt>
+                <c:pt idx="90">
+                  <c:v>116.247190970641</c:v>
+                </c:pt>
+                <c:pt idx="91">
+                  <c:v>117.524632640649</c:v>
+                </c:pt>
+                <c:pt idx="92">
+                  <c:v>118.802074310656</c:v>
+                </c:pt>
+                <c:pt idx="93">
+                  <c:v>120.079515980663</c:v>
+                </c:pt>
+                <c:pt idx="94">
+                  <c:v>121.35695765067</c:v>
+                </c:pt>
+                <c:pt idx="95">
+                  <c:v>122.63439932067701</c:v>
+                </c:pt>
+                <c:pt idx="96">
+                  <c:v>123.911840990684</c:v>
+                </c:pt>
+                <c:pt idx="97">
+                  <c:v>125.18928266069101</c:v>
+                </c:pt>
+                <c:pt idx="98">
+                  <c:v>126.466724330698</c:v>
+                </c:pt>
+              </c:numCache>
+            </c:numRef>
+          </c:xVal>
+          <c:yVal>
+            <c:numRef>
+              <c:f>Results!$V$3:$V$101</c:f>
+              <c:numCache>
+                <c:formatCode>General</c:formatCode>
+                <c:ptCount val="99"/>
+                <c:pt idx="0">
+                  <c:v>1</c:v>
+                </c:pt>
+                <c:pt idx="1">
+                  <c:v>1</c:v>
+                </c:pt>
+                <c:pt idx="2">
+                  <c:v>1</c:v>
+                </c:pt>
+                <c:pt idx="3">
+                  <c:v>1</c:v>
+                </c:pt>
+                <c:pt idx="4">
+                  <c:v>1</c:v>
+                </c:pt>
+                <c:pt idx="5">
+                  <c:v>1</c:v>
+                </c:pt>
+                <c:pt idx="6">
+                  <c:v>1</c:v>
+                </c:pt>
+                <c:pt idx="7">
+                  <c:v>1</c:v>
+                </c:pt>
+                <c:pt idx="8">
+                  <c:v>1</c:v>
+                </c:pt>
+                <c:pt idx="9">
+                  <c:v>1</c:v>
+                </c:pt>
+                <c:pt idx="10">
+                  <c:v>1</c:v>
+                </c:pt>
+                <c:pt idx="11">
+                  <c:v>1</c:v>
+                </c:pt>
+                <c:pt idx="12">
+                  <c:v>1</c:v>
+                </c:pt>
+                <c:pt idx="13">
+                  <c:v>1</c:v>
+                </c:pt>
+                <c:pt idx="14">
+                  <c:v>1</c:v>
+                </c:pt>
+                <c:pt idx="15">
+                  <c:v>1</c:v>
+                </c:pt>
+                <c:pt idx="16">
+                  <c:v>1</c:v>
+                </c:pt>
+                <c:pt idx="17">
+                  <c:v>1</c:v>
+                </c:pt>
+                <c:pt idx="18">
+                  <c:v>1</c:v>
+                </c:pt>
+                <c:pt idx="19">
+                  <c:v>1</c:v>
+                </c:pt>
+                <c:pt idx="20">
+                  <c:v>1</c:v>
+                </c:pt>
+                <c:pt idx="21">
+                  <c:v>1</c:v>
+                </c:pt>
+                <c:pt idx="22">
+                  <c:v>1</c:v>
+                </c:pt>
+                <c:pt idx="23">
+                  <c:v>1</c:v>
+                </c:pt>
+                <c:pt idx="24">
+                  <c:v>1</c:v>
+                </c:pt>
+                <c:pt idx="25">
+                  <c:v>1</c:v>
+                </c:pt>
+                <c:pt idx="26">
+                  <c:v>1</c:v>
+                </c:pt>
+                <c:pt idx="27">
+                  <c:v>1</c:v>
+                </c:pt>
+                <c:pt idx="28">
+                  <c:v>1</c:v>
+                </c:pt>
+                <c:pt idx="29">
+                  <c:v>1</c:v>
+                </c:pt>
+                <c:pt idx="30">
+                  <c:v>1</c:v>
+                </c:pt>
+                <c:pt idx="31">
+                  <c:v>1</c:v>
+                </c:pt>
+                <c:pt idx="32">
+                  <c:v>1</c:v>
+                </c:pt>
+                <c:pt idx="33">
+                  <c:v>1</c:v>
+                </c:pt>
+                <c:pt idx="34">
+                  <c:v>1</c:v>
+                </c:pt>
+                <c:pt idx="35">
+                  <c:v>1</c:v>
+                </c:pt>
+                <c:pt idx="36">
+                  <c:v>1</c:v>
+                </c:pt>
+                <c:pt idx="37">
+                  <c:v>1</c:v>
+                </c:pt>
+                <c:pt idx="38">
+                  <c:v>1</c:v>
+                </c:pt>
+                <c:pt idx="39">
+                  <c:v>1</c:v>
+                </c:pt>
+                <c:pt idx="40">
+                  <c:v>1</c:v>
+                </c:pt>
+                <c:pt idx="41">
+                  <c:v>1</c:v>
+                </c:pt>
+                <c:pt idx="42">
+                  <c:v>1</c:v>
+                </c:pt>
+                <c:pt idx="43">
+                  <c:v>1</c:v>
+                </c:pt>
+                <c:pt idx="44">
+                  <c:v>1</c:v>
+                </c:pt>
+                <c:pt idx="45">
+                  <c:v>1</c:v>
+                </c:pt>
+                <c:pt idx="46">
+                  <c:v>1</c:v>
+                </c:pt>
+                <c:pt idx="47">
+                  <c:v>1</c:v>
+                </c:pt>
+                <c:pt idx="48">
+                  <c:v>1</c:v>
+                </c:pt>
+                <c:pt idx="49">
+                  <c:v>1</c:v>
+                </c:pt>
+                <c:pt idx="50">
+                  <c:v>1</c:v>
+                </c:pt>
+                <c:pt idx="51">
+                  <c:v>1</c:v>
+                </c:pt>
+                <c:pt idx="52">
+                  <c:v>1</c:v>
+                </c:pt>
+                <c:pt idx="53">
+                  <c:v>1</c:v>
+                </c:pt>
+                <c:pt idx="54">
+                  <c:v>1</c:v>
+                </c:pt>
+                <c:pt idx="55">
+                  <c:v>1</c:v>
+                </c:pt>
+                <c:pt idx="56">
+                  <c:v>1</c:v>
+                </c:pt>
+                <c:pt idx="57">
+                  <c:v>1</c:v>
+                </c:pt>
+                <c:pt idx="58">
+                  <c:v>1</c:v>
+                </c:pt>
+                <c:pt idx="59">
+                  <c:v>1</c:v>
+                </c:pt>
+                <c:pt idx="60">
+                  <c:v>1</c:v>
+                </c:pt>
+                <c:pt idx="61">
+                  <c:v>0.99999999999992473</c:v>
+                </c:pt>
+                <c:pt idx="62">
+                  <c:v>0.9999999999995639</c:v>
+                </c:pt>
+                <c:pt idx="63">
+                  <c:v>0.99999999999903477</c:v>
+                </c:pt>
+                <c:pt idx="64">
+                  <c:v>0.99999999999648359</c:v>
+                </c:pt>
+                <c:pt idx="65">
+                  <c:v>0.99999999999180267</c:v>
+                </c:pt>
+                <c:pt idx="66">
+                  <c:v>0.99999999997174116</c:v>
+                </c:pt>
+                <c:pt idx="67">
+                  <c:v>0.99999999984479238</c:v>
+                </c:pt>
+                <c:pt idx="68">
+                  <c:v>0.99999999876314039</c:v>
+                </c:pt>
+                <c:pt idx="69">
+                  <c:v>0.99999998868377105</c:v>
+                </c:pt>
+                <c:pt idx="70">
+                  <c:v>0.99999997370782268</c:v>
+                </c:pt>
+                <c:pt idx="71">
+                  <c:v>0.99999971693212764</c:v>
+                </c:pt>
+                <c:pt idx="72">
+                  <c:v>0.9999955900227574</c:v>
+                </c:pt>
+                <c:pt idx="73">
+                  <c:v>0.99997137956046789</c:v>
+                </c:pt>
+                <c:pt idx="74">
+                  <c:v>0.99995490335617376</c:v>
+                </c:pt>
+                <c:pt idx="75">
+                  <c:v>0.99991203497516323</c:v>
+                </c:pt>
+                <c:pt idx="76">
+                  <c:v>0.99978128403064093</c:v>
+                </c:pt>
+                <c:pt idx="77">
+                  <c:v>0.99945486883428603</c:v>
+                </c:pt>
+                <c:pt idx="78">
+                  <c:v>0.99887371561497851</c:v>
+                </c:pt>
+                <c:pt idx="79">
+                  <c:v>0.99777291456515271</c:v>
+                </c:pt>
+                <c:pt idx="80">
+                  <c:v>0.99580215752121293</c:v>
+                </c:pt>
+                <c:pt idx="81">
+                  <c:v>0.99158936066563641</c:v>
+                </c:pt>
+                <c:pt idx="82">
+                  <c:v>0.98734616742986447</c:v>
+                </c:pt>
+                <c:pt idx="83">
+                  <c:v>0.96641113961260749</c:v>
+                </c:pt>
+                <c:pt idx="84">
+                  <c:v>0.94226917925954057</c:v>
+                </c:pt>
+                <c:pt idx="85">
+                  <c:v>0.9289393438426381</c:v>
+                </c:pt>
+                <c:pt idx="86">
+                  <c:v>0.89361521971241387</c:v>
+                </c:pt>
+                <c:pt idx="87">
+                  <c:v>0.86857112739179232</c:v>
+                </c:pt>
+                <c:pt idx="88">
+                  <c:v>0.82275403492283439</c:v>
+                </c:pt>
+                <c:pt idx="89">
+                  <c:v>0.7629021891969443</c:v>
+                </c:pt>
+                <c:pt idx="90">
+                  <c:v>0.69655785925348901</c:v>
+                </c:pt>
+                <c:pt idx="91">
+                  <c:v>0.62695799370364358</c:v>
+                </c:pt>
+                <c:pt idx="92">
+                  <c:v>0.540167936194211</c:v>
+                </c:pt>
+                <c:pt idx="93">
+                  <c:v>0.38802620351032024</c:v>
+                </c:pt>
+                <c:pt idx="94">
+                  <c:v>0.33724038437868187</c:v>
+                </c:pt>
+                <c:pt idx="95">
+                  <c:v>0.27786711779533735</c:v>
+                </c:pt>
+                <c:pt idx="96">
+                  <c:v>0.22592785864649079</c:v>
+                </c:pt>
+                <c:pt idx="97">
+                  <c:v>0.18181410805541542</c:v>
+                </c:pt>
+                <c:pt idx="98">
+                  <c:v>0.14496213997414387</c:v>
+                </c:pt>
+              </c:numCache>
+            </c:numRef>
+          </c:yVal>
+          <c:smooth val="0"/>
+          <c:extLst>
+            <c:ext xmlns:c16="http://schemas.microsoft.com/office/drawing/2014/chart" uri="{C3380CC4-5D6E-409C-BE32-E72D297353CC}">
+              <c16:uniqueId val="{00000004-5E51-4124-8004-62A0509B494D}"/>
+            </c:ext>
+          </c:extLst>
+        </c:ser>
+        <c:dLbls>
+          <c:showLegendKey val="0"/>
+          <c:showVal val="0"/>
+          <c:showCatName val="0"/>
+          <c:showSerName val="0"/>
+          <c:showPercent val="0"/>
+          <c:showBubbleSize val="0"/>
+        </c:dLbls>
+        <c:axId val="545065824"/>
+        <c:axId val="545064512"/>
+        <c:extLst>
+          <c:ext xmlns:c15="http://schemas.microsoft.com/office/drawing/2012/chart" uri="{02D57815-91ED-43cb-92C2-25804820EDAC}">
+            <c15:filteredScatterSeries>
+              <c15:ser>
+                <c:idx val="5"/>
+                <c:order val="5"/>
+                <c:tx>
+                  <c:v>2 Changes_2</c:v>
+                </c:tx>
+                <c:xVal>
+                  <c:numRef>
+                    <c:extLst>
+                      <c:ext uri="{02D57815-91ED-43cb-92C2-25804820EDAC}">
+                        <c15:formulaRef>
+                          <c15:sqref>Results!$AE$3:$AE$101</c15:sqref>
+                        </c15:formulaRef>
+                      </c:ext>
+                    </c:extLst>
+                    <c:numCache>
+                      <c:formatCode>General</c:formatCode>
+                      <c:ptCount val="99"/>
+                      <c:pt idx="0">
+                        <c:v>79.294980208610895</c:v>
+                      </c:pt>
+                      <c:pt idx="1">
+                        <c:v>79.294980208610895</c:v>
+                      </c:pt>
+                      <c:pt idx="2">
+                        <c:v>79.294980208610895</c:v>
+                      </c:pt>
+                      <c:pt idx="3">
+                        <c:v>79.294980208610895</c:v>
+                      </c:pt>
+                      <c:pt idx="4">
+                        <c:v>79.294980208610895</c:v>
+                      </c:pt>
+                      <c:pt idx="5">
+                        <c:v>79.294980208610895</c:v>
+                      </c:pt>
+                      <c:pt idx="6">
+                        <c:v>79.294980208610895</c:v>
+                      </c:pt>
+                      <c:pt idx="7">
+                        <c:v>79.294980208610895</c:v>
+                      </c:pt>
+                      <c:pt idx="8">
+                        <c:v>79.294980208610895</c:v>
+                      </c:pt>
+                      <c:pt idx="9">
+                        <c:v>79.294980208610895</c:v>
+                      </c:pt>
+                      <c:pt idx="10">
+                        <c:v>79.294980208610895</c:v>
+                      </c:pt>
+                      <c:pt idx="11">
+                        <c:v>79.294980208610895</c:v>
+                      </c:pt>
+                      <c:pt idx="12">
+                        <c:v>79.294980208610895</c:v>
+                      </c:pt>
+                      <c:pt idx="13">
+                        <c:v>79.294980208610895</c:v>
+                      </c:pt>
+                      <c:pt idx="14">
+                        <c:v>79.294980208610895</c:v>
+                      </c:pt>
+                      <c:pt idx="15">
+                        <c:v>79.294980208610895</c:v>
+                      </c:pt>
+                      <c:pt idx="16">
+                        <c:v>79.294980208610895</c:v>
+                      </c:pt>
+                      <c:pt idx="17">
+                        <c:v>79.294980208610895</c:v>
+                      </c:pt>
+                      <c:pt idx="18">
+                        <c:v>79.294980208610895</c:v>
+                      </c:pt>
+                      <c:pt idx="19">
+                        <c:v>79.294980208610895</c:v>
+                      </c:pt>
+                      <c:pt idx="20">
+                        <c:v>79.294980208610895</c:v>
+                      </c:pt>
+                      <c:pt idx="21">
+                        <c:v>79.294980208610895</c:v>
+                      </c:pt>
+                      <c:pt idx="22">
+                        <c:v>79.294980208610895</c:v>
+                      </c:pt>
+                      <c:pt idx="23">
+                        <c:v>79.294980208610895</c:v>
+                      </c:pt>
+                      <c:pt idx="24">
+                        <c:v>79.294981700060703</c:v>
+                      </c:pt>
+                      <c:pt idx="25">
+                        <c:v>79.294981700060703</c:v>
+                      </c:pt>
+                      <c:pt idx="26">
+                        <c:v>79.294981700060703</c:v>
+                      </c:pt>
+                      <c:pt idx="27">
+                        <c:v>79.294981700060703</c:v>
+                      </c:pt>
+                      <c:pt idx="28">
+                        <c:v>79.294981700060703</c:v>
+                      </c:pt>
+                      <c:pt idx="29">
+                        <c:v>79.294981700060703</c:v>
+                      </c:pt>
+                      <c:pt idx="30">
+                        <c:v>79.294981700060703</c:v>
+                      </c:pt>
+                      <c:pt idx="31">
+                        <c:v>79.294981700060703</c:v>
+                      </c:pt>
+                      <c:pt idx="32">
+                        <c:v>79.294981700060703</c:v>
+                      </c:pt>
+                      <c:pt idx="33">
+                        <c:v>79.294981700060703</c:v>
+                      </c:pt>
+                      <c:pt idx="34">
+                        <c:v>79.294981700060703</c:v>
+                      </c:pt>
+                      <c:pt idx="35">
+                        <c:v>79.294981700060703</c:v>
+                      </c:pt>
+                      <c:pt idx="36">
+                        <c:v>79.294981700060703</c:v>
+                      </c:pt>
+                      <c:pt idx="37">
+                        <c:v>79.294981700060703</c:v>
+                      </c:pt>
+                      <c:pt idx="38">
+                        <c:v>79.294981700060703</c:v>
+                      </c:pt>
+                      <c:pt idx="39">
+                        <c:v>79.294981700060703</c:v>
+                      </c:pt>
+                      <c:pt idx="40">
+                        <c:v>79.294981700060703</c:v>
+                      </c:pt>
+                      <c:pt idx="41">
+                        <c:v>79.294981700060703</c:v>
+                      </c:pt>
+                      <c:pt idx="42">
+                        <c:v>79.294981700060703</c:v>
+                      </c:pt>
+                      <c:pt idx="43">
+                        <c:v>79.294981700060703</c:v>
+                      </c:pt>
+                      <c:pt idx="44">
+                        <c:v>79.294981700060703</c:v>
+                      </c:pt>
+                      <c:pt idx="45">
+                        <c:v>79.294981700060703</c:v>
+                      </c:pt>
+                      <c:pt idx="46">
+                        <c:v>79.294981700060703</c:v>
+                      </c:pt>
+                      <c:pt idx="47">
+                        <c:v>79.294981700060703</c:v>
+                      </c:pt>
+                      <c:pt idx="48">
+                        <c:v>79.294981700067098</c:v>
+                      </c:pt>
+                      <c:pt idx="49">
+                        <c:v>79.294980208610895</c:v>
+                      </c:pt>
+                      <c:pt idx="50">
+                        <c:v>79.294980208610895</c:v>
+                      </c:pt>
+                      <c:pt idx="51">
+                        <c:v>79.294980208610895</c:v>
+                      </c:pt>
+                      <c:pt idx="52">
+                        <c:v>79.294980208610895</c:v>
+                      </c:pt>
+                      <c:pt idx="53">
+                        <c:v>79.294980208610895</c:v>
+                      </c:pt>
+                      <c:pt idx="54">
+                        <c:v>79.294981596517601</c:v>
+                      </c:pt>
+                      <c:pt idx="55">
+                        <c:v>79.294981700067098</c:v>
+                      </c:pt>
+                      <c:pt idx="56">
+                        <c:v>79.294981700060703</c:v>
+                      </c:pt>
+                      <c:pt idx="57">
+                        <c:v>79.294981700067098</c:v>
+                      </c:pt>
+                      <c:pt idx="58">
+                        <c:v>79.294980208610895</c:v>
+                      </c:pt>
+                      <c:pt idx="59">
+                        <c:v>79.294981594695102</c:v>
+                      </c:pt>
+                      <c:pt idx="60">
+                        <c:v>79.294981594865703</c:v>
+                      </c:pt>
+                      <c:pt idx="61">
+                        <c:v>79.294981594857902</c:v>
+                      </c:pt>
+                      <c:pt idx="62">
+                        <c:v>79.294981594858001</c:v>
+                      </c:pt>
+                      <c:pt idx="63">
+                        <c:v>79.294981536632207</c:v>
+                      </c:pt>
+                      <c:pt idx="64">
+                        <c:v>79.2949817001887</c:v>
+                      </c:pt>
+                      <c:pt idx="65">
+                        <c:v>79.294981701525998</c:v>
+                      </c:pt>
+                      <c:pt idx="66">
+                        <c:v>79.294981758313796</c:v>
+                      </c:pt>
+                      <c:pt idx="67">
+                        <c:v>80.528675427665405</c:v>
+                      </c:pt>
+                      <c:pt idx="68">
+                        <c:v>84.095870818538003</c:v>
+                      </c:pt>
+                      <c:pt idx="69">
+                        <c:v>84.095870818538003</c:v>
+                      </c:pt>
+                      <c:pt idx="70">
+                        <c:v>84.095870818538202</c:v>
+                      </c:pt>
+                      <c:pt idx="71">
+                        <c:v>91.725575232462404</c:v>
+                      </c:pt>
+                      <c:pt idx="72">
+                        <c:v>91.725575313826397</c:v>
+                      </c:pt>
+                      <c:pt idx="73">
+                        <c:v>91.725574426448603</c:v>
+                      </c:pt>
+                      <c:pt idx="74">
+                        <c:v>91.725574368348902</c:v>
+                      </c:pt>
+                      <c:pt idx="75">
+                        <c:v>91.725574426437902</c:v>
+                      </c:pt>
+                      <c:pt idx="76">
+                        <c:v>91.725574368343203</c:v>
+                      </c:pt>
+                      <c:pt idx="77">
+                        <c:v>92.125802435082406</c:v>
+                      </c:pt>
+                      <c:pt idx="78">
+                        <c:v>93.306902479121902</c:v>
+                      </c:pt>
+                      <c:pt idx="79">
+                        <c:v>94.488002523161498</c:v>
+                      </c:pt>
+                      <c:pt idx="80">
+                        <c:v>95.669102626086598</c:v>
+                      </c:pt>
+                      <c:pt idx="81">
+                        <c:v>96.850202611240505</c:v>
+                      </c:pt>
+                      <c:pt idx="82">
+                        <c:v>98.031302655280001</c:v>
+                      </c:pt>
+                      <c:pt idx="83">
+                        <c:v>99.212402699319298</c:v>
+                      </c:pt>
+                      <c:pt idx="84">
+                        <c:v>101.670250774843</c:v>
+                      </c:pt>
+                      <c:pt idx="85">
+                        <c:v>101.670250781186</c:v>
+                      </c:pt>
+                      <c:pt idx="86">
+                        <c:v>103.56236996883599</c:v>
+                      </c:pt>
+                      <c:pt idx="87">
+                        <c:v>103.936802875477</c:v>
+                      </c:pt>
+                      <c:pt idx="88">
+                        <c:v>105.11790291951699</c:v>
+                      </c:pt>
+                      <c:pt idx="89">
+                        <c:v>106.29900296355601</c:v>
+                      </c:pt>
+                      <c:pt idx="90">
+                        <c:v>107.480103007596</c:v>
+                      </c:pt>
+                      <c:pt idx="91">
+                        <c:v>108.661203051635</c:v>
+                      </c:pt>
+                      <c:pt idx="92">
+                        <c:v>110.533648163541</c:v>
+                      </c:pt>
+                      <c:pt idx="93">
+                        <c:v>111.02340313971401</c:v>
+                      </c:pt>
+                      <c:pt idx="94">
+                        <c:v>113.50704609062601</c:v>
+                      </c:pt>
+                      <c:pt idx="95">
+                        <c:v>113.507045292073</c:v>
+                      </c:pt>
+                      <c:pt idx="96">
+                        <c:v>114.56670327183301</c:v>
+                      </c:pt>
+                      <c:pt idx="97">
+                        <c:v>115.74780331587201</c:v>
+                      </c:pt>
+                      <c:pt idx="98">
+                        <c:v>116.928903359912</c:v>
+                      </c:pt>
+                    </c:numCache>
+                  </c:numRef>
+                </c:xVal>
+                <c:yVal>
+                  <c:numRef>
+                    <c:extLst>
+                      <c:ext uri="{02D57815-91ED-43cb-92C2-25804820EDAC}">
+                        <c15:formulaRef>
+                          <c15:sqref>Results!$AG$3:$AG$101</c15:sqref>
+                        </c15:formulaRef>
+                      </c:ext>
+                    </c:extLst>
+                    <c:numCache>
+                      <c:formatCode>General</c:formatCode>
+                      <c:ptCount val="99"/>
+                      <c:pt idx="0">
+                        <c:v>0.99999999999996658</c:v>
+                      </c:pt>
+                      <c:pt idx="1">
+                        <c:v>0.99999999999996658</c:v>
+                      </c:pt>
+                      <c:pt idx="2">
+                        <c:v>0.99999999999996658</c:v>
+                      </c:pt>
+                      <c:pt idx="3">
+                        <c:v>0.99999999999996658</c:v>
+                      </c:pt>
+                      <c:pt idx="4">
+                        <c:v>0.99999999999996658</c:v>
+                      </c:pt>
+                      <c:pt idx="5">
+                        <c:v>0.99999999999996658</c:v>
+                      </c:pt>
+                      <c:pt idx="6">
+                        <c:v>0.99999999999996658</c:v>
+                      </c:pt>
+                      <c:pt idx="7">
+                        <c:v>0.99999999999996658</c:v>
+                      </c:pt>
+                      <c:pt idx="8">
+                        <c:v>0.99999999999996658</c:v>
+                      </c:pt>
+                      <c:pt idx="9">
+                        <c:v>0.99999999999996658</c:v>
+                      </c:pt>
+                      <c:pt idx="10">
+                        <c:v>0.99999999999996658</c:v>
+                      </c:pt>
+                      <c:pt idx="11">
+                        <c:v>0.99999999999996658</c:v>
+                      </c:pt>
+                      <c:pt idx="12">
+                        <c:v>0.99999999999996658</c:v>
+                      </c:pt>
+                      <c:pt idx="13">
+                        <c:v>0.99999999999996658</c:v>
+                      </c:pt>
+                      <c:pt idx="14">
+                        <c:v>0.99999999999996658</c:v>
+                      </c:pt>
+                      <c:pt idx="15">
+                        <c:v>0.99999999999996658</c:v>
+                      </c:pt>
+                      <c:pt idx="16">
+                        <c:v>0.99999999999996658</c:v>
+                      </c:pt>
+                      <c:pt idx="17">
+                        <c:v>0.99999999999996658</c:v>
+                      </c:pt>
+                      <c:pt idx="18">
+                        <c:v>0.99999999999996658</c:v>
+                      </c:pt>
+                      <c:pt idx="19">
+                        <c:v>0.99999999999996658</c:v>
+                      </c:pt>
+                      <c:pt idx="20">
+                        <c:v>0.99999999999996658</c:v>
+                      </c:pt>
+                      <c:pt idx="21">
+                        <c:v>0.99999999999996658</c:v>
+                      </c:pt>
+                      <c:pt idx="22">
+                        <c:v>0.99999999999996658</c:v>
+                      </c:pt>
+                      <c:pt idx="23">
+                        <c:v>0.99999999999996658</c:v>
+                      </c:pt>
+                      <c:pt idx="24">
+                        <c:v>0.99999999999996658</c:v>
+                      </c:pt>
+                      <c:pt idx="25">
+                        <c:v>0.99999999999996658</c:v>
+                      </c:pt>
+                      <c:pt idx="26">
+                        <c:v>0.99999999999996658</c:v>
+                      </c:pt>
+                      <c:pt idx="27">
+                        <c:v>0.99999999999996658</c:v>
+                      </c:pt>
+                      <c:pt idx="28">
+                        <c:v>0.99999999999996658</c:v>
+                      </c:pt>
+                      <c:pt idx="29">
+                        <c:v>0.99999999999996658</c:v>
+                      </c:pt>
+                      <c:pt idx="30">
+                        <c:v>0.99999999999996658</c:v>
+                      </c:pt>
+                      <c:pt idx="31">
+                        <c:v>0.99999999999996658</c:v>
+                      </c:pt>
+                      <c:pt idx="32">
+                        <c:v>0.99999999999996658</c:v>
+                      </c:pt>
+                      <c:pt idx="33">
+                        <c:v>0.99999999999996658</c:v>
+                      </c:pt>
+                      <c:pt idx="34">
+                        <c:v>0.99999999999996658</c:v>
+                      </c:pt>
+                      <c:pt idx="35">
+                        <c:v>0.99999999999996658</c:v>
+                      </c:pt>
+                      <c:pt idx="36">
+                        <c:v>0.99999999999996658</c:v>
+                      </c:pt>
+                      <c:pt idx="37">
+                        <c:v>0.99999999999996658</c:v>
+                      </c:pt>
+                      <c:pt idx="38">
+                        <c:v>0.99999999999996658</c:v>
+                      </c:pt>
+                      <c:pt idx="39">
+                        <c:v>0.99999999999996658</c:v>
+                      </c:pt>
+                      <c:pt idx="40">
+                        <c:v>0.99999999999996658</c:v>
+                      </c:pt>
+                      <c:pt idx="41">
+                        <c:v>0.99999999999996658</c:v>
+                      </c:pt>
+                      <c:pt idx="42">
+                        <c:v>0.99999999999996658</c:v>
+                      </c:pt>
+                      <c:pt idx="43">
+                        <c:v>0.99999999999996658</c:v>
+                      </c:pt>
+                      <c:pt idx="44">
+                        <c:v>0.99999999999996658</c:v>
+                      </c:pt>
+                      <c:pt idx="45">
+                        <c:v>0.99999999999996658</c:v>
+                      </c:pt>
+                      <c:pt idx="46">
+                        <c:v>0.99999999999996658</c:v>
+                      </c:pt>
+                      <c:pt idx="47">
+                        <c:v>0.99999999999996658</c:v>
+                      </c:pt>
+                      <c:pt idx="48">
+                        <c:v>0.99999999999996658</c:v>
+                      </c:pt>
+                      <c:pt idx="49">
+                        <c:v>0.99999999999996658</c:v>
+                      </c:pt>
+                      <c:pt idx="50">
+                        <c:v>0.99999999999996658</c:v>
+                      </c:pt>
+                      <c:pt idx="51">
+                        <c:v>0.99999999999996658</c:v>
+                      </c:pt>
+                      <c:pt idx="52">
+                        <c:v>0.99999999999996658</c:v>
+                      </c:pt>
+                      <c:pt idx="53">
+                        <c:v>0.99999999999996658</c:v>
+                      </c:pt>
+                      <c:pt idx="54">
+                        <c:v>0.99999999999996658</c:v>
+                      </c:pt>
+                      <c:pt idx="55">
+                        <c:v>0.99999999999996658</c:v>
+                      </c:pt>
+                      <c:pt idx="56">
+                        <c:v>0.99999999999996658</c:v>
+                      </c:pt>
+                      <c:pt idx="57">
+                        <c:v>0.99999999999996658</c:v>
+                      </c:pt>
+                      <c:pt idx="58">
+                        <c:v>0.99999999999996658</c:v>
+                      </c:pt>
+                      <c:pt idx="59">
+                        <c:v>0.99999999999996658</c:v>
+                      </c:pt>
+                      <c:pt idx="60">
+                        <c:v>0.99999999999996658</c:v>
+                      </c:pt>
+                      <c:pt idx="61">
+                        <c:v>0.99999999999996658</c:v>
+                      </c:pt>
+                      <c:pt idx="62">
+                        <c:v>0.99999999999996658</c:v>
+                      </c:pt>
+                      <c:pt idx="63">
+                        <c:v>0.99999999999996658</c:v>
+                      </c:pt>
+                      <c:pt idx="64">
+                        <c:v>0.99999999999996658</c:v>
+                      </c:pt>
+                      <c:pt idx="65">
+                        <c:v>0.99999999999996658</c:v>
+                      </c:pt>
+                      <c:pt idx="66">
+                        <c:v>0.99999999999996658</c:v>
+                      </c:pt>
+                      <c:pt idx="67">
+                        <c:v>0.99999998369913456</c:v>
+                      </c:pt>
+                      <c:pt idx="68">
+                        <c:v>0.99999952190338115</c:v>
+                      </c:pt>
+                      <c:pt idx="69">
+                        <c:v>0.99999952190338115</c:v>
+                      </c:pt>
+                      <c:pt idx="70">
+                        <c:v>0.99999952190338115</c:v>
+                      </c:pt>
+                      <c:pt idx="71">
+                        <c:v>0.99999673682892087</c:v>
+                      </c:pt>
+                      <c:pt idx="72">
+                        <c:v>0.99999673682963597</c:v>
+                      </c:pt>
+                      <c:pt idx="73">
+                        <c:v>0.99999673682922785</c:v>
+                      </c:pt>
+                      <c:pt idx="74">
+                        <c:v>0.99999673682891022</c:v>
+                      </c:pt>
+                      <c:pt idx="75">
+                        <c:v>0.99999673682892132</c:v>
+                      </c:pt>
+                      <c:pt idx="76">
+                        <c:v>0.99999673682890955</c:v>
+                      </c:pt>
+                      <c:pt idx="77">
+                        <c:v>0.99999386073307861</c:v>
+                      </c:pt>
+                      <c:pt idx="78">
+                        <c:v>0.99994688539517007</c:v>
+                      </c:pt>
+                      <c:pt idx="79">
+                        <c:v>0.99971637683589665</c:v>
+                      </c:pt>
+                      <c:pt idx="80">
+                        <c:v>0.99915556788974902</c:v>
+                      </c:pt>
+                      <c:pt idx="81">
+                        <c:v>0.99879387941353281</c:v>
+                      </c:pt>
+                      <c:pt idx="82">
+                        <c:v>0.99821421453696391</c:v>
+                      </c:pt>
+                      <c:pt idx="83">
+                        <c:v>0.99656719675602823</c:v>
+                      </c:pt>
+                      <c:pt idx="84">
+                        <c:v>0.99571862693211144</c:v>
+                      </c:pt>
+                      <c:pt idx="85">
+                        <c:v>0.99571862695285251</c:v>
+                      </c:pt>
+                      <c:pt idx="86">
+                        <c:v>0.97981891105564889</c:v>
+                      </c:pt>
+                      <c:pt idx="87">
+                        <c:v>0.9756105321677051</c:v>
+                      </c:pt>
+                      <c:pt idx="88">
+                        <c:v>0.95847804584374652</c:v>
+                      </c:pt>
+                      <c:pt idx="89">
+                        <c:v>0.94505531102791651</c:v>
+                      </c:pt>
+                      <c:pt idx="90">
+                        <c:v>0.90809163317468566</c:v>
+                      </c:pt>
+                      <c:pt idx="91">
+                        <c:v>0.8302242656998069</c:v>
+                      </c:pt>
+                      <c:pt idx="92">
+                        <c:v>0.83901430022738688</c:v>
+                      </c:pt>
+                      <c:pt idx="93">
+                        <c:v>0.81107031789626072</c:v>
+                      </c:pt>
+                      <c:pt idx="94">
+                        <c:v>0.79475996820548067</c:v>
+                      </c:pt>
+                      <c:pt idx="95">
+                        <c:v>0.79475996439863172</c:v>
+                      </c:pt>
+                      <c:pt idx="96">
+                        <c:v>0.7436352786760797</c:v>
+                      </c:pt>
+                      <c:pt idx="97">
+                        <c:v>0.69761915910004046</c:v>
+                      </c:pt>
+                      <c:pt idx="98">
+                        <c:v>0.6353469900973282</c:v>
+                      </c:pt>
+                    </c:numCache>
+                  </c:numRef>
+                </c:yVal>
+                <c:smooth val="0"/>
+                <c:extLst>
+                  <c:ext xmlns:c16="http://schemas.microsoft.com/office/drawing/2014/chart" uri="{C3380CC4-5D6E-409C-BE32-E72D297353CC}">
+                    <c16:uniqueId val="{00000005-5E51-4124-8004-62A0509B494D}"/>
+                  </c:ext>
+                </c:extLst>
+              </c15:ser>
+            </c15:filteredScatterSeries>
+            <c15:filteredScatterSeries>
+              <c15:ser>
+                <c:idx val="6"/>
+                <c:order val="6"/>
+                <c:tx>
+                  <c:v>3 Changes_2</c:v>
+                </c:tx>
+                <c:xVal>
+                  <c:numRef>
+                    <c:extLst xmlns:c15="http://schemas.microsoft.com/office/drawing/2012/chart">
+                      <c:ext xmlns:c15="http://schemas.microsoft.com/office/drawing/2012/chart" uri="{02D57815-91ED-43cb-92C2-25804820EDAC}">
+                        <c15:formulaRef>
+                          <c15:sqref>Results!$AI$3:$AI$101</c15:sqref>
+                        </c15:formulaRef>
+                      </c:ext>
+                    </c:extLst>
+                    <c:numCache>
+                      <c:formatCode>General</c:formatCode>
+                      <c:ptCount val="99"/>
+                      <c:pt idx="0">
+                        <c:v>54.5383826427652</c:v>
+                      </c:pt>
+                      <c:pt idx="1">
+                        <c:v>54.5383826427652</c:v>
+                      </c:pt>
+                      <c:pt idx="2">
+                        <c:v>54.5383826427652</c:v>
+                      </c:pt>
+                      <c:pt idx="3">
+                        <c:v>54.5383826427652</c:v>
+                      </c:pt>
+                      <c:pt idx="4">
+                        <c:v>54.5383826427652</c:v>
+                      </c:pt>
+                      <c:pt idx="5">
+                        <c:v>54.5383826427652</c:v>
+                      </c:pt>
+                      <c:pt idx="6">
+                        <c:v>54.5383826427652</c:v>
+                      </c:pt>
+                      <c:pt idx="7">
+                        <c:v>54.5383826427652</c:v>
+                      </c:pt>
+                      <c:pt idx="8">
+                        <c:v>54.5383826427652</c:v>
+                      </c:pt>
+                      <c:pt idx="9">
+                        <c:v>54.5383826427652</c:v>
+                      </c:pt>
+                      <c:pt idx="10">
+                        <c:v>54.5383826427652</c:v>
+                      </c:pt>
+                      <c:pt idx="11">
+                        <c:v>54.5383826427652</c:v>
+                      </c:pt>
+                      <c:pt idx="12">
+                        <c:v>54.5383826427652</c:v>
+                      </c:pt>
+                      <c:pt idx="13">
+                        <c:v>54.5383826427652</c:v>
+                      </c:pt>
+                      <c:pt idx="14">
+                        <c:v>54.5383826427652</c:v>
+                      </c:pt>
+                      <c:pt idx="15">
+                        <c:v>54.5383826427652</c:v>
+                      </c:pt>
+                      <c:pt idx="16">
+                        <c:v>54.5383826427652</c:v>
+                      </c:pt>
+                      <c:pt idx="17">
+                        <c:v>54.5383826427652</c:v>
+                      </c:pt>
+                      <c:pt idx="18">
+                        <c:v>54.5383826427652</c:v>
+                      </c:pt>
+                      <c:pt idx="19">
+                        <c:v>54.5383826427652</c:v>
+                      </c:pt>
+                      <c:pt idx="20">
+                        <c:v>54.5383826427652</c:v>
+                      </c:pt>
+                      <c:pt idx="21">
+                        <c:v>54.5383826427652</c:v>
+                      </c:pt>
+                      <c:pt idx="22">
+                        <c:v>54.5383826427652</c:v>
+                      </c:pt>
+                      <c:pt idx="23">
+                        <c:v>54.5383826427652</c:v>
+                      </c:pt>
+                      <c:pt idx="24">
+                        <c:v>54.538382723182501</c:v>
+                      </c:pt>
+                      <c:pt idx="25">
+                        <c:v>54.5383827231827</c:v>
+                      </c:pt>
+                      <c:pt idx="26">
+                        <c:v>54.538382723182501</c:v>
+                      </c:pt>
+                      <c:pt idx="27">
+                        <c:v>54.5383827231827</c:v>
+                      </c:pt>
+                      <c:pt idx="28">
+                        <c:v>54.538382723182501</c:v>
+                      </c:pt>
+                      <c:pt idx="29">
+                        <c:v>54.5383827231827</c:v>
+                      </c:pt>
+                      <c:pt idx="30">
+                        <c:v>54.538382723182501</c:v>
+                      </c:pt>
+                      <c:pt idx="31">
+                        <c:v>54.538382723182501</c:v>
+                      </c:pt>
+                      <c:pt idx="32">
+                        <c:v>54.538382723182501</c:v>
+                      </c:pt>
+                      <c:pt idx="33">
+                        <c:v>54.538382723182501</c:v>
+                      </c:pt>
+                      <c:pt idx="34">
+                        <c:v>54.538382723182501</c:v>
+                      </c:pt>
+                      <c:pt idx="35">
+                        <c:v>54.538382723182501</c:v>
+                      </c:pt>
+                      <c:pt idx="36">
+                        <c:v>54.538382723182501</c:v>
+                      </c:pt>
+                      <c:pt idx="37">
+                        <c:v>54.5383827231827</c:v>
+                      </c:pt>
+                      <c:pt idx="38">
+                        <c:v>54.538382723182501</c:v>
+                      </c:pt>
+                      <c:pt idx="39">
+                        <c:v>54.538382603603402</c:v>
+                      </c:pt>
+                      <c:pt idx="40">
+                        <c:v>54.538382723210397</c:v>
+                      </c:pt>
+                      <c:pt idx="41">
+                        <c:v>54.538382723210098</c:v>
+                      </c:pt>
+                      <c:pt idx="42">
+                        <c:v>54.538381270726099</c:v>
+                      </c:pt>
+                      <c:pt idx="43">
+                        <c:v>54.538382723182401</c:v>
+                      </c:pt>
+                      <c:pt idx="44">
+                        <c:v>54.538382723182401</c:v>
+                      </c:pt>
+                      <c:pt idx="45">
+                        <c:v>60.9103034790392</c:v>
+                      </c:pt>
+                      <c:pt idx="46">
+                        <c:v>60.910303479040003</c:v>
+                      </c:pt>
+                      <c:pt idx="47">
+                        <c:v>60.910303479023398</c:v>
+                      </c:pt>
+                      <c:pt idx="48">
+                        <c:v>60.910303479039399</c:v>
+                      </c:pt>
+                      <c:pt idx="49">
+                        <c:v>60.910303479023398</c:v>
+                      </c:pt>
+                      <c:pt idx="50">
+                        <c:v>60.910303479032102</c:v>
+                      </c:pt>
+                      <c:pt idx="51">
+                        <c:v>66.968975435127803</c:v>
+                      </c:pt>
+                      <c:pt idx="52">
+                        <c:v>66.968976404871299</c:v>
+                      </c:pt>
+                      <c:pt idx="53">
+                        <c:v>66.968975435127206</c:v>
+                      </c:pt>
+                      <c:pt idx="54">
+                        <c:v>66.968976498592895</c:v>
+                      </c:pt>
+                      <c:pt idx="55">
+                        <c:v>66.968975493221194</c:v>
+                      </c:pt>
+                      <c:pt idx="56">
+                        <c:v>68.845249147410499</c:v>
+                      </c:pt>
+                      <c:pt idx="57">
+                        <c:v>69.112301915056705</c:v>
+                      </c:pt>
+                      <c:pt idx="58">
+                        <c:v>70.303893344626601</c:v>
+                      </c:pt>
+                      <c:pt idx="59">
+                        <c:v>71.495484774196498</c:v>
+                      </c:pt>
+                      <c:pt idx="60">
+                        <c:v>73.340896147299105</c:v>
+                      </c:pt>
+                      <c:pt idx="61">
+                        <c:v>73.878667633336406</c:v>
+                      </c:pt>
+                      <c:pt idx="62">
+                        <c:v>78.484682185324601</c:v>
+                      </c:pt>
+                      <c:pt idx="63">
+                        <c:v>78.484682410203106</c:v>
+                      </c:pt>
+                      <c:pt idx="64">
+                        <c:v>78.484682409300603</c:v>
+                      </c:pt>
+                      <c:pt idx="65">
+                        <c:v>78.645034300457098</c:v>
+                      </c:pt>
+                      <c:pt idx="66">
+                        <c:v>79.836624781186103</c:v>
+                      </c:pt>
+                      <c:pt idx="67">
+                        <c:v>81.275841815676401</c:v>
+                      </c:pt>
+                      <c:pt idx="68">
+                        <c:v>82.219807640325996</c:v>
+                      </c:pt>
+                      <c:pt idx="69">
+                        <c:v>83.411399069896007</c:v>
+                      </c:pt>
+                      <c:pt idx="70">
+                        <c:v>84.602990499465903</c:v>
+                      </c:pt>
+                      <c:pt idx="71">
+                        <c:v>85.794581929035701</c:v>
+                      </c:pt>
+                      <c:pt idx="72">
+                        <c:v>86.986173358606095</c:v>
+                      </c:pt>
+                      <c:pt idx="73">
+                        <c:v>90.915275141642198</c:v>
+                      </c:pt>
+                      <c:pt idx="74">
+                        <c:v>90.915275828984093</c:v>
+                      </c:pt>
+                      <c:pt idx="75">
+                        <c:v>90.915274907114494</c:v>
+                      </c:pt>
+                      <c:pt idx="76">
+                        <c:v>91.752539076885597</c:v>
+                      </c:pt>
+                      <c:pt idx="77">
+                        <c:v>92.944130506455494</c:v>
+                      </c:pt>
+                      <c:pt idx="78">
+                        <c:v>94.135721936025504</c:v>
+                      </c:pt>
+                      <c:pt idx="79">
+                        <c:v>95.327313365595302</c:v>
+                      </c:pt>
+                      <c:pt idx="80">
+                        <c:v>96.518904795165298</c:v>
+                      </c:pt>
+                      <c:pt idx="81">
+                        <c:v>97.710496224735095</c:v>
+                      </c:pt>
+                      <c:pt idx="82">
+                        <c:v>98.902087654305205</c:v>
+                      </c:pt>
+                      <c:pt idx="83">
+                        <c:v>100.093679083875</c:v>
+                      </c:pt>
+                      <c:pt idx="84">
+                        <c:v>102.752071400269</c:v>
+                      </c:pt>
+                      <c:pt idx="85">
+                        <c:v>102.75207136376601</c:v>
+                      </c:pt>
+                      <c:pt idx="86">
+                        <c:v>103.66845337258501</c:v>
+                      </c:pt>
+                      <c:pt idx="87">
+                        <c:v>104.86004480215399</c:v>
+                      </c:pt>
+                      <c:pt idx="88">
+                        <c:v>106.051636231724</c:v>
+                      </c:pt>
+                      <c:pt idx="89">
+                        <c:v>107.243227661294</c:v>
+                      </c:pt>
+                      <c:pt idx="90">
+                        <c:v>108.434819090864</c:v>
+                      </c:pt>
+                      <c:pt idx="91">
+                        <c:v>109.62641052043401</c:v>
+                      </c:pt>
+                      <c:pt idx="92">
+                        <c:v>110.818001950004</c:v>
+                      </c:pt>
+                      <c:pt idx="93">
+                        <c:v>112.009593379574</c:v>
+                      </c:pt>
+                      <c:pt idx="94">
+                        <c:v>113.201184809144</c:v>
+                      </c:pt>
+                      <c:pt idx="95">
+                        <c:v>114.39277623871401</c:v>
+                      </c:pt>
+                      <c:pt idx="96">
+                        <c:v>115.584367668284</c:v>
+                      </c:pt>
+                      <c:pt idx="97">
+                        <c:v>116.775959097854</c:v>
+                      </c:pt>
+                      <c:pt idx="98">
+                        <c:v>117.967550527424</c:v>
+                      </c:pt>
+                    </c:numCache>
+                  </c:numRef>
+                </c:xVal>
+                <c:yVal>
+                  <c:numRef>
+                    <c:extLst xmlns:c15="http://schemas.microsoft.com/office/drawing/2012/chart">
+                      <c:ext xmlns:c15="http://schemas.microsoft.com/office/drawing/2012/chart" uri="{02D57815-91ED-43cb-92C2-25804820EDAC}">
+                        <c15:formulaRef>
+                          <c15:sqref>Results!$AK$3:$AK$101</c15:sqref>
+                        </c15:formulaRef>
+                      </c:ext>
+                    </c:extLst>
+                    <c:numCache>
+                      <c:formatCode>General</c:formatCode>
+                      <c:ptCount val="99"/>
+                      <c:pt idx="0">
+                        <c:v>1</c:v>
+                      </c:pt>
+                      <c:pt idx="1">
+                        <c:v>1</c:v>
+                      </c:pt>
+                      <c:pt idx="2">
+                        <c:v>1</c:v>
+                      </c:pt>
+                      <c:pt idx="3">
+                        <c:v>1</c:v>
+                      </c:pt>
+                      <c:pt idx="4">
+                        <c:v>1</c:v>
+                      </c:pt>
+                      <c:pt idx="5">
+                        <c:v>1</c:v>
+                      </c:pt>
+                      <c:pt idx="6">
+                        <c:v>1</c:v>
+                      </c:pt>
+                      <c:pt idx="7">
+                        <c:v>1</c:v>
+                      </c:pt>
+                      <c:pt idx="8">
+                        <c:v>1</c:v>
+                      </c:pt>
+                      <c:pt idx="9">
+                        <c:v>1</c:v>
+                      </c:pt>
+                      <c:pt idx="10">
+                        <c:v>1</c:v>
+                      </c:pt>
+                      <c:pt idx="11">
+                        <c:v>1</c:v>
+                      </c:pt>
+                      <c:pt idx="12">
+                        <c:v>1</c:v>
+                      </c:pt>
+                      <c:pt idx="13">
+                        <c:v>1</c:v>
+                      </c:pt>
+                      <c:pt idx="14">
+                        <c:v>1</c:v>
+                      </c:pt>
+                      <c:pt idx="15">
+                        <c:v>1</c:v>
+                      </c:pt>
+                      <c:pt idx="16">
+                        <c:v>1</c:v>
+                      </c:pt>
+                      <c:pt idx="17">
+                        <c:v>1</c:v>
+                      </c:pt>
+                      <c:pt idx="18">
+                        <c:v>1</c:v>
+                      </c:pt>
+                      <c:pt idx="19">
+                        <c:v>1</c:v>
+                      </c:pt>
+                      <c:pt idx="20">
+                        <c:v>1</c:v>
+                      </c:pt>
+                      <c:pt idx="21">
+                        <c:v>1</c:v>
+                      </c:pt>
+                      <c:pt idx="22">
+                        <c:v>1</c:v>
+                      </c:pt>
+                      <c:pt idx="23">
+                        <c:v>1</c:v>
+                      </c:pt>
+                      <c:pt idx="24">
+                        <c:v>1</c:v>
+                      </c:pt>
+                      <c:pt idx="25">
+                        <c:v>1</c:v>
+                      </c:pt>
+                      <c:pt idx="26">
+                        <c:v>1</c:v>
+                      </c:pt>
+                      <c:pt idx="27">
+                        <c:v>1</c:v>
+                      </c:pt>
+                      <c:pt idx="28">
+                        <c:v>1</c:v>
+                      </c:pt>
+                      <c:pt idx="29">
+                        <c:v>1</c:v>
+                      </c:pt>
+                      <c:pt idx="30">
+                        <c:v>1</c:v>
+                      </c:pt>
+                      <c:pt idx="31">
+                        <c:v>1</c:v>
+                      </c:pt>
+                      <c:pt idx="32">
+                        <c:v>1</c:v>
+                      </c:pt>
+                      <c:pt idx="33">
+                        <c:v>1</c:v>
+                      </c:pt>
+                      <c:pt idx="34">
+                        <c:v>1</c:v>
+                      </c:pt>
+                      <c:pt idx="35">
+                        <c:v>1</c:v>
+                      </c:pt>
+                      <c:pt idx="36">
+                        <c:v>1</c:v>
+                      </c:pt>
+                      <c:pt idx="37">
+                        <c:v>1</c:v>
+                      </c:pt>
+                      <c:pt idx="38">
+                        <c:v>1</c:v>
+                      </c:pt>
+                      <c:pt idx="39">
+                        <c:v>1</c:v>
+                      </c:pt>
+                      <c:pt idx="40">
+                        <c:v>1</c:v>
+                      </c:pt>
+                      <c:pt idx="41">
+                        <c:v>1</c:v>
+                      </c:pt>
+                      <c:pt idx="42">
+                        <c:v>1</c:v>
+                      </c:pt>
+                      <c:pt idx="43">
+                        <c:v>1</c:v>
+                      </c:pt>
+                      <c:pt idx="44">
+                        <c:v>1</c:v>
+                      </c:pt>
+                      <c:pt idx="45">
+                        <c:v>1</c:v>
+                      </c:pt>
+                      <c:pt idx="46">
+                        <c:v>1</c:v>
+                      </c:pt>
+                      <c:pt idx="47">
+                        <c:v>1</c:v>
+                      </c:pt>
+                      <c:pt idx="48">
+                        <c:v>1</c:v>
+                      </c:pt>
+                      <c:pt idx="49">
+                        <c:v>1</c:v>
+                      </c:pt>
+                      <c:pt idx="50">
+                        <c:v>1</c:v>
+                      </c:pt>
+                      <c:pt idx="51">
+                        <c:v>1</c:v>
+                      </c:pt>
+                      <c:pt idx="52">
+                        <c:v>1</c:v>
+                      </c:pt>
+                      <c:pt idx="53">
+                        <c:v>1</c:v>
+                      </c:pt>
+                      <c:pt idx="54">
+                        <c:v>1</c:v>
+                      </c:pt>
+                      <c:pt idx="55">
+                        <c:v>1</c:v>
+                      </c:pt>
+                      <c:pt idx="56">
+                        <c:v>1</c:v>
+                      </c:pt>
+                      <c:pt idx="57">
+                        <c:v>1</c:v>
+                      </c:pt>
+                      <c:pt idx="58">
+                        <c:v>1</c:v>
+                      </c:pt>
+                      <c:pt idx="59">
+                        <c:v>1</c:v>
+                      </c:pt>
+                      <c:pt idx="60">
+                        <c:v>1</c:v>
+                      </c:pt>
+                      <c:pt idx="61">
+                        <c:v>1</c:v>
+                      </c:pt>
+                      <c:pt idx="62">
+                        <c:v>1</c:v>
+                      </c:pt>
+                      <c:pt idx="63">
+                        <c:v>1</c:v>
+                      </c:pt>
+                      <c:pt idx="64">
+                        <c:v>1</c:v>
+                      </c:pt>
+                      <c:pt idx="65">
+                        <c:v>1</c:v>
+                      </c:pt>
+                      <c:pt idx="66">
+                        <c:v>0.99999999994467992</c:v>
+                      </c:pt>
+                      <c:pt idx="67">
+                        <c:v>0.99999999971430231</c:v>
+                      </c:pt>
+                      <c:pt idx="68">
+                        <c:v>0.99999999950138696</c:v>
+                      </c:pt>
+                      <c:pt idx="69">
+                        <c:v>0.99999999140896634</c:v>
+                      </c:pt>
+                      <c:pt idx="70">
+                        <c:v>0.99999999696261999</c:v>
+                      </c:pt>
+                      <c:pt idx="71">
+                        <c:v>0.99999999319692401</c:v>
+                      </c:pt>
+                      <c:pt idx="72">
+                        <c:v>0.99999997561283294</c:v>
+                      </c:pt>
+                      <c:pt idx="73">
+                        <c:v>0.99999996795195167</c:v>
+                      </c:pt>
+                      <c:pt idx="74">
+                        <c:v>0.99999996795193269</c:v>
+                      </c:pt>
+                      <c:pt idx="75">
+                        <c:v>0.99999996795193269</c:v>
+                      </c:pt>
+                      <c:pt idx="76">
+                        <c:v>0.99999981049458475</c:v>
+                      </c:pt>
+                      <c:pt idx="77">
+                        <c:v>0.9999971865610302</c:v>
+                      </c:pt>
+                      <c:pt idx="78">
+                        <c:v>0.99997697133940233</c:v>
+                      </c:pt>
+                      <c:pt idx="79">
+                        <c:v>0.99994111878092351</c:v>
+                      </c:pt>
+                      <c:pt idx="80">
+                        <c:v>0.99989523551501547</c:v>
+                      </c:pt>
+                      <c:pt idx="81">
+                        <c:v>0.99981518773746425</c:v>
+                      </c:pt>
+                      <c:pt idx="82">
+                        <c:v>0.99944170637008334</c:v>
+                      </c:pt>
+                      <c:pt idx="83">
+                        <c:v>0.99854742232072757</c:v>
+                      </c:pt>
+                      <c:pt idx="84">
+                        <c:v>0.99735016942261356</c:v>
+                      </c:pt>
+                      <c:pt idx="85">
+                        <c:v>0.99735016902840556</c:v>
+                      </c:pt>
+                      <c:pt idx="86">
+                        <c:v>0.99511560587096715</c:v>
+                      </c:pt>
+                      <c:pt idx="87">
+                        <c:v>0.99127019196145016</c:v>
+                      </c:pt>
+                      <c:pt idx="88">
+                        <c:v>0.9865938522531762</c:v>
+                      </c:pt>
+                      <c:pt idx="89">
+                        <c:v>0.96607537635699403</c:v>
+                      </c:pt>
+                      <c:pt idx="90">
+                        <c:v>0.942943552927057</c:v>
+                      </c:pt>
+                      <c:pt idx="91">
+                        <c:v>0.93322700732365105</c:v>
+                      </c:pt>
+                      <c:pt idx="92">
+                        <c:v>0.90156482243343317</c:v>
+                      </c:pt>
+                      <c:pt idx="93">
+                        <c:v>0.87589945155571991</c:v>
+                      </c:pt>
+                      <c:pt idx="94">
+                        <c:v>0.84124740595203096</c:v>
+                      </c:pt>
+                      <c:pt idx="95">
+                        <c:v>0.78790629057867312</c:v>
+                      </c:pt>
+                      <c:pt idx="96">
+                        <c:v>0.72831473907932431</c:v>
+                      </c:pt>
+                      <c:pt idx="97">
+                        <c:v>0.6657770570410686</c:v>
+                      </c:pt>
+                      <c:pt idx="98">
+                        <c:v>0.59890723867671447</c:v>
+                      </c:pt>
+                    </c:numCache>
+                  </c:numRef>
+                </c:yVal>
+                <c:smooth val="0"/>
+                <c:extLst>
+                  <c:ext xmlns:c16="http://schemas.microsoft.com/office/drawing/2014/chart" uri="{C3380CC4-5D6E-409C-BE32-E72D297353CC}">
+                    <c16:uniqueId val="{00000006-5E51-4124-8004-62A0509B494D}"/>
+                  </c:ext>
+                </c:extLst>
+              </c15:ser>
+            </c15:filteredScatterSeries>
+          </c:ext>
+        </c:extLst>
+      </c:scatterChart>
+      <c:valAx>
+        <c:axId val="545065824"/>
+        <c:scaling>
+          <c:orientation val="minMax"/>
+          <c:min val="95"/>
+        </c:scaling>
+        <c:delete val="0"/>
+        <c:axPos val="b"/>
+        <c:majorGridlines>
+          <c:spPr>
+            <a:ln w="9525" cap="flat" cmpd="sng" algn="ctr">
+              <a:solidFill>
+                <a:schemeClr val="tx1">
+                  <a:lumMod val="15000"/>
+                  <a:lumOff val="85000"/>
+                </a:schemeClr>
+              </a:solidFill>
+              <a:round/>
+            </a:ln>
+            <a:effectLst/>
+          </c:spPr>
+        </c:majorGridlines>
+        <c:title>
+          <c:tx>
+            <c:rich>
+              <a:bodyPr/>
+              <a:lstStyle/>
+              <a:p>
+                <a:pPr>
+                  <a:defRPr/>
+                </a:pPr>
+                <a:r>
+                  <a:rPr lang="nb-NO" sz="1800" b="1" i="0" baseline="0">
+                    <a:effectLst/>
+                  </a:rPr>
+                  <a:t>Oil Output [Sm3/h]</a:t>
+                </a:r>
+                <a:endParaRPr lang="nb-NO">
+                  <a:effectLst/>
+                </a:endParaRPr>
+              </a:p>
+            </c:rich>
+          </c:tx>
+          <c:layout/>
+          <c:overlay val="0"/>
+        </c:title>
+        <c:numFmt formatCode="General" sourceLinked="1"/>
+        <c:majorTickMark val="none"/>
+        <c:minorTickMark val="none"/>
+        <c:tickLblPos val="nextTo"/>
+        <c:spPr>
+          <a:noFill/>
+          <a:ln w="9525" cap="flat" cmpd="sng" algn="ctr">
+            <a:solidFill>
+              <a:schemeClr val="tx1">
+                <a:lumMod val="25000"/>
+                <a:lumOff val="75000"/>
+              </a:schemeClr>
+            </a:solidFill>
+            <a:round/>
+          </a:ln>
+          <a:effectLst/>
+        </c:spPr>
+        <c:txPr>
+          <a:bodyPr rot="-60000000" spcFirstLastPara="1" vertOverflow="ellipsis" vert="horz" wrap="square" anchor="ctr" anchorCtr="1"/>
+          <a:lstStyle/>
+          <a:p>
+            <a:pPr>
+              <a:defRPr sz="1800" b="0" i="0" u="none" strike="noStrike" kern="1200" baseline="0">
+                <a:solidFill>
+                  <a:schemeClr val="tx1">
+                    <a:lumMod val="65000"/>
+                    <a:lumOff val="35000"/>
+                  </a:schemeClr>
+                </a:solidFill>
+                <a:latin typeface="+mn-lt"/>
+                <a:ea typeface="+mn-ea"/>
+                <a:cs typeface="+mn-cs"/>
+              </a:defRPr>
+            </a:pPr>
+            <a:endParaRPr lang="nb-NO"/>
+          </a:p>
+        </c:txPr>
+        <c:crossAx val="545064512"/>
+        <c:crosses val="autoZero"/>
+        <c:crossBetween val="midCat"/>
+      </c:valAx>
+      <c:valAx>
+        <c:axId val="545064512"/>
+        <c:scaling>
+          <c:orientation val="minMax"/>
+          <c:max val="1.05"/>
+          <c:min val="0"/>
+        </c:scaling>
+        <c:delete val="0"/>
+        <c:axPos val="l"/>
+        <c:majorGridlines>
+          <c:spPr>
+            <a:ln w="9525" cap="flat" cmpd="sng" algn="ctr">
+              <a:solidFill>
+                <a:schemeClr val="tx1">
+                  <a:lumMod val="15000"/>
+                  <a:lumOff val="85000"/>
+                </a:schemeClr>
+              </a:solidFill>
+              <a:round/>
+            </a:ln>
+            <a:effectLst/>
+          </c:spPr>
+        </c:majorGridlines>
+        <c:title>
+          <c:tx>
+            <c:rich>
+              <a:bodyPr/>
+              <a:lstStyle/>
+              <a:p>
+                <a:pPr>
+                  <a:defRPr sz="1800"/>
+                </a:pPr>
+                <a:r>
+                  <a:rPr lang="nb-NO" sz="1800" b="1" i="0" u="none" strike="noStrike" baseline="0">
+                    <a:effectLst/>
+                  </a:rPr>
+                  <a:t>P(Feasible)</a:t>
+                </a:r>
+                <a:endParaRPr lang="nb-NO" sz="1800"/>
+              </a:p>
+            </c:rich>
+          </c:tx>
+          <c:layout/>
+          <c:overlay val="0"/>
+        </c:title>
+        <c:numFmt formatCode="0%" sourceLinked="0"/>
+        <c:majorTickMark val="none"/>
+        <c:minorTickMark val="none"/>
+        <c:tickLblPos val="nextTo"/>
+        <c:spPr>
+          <a:noFill/>
+          <a:ln w="9525" cap="flat" cmpd="sng" algn="ctr">
+            <a:solidFill>
+              <a:schemeClr val="tx1">
+                <a:lumMod val="25000"/>
+                <a:lumOff val="75000"/>
+              </a:schemeClr>
+            </a:solidFill>
+            <a:round/>
+          </a:ln>
+          <a:effectLst/>
+        </c:spPr>
+        <c:txPr>
+          <a:bodyPr rot="-60000000" spcFirstLastPara="1" vertOverflow="ellipsis" vert="horz" wrap="square" anchor="ctr" anchorCtr="1"/>
+          <a:lstStyle/>
+          <a:p>
+            <a:pPr>
+              <a:defRPr sz="1800" b="0" i="0" u="none" strike="noStrike" kern="1200" baseline="0">
+                <a:solidFill>
+                  <a:schemeClr val="tx1">
+                    <a:lumMod val="65000"/>
+                    <a:lumOff val="35000"/>
+                  </a:schemeClr>
+                </a:solidFill>
+                <a:latin typeface="+mn-lt"/>
+                <a:ea typeface="+mn-ea"/>
+                <a:cs typeface="+mn-cs"/>
+              </a:defRPr>
+            </a:pPr>
+            <a:endParaRPr lang="nb-NO"/>
+          </a:p>
+        </c:txPr>
+        <c:crossAx val="545065824"/>
+        <c:crosses val="autoZero"/>
+        <c:crossBetween val="midCat"/>
+        <c:majorUnit val="0.1"/>
+      </c:valAx>
+      <c:spPr>
+        <a:ln>
+          <a:solidFill>
+            <a:schemeClr val="tx1">
+              <a:lumMod val="15000"/>
+              <a:lumOff val="85000"/>
+            </a:schemeClr>
+          </a:solidFill>
+        </a:ln>
+      </c:spPr>
+    </c:plotArea>
+    <c:legend>
+      <c:legendPos val="b"/>
+      <c:layout>
+        <c:manualLayout>
+          <c:xMode val="edge"/>
+          <c:yMode val="edge"/>
+          <c:x val="9.6058699556905394E-2"/>
+          <c:y val="0.92901565480252213"/>
+          <c:w val="0.80788249202041063"/>
+          <c:h val="7.0984345197477886E-2"/>
+        </c:manualLayout>
+      </c:layout>
+      <c:overlay val="0"/>
+      <c:txPr>
+        <a:bodyPr/>
+        <a:lstStyle/>
+        <a:p>
+          <a:pPr>
+            <a:defRPr sz="1800"/>
+          </a:pPr>
+          <a:endParaRPr lang="nb-NO"/>
+        </a:p>
+      </c:txPr>
+    </c:legend>
+    <c:plotVisOnly val="1"/>
+    <c:dispBlanksAs val="gap"/>
+    <c:showDLblsOverMax val="0"/>
+  </c:chart>
+  <c:txPr>
+    <a:bodyPr/>
+    <a:lstStyle/>
+    <a:p>
+      <a:pPr>
+        <a:defRPr/>
+      </a:pPr>
+      <a:endParaRPr lang="nb-NO"/>
+    </a:p>
+  </c:txPr>
+  <c:externalData r:id="rId1">
+    <c:autoUpdate val="0"/>
+  </c:externalData>
+</c:chartSpace>
+</file>
+
 <file path=ppt/charts/chart2.xml><?xml version="1.0" encoding="utf-8"?>
 <c:chartSpace xmlns:c="http://schemas.openxmlformats.org/drawingml/2006/chart" xmlns:a="http://schemas.openxmlformats.org/drawingml/2006/main" xmlns:r="http://schemas.openxmlformats.org/officeDocument/2006/relationships" xmlns:c16r2="http://schemas.microsoft.com/office/drawing/2015/06/chart">
   <c:date1904 val="0"/>
@@ -1312,7 +9632,6 @@
           </a:p>
         </c:rich>
       </c:tx>
-      <c:layout/>
       <c:overlay val="0"/>
       <c:spPr>
         <a:noFill/>
@@ -2163,7 +10482,6 @@
               </a:p>
             </c:rich>
           </c:tx>
-          <c:layout/>
           <c:overlay val="0"/>
           <c:spPr>
             <a:noFill/>
@@ -2267,7 +10585,6 @@
               </a:p>
             </c:rich>
           </c:tx>
-          <c:layout/>
           <c:overlay val="0"/>
           <c:spPr>
             <a:noFill/>
@@ -2355,7 +10672,6 @@
         <c:idx val="0"/>
         <c:delete val="1"/>
       </c:legendEntry>
-      <c:layout/>
       <c:overlay val="0"/>
       <c:spPr>
         <a:noFill/>
@@ -3580,7 +11896,7 @@
             </c:strRef>
           </c:tx>
           <c:spPr>
-            <a:ln w="19050" cap="rnd">
+            <a:ln w="38100" cap="rnd">
               <a:solidFill>
                 <a:schemeClr val="accent2">
                   <a:lumMod val="75000"/>
@@ -3601,7 +11917,7 @@
             <c:bubble3D val="0"/>
             <c:extLst>
               <c:ext xmlns:c16="http://schemas.microsoft.com/office/drawing/2014/chart" uri="{C3380CC4-5D6E-409C-BE32-E72D297353CC}">
-                <c16:uniqueId val="{00000000-48FC-4299-A103-1580B0C6DDEF}"/>
+                <c16:uniqueId val="{00000000-1E56-4532-A8BD-966B809654A8}"/>
               </c:ext>
             </c:extLst>
           </c:dPt>
@@ -3734,7 +12050,7 @@
           <c:smooth val="0"/>
           <c:extLst>
             <c:ext xmlns:c16="http://schemas.microsoft.com/office/drawing/2014/chart" uri="{C3380CC4-5D6E-409C-BE32-E72D297353CC}">
-              <c16:uniqueId val="{00000001-48FC-4299-A103-1580B0C6DDEF}"/>
+              <c16:uniqueId val="{00000001-1E56-4532-A8BD-966B809654A8}"/>
             </c:ext>
           </c:extLst>
         </c:ser>
@@ -3753,7 +12069,7 @@
             </c:strRef>
           </c:tx>
           <c:spPr>
-            <a:ln w="19050" cap="rnd">
+            <a:ln w="38100" cap="rnd">
               <a:solidFill>
                 <a:schemeClr val="accent5">
                   <a:lumMod val="75000"/>
@@ -3769,29 +12085,24 @@
           <c:dPt>
             <c:idx val="7"/>
             <c:marker>
-              <c:symbol val="star"/>
-              <c:size val="5"/>
-              <c:spPr>
-                <a:solidFill>
-                  <a:schemeClr val="accent5">
-                    <a:lumMod val="75000"/>
-                  </a:schemeClr>
-                </a:solidFill>
-                <a:ln w="9525">
-                  <a:solidFill>
-                    <a:schemeClr val="accent5">
-                      <a:lumMod val="75000"/>
-                    </a:schemeClr>
-                  </a:solidFill>
-                  <a:headEnd type="none"/>
-                </a:ln>
-                <a:effectLst/>
-              </c:spPr>
+              <c:symbol val="none"/>
             </c:marker>
             <c:bubble3D val="0"/>
             <c:extLst>
               <c:ext xmlns:c16="http://schemas.microsoft.com/office/drawing/2014/chart" uri="{C3380CC4-5D6E-409C-BE32-E72D297353CC}">
-                <c16:uniqueId val="{00000002-48FC-4299-A103-1580B0C6DDEF}"/>
+                <c16:uniqueId val="{00000002-1E56-4532-A8BD-966B809654A8}"/>
+              </c:ext>
+            </c:extLst>
+          </c:dPt>
+          <c:dPt>
+            <c:idx val="8"/>
+            <c:marker>
+              <c:symbol val="none"/>
+            </c:marker>
+            <c:bubble3D val="0"/>
+            <c:extLst>
+              <c:ext xmlns:c16="http://schemas.microsoft.com/office/drawing/2014/chart" uri="{C3380CC4-5D6E-409C-BE32-E72D297353CC}">
+                <c16:uniqueId val="{00000003-1E56-4532-A8BD-966B809654A8}"/>
               </c:ext>
             </c:extLst>
           </c:dPt>
@@ -3888,13 +12199,16 @@
                 <c:pt idx="7">
                   <c:v>50.685721254348699</c:v>
                 </c:pt>
+                <c:pt idx="8">
+                  <c:v>109.079517555236</c:v>
+                </c:pt>
               </c:numCache>
             </c:numRef>
           </c:yVal>
           <c:smooth val="0"/>
           <c:extLst>
             <c:ext xmlns:c16="http://schemas.microsoft.com/office/drawing/2014/chart" uri="{C3380CC4-5D6E-409C-BE32-E72D297353CC}">
-              <c16:uniqueId val="{00000003-48FC-4299-A103-1580B0C6DDEF}"/>
+              <c16:uniqueId val="{00000004-1E56-4532-A8BD-966B809654A8}"/>
             </c:ext>
           </c:extLst>
         </c:ser>
@@ -3913,7 +12227,7 @@
             </c:strRef>
           </c:tx>
           <c:spPr>
-            <a:ln w="19050" cap="rnd">
+            <a:ln w="38100" cap="rnd">
               <a:solidFill>
                 <a:schemeClr val="accent6">
                   <a:lumMod val="75000"/>
@@ -4049,7 +12363,7 @@
           <c:smooth val="0"/>
           <c:extLst>
             <c:ext xmlns:c16="http://schemas.microsoft.com/office/drawing/2014/chart" uri="{C3380CC4-5D6E-409C-BE32-E72D297353CC}">
-              <c16:uniqueId val="{00000004-48FC-4299-A103-1580B0C6DDEF}"/>
+              <c16:uniqueId val="{00000005-1E56-4532-A8BD-966B809654A8}"/>
             </c:ext>
           </c:extLst>
         </c:ser>
@@ -4068,6 +12382,8 @@
         <c:axId val="352179440"/>
         <c:scaling>
           <c:orientation val="minMax"/>
+          <c:max val="1100"/>
+          <c:min val="0"/>
         </c:scaling>
         <c:delete val="0"/>
         <c:axPos val="b"/>
@@ -4092,7 +12408,7 @@
               <a:lstStyle/>
               <a:p>
                 <a:pPr>
-                  <a:defRPr sz="1600" b="0" i="0" u="none" strike="noStrike" kern="1200" baseline="0">
+                  <a:defRPr sz="2400" b="0" i="0" u="none" strike="noStrike" kern="1200" baseline="0">
                     <a:solidFill>
                       <a:schemeClr val="tx1">
                         <a:lumMod val="65000"/>
@@ -4105,12 +12421,13 @@
                   </a:defRPr>
                 </a:pPr>
                 <a:r>
-                  <a:rPr lang="nb-NO" sz="1600"/>
+                  <a:rPr lang="nb-NO" sz="2400"/>
                   <a:t>Scenarios</a:t>
                 </a:r>
               </a:p>
             </c:rich>
           </c:tx>
+          <c:layout/>
           <c:overlay val="0"/>
           <c:spPr>
             <a:noFill/>
@@ -4124,7 +12441,7 @@
             <a:lstStyle/>
             <a:p>
               <a:pPr>
-                <a:defRPr sz="1600" b="0" i="0" u="none" strike="noStrike" kern="1200" baseline="0">
+                <a:defRPr sz="2400" b="0" i="0" u="none" strike="noStrike" kern="1200" baseline="0">
                   <a:solidFill>
                     <a:schemeClr val="tx1">
                       <a:lumMod val="65000"/>
@@ -4162,7 +12479,7 @@
           <a:lstStyle/>
           <a:p>
             <a:pPr>
-              <a:defRPr sz="1200" b="0" i="0" u="none" strike="noStrike" kern="1200" baseline="0">
+              <a:defRPr sz="2800" b="0" i="0" u="none" strike="noStrike" kern="1200" baseline="0">
                 <a:solidFill>
                   <a:schemeClr val="tx1">
                     <a:lumMod val="65000"/>
@@ -4185,7 +12502,8 @@
         <c:axId val="352177800"/>
         <c:scaling>
           <c:orientation val="minMax"/>
-          <c:max val="90"/>
+          <c:max val="115"/>
+          <c:min val="0"/>
         </c:scaling>
         <c:delete val="0"/>
         <c:axPos val="l"/>
@@ -4210,7 +12528,7 @@
               <a:lstStyle/>
               <a:p>
                 <a:pPr>
-                  <a:defRPr sz="1600" b="0" i="0" u="none" strike="noStrike" kern="1200" baseline="0">
+                  <a:defRPr sz="2400" b="0" i="0" u="none" strike="noStrike" kern="1200" baseline="0">
                     <a:solidFill>
                       <a:schemeClr val="tx1">
                         <a:lumMod val="65000"/>
@@ -4223,12 +12541,13 @@
                   </a:defRPr>
                 </a:pPr>
                 <a:r>
-                  <a:rPr lang="nb-NO" sz="1600"/>
-                  <a:t>Mean Solve Time (s)</a:t>
+                  <a:rPr lang="nb-NO" sz="2400"/>
+                  <a:t>Mean Solve Time 10 Runs (s)</a:t>
                 </a:r>
               </a:p>
             </c:rich>
           </c:tx>
+          <c:layout/>
           <c:overlay val="0"/>
           <c:spPr>
             <a:noFill/>
@@ -4242,7 +12561,7 @@
             <a:lstStyle/>
             <a:p>
               <a:pPr>
-                <a:defRPr sz="1600" b="0" i="0" u="none" strike="noStrike" kern="1200" baseline="0">
+                <a:defRPr sz="2400" b="0" i="0" u="none" strike="noStrike" kern="1200" baseline="0">
                   <a:solidFill>
                     <a:schemeClr val="tx1">
                       <a:lumMod val="65000"/>
@@ -4280,7 +12599,7 @@
           <a:lstStyle/>
           <a:p>
             <a:pPr>
-              <a:defRPr sz="1200" b="0" i="0" u="none" strike="noStrike" kern="1200" baseline="0">
+              <a:defRPr sz="2400" b="0" i="0" u="none" strike="noStrike" kern="1200" baseline="0">
                 <a:solidFill>
                   <a:schemeClr val="tx1">
                     <a:lumMod val="65000"/>
@@ -4302,13 +12621,18 @@
       <c:spPr>
         <a:noFill/>
         <a:ln>
-          <a:noFill/>
+          <a:solidFill>
+            <a:schemeClr val="accent5">
+              <a:lumMod val="50000"/>
+            </a:schemeClr>
+          </a:solidFill>
         </a:ln>
         <a:effectLst/>
       </c:spPr>
     </c:plotArea>
     <c:legend>
       <c:legendPos val="b"/>
+      <c:layout/>
       <c:overlay val="0"/>
       <c:spPr>
         <a:noFill/>
@@ -4322,7 +12646,7 @@
         <a:lstStyle/>
         <a:p>
           <a:pPr>
-            <a:defRPr sz="1400" b="0" i="0" u="none" strike="noStrike" kern="1200" baseline="0">
+            <a:defRPr sz="2400" b="0" i="0" u="none" strike="noStrike" kern="1200" baseline="0">
               <a:solidFill>
                 <a:schemeClr val="tx1">
                   <a:lumMod val="65000"/>
@@ -4410,7 +12734,6 @@
           </a:p>
         </c:rich>
       </c:tx>
-      <c:layout/>
       <c:overlay val="0"/>
       <c:spPr>
         <a:noFill/>
@@ -5444,7 +13767,6 @@
               </a:p>
             </c:rich>
           </c:tx>
-          <c:layout/>
           <c:overlay val="0"/>
           <c:spPr>
             <a:noFill/>
@@ -5557,7 +13879,6 @@
               </a:p>
             </c:rich>
           </c:tx>
-          <c:layout/>
           <c:overlay val="0"/>
           <c:spPr>
             <a:noFill/>
@@ -5638,7 +13959,6 @@
     </c:plotArea>
     <c:legend>
       <c:legendPos val="b"/>
-      <c:layout/>
       <c:overlay val="0"/>
       <c:spPr>
         <a:noFill/>
@@ -5740,7 +14060,6 @@
           </a:p>
         </c:rich>
       </c:tx>
-      <c:layout/>
       <c:overlay val="0"/>
       <c:spPr>
         <a:noFill/>
@@ -6765,7 +15084,6 @@
               </a:p>
             </c:rich>
           </c:tx>
-          <c:layout/>
           <c:overlay val="0"/>
           <c:spPr>
             <a:noFill/>
@@ -6878,7 +15196,6 @@
               </a:p>
             </c:rich>
           </c:tx>
-          <c:layout/>
           <c:overlay val="0"/>
           <c:spPr>
             <a:noFill/>
@@ -6959,7 +15276,6 @@
     </c:plotArea>
     <c:legend>
       <c:legendPos val="b"/>
-      <c:layout/>
       <c:overlay val="0"/>
       <c:spPr>
         <a:noFill/>
@@ -16195,7 +24511,7 @@
           <a:p>
             <a:fld id="{E9696992-FC42-4C18-BCC9-E69A9169578E}" type="datetimeFigureOut">
               <a:rPr lang="nb-NO" smtClean="0"/>
-              <a:t>28.05.2018</a:t>
+              <a:t>01.06.2018</a:t>
             </a:fld>
             <a:endParaRPr lang="nb-NO"/>
           </a:p>
@@ -16365,7 +24681,7 @@
           <a:p>
             <a:fld id="{E9696992-FC42-4C18-BCC9-E69A9169578E}" type="datetimeFigureOut">
               <a:rPr lang="nb-NO" smtClean="0"/>
-              <a:t>28.05.2018</a:t>
+              <a:t>01.06.2018</a:t>
             </a:fld>
             <a:endParaRPr lang="nb-NO"/>
           </a:p>
@@ -16545,7 +24861,7 @@
           <a:p>
             <a:fld id="{E9696992-FC42-4C18-BCC9-E69A9169578E}" type="datetimeFigureOut">
               <a:rPr lang="nb-NO" smtClean="0"/>
-              <a:t>28.05.2018</a:t>
+              <a:t>01.06.2018</a:t>
             </a:fld>
             <a:endParaRPr lang="nb-NO"/>
           </a:p>
@@ -16715,7 +25031,7 @@
           <a:p>
             <a:fld id="{E9696992-FC42-4C18-BCC9-E69A9169578E}" type="datetimeFigureOut">
               <a:rPr lang="nb-NO" smtClean="0"/>
-              <a:t>28.05.2018</a:t>
+              <a:t>01.06.2018</a:t>
             </a:fld>
             <a:endParaRPr lang="nb-NO"/>
           </a:p>
@@ -16961,7 +25277,7 @@
           <a:p>
             <a:fld id="{E9696992-FC42-4C18-BCC9-E69A9169578E}" type="datetimeFigureOut">
               <a:rPr lang="nb-NO" smtClean="0"/>
-              <a:t>28.05.2018</a:t>
+              <a:t>01.06.2018</a:t>
             </a:fld>
             <a:endParaRPr lang="nb-NO"/>
           </a:p>
@@ -17193,7 +25509,7 @@
           <a:p>
             <a:fld id="{E9696992-FC42-4C18-BCC9-E69A9169578E}" type="datetimeFigureOut">
               <a:rPr lang="nb-NO" smtClean="0"/>
-              <a:t>28.05.2018</a:t>
+              <a:t>01.06.2018</a:t>
             </a:fld>
             <a:endParaRPr lang="nb-NO"/>
           </a:p>
@@ -17560,7 +25876,7 @@
           <a:p>
             <a:fld id="{E9696992-FC42-4C18-BCC9-E69A9169578E}" type="datetimeFigureOut">
               <a:rPr lang="nb-NO" smtClean="0"/>
-              <a:t>28.05.2018</a:t>
+              <a:t>01.06.2018</a:t>
             </a:fld>
             <a:endParaRPr lang="nb-NO"/>
           </a:p>
@@ -17678,7 +25994,7 @@
           <a:p>
             <a:fld id="{E9696992-FC42-4C18-BCC9-E69A9169578E}" type="datetimeFigureOut">
               <a:rPr lang="nb-NO" smtClean="0"/>
-              <a:t>28.05.2018</a:t>
+              <a:t>01.06.2018</a:t>
             </a:fld>
             <a:endParaRPr lang="nb-NO"/>
           </a:p>
@@ -17773,7 +26089,7 @@
           <a:p>
             <a:fld id="{E9696992-FC42-4C18-BCC9-E69A9169578E}" type="datetimeFigureOut">
               <a:rPr lang="nb-NO" smtClean="0"/>
-              <a:t>28.05.2018</a:t>
+              <a:t>01.06.2018</a:t>
             </a:fld>
             <a:endParaRPr lang="nb-NO"/>
           </a:p>
@@ -18050,7 +26366,7 @@
           <a:p>
             <a:fld id="{E9696992-FC42-4C18-BCC9-E69A9169578E}" type="datetimeFigureOut">
               <a:rPr lang="nb-NO" smtClean="0"/>
-              <a:t>28.05.2018</a:t>
+              <a:t>01.06.2018</a:t>
             </a:fld>
             <a:endParaRPr lang="nb-NO"/>
           </a:p>
@@ -18303,7 +26619,7 @@
           <a:p>
             <a:fld id="{E9696992-FC42-4C18-BCC9-E69A9169578E}" type="datetimeFigureOut">
               <a:rPr lang="nb-NO" smtClean="0"/>
-              <a:t>28.05.2018</a:t>
+              <a:t>01.06.2018</a:t>
             </a:fld>
             <a:endParaRPr lang="nb-NO"/>
           </a:p>
@@ -18516,7 +26832,7 @@
           <a:p>
             <a:fld id="{E9696992-FC42-4C18-BCC9-E69A9169578E}" type="datetimeFigureOut">
               <a:rPr lang="nb-NO" smtClean="0"/>
-              <a:t>28.05.2018</a:t>
+              <a:t>01.06.2018</a:t>
             </a:fld>
             <a:endParaRPr lang="nb-NO"/>
           </a:p>
@@ -22805,6 +31121,114 @@
 </p:sld>
 </file>
 
+<file path=ppt/slides/slide11.xml><?xml version="1.0" encoding="utf-8"?>
+<p:sld xmlns:a="http://schemas.openxmlformats.org/drawingml/2006/main" xmlns:r="http://schemas.openxmlformats.org/officeDocument/2006/relationships" xmlns:p="http://schemas.openxmlformats.org/presentationml/2006/main">
+  <p:cSld>
+    <p:spTree>
+      <p:nvGrpSpPr>
+        <p:cNvPr id="1" name=""/>
+        <p:cNvGrpSpPr/>
+        <p:nvPr/>
+      </p:nvGrpSpPr>
+      <p:grpSpPr>
+        <a:xfrm>
+          <a:off x="0" y="0"/>
+          <a:ext cx="0" cy="0"/>
+          <a:chOff x="0" y="0"/>
+          <a:chExt cx="0" cy="0"/>
+        </a:xfrm>
+      </p:grpSpPr>
+      <p:graphicFrame>
+        <p:nvGraphicFramePr>
+          <p:cNvPr id="9" name="Chart 8"/>
+          <p:cNvGraphicFramePr>
+            <a:graphicFrameLocks/>
+          </p:cNvGraphicFramePr>
+          <p:nvPr>
+            <p:extLst>
+              <p:ext uri="{D42A27DB-BD31-4B8C-83A1-F6EECF244321}">
+                <p14:modId xmlns:p14="http://schemas.microsoft.com/office/powerpoint/2010/main" val="4111878151"/>
+              </p:ext>
+            </p:extLst>
+          </p:nvPr>
+        </p:nvGraphicFramePr>
+        <p:xfrm>
+          <a:off x="-1" y="-1"/>
+          <a:ext cx="8953501" cy="5740401"/>
+        </p:xfrm>
+        <a:graphic>
+          <a:graphicData uri="http://schemas.openxmlformats.org/drawingml/2006/chart">
+            <c:chart xmlns:c="http://schemas.openxmlformats.org/drawingml/2006/chart" xmlns:r="http://schemas.openxmlformats.org/officeDocument/2006/relationships" r:id="rId2"/>
+          </a:graphicData>
+        </a:graphic>
+      </p:graphicFrame>
+    </p:spTree>
+    <p:extLst>
+      <p:ext uri="{BB962C8B-B14F-4D97-AF65-F5344CB8AC3E}">
+        <p14:creationId xmlns:p14="http://schemas.microsoft.com/office/powerpoint/2010/main" val="1020210726"/>
+      </p:ext>
+    </p:extLst>
+  </p:cSld>
+  <p:clrMapOvr>
+    <a:masterClrMapping/>
+  </p:clrMapOvr>
+</p:sld>
+</file>
+
+<file path=ppt/slides/slide12.xml><?xml version="1.0" encoding="utf-8"?>
+<p:sld xmlns:a="http://schemas.openxmlformats.org/drawingml/2006/main" xmlns:r="http://schemas.openxmlformats.org/officeDocument/2006/relationships" xmlns:p="http://schemas.openxmlformats.org/presentationml/2006/main">
+  <p:cSld>
+    <p:spTree>
+      <p:nvGrpSpPr>
+        <p:cNvPr id="1" name=""/>
+        <p:cNvGrpSpPr/>
+        <p:nvPr/>
+      </p:nvGrpSpPr>
+      <p:grpSpPr>
+        <a:xfrm>
+          <a:off x="0" y="0"/>
+          <a:ext cx="0" cy="0"/>
+          <a:chOff x="0" y="0"/>
+          <a:chExt cx="0" cy="0"/>
+        </a:xfrm>
+      </p:grpSpPr>
+      <p:graphicFrame>
+        <p:nvGraphicFramePr>
+          <p:cNvPr id="9" name="Chart 8"/>
+          <p:cNvGraphicFramePr>
+            <a:graphicFrameLocks/>
+          </p:cNvGraphicFramePr>
+          <p:nvPr>
+            <p:extLst>
+              <p:ext uri="{D42A27DB-BD31-4B8C-83A1-F6EECF244321}">
+                <p14:modId xmlns:p14="http://schemas.microsoft.com/office/powerpoint/2010/main" val="3606446182"/>
+              </p:ext>
+            </p:extLst>
+          </p:nvPr>
+        </p:nvGraphicFramePr>
+        <p:xfrm>
+          <a:off x="0" y="0"/>
+          <a:ext cx="9004300" cy="5702300"/>
+        </p:xfrm>
+        <a:graphic>
+          <a:graphicData uri="http://schemas.openxmlformats.org/drawingml/2006/chart">
+            <c:chart xmlns:c="http://schemas.openxmlformats.org/drawingml/2006/chart" xmlns:r="http://schemas.openxmlformats.org/officeDocument/2006/relationships" r:id="rId2"/>
+          </a:graphicData>
+        </a:graphic>
+      </p:graphicFrame>
+    </p:spTree>
+    <p:extLst>
+      <p:ext uri="{BB962C8B-B14F-4D97-AF65-F5344CB8AC3E}">
+        <p14:creationId xmlns:p14="http://schemas.microsoft.com/office/powerpoint/2010/main" val="4102678666"/>
+      </p:ext>
+    </p:extLst>
+  </p:cSld>
+  <p:clrMapOvr>
+    <a:masterClrMapping/>
+  </p:clrMapOvr>
+</p:sld>
+</file>
+
 <file path=ppt/slides/slide2.xml><?xml version="1.0" encoding="utf-8"?>
 <p:sld xmlns:a="http://schemas.openxmlformats.org/drawingml/2006/main" xmlns:r="http://schemas.openxmlformats.org/officeDocument/2006/relationships" xmlns:p="http://schemas.openxmlformats.org/presentationml/2006/main">
   <p:cSld>
@@ -23462,21 +31886,21 @@
       </p:grpSpPr>
       <p:graphicFrame>
         <p:nvGraphicFramePr>
-          <p:cNvPr id="3" name="Chart 2"/>
+          <p:cNvPr id="7" name="Chart 6"/>
           <p:cNvGraphicFramePr>
             <a:graphicFrameLocks/>
           </p:cNvGraphicFramePr>
           <p:nvPr>
             <p:extLst>
               <p:ext uri="{D42A27DB-BD31-4B8C-83A1-F6EECF244321}">
-                <p14:modId xmlns:p14="http://schemas.microsoft.com/office/powerpoint/2010/main" val="4101180711"/>
+                <p14:modId xmlns:p14="http://schemas.microsoft.com/office/powerpoint/2010/main" val="120195206"/>
               </p:ext>
             </p:extLst>
           </p:nvPr>
         </p:nvGraphicFramePr>
         <p:xfrm>
-          <a:off x="0" y="160421"/>
-          <a:ext cx="12207642" cy="6489032"/>
+          <a:off x="290286" y="-141838"/>
+          <a:ext cx="11650282" cy="6999838"/>
         </p:xfrm>
         <a:graphic>
           <a:graphicData uri="http://schemas.openxmlformats.org/drawingml/2006/chart">

--- a/results/robust_recourse_iterative/Main workbooks/Results Comparison Plots.pptx
+++ b/results/robust_recourse_iterative/Main workbooks/Results Comparison Plots.pptx
@@ -21,6 +21,9 @@
     <p:sldId id="269" r:id="rId15"/>
     <p:sldId id="270" r:id="rId16"/>
     <p:sldId id="271" r:id="rId17"/>
+    <p:sldId id="273" r:id="rId18"/>
+    <p:sldId id="272" r:id="rId19"/>
+    <p:sldId id="274" r:id="rId20"/>
   </p:sldIdLst>
   <p:sldSz cx="12192000" cy="6858000"/>
   <p:notesSz cx="6858000" cy="9144000"/>
@@ -4596,9 +4599,14 @@
                   <a:defRPr sz="1800"/>
                 </a:pPr>
                 <a:r>
-                  <a:rPr lang="nb-NO" sz="1800"/>
-                  <a:t>Oil Output [Sm3/h]</a:t>
+                  <a:rPr lang="nb-NO" sz="1800" dirty="0"/>
+                  <a:t>Oil Output </a:t>
                 </a:r>
+                <a:r>
+                  <a:rPr lang="nb-NO" sz="1800" dirty="0" smtClean="0"/>
+                  <a:t>[SOR]</a:t>
+                </a:r>
+                <a:endParaRPr lang="nb-NO" sz="1800" dirty="0"/>
               </a:p>
             </c:rich>
           </c:tx>
@@ -4645,6 +4653,7 @@
         <c:crossAx val="545064512"/>
         <c:crosses val="autoZero"/>
         <c:crossBetween val="midCat"/>
+        <c:majorUnit val="5"/>
       </c:valAx>
       <c:valAx>
         <c:axId val="545064512"/>
@@ -9394,12 +9403,18 @@
                   <a:defRPr/>
                 </a:pPr>
                 <a:r>
-                  <a:rPr lang="nb-NO" sz="1800" b="1" i="0" baseline="0">
+                  <a:rPr lang="nb-NO" sz="1800" b="1" i="0" baseline="0" dirty="0">
                     <a:effectLst/>
                   </a:rPr>
-                  <a:t>Oil Output [Sm3/h]</a:t>
+                  <a:t>Oil Output </a:t>
                 </a:r>
-                <a:endParaRPr lang="nb-NO">
+                <a:r>
+                  <a:rPr lang="nb-NO" sz="1800" b="1" i="0" baseline="0" dirty="0" smtClean="0">
+                    <a:effectLst/>
+                  </a:rPr>
+                  <a:t>[SOR]</a:t>
+                </a:r>
+                <a:endParaRPr lang="nb-NO" dirty="0">
                   <a:effectLst/>
                 </a:endParaRPr>
               </a:p>
@@ -10354,7 +10369,7 @@
                   <a:bodyPr/>
                   <a:lstStyle/>
                   <a:p>
-                    <a:fld id="{0D22BB11-6199-4364-B7D0-049F554C62FB}" type="CELLRANGE">
+                    <a:fld id="{F6AD226A-B52A-4FA4-9B92-0B05B73CDA67}" type="CELLRANGE">
                       <a:rPr lang="en-US"/>
                       <a:pPr/>
                       <a:t>[CELLRANGE]</a:t>
@@ -10389,7 +10404,7 @@
                   <a:bodyPr/>
                   <a:lstStyle/>
                   <a:p>
-                    <a:fld id="{78B96DDF-A0D3-4C9A-8FA2-1600EA70E00F}" type="CELLRANGE">
+                    <a:fld id="{20713FA8-B0F3-47C4-B1AC-C8BED6B4E20C}" type="CELLRANGE">
                       <a:rPr lang="nb-NO"/>
                       <a:pPr/>
                       <a:t>[CELLRANGE]</a:t>
@@ -10425,7 +10440,7 @@
                   <a:bodyPr/>
                   <a:lstStyle/>
                   <a:p>
-                    <a:fld id="{656E4F37-EB24-4DE9-9287-68ECA3322DBE}" type="CELLRANGE">
+                    <a:fld id="{1818B74F-EE27-4C4B-BE52-A960B2CA0233}" type="CELLRANGE">
                       <a:rPr lang="nb-NO"/>
                       <a:pPr/>
                       <a:t>[CELLRANGE]</a:t>
@@ -10466,7 +10481,7 @@
                   <a:bodyPr/>
                   <a:lstStyle/>
                   <a:p>
-                    <a:fld id="{B974567C-59E7-477E-A413-A8AD78D66C62}" type="CELLRANGE">
+                    <a:fld id="{F39B3025-5047-4630-A4A8-A83C8314F67A}" type="CELLRANGE">
                       <a:rPr lang="en-US"/>
                       <a:pPr/>
                       <a:t>[CELLRANGE]</a:t>
@@ -10506,7 +10521,7 @@
                   <a:bodyPr/>
                   <a:lstStyle/>
                   <a:p>
-                    <a:fld id="{4630A1C3-DC0E-40EE-8D57-460995580382}" type="CELLRANGE">
+                    <a:fld id="{3AF2F42D-3B73-4AE2-A751-BAB40387C9D3}" type="CELLRANGE">
                       <a:rPr lang="en-US"/>
                       <a:pPr/>
                       <a:t>[CELLRANGE]</a:t>
@@ -10546,7 +10561,7 @@
                   <a:bodyPr/>
                   <a:lstStyle/>
                   <a:p>
-                    <a:fld id="{F44390E3-E9DD-4CA0-BBD8-7915EC56A0D0}" type="CELLRANGE">
+                    <a:fld id="{04A45D22-3ACE-4B8F-BC64-5DEA47997C80}" type="CELLRANGE">
                       <a:rPr lang="en-US"/>
                       <a:pPr/>
                       <a:t>[CELLRANGE]</a:t>
@@ -10586,7 +10601,7 @@
                   <a:bodyPr/>
                   <a:lstStyle/>
                   <a:p>
-                    <a:fld id="{6B50D935-671C-42E4-85B3-3022F3F96DF3}" type="CELLRANGE">
+                    <a:fld id="{66264A84-6B6F-4677-8D3B-2EA47E9DA5D6}" type="CELLRANGE">
                       <a:rPr lang="en-US"/>
                       <a:pPr/>
                       <a:t>[CELLRANGE]</a:t>
@@ -10626,7 +10641,7 @@
                   <a:bodyPr/>
                   <a:lstStyle/>
                   <a:p>
-                    <a:fld id="{B606BBAA-DD2B-4F51-B138-39562C0627F7}" type="CELLRANGE">
+                    <a:fld id="{F54838B1-4C29-41AC-A26C-6619EE3FC6C9}" type="CELLRANGE">
                       <a:rPr lang="en-US"/>
                       <a:pPr/>
                       <a:t>[CELLRANGE]</a:t>
@@ -10666,7 +10681,7 @@
                   <a:bodyPr/>
                   <a:lstStyle/>
                   <a:p>
-                    <a:fld id="{10B1CD56-514A-4C0E-ABD4-0995509BA7B4}" type="CELLRANGE">
+                    <a:fld id="{7888F074-3E0B-4C97-A3BD-376FEC706E0C}" type="CELLRANGE">
                       <a:rPr lang="en-US"/>
                       <a:pPr/>
                       <a:t>[CELLRANGE]</a:t>
@@ -10706,7 +10721,7 @@
                   <a:bodyPr/>
                   <a:lstStyle/>
                   <a:p>
-                    <a:fld id="{62D23637-FAB8-4CE4-8F99-FCF582EB770D}" type="CELLRANGE">
+                    <a:fld id="{FA379776-2BE2-4C70-8DB9-333ED4CEFA3E}" type="CELLRANGE">
                       <a:rPr lang="en-US"/>
                       <a:pPr/>
                       <a:t>[CELLRANGE]</a:t>
@@ -16005,7 +16020,7 @@
                   <a:bodyPr/>
                   <a:lstStyle/>
                   <a:p>
-                    <a:fld id="{B41EE5DB-4064-4127-A01F-8F543FE418DB}" type="CELLRANGE">
+                    <a:fld id="{371965E1-1731-429C-8039-489855CBD3AB}" type="CELLRANGE">
                       <a:rPr lang="en-US"/>
                       <a:pPr/>
                       <a:t>[CELLRANGE]</a:t>
@@ -16045,7 +16060,7 @@
                   <a:bodyPr/>
                   <a:lstStyle/>
                   <a:p>
-                    <a:fld id="{162647E2-A293-4136-997C-B140B68F5F2F}" type="CELLRANGE">
+                    <a:fld id="{6CF1EC2A-AF67-4921-979B-82B29A76C10F}" type="CELLRANGE">
                       <a:rPr lang="en-US"/>
                       <a:pPr/>
                       <a:t>[CELLRANGE]</a:t>
@@ -16085,7 +16100,7 @@
                   <a:bodyPr/>
                   <a:lstStyle/>
                   <a:p>
-                    <a:fld id="{616E3797-14A0-4ABE-AA90-E16198C5DB54}" type="CELLRANGE">
+                    <a:fld id="{EAA0FC06-B54E-4997-A454-A841997B6A86}" type="CELLRANGE">
                       <a:rPr lang="en-US"/>
                       <a:pPr/>
                       <a:t>[CELLRANGE]</a:t>
@@ -16125,7 +16140,7 @@
                   <a:bodyPr/>
                   <a:lstStyle/>
                   <a:p>
-                    <a:fld id="{7A2E466F-DD91-49F2-AB3A-5D4A6A8E5266}" type="CELLRANGE">
+                    <a:fld id="{F88421B8-453C-4DE6-9C0F-DA2D0B8EC0D9}" type="CELLRANGE">
                       <a:rPr lang="en-US"/>
                       <a:pPr/>
                       <a:t>[CELLRANGE]</a:t>
@@ -16165,7 +16180,7 @@
                   <a:bodyPr/>
                   <a:lstStyle/>
                   <a:p>
-                    <a:fld id="{9753E575-D7AD-4AA5-A68B-4B9AB8F83CCB}" type="CELLRANGE">
+                    <a:fld id="{84BBA818-8969-40E9-8477-7259BFBE40D4}" type="CELLRANGE">
                       <a:rPr lang="en-US"/>
                       <a:pPr/>
                       <a:t>[CELLRANGE]</a:t>
@@ -16205,7 +16220,7 @@
                   <a:bodyPr/>
                   <a:lstStyle/>
                   <a:p>
-                    <a:fld id="{EEBBDA1A-5ADD-4AD2-98AA-AB087B961E3F}" type="CELLRANGE">
+                    <a:fld id="{02407D23-1AF2-45C0-B9C8-2A17F81EED66}" type="CELLRANGE">
                       <a:rPr lang="en-US"/>
                       <a:pPr/>
                       <a:t>[CELLRANGE]</a:t>
@@ -16245,7 +16260,7 @@
                   <a:bodyPr/>
                   <a:lstStyle/>
                   <a:p>
-                    <a:fld id="{23B57C4A-5B63-4EB4-ADEF-3A40098838FA}" type="CELLRANGE">
+                    <a:fld id="{95E3CE2C-2D0D-4FE6-BC5D-E3A399507C01}" type="CELLRANGE">
                       <a:rPr lang="en-US"/>
                       <a:pPr/>
                       <a:t>[CELLRANGE]</a:t>
@@ -16285,7 +16300,7 @@
                   <a:bodyPr/>
                   <a:lstStyle/>
                   <a:p>
-                    <a:fld id="{E01C8F84-6923-44F1-A736-54917BBC9EEA}" type="CELLRANGE">
+                    <a:fld id="{EB5DAA10-9617-4D18-8712-0285BD4C1C0C}" type="CELLRANGE">
                       <a:rPr lang="en-US"/>
                       <a:pPr/>
                       <a:t>[CELLRANGE]</a:t>
@@ -16325,7 +16340,7 @@
                   <a:bodyPr/>
                   <a:lstStyle/>
                   <a:p>
-                    <a:fld id="{135C5305-7C1B-4588-B946-E4CDF37EB13D}" type="CELLRANGE">
+                    <a:fld id="{E39415E9-5551-47DD-961F-6C71A27C1FFB}" type="CELLRANGE">
                       <a:rPr lang="en-US"/>
                       <a:pPr/>
                       <a:t>[CELLRANGE]</a:t>
@@ -16365,7 +16380,7 @@
                   <a:bodyPr/>
                   <a:lstStyle/>
                   <a:p>
-                    <a:fld id="{757F4AF6-60A8-40EE-AA15-9B6C262DC0E3}" type="CELLRANGE">
+                    <a:fld id="{1E994BE0-3C7B-4614-B4E8-BE90AAD65413}" type="CELLRANGE">
                       <a:rPr lang="en-US"/>
                       <a:pPr/>
                       <a:t>[CELLRANGE]</a:t>
@@ -16421,7 +16436,6 @@
             <c:showLeaderLines val="0"/>
             <c:extLst>
               <c:ext xmlns:c15="http://schemas.microsoft.com/office/drawing/2012/chart" uri="{CE6537A1-D6FC-4f65-9D91-7224C49458BB}">
-                <c15:layout/>
                 <c15:showDataLabelsRange val="1"/>
                 <c15:showLeaderLines val="1"/>
                 <c15:leaderLines>
@@ -20728,9 +20742,14 @@
                   <a:defRPr sz="1800"/>
                 </a:pPr>
                 <a:r>
-                  <a:rPr lang="nb-NO" sz="1800"/>
-                  <a:t>Oil Output [Sm3/h]</a:t>
+                  <a:rPr lang="nb-NO" sz="1800" dirty="0"/>
+                  <a:t>Oil Output </a:t>
                 </a:r>
+                <a:r>
+                  <a:rPr lang="nb-NO" sz="1800" dirty="0" smtClean="0"/>
+                  <a:t>[SOR]</a:t>
+                </a:r>
+                <a:endParaRPr lang="nb-NO" sz="1800" dirty="0"/>
               </a:p>
             </c:rich>
           </c:tx>
@@ -23480,6 +23499,8251 @@
 </c:chartSpace>
 </file>
 
+<file path=ppt/charts/chart16.xml><?xml version="1.0" encoding="utf-8"?>
+<c:chartSpace xmlns:c="http://schemas.openxmlformats.org/drawingml/2006/chart" xmlns:a="http://schemas.openxmlformats.org/drawingml/2006/main" xmlns:r="http://schemas.openxmlformats.org/officeDocument/2006/relationships" xmlns:c16r2="http://schemas.microsoft.com/office/drawing/2015/06/chart">
+  <c:date1904 val="0"/>
+  <c:lang val="en-US"/>
+  <c:roundedCorners val="0"/>
+  <mc:AlternateContent xmlns:mc="http://schemas.openxmlformats.org/markup-compatibility/2006">
+    <mc:Choice xmlns:c14="http://schemas.microsoft.com/office/drawing/2007/8/2/chart" Requires="c14">
+      <c14:style val="102"/>
+    </mc:Choice>
+    <mc:Fallback>
+      <c:style val="2"/>
+    </mc:Fallback>
+  </mc:AlternateContent>
+  <c:chart>
+    <c:autoTitleDeleted val="0"/>
+    <c:plotArea>
+      <c:layout>
+        <c:manualLayout>
+          <c:layoutTarget val="inner"/>
+          <c:xMode val="edge"/>
+          <c:yMode val="edge"/>
+          <c:x val="0.15629656971026132"/>
+          <c:y val="2.5507246376811593E-2"/>
+          <c:w val="0.79265312998362847"/>
+          <c:h val="0.76371130947161669"/>
+        </c:manualLayout>
+      </c:layout>
+      <c:scatterChart>
+        <c:scatterStyle val="lineMarker"/>
+        <c:varyColors val="0"/>
+        <c:ser>
+          <c:idx val="0"/>
+          <c:order val="0"/>
+          <c:tx>
+            <c:v>1</c:v>
+          </c:tx>
+          <c:spPr>
+            <a:ln w="25400" cap="rnd">
+              <a:noFill/>
+              <a:round/>
+            </a:ln>
+            <a:effectLst/>
+          </c:spPr>
+          <c:marker>
+            <c:symbol val="circle"/>
+            <c:size val="6"/>
+            <c:spPr>
+              <a:solidFill>
+                <a:schemeClr val="accent1"/>
+              </a:solidFill>
+              <a:ln w="9525">
+                <a:noFill/>
+              </a:ln>
+              <a:effectLst/>
+            </c:spPr>
+          </c:marker>
+          <c:dPt>
+            <c:idx val="43"/>
+            <c:marker>
+              <c:symbol val="circle"/>
+              <c:size val="6"/>
+              <c:spPr>
+                <a:solidFill>
+                  <a:schemeClr val="accent1"/>
+                </a:solidFill>
+                <a:ln w="9525">
+                  <a:noFill/>
+                </a:ln>
+                <a:effectLst/>
+              </c:spPr>
+            </c:marker>
+            <c:bubble3D val="0"/>
+            <c:spPr>
+              <a:ln w="25400" cap="rnd">
+                <a:noFill/>
+                <a:round/>
+              </a:ln>
+              <a:effectLst/>
+            </c:spPr>
+            <c:extLst>
+              <c:ext xmlns:c16="http://schemas.microsoft.com/office/drawing/2014/chart" uri="{C3380CC4-5D6E-409C-BE32-E72D297353CC}">
+                <c16:uniqueId val="{00000001-9CFB-42B6-865D-49B1D335FD5B}"/>
+              </c:ext>
+            </c:extLst>
+          </c:dPt>
+          <c:xVal>
+            <c:numRef>
+              <c:f>'2 changes2'!$AP$1:$AP$47</c:f>
+              <c:numCache>
+                <c:formatCode>General</c:formatCode>
+                <c:ptCount val="47"/>
+                <c:pt idx="0">
+                  <c:v>65.470983303316899</c:v>
+                </c:pt>
+                <c:pt idx="1">
+                  <c:v>65.470983303316899</c:v>
+                </c:pt>
+                <c:pt idx="2">
+                  <c:v>65.470983303316899</c:v>
+                </c:pt>
+                <c:pt idx="3">
+                  <c:v>65.470983303316899</c:v>
+                </c:pt>
+                <c:pt idx="4">
+                  <c:v>65.470983303316899</c:v>
+                </c:pt>
+                <c:pt idx="5">
+                  <c:v>65.470983303316899</c:v>
+                </c:pt>
+                <c:pt idx="6">
+                  <c:v>65.470983303316899</c:v>
+                </c:pt>
+                <c:pt idx="7">
+                  <c:v>65.470983303316899</c:v>
+                </c:pt>
+                <c:pt idx="8">
+                  <c:v>65.470983303316899</c:v>
+                </c:pt>
+                <c:pt idx="9">
+                  <c:v>65.470983303316899</c:v>
+                </c:pt>
+                <c:pt idx="10">
+                  <c:v>65.470983303316899</c:v>
+                </c:pt>
+                <c:pt idx="11">
+                  <c:v>65.470983303316899</c:v>
+                </c:pt>
+                <c:pt idx="12">
+                  <c:v>65.470983303316899</c:v>
+                </c:pt>
+                <c:pt idx="13">
+                  <c:v>65.470983303316899</c:v>
+                </c:pt>
+                <c:pt idx="14">
+                  <c:v>65.470983303316899</c:v>
+                </c:pt>
+                <c:pt idx="15">
+                  <c:v>65.470983303316899</c:v>
+                </c:pt>
+                <c:pt idx="16">
+                  <c:v>65.470983303316899</c:v>
+                </c:pt>
+                <c:pt idx="17">
+                  <c:v>65.470983303316899</c:v>
+                </c:pt>
+                <c:pt idx="18">
+                  <c:v>65.470983303316899</c:v>
+                </c:pt>
+                <c:pt idx="19">
+                  <c:v>65.470983303316899</c:v>
+                </c:pt>
+                <c:pt idx="20">
+                  <c:v>65.470983303316899</c:v>
+                </c:pt>
+                <c:pt idx="21">
+                  <c:v>65.4709833033167</c:v>
+                </c:pt>
+                <c:pt idx="22">
+                  <c:v>65.4709833033167</c:v>
+                </c:pt>
+                <c:pt idx="23">
+                  <c:v>65.4709833033167</c:v>
+                </c:pt>
+                <c:pt idx="24">
+                  <c:v>65.4709833033167</c:v>
+                </c:pt>
+                <c:pt idx="25">
+                  <c:v>65.4709833033167</c:v>
+                </c:pt>
+                <c:pt idx="26">
+                  <c:v>65.4709833033167</c:v>
+                </c:pt>
+                <c:pt idx="27">
+                  <c:v>65.4709833033167</c:v>
+                </c:pt>
+                <c:pt idx="28">
+                  <c:v>65.4709833033167</c:v>
+                </c:pt>
+                <c:pt idx="29">
+                  <c:v>65.4709833033167</c:v>
+                </c:pt>
+                <c:pt idx="30">
+                  <c:v>65.470983303316899</c:v>
+                </c:pt>
+                <c:pt idx="31">
+                  <c:v>65.470983303316899</c:v>
+                </c:pt>
+                <c:pt idx="32">
+                  <c:v>65.470983303316899</c:v>
+                </c:pt>
+                <c:pt idx="33">
+                  <c:v>65.470983303316899</c:v>
+                </c:pt>
+                <c:pt idx="34">
+                  <c:v>65.470983303316899</c:v>
+                </c:pt>
+                <c:pt idx="35">
+                  <c:v>65.470983303316899</c:v>
+                </c:pt>
+                <c:pt idx="36">
+                  <c:v>65.470983303316899</c:v>
+                </c:pt>
+                <c:pt idx="37">
+                  <c:v>65.470983303316899</c:v>
+                </c:pt>
+                <c:pt idx="38">
+                  <c:v>65.470983303316899</c:v>
+                </c:pt>
+                <c:pt idx="39">
+                  <c:v>65.470983303316899</c:v>
+                </c:pt>
+                <c:pt idx="40">
+                  <c:v>65.470983303316899</c:v>
+                </c:pt>
+                <c:pt idx="41">
+                  <c:v>65.470983303316899</c:v>
+                </c:pt>
+                <c:pt idx="42">
+                  <c:v>65.470983303455299</c:v>
+                </c:pt>
+                <c:pt idx="43">
+                  <c:v>65.470983303368698</c:v>
+                </c:pt>
+                <c:pt idx="44">
+                  <c:v>65.4709833033546</c:v>
+                </c:pt>
+                <c:pt idx="45">
+                  <c:v>65.4709833033167</c:v>
+                </c:pt>
+                <c:pt idx="46">
+                  <c:v>65.470983303369806</c:v>
+                </c:pt>
+              </c:numCache>
+            </c:numRef>
+          </c:xVal>
+          <c:yVal>
+            <c:numRef>
+              <c:f>'2 changes2'!$AO$1:$AO$47</c:f>
+              <c:numCache>
+                <c:formatCode>General</c:formatCode>
+                <c:ptCount val="47"/>
+                <c:pt idx="0">
+                  <c:v>1</c:v>
+                </c:pt>
+                <c:pt idx="1">
+                  <c:v>1</c:v>
+                </c:pt>
+                <c:pt idx="2">
+                  <c:v>1</c:v>
+                </c:pt>
+                <c:pt idx="3">
+                  <c:v>1</c:v>
+                </c:pt>
+                <c:pt idx="4">
+                  <c:v>1</c:v>
+                </c:pt>
+                <c:pt idx="5">
+                  <c:v>1</c:v>
+                </c:pt>
+                <c:pt idx="6">
+                  <c:v>1</c:v>
+                </c:pt>
+                <c:pt idx="7">
+                  <c:v>1</c:v>
+                </c:pt>
+                <c:pt idx="8">
+                  <c:v>1</c:v>
+                </c:pt>
+                <c:pt idx="9">
+                  <c:v>1</c:v>
+                </c:pt>
+                <c:pt idx="10">
+                  <c:v>1</c:v>
+                </c:pt>
+                <c:pt idx="11">
+                  <c:v>1</c:v>
+                </c:pt>
+                <c:pt idx="12">
+                  <c:v>1</c:v>
+                </c:pt>
+                <c:pt idx="13">
+                  <c:v>1</c:v>
+                </c:pt>
+                <c:pt idx="14">
+                  <c:v>1</c:v>
+                </c:pt>
+                <c:pt idx="15">
+                  <c:v>1</c:v>
+                </c:pt>
+                <c:pt idx="16">
+                  <c:v>1</c:v>
+                </c:pt>
+                <c:pt idx="17">
+                  <c:v>1</c:v>
+                </c:pt>
+                <c:pt idx="18">
+                  <c:v>1</c:v>
+                </c:pt>
+                <c:pt idx="19">
+                  <c:v>1</c:v>
+                </c:pt>
+                <c:pt idx="20">
+                  <c:v>1</c:v>
+                </c:pt>
+                <c:pt idx="21">
+                  <c:v>1</c:v>
+                </c:pt>
+                <c:pt idx="22">
+                  <c:v>1</c:v>
+                </c:pt>
+                <c:pt idx="23">
+                  <c:v>1</c:v>
+                </c:pt>
+                <c:pt idx="24">
+                  <c:v>1</c:v>
+                </c:pt>
+                <c:pt idx="25">
+                  <c:v>1</c:v>
+                </c:pt>
+                <c:pt idx="26">
+                  <c:v>1</c:v>
+                </c:pt>
+                <c:pt idx="27">
+                  <c:v>1</c:v>
+                </c:pt>
+                <c:pt idx="28">
+                  <c:v>1</c:v>
+                </c:pt>
+                <c:pt idx="29">
+                  <c:v>1</c:v>
+                </c:pt>
+                <c:pt idx="30">
+                  <c:v>1</c:v>
+                </c:pt>
+                <c:pt idx="31">
+                  <c:v>1</c:v>
+                </c:pt>
+                <c:pt idx="32">
+                  <c:v>1</c:v>
+                </c:pt>
+                <c:pt idx="33">
+                  <c:v>1</c:v>
+                </c:pt>
+                <c:pt idx="34">
+                  <c:v>1</c:v>
+                </c:pt>
+                <c:pt idx="35">
+                  <c:v>1</c:v>
+                </c:pt>
+                <c:pt idx="36">
+                  <c:v>1</c:v>
+                </c:pt>
+                <c:pt idx="37">
+                  <c:v>1</c:v>
+                </c:pt>
+                <c:pt idx="38">
+                  <c:v>1</c:v>
+                </c:pt>
+                <c:pt idx="39">
+                  <c:v>1</c:v>
+                </c:pt>
+                <c:pt idx="40">
+                  <c:v>1</c:v>
+                </c:pt>
+                <c:pt idx="41">
+                  <c:v>1</c:v>
+                </c:pt>
+                <c:pt idx="42">
+                  <c:v>1</c:v>
+                </c:pt>
+                <c:pt idx="43">
+                  <c:v>1</c:v>
+                </c:pt>
+                <c:pt idx="44">
+                  <c:v>1</c:v>
+                </c:pt>
+                <c:pt idx="45">
+                  <c:v>1</c:v>
+                </c:pt>
+                <c:pt idx="46">
+                  <c:v>1</c:v>
+                </c:pt>
+              </c:numCache>
+            </c:numRef>
+          </c:yVal>
+          <c:smooth val="0"/>
+          <c:extLst>
+            <c:ext xmlns:c16="http://schemas.microsoft.com/office/drawing/2014/chart" uri="{C3380CC4-5D6E-409C-BE32-E72D297353CC}">
+              <c16:uniqueId val="{00000002-9CFB-42B6-865D-49B1D335FD5B}"/>
+            </c:ext>
+          </c:extLst>
+        </c:ser>
+        <c:ser>
+          <c:idx val="1"/>
+          <c:order val="1"/>
+          <c:tx>
+            <c:v>2</c:v>
+          </c:tx>
+          <c:spPr>
+            <a:ln w="25400" cap="rnd">
+              <a:noFill/>
+              <a:round/>
+            </a:ln>
+            <a:effectLst/>
+          </c:spPr>
+          <c:marker>
+            <c:symbol val="circle"/>
+            <c:size val="6"/>
+            <c:spPr>
+              <a:solidFill>
+                <a:schemeClr val="accent2"/>
+              </a:solidFill>
+              <a:ln w="9525">
+                <a:noFill/>
+              </a:ln>
+              <a:effectLst/>
+            </c:spPr>
+          </c:marker>
+          <c:xVal>
+            <c:numRef>
+              <c:f>'2 changes2'!$AP$48:$AP$59</c:f>
+              <c:numCache>
+                <c:formatCode>General</c:formatCode>
+                <c:ptCount val="12"/>
+                <c:pt idx="0">
+                  <c:v>73.971916684416101</c:v>
+                </c:pt>
+                <c:pt idx="1">
+                  <c:v>73.971916684416001</c:v>
+                </c:pt>
+                <c:pt idx="2">
+                  <c:v>73.971916684416001</c:v>
+                </c:pt>
+                <c:pt idx="3">
+                  <c:v>73.971916684416499</c:v>
+                </c:pt>
+                <c:pt idx="4">
+                  <c:v>73.971916684416499</c:v>
+                </c:pt>
+                <c:pt idx="5">
+                  <c:v>73.971916684416499</c:v>
+                </c:pt>
+                <c:pt idx="6">
+                  <c:v>73.971916684416399</c:v>
+                </c:pt>
+                <c:pt idx="7">
+                  <c:v>81.597314608957603</c:v>
+                </c:pt>
+                <c:pt idx="8">
+                  <c:v>81.597313353358302</c:v>
+                </c:pt>
+                <c:pt idx="9">
+                  <c:v>81.597313353358302</c:v>
+                </c:pt>
+                <c:pt idx="10">
+                  <c:v>81.597313353358302</c:v>
+                </c:pt>
+                <c:pt idx="11">
+                  <c:v>81.597313353359894</c:v>
+                </c:pt>
+              </c:numCache>
+            </c:numRef>
+          </c:xVal>
+          <c:yVal>
+            <c:numRef>
+              <c:f>'2 changes2'!$AO$48:$AO$59</c:f>
+              <c:numCache>
+                <c:formatCode>General</c:formatCode>
+                <c:ptCount val="12"/>
+                <c:pt idx="0">
+                  <c:v>1</c:v>
+                </c:pt>
+                <c:pt idx="1">
+                  <c:v>1</c:v>
+                </c:pt>
+                <c:pt idx="2">
+                  <c:v>1</c:v>
+                </c:pt>
+                <c:pt idx="3">
+                  <c:v>1</c:v>
+                </c:pt>
+                <c:pt idx="4">
+                  <c:v>1</c:v>
+                </c:pt>
+                <c:pt idx="5">
+                  <c:v>1</c:v>
+                </c:pt>
+                <c:pt idx="6">
+                  <c:v>1</c:v>
+                </c:pt>
+                <c:pt idx="7">
+                  <c:v>0.99999999999999967</c:v>
+                </c:pt>
+                <c:pt idx="8">
+                  <c:v>0.99999999999999967</c:v>
+                </c:pt>
+                <c:pt idx="9">
+                  <c:v>0.99999999999999967</c:v>
+                </c:pt>
+                <c:pt idx="10">
+                  <c:v>0.99999999999999967</c:v>
+                </c:pt>
+                <c:pt idx="11">
+                  <c:v>0.99999999999999967</c:v>
+                </c:pt>
+              </c:numCache>
+            </c:numRef>
+          </c:yVal>
+          <c:smooth val="0"/>
+          <c:extLst>
+            <c:ext xmlns:c16="http://schemas.microsoft.com/office/drawing/2014/chart" uri="{C3380CC4-5D6E-409C-BE32-E72D297353CC}">
+              <c16:uniqueId val="{00000003-9CFB-42B6-865D-49B1D335FD5B}"/>
+            </c:ext>
+          </c:extLst>
+        </c:ser>
+        <c:ser>
+          <c:idx val="3"/>
+          <c:order val="2"/>
+          <c:tx>
+            <c:v>3</c:v>
+          </c:tx>
+          <c:spPr>
+            <a:ln w="25400" cap="rnd">
+              <a:noFill/>
+              <a:round/>
+            </a:ln>
+            <a:effectLst/>
+          </c:spPr>
+          <c:marker>
+            <c:symbol val="circle"/>
+            <c:size val="6"/>
+            <c:spPr>
+              <a:solidFill>
+                <a:schemeClr val="accent4"/>
+              </a:solidFill>
+              <a:ln w="9525">
+                <a:noFill/>
+              </a:ln>
+              <a:effectLst/>
+            </c:spPr>
+          </c:marker>
+          <c:xVal>
+            <c:numRef>
+              <c:f>'2 changes2'!$AP$60:$AP$64</c:f>
+              <c:numCache>
+                <c:formatCode>General</c:formatCode>
+                <c:ptCount val="5"/>
+                <c:pt idx="0">
+                  <c:v>83.894239140610196</c:v>
+                </c:pt>
+                <c:pt idx="1">
+                  <c:v>83.894239140606501</c:v>
+                </c:pt>
+                <c:pt idx="2">
+                  <c:v>84.731679614415597</c:v>
+                </c:pt>
+                <c:pt idx="3">
+                  <c:v>87.755772565941001</c:v>
+                </c:pt>
+                <c:pt idx="4">
+                  <c:v>87.755772573260799</c:v>
+                </c:pt>
+              </c:numCache>
+            </c:numRef>
+          </c:xVal>
+          <c:yVal>
+            <c:numRef>
+              <c:f>'2 changes2'!$AO$60:$AO$64</c:f>
+              <c:numCache>
+                <c:formatCode>General</c:formatCode>
+                <c:ptCount val="5"/>
+                <c:pt idx="0">
+                  <c:v>0.99999999999998213</c:v>
+                </c:pt>
+                <c:pt idx="1">
+                  <c:v>0.99999999999998213</c:v>
+                </c:pt>
+                <c:pt idx="2">
+                  <c:v>0.99999999999996103</c:v>
+                </c:pt>
+                <c:pt idx="3">
+                  <c:v>0.99999999958787222</c:v>
+                </c:pt>
+                <c:pt idx="4">
+                  <c:v>0.99999999958787222</c:v>
+                </c:pt>
+              </c:numCache>
+            </c:numRef>
+          </c:yVal>
+          <c:smooth val="0"/>
+          <c:extLst>
+            <c:ext xmlns:c16="http://schemas.microsoft.com/office/drawing/2014/chart" uri="{C3380CC4-5D6E-409C-BE32-E72D297353CC}">
+              <c16:uniqueId val="{00000004-9CFB-42B6-865D-49B1D335FD5B}"/>
+            </c:ext>
+          </c:extLst>
+        </c:ser>
+        <c:ser>
+          <c:idx val="4"/>
+          <c:order val="3"/>
+          <c:tx>
+            <c:v>4</c:v>
+          </c:tx>
+          <c:spPr>
+            <a:ln w="25400" cap="rnd">
+              <a:noFill/>
+              <a:round/>
+            </a:ln>
+            <a:effectLst/>
+          </c:spPr>
+          <c:marker>
+            <c:symbol val="circle"/>
+            <c:size val="6"/>
+            <c:spPr>
+              <a:solidFill>
+                <a:schemeClr val="accent5"/>
+              </a:solidFill>
+              <a:ln w="9525">
+                <a:noFill/>
+              </a:ln>
+              <a:effectLst/>
+            </c:spPr>
+          </c:marker>
+          <c:xVal>
+            <c:numRef>
+              <c:f>'2 changes2'!$AP$65:$AP$74</c:f>
+              <c:numCache>
+                <c:formatCode>General</c:formatCode>
+                <c:ptCount val="10"/>
+                <c:pt idx="0">
+                  <c:v>91.3472005335978</c:v>
+                </c:pt>
+                <c:pt idx="1">
+                  <c:v>91.347200536227703</c:v>
+                </c:pt>
+                <c:pt idx="2">
+                  <c:v>91.564879663964604</c:v>
+                </c:pt>
+                <c:pt idx="3">
+                  <c:v>92.931519673875201</c:v>
+                </c:pt>
+                <c:pt idx="4">
+                  <c:v>94.298159683783496</c:v>
+                </c:pt>
+                <c:pt idx="5">
+                  <c:v>95.664799693690597</c:v>
+                </c:pt>
+                <c:pt idx="6">
+                  <c:v>97.031439703605002</c:v>
+                </c:pt>
+                <c:pt idx="7">
+                  <c:v>98.398079713514804</c:v>
+                </c:pt>
+                <c:pt idx="8">
+                  <c:v>99.764719723424804</c:v>
+                </c:pt>
+                <c:pt idx="9">
+                  <c:v>101.13135973333399</c:v>
+                </c:pt>
+              </c:numCache>
+            </c:numRef>
+          </c:xVal>
+          <c:yVal>
+            <c:numRef>
+              <c:f>'2 changes2'!$AO$65:$AO$74</c:f>
+              <c:numCache>
+                <c:formatCode>General</c:formatCode>
+                <c:ptCount val="10"/>
+                <c:pt idx="0">
+                  <c:v>0.99999999664390271</c:v>
+                </c:pt>
+                <c:pt idx="1">
+                  <c:v>0.99999999664390271</c:v>
+                </c:pt>
+                <c:pt idx="2">
+                  <c:v>0.99999999586394372</c:v>
+                </c:pt>
+                <c:pt idx="3">
+                  <c:v>0.99999998453117767</c:v>
+                </c:pt>
+                <c:pt idx="4">
+                  <c:v>0.99999992486044709</c:v>
+                </c:pt>
+                <c:pt idx="5">
+                  <c:v>0.99999972954047056</c:v>
+                </c:pt>
+                <c:pt idx="6">
+                  <c:v>0.99999849657330409</c:v>
+                </c:pt>
+                <c:pt idx="7">
+                  <c:v>0.99996899426286645</c:v>
+                </c:pt>
+                <c:pt idx="8">
+                  <c:v>1</c:v>
+                </c:pt>
+                <c:pt idx="9">
+                  <c:v>1</c:v>
+                </c:pt>
+              </c:numCache>
+            </c:numRef>
+          </c:yVal>
+          <c:smooth val="0"/>
+          <c:extLst>
+            <c:ext xmlns:c16="http://schemas.microsoft.com/office/drawing/2014/chart" uri="{C3380CC4-5D6E-409C-BE32-E72D297353CC}">
+              <c16:uniqueId val="{00000005-9CFB-42B6-865D-49B1D335FD5B}"/>
+            </c:ext>
+          </c:extLst>
+        </c:ser>
+        <c:ser>
+          <c:idx val="5"/>
+          <c:order val="4"/>
+          <c:tx>
+            <c:v>5</c:v>
+          </c:tx>
+          <c:spPr>
+            <a:ln w="25400" cap="rnd">
+              <a:noFill/>
+              <a:round/>
+            </a:ln>
+            <a:effectLst/>
+          </c:spPr>
+          <c:marker>
+            <c:symbol val="circle"/>
+            <c:size val="6"/>
+            <c:spPr>
+              <a:solidFill>
+                <a:schemeClr val="accent6"/>
+              </a:solidFill>
+              <a:ln w="9525">
+                <a:noFill/>
+              </a:ln>
+              <a:effectLst/>
+            </c:spPr>
+          </c:marker>
+          <c:xVal>
+            <c:numRef>
+              <c:f>'2 changes2'!$AP$75:$AP$77</c:f>
+              <c:numCache>
+                <c:formatCode>General</c:formatCode>
+                <c:ptCount val="3"/>
+                <c:pt idx="0">
+                  <c:v>102.49799974324399</c:v>
+                </c:pt>
+                <c:pt idx="1">
+                  <c:v>103.86463975315399</c:v>
+                </c:pt>
+                <c:pt idx="2">
+                  <c:v>105.23127976306399</c:v>
+                </c:pt>
+              </c:numCache>
+            </c:numRef>
+          </c:xVal>
+          <c:yVal>
+            <c:numRef>
+              <c:f>'2 changes2'!$AO$75:$AO$77</c:f>
+              <c:numCache>
+                <c:formatCode>General</c:formatCode>
+                <c:ptCount val="3"/>
+                <c:pt idx="0">
+                  <c:v>1</c:v>
+                </c:pt>
+                <c:pt idx="1">
+                  <c:v>1</c:v>
+                </c:pt>
+                <c:pt idx="2">
+                  <c:v>1</c:v>
+                </c:pt>
+              </c:numCache>
+            </c:numRef>
+          </c:yVal>
+          <c:smooth val="0"/>
+          <c:extLst>
+            <c:ext xmlns:c16="http://schemas.microsoft.com/office/drawing/2014/chart" uri="{C3380CC4-5D6E-409C-BE32-E72D297353CC}">
+              <c16:uniqueId val="{00000006-9CFB-42B6-865D-49B1D335FD5B}"/>
+            </c:ext>
+          </c:extLst>
+        </c:ser>
+        <c:ser>
+          <c:idx val="6"/>
+          <c:order val="5"/>
+          <c:tx>
+            <c:v>6</c:v>
+          </c:tx>
+          <c:spPr>
+            <a:ln w="25400" cap="rnd">
+              <a:noFill/>
+              <a:round/>
+            </a:ln>
+            <a:effectLst/>
+          </c:spPr>
+          <c:marker>
+            <c:symbol val="circle"/>
+            <c:size val="6"/>
+            <c:spPr>
+              <a:solidFill>
+                <a:srgbClr val="C38EC4"/>
+              </a:solidFill>
+              <a:ln w="9525">
+                <a:noFill/>
+              </a:ln>
+              <a:effectLst/>
+            </c:spPr>
+          </c:marker>
+          <c:xVal>
+            <c:numRef>
+              <c:f>'2 changes2'!$AP$78:$AP$94</c:f>
+              <c:numCache>
+                <c:formatCode>General</c:formatCode>
+                <c:ptCount val="17"/>
+                <c:pt idx="0">
+                  <c:v>106.597919772974</c:v>
+                </c:pt>
+                <c:pt idx="1">
+                  <c:v>107.964559782884</c:v>
+                </c:pt>
+                <c:pt idx="2">
+                  <c:v>109.331199792794</c:v>
+                </c:pt>
+                <c:pt idx="3">
+                  <c:v>110.697839802704</c:v>
+                </c:pt>
+                <c:pt idx="4">
+                  <c:v>112.064479812614</c:v>
+                </c:pt>
+                <c:pt idx="5">
+                  <c:v>113.431119822524</c:v>
+                </c:pt>
+                <c:pt idx="6">
+                  <c:v>114.797759832434</c:v>
+                </c:pt>
+                <c:pt idx="7">
+                  <c:v>116.164399842344</c:v>
+                </c:pt>
+                <c:pt idx="8">
+                  <c:v>117.531039852253</c:v>
+                </c:pt>
+                <c:pt idx="9">
+                  <c:v>118.897679862163</c:v>
+                </c:pt>
+                <c:pt idx="10">
+                  <c:v>120.264319872073</c:v>
+                </c:pt>
+                <c:pt idx="11">
+                  <c:v>121.630959883275</c:v>
+                </c:pt>
+                <c:pt idx="12">
+                  <c:v>122.997599891891</c:v>
+                </c:pt>
+                <c:pt idx="13">
+                  <c:v>124.364239901803</c:v>
+                </c:pt>
+                <c:pt idx="14">
+                  <c:v>125.730879911713</c:v>
+                </c:pt>
+                <c:pt idx="15">
+                  <c:v>127.097519921623</c:v>
+                </c:pt>
+                <c:pt idx="16">
+                  <c:v>128.464159931533</c:v>
+                </c:pt>
+              </c:numCache>
+            </c:numRef>
+          </c:xVal>
+          <c:yVal>
+            <c:numRef>
+              <c:f>'2 changes2'!$AO$78:$AO$94</c:f>
+              <c:numCache>
+                <c:formatCode>General</c:formatCode>
+                <c:ptCount val="17"/>
+                <c:pt idx="0">
+                  <c:v>0.99461925078454128</c:v>
+                </c:pt>
+                <c:pt idx="1">
+                  <c:v>0.99242389608025672</c:v>
+                </c:pt>
+                <c:pt idx="2">
+                  <c:v>0.98935517778050419</c:v>
+                </c:pt>
+                <c:pt idx="3">
+                  <c:v>0.98335342966900252</c:v>
+                </c:pt>
+                <c:pt idx="4">
+                  <c:v>0.97728186382360938</c:v>
+                </c:pt>
+                <c:pt idx="5">
+                  <c:v>0.96699406230777052</c:v>
+                </c:pt>
+                <c:pt idx="6">
+                  <c:v>0.95042607459730644</c:v>
+                </c:pt>
+                <c:pt idx="7">
+                  <c:v>0.92746323337961978</c:v>
+                </c:pt>
+                <c:pt idx="8">
+                  <c:v>0.90258401901190577</c:v>
+                </c:pt>
+                <c:pt idx="9">
+                  <c:v>0.85675425138603012</c:v>
+                </c:pt>
+                <c:pt idx="10">
+                  <c:v>0.76458186053601696</c:v>
+                </c:pt>
+                <c:pt idx="11">
+                  <c:v>0.7444697515452442</c:v>
+                </c:pt>
+                <c:pt idx="12">
+                  <c:v>0.72382166905251222</c:v>
+                </c:pt>
+                <c:pt idx="13">
+                  <c:v>0.70747777058535632</c:v>
+                </c:pt>
+                <c:pt idx="14">
+                  <c:v>0.69097894267295967</c:v>
+                </c:pt>
+                <c:pt idx="15">
+                  <c:v>0.67438114402845772</c:v>
+                </c:pt>
+                <c:pt idx="16">
+                  <c:v>0.65751799593393634</c:v>
+                </c:pt>
+              </c:numCache>
+            </c:numRef>
+          </c:yVal>
+          <c:smooth val="0"/>
+          <c:extLst>
+            <c:ext xmlns:c16="http://schemas.microsoft.com/office/drawing/2014/chart" uri="{C3380CC4-5D6E-409C-BE32-E72D297353CC}">
+              <c16:uniqueId val="{00000007-9CFB-42B6-865D-49B1D335FD5B}"/>
+            </c:ext>
+          </c:extLst>
+        </c:ser>
+        <c:ser>
+          <c:idx val="7"/>
+          <c:order val="6"/>
+          <c:tx>
+            <c:v>7</c:v>
+          </c:tx>
+          <c:spPr>
+            <a:ln w="25400" cap="rnd">
+              <a:noFill/>
+              <a:round/>
+            </a:ln>
+            <a:effectLst/>
+          </c:spPr>
+          <c:marker>
+            <c:symbol val="circle"/>
+            <c:size val="6"/>
+            <c:spPr>
+              <a:solidFill>
+                <a:srgbClr val="C92626"/>
+              </a:solidFill>
+              <a:ln w="9525">
+                <a:noFill/>
+              </a:ln>
+              <a:effectLst/>
+            </c:spPr>
+          </c:marker>
+          <c:xVal>
+            <c:numRef>
+              <c:f>'2 changes2'!$AP$95:$AP$99</c:f>
+              <c:numCache>
+                <c:formatCode>General</c:formatCode>
+                <c:ptCount val="5"/>
+                <c:pt idx="0">
+                  <c:v>129.83079994144299</c:v>
+                </c:pt>
+                <c:pt idx="1">
+                  <c:v>131.197439951353</c:v>
+                </c:pt>
+                <c:pt idx="2">
+                  <c:v>132.56407996126299</c:v>
+                </c:pt>
+                <c:pt idx="3">
+                  <c:v>133.930719971173</c:v>
+                </c:pt>
+                <c:pt idx="4">
+                  <c:v>135.29735998108299</c:v>
+                </c:pt>
+              </c:numCache>
+            </c:numRef>
+          </c:xVal>
+          <c:yVal>
+            <c:numRef>
+              <c:f>'2 changes2'!$AO$95:$AO$99</c:f>
+              <c:numCache>
+                <c:formatCode>General</c:formatCode>
+                <c:ptCount val="5"/>
+                <c:pt idx="0">
+                  <c:v>0.25582060121397321</c:v>
+                </c:pt>
+                <c:pt idx="1">
+                  <c:v>0.24440185926811764</c:v>
+                </c:pt>
+                <c:pt idx="2">
+                  <c:v>0.23339417335525925</c:v>
+                </c:pt>
+                <c:pt idx="3">
+                  <c:v>0.22290499391008556</c:v>
+                </c:pt>
+                <c:pt idx="4">
+                  <c:v>0.2049698951452521</c:v>
+                </c:pt>
+              </c:numCache>
+            </c:numRef>
+          </c:yVal>
+          <c:smooth val="0"/>
+          <c:extLst>
+            <c:ext xmlns:c16="http://schemas.microsoft.com/office/drawing/2014/chart" uri="{C3380CC4-5D6E-409C-BE32-E72D297353CC}">
+              <c16:uniqueId val="{00000008-9CFB-42B6-865D-49B1D335FD5B}"/>
+            </c:ext>
+          </c:extLst>
+        </c:ser>
+        <c:dLbls>
+          <c:showLegendKey val="0"/>
+          <c:showVal val="0"/>
+          <c:showCatName val="0"/>
+          <c:showSerName val="0"/>
+          <c:showPercent val="0"/>
+          <c:showBubbleSize val="0"/>
+        </c:dLbls>
+        <c:axId val="532987760"/>
+        <c:axId val="532988088"/>
+        <c:extLst/>
+      </c:scatterChart>
+      <c:valAx>
+        <c:axId val="532987760"/>
+        <c:scaling>
+          <c:orientation val="minMax"/>
+          <c:min val="60"/>
+        </c:scaling>
+        <c:delete val="0"/>
+        <c:axPos val="b"/>
+        <c:majorGridlines>
+          <c:spPr>
+            <a:ln w="9525" cap="flat" cmpd="sng" algn="ctr">
+              <a:solidFill>
+                <a:schemeClr val="tx1">
+                  <a:lumMod val="15000"/>
+                  <a:lumOff val="85000"/>
+                </a:schemeClr>
+              </a:solidFill>
+              <a:round/>
+            </a:ln>
+            <a:effectLst/>
+          </c:spPr>
+        </c:majorGridlines>
+        <c:title>
+          <c:tx>
+            <c:rich>
+              <a:bodyPr rot="0" spcFirstLastPara="1" vertOverflow="ellipsis" vert="horz" wrap="square" anchor="ctr" anchorCtr="1"/>
+              <a:lstStyle/>
+              <a:p>
+                <a:pPr>
+                  <a:defRPr sz="1800" b="1" i="0" u="none" strike="noStrike" kern="1200" baseline="0">
+                    <a:solidFill>
+                      <a:schemeClr val="tx1">
+                        <a:lumMod val="85000"/>
+                        <a:lumOff val="15000"/>
+                      </a:schemeClr>
+                    </a:solidFill>
+                    <a:latin typeface="+mn-lt"/>
+                    <a:ea typeface="+mn-ea"/>
+                    <a:cs typeface="+mn-cs"/>
+                  </a:defRPr>
+                </a:pPr>
+                <a:r>
+                  <a:rPr lang="nb-NO" sz="1800" b="1" dirty="0">
+                    <a:solidFill>
+                      <a:schemeClr val="tx1">
+                        <a:lumMod val="85000"/>
+                        <a:lumOff val="15000"/>
+                      </a:schemeClr>
+                    </a:solidFill>
+                  </a:rPr>
+                  <a:t>Oil </a:t>
+                </a:r>
+                <a:r>
+                  <a:rPr lang="nb-NO" sz="1800" b="1" dirty="0" smtClean="0">
+                    <a:solidFill>
+                      <a:schemeClr val="tx1">
+                        <a:lumMod val="85000"/>
+                        <a:lumOff val="15000"/>
+                      </a:schemeClr>
+                    </a:solidFill>
+                  </a:rPr>
+                  <a:t>output [SOR]</a:t>
+                </a:r>
+                <a:endParaRPr lang="nb-NO" sz="1800" b="1" dirty="0">
+                  <a:solidFill>
+                    <a:schemeClr val="tx1">
+                      <a:lumMod val="85000"/>
+                      <a:lumOff val="15000"/>
+                    </a:schemeClr>
+                  </a:solidFill>
+                </a:endParaRPr>
+              </a:p>
+            </c:rich>
+          </c:tx>
+          <c:layout/>
+          <c:overlay val="0"/>
+          <c:spPr>
+            <a:noFill/>
+            <a:ln>
+              <a:noFill/>
+            </a:ln>
+            <a:effectLst/>
+          </c:spPr>
+          <c:txPr>
+            <a:bodyPr rot="0" spcFirstLastPara="1" vertOverflow="ellipsis" vert="horz" wrap="square" anchor="ctr" anchorCtr="1"/>
+            <a:lstStyle/>
+            <a:p>
+              <a:pPr>
+                <a:defRPr sz="1800" b="1" i="0" u="none" strike="noStrike" kern="1200" baseline="0">
+                  <a:solidFill>
+                    <a:schemeClr val="tx1">
+                      <a:lumMod val="85000"/>
+                      <a:lumOff val="15000"/>
+                    </a:schemeClr>
+                  </a:solidFill>
+                  <a:latin typeface="+mn-lt"/>
+                  <a:ea typeface="+mn-ea"/>
+                  <a:cs typeface="+mn-cs"/>
+                </a:defRPr>
+              </a:pPr>
+              <a:endParaRPr lang="nb-NO"/>
+            </a:p>
+          </c:txPr>
+        </c:title>
+        <c:numFmt formatCode="General" sourceLinked="1"/>
+        <c:majorTickMark val="none"/>
+        <c:minorTickMark val="none"/>
+        <c:tickLblPos val="nextTo"/>
+        <c:spPr>
+          <a:noFill/>
+          <a:ln w="9525" cap="flat" cmpd="sng" algn="ctr">
+            <a:solidFill>
+              <a:schemeClr val="tx1">
+                <a:lumMod val="25000"/>
+                <a:lumOff val="75000"/>
+              </a:schemeClr>
+            </a:solidFill>
+            <a:round/>
+          </a:ln>
+          <a:effectLst/>
+        </c:spPr>
+        <c:txPr>
+          <a:bodyPr rot="-60000000" spcFirstLastPara="1" vertOverflow="ellipsis" vert="horz" wrap="square" anchor="ctr" anchorCtr="1"/>
+          <a:lstStyle/>
+          <a:p>
+            <a:pPr>
+              <a:defRPr sz="1800" b="0" i="0" u="none" strike="noStrike" kern="1200" baseline="0">
+                <a:solidFill>
+                  <a:schemeClr val="tx1">
+                    <a:lumMod val="65000"/>
+                    <a:lumOff val="35000"/>
+                  </a:schemeClr>
+                </a:solidFill>
+                <a:latin typeface="+mn-lt"/>
+                <a:ea typeface="+mn-ea"/>
+                <a:cs typeface="+mn-cs"/>
+              </a:defRPr>
+            </a:pPr>
+            <a:endParaRPr lang="nb-NO"/>
+          </a:p>
+        </c:txPr>
+        <c:crossAx val="532988088"/>
+        <c:crosses val="autoZero"/>
+        <c:crossBetween val="midCat"/>
+      </c:valAx>
+      <c:valAx>
+        <c:axId val="532988088"/>
+        <c:scaling>
+          <c:orientation val="minMax"/>
+        </c:scaling>
+        <c:delete val="0"/>
+        <c:axPos val="l"/>
+        <c:majorGridlines>
+          <c:spPr>
+            <a:ln w="9525" cap="flat" cmpd="sng" algn="ctr">
+              <a:solidFill>
+                <a:schemeClr val="tx1">
+                  <a:lumMod val="15000"/>
+                  <a:lumOff val="85000"/>
+                </a:schemeClr>
+              </a:solidFill>
+              <a:round/>
+            </a:ln>
+            <a:effectLst/>
+          </c:spPr>
+        </c:majorGridlines>
+        <c:title>
+          <c:tx>
+            <c:rich>
+              <a:bodyPr rot="-5400000" spcFirstLastPara="1" vertOverflow="ellipsis" vert="horz" wrap="square" anchor="ctr" anchorCtr="1"/>
+              <a:lstStyle/>
+              <a:p>
+                <a:pPr>
+                  <a:defRPr sz="1800" b="0" i="0" u="none" strike="noStrike" kern="1200" baseline="0">
+                    <a:solidFill>
+                      <a:schemeClr val="tx1">
+                        <a:lumMod val="85000"/>
+                        <a:lumOff val="15000"/>
+                      </a:schemeClr>
+                    </a:solidFill>
+                    <a:latin typeface="+mn-lt"/>
+                    <a:ea typeface="+mn-ea"/>
+                    <a:cs typeface="+mn-cs"/>
+                  </a:defRPr>
+                </a:pPr>
+                <a:r>
+                  <a:rPr lang="nb-NO" sz="1800" b="1" dirty="0" smtClean="0">
+                    <a:solidFill>
+                      <a:schemeClr val="tx1">
+                        <a:lumMod val="85000"/>
+                        <a:lumOff val="15000"/>
+                      </a:schemeClr>
+                    </a:solidFill>
+                  </a:rPr>
+                  <a:t>P(</a:t>
+                </a:r>
+                <a:r>
+                  <a:rPr lang="nb-NO" sz="1800" b="1" dirty="0" err="1" smtClean="0">
+                    <a:solidFill>
+                      <a:schemeClr val="tx1">
+                        <a:lumMod val="85000"/>
+                        <a:lumOff val="15000"/>
+                      </a:schemeClr>
+                    </a:solidFill>
+                  </a:rPr>
+                  <a:t>Feasible</a:t>
+                </a:r>
+                <a:r>
+                  <a:rPr lang="nb-NO" sz="1800" b="1" dirty="0" smtClean="0">
+                    <a:solidFill>
+                      <a:schemeClr val="tx1">
+                        <a:lumMod val="85000"/>
+                        <a:lumOff val="15000"/>
+                      </a:schemeClr>
+                    </a:solidFill>
+                  </a:rPr>
+                  <a:t>)</a:t>
+                </a:r>
+                <a:endParaRPr lang="nb-NO" sz="1800" b="1" dirty="0">
+                  <a:solidFill>
+                    <a:schemeClr val="tx1">
+                      <a:lumMod val="85000"/>
+                      <a:lumOff val="15000"/>
+                    </a:schemeClr>
+                  </a:solidFill>
+                </a:endParaRPr>
+              </a:p>
+            </c:rich>
+          </c:tx>
+          <c:layout/>
+          <c:overlay val="0"/>
+          <c:spPr>
+            <a:noFill/>
+            <a:ln>
+              <a:noFill/>
+            </a:ln>
+            <a:effectLst/>
+          </c:spPr>
+          <c:txPr>
+            <a:bodyPr rot="-5400000" spcFirstLastPara="1" vertOverflow="ellipsis" vert="horz" wrap="square" anchor="ctr" anchorCtr="1"/>
+            <a:lstStyle/>
+            <a:p>
+              <a:pPr>
+                <a:defRPr sz="1800" b="0" i="0" u="none" strike="noStrike" kern="1200" baseline="0">
+                  <a:solidFill>
+                    <a:schemeClr val="tx1">
+                      <a:lumMod val="85000"/>
+                      <a:lumOff val="15000"/>
+                    </a:schemeClr>
+                  </a:solidFill>
+                  <a:latin typeface="+mn-lt"/>
+                  <a:ea typeface="+mn-ea"/>
+                  <a:cs typeface="+mn-cs"/>
+                </a:defRPr>
+              </a:pPr>
+              <a:endParaRPr lang="nb-NO"/>
+            </a:p>
+          </c:txPr>
+        </c:title>
+        <c:numFmt formatCode="0%" sourceLinked="0"/>
+        <c:majorTickMark val="none"/>
+        <c:minorTickMark val="none"/>
+        <c:tickLblPos val="nextTo"/>
+        <c:spPr>
+          <a:noFill/>
+          <a:ln w="9525" cap="flat" cmpd="sng" algn="ctr">
+            <a:solidFill>
+              <a:schemeClr val="tx1">
+                <a:lumMod val="25000"/>
+                <a:lumOff val="75000"/>
+              </a:schemeClr>
+            </a:solidFill>
+            <a:round/>
+          </a:ln>
+          <a:effectLst/>
+        </c:spPr>
+        <c:txPr>
+          <a:bodyPr rot="-60000000" spcFirstLastPara="1" vertOverflow="ellipsis" vert="horz" wrap="square" anchor="ctr" anchorCtr="1"/>
+          <a:lstStyle/>
+          <a:p>
+            <a:pPr>
+              <a:defRPr sz="1800" b="0" i="0" u="none" strike="noStrike" kern="1200" baseline="0">
+                <a:solidFill>
+                  <a:schemeClr val="tx1">
+                    <a:lumMod val="65000"/>
+                    <a:lumOff val="35000"/>
+                  </a:schemeClr>
+                </a:solidFill>
+                <a:latin typeface="+mn-lt"/>
+                <a:ea typeface="+mn-ea"/>
+                <a:cs typeface="+mn-cs"/>
+              </a:defRPr>
+            </a:pPr>
+            <a:endParaRPr lang="nb-NO"/>
+          </a:p>
+        </c:txPr>
+        <c:crossAx val="532987760"/>
+        <c:crosses val="autoZero"/>
+        <c:crossBetween val="midCat"/>
+      </c:valAx>
+      <c:spPr>
+        <a:noFill/>
+        <a:ln>
+          <a:noFill/>
+        </a:ln>
+        <a:effectLst/>
+      </c:spPr>
+    </c:plotArea>
+    <c:plotVisOnly val="1"/>
+    <c:dispBlanksAs val="gap"/>
+    <c:showDLblsOverMax val="0"/>
+  </c:chart>
+  <c:spPr>
+    <a:noFill/>
+    <a:ln>
+      <a:noFill/>
+    </a:ln>
+    <a:effectLst/>
+  </c:spPr>
+  <c:txPr>
+    <a:bodyPr/>
+    <a:lstStyle/>
+    <a:p>
+      <a:pPr>
+        <a:defRPr/>
+      </a:pPr>
+      <a:endParaRPr lang="nb-NO"/>
+    </a:p>
+  </c:txPr>
+  <c:externalData r:id="rId3">
+    <c:autoUpdate val="0"/>
+  </c:externalData>
+</c:chartSpace>
+</file>
+
+<file path=ppt/charts/chart17.xml><?xml version="1.0" encoding="utf-8"?>
+<c:chartSpace xmlns:c="http://schemas.openxmlformats.org/drawingml/2006/chart" xmlns:a="http://schemas.openxmlformats.org/drawingml/2006/main" xmlns:r="http://schemas.openxmlformats.org/officeDocument/2006/relationships" xmlns:c16r2="http://schemas.microsoft.com/office/drawing/2015/06/chart">
+  <c:date1904 val="0"/>
+  <c:lang val="en-US"/>
+  <c:roundedCorners val="0"/>
+  <mc:AlternateContent xmlns:mc="http://schemas.openxmlformats.org/markup-compatibility/2006">
+    <mc:Choice xmlns:c14="http://schemas.microsoft.com/office/drawing/2007/8/2/chart" Requires="c14">
+      <c14:style val="102"/>
+    </mc:Choice>
+    <mc:Fallback>
+      <c:style val="2"/>
+    </mc:Fallback>
+  </mc:AlternateContent>
+  <c:chart>
+    <c:title>
+      <c:tx>
+        <c:rich>
+          <a:bodyPr rot="0" spcFirstLastPara="1" vertOverflow="ellipsis" vert="horz" wrap="square" anchor="ctr" anchorCtr="1"/>
+          <a:lstStyle/>
+          <a:p>
+            <a:pPr>
+              <a:defRPr sz="2800" b="0" i="0" u="none" strike="noStrike" kern="1200" spc="0" baseline="0">
+                <a:solidFill>
+                  <a:schemeClr val="tx1">
+                    <a:lumMod val="65000"/>
+                    <a:lumOff val="35000"/>
+                  </a:schemeClr>
+                </a:solidFill>
+                <a:latin typeface="+mn-lt"/>
+                <a:ea typeface="+mn-ea"/>
+                <a:cs typeface="+mn-cs"/>
+              </a:defRPr>
+            </a:pPr>
+            <a:r>
+              <a:rPr lang="en-US" sz="2800"/>
+              <a:t>Case</a:t>
+            </a:r>
+            <a:r>
+              <a:rPr lang="en-US" sz="2800" baseline="0"/>
+              <a:t> C</a:t>
+            </a:r>
+          </a:p>
+        </c:rich>
+      </c:tx>
+      <c:layout/>
+      <c:overlay val="0"/>
+      <c:spPr>
+        <a:noFill/>
+        <a:ln>
+          <a:noFill/>
+        </a:ln>
+        <a:effectLst/>
+      </c:spPr>
+    </c:title>
+    <c:autoTitleDeleted val="0"/>
+    <c:plotArea>
+      <c:layout>
+        <c:manualLayout>
+          <c:layoutTarget val="inner"/>
+          <c:xMode val="edge"/>
+          <c:yMode val="edge"/>
+          <c:x val="0.158198184416773"/>
+          <c:y val="0.10800150816337267"/>
+          <c:w val="0.77551301335501122"/>
+          <c:h val="0.68079862511618117"/>
+        </c:manualLayout>
+      </c:layout>
+      <c:scatterChart>
+        <c:scatterStyle val="lineMarker"/>
+        <c:varyColors val="0"/>
+        <c:ser>
+          <c:idx val="4"/>
+          <c:order val="3"/>
+          <c:tx>
+            <c:v>4 Changes</c:v>
+          </c:tx>
+          <c:spPr>
+            <a:ln w="22225" cap="rnd">
+              <a:solidFill>
+                <a:schemeClr val="accent1"/>
+              </a:solidFill>
+              <a:round/>
+            </a:ln>
+            <a:effectLst/>
+          </c:spPr>
+          <c:marker>
+            <c:symbol val="circle"/>
+            <c:size val="5"/>
+            <c:spPr>
+              <a:solidFill>
+                <a:schemeClr val="accent1"/>
+              </a:solidFill>
+              <a:ln>
+                <a:noFill/>
+              </a:ln>
+            </c:spPr>
+          </c:marker>
+          <c:xVal>
+            <c:numRef>
+              <c:f>'[Confidence-Intervals-zero.xlsx]Results'!$P$3:$P$102</c:f>
+              <c:numCache>
+                <c:formatCode>General</c:formatCode>
+                <c:ptCount val="100"/>
+                <c:pt idx="0">
+                  <c:v>6.5439550553374497</c:v>
+                </c:pt>
+                <c:pt idx="1">
+                  <c:v>6.5439550553374497</c:v>
+                </c:pt>
+                <c:pt idx="2">
+                  <c:v>6.5439550553374497</c:v>
+                </c:pt>
+                <c:pt idx="3">
+                  <c:v>6.5439550553374497</c:v>
+                </c:pt>
+                <c:pt idx="4">
+                  <c:v>6.5439550553374497</c:v>
+                </c:pt>
+                <c:pt idx="5">
+                  <c:v>6.9027585758941301</c:v>
+                </c:pt>
+                <c:pt idx="6">
+                  <c:v>8.05321850520982</c:v>
+                </c:pt>
+                <c:pt idx="7">
+                  <c:v>9.2036784345255107</c:v>
+                </c:pt>
+                <c:pt idx="8">
+                  <c:v>10.3541383638412</c:v>
+                </c:pt>
+                <c:pt idx="9">
+                  <c:v>11.5045982931568</c:v>
+                </c:pt>
+                <c:pt idx="10">
+                  <c:v>12.655058222472499</c:v>
+                </c:pt>
+                <c:pt idx="11">
+                  <c:v>13.805518151788201</c:v>
+                </c:pt>
+                <c:pt idx="12">
+                  <c:v>14.9559780811039</c:v>
+                </c:pt>
+                <c:pt idx="13">
+                  <c:v>16.106438010419598</c:v>
+                </c:pt>
+                <c:pt idx="14">
+                  <c:v>17.2568979397353</c:v>
+                </c:pt>
+                <c:pt idx="15">
+                  <c:v>18.407357869051001</c:v>
+                </c:pt>
+                <c:pt idx="16">
+                  <c:v>19.5578177983666</c:v>
+                </c:pt>
+                <c:pt idx="17">
+                  <c:v>20.7082777276824</c:v>
+                </c:pt>
+                <c:pt idx="18">
+                  <c:v>21.858737656998098</c:v>
+                </c:pt>
+                <c:pt idx="19">
+                  <c:v>23.0091975863137</c:v>
+                </c:pt>
+                <c:pt idx="20">
+                  <c:v>24.159657515629402</c:v>
+                </c:pt>
+                <c:pt idx="21">
+                  <c:v>25.310117444945099</c:v>
+                </c:pt>
+                <c:pt idx="22">
+                  <c:v>26.460577374260801</c:v>
+                </c:pt>
+                <c:pt idx="23">
+                  <c:v>27.611037303576499</c:v>
+                </c:pt>
+                <c:pt idx="24">
+                  <c:v>28.7614972328922</c:v>
+                </c:pt>
+                <c:pt idx="25">
+                  <c:v>29.911957162207901</c:v>
+                </c:pt>
+                <c:pt idx="26">
+                  <c:v>31.062417091523599</c:v>
+                </c:pt>
+                <c:pt idx="27">
+                  <c:v>32.212877020839301</c:v>
+                </c:pt>
+                <c:pt idx="28">
+                  <c:v>33.363336950155002</c:v>
+                </c:pt>
+                <c:pt idx="29">
+                  <c:v>34.513796879470902</c:v>
+                </c:pt>
+                <c:pt idx="30">
+                  <c:v>35.664256808786298</c:v>
+                </c:pt>
+                <c:pt idx="31">
+                  <c:v>36.814716738102</c:v>
+                </c:pt>
+                <c:pt idx="32">
+                  <c:v>37.965176667417701</c:v>
+                </c:pt>
+                <c:pt idx="33">
+                  <c:v>39.115636596733403</c:v>
+                </c:pt>
+                <c:pt idx="34">
+                  <c:v>40.266096526049097</c:v>
+                </c:pt>
+                <c:pt idx="35">
+                  <c:v>41.416556455364798</c:v>
+                </c:pt>
+                <c:pt idx="36">
+                  <c:v>42.5670163846805</c:v>
+                </c:pt>
+                <c:pt idx="37">
+                  <c:v>43.717476313996102</c:v>
+                </c:pt>
+                <c:pt idx="38">
+                  <c:v>44.867936243311803</c:v>
+                </c:pt>
+                <c:pt idx="39">
+                  <c:v>46.018396172627497</c:v>
+                </c:pt>
+                <c:pt idx="40">
+                  <c:v>47.168856101943199</c:v>
+                </c:pt>
+                <c:pt idx="41">
+                  <c:v>48.3193160312589</c:v>
+                </c:pt>
+                <c:pt idx="42">
+                  <c:v>49.469775960574601</c:v>
+                </c:pt>
+                <c:pt idx="43">
+                  <c:v>50.620235889890303</c:v>
+                </c:pt>
+                <c:pt idx="44">
+                  <c:v>51.770695819630099</c:v>
+                </c:pt>
+                <c:pt idx="45">
+                  <c:v>52.921155748521699</c:v>
+                </c:pt>
+                <c:pt idx="46">
+                  <c:v>54.0716156778374</c:v>
+                </c:pt>
+                <c:pt idx="47">
+                  <c:v>55.222075607153101</c:v>
+                </c:pt>
+                <c:pt idx="48">
+                  <c:v>56.372535536468703</c:v>
+                </c:pt>
+                <c:pt idx="49">
+                  <c:v>57.522995465784398</c:v>
+                </c:pt>
+                <c:pt idx="50">
+                  <c:v>58.673455395100099</c:v>
+                </c:pt>
+                <c:pt idx="51">
+                  <c:v>59.8239153244158</c:v>
+                </c:pt>
+                <c:pt idx="52">
+                  <c:v>60.974375253731502</c:v>
+                </c:pt>
+                <c:pt idx="53">
+                  <c:v>62.124835183047203</c:v>
+                </c:pt>
+                <c:pt idx="54">
+                  <c:v>63.275295112362897</c:v>
+                </c:pt>
+                <c:pt idx="55">
+                  <c:v>64.425755041678698</c:v>
+                </c:pt>
+                <c:pt idx="56">
+                  <c:v>65.5762149709943</c:v>
+                </c:pt>
+                <c:pt idx="57">
+                  <c:v>66.726674900309803</c:v>
+                </c:pt>
+                <c:pt idx="58">
+                  <c:v>67.877134829625703</c:v>
+                </c:pt>
+                <c:pt idx="59">
+                  <c:v>69.027594758941305</c:v>
+                </c:pt>
+                <c:pt idx="60">
+                  <c:v>70.178054688257006</c:v>
+                </c:pt>
+                <c:pt idx="61">
+                  <c:v>71.328514617572296</c:v>
+                </c:pt>
+                <c:pt idx="62">
+                  <c:v>72.478974546888395</c:v>
+                </c:pt>
+                <c:pt idx="63">
+                  <c:v>73.629434476204096</c:v>
+                </c:pt>
+                <c:pt idx="64">
+                  <c:v>74.779894405519798</c:v>
+                </c:pt>
+                <c:pt idx="65">
+                  <c:v>75.930354334835499</c:v>
+                </c:pt>
+                <c:pt idx="66">
+                  <c:v>77.080814264151201</c:v>
+                </c:pt>
+                <c:pt idx="67">
+                  <c:v>78.231274193466803</c:v>
+                </c:pt>
+                <c:pt idx="68">
+                  <c:v>79.381734122782504</c:v>
+                </c:pt>
+                <c:pt idx="69">
+                  <c:v>80.532194052098205</c:v>
+                </c:pt>
+                <c:pt idx="70">
+                  <c:v>81.682653981413907</c:v>
+                </c:pt>
+                <c:pt idx="71">
+                  <c:v>82.833113910729594</c:v>
+                </c:pt>
+                <c:pt idx="72">
+                  <c:v>83.983573840045395</c:v>
+                </c:pt>
+                <c:pt idx="73">
+                  <c:v>85.134033769360997</c:v>
+                </c:pt>
+                <c:pt idx="74">
+                  <c:v>86.284493698676698</c:v>
+                </c:pt>
+                <c:pt idx="75">
+                  <c:v>87.4349536279923</c:v>
+                </c:pt>
+                <c:pt idx="76">
+                  <c:v>88.585413557308001</c:v>
+                </c:pt>
+                <c:pt idx="77">
+                  <c:v>89.735873486623802</c:v>
+                </c:pt>
+                <c:pt idx="78">
+                  <c:v>90.886333415939404</c:v>
+                </c:pt>
+                <c:pt idx="79">
+                  <c:v>92.036793345255106</c:v>
+                </c:pt>
+                <c:pt idx="80">
+                  <c:v>93.187253274570807</c:v>
+                </c:pt>
+                <c:pt idx="81">
+                  <c:v>94.337713203886494</c:v>
+                </c:pt>
+                <c:pt idx="82">
+                  <c:v>95.488173133202196</c:v>
+                </c:pt>
+                <c:pt idx="83">
+                  <c:v>96.638633062517897</c:v>
+                </c:pt>
+                <c:pt idx="84">
+                  <c:v>97.789092991833598</c:v>
+                </c:pt>
+                <c:pt idx="85">
+                  <c:v>98.9395529211493</c:v>
+                </c:pt>
+                <c:pt idx="86">
+                  <c:v>100.090012850465</c:v>
+                </c:pt>
+                <c:pt idx="87">
+                  <c:v>101.24047277978001</c:v>
+                </c:pt>
+                <c:pt idx="88">
+                  <c:v>102.39093270909601</c:v>
+                </c:pt>
+                <c:pt idx="89">
+                  <c:v>103.54139263841201</c:v>
+                </c:pt>
+                <c:pt idx="90">
+                  <c:v>104.691852567727</c:v>
+                </c:pt>
+                <c:pt idx="91">
+                  <c:v>105.842312497043</c:v>
+                </c:pt>
+                <c:pt idx="92">
+                  <c:v>106.992772426359</c:v>
+                </c:pt>
+                <c:pt idx="93">
+                  <c:v>108.143232355674</c:v>
+                </c:pt>
+                <c:pt idx="94">
+                  <c:v>109.29369228499</c:v>
+                </c:pt>
+                <c:pt idx="95">
+                  <c:v>110.444152214306</c:v>
+                </c:pt>
+                <c:pt idx="96">
+                  <c:v>111.59461214362101</c:v>
+                </c:pt>
+                <c:pt idx="97">
+                  <c:v>112.74507207293701</c:v>
+                </c:pt>
+                <c:pt idx="98">
+                  <c:v>113.89553200225301</c:v>
+                </c:pt>
+                <c:pt idx="99">
+                  <c:v>115.04599293156799</c:v>
+                </c:pt>
+              </c:numCache>
+            </c:numRef>
+          </c:xVal>
+          <c:yVal>
+            <c:numRef>
+              <c:f>'[Confidence-Intervals-zero.xlsx]Results'!$R$3:$R$102</c:f>
+              <c:numCache>
+                <c:formatCode>General</c:formatCode>
+                <c:ptCount val="100"/>
+                <c:pt idx="0">
+                  <c:v>1</c:v>
+                </c:pt>
+                <c:pt idx="1">
+                  <c:v>1</c:v>
+                </c:pt>
+                <c:pt idx="2">
+                  <c:v>1</c:v>
+                </c:pt>
+                <c:pt idx="3">
+                  <c:v>1</c:v>
+                </c:pt>
+                <c:pt idx="4">
+                  <c:v>1</c:v>
+                </c:pt>
+                <c:pt idx="5">
+                  <c:v>1</c:v>
+                </c:pt>
+                <c:pt idx="6">
+                  <c:v>1</c:v>
+                </c:pt>
+                <c:pt idx="7">
+                  <c:v>1</c:v>
+                </c:pt>
+                <c:pt idx="8">
+                  <c:v>1</c:v>
+                </c:pt>
+                <c:pt idx="9">
+                  <c:v>1</c:v>
+                </c:pt>
+                <c:pt idx="10">
+                  <c:v>1</c:v>
+                </c:pt>
+                <c:pt idx="11">
+                  <c:v>1</c:v>
+                </c:pt>
+                <c:pt idx="12">
+                  <c:v>1</c:v>
+                </c:pt>
+                <c:pt idx="13">
+                  <c:v>1</c:v>
+                </c:pt>
+                <c:pt idx="14">
+                  <c:v>1</c:v>
+                </c:pt>
+                <c:pt idx="15">
+                  <c:v>1</c:v>
+                </c:pt>
+                <c:pt idx="16">
+                  <c:v>1</c:v>
+                </c:pt>
+                <c:pt idx="17">
+                  <c:v>1</c:v>
+                </c:pt>
+                <c:pt idx="18">
+                  <c:v>1</c:v>
+                </c:pt>
+                <c:pt idx="19">
+                  <c:v>1</c:v>
+                </c:pt>
+                <c:pt idx="20">
+                  <c:v>1</c:v>
+                </c:pt>
+                <c:pt idx="21">
+                  <c:v>1</c:v>
+                </c:pt>
+                <c:pt idx="22">
+                  <c:v>1</c:v>
+                </c:pt>
+                <c:pt idx="23">
+                  <c:v>1</c:v>
+                </c:pt>
+                <c:pt idx="24">
+                  <c:v>1</c:v>
+                </c:pt>
+                <c:pt idx="25">
+                  <c:v>1</c:v>
+                </c:pt>
+                <c:pt idx="26">
+                  <c:v>1</c:v>
+                </c:pt>
+                <c:pt idx="27">
+                  <c:v>1</c:v>
+                </c:pt>
+                <c:pt idx="28">
+                  <c:v>1</c:v>
+                </c:pt>
+                <c:pt idx="29">
+                  <c:v>1</c:v>
+                </c:pt>
+                <c:pt idx="30">
+                  <c:v>1</c:v>
+                </c:pt>
+                <c:pt idx="31">
+                  <c:v>1</c:v>
+                </c:pt>
+                <c:pt idx="32">
+                  <c:v>1</c:v>
+                </c:pt>
+                <c:pt idx="33">
+                  <c:v>1</c:v>
+                </c:pt>
+                <c:pt idx="34">
+                  <c:v>1</c:v>
+                </c:pt>
+                <c:pt idx="35">
+                  <c:v>1</c:v>
+                </c:pt>
+                <c:pt idx="36">
+                  <c:v>1</c:v>
+                </c:pt>
+                <c:pt idx="37">
+                  <c:v>1</c:v>
+                </c:pt>
+                <c:pt idx="38">
+                  <c:v>1</c:v>
+                </c:pt>
+                <c:pt idx="39">
+                  <c:v>1</c:v>
+                </c:pt>
+                <c:pt idx="40">
+                  <c:v>1</c:v>
+                </c:pt>
+                <c:pt idx="41">
+                  <c:v>1</c:v>
+                </c:pt>
+                <c:pt idx="42">
+                  <c:v>1</c:v>
+                </c:pt>
+                <c:pt idx="43">
+                  <c:v>1</c:v>
+                </c:pt>
+                <c:pt idx="44">
+                  <c:v>1</c:v>
+                </c:pt>
+                <c:pt idx="45">
+                  <c:v>1</c:v>
+                </c:pt>
+                <c:pt idx="46">
+                  <c:v>1</c:v>
+                </c:pt>
+                <c:pt idx="47">
+                  <c:v>1</c:v>
+                </c:pt>
+                <c:pt idx="48">
+                  <c:v>1</c:v>
+                </c:pt>
+                <c:pt idx="49">
+                  <c:v>1</c:v>
+                </c:pt>
+                <c:pt idx="50">
+                  <c:v>1</c:v>
+                </c:pt>
+                <c:pt idx="51">
+                  <c:v>1</c:v>
+                </c:pt>
+                <c:pt idx="52">
+                  <c:v>1</c:v>
+                </c:pt>
+                <c:pt idx="53">
+                  <c:v>1</c:v>
+                </c:pt>
+                <c:pt idx="54">
+                  <c:v>1</c:v>
+                </c:pt>
+                <c:pt idx="55">
+                  <c:v>1</c:v>
+                </c:pt>
+                <c:pt idx="56">
+                  <c:v>1</c:v>
+                </c:pt>
+                <c:pt idx="57">
+                  <c:v>1</c:v>
+                </c:pt>
+                <c:pt idx="58">
+                  <c:v>1</c:v>
+                </c:pt>
+                <c:pt idx="59">
+                  <c:v>1</c:v>
+                </c:pt>
+                <c:pt idx="60">
+                  <c:v>1</c:v>
+                </c:pt>
+                <c:pt idx="61">
+                  <c:v>1</c:v>
+                </c:pt>
+                <c:pt idx="62">
+                  <c:v>1</c:v>
+                </c:pt>
+                <c:pt idx="63">
+                  <c:v>1</c:v>
+                </c:pt>
+                <c:pt idx="64">
+                  <c:v>1</c:v>
+                </c:pt>
+                <c:pt idx="65">
+                  <c:v>1</c:v>
+                </c:pt>
+                <c:pt idx="66">
+                  <c:v>1</c:v>
+                </c:pt>
+                <c:pt idx="67">
+                  <c:v>1</c:v>
+                </c:pt>
+                <c:pt idx="68">
+                  <c:v>1</c:v>
+                </c:pt>
+                <c:pt idx="69">
+                  <c:v>1</c:v>
+                </c:pt>
+                <c:pt idx="70">
+                  <c:v>1</c:v>
+                </c:pt>
+                <c:pt idx="71">
+                  <c:v>1</c:v>
+                </c:pt>
+                <c:pt idx="72">
+                  <c:v>0.99999999999999867</c:v>
+                </c:pt>
+                <c:pt idx="73">
+                  <c:v>0.99999999999999556</c:v>
+                </c:pt>
+                <c:pt idx="74">
+                  <c:v>0.99999999999998823</c:v>
+                </c:pt>
+                <c:pt idx="75">
+                  <c:v>0.99999999999996603</c:v>
+                </c:pt>
+                <c:pt idx="76">
+                  <c:v>0.99999999999989797</c:v>
+                </c:pt>
+                <c:pt idx="77">
+                  <c:v>0.99999999999968714</c:v>
+                </c:pt>
+                <c:pt idx="78">
+                  <c:v>0.99999999999904099</c:v>
+                </c:pt>
+                <c:pt idx="79">
+                  <c:v>0.9999999999952579</c:v>
+                </c:pt>
+                <c:pt idx="80">
+                  <c:v>0.99999999679827778</c:v>
+                </c:pt>
+                <c:pt idx="81">
+                  <c:v>0.99999999439034448</c:v>
+                </c:pt>
+                <c:pt idx="82">
+                  <c:v>0.99999998783566857</c:v>
+                </c:pt>
+                <c:pt idx="83">
+                  <c:v>0.99999997227393522</c:v>
+                </c:pt>
+                <c:pt idx="84">
+                  <c:v>0.99999993431114287</c:v>
+                </c:pt>
+                <c:pt idx="85">
+                  <c:v>0.99999984199109981</c:v>
+                </c:pt>
+                <c:pt idx="86">
+                  <c:v>0.99999961929207348</c:v>
+                </c:pt>
+                <c:pt idx="87">
+                  <c:v>0.9999990927955712</c:v>
+                </c:pt>
+                <c:pt idx="88">
+                  <c:v>0.99999754853210998</c:v>
+                </c:pt>
+                <c:pt idx="89">
+                  <c:v>0.99998855195291558</c:v>
+                </c:pt>
+                <c:pt idx="90">
+                  <c:v>0.99994885577016401</c:v>
+                </c:pt>
+                <c:pt idx="91">
+                  <c:v>0.99981829184923898</c:v>
+                </c:pt>
+                <c:pt idx="92">
+                  <c:v>0.99974618433453699</c:v>
+                </c:pt>
+                <c:pt idx="93">
+                  <c:v>0.99964115874851622</c:v>
+                </c:pt>
+                <c:pt idx="94">
+                  <c:v>0.99948497030273464</c:v>
+                </c:pt>
+                <c:pt idx="95">
+                  <c:v>0.99890438485668109</c:v>
+                </c:pt>
+                <c:pt idx="96">
+                  <c:v>0.99783577941377821</c:v>
+                </c:pt>
+                <c:pt idx="97">
+                  <c:v>0.99598447501705201</c:v>
+                </c:pt>
+                <c:pt idx="98">
+                  <c:v>0.99299242022020606</c:v>
+                </c:pt>
+                <c:pt idx="99">
+                  <c:v>0.98602331195302262</c:v>
+                </c:pt>
+              </c:numCache>
+            </c:numRef>
+          </c:yVal>
+          <c:smooth val="0"/>
+          <c:extLst xmlns:c15="http://schemas.microsoft.com/office/drawing/2012/chart">
+            <c:ext xmlns:c16="http://schemas.microsoft.com/office/drawing/2014/chart" uri="{C3380CC4-5D6E-409C-BE32-E72D297353CC}">
+              <c16:uniqueId val="{00000000-B67B-4DDF-A245-2C29D8FDE28A}"/>
+            </c:ext>
+          </c:extLst>
+        </c:ser>
+        <c:ser>
+          <c:idx val="8"/>
+          <c:order val="8"/>
+          <c:tx>
+            <c:v>5-7 changes</c:v>
+          </c:tx>
+          <c:spPr>
+            <a:ln>
+              <a:solidFill>
+                <a:schemeClr val="accent6"/>
+              </a:solidFill>
+            </a:ln>
+          </c:spPr>
+          <c:marker>
+            <c:symbol val="circle"/>
+            <c:size val="5"/>
+            <c:spPr>
+              <a:solidFill>
+                <a:schemeClr val="accent6"/>
+              </a:solidFill>
+              <a:ln>
+                <a:noFill/>
+              </a:ln>
+            </c:spPr>
+          </c:marker>
+          <c:xVal>
+            <c:numRef>
+              <c:f>'[Confidence-Intervals-zero.xlsx]Results'!$AK$3:$AK$101</c:f>
+              <c:numCache>
+                <c:formatCode>General</c:formatCode>
+                <c:ptCount val="99"/>
+                <c:pt idx="0">
+                  <c:v>6.5439550553374604</c:v>
+                </c:pt>
+                <c:pt idx="1">
+                  <c:v>6.5439550553374701</c:v>
+                </c:pt>
+                <c:pt idx="2">
+                  <c:v>6.5439550553374604</c:v>
+                </c:pt>
+                <c:pt idx="3">
+                  <c:v>6.5439550542496701</c:v>
+                </c:pt>
+                <c:pt idx="4">
+                  <c:v>7.2339183603006401</c:v>
+                </c:pt>
+                <c:pt idx="5">
+                  <c:v>8.6807022323607796</c:v>
+                </c:pt>
+                <c:pt idx="6">
+                  <c:v>10.1274861044209</c:v>
+                </c:pt>
+                <c:pt idx="7">
+                  <c:v>11.888396479687099</c:v>
+                </c:pt>
+                <c:pt idx="8">
+                  <c:v>13.021053848541101</c:v>
+                </c:pt>
+                <c:pt idx="9">
+                  <c:v>14.467837720601301</c:v>
+                </c:pt>
+                <c:pt idx="10">
+                  <c:v>15.914621592661399</c:v>
+                </c:pt>
+                <c:pt idx="11">
+                  <c:v>17.3614054647215</c:v>
+                </c:pt>
+                <c:pt idx="12">
+                  <c:v>18.808189336781599</c:v>
+                </c:pt>
+                <c:pt idx="13">
+                  <c:v>20.2549732088418</c:v>
+                </c:pt>
+                <c:pt idx="14">
+                  <c:v>21.701757080901402</c:v>
+                </c:pt>
+                <c:pt idx="15">
+                  <c:v>23.148540952962001</c:v>
+                </c:pt>
+                <c:pt idx="16">
+                  <c:v>24.5953248250222</c:v>
+                </c:pt>
+                <c:pt idx="17">
+                  <c:v>26.042108697082298</c:v>
+                </c:pt>
+                <c:pt idx="18">
+                  <c:v>27.488892569142401</c:v>
+                </c:pt>
+                <c:pt idx="19">
+                  <c:v>28.935676441202499</c:v>
+                </c:pt>
+                <c:pt idx="20">
+                  <c:v>30.382460313262701</c:v>
+                </c:pt>
+                <c:pt idx="21">
+                  <c:v>31.8292441853227</c:v>
+                </c:pt>
+                <c:pt idx="22">
+                  <c:v>33.276028057382902</c:v>
+                </c:pt>
+                <c:pt idx="23">
+                  <c:v>34.722811929443097</c:v>
+                </c:pt>
+                <c:pt idx="24">
+                  <c:v>36.169595801503199</c:v>
+                </c:pt>
+                <c:pt idx="25">
+                  <c:v>37.616379673563301</c:v>
+                </c:pt>
+                <c:pt idx="26">
+                  <c:v>39.063163545623503</c:v>
+                </c:pt>
+                <c:pt idx="27">
+                  <c:v>40.509947417683598</c:v>
+                </c:pt>
+                <c:pt idx="28">
+                  <c:v>41.956731289743701</c:v>
+                </c:pt>
+                <c:pt idx="29">
+                  <c:v>43.403515161803803</c:v>
+                </c:pt>
+                <c:pt idx="30">
+                  <c:v>44.850299033863998</c:v>
+                </c:pt>
+                <c:pt idx="31">
+                  <c:v>46.2970829059241</c:v>
+                </c:pt>
+                <c:pt idx="32">
+                  <c:v>47.743866777848901</c:v>
+                </c:pt>
+                <c:pt idx="33">
+                  <c:v>49.190650650044397</c:v>
+                </c:pt>
+                <c:pt idx="34">
+                  <c:v>50.637434522104499</c:v>
+                </c:pt>
+                <c:pt idx="35">
+                  <c:v>52.084218394164601</c:v>
+                </c:pt>
+                <c:pt idx="36">
+                  <c:v>53.531002266224803</c:v>
+                </c:pt>
+                <c:pt idx="37">
+                  <c:v>54.977786138284898</c:v>
+                </c:pt>
+                <c:pt idx="38">
+                  <c:v>56.424570010345001</c:v>
+                </c:pt>
+                <c:pt idx="39">
+                  <c:v>57.871353882405202</c:v>
+                </c:pt>
+                <c:pt idx="40">
+                  <c:v>59.318137754465297</c:v>
+                </c:pt>
+                <c:pt idx="41">
+                  <c:v>60.7649216265254</c:v>
+                </c:pt>
+                <c:pt idx="42">
+                  <c:v>62.211705498585502</c:v>
+                </c:pt>
+                <c:pt idx="43">
+                  <c:v>63.658489370645697</c:v>
+                </c:pt>
+                <c:pt idx="44">
+                  <c:v>65.105273242705806</c:v>
+                </c:pt>
+                <c:pt idx="45">
+                  <c:v>66.552057114765901</c:v>
+                </c:pt>
+                <c:pt idx="46">
+                  <c:v>67.998840986825897</c:v>
+                </c:pt>
+                <c:pt idx="47">
+                  <c:v>69.445624858886205</c:v>
+                </c:pt>
+                <c:pt idx="48">
+                  <c:v>70.8924087309463</c:v>
+                </c:pt>
+                <c:pt idx="49">
+                  <c:v>72.339192603006495</c:v>
+                </c:pt>
+                <c:pt idx="50">
+                  <c:v>73.785976475066605</c:v>
+                </c:pt>
+                <c:pt idx="51">
+                  <c:v>75.2327603471267</c:v>
+                </c:pt>
+                <c:pt idx="52">
+                  <c:v>76.679544219186894</c:v>
+                </c:pt>
+                <c:pt idx="53">
+                  <c:v>78.126328091247004</c:v>
+                </c:pt>
+                <c:pt idx="54">
+                  <c:v>79.573111963307099</c:v>
+                </c:pt>
+                <c:pt idx="55">
+                  <c:v>81.019895835367194</c:v>
+                </c:pt>
+                <c:pt idx="56">
+                  <c:v>82.466679707427403</c:v>
+                </c:pt>
+                <c:pt idx="57">
+                  <c:v>83.913463579487498</c:v>
+                </c:pt>
+                <c:pt idx="58">
+                  <c:v>85.360247451547593</c:v>
+                </c:pt>
+                <c:pt idx="59">
+                  <c:v>86.807031323607802</c:v>
+                </c:pt>
+                <c:pt idx="60">
+                  <c:v>88.253815195667897</c:v>
+                </c:pt>
+                <c:pt idx="61">
+                  <c:v>89.700599067728007</c:v>
+                </c:pt>
+                <c:pt idx="62">
+                  <c:v>91.147382939788102</c:v>
+                </c:pt>
+                <c:pt idx="63">
+                  <c:v>92.594166811848297</c:v>
+                </c:pt>
+                <c:pt idx="64">
+                  <c:v>94.040950683908406</c:v>
+                </c:pt>
+                <c:pt idx="65">
+                  <c:v>95.487734555968501</c:v>
+                </c:pt>
+                <c:pt idx="66">
+                  <c:v>96.934518428028696</c:v>
+                </c:pt>
+                <c:pt idx="67">
+                  <c:v>98.381302300088805</c:v>
+                </c:pt>
+                <c:pt idx="68">
+                  <c:v>99.8280861721489</c:v>
+                </c:pt>
+                <c:pt idx="69">
+                  <c:v>101.274870044209</c:v>
+                </c:pt>
+                <c:pt idx="70">
+                  <c:v>102.72165391626901</c:v>
+                </c:pt>
+                <c:pt idx="71">
+                  <c:v>104.168437788329</c:v>
+                </c:pt>
+                <c:pt idx="72">
+                  <c:v>105.615221660389</c:v>
+                </c:pt>
+                <c:pt idx="73">
+                  <c:v>107.06200553244901</c:v>
+                </c:pt>
+                <c:pt idx="74">
+                  <c:v>108.508789404509</c:v>
+                </c:pt>
+                <c:pt idx="75">
+                  <c:v>109.955573276569</c:v>
+                </c:pt>
+                <c:pt idx="76">
+                  <c:v>111.40235714863</c:v>
+                </c:pt>
+                <c:pt idx="77">
+                  <c:v>112.84914102069</c:v>
+                </c:pt>
+                <c:pt idx="78">
+                  <c:v>114.29592489274999</c:v>
+                </c:pt>
+                <c:pt idx="79">
+                  <c:v>115.74270876481</c:v>
+                </c:pt>
+                <c:pt idx="80">
+                  <c:v>117.18949263687</c:v>
+                </c:pt>
+                <c:pt idx="81">
+                  <c:v>118.63627650893</c:v>
+                </c:pt>
+                <c:pt idx="82">
+                  <c:v>120.08306038099001</c:v>
+                </c:pt>
+                <c:pt idx="83">
+                  <c:v>121.52984425305</c:v>
+                </c:pt>
+                <c:pt idx="84">
+                  <c:v>122.97662812511101</c:v>
+                </c:pt>
+                <c:pt idx="85">
+                  <c:v>124.423411997171</c:v>
+                </c:pt>
+                <c:pt idx="86">
+                  <c:v>125.870195869231</c:v>
+                </c:pt>
+                <c:pt idx="87">
+                  <c:v>127.31697974129099</c:v>
+                </c:pt>
+                <c:pt idx="88">
+                  <c:v>128.76376361335099</c:v>
+                </c:pt>
+                <c:pt idx="89">
+                  <c:v>130.21054748541101</c:v>
+                </c:pt>
+                <c:pt idx="90">
+                  <c:v>131.65733135747101</c:v>
+                </c:pt>
+                <c:pt idx="91">
+                  <c:v>133.104115229531</c:v>
+                </c:pt>
+                <c:pt idx="92">
+                  <c:v>134.55089910159199</c:v>
+                </c:pt>
+                <c:pt idx="93">
+                  <c:v>135.99768297365199</c:v>
+                </c:pt>
+                <c:pt idx="94">
+                  <c:v>137.44446684571199</c:v>
+                </c:pt>
+                <c:pt idx="95">
+                  <c:v>138.89125071777201</c:v>
+                </c:pt>
+                <c:pt idx="96">
+                  <c:v>140.33803458983201</c:v>
+                </c:pt>
+                <c:pt idx="97">
+                  <c:v>141.784818461892</c:v>
+                </c:pt>
+                <c:pt idx="98">
+                  <c:v>143.231602333952</c:v>
+                </c:pt>
+              </c:numCache>
+            </c:numRef>
+          </c:xVal>
+          <c:yVal>
+            <c:numRef>
+              <c:f>'[Confidence-Intervals-zero.xlsx]Results'!$AM$3:$AM$101</c:f>
+              <c:numCache>
+                <c:formatCode>General</c:formatCode>
+                <c:ptCount val="99"/>
+                <c:pt idx="0">
+                  <c:v>1</c:v>
+                </c:pt>
+                <c:pt idx="1">
+                  <c:v>1</c:v>
+                </c:pt>
+                <c:pt idx="2">
+                  <c:v>1</c:v>
+                </c:pt>
+                <c:pt idx="3">
+                  <c:v>1</c:v>
+                </c:pt>
+                <c:pt idx="4">
+                  <c:v>1</c:v>
+                </c:pt>
+                <c:pt idx="5">
+                  <c:v>1</c:v>
+                </c:pt>
+                <c:pt idx="6">
+                  <c:v>1</c:v>
+                </c:pt>
+                <c:pt idx="7">
+                  <c:v>1</c:v>
+                </c:pt>
+                <c:pt idx="8">
+                  <c:v>1</c:v>
+                </c:pt>
+                <c:pt idx="9">
+                  <c:v>1</c:v>
+                </c:pt>
+                <c:pt idx="10">
+                  <c:v>1</c:v>
+                </c:pt>
+                <c:pt idx="11">
+                  <c:v>1</c:v>
+                </c:pt>
+                <c:pt idx="12">
+                  <c:v>1</c:v>
+                </c:pt>
+                <c:pt idx="13">
+                  <c:v>1</c:v>
+                </c:pt>
+                <c:pt idx="14">
+                  <c:v>1</c:v>
+                </c:pt>
+                <c:pt idx="15">
+                  <c:v>1</c:v>
+                </c:pt>
+                <c:pt idx="16">
+                  <c:v>1</c:v>
+                </c:pt>
+                <c:pt idx="17">
+                  <c:v>1</c:v>
+                </c:pt>
+                <c:pt idx="18">
+                  <c:v>1</c:v>
+                </c:pt>
+                <c:pt idx="19">
+                  <c:v>1</c:v>
+                </c:pt>
+                <c:pt idx="20">
+                  <c:v>1</c:v>
+                </c:pt>
+                <c:pt idx="21">
+                  <c:v>1</c:v>
+                </c:pt>
+                <c:pt idx="22">
+                  <c:v>1</c:v>
+                </c:pt>
+                <c:pt idx="23">
+                  <c:v>1</c:v>
+                </c:pt>
+                <c:pt idx="24">
+                  <c:v>1</c:v>
+                </c:pt>
+                <c:pt idx="25">
+                  <c:v>1</c:v>
+                </c:pt>
+                <c:pt idx="26">
+                  <c:v>1</c:v>
+                </c:pt>
+                <c:pt idx="27">
+                  <c:v>1</c:v>
+                </c:pt>
+                <c:pt idx="28">
+                  <c:v>1</c:v>
+                </c:pt>
+                <c:pt idx="29">
+                  <c:v>1</c:v>
+                </c:pt>
+                <c:pt idx="30">
+                  <c:v>1</c:v>
+                </c:pt>
+                <c:pt idx="31">
+                  <c:v>1</c:v>
+                </c:pt>
+                <c:pt idx="32">
+                  <c:v>1</c:v>
+                </c:pt>
+                <c:pt idx="33">
+                  <c:v>1</c:v>
+                </c:pt>
+                <c:pt idx="34">
+                  <c:v>1</c:v>
+                </c:pt>
+                <c:pt idx="35">
+                  <c:v>1</c:v>
+                </c:pt>
+                <c:pt idx="36">
+                  <c:v>1</c:v>
+                </c:pt>
+                <c:pt idx="37">
+                  <c:v>1</c:v>
+                </c:pt>
+                <c:pt idx="38">
+                  <c:v>1</c:v>
+                </c:pt>
+                <c:pt idx="39">
+                  <c:v>1</c:v>
+                </c:pt>
+                <c:pt idx="40">
+                  <c:v>1</c:v>
+                </c:pt>
+                <c:pt idx="41">
+                  <c:v>1</c:v>
+                </c:pt>
+                <c:pt idx="42">
+                  <c:v>1</c:v>
+                </c:pt>
+                <c:pt idx="43">
+                  <c:v>1</c:v>
+                </c:pt>
+                <c:pt idx="44">
+                  <c:v>1</c:v>
+                </c:pt>
+                <c:pt idx="45">
+                  <c:v>1</c:v>
+                </c:pt>
+                <c:pt idx="46">
+                  <c:v>1</c:v>
+                </c:pt>
+                <c:pt idx="47">
+                  <c:v>1</c:v>
+                </c:pt>
+                <c:pt idx="48">
+                  <c:v>1</c:v>
+                </c:pt>
+                <c:pt idx="49">
+                  <c:v>1</c:v>
+                </c:pt>
+                <c:pt idx="50">
+                  <c:v>1</c:v>
+                </c:pt>
+                <c:pt idx="51">
+                  <c:v>1</c:v>
+                </c:pt>
+                <c:pt idx="52">
+                  <c:v>1</c:v>
+                </c:pt>
+                <c:pt idx="53">
+                  <c:v>1</c:v>
+                </c:pt>
+                <c:pt idx="54">
+                  <c:v>1</c:v>
+                </c:pt>
+                <c:pt idx="55">
+                  <c:v>1</c:v>
+                </c:pt>
+                <c:pt idx="56">
+                  <c:v>1</c:v>
+                </c:pt>
+                <c:pt idx="57">
+                  <c:v>0.99999999999999989</c:v>
+                </c:pt>
+                <c:pt idx="58">
+                  <c:v>0.99999999999999811</c:v>
+                </c:pt>
+                <c:pt idx="59">
+                  <c:v>0.99999999999999345</c:v>
+                </c:pt>
+                <c:pt idx="60">
+                  <c:v>0.99999999999997424</c:v>
+                </c:pt>
+                <c:pt idx="61">
+                  <c:v>0.99999999999638001</c:v>
+                </c:pt>
+                <c:pt idx="62">
+                  <c:v>0.99999999957321317</c:v>
+                </c:pt>
+                <c:pt idx="63">
+                  <c:v>0.99999999910296866</c:v>
+                </c:pt>
+                <c:pt idx="64">
+                  <c:v>0.99999999814997143</c:v>
+                </c:pt>
+                <c:pt idx="65">
+                  <c:v>0.99999999141077778</c:v>
+                </c:pt>
+                <c:pt idx="66">
+                  <c:v>0.99999997506574734</c:v>
+                </c:pt>
+                <c:pt idx="67">
+                  <c:v>0.99999992448432429</c:v>
+                </c:pt>
+                <c:pt idx="68">
+                  <c:v>0.99999947148956514</c:v>
+                </c:pt>
+                <c:pt idx="69">
+                  <c:v>0.99999815674323711</c:v>
+                </c:pt>
+                <c:pt idx="70">
+                  <c:v>0.99999534380808353</c:v>
+                </c:pt>
+                <c:pt idx="71">
+                  <c:v>0.99998806056298228</c:v>
+                </c:pt>
+                <c:pt idx="72">
+                  <c:v>0.9999676449110918</c:v>
+                </c:pt>
+                <c:pt idx="73">
+                  <c:v>0.99991952279694996</c:v>
+                </c:pt>
+                <c:pt idx="74">
+                  <c:v>0.99983064255801701</c:v>
+                </c:pt>
+                <c:pt idx="75">
+                  <c:v>0.99968303096463162</c:v>
+                </c:pt>
+                <c:pt idx="76">
+                  <c:v>0.99930823378056244</c:v>
+                </c:pt>
+                <c:pt idx="77">
+                  <c:v>0.99856409466213814</c:v>
+                </c:pt>
+                <c:pt idx="78">
+                  <c:v>0.99703792876802955</c:v>
+                </c:pt>
+                <c:pt idx="79">
+                  <c:v>0.99407624586387888</c:v>
+                </c:pt>
+                <c:pt idx="80">
+                  <c:v>0.9881605607017091</c:v>
+                </c:pt>
+                <c:pt idx="81">
+                  <c:v>0.97135603043916841</c:v>
+                </c:pt>
+                <c:pt idx="82">
+                  <c:v>0.96091561820576432</c:v>
+                </c:pt>
+                <c:pt idx="83">
+                  <c:v>0.94148970570844281</c:v>
+                </c:pt>
+                <c:pt idx="84">
+                  <c:v>0.92307342018189087</c:v>
+                </c:pt>
+                <c:pt idx="85">
+                  <c:v>0.89380419117913068</c:v>
+                </c:pt>
+                <c:pt idx="86">
+                  <c:v>0.8501550113794204</c:v>
+                </c:pt>
+                <c:pt idx="87">
+                  <c:v>0.79818488686029054</c:v>
+                </c:pt>
+                <c:pt idx="88">
+                  <c:v>0.73953679176166698</c:v>
+                </c:pt>
+                <c:pt idx="89">
+                  <c:v>0.59012794315644201</c:v>
+                </c:pt>
+                <c:pt idx="90">
+                  <c:v>0.53647552764306128</c:v>
+                </c:pt>
+                <c:pt idx="91">
+                  <c:v>0.46458028166402132</c:v>
+                </c:pt>
+                <c:pt idx="92">
+                  <c:v>0.3960192887727132</c:v>
+                </c:pt>
+                <c:pt idx="93">
+                  <c:v>0.33311448715615466</c:v>
+                </c:pt>
+                <c:pt idx="94">
+                  <c:v>0.25433127799098854</c:v>
+                </c:pt>
+                <c:pt idx="95">
+                  <c:v>0.17269714076165343</c:v>
+                </c:pt>
+                <c:pt idx="96">
+                  <c:v>0.13756899592470107</c:v>
+                </c:pt>
+                <c:pt idx="97">
+                  <c:v>0.10859428913456448</c:v>
+                </c:pt>
+                <c:pt idx="98">
+                  <c:v>6.6305350535466601E-2</c:v>
+                </c:pt>
+              </c:numCache>
+            </c:numRef>
+          </c:yVal>
+          <c:smooth val="0"/>
+          <c:extLst>
+            <c:ext xmlns:c16="http://schemas.microsoft.com/office/drawing/2014/chart" uri="{C3380CC4-5D6E-409C-BE32-E72D297353CC}">
+              <c16:uniqueId val="{00000001-B67B-4DDF-A245-2C29D8FDE28A}"/>
+            </c:ext>
+          </c:extLst>
+        </c:ser>
+        <c:dLbls>
+          <c:showLegendKey val="0"/>
+          <c:showVal val="0"/>
+          <c:showCatName val="0"/>
+          <c:showSerName val="0"/>
+          <c:showPercent val="0"/>
+          <c:showBubbleSize val="0"/>
+        </c:dLbls>
+        <c:axId val="545065824"/>
+        <c:axId val="545064512"/>
+        <c:extLst>
+          <c:ext xmlns:c15="http://schemas.microsoft.com/office/drawing/2012/chart" uri="{02D57815-91ED-43cb-92C2-25804820EDAC}">
+            <c15:filteredScatterSeries>
+              <c15:ser>
+                <c:idx val="1"/>
+                <c:order val="0"/>
+                <c:tx>
+                  <c:v>1 Change</c:v>
+                </c:tx>
+                <c:spPr>
+                  <a:ln w="19050">
+                    <a:solidFill>
+                      <a:schemeClr val="accent1"/>
+                    </a:solidFill>
+                  </a:ln>
+                </c:spPr>
+                <c:marker>
+                  <c:symbol val="circle"/>
+                  <c:size val="5"/>
+                  <c:spPr>
+                    <a:solidFill>
+                      <a:schemeClr val="accent1"/>
+                    </a:solidFill>
+                    <a:ln>
+                      <a:solidFill>
+                        <a:schemeClr val="accent1"/>
+                      </a:solidFill>
+                    </a:ln>
+                  </c:spPr>
+                </c:marker>
+                <c:xVal>
+                  <c:numRef>
+                    <c:extLst>
+                      <c:ext uri="{02D57815-91ED-43cb-92C2-25804820EDAC}">
+                        <c15:formulaRef>
+                          <c15:sqref>'[Confidence-Intervals-zero.xlsx]Results'!$D$3:$D$101</c15:sqref>
+                        </c15:formulaRef>
+                      </c:ext>
+                    </c:extLst>
+                    <c:numCache>
+                      <c:formatCode>General</c:formatCode>
+                      <c:ptCount val="99"/>
+                      <c:pt idx="0">
+                        <c:v>6.5439550553374799</c:v>
+                      </c:pt>
+                      <c:pt idx="1">
+                        <c:v>6.5439550553374799</c:v>
+                      </c:pt>
+                      <c:pt idx="2">
+                        <c:v>6.5439550553374799</c:v>
+                      </c:pt>
+                      <c:pt idx="3">
+                        <c:v>6.5439550553374799</c:v>
+                      </c:pt>
+                      <c:pt idx="4">
+                        <c:v>6.5439550553374799</c:v>
+                      </c:pt>
+                      <c:pt idx="5">
+                        <c:v>6.5439550553374799</c:v>
+                      </c:pt>
+                      <c:pt idx="6">
+                        <c:v>6.5439550553374497</c:v>
+                      </c:pt>
+                      <c:pt idx="7">
+                        <c:v>6.5439550553374497</c:v>
+                      </c:pt>
+                      <c:pt idx="8">
+                        <c:v>6.5439550553374399</c:v>
+                      </c:pt>
+                      <c:pt idx="9">
+                        <c:v>6.5439550553374399</c:v>
+                      </c:pt>
+                      <c:pt idx="10">
+                        <c:v>6.5439550553374497</c:v>
+                      </c:pt>
+                      <c:pt idx="11">
+                        <c:v>6.5439550553374497</c:v>
+                      </c:pt>
+                      <c:pt idx="12">
+                        <c:v>6.5439550553374497</c:v>
+                      </c:pt>
+                      <c:pt idx="13">
+                        <c:v>6.5439550553374497</c:v>
+                      </c:pt>
+                      <c:pt idx="14">
+                        <c:v>6.5439550553374497</c:v>
+                      </c:pt>
+                      <c:pt idx="15">
+                        <c:v>6.5439550553374497</c:v>
+                      </c:pt>
+                      <c:pt idx="16">
+                        <c:v>6.5439550553374604</c:v>
+                      </c:pt>
+                      <c:pt idx="17">
+                        <c:v>6.5439550553374497</c:v>
+                      </c:pt>
+                      <c:pt idx="18">
+                        <c:v>6.5439550553374497</c:v>
+                      </c:pt>
+                      <c:pt idx="19">
+                        <c:v>6.5439550553374497</c:v>
+                      </c:pt>
+                      <c:pt idx="20">
+                        <c:v>6.5439550553374497</c:v>
+                      </c:pt>
+                      <c:pt idx="21">
+                        <c:v>6.5439550553374497</c:v>
+                      </c:pt>
+                      <c:pt idx="22">
+                        <c:v>6.5439550553374799</c:v>
+                      </c:pt>
+                      <c:pt idx="23">
+                        <c:v>6.6808727667489904</c:v>
+                      </c:pt>
+                      <c:pt idx="24">
+                        <c:v>6.9592425070301998</c:v>
+                      </c:pt>
+                      <c:pt idx="25">
+                        <c:v>7.23761224731141</c:v>
+                      </c:pt>
+                      <c:pt idx="26">
+                        <c:v>7.5159819875922302</c:v>
+                      </c:pt>
+                      <c:pt idx="27">
+                        <c:v>7.7943517278738197</c:v>
+                      </c:pt>
+                      <c:pt idx="28">
+                        <c:v>8.0727214681550308</c:v>
+                      </c:pt>
+                      <c:pt idx="29">
+                        <c:v>8.3510912084362392</c:v>
+                      </c:pt>
+                      <c:pt idx="30">
+                        <c:v>8.6294609487171208</c:v>
+                      </c:pt>
+                      <c:pt idx="31">
+                        <c:v>8.9078306889986596</c:v>
+                      </c:pt>
+                      <c:pt idx="32">
+                        <c:v>9.1862004292798591</c:v>
+                      </c:pt>
+                      <c:pt idx="33">
+                        <c:v>9.4645701695610693</c:v>
+                      </c:pt>
+                      <c:pt idx="34">
+                        <c:v>9.7429399098422795</c:v>
+                      </c:pt>
+                      <c:pt idx="35">
+                        <c:v>10.021309650123399</c:v>
+                      </c:pt>
+                      <c:pt idx="36">
+                        <c:v>10.2996793904047</c:v>
+                      </c:pt>
+                      <c:pt idx="37">
+                        <c:v>10.578049130685899</c:v>
+                      </c:pt>
+                      <c:pt idx="38">
+                        <c:v>10.856418870967101</c:v>
+                      </c:pt>
+                      <c:pt idx="39">
+                        <c:v>11.1347886112483</c:v>
+                      </c:pt>
+                      <c:pt idx="40">
+                        <c:v>11.4131583515295</c:v>
+                      </c:pt>
+                      <c:pt idx="41">
+                        <c:v>11.691528091810699</c:v>
+                      </c:pt>
+                      <c:pt idx="42">
+                        <c:v>11.969897832091901</c:v>
+                      </c:pt>
+                      <c:pt idx="43">
+                        <c:v>12.2482675723731</c:v>
+                      </c:pt>
+                      <c:pt idx="44">
+                        <c:v>12.5266373126543</c:v>
+                      </c:pt>
+                      <c:pt idx="45">
+                        <c:v>12.805007052935499</c:v>
+                      </c:pt>
+                      <c:pt idx="46">
+                        <c:v>13.083376793216701</c:v>
+                      </c:pt>
+                      <c:pt idx="47">
+                        <c:v>13.3617465334979</c:v>
+                      </c:pt>
+                      <c:pt idx="48">
+                        <c:v>13.6401162737791</c:v>
+                      </c:pt>
+                      <c:pt idx="49">
+                        <c:v>13.918486014060401</c:v>
+                      </c:pt>
+                      <c:pt idx="50">
+                        <c:v>14.1968557543416</c:v>
+                      </c:pt>
+                      <c:pt idx="51">
+                        <c:v>14.4752254946228</c:v>
+                      </c:pt>
+                      <c:pt idx="52">
+                        <c:v>14.753595234903999</c:v>
+                      </c:pt>
+                      <c:pt idx="53">
+                        <c:v>15.0319649751852</c:v>
+                      </c:pt>
+                      <c:pt idx="54">
+                        <c:v>15.3103347154664</c:v>
+                      </c:pt>
+                      <c:pt idx="55">
+                        <c:v>15.5887044557476</c:v>
+                      </c:pt>
+                      <c:pt idx="56">
+                        <c:v>15.867074196028801</c:v>
+                      </c:pt>
+                      <c:pt idx="57">
+                        <c:v>16.145443936309999</c:v>
+                      </c:pt>
+                      <c:pt idx="58">
+                        <c:v>16.423813676591202</c:v>
+                      </c:pt>
+                      <c:pt idx="59">
+                        <c:v>16.702183416872401</c:v>
+                      </c:pt>
+                      <c:pt idx="60">
+                        <c:v>16.980553157153601</c:v>
+                      </c:pt>
+                      <c:pt idx="61">
+                        <c:v>17.2589228974349</c:v>
+                      </c:pt>
+                      <c:pt idx="62">
+                        <c:v>17.537292637716099</c:v>
+                      </c:pt>
+                      <c:pt idx="63">
+                        <c:v>17.815662377997299</c:v>
+                      </c:pt>
+                      <c:pt idx="64">
+                        <c:v>18.094032118278498</c:v>
+                      </c:pt>
+                      <c:pt idx="65">
+                        <c:v>18.372401858559702</c:v>
+                      </c:pt>
+                      <c:pt idx="66">
+                        <c:v>12.025373674299299</c:v>
+                      </c:pt>
+                      <c:pt idx="67">
+                        <c:v>12.3037434145805</c:v>
+                      </c:pt>
+                      <c:pt idx="68">
+                        <c:v>12.5821131548617</c:v>
+                      </c:pt>
+                      <c:pt idx="69">
+                        <c:v>12.860482894011099</c:v>
+                      </c:pt>
+                      <c:pt idx="70">
+                        <c:v>13.138852635424101</c:v>
+                      </c:pt>
+                      <c:pt idx="71">
+                        <c:v>13.4172223757053</c:v>
+                      </c:pt>
+                      <c:pt idx="72">
+                        <c:v>20.320990040528098</c:v>
+                      </c:pt>
+                      <c:pt idx="73">
+                        <c:v>20.599359780809301</c:v>
+                      </c:pt>
+                      <c:pt idx="74">
+                        <c:v>20.8777295210906</c:v>
+                      </c:pt>
+                      <c:pt idx="75">
+                        <c:v>14.5307013368301</c:v>
+                      </c:pt>
+                      <c:pt idx="76">
+                        <c:v>14.8090710771113</c:v>
+                      </c:pt>
+                      <c:pt idx="77">
+                        <c:v>15.087440817392601</c:v>
+                      </c:pt>
+                      <c:pt idx="78">
+                        <c:v>15.3658105576738</c:v>
+                      </c:pt>
+                      <c:pt idx="79">
+                        <c:v>15.644180297955</c:v>
+                      </c:pt>
+                      <c:pt idx="80">
+                        <c:v>15.922550038236199</c:v>
+                      </c:pt>
+                      <c:pt idx="81">
+                        <c:v>16.200919778517399</c:v>
+                      </c:pt>
+                      <c:pt idx="82">
+                        <c:v>16.479289518798598</c:v>
+                      </c:pt>
+                      <c:pt idx="83">
+                        <c:v>23.3830571836213</c:v>
+                      </c:pt>
+                      <c:pt idx="84">
+                        <c:v>23.6614269239025</c:v>
+                      </c:pt>
+                      <c:pt idx="85">
+                        <c:v>23.939796664183699</c:v>
+                      </c:pt>
+                      <c:pt idx="86">
+                        <c:v>24.218166404464899</c:v>
+                      </c:pt>
+                      <c:pt idx="87">
+                        <c:v>24.496536144746099</c:v>
+                      </c:pt>
+                      <c:pt idx="88">
+                        <c:v>24.774905885027302</c:v>
+                      </c:pt>
+                      <c:pt idx="89">
+                        <c:v>25.053275625308501</c:v>
+                      </c:pt>
+                      <c:pt idx="90">
+                        <c:v>25.331645365589701</c:v>
+                      </c:pt>
+                      <c:pt idx="91">
+                        <c:v>25.6100151058709</c:v>
+                      </c:pt>
+                      <c:pt idx="92">
+                        <c:v>25.8883848461521</c:v>
+                      </c:pt>
+                      <c:pt idx="93">
+                        <c:v>26.166754586433299</c:v>
+                      </c:pt>
+                      <c:pt idx="94">
+                        <c:v>26.445124326714499</c:v>
+                      </c:pt>
+                      <c:pt idx="95">
+                        <c:v>26.723494066995801</c:v>
+                      </c:pt>
+                      <c:pt idx="96">
+                        <c:v>27.001863807277001</c:v>
+                      </c:pt>
+                      <c:pt idx="97">
+                        <c:v>27.280233547558201</c:v>
+                      </c:pt>
+                      <c:pt idx="98">
+                        <c:v>27.5586032878394</c:v>
+                      </c:pt>
+                    </c:numCache>
+                  </c:numRef>
+                </c:xVal>
+                <c:yVal>
+                  <c:numRef>
+                    <c:extLst>
+                      <c:ext uri="{02D57815-91ED-43cb-92C2-25804820EDAC}">
+                        <c15:formulaRef>
+                          <c15:sqref>'[Confidence-Intervals-zero.xlsx]Results'!$F$3:$F$101</c15:sqref>
+                        </c15:formulaRef>
+                      </c:ext>
+                    </c:extLst>
+                    <c:numCache>
+                      <c:formatCode>General</c:formatCode>
+                      <c:ptCount val="99"/>
+                      <c:pt idx="0">
+                        <c:v>1</c:v>
+                      </c:pt>
+                      <c:pt idx="1">
+                        <c:v>1</c:v>
+                      </c:pt>
+                      <c:pt idx="2">
+                        <c:v>1</c:v>
+                      </c:pt>
+                      <c:pt idx="3">
+                        <c:v>1</c:v>
+                      </c:pt>
+                      <c:pt idx="4">
+                        <c:v>1</c:v>
+                      </c:pt>
+                      <c:pt idx="5">
+                        <c:v>1</c:v>
+                      </c:pt>
+                      <c:pt idx="6">
+                        <c:v>1</c:v>
+                      </c:pt>
+                      <c:pt idx="7">
+                        <c:v>1</c:v>
+                      </c:pt>
+                      <c:pt idx="8">
+                        <c:v>1</c:v>
+                      </c:pt>
+                      <c:pt idx="9">
+                        <c:v>1</c:v>
+                      </c:pt>
+                      <c:pt idx="10">
+                        <c:v>1</c:v>
+                      </c:pt>
+                      <c:pt idx="11">
+                        <c:v>1</c:v>
+                      </c:pt>
+                      <c:pt idx="12">
+                        <c:v>1</c:v>
+                      </c:pt>
+                      <c:pt idx="13">
+                        <c:v>1</c:v>
+                      </c:pt>
+                      <c:pt idx="14">
+                        <c:v>1</c:v>
+                      </c:pt>
+                      <c:pt idx="15">
+                        <c:v>1</c:v>
+                      </c:pt>
+                      <c:pt idx="16">
+                        <c:v>1</c:v>
+                      </c:pt>
+                      <c:pt idx="17">
+                        <c:v>1</c:v>
+                      </c:pt>
+                      <c:pt idx="18">
+                        <c:v>1</c:v>
+                      </c:pt>
+                      <c:pt idx="19">
+                        <c:v>1</c:v>
+                      </c:pt>
+                      <c:pt idx="20">
+                        <c:v>1</c:v>
+                      </c:pt>
+                      <c:pt idx="21">
+                        <c:v>1</c:v>
+                      </c:pt>
+                      <c:pt idx="22">
+                        <c:v>1</c:v>
+                      </c:pt>
+                      <c:pt idx="23">
+                        <c:v>1</c:v>
+                      </c:pt>
+                      <c:pt idx="24">
+                        <c:v>1</c:v>
+                      </c:pt>
+                      <c:pt idx="25">
+                        <c:v>1</c:v>
+                      </c:pt>
+                      <c:pt idx="26">
+                        <c:v>1</c:v>
+                      </c:pt>
+                      <c:pt idx="27">
+                        <c:v>1</c:v>
+                      </c:pt>
+                      <c:pt idx="28">
+                        <c:v>1</c:v>
+                      </c:pt>
+                      <c:pt idx="29">
+                        <c:v>1</c:v>
+                      </c:pt>
+                      <c:pt idx="30">
+                        <c:v>1</c:v>
+                      </c:pt>
+                      <c:pt idx="31">
+                        <c:v>1</c:v>
+                      </c:pt>
+                      <c:pt idx="32">
+                        <c:v>1</c:v>
+                      </c:pt>
+                      <c:pt idx="33">
+                        <c:v>1</c:v>
+                      </c:pt>
+                      <c:pt idx="34">
+                        <c:v>1</c:v>
+                      </c:pt>
+                      <c:pt idx="35">
+                        <c:v>1</c:v>
+                      </c:pt>
+                      <c:pt idx="36">
+                        <c:v>1</c:v>
+                      </c:pt>
+                      <c:pt idx="37">
+                        <c:v>1</c:v>
+                      </c:pt>
+                      <c:pt idx="38">
+                        <c:v>1</c:v>
+                      </c:pt>
+                      <c:pt idx="39">
+                        <c:v>1</c:v>
+                      </c:pt>
+                      <c:pt idx="40">
+                        <c:v>1</c:v>
+                      </c:pt>
+                      <c:pt idx="41">
+                        <c:v>1</c:v>
+                      </c:pt>
+                      <c:pt idx="42">
+                        <c:v>1</c:v>
+                      </c:pt>
+                      <c:pt idx="43">
+                        <c:v>1</c:v>
+                      </c:pt>
+                      <c:pt idx="44">
+                        <c:v>1</c:v>
+                      </c:pt>
+                      <c:pt idx="45">
+                        <c:v>1</c:v>
+                      </c:pt>
+                      <c:pt idx="46">
+                        <c:v>1</c:v>
+                      </c:pt>
+                      <c:pt idx="47">
+                        <c:v>1</c:v>
+                      </c:pt>
+                      <c:pt idx="48">
+                        <c:v>1</c:v>
+                      </c:pt>
+                      <c:pt idx="49">
+                        <c:v>1</c:v>
+                      </c:pt>
+                      <c:pt idx="50">
+                        <c:v>1</c:v>
+                      </c:pt>
+                      <c:pt idx="51">
+                        <c:v>1</c:v>
+                      </c:pt>
+                      <c:pt idx="52">
+                        <c:v>1</c:v>
+                      </c:pt>
+                      <c:pt idx="53">
+                        <c:v>1</c:v>
+                      </c:pt>
+                      <c:pt idx="54">
+                        <c:v>1</c:v>
+                      </c:pt>
+                      <c:pt idx="55">
+                        <c:v>1</c:v>
+                      </c:pt>
+                      <c:pt idx="56">
+                        <c:v>1</c:v>
+                      </c:pt>
+                      <c:pt idx="57">
+                        <c:v>1</c:v>
+                      </c:pt>
+                      <c:pt idx="58">
+                        <c:v>1</c:v>
+                      </c:pt>
+                      <c:pt idx="59">
+                        <c:v>1</c:v>
+                      </c:pt>
+                      <c:pt idx="60">
+                        <c:v>1</c:v>
+                      </c:pt>
+                      <c:pt idx="61">
+                        <c:v>1</c:v>
+                      </c:pt>
+                      <c:pt idx="62">
+                        <c:v>1</c:v>
+                      </c:pt>
+                      <c:pt idx="63">
+                        <c:v>1</c:v>
+                      </c:pt>
+                      <c:pt idx="64">
+                        <c:v>1</c:v>
+                      </c:pt>
+                      <c:pt idx="65">
+                        <c:v>1</c:v>
+                      </c:pt>
+                      <c:pt idx="66">
+                        <c:v>1</c:v>
+                      </c:pt>
+                      <c:pt idx="67">
+                        <c:v>1</c:v>
+                      </c:pt>
+                      <c:pt idx="68">
+                        <c:v>1</c:v>
+                      </c:pt>
+                      <c:pt idx="69">
+                        <c:v>1</c:v>
+                      </c:pt>
+                      <c:pt idx="70">
+                        <c:v>1</c:v>
+                      </c:pt>
+                      <c:pt idx="71">
+                        <c:v>1</c:v>
+                      </c:pt>
+                      <c:pt idx="72">
+                        <c:v>1</c:v>
+                      </c:pt>
+                      <c:pt idx="73">
+                        <c:v>1</c:v>
+                      </c:pt>
+                      <c:pt idx="74">
+                        <c:v>1</c:v>
+                      </c:pt>
+                      <c:pt idx="75">
+                        <c:v>1</c:v>
+                      </c:pt>
+                      <c:pt idx="76">
+                        <c:v>1</c:v>
+                      </c:pt>
+                      <c:pt idx="77">
+                        <c:v>1</c:v>
+                      </c:pt>
+                      <c:pt idx="78">
+                        <c:v>1</c:v>
+                      </c:pt>
+                      <c:pt idx="79">
+                        <c:v>1</c:v>
+                      </c:pt>
+                      <c:pt idx="80">
+                        <c:v>1</c:v>
+                      </c:pt>
+                      <c:pt idx="81">
+                        <c:v>1</c:v>
+                      </c:pt>
+                      <c:pt idx="82">
+                        <c:v>1</c:v>
+                      </c:pt>
+                      <c:pt idx="83">
+                        <c:v>1</c:v>
+                      </c:pt>
+                      <c:pt idx="84">
+                        <c:v>1</c:v>
+                      </c:pt>
+                      <c:pt idx="85">
+                        <c:v>1</c:v>
+                      </c:pt>
+                      <c:pt idx="86">
+                        <c:v>1</c:v>
+                      </c:pt>
+                      <c:pt idx="87">
+                        <c:v>1</c:v>
+                      </c:pt>
+                      <c:pt idx="88">
+                        <c:v>1</c:v>
+                      </c:pt>
+                      <c:pt idx="89">
+                        <c:v>1</c:v>
+                      </c:pt>
+                      <c:pt idx="90">
+                        <c:v>1</c:v>
+                      </c:pt>
+                      <c:pt idx="91">
+                        <c:v>1</c:v>
+                      </c:pt>
+                      <c:pt idx="92">
+                        <c:v>1</c:v>
+                      </c:pt>
+                      <c:pt idx="93">
+                        <c:v>1</c:v>
+                      </c:pt>
+                      <c:pt idx="94">
+                        <c:v>1</c:v>
+                      </c:pt>
+                      <c:pt idx="95">
+                        <c:v>1</c:v>
+                      </c:pt>
+                      <c:pt idx="96">
+                        <c:v>1</c:v>
+                      </c:pt>
+                      <c:pt idx="97">
+                        <c:v>1</c:v>
+                      </c:pt>
+                      <c:pt idx="98">
+                        <c:v>1</c:v>
+                      </c:pt>
+                    </c:numCache>
+                  </c:numRef>
+                </c:yVal>
+                <c:smooth val="0"/>
+                <c:extLst>
+                  <c:ext xmlns:c16="http://schemas.microsoft.com/office/drawing/2014/chart" uri="{C3380CC4-5D6E-409C-BE32-E72D297353CC}">
+                    <c16:uniqueId val="{00000002-B67B-4DDF-A245-2C29D8FDE28A}"/>
+                  </c:ext>
+                </c:extLst>
+              </c15:ser>
+            </c15:filteredScatterSeries>
+            <c15:filteredScatterSeries>
+              <c15:ser>
+                <c:idx val="2"/>
+                <c:order val="1"/>
+                <c:tx>
+                  <c:v>2 Changes</c:v>
+                </c:tx>
+                <c:spPr>
+                  <a:ln w="19050" cap="rnd">
+                    <a:solidFill>
+                      <a:schemeClr val="accent2"/>
+                    </a:solidFill>
+                    <a:round/>
+                  </a:ln>
+                  <a:effectLst/>
+                </c:spPr>
+                <c:marker>
+                  <c:symbol val="circle"/>
+                  <c:size val="5"/>
+                  <c:spPr>
+                    <a:solidFill>
+                      <a:schemeClr val="accent2"/>
+                    </a:solidFill>
+                    <a:ln>
+                      <a:solidFill>
+                        <a:schemeClr val="accent2"/>
+                      </a:solidFill>
+                    </a:ln>
+                  </c:spPr>
+                </c:marker>
+                <c:xVal>
+                  <c:numRef>
+                    <c:extLst xmlns:c15="http://schemas.microsoft.com/office/drawing/2012/chart">
+                      <c:ext xmlns:c15="http://schemas.microsoft.com/office/drawing/2012/chart" uri="{02D57815-91ED-43cb-92C2-25804820EDAC}">
+                        <c15:formulaRef>
+                          <c15:sqref>'[Confidence-Intervals-zero.xlsx]Results'!$H$3:$H$101</c15:sqref>
+                        </c15:formulaRef>
+                      </c:ext>
+                    </c:extLst>
+                    <c:numCache>
+                      <c:formatCode>General</c:formatCode>
+                      <c:ptCount val="99"/>
+                      <c:pt idx="0">
+                        <c:v>6.5439550553374497</c:v>
+                      </c:pt>
+                      <c:pt idx="1">
+                        <c:v>6.5439550553374497</c:v>
+                      </c:pt>
+                      <c:pt idx="2">
+                        <c:v>6.5439550553374497</c:v>
+                      </c:pt>
+                      <c:pt idx="3">
+                        <c:v>6.5439550553374497</c:v>
+                      </c:pt>
+                      <c:pt idx="4">
+                        <c:v>6.5439550553374497</c:v>
+                      </c:pt>
+                      <c:pt idx="5">
+                        <c:v>6.5439550553374497</c:v>
+                      </c:pt>
+                      <c:pt idx="6">
+                        <c:v>6.5439550553374497</c:v>
+                      </c:pt>
+                      <c:pt idx="7">
+                        <c:v>6.5439550553374497</c:v>
+                      </c:pt>
+                      <c:pt idx="8">
+                        <c:v>6.5439550553374497</c:v>
+                      </c:pt>
+                      <c:pt idx="9">
+                        <c:v>6.5439550553374497</c:v>
+                      </c:pt>
+                      <c:pt idx="10">
+                        <c:v>7.1821438326364504</c:v>
+                      </c:pt>
+                      <c:pt idx="11">
+                        <c:v>7.8350660901488602</c:v>
+                      </c:pt>
+                      <c:pt idx="12">
+                        <c:v>8.4879883476612594</c:v>
+                      </c:pt>
+                      <c:pt idx="13">
+                        <c:v>9.1409106051736693</c:v>
+                      </c:pt>
+                      <c:pt idx="14">
+                        <c:v>9.7938328626860809</c:v>
+                      </c:pt>
+                      <c:pt idx="15">
+                        <c:v>10.4467551201984</c:v>
+                      </c:pt>
+                      <c:pt idx="16">
+                        <c:v>11.099677377710799</c:v>
+                      </c:pt>
+                      <c:pt idx="17">
+                        <c:v>11.7525996352232</c:v>
+                      </c:pt>
+                      <c:pt idx="18">
+                        <c:v>12.405521892735701</c:v>
+                      </c:pt>
+                      <c:pt idx="19">
+                        <c:v>13.0584441502481</c:v>
+                      </c:pt>
+                      <c:pt idx="20">
+                        <c:v>13.7113664077604</c:v>
+                      </c:pt>
+                      <c:pt idx="21">
+                        <c:v>14.3642886652729</c:v>
+                      </c:pt>
+                      <c:pt idx="22">
+                        <c:v>15.017210922785299</c:v>
+                      </c:pt>
+                      <c:pt idx="23">
+                        <c:v>15.6701331802977</c:v>
+                      </c:pt>
+                      <c:pt idx="24">
+                        <c:v>16.323055437810101</c:v>
+                      </c:pt>
+                      <c:pt idx="25">
+                        <c:v>16.975977695322499</c:v>
+                      </c:pt>
+                      <c:pt idx="26">
+                        <c:v>17.6288999528349</c:v>
+                      </c:pt>
+                      <c:pt idx="27">
+                        <c:v>18.2818222103473</c:v>
+                      </c:pt>
+                      <c:pt idx="28">
+                        <c:v>18.934744467859801</c:v>
+                      </c:pt>
+                      <c:pt idx="29">
+                        <c:v>19.587666725372099</c:v>
+                      </c:pt>
+                      <c:pt idx="30">
+                        <c:v>20.240588982883899</c:v>
+                      </c:pt>
+                      <c:pt idx="31">
+                        <c:v>20.893511240396901</c:v>
+                      </c:pt>
+                      <c:pt idx="32">
+                        <c:v>21.546433497909302</c:v>
+                      </c:pt>
+                      <c:pt idx="33">
+                        <c:v>22.199355755421799</c:v>
+                      </c:pt>
+                      <c:pt idx="34">
+                        <c:v>22.8522780129341</c:v>
+                      </c:pt>
+                      <c:pt idx="35">
+                        <c:v>23.505200270446501</c:v>
+                      </c:pt>
+                      <c:pt idx="36">
+                        <c:v>24.158122527958898</c:v>
+                      </c:pt>
+                      <c:pt idx="37">
+                        <c:v>24.811044785471299</c:v>
+                      </c:pt>
+                      <c:pt idx="38">
+                        <c:v>25.4639670429838</c:v>
+                      </c:pt>
+                      <c:pt idx="39">
+                        <c:v>26.116889300496201</c:v>
+                      </c:pt>
+                      <c:pt idx="40">
+                        <c:v>26.769811558008598</c:v>
+                      </c:pt>
+                      <c:pt idx="41">
+                        <c:v>27.422733815520999</c:v>
+                      </c:pt>
+                      <c:pt idx="42">
+                        <c:v>28.0756560730334</c:v>
+                      </c:pt>
+                      <c:pt idx="43">
+                        <c:v>28.728578330545801</c:v>
+                      </c:pt>
+                      <c:pt idx="44">
+                        <c:v>29.381500588058199</c:v>
+                      </c:pt>
+                      <c:pt idx="45">
+                        <c:v>30.034422845570599</c:v>
+                      </c:pt>
+                      <c:pt idx="46">
+                        <c:v>30.687345103083</c:v>
+                      </c:pt>
+                      <c:pt idx="47">
+                        <c:v>31.340267360595401</c:v>
+                      </c:pt>
+                      <c:pt idx="48">
+                        <c:v>31.993189618107898</c:v>
+                      </c:pt>
+                      <c:pt idx="49">
+                        <c:v>32.6461118756202</c:v>
+                      </c:pt>
+                      <c:pt idx="50">
+                        <c:v>33.299034133132402</c:v>
+                      </c:pt>
+                      <c:pt idx="51">
+                        <c:v>33.951956390645002</c:v>
+                      </c:pt>
+                      <c:pt idx="52">
+                        <c:v>34.604878648157502</c:v>
+                      </c:pt>
+                      <c:pt idx="53">
+                        <c:v>35.257800905669797</c:v>
+                      </c:pt>
+                      <c:pt idx="54">
+                        <c:v>35.910723163182297</c:v>
+                      </c:pt>
+                      <c:pt idx="55">
+                        <c:v>36.563645420694698</c:v>
+                      </c:pt>
+                      <c:pt idx="56">
+                        <c:v>37.216567678207099</c:v>
+                      </c:pt>
+                      <c:pt idx="57">
+                        <c:v>37.8694899357195</c:v>
+                      </c:pt>
+                      <c:pt idx="58">
+                        <c:v>38.522412193231901</c:v>
+                      </c:pt>
+                      <c:pt idx="59">
+                        <c:v>39.175334450744302</c:v>
+                      </c:pt>
+                      <c:pt idx="60">
+                        <c:v>39.828256708256298</c:v>
+                      </c:pt>
+                      <c:pt idx="61">
+                        <c:v>40.481178965769097</c:v>
+                      </c:pt>
+                      <c:pt idx="62">
+                        <c:v>41.134101223281597</c:v>
+                      </c:pt>
+                      <c:pt idx="63">
+                        <c:v>41.787023480793898</c:v>
+                      </c:pt>
+                      <c:pt idx="64">
+                        <c:v>42.439945738306299</c:v>
+                      </c:pt>
+                      <c:pt idx="65">
+                        <c:v>43.0928679958188</c:v>
+                      </c:pt>
+                      <c:pt idx="66">
+                        <c:v>43.745790253331101</c:v>
+                      </c:pt>
+                      <c:pt idx="67">
+                        <c:v>44.398712510843502</c:v>
+                      </c:pt>
+                      <c:pt idx="68">
+                        <c:v>45.051634768355903</c:v>
+                      </c:pt>
+                      <c:pt idx="69">
+                        <c:v>45.704557025868297</c:v>
+                      </c:pt>
+                      <c:pt idx="70">
+                        <c:v>46.357479283380698</c:v>
+                      </c:pt>
+                      <c:pt idx="71">
+                        <c:v>47.010401540893099</c:v>
+                      </c:pt>
+                      <c:pt idx="72">
+                        <c:v>47.6633237984055</c:v>
+                      </c:pt>
+                      <c:pt idx="73">
+                        <c:v>48.316246055917901</c:v>
+                      </c:pt>
+                      <c:pt idx="74">
+                        <c:v>48.969168313430302</c:v>
+                      </c:pt>
+                      <c:pt idx="75">
+                        <c:v>49.622090570942802</c:v>
+                      </c:pt>
+                      <c:pt idx="76">
+                        <c:v>50.275012828455203</c:v>
+                      </c:pt>
+                      <c:pt idx="77">
+                        <c:v>50.927935085967597</c:v>
+                      </c:pt>
+                      <c:pt idx="78">
+                        <c:v>51.580857343479998</c:v>
+                      </c:pt>
+                      <c:pt idx="79">
+                        <c:v>52.233779600992399</c:v>
+                      </c:pt>
+                      <c:pt idx="80">
+                        <c:v>52.8867018585048</c:v>
+                      </c:pt>
+                      <c:pt idx="81">
+                        <c:v>53.539624116017301</c:v>
+                      </c:pt>
+                      <c:pt idx="82">
+                        <c:v>54.192546373529602</c:v>
+                      </c:pt>
+                      <c:pt idx="83">
+                        <c:v>54.845468631042003</c:v>
+                      </c:pt>
+                      <c:pt idx="84">
+                        <c:v>55.498390888554397</c:v>
+                      </c:pt>
+                      <c:pt idx="85">
+                        <c:v>56.151313146066798</c:v>
+                      </c:pt>
+                      <c:pt idx="86">
+                        <c:v>56.804235403579199</c:v>
+                      </c:pt>
+                      <c:pt idx="87">
+                        <c:v>57.4571576610916</c:v>
+                      </c:pt>
+                      <c:pt idx="88">
+                        <c:v>58.110079918604001</c:v>
+                      </c:pt>
+                      <c:pt idx="89">
+                        <c:v>58.763002176116402</c:v>
+                      </c:pt>
+                      <c:pt idx="90">
+                        <c:v>59.415924433628803</c:v>
+                      </c:pt>
+                      <c:pt idx="91">
+                        <c:v>60.068846691141196</c:v>
+                      </c:pt>
+                      <c:pt idx="92">
+                        <c:v>60.721768948653697</c:v>
+                      </c:pt>
+                      <c:pt idx="93">
+                        <c:v>61.374691206166098</c:v>
+                      </c:pt>
+                      <c:pt idx="94">
+                        <c:v>62.027613463678499</c:v>
+                      </c:pt>
+                      <c:pt idx="95">
+                        <c:v>62.6805357211909</c:v>
+                      </c:pt>
+                      <c:pt idx="96">
+                        <c:v>63.333457978703301</c:v>
+                      </c:pt>
+                      <c:pt idx="97">
+                        <c:v>63.986380236215702</c:v>
+                      </c:pt>
+                      <c:pt idx="98">
+                        <c:v>64.639302493728096</c:v>
+                      </c:pt>
+                    </c:numCache>
+                  </c:numRef>
+                </c:xVal>
+                <c:yVal>
+                  <c:numRef>
+                    <c:extLst xmlns:c15="http://schemas.microsoft.com/office/drawing/2012/chart">
+                      <c:ext xmlns:c15="http://schemas.microsoft.com/office/drawing/2012/chart" uri="{02D57815-91ED-43cb-92C2-25804820EDAC}">
+                        <c15:formulaRef>
+                          <c15:sqref>'[Confidence-Intervals-zero.xlsx]Results'!$J$3:$J$101</c15:sqref>
+                        </c15:formulaRef>
+                      </c:ext>
+                    </c:extLst>
+                    <c:numCache>
+                      <c:formatCode>General</c:formatCode>
+                      <c:ptCount val="99"/>
+                      <c:pt idx="0">
+                        <c:v>1</c:v>
+                      </c:pt>
+                      <c:pt idx="1">
+                        <c:v>1</c:v>
+                      </c:pt>
+                      <c:pt idx="2">
+                        <c:v>1</c:v>
+                      </c:pt>
+                      <c:pt idx="3">
+                        <c:v>1</c:v>
+                      </c:pt>
+                      <c:pt idx="4">
+                        <c:v>1</c:v>
+                      </c:pt>
+                      <c:pt idx="5">
+                        <c:v>1</c:v>
+                      </c:pt>
+                      <c:pt idx="6">
+                        <c:v>1</c:v>
+                      </c:pt>
+                      <c:pt idx="7">
+                        <c:v>1</c:v>
+                      </c:pt>
+                      <c:pt idx="8">
+                        <c:v>1</c:v>
+                      </c:pt>
+                      <c:pt idx="9">
+                        <c:v>1</c:v>
+                      </c:pt>
+                      <c:pt idx="10">
+                        <c:v>1</c:v>
+                      </c:pt>
+                      <c:pt idx="11">
+                        <c:v>1</c:v>
+                      </c:pt>
+                      <c:pt idx="12">
+                        <c:v>1</c:v>
+                      </c:pt>
+                      <c:pt idx="13">
+                        <c:v>1</c:v>
+                      </c:pt>
+                      <c:pt idx="14">
+                        <c:v>1</c:v>
+                      </c:pt>
+                      <c:pt idx="15">
+                        <c:v>1</c:v>
+                      </c:pt>
+                      <c:pt idx="16">
+                        <c:v>1</c:v>
+                      </c:pt>
+                      <c:pt idx="17">
+                        <c:v>1</c:v>
+                      </c:pt>
+                      <c:pt idx="18">
+                        <c:v>1</c:v>
+                      </c:pt>
+                      <c:pt idx="19">
+                        <c:v>1</c:v>
+                      </c:pt>
+                      <c:pt idx="20">
+                        <c:v>1</c:v>
+                      </c:pt>
+                      <c:pt idx="21">
+                        <c:v>1</c:v>
+                      </c:pt>
+                      <c:pt idx="22">
+                        <c:v>1</c:v>
+                      </c:pt>
+                      <c:pt idx="23">
+                        <c:v>1</c:v>
+                      </c:pt>
+                      <c:pt idx="24">
+                        <c:v>1</c:v>
+                      </c:pt>
+                      <c:pt idx="25">
+                        <c:v>1</c:v>
+                      </c:pt>
+                      <c:pt idx="26">
+                        <c:v>1</c:v>
+                      </c:pt>
+                      <c:pt idx="27">
+                        <c:v>1</c:v>
+                      </c:pt>
+                      <c:pt idx="28">
+                        <c:v>1</c:v>
+                      </c:pt>
+                      <c:pt idx="29">
+                        <c:v>1</c:v>
+                      </c:pt>
+                      <c:pt idx="30">
+                        <c:v>1</c:v>
+                      </c:pt>
+                      <c:pt idx="31">
+                        <c:v>1</c:v>
+                      </c:pt>
+                      <c:pt idx="32">
+                        <c:v>1</c:v>
+                      </c:pt>
+                      <c:pt idx="33">
+                        <c:v>1</c:v>
+                      </c:pt>
+                      <c:pt idx="34">
+                        <c:v>1</c:v>
+                      </c:pt>
+                      <c:pt idx="35">
+                        <c:v>1</c:v>
+                      </c:pt>
+                      <c:pt idx="36">
+                        <c:v>1</c:v>
+                      </c:pt>
+                      <c:pt idx="37">
+                        <c:v>1</c:v>
+                      </c:pt>
+                      <c:pt idx="38">
+                        <c:v>1</c:v>
+                      </c:pt>
+                      <c:pt idx="39">
+                        <c:v>1</c:v>
+                      </c:pt>
+                      <c:pt idx="40">
+                        <c:v>1</c:v>
+                      </c:pt>
+                      <c:pt idx="41">
+                        <c:v>1</c:v>
+                      </c:pt>
+                      <c:pt idx="42">
+                        <c:v>1</c:v>
+                      </c:pt>
+                      <c:pt idx="43">
+                        <c:v>1</c:v>
+                      </c:pt>
+                      <c:pt idx="44">
+                        <c:v>1</c:v>
+                      </c:pt>
+                      <c:pt idx="45">
+                        <c:v>1</c:v>
+                      </c:pt>
+                      <c:pt idx="46">
+                        <c:v>1</c:v>
+                      </c:pt>
+                      <c:pt idx="47">
+                        <c:v>1</c:v>
+                      </c:pt>
+                      <c:pt idx="48">
+                        <c:v>1</c:v>
+                      </c:pt>
+                      <c:pt idx="49">
+                        <c:v>1</c:v>
+                      </c:pt>
+                      <c:pt idx="50">
+                        <c:v>1</c:v>
+                      </c:pt>
+                      <c:pt idx="51">
+                        <c:v>1</c:v>
+                      </c:pt>
+                      <c:pt idx="52">
+                        <c:v>1</c:v>
+                      </c:pt>
+                      <c:pt idx="53">
+                        <c:v>1</c:v>
+                      </c:pt>
+                      <c:pt idx="54">
+                        <c:v>1</c:v>
+                      </c:pt>
+                      <c:pt idx="55">
+                        <c:v>1</c:v>
+                      </c:pt>
+                      <c:pt idx="56">
+                        <c:v>1</c:v>
+                      </c:pt>
+                      <c:pt idx="57">
+                        <c:v>1</c:v>
+                      </c:pt>
+                      <c:pt idx="58">
+                        <c:v>1</c:v>
+                      </c:pt>
+                      <c:pt idx="59">
+                        <c:v>1</c:v>
+                      </c:pt>
+                      <c:pt idx="60">
+                        <c:v>1</c:v>
+                      </c:pt>
+                      <c:pt idx="61">
+                        <c:v>1</c:v>
+                      </c:pt>
+                      <c:pt idx="62">
+                        <c:v>1</c:v>
+                      </c:pt>
+                      <c:pt idx="63">
+                        <c:v>1</c:v>
+                      </c:pt>
+                      <c:pt idx="64">
+                        <c:v>1</c:v>
+                      </c:pt>
+                      <c:pt idx="65">
+                        <c:v>1</c:v>
+                      </c:pt>
+                      <c:pt idx="66">
+                        <c:v>1</c:v>
+                      </c:pt>
+                      <c:pt idx="67">
+                        <c:v>1</c:v>
+                      </c:pt>
+                      <c:pt idx="68">
+                        <c:v>1</c:v>
+                      </c:pt>
+                      <c:pt idx="69">
+                        <c:v>1</c:v>
+                      </c:pt>
+                      <c:pt idx="70">
+                        <c:v>1</c:v>
+                      </c:pt>
+                      <c:pt idx="71">
+                        <c:v>1</c:v>
+                      </c:pt>
+                      <c:pt idx="72">
+                        <c:v>1</c:v>
+                      </c:pt>
+                      <c:pt idx="73">
+                        <c:v>1</c:v>
+                      </c:pt>
+                      <c:pt idx="74">
+                        <c:v>1</c:v>
+                      </c:pt>
+                      <c:pt idx="75">
+                        <c:v>1</c:v>
+                      </c:pt>
+                      <c:pt idx="76">
+                        <c:v>1</c:v>
+                      </c:pt>
+                      <c:pt idx="77">
+                        <c:v>1</c:v>
+                      </c:pt>
+                      <c:pt idx="78">
+                        <c:v>1</c:v>
+                      </c:pt>
+                      <c:pt idx="79">
+                        <c:v>1</c:v>
+                      </c:pt>
+                      <c:pt idx="80">
+                        <c:v>1</c:v>
+                      </c:pt>
+                      <c:pt idx="81">
+                        <c:v>1</c:v>
+                      </c:pt>
+                      <c:pt idx="82">
+                        <c:v>1</c:v>
+                      </c:pt>
+                      <c:pt idx="83">
+                        <c:v>1</c:v>
+                      </c:pt>
+                      <c:pt idx="84">
+                        <c:v>1</c:v>
+                      </c:pt>
+                      <c:pt idx="85">
+                        <c:v>1</c:v>
+                      </c:pt>
+                      <c:pt idx="86">
+                        <c:v>1</c:v>
+                      </c:pt>
+                      <c:pt idx="87">
+                        <c:v>1</c:v>
+                      </c:pt>
+                      <c:pt idx="88">
+                        <c:v>1</c:v>
+                      </c:pt>
+                      <c:pt idx="89">
+                        <c:v>1</c:v>
+                      </c:pt>
+                      <c:pt idx="90">
+                        <c:v>1</c:v>
+                      </c:pt>
+                      <c:pt idx="91">
+                        <c:v>1</c:v>
+                      </c:pt>
+                      <c:pt idx="92">
+                        <c:v>1</c:v>
+                      </c:pt>
+                      <c:pt idx="93">
+                        <c:v>1</c:v>
+                      </c:pt>
+                      <c:pt idx="94">
+                        <c:v>1</c:v>
+                      </c:pt>
+                      <c:pt idx="95">
+                        <c:v>1</c:v>
+                      </c:pt>
+                      <c:pt idx="96">
+                        <c:v>1</c:v>
+                      </c:pt>
+                      <c:pt idx="97">
+                        <c:v>1</c:v>
+                      </c:pt>
+                      <c:pt idx="98">
+                        <c:v>1</c:v>
+                      </c:pt>
+                    </c:numCache>
+                  </c:numRef>
+                </c:yVal>
+                <c:smooth val="0"/>
+                <c:extLst xmlns:c15="http://schemas.microsoft.com/office/drawing/2012/chart">
+                  <c:ext xmlns:c16="http://schemas.microsoft.com/office/drawing/2014/chart" uri="{C3380CC4-5D6E-409C-BE32-E72D297353CC}">
+                    <c16:uniqueId val="{00000003-B67B-4DDF-A245-2C29D8FDE28A}"/>
+                  </c:ext>
+                </c:extLst>
+              </c15:ser>
+            </c15:filteredScatterSeries>
+            <c15:filteredScatterSeries>
+              <c15:ser>
+                <c:idx val="3"/>
+                <c:order val="2"/>
+                <c:tx>
+                  <c:v>3 Changes</c:v>
+                </c:tx>
+                <c:spPr>
+                  <a:ln w="19050" cap="rnd">
+                    <a:solidFill>
+                      <a:schemeClr val="accent4">
+                        <a:lumMod val="60000"/>
+                        <a:lumOff val="40000"/>
+                      </a:schemeClr>
+                    </a:solidFill>
+                    <a:round/>
+                  </a:ln>
+                  <a:effectLst/>
+                </c:spPr>
+                <c:marker>
+                  <c:symbol val="circle"/>
+                  <c:size val="5"/>
+                </c:marker>
+                <c:xVal>
+                  <c:numRef>
+                    <c:extLst xmlns:c15="http://schemas.microsoft.com/office/drawing/2012/chart">
+                      <c:ext xmlns:c15="http://schemas.microsoft.com/office/drawing/2012/chart" uri="{02D57815-91ED-43cb-92C2-25804820EDAC}">
+                        <c15:formulaRef>
+                          <c15:sqref>'[Confidence-Intervals-zero.xlsx]Results'!$L$3:$L$101</c15:sqref>
+                        </c15:formulaRef>
+                      </c:ext>
+                    </c:extLst>
+                    <c:numCache>
+                      <c:formatCode>General</c:formatCode>
+                      <c:ptCount val="99"/>
+                      <c:pt idx="0">
+                        <c:v>6.5439550553374497</c:v>
+                      </c:pt>
+                      <c:pt idx="1">
+                        <c:v>6.5439550553374497</c:v>
+                      </c:pt>
+                      <c:pt idx="2">
+                        <c:v>6.5439550553374497</c:v>
+                      </c:pt>
+                      <c:pt idx="3">
+                        <c:v>6.5439550553374497</c:v>
+                      </c:pt>
+                      <c:pt idx="4">
+                        <c:v>6.5439550553374497</c:v>
+                      </c:pt>
+                      <c:pt idx="5">
+                        <c:v>6.5439550553374497</c:v>
+                      </c:pt>
+                      <c:pt idx="6">
+                        <c:v>6.5439550553377499</c:v>
+                      </c:pt>
+                      <c:pt idx="7">
+                        <c:v>7.2248492724097702</c:v>
+                      </c:pt>
+                      <c:pt idx="8">
+                        <c:v>8.1279555564609893</c:v>
+                      </c:pt>
+                      <c:pt idx="9">
+                        <c:v>9.0310618405122103</c:v>
+                      </c:pt>
+                      <c:pt idx="10">
+                        <c:v>9.9341681245634401</c:v>
+                      </c:pt>
+                      <c:pt idx="11">
+                        <c:v>10.837274408614601</c:v>
+                      </c:pt>
+                      <c:pt idx="12">
+                        <c:v>11.7403806926658</c:v>
+                      </c:pt>
+                      <c:pt idx="13">
+                        <c:v>12.643486976717099</c:v>
+                      </c:pt>
+                      <c:pt idx="14">
+                        <c:v>13.546593260768301</c:v>
+                      </c:pt>
+                      <c:pt idx="15">
+                        <c:v>14.4496995448195</c:v>
+                      </c:pt>
+                      <c:pt idx="16">
+                        <c:v>15.3528058288707</c:v>
+                      </c:pt>
+                      <c:pt idx="17">
+                        <c:v>16.255912112921902</c:v>
+                      </c:pt>
+                      <c:pt idx="18">
+                        <c:v>17.159018396973199</c:v>
+                      </c:pt>
+                      <c:pt idx="19">
+                        <c:v>18.062124681025001</c:v>
+                      </c:pt>
+                      <c:pt idx="20">
+                        <c:v>18.965230965075602</c:v>
+                      </c:pt>
+                      <c:pt idx="21">
+                        <c:v>19.8683372491268</c:v>
+                      </c:pt>
+                      <c:pt idx="22">
+                        <c:v>20.7714435331781</c:v>
+                      </c:pt>
+                      <c:pt idx="23">
+                        <c:v>21.674549817229298</c:v>
+                      </c:pt>
+                      <c:pt idx="24">
+                        <c:v>22.5776561012805</c:v>
+                      </c:pt>
+                      <c:pt idx="25">
+                        <c:v>23.480762385331499</c:v>
+                      </c:pt>
+                      <c:pt idx="26">
+                        <c:v>24.383868669382899</c:v>
+                      </c:pt>
+                      <c:pt idx="27">
+                        <c:v>25.2869749534342</c:v>
+                      </c:pt>
+                      <c:pt idx="28">
+                        <c:v>26.190081237485401</c:v>
+                      </c:pt>
+                      <c:pt idx="29">
+                        <c:v>27.093187521536599</c:v>
+                      </c:pt>
+                      <c:pt idx="30">
+                        <c:v>27.996293805587801</c:v>
+                      </c:pt>
+                      <c:pt idx="31">
+                        <c:v>28.899400089638998</c:v>
+                      </c:pt>
+                      <c:pt idx="32">
+                        <c:v>29.802506373690299</c:v>
+                      </c:pt>
+                      <c:pt idx="33">
+                        <c:v>30.705612657741501</c:v>
+                      </c:pt>
+                      <c:pt idx="34">
+                        <c:v>31.608718941792699</c:v>
+                      </c:pt>
+                      <c:pt idx="35">
+                        <c:v>32.5118252258439</c:v>
+                      </c:pt>
+                      <c:pt idx="36">
+                        <c:v>33.4149315098947</c:v>
+                      </c:pt>
+                      <c:pt idx="37">
+                        <c:v>34.318037793946402</c:v>
+                      </c:pt>
+                      <c:pt idx="38">
+                        <c:v>35.2211440779976</c:v>
+                      </c:pt>
+                      <c:pt idx="39">
+                        <c:v>36.124250362048798</c:v>
+                      </c:pt>
+                      <c:pt idx="40">
+                        <c:v>37.027356646100003</c:v>
+                      </c:pt>
+                      <c:pt idx="41">
+                        <c:v>37.9304629301513</c:v>
+                      </c:pt>
+                      <c:pt idx="42">
+                        <c:v>38.833569214202498</c:v>
+                      </c:pt>
+                      <c:pt idx="43">
+                        <c:v>39.736675498253703</c:v>
+                      </c:pt>
+                      <c:pt idx="44">
+                        <c:v>40.639781782304901</c:v>
+                      </c:pt>
+                      <c:pt idx="45">
+                        <c:v>41.542888066356198</c:v>
+                      </c:pt>
+                      <c:pt idx="46">
+                        <c:v>42.445994350406899</c:v>
+                      </c:pt>
+                      <c:pt idx="47">
+                        <c:v>43.349100634458502</c:v>
+                      </c:pt>
+                      <c:pt idx="48">
+                        <c:v>44.252206918509799</c:v>
+                      </c:pt>
+                      <c:pt idx="49">
+                        <c:v>45.155313202560997</c:v>
+                      </c:pt>
+                      <c:pt idx="50">
+                        <c:v>46.058419486611697</c:v>
+                      </c:pt>
+                      <c:pt idx="51">
+                        <c:v>46.961525770663499</c:v>
+                      </c:pt>
+                      <c:pt idx="52">
+                        <c:v>47.864632054714797</c:v>
+                      </c:pt>
+                      <c:pt idx="53">
+                        <c:v>48.767738338765902</c:v>
+                      </c:pt>
+                      <c:pt idx="54">
+                        <c:v>49.670844622817199</c:v>
+                      </c:pt>
+                      <c:pt idx="55">
+                        <c:v>50.573950906868397</c:v>
+                      </c:pt>
+                      <c:pt idx="56">
+                        <c:v>51.477057190919098</c:v>
+                      </c:pt>
+                      <c:pt idx="57">
+                        <c:v>52.3801634749708</c:v>
+                      </c:pt>
+                      <c:pt idx="58">
+                        <c:v>53.283269759021898</c:v>
+                      </c:pt>
+                      <c:pt idx="59">
+                        <c:v>54.186376043073302</c:v>
+                      </c:pt>
+                      <c:pt idx="60">
+                        <c:v>55.0894823271245</c:v>
+                      </c:pt>
+                      <c:pt idx="61">
+                        <c:v>55.992588611175698</c:v>
+                      </c:pt>
+                      <c:pt idx="62">
+                        <c:v>56.895694895226903</c:v>
+                      </c:pt>
+                      <c:pt idx="63">
+                        <c:v>57.798801179278101</c:v>
+                      </c:pt>
+                      <c:pt idx="64">
+                        <c:v>58.701907463329398</c:v>
+                      </c:pt>
+                      <c:pt idx="65">
+                        <c:v>59.605013747380603</c:v>
+                      </c:pt>
+                      <c:pt idx="66">
+                        <c:v>60.508120031431801</c:v>
+                      </c:pt>
+                      <c:pt idx="67">
+                        <c:v>61.411226315482999</c:v>
+                      </c:pt>
+                      <c:pt idx="68">
+                        <c:v>62.314332599534303</c:v>
+                      </c:pt>
+                      <c:pt idx="69">
+                        <c:v>63.2174388835857</c:v>
+                      </c:pt>
+                      <c:pt idx="70">
+                        <c:v>64.120545167636806</c:v>
+                      </c:pt>
+                      <c:pt idx="71">
+                        <c:v>65.023651451687897</c:v>
+                      </c:pt>
+                      <c:pt idx="72">
+                        <c:v>65.926757735739102</c:v>
+                      </c:pt>
+                      <c:pt idx="73">
+                        <c:v>66.829864019790406</c:v>
+                      </c:pt>
+                      <c:pt idx="74">
+                        <c:v>67.732970303841597</c:v>
+                      </c:pt>
+                      <c:pt idx="75">
+                        <c:v>68.636076587892802</c:v>
+                      </c:pt>
+                      <c:pt idx="76">
+                        <c:v>69.539182871944007</c:v>
+                      </c:pt>
+                      <c:pt idx="77">
+                        <c:v>70.442289155995297</c:v>
+                      </c:pt>
+                      <c:pt idx="78">
+                        <c:v>71.345395440046502</c:v>
+                      </c:pt>
+                      <c:pt idx="79">
+                        <c:v>72.248501724097807</c:v>
+                      </c:pt>
+                      <c:pt idx="80">
+                        <c:v>73.151608008148997</c:v>
+                      </c:pt>
+                      <c:pt idx="81">
+                        <c:v>74.054714292200302</c:v>
+                      </c:pt>
+                      <c:pt idx="82">
+                        <c:v>74.957820576251393</c:v>
+                      </c:pt>
+                      <c:pt idx="83">
+                        <c:v>75.860926860302598</c:v>
+                      </c:pt>
+                      <c:pt idx="84">
+                        <c:v>76.764033144353803</c:v>
+                      </c:pt>
+                      <c:pt idx="85">
+                        <c:v>77.667139428404994</c:v>
+                      </c:pt>
+                      <c:pt idx="86">
+                        <c:v>78.570245712456199</c:v>
+                      </c:pt>
+                      <c:pt idx="87">
+                        <c:v>79.473351996507404</c:v>
+                      </c:pt>
+                      <c:pt idx="88">
+                        <c:v>80.376458280558694</c:v>
+                      </c:pt>
+                      <c:pt idx="89">
+                        <c:v>81.279564564609899</c:v>
+                      </c:pt>
+                      <c:pt idx="90">
+                        <c:v>82.182670848661104</c:v>
+                      </c:pt>
+                      <c:pt idx="91">
+                        <c:v>83.085777132712394</c:v>
+                      </c:pt>
+                      <c:pt idx="92">
+                        <c:v>83.988883416763599</c:v>
+                      </c:pt>
+                      <c:pt idx="93">
+                        <c:v>84.891989700814804</c:v>
+                      </c:pt>
+                      <c:pt idx="94">
+                        <c:v>85.795095984865995</c:v>
+                      </c:pt>
+                      <c:pt idx="95">
+                        <c:v>86.6982022689172</c:v>
+                      </c:pt>
+                      <c:pt idx="96">
+                        <c:v>87.601308552968405</c:v>
+                      </c:pt>
+                      <c:pt idx="97">
+                        <c:v>88.504414837019695</c:v>
+                      </c:pt>
+                      <c:pt idx="98">
+                        <c:v>89.4075211210709</c:v>
+                      </c:pt>
+                    </c:numCache>
+                  </c:numRef>
+                </c:xVal>
+                <c:yVal>
+                  <c:numRef>
+                    <c:extLst xmlns:c15="http://schemas.microsoft.com/office/drawing/2012/chart">
+                      <c:ext xmlns:c15="http://schemas.microsoft.com/office/drawing/2012/chart" uri="{02D57815-91ED-43cb-92C2-25804820EDAC}">
+                        <c15:formulaRef>
+                          <c15:sqref>'[Confidence-Intervals-zero.xlsx]Results'!$N$3:$N$101</c15:sqref>
+                        </c15:formulaRef>
+                      </c:ext>
+                    </c:extLst>
+                    <c:numCache>
+                      <c:formatCode>General</c:formatCode>
+                      <c:ptCount val="99"/>
+                      <c:pt idx="0">
+                        <c:v>1</c:v>
+                      </c:pt>
+                      <c:pt idx="1">
+                        <c:v>1</c:v>
+                      </c:pt>
+                      <c:pt idx="2">
+                        <c:v>1</c:v>
+                      </c:pt>
+                      <c:pt idx="3">
+                        <c:v>1</c:v>
+                      </c:pt>
+                      <c:pt idx="4">
+                        <c:v>1</c:v>
+                      </c:pt>
+                      <c:pt idx="5">
+                        <c:v>1</c:v>
+                      </c:pt>
+                      <c:pt idx="6">
+                        <c:v>1</c:v>
+                      </c:pt>
+                      <c:pt idx="7">
+                        <c:v>1</c:v>
+                      </c:pt>
+                      <c:pt idx="8">
+                        <c:v>1</c:v>
+                      </c:pt>
+                      <c:pt idx="9">
+                        <c:v>1</c:v>
+                      </c:pt>
+                      <c:pt idx="10">
+                        <c:v>1</c:v>
+                      </c:pt>
+                      <c:pt idx="11">
+                        <c:v>1</c:v>
+                      </c:pt>
+                      <c:pt idx="12">
+                        <c:v>1</c:v>
+                      </c:pt>
+                      <c:pt idx="13">
+                        <c:v>1</c:v>
+                      </c:pt>
+                      <c:pt idx="14">
+                        <c:v>1</c:v>
+                      </c:pt>
+                      <c:pt idx="15">
+                        <c:v>1</c:v>
+                      </c:pt>
+                      <c:pt idx="16">
+                        <c:v>1</c:v>
+                      </c:pt>
+                      <c:pt idx="17">
+                        <c:v>1</c:v>
+                      </c:pt>
+                      <c:pt idx="18">
+                        <c:v>1</c:v>
+                      </c:pt>
+                      <c:pt idx="19">
+                        <c:v>1</c:v>
+                      </c:pt>
+                      <c:pt idx="20">
+                        <c:v>1</c:v>
+                      </c:pt>
+                      <c:pt idx="21">
+                        <c:v>1</c:v>
+                      </c:pt>
+                      <c:pt idx="22">
+                        <c:v>1</c:v>
+                      </c:pt>
+                      <c:pt idx="23">
+                        <c:v>1</c:v>
+                      </c:pt>
+                      <c:pt idx="24">
+                        <c:v>1</c:v>
+                      </c:pt>
+                      <c:pt idx="25">
+                        <c:v>1</c:v>
+                      </c:pt>
+                      <c:pt idx="26">
+                        <c:v>1</c:v>
+                      </c:pt>
+                      <c:pt idx="27">
+                        <c:v>1</c:v>
+                      </c:pt>
+                      <c:pt idx="28">
+                        <c:v>1</c:v>
+                      </c:pt>
+                      <c:pt idx="29">
+                        <c:v>1</c:v>
+                      </c:pt>
+                      <c:pt idx="30">
+                        <c:v>1</c:v>
+                      </c:pt>
+                      <c:pt idx="31">
+                        <c:v>1</c:v>
+                      </c:pt>
+                      <c:pt idx="32">
+                        <c:v>1</c:v>
+                      </c:pt>
+                      <c:pt idx="33">
+                        <c:v>1</c:v>
+                      </c:pt>
+                      <c:pt idx="34">
+                        <c:v>1</c:v>
+                      </c:pt>
+                      <c:pt idx="35">
+                        <c:v>1</c:v>
+                      </c:pt>
+                      <c:pt idx="36">
+                        <c:v>1</c:v>
+                      </c:pt>
+                      <c:pt idx="37">
+                        <c:v>1</c:v>
+                      </c:pt>
+                      <c:pt idx="38">
+                        <c:v>1</c:v>
+                      </c:pt>
+                      <c:pt idx="39">
+                        <c:v>1</c:v>
+                      </c:pt>
+                      <c:pt idx="40">
+                        <c:v>1</c:v>
+                      </c:pt>
+                      <c:pt idx="41">
+                        <c:v>1</c:v>
+                      </c:pt>
+                      <c:pt idx="42">
+                        <c:v>1</c:v>
+                      </c:pt>
+                      <c:pt idx="43">
+                        <c:v>1</c:v>
+                      </c:pt>
+                      <c:pt idx="44">
+                        <c:v>1</c:v>
+                      </c:pt>
+                      <c:pt idx="45">
+                        <c:v>1</c:v>
+                      </c:pt>
+                      <c:pt idx="46">
+                        <c:v>1</c:v>
+                      </c:pt>
+                      <c:pt idx="47">
+                        <c:v>1</c:v>
+                      </c:pt>
+                      <c:pt idx="48">
+                        <c:v>1</c:v>
+                      </c:pt>
+                      <c:pt idx="49">
+                        <c:v>1</c:v>
+                      </c:pt>
+                      <c:pt idx="50">
+                        <c:v>1</c:v>
+                      </c:pt>
+                      <c:pt idx="51">
+                        <c:v>1</c:v>
+                      </c:pt>
+                      <c:pt idx="52">
+                        <c:v>1</c:v>
+                      </c:pt>
+                      <c:pt idx="53">
+                        <c:v>1</c:v>
+                      </c:pt>
+                      <c:pt idx="54">
+                        <c:v>1</c:v>
+                      </c:pt>
+                      <c:pt idx="55">
+                        <c:v>1</c:v>
+                      </c:pt>
+                      <c:pt idx="56">
+                        <c:v>1</c:v>
+                      </c:pt>
+                      <c:pt idx="57">
+                        <c:v>1</c:v>
+                      </c:pt>
+                      <c:pt idx="58">
+                        <c:v>1</c:v>
+                      </c:pt>
+                      <c:pt idx="59">
+                        <c:v>1</c:v>
+                      </c:pt>
+                      <c:pt idx="60">
+                        <c:v>1</c:v>
+                      </c:pt>
+                      <c:pt idx="61">
+                        <c:v>1</c:v>
+                      </c:pt>
+                      <c:pt idx="62">
+                        <c:v>1</c:v>
+                      </c:pt>
+                      <c:pt idx="63">
+                        <c:v>1</c:v>
+                      </c:pt>
+                      <c:pt idx="64">
+                        <c:v>1</c:v>
+                      </c:pt>
+                      <c:pt idx="65">
+                        <c:v>1</c:v>
+                      </c:pt>
+                      <c:pt idx="66">
+                        <c:v>1</c:v>
+                      </c:pt>
+                      <c:pt idx="67">
+                        <c:v>1</c:v>
+                      </c:pt>
+                      <c:pt idx="68">
+                        <c:v>1</c:v>
+                      </c:pt>
+                      <c:pt idx="69">
+                        <c:v>1</c:v>
+                      </c:pt>
+                      <c:pt idx="70">
+                        <c:v>1</c:v>
+                      </c:pt>
+                      <c:pt idx="71">
+                        <c:v>1</c:v>
+                      </c:pt>
+                      <c:pt idx="72">
+                        <c:v>1</c:v>
+                      </c:pt>
+                      <c:pt idx="73">
+                        <c:v>1</c:v>
+                      </c:pt>
+                      <c:pt idx="74">
+                        <c:v>1</c:v>
+                      </c:pt>
+                      <c:pt idx="75">
+                        <c:v>1</c:v>
+                      </c:pt>
+                      <c:pt idx="76">
+                        <c:v>1</c:v>
+                      </c:pt>
+                      <c:pt idx="77">
+                        <c:v>1</c:v>
+                      </c:pt>
+                      <c:pt idx="78">
+                        <c:v>1</c:v>
+                      </c:pt>
+                      <c:pt idx="79">
+                        <c:v>1</c:v>
+                      </c:pt>
+                      <c:pt idx="80">
+                        <c:v>1</c:v>
+                      </c:pt>
+                      <c:pt idx="81">
+                        <c:v>1</c:v>
+                      </c:pt>
+                      <c:pt idx="82">
+                        <c:v>1</c:v>
+                      </c:pt>
+                      <c:pt idx="83">
+                        <c:v>1</c:v>
+                      </c:pt>
+                      <c:pt idx="84">
+                        <c:v>1</c:v>
+                      </c:pt>
+                      <c:pt idx="85">
+                        <c:v>1</c:v>
+                      </c:pt>
+                      <c:pt idx="86">
+                        <c:v>1</c:v>
+                      </c:pt>
+                      <c:pt idx="87">
+                        <c:v>1</c:v>
+                      </c:pt>
+                      <c:pt idx="88">
+                        <c:v>1</c:v>
+                      </c:pt>
+                      <c:pt idx="89">
+                        <c:v>0.99999999999999989</c:v>
+                      </c:pt>
+                      <c:pt idx="90">
+                        <c:v>0.99999999999999778</c:v>
+                      </c:pt>
+                      <c:pt idx="91">
+                        <c:v>0.9999999999999587</c:v>
+                      </c:pt>
+                      <c:pt idx="92">
+                        <c:v>0.99999999999985956</c:v>
+                      </c:pt>
+                      <c:pt idx="93">
+                        <c:v>0.99999999999971723</c:v>
+                      </c:pt>
+                      <c:pt idx="94">
+                        <c:v>0.99999999999944611</c:v>
+                      </c:pt>
+                      <c:pt idx="95">
+                        <c:v>0.99999999999892841</c:v>
+                      </c:pt>
+                      <c:pt idx="96">
+                        <c:v>0.99999999999795219</c:v>
+                      </c:pt>
+                      <c:pt idx="97">
+                        <c:v>0.99999999999613287</c:v>
+                      </c:pt>
+                      <c:pt idx="98">
+                        <c:v>0.99999999999081302</c:v>
+                      </c:pt>
+                    </c:numCache>
+                  </c:numRef>
+                </c:yVal>
+                <c:smooth val="0"/>
+                <c:extLst xmlns:c15="http://schemas.microsoft.com/office/drawing/2012/chart">
+                  <c:ext xmlns:c16="http://schemas.microsoft.com/office/drawing/2014/chart" uri="{C3380CC4-5D6E-409C-BE32-E72D297353CC}">
+                    <c16:uniqueId val="{00000004-B67B-4DDF-A245-2C29D8FDE28A}"/>
+                  </c:ext>
+                </c:extLst>
+              </c15:ser>
+            </c15:filteredScatterSeries>
+            <c15:filteredScatterSeries>
+              <c15:ser>
+                <c:idx val="0"/>
+                <c:order val="4"/>
+                <c:tx>
+                  <c:v>5 Changes old</c:v>
+                </c:tx>
+                <c:spPr>
+                  <a:ln w="22225" cap="rnd">
+                    <a:solidFill>
+                      <a:schemeClr val="accent6"/>
+                    </a:solidFill>
+                    <a:round/>
+                  </a:ln>
+                  <a:effectLst/>
+                </c:spPr>
+                <c:marker>
+                  <c:symbol val="circle"/>
+                  <c:size val="5"/>
+                  <c:spPr>
+                    <a:solidFill>
+                      <a:schemeClr val="accent6"/>
+                    </a:solidFill>
+                    <a:ln w="9525">
+                      <a:solidFill>
+                        <a:schemeClr val="accent6"/>
+                      </a:solidFill>
+                    </a:ln>
+                    <a:effectLst/>
+                  </c:spPr>
+                </c:marker>
+                <c:xVal>
+                  <c:numRef>
+                    <c:extLst xmlns:c15="http://schemas.microsoft.com/office/drawing/2012/chart">
+                      <c:ext xmlns:c15="http://schemas.microsoft.com/office/drawing/2012/chart" uri="{02D57815-91ED-43cb-92C2-25804820EDAC}">
+                        <c15:formulaRef>
+                          <c15:sqref>'[Confidence-Intervals-zero.xlsx]Results'!$T$3:$T$101</c15:sqref>
+                        </c15:formulaRef>
+                      </c:ext>
+                    </c:extLst>
+                    <c:numCache>
+                      <c:formatCode>General</c:formatCode>
+                      <c:ptCount val="99"/>
+                      <c:pt idx="0">
+                        <c:v>6.5439550553374497</c:v>
+                      </c:pt>
+                      <c:pt idx="1">
+                        <c:v>6.5439550553374497</c:v>
+                      </c:pt>
+                      <c:pt idx="2">
+                        <c:v>6.5439550553374497</c:v>
+                      </c:pt>
+                      <c:pt idx="3">
+                        <c:v>6.5439550553374604</c:v>
+                      </c:pt>
+                      <c:pt idx="4">
+                        <c:v>6.6212437403784703</c:v>
+                      </c:pt>
+                      <c:pt idx="5">
+                        <c:v>7.9454926884541601</c:v>
+                      </c:pt>
+                      <c:pt idx="6">
+                        <c:v>9.2697416365298597</c:v>
+                      </c:pt>
+                      <c:pt idx="7">
+                        <c:v>10.5939905846055</c:v>
+                      </c:pt>
+                      <c:pt idx="8">
+                        <c:v>11.9182395326812</c:v>
+                      </c:pt>
+                      <c:pt idx="9">
+                        <c:v>13.242488480756901</c:v>
+                      </c:pt>
+                      <c:pt idx="10">
+                        <c:v>14.566737428832599</c:v>
+                      </c:pt>
+                      <c:pt idx="11">
+                        <c:v>15.8909863769083</c:v>
+                      </c:pt>
+                      <c:pt idx="12">
+                        <c:v>17.215235324984</c:v>
+                      </c:pt>
+                      <c:pt idx="13">
+                        <c:v>18.5394842730596</c:v>
+                      </c:pt>
+                      <c:pt idx="14">
+                        <c:v>19.863733221135401</c:v>
+                      </c:pt>
+                      <c:pt idx="15">
+                        <c:v>21.1879821692111</c:v>
+                      </c:pt>
+                      <c:pt idx="16">
+                        <c:v>22.512231117286799</c:v>
+                      </c:pt>
+                      <c:pt idx="17">
+                        <c:v>23.836480065362402</c:v>
+                      </c:pt>
+                      <c:pt idx="18">
+                        <c:v>25.1607290134382</c:v>
+                      </c:pt>
+                      <c:pt idx="19">
+                        <c:v>26.484977961513799</c:v>
+                      </c:pt>
+                      <c:pt idx="20">
+                        <c:v>27.809226909589501</c:v>
+                      </c:pt>
+                      <c:pt idx="21">
+                        <c:v>29.1334758576652</c:v>
+                      </c:pt>
+                      <c:pt idx="22">
+                        <c:v>30.457724805741002</c:v>
+                      </c:pt>
+                      <c:pt idx="23">
+                        <c:v>31.781973753816601</c:v>
+                      </c:pt>
+                      <c:pt idx="24">
+                        <c:v>33.1062227018923</c:v>
+                      </c:pt>
+                      <c:pt idx="25">
+                        <c:v>34.430471649967998</c:v>
+                      </c:pt>
+                      <c:pt idx="26">
+                        <c:v>35.754720598043697</c:v>
+                      </c:pt>
+                      <c:pt idx="27">
+                        <c:v>37.078969546119403</c:v>
+                      </c:pt>
+                      <c:pt idx="28">
+                        <c:v>38.403218494195102</c:v>
+                      </c:pt>
+                      <c:pt idx="29">
+                        <c:v>39.7274674422708</c:v>
+                      </c:pt>
+                      <c:pt idx="30">
+                        <c:v>41.051716390346499</c:v>
+                      </c:pt>
+                      <c:pt idx="31">
+                        <c:v>42.375965338422198</c:v>
+                      </c:pt>
+                      <c:pt idx="32">
+                        <c:v>43.700214286497904</c:v>
+                      </c:pt>
+                      <c:pt idx="33">
+                        <c:v>45.024463234573602</c:v>
+                      </c:pt>
+                      <c:pt idx="34">
+                        <c:v>46.348712182649301</c:v>
+                      </c:pt>
+                      <c:pt idx="35">
+                        <c:v>47.672961130725</c:v>
+                      </c:pt>
+                      <c:pt idx="36">
+                        <c:v>48.997210078800997</c:v>
+                      </c:pt>
+                      <c:pt idx="37">
+                        <c:v>50.321459026876298</c:v>
+                      </c:pt>
+                      <c:pt idx="38">
+                        <c:v>51.645707974952103</c:v>
+                      </c:pt>
+                      <c:pt idx="39">
+                        <c:v>52.969956923027802</c:v>
+                      </c:pt>
+                      <c:pt idx="40">
+                        <c:v>54.294205871103401</c:v>
+                      </c:pt>
+                      <c:pt idx="41">
+                        <c:v>55.618454819179298</c:v>
+                      </c:pt>
+                      <c:pt idx="42">
+                        <c:v>56.942703767254898</c:v>
+                      </c:pt>
+                      <c:pt idx="43">
+                        <c:v>58.266952715330497</c:v>
+                      </c:pt>
+                      <c:pt idx="44">
+                        <c:v>59.591201663406203</c:v>
+                      </c:pt>
+                      <c:pt idx="45">
+                        <c:v>60.915450611481901</c:v>
+                      </c:pt>
+                      <c:pt idx="46">
+                        <c:v>62.2396995595576</c:v>
+                      </c:pt>
+                      <c:pt idx="47">
+                        <c:v>63.563948507633299</c:v>
+                      </c:pt>
+                      <c:pt idx="48">
+                        <c:v>64.888197459262898</c:v>
+                      </c:pt>
+                      <c:pt idx="49">
+                        <c:v>66.212446403784696</c:v>
+                      </c:pt>
+                      <c:pt idx="50">
+                        <c:v>67.536695351860402</c:v>
+                      </c:pt>
+                      <c:pt idx="51">
+                        <c:v>68.860944299936094</c:v>
+                      </c:pt>
+                      <c:pt idx="52">
+                        <c:v>70.185193248011799</c:v>
+                      </c:pt>
+                      <c:pt idx="53">
+                        <c:v>71.509442196087505</c:v>
+                      </c:pt>
+                      <c:pt idx="54">
+                        <c:v>72.833691144163197</c:v>
+                      </c:pt>
+                      <c:pt idx="55">
+                        <c:v>74.157940092238903</c:v>
+                      </c:pt>
+                      <c:pt idx="56">
+                        <c:v>75.482189040314594</c:v>
+                      </c:pt>
+                      <c:pt idx="57">
+                        <c:v>76.8064379883903</c:v>
+                      </c:pt>
+                      <c:pt idx="58">
+                        <c:v>78.130686936466006</c:v>
+                      </c:pt>
+                      <c:pt idx="59">
+                        <c:v>79.454935884541698</c:v>
+                      </c:pt>
+                      <c:pt idx="60">
+                        <c:v>80.779184832617403</c:v>
+                      </c:pt>
+                      <c:pt idx="61">
+                        <c:v>82.103433780692995</c:v>
+                      </c:pt>
+                      <c:pt idx="62">
+                        <c:v>83.427682728768701</c:v>
+                      </c:pt>
+                      <c:pt idx="63">
+                        <c:v>84.751931676844507</c:v>
+                      </c:pt>
+                      <c:pt idx="64">
+                        <c:v>86.076180624920099</c:v>
+                      </c:pt>
+                      <c:pt idx="65">
+                        <c:v>87.400429572995805</c:v>
+                      </c:pt>
+                      <c:pt idx="66">
+                        <c:v>88.724678521071496</c:v>
+                      </c:pt>
+                      <c:pt idx="67">
+                        <c:v>90.048927469147202</c:v>
+                      </c:pt>
+                      <c:pt idx="68">
+                        <c:v>91.373176417222894</c:v>
+                      </c:pt>
+                      <c:pt idx="69">
+                        <c:v>92.697425365298599</c:v>
+                      </c:pt>
+                      <c:pt idx="70">
+                        <c:v>94.021674313374305</c:v>
+                      </c:pt>
+                      <c:pt idx="71">
+                        <c:v>95.345923261449997</c:v>
+                      </c:pt>
+                      <c:pt idx="72">
+                        <c:v>96.670172209525802</c:v>
+                      </c:pt>
+                      <c:pt idx="73">
+                        <c:v>97.994421157601394</c:v>
+                      </c:pt>
+                      <c:pt idx="74">
+                        <c:v>99.3186701056771</c:v>
+                      </c:pt>
+                      <c:pt idx="75">
+                        <c:v>100.642919053752</c:v>
+                      </c:pt>
+                      <c:pt idx="76">
+                        <c:v>101.967168001828</c:v>
+                      </c:pt>
+                      <c:pt idx="77">
+                        <c:v>103.291416949904</c:v>
+                      </c:pt>
+                      <c:pt idx="78">
+                        <c:v>104.615665897979</c:v>
+                      </c:pt>
+                      <c:pt idx="79">
+                        <c:v>105.939914846055</c:v>
+                      </c:pt>
+                      <c:pt idx="80">
+                        <c:v>107.26416379413099</c:v>
+                      </c:pt>
+                      <c:pt idx="81">
+                        <c:v>108.588412742207</c:v>
+                      </c:pt>
+                      <c:pt idx="82">
+                        <c:v>109.91266169028199</c:v>
+                      </c:pt>
+                      <c:pt idx="83">
+                        <c:v>111.236910638358</c:v>
+                      </c:pt>
+                      <c:pt idx="84">
+                        <c:v>112.561159586434</c:v>
+                      </c:pt>
+                      <c:pt idx="85">
+                        <c:v>113.885408534509</c:v>
+                      </c:pt>
+                      <c:pt idx="86">
+                        <c:v>115.209657482585</c:v>
+                      </c:pt>
+                      <c:pt idx="87">
+                        <c:v>116.53390643066101</c:v>
+                      </c:pt>
+                      <c:pt idx="88">
+                        <c:v>117.858155378736</c:v>
+                      </c:pt>
+                      <c:pt idx="89">
+                        <c:v>119.18240432681201</c:v>
+                      </c:pt>
+                      <c:pt idx="90">
+                        <c:v>120.506653274888</c:v>
+                      </c:pt>
+                      <c:pt idx="91">
+                        <c:v>121.830902222963</c:v>
+                      </c:pt>
+                      <c:pt idx="92">
+                        <c:v>123.15515117103899</c:v>
+                      </c:pt>
+                      <c:pt idx="93">
+                        <c:v>124.479400119115</c:v>
+                      </c:pt>
+                      <c:pt idx="94">
+                        <c:v>125.803649067191</c:v>
+                      </c:pt>
+                      <c:pt idx="95">
+                        <c:v>127.127898015266</c:v>
+                      </c:pt>
+                      <c:pt idx="96">
+                        <c:v>128.45214696334199</c:v>
+                      </c:pt>
+                      <c:pt idx="97">
+                        <c:v>129.77639591141801</c:v>
+                      </c:pt>
+                      <c:pt idx="98">
+                        <c:v>131.100644859493</c:v>
+                      </c:pt>
+                    </c:numCache>
+                  </c:numRef>
+                </c:xVal>
+                <c:yVal>
+                  <c:numRef>
+                    <c:extLst xmlns:c15="http://schemas.microsoft.com/office/drawing/2012/chart">
+                      <c:ext xmlns:c15="http://schemas.microsoft.com/office/drawing/2012/chart" uri="{02D57815-91ED-43cb-92C2-25804820EDAC}">
+                        <c15:formulaRef>
+                          <c15:sqref>'[Confidence-Intervals-zero.xlsx]Results'!$V$3:$V$101</c15:sqref>
+                        </c15:formulaRef>
+                      </c:ext>
+                    </c:extLst>
+                    <c:numCache>
+                      <c:formatCode>General</c:formatCode>
+                      <c:ptCount val="99"/>
+                      <c:pt idx="0">
+                        <c:v>1</c:v>
+                      </c:pt>
+                      <c:pt idx="1">
+                        <c:v>1</c:v>
+                      </c:pt>
+                      <c:pt idx="2">
+                        <c:v>1</c:v>
+                      </c:pt>
+                      <c:pt idx="3">
+                        <c:v>1</c:v>
+                      </c:pt>
+                      <c:pt idx="4">
+                        <c:v>1</c:v>
+                      </c:pt>
+                      <c:pt idx="5">
+                        <c:v>1</c:v>
+                      </c:pt>
+                      <c:pt idx="6">
+                        <c:v>1</c:v>
+                      </c:pt>
+                      <c:pt idx="7">
+                        <c:v>1</c:v>
+                      </c:pt>
+                      <c:pt idx="8">
+                        <c:v>1</c:v>
+                      </c:pt>
+                      <c:pt idx="9">
+                        <c:v>1</c:v>
+                      </c:pt>
+                      <c:pt idx="10">
+                        <c:v>1</c:v>
+                      </c:pt>
+                      <c:pt idx="11">
+                        <c:v>1</c:v>
+                      </c:pt>
+                      <c:pt idx="12">
+                        <c:v>1</c:v>
+                      </c:pt>
+                      <c:pt idx="13">
+                        <c:v>1</c:v>
+                      </c:pt>
+                      <c:pt idx="14">
+                        <c:v>1</c:v>
+                      </c:pt>
+                      <c:pt idx="15">
+                        <c:v>1</c:v>
+                      </c:pt>
+                      <c:pt idx="16">
+                        <c:v>1</c:v>
+                      </c:pt>
+                      <c:pt idx="17">
+                        <c:v>1</c:v>
+                      </c:pt>
+                      <c:pt idx="18">
+                        <c:v>1</c:v>
+                      </c:pt>
+                      <c:pt idx="19">
+                        <c:v>1</c:v>
+                      </c:pt>
+                      <c:pt idx="20">
+                        <c:v>1</c:v>
+                      </c:pt>
+                      <c:pt idx="21">
+                        <c:v>1</c:v>
+                      </c:pt>
+                      <c:pt idx="22">
+                        <c:v>1</c:v>
+                      </c:pt>
+                      <c:pt idx="23">
+                        <c:v>1</c:v>
+                      </c:pt>
+                      <c:pt idx="24">
+                        <c:v>1</c:v>
+                      </c:pt>
+                      <c:pt idx="25">
+                        <c:v>1</c:v>
+                      </c:pt>
+                      <c:pt idx="26">
+                        <c:v>1</c:v>
+                      </c:pt>
+                      <c:pt idx="27">
+                        <c:v>1</c:v>
+                      </c:pt>
+                      <c:pt idx="28">
+                        <c:v>1</c:v>
+                      </c:pt>
+                      <c:pt idx="29">
+                        <c:v>1</c:v>
+                      </c:pt>
+                      <c:pt idx="30">
+                        <c:v>1</c:v>
+                      </c:pt>
+                      <c:pt idx="31">
+                        <c:v>1</c:v>
+                      </c:pt>
+                      <c:pt idx="32">
+                        <c:v>1</c:v>
+                      </c:pt>
+                      <c:pt idx="33">
+                        <c:v>1</c:v>
+                      </c:pt>
+                      <c:pt idx="34">
+                        <c:v>1</c:v>
+                      </c:pt>
+                      <c:pt idx="35">
+                        <c:v>1</c:v>
+                      </c:pt>
+                      <c:pt idx="36">
+                        <c:v>1</c:v>
+                      </c:pt>
+                      <c:pt idx="37">
+                        <c:v>1</c:v>
+                      </c:pt>
+                      <c:pt idx="38">
+                        <c:v>1</c:v>
+                      </c:pt>
+                      <c:pt idx="39">
+                        <c:v>1</c:v>
+                      </c:pt>
+                      <c:pt idx="40">
+                        <c:v>1</c:v>
+                      </c:pt>
+                      <c:pt idx="41">
+                        <c:v>1</c:v>
+                      </c:pt>
+                      <c:pt idx="42">
+                        <c:v>1</c:v>
+                      </c:pt>
+                      <c:pt idx="43">
+                        <c:v>1</c:v>
+                      </c:pt>
+                      <c:pt idx="44">
+                        <c:v>1</c:v>
+                      </c:pt>
+                      <c:pt idx="45">
+                        <c:v>1</c:v>
+                      </c:pt>
+                      <c:pt idx="46">
+                        <c:v>1</c:v>
+                      </c:pt>
+                      <c:pt idx="47">
+                        <c:v>1</c:v>
+                      </c:pt>
+                      <c:pt idx="48">
+                        <c:v>1</c:v>
+                      </c:pt>
+                      <c:pt idx="49">
+                        <c:v>1</c:v>
+                      </c:pt>
+                      <c:pt idx="50">
+                        <c:v>1</c:v>
+                      </c:pt>
+                      <c:pt idx="51">
+                        <c:v>1</c:v>
+                      </c:pt>
+                      <c:pt idx="52">
+                        <c:v>1</c:v>
+                      </c:pt>
+                      <c:pt idx="53">
+                        <c:v>1</c:v>
+                      </c:pt>
+                      <c:pt idx="54">
+                        <c:v>1</c:v>
+                      </c:pt>
+                      <c:pt idx="55">
+                        <c:v>1</c:v>
+                      </c:pt>
+                      <c:pt idx="56">
+                        <c:v>1</c:v>
+                      </c:pt>
+                      <c:pt idx="57">
+                        <c:v>1</c:v>
+                      </c:pt>
+                      <c:pt idx="58">
+                        <c:v>1</c:v>
+                      </c:pt>
+                      <c:pt idx="59">
+                        <c:v>1</c:v>
+                      </c:pt>
+                      <c:pt idx="60">
+                        <c:v>1</c:v>
+                      </c:pt>
+                      <c:pt idx="61">
+                        <c:v>1</c:v>
+                      </c:pt>
+                      <c:pt idx="62">
+                        <c:v>1</c:v>
+                      </c:pt>
+                      <c:pt idx="63">
+                        <c:v>0.99999999999999989</c:v>
+                      </c:pt>
+                      <c:pt idx="64">
+                        <c:v>0.99999999999999956</c:v>
+                      </c:pt>
+                      <c:pt idx="65">
+                        <c:v>0.99999999999999822</c:v>
+                      </c:pt>
+                      <c:pt idx="66">
+                        <c:v>0.99999999999999356</c:v>
+                      </c:pt>
+                      <c:pt idx="67">
+                        <c:v>0.99999999999997657</c:v>
+                      </c:pt>
+                      <c:pt idx="68">
+                        <c:v>0.99999999999946354</c:v>
+                      </c:pt>
+                      <c:pt idx="69">
+                        <c:v>0.99999999929376937</c:v>
+                      </c:pt>
+                      <c:pt idx="70">
+                        <c:v>0.99999999828442609</c:v>
+                      </c:pt>
+                      <c:pt idx="71">
+                        <c:v>0.99999999536952044</c:v>
+                      </c:pt>
+                      <c:pt idx="72">
+                        <c:v>0.99999998703377235</c:v>
+                      </c:pt>
+                      <c:pt idx="73">
+                        <c:v>0.99999996255070756</c:v>
+                      </c:pt>
+                      <c:pt idx="74">
+                        <c:v>0.99999989146238566</c:v>
+                      </c:pt>
+                      <c:pt idx="75">
+                        <c:v>0.99999968944214179</c:v>
+                      </c:pt>
+                      <c:pt idx="76">
+                        <c:v>0.99999878220029303</c:v>
+                      </c:pt>
+                      <c:pt idx="77">
+                        <c:v>0.99999201944653349</c:v>
+                      </c:pt>
+                      <c:pt idx="78">
+                        <c:v>0.99998106917269436</c:v>
+                      </c:pt>
+                      <c:pt idx="79">
+                        <c:v>0.99995547048727673</c:v>
+                      </c:pt>
+                      <c:pt idx="80">
+                        <c:v>0.99989855763226199</c:v>
+                      </c:pt>
+                      <c:pt idx="81">
+                        <c:v>0.99979344657461078</c:v>
+                      </c:pt>
+                      <c:pt idx="82">
+                        <c:v>0.99961477220034423</c:v>
+                      </c:pt>
+                      <c:pt idx="83">
+                        <c:v>0.99930720420754338</c:v>
+                      </c:pt>
+                      <c:pt idx="84">
+                        <c:v>0.998667683278044</c:v>
+                      </c:pt>
+                      <c:pt idx="85">
+                        <c:v>0.99744196290533516</c:v>
+                      </c:pt>
+                      <c:pt idx="86">
+                        <c:v>0.99517380186116799</c:v>
+                      </c:pt>
+                      <c:pt idx="87">
+                        <c:v>0.99114959369981448</c:v>
+                      </c:pt>
+                      <c:pt idx="88">
+                        <c:v>0.9827641791980809</c:v>
+                      </c:pt>
+                      <c:pt idx="89">
+                        <c:v>0.9602237830881265</c:v>
+                      </c:pt>
+                      <c:pt idx="90">
+                        <c:v>0.95506126522112922</c:v>
+                      </c:pt>
+                      <c:pt idx="91">
+                        <c:v>0.9357435100157927</c:v>
+                      </c:pt>
+                      <c:pt idx="92">
+                        <c:v>0.91337422106172306</c:v>
+                      </c:pt>
+                      <c:pt idx="93">
+                        <c:v>0.89241586355016456</c:v>
+                      </c:pt>
+                      <c:pt idx="94">
+                        <c:v>0.85286590128291451</c:v>
+                      </c:pt>
+                      <c:pt idx="95">
+                        <c:v>0.80644842514676196</c:v>
+                      </c:pt>
+                      <c:pt idx="96">
+                        <c:v>0.75419233050249535</c:v>
+                      </c:pt>
+                      <c:pt idx="97">
+                        <c:v>0.69754571431072787</c:v>
+                      </c:pt>
+                      <c:pt idx="98">
+                        <c:v>0.56183911562323341</c:v>
+                      </c:pt>
+                    </c:numCache>
+                  </c:numRef>
+                </c:yVal>
+                <c:smooth val="0"/>
+                <c:extLst xmlns:c15="http://schemas.microsoft.com/office/drawing/2012/chart">
+                  <c:ext xmlns:c16="http://schemas.microsoft.com/office/drawing/2014/chart" uri="{C3380CC4-5D6E-409C-BE32-E72D297353CC}">
+                    <c16:uniqueId val="{00000005-B67B-4DDF-A245-2C29D8FDE28A}"/>
+                  </c:ext>
+                </c:extLst>
+              </c15:ser>
+            </c15:filteredScatterSeries>
+            <c15:filteredScatterSeries>
+              <c15:ser>
+                <c:idx val="5"/>
+                <c:order val="5"/>
+                <c:tx>
+                  <c:v>6 Changes Old</c:v>
+                </c:tx>
+                <c:spPr>
+                  <a:ln w="22225">
+                    <a:solidFill>
+                      <a:schemeClr val="accent4"/>
+                    </a:solidFill>
+                  </a:ln>
+                </c:spPr>
+                <c:marker>
+                  <c:symbol val="circle"/>
+                  <c:size val="5"/>
+                  <c:spPr>
+                    <a:solidFill>
+                      <a:schemeClr val="accent4"/>
+                    </a:solidFill>
+                    <a:ln>
+                      <a:solidFill>
+                        <a:schemeClr val="accent4"/>
+                      </a:solidFill>
+                    </a:ln>
+                  </c:spPr>
+                </c:marker>
+                <c:xVal>
+                  <c:numRef>
+                    <c:extLst xmlns:c15="http://schemas.microsoft.com/office/drawing/2012/chart">
+                      <c:ext xmlns:c15="http://schemas.microsoft.com/office/drawing/2012/chart" uri="{02D57815-91ED-43cb-92C2-25804820EDAC}">
+                        <c15:formulaRef>
+                          <c15:sqref>'[Confidence-Intervals-zero.xlsx]Results'!$X$3:$X$101</c15:sqref>
+                        </c15:formulaRef>
+                      </c:ext>
+                    </c:extLst>
+                    <c:numCache>
+                      <c:formatCode>General</c:formatCode>
+                      <c:ptCount val="99"/>
+                      <c:pt idx="0">
+                        <c:v>6.5439550553660499</c:v>
+                      </c:pt>
+                      <c:pt idx="1">
+                        <c:v>6.5439550553660499</c:v>
+                      </c:pt>
+                      <c:pt idx="2">
+                        <c:v>6.5439550553660499</c:v>
+                      </c:pt>
+                      <c:pt idx="3">
+                        <c:v>6.5439550553374399</c:v>
+                      </c:pt>
+                      <c:pt idx="4">
+                        <c:v>6.6212437403784703</c:v>
+                      </c:pt>
+                      <c:pt idx="5">
+                        <c:v>7.9454926884541699</c:v>
+                      </c:pt>
+                      <c:pt idx="6">
+                        <c:v>9.2697416365298597</c:v>
+                      </c:pt>
+                      <c:pt idx="7">
+                        <c:v>10.593991304607901</c:v>
+                      </c:pt>
+                      <c:pt idx="8">
+                        <c:v>11.9182395326644</c:v>
+                      </c:pt>
+                      <c:pt idx="9">
+                        <c:v>13.242488480756901</c:v>
+                      </c:pt>
+                      <c:pt idx="10">
+                        <c:v>14.566737428832599</c:v>
+                      </c:pt>
+                      <c:pt idx="11">
+                        <c:v>15.8909863769083</c:v>
+                      </c:pt>
+                      <c:pt idx="12">
+                        <c:v>17.215235324983301</c:v>
+                      </c:pt>
+                      <c:pt idx="13">
+                        <c:v>18.539484273059699</c:v>
+                      </c:pt>
+                      <c:pt idx="14">
+                        <c:v>19.863733221135401</c:v>
+                      </c:pt>
+                      <c:pt idx="15">
+                        <c:v>21.1879821692111</c:v>
+                      </c:pt>
+                      <c:pt idx="16">
+                        <c:v>22.512231117286799</c:v>
+                      </c:pt>
+                      <c:pt idx="17">
+                        <c:v>23.836480065362501</c:v>
+                      </c:pt>
+                      <c:pt idx="18">
+                        <c:v>25.1607290134382</c:v>
+                      </c:pt>
+                      <c:pt idx="19">
+                        <c:v>26.484977961513799</c:v>
+                      </c:pt>
+                      <c:pt idx="20">
+                        <c:v>27.809226909589501</c:v>
+                      </c:pt>
+                      <c:pt idx="21">
+                        <c:v>29.1334758576652</c:v>
+                      </c:pt>
+                      <c:pt idx="22">
+                        <c:v>30.457724805740899</c:v>
+                      </c:pt>
+                      <c:pt idx="23">
+                        <c:v>31.781973753816601</c:v>
+                      </c:pt>
+                      <c:pt idx="24">
+                        <c:v>33.1062227018923</c:v>
+                      </c:pt>
+                      <c:pt idx="25">
+                        <c:v>34.430471649967998</c:v>
+                      </c:pt>
+                      <c:pt idx="26">
+                        <c:v>35.754720598043697</c:v>
+                      </c:pt>
+                      <c:pt idx="27">
+                        <c:v>37.078969546119403</c:v>
+                      </c:pt>
+                      <c:pt idx="28">
+                        <c:v>38.403218494195102</c:v>
+                      </c:pt>
+                      <c:pt idx="29">
+                        <c:v>39.727467442269997</c:v>
+                      </c:pt>
+                      <c:pt idx="30">
+                        <c:v>41.051716390346499</c:v>
+                      </c:pt>
+                      <c:pt idx="31">
+                        <c:v>42.375965338422198</c:v>
+                      </c:pt>
+                      <c:pt idx="32">
+                        <c:v>43.700214286497904</c:v>
+                      </c:pt>
+                      <c:pt idx="33">
+                        <c:v>45.024463234573602</c:v>
+                      </c:pt>
+                      <c:pt idx="34">
+                        <c:v>46.348712182649201</c:v>
+                      </c:pt>
+                      <c:pt idx="35">
+                        <c:v>47.672961130725</c:v>
+                      </c:pt>
+                      <c:pt idx="36">
+                        <c:v>48.997210078800698</c:v>
+                      </c:pt>
+                      <c:pt idx="37">
+                        <c:v>50.321459026876397</c:v>
+                      </c:pt>
+                      <c:pt idx="38">
+                        <c:v>51.645707974952103</c:v>
+                      </c:pt>
+                      <c:pt idx="39">
+                        <c:v>52.969956923027802</c:v>
+                      </c:pt>
+                      <c:pt idx="40">
+                        <c:v>54.294205871103401</c:v>
+                      </c:pt>
+                      <c:pt idx="41">
+                        <c:v>55.6184548191791</c:v>
+                      </c:pt>
+                      <c:pt idx="42">
+                        <c:v>56.942703767254798</c:v>
+                      </c:pt>
+                      <c:pt idx="43">
+                        <c:v>58.266952715330497</c:v>
+                      </c:pt>
+                      <c:pt idx="44">
+                        <c:v>59.591201663406203</c:v>
+                      </c:pt>
+                      <c:pt idx="45">
+                        <c:v>60.915450611481901</c:v>
+                      </c:pt>
+                      <c:pt idx="46">
+                        <c:v>62.2396995595576</c:v>
+                      </c:pt>
+                      <c:pt idx="47">
+                        <c:v>63.563948507633299</c:v>
+                      </c:pt>
+                      <c:pt idx="48">
+                        <c:v>64.888197429806496</c:v>
+                      </c:pt>
+                      <c:pt idx="49">
+                        <c:v>66.212446403784696</c:v>
+                      </c:pt>
+                      <c:pt idx="50">
+                        <c:v>67.536695351860402</c:v>
+                      </c:pt>
+                      <c:pt idx="51">
+                        <c:v>68.860944299936094</c:v>
+                      </c:pt>
+                      <c:pt idx="52">
+                        <c:v>70.185193248011799</c:v>
+                      </c:pt>
+                      <c:pt idx="53">
+                        <c:v>71.509442196087505</c:v>
+                      </c:pt>
+                      <c:pt idx="54">
+                        <c:v>72.833691144163197</c:v>
+                      </c:pt>
+                      <c:pt idx="55">
+                        <c:v>74.157940092238903</c:v>
+                      </c:pt>
+                      <c:pt idx="56">
+                        <c:v>75.482189040314594</c:v>
+                      </c:pt>
+                      <c:pt idx="57">
+                        <c:v>76.806437988390201</c:v>
+                      </c:pt>
+                      <c:pt idx="58">
+                        <c:v>78.130686936466006</c:v>
+                      </c:pt>
+                      <c:pt idx="59">
+                        <c:v>79.454935884541598</c:v>
+                      </c:pt>
+                      <c:pt idx="60">
+                        <c:v>80.779184832617304</c:v>
+                      </c:pt>
+                      <c:pt idx="61">
+                        <c:v>82.103433780692995</c:v>
+                      </c:pt>
+                      <c:pt idx="62">
+                        <c:v>83.427682728768701</c:v>
+                      </c:pt>
+                      <c:pt idx="63">
+                        <c:v>84.751931676844407</c:v>
+                      </c:pt>
+                      <c:pt idx="64">
+                        <c:v>86.076180624920099</c:v>
+                      </c:pt>
+                      <c:pt idx="65">
+                        <c:v>87.400429572995805</c:v>
+                      </c:pt>
+                      <c:pt idx="66">
+                        <c:v>88.724678521071496</c:v>
+                      </c:pt>
+                      <c:pt idx="67">
+                        <c:v>90.048927469147202</c:v>
+                      </c:pt>
+                      <c:pt idx="68">
+                        <c:v>91.373176417222894</c:v>
+                      </c:pt>
+                      <c:pt idx="69">
+                        <c:v>92.697425365298599</c:v>
+                      </c:pt>
+                      <c:pt idx="70">
+                        <c:v>94.021674313374305</c:v>
+                      </c:pt>
+                      <c:pt idx="71">
+                        <c:v>95.345923261449997</c:v>
+                      </c:pt>
+                      <c:pt idx="72">
+                        <c:v>96.670172209525703</c:v>
+                      </c:pt>
+                      <c:pt idx="73">
+                        <c:v>97.994421157601394</c:v>
+                      </c:pt>
+                      <c:pt idx="74">
+                        <c:v>99.318670105677498</c:v>
+                      </c:pt>
+                      <c:pt idx="75">
+                        <c:v>100.642919053752</c:v>
+                      </c:pt>
+                      <c:pt idx="76">
+                        <c:v>101.967168001828</c:v>
+                      </c:pt>
+                      <c:pt idx="77">
+                        <c:v>103.291416949904</c:v>
+                      </c:pt>
+                      <c:pt idx="78">
+                        <c:v>104.61566590153301</c:v>
+                      </c:pt>
+                      <c:pt idx="79">
+                        <c:v>105.939914846055</c:v>
+                      </c:pt>
+                      <c:pt idx="80">
+                        <c:v>107.26416379413099</c:v>
+                      </c:pt>
+                      <c:pt idx="81">
+                        <c:v>108.588412599181</c:v>
+                      </c:pt>
+                      <c:pt idx="82">
+                        <c:v>109.91266169028199</c:v>
+                      </c:pt>
+                      <c:pt idx="83">
+                        <c:v>111.236910638358</c:v>
+                      </c:pt>
+                      <c:pt idx="84">
+                        <c:v>112.561159586434</c:v>
+                      </c:pt>
+                      <c:pt idx="85">
+                        <c:v>113.885408534509</c:v>
+                      </c:pt>
+                      <c:pt idx="86">
+                        <c:v>115.209657482585</c:v>
+                      </c:pt>
+                      <c:pt idx="87">
+                        <c:v>116.53390643066101</c:v>
+                      </c:pt>
+                      <c:pt idx="88">
+                        <c:v>117.858155378736</c:v>
+                      </c:pt>
+                      <c:pt idx="89">
+                        <c:v>119.18240432681201</c:v>
+                      </c:pt>
+                      <c:pt idx="90">
+                        <c:v>120.506653274888</c:v>
+                      </c:pt>
+                      <c:pt idx="91">
+                        <c:v>121.830902222963</c:v>
+                      </c:pt>
+                      <c:pt idx="92">
+                        <c:v>123.15515117103899</c:v>
+                      </c:pt>
+                      <c:pt idx="93">
+                        <c:v>124.479400119115</c:v>
+                      </c:pt>
+                      <c:pt idx="94">
+                        <c:v>125.80364906718999</c:v>
+                      </c:pt>
+                      <c:pt idx="95">
+                        <c:v>127.127898015266</c:v>
+                      </c:pt>
+                      <c:pt idx="96">
+                        <c:v>128.45214696334199</c:v>
+                      </c:pt>
+                      <c:pt idx="97">
+                        <c:v>129.77639591141801</c:v>
+                      </c:pt>
+                      <c:pt idx="98">
+                        <c:v>131.100644859493</c:v>
+                      </c:pt>
+                    </c:numCache>
+                  </c:numRef>
+                </c:xVal>
+                <c:yVal>
+                  <c:numRef>
+                    <c:extLst xmlns:c15="http://schemas.microsoft.com/office/drawing/2012/chart">
+                      <c:ext xmlns:c15="http://schemas.microsoft.com/office/drawing/2012/chart" uri="{02D57815-91ED-43cb-92C2-25804820EDAC}">
+                        <c15:formulaRef>
+                          <c15:sqref>'[Confidence-Intervals-zero.xlsx]Results'!$Z$3:$Z$101</c15:sqref>
+                        </c15:formulaRef>
+                      </c:ext>
+                    </c:extLst>
+                    <c:numCache>
+                      <c:formatCode>General</c:formatCode>
+                      <c:ptCount val="99"/>
+                      <c:pt idx="0">
+                        <c:v>1</c:v>
+                      </c:pt>
+                      <c:pt idx="1">
+                        <c:v>1</c:v>
+                      </c:pt>
+                      <c:pt idx="2">
+                        <c:v>1</c:v>
+                      </c:pt>
+                      <c:pt idx="3">
+                        <c:v>1</c:v>
+                      </c:pt>
+                      <c:pt idx="4">
+                        <c:v>1</c:v>
+                      </c:pt>
+                      <c:pt idx="5">
+                        <c:v>1</c:v>
+                      </c:pt>
+                      <c:pt idx="6">
+                        <c:v>1</c:v>
+                      </c:pt>
+                      <c:pt idx="7">
+                        <c:v>1</c:v>
+                      </c:pt>
+                      <c:pt idx="8">
+                        <c:v>1</c:v>
+                      </c:pt>
+                      <c:pt idx="9">
+                        <c:v>1</c:v>
+                      </c:pt>
+                      <c:pt idx="10">
+                        <c:v>1</c:v>
+                      </c:pt>
+                      <c:pt idx="11">
+                        <c:v>1</c:v>
+                      </c:pt>
+                      <c:pt idx="12">
+                        <c:v>1</c:v>
+                      </c:pt>
+                      <c:pt idx="13">
+                        <c:v>1</c:v>
+                      </c:pt>
+                      <c:pt idx="14">
+                        <c:v>1</c:v>
+                      </c:pt>
+                      <c:pt idx="15">
+                        <c:v>1</c:v>
+                      </c:pt>
+                      <c:pt idx="16">
+                        <c:v>1</c:v>
+                      </c:pt>
+                      <c:pt idx="17">
+                        <c:v>1</c:v>
+                      </c:pt>
+                      <c:pt idx="18">
+                        <c:v>1</c:v>
+                      </c:pt>
+                      <c:pt idx="19">
+                        <c:v>1</c:v>
+                      </c:pt>
+                      <c:pt idx="20">
+                        <c:v>1</c:v>
+                      </c:pt>
+                      <c:pt idx="21">
+                        <c:v>1</c:v>
+                      </c:pt>
+                      <c:pt idx="22">
+                        <c:v>1</c:v>
+                      </c:pt>
+                      <c:pt idx="23">
+                        <c:v>1</c:v>
+                      </c:pt>
+                      <c:pt idx="24">
+                        <c:v>1</c:v>
+                      </c:pt>
+                      <c:pt idx="25">
+                        <c:v>1</c:v>
+                      </c:pt>
+                      <c:pt idx="26">
+                        <c:v>1</c:v>
+                      </c:pt>
+                      <c:pt idx="27">
+                        <c:v>1</c:v>
+                      </c:pt>
+                      <c:pt idx="28">
+                        <c:v>1</c:v>
+                      </c:pt>
+                      <c:pt idx="29">
+                        <c:v>1</c:v>
+                      </c:pt>
+                      <c:pt idx="30">
+                        <c:v>1</c:v>
+                      </c:pt>
+                      <c:pt idx="31">
+                        <c:v>1</c:v>
+                      </c:pt>
+                      <c:pt idx="32">
+                        <c:v>1</c:v>
+                      </c:pt>
+                      <c:pt idx="33">
+                        <c:v>1</c:v>
+                      </c:pt>
+                      <c:pt idx="34">
+                        <c:v>1</c:v>
+                      </c:pt>
+                      <c:pt idx="35">
+                        <c:v>1</c:v>
+                      </c:pt>
+                      <c:pt idx="36">
+                        <c:v>1</c:v>
+                      </c:pt>
+                      <c:pt idx="37">
+                        <c:v>1</c:v>
+                      </c:pt>
+                      <c:pt idx="38">
+                        <c:v>1</c:v>
+                      </c:pt>
+                      <c:pt idx="39">
+                        <c:v>1</c:v>
+                      </c:pt>
+                      <c:pt idx="40">
+                        <c:v>1</c:v>
+                      </c:pt>
+                      <c:pt idx="41">
+                        <c:v>1</c:v>
+                      </c:pt>
+                      <c:pt idx="42">
+                        <c:v>1</c:v>
+                      </c:pt>
+                      <c:pt idx="43">
+                        <c:v>1</c:v>
+                      </c:pt>
+                      <c:pt idx="44">
+                        <c:v>1</c:v>
+                      </c:pt>
+                      <c:pt idx="45">
+                        <c:v>1</c:v>
+                      </c:pt>
+                      <c:pt idx="46">
+                        <c:v>1</c:v>
+                      </c:pt>
+                      <c:pt idx="47">
+                        <c:v>1</c:v>
+                      </c:pt>
+                      <c:pt idx="48">
+                        <c:v>1</c:v>
+                      </c:pt>
+                      <c:pt idx="49">
+                        <c:v>1</c:v>
+                      </c:pt>
+                      <c:pt idx="50">
+                        <c:v>1</c:v>
+                      </c:pt>
+                      <c:pt idx="51">
+                        <c:v>1</c:v>
+                      </c:pt>
+                      <c:pt idx="52">
+                        <c:v>1</c:v>
+                      </c:pt>
+                      <c:pt idx="53">
+                        <c:v>1</c:v>
+                      </c:pt>
+                      <c:pt idx="54">
+                        <c:v>1</c:v>
+                      </c:pt>
+                      <c:pt idx="55">
+                        <c:v>1</c:v>
+                      </c:pt>
+                      <c:pt idx="56">
+                        <c:v>1</c:v>
+                      </c:pt>
+                      <c:pt idx="57">
+                        <c:v>1</c:v>
+                      </c:pt>
+                      <c:pt idx="58">
+                        <c:v>1</c:v>
+                      </c:pt>
+                      <c:pt idx="59">
+                        <c:v>1</c:v>
+                      </c:pt>
+                      <c:pt idx="60">
+                        <c:v>1</c:v>
+                      </c:pt>
+                      <c:pt idx="61">
+                        <c:v>1</c:v>
+                      </c:pt>
+                      <c:pt idx="62">
+                        <c:v>1</c:v>
+                      </c:pt>
+                      <c:pt idx="63">
+                        <c:v>0.99999999999999989</c:v>
+                      </c:pt>
+                      <c:pt idx="64">
+                        <c:v>0.99999999999999956</c:v>
+                      </c:pt>
+                      <c:pt idx="65">
+                        <c:v>0.99999999999999822</c:v>
+                      </c:pt>
+                      <c:pt idx="66">
+                        <c:v>0.99999999999999356</c:v>
+                      </c:pt>
+                      <c:pt idx="67">
+                        <c:v>0.99999999999997657</c:v>
+                      </c:pt>
+                      <c:pt idx="68">
+                        <c:v>0.99999999999946354</c:v>
+                      </c:pt>
+                      <c:pt idx="69">
+                        <c:v>0.99999999929376937</c:v>
+                      </c:pt>
+                      <c:pt idx="70">
+                        <c:v>0.99999999828442609</c:v>
+                      </c:pt>
+                      <c:pt idx="71">
+                        <c:v>0.99999999536952044</c:v>
+                      </c:pt>
+                      <c:pt idx="72">
+                        <c:v>0.99999998703377235</c:v>
+                      </c:pt>
+                      <c:pt idx="73">
+                        <c:v>0.99999996255070756</c:v>
+                      </c:pt>
+                      <c:pt idx="74">
+                        <c:v>0.99999989146238566</c:v>
+                      </c:pt>
+                      <c:pt idx="75">
+                        <c:v>0.99999968944214179</c:v>
+                      </c:pt>
+                      <c:pt idx="76">
+                        <c:v>0.99999878220029303</c:v>
+                      </c:pt>
+                      <c:pt idx="77">
+                        <c:v>0.99999442672963612</c:v>
+                      </c:pt>
+                      <c:pt idx="78">
+                        <c:v>0.99998614058590696</c:v>
+                      </c:pt>
+                      <c:pt idx="79">
+                        <c:v>0.99996161898323843</c:v>
+                      </c:pt>
+                      <c:pt idx="80">
+                        <c:v>0.99991921994860944</c:v>
+                      </c:pt>
+                      <c:pt idx="81">
+                        <c:v>0.99982630812734508</c:v>
+                      </c:pt>
+                      <c:pt idx="82">
+                        <c:v>0.99968989149394338</c:v>
+                      </c:pt>
+                      <c:pt idx="83">
+                        <c:v>0.99938123840190474</c:v>
+                      </c:pt>
+                      <c:pt idx="84">
+                        <c:v>0.9987591210119835</c:v>
+                      </c:pt>
+                      <c:pt idx="85">
+                        <c:v>0.99753821016111532</c:v>
+                      </c:pt>
+                      <c:pt idx="86">
+                        <c:v>0.99525060473302818</c:v>
+                      </c:pt>
+                      <c:pt idx="87">
+                        <c:v>0.99147097775831505</c:v>
+                      </c:pt>
+                      <c:pt idx="88">
+                        <c:v>0.98256157602013006</c:v>
+                      </c:pt>
+                      <c:pt idx="89">
+                        <c:v>0.96894360649011757</c:v>
+                      </c:pt>
+                      <c:pt idx="90">
+                        <c:v>0.95503594067873621</c:v>
+                      </c:pt>
+                      <c:pt idx="91">
+                        <c:v>0.93485514939004455</c:v>
+                      </c:pt>
+                      <c:pt idx="92">
+                        <c:v>0.92007679256928609</c:v>
+                      </c:pt>
+                      <c:pt idx="93">
+                        <c:v>0.89224903935918964</c:v>
+                      </c:pt>
+                      <c:pt idx="94">
+                        <c:v>0.85231107824072483</c:v>
+                      </c:pt>
+                      <c:pt idx="95">
+                        <c:v>0.8053649908000009</c:v>
+                      </c:pt>
+                      <c:pt idx="96">
+                        <c:v>0.75259250350400686</c:v>
+                      </c:pt>
+                      <c:pt idx="97">
+                        <c:v>0.69754571431072787</c:v>
+                      </c:pt>
+                      <c:pt idx="98">
+                        <c:v>0.56477847561972894</c:v>
+                      </c:pt>
+                    </c:numCache>
+                  </c:numRef>
+                </c:yVal>
+                <c:smooth val="0"/>
+                <c:extLst xmlns:c15="http://schemas.microsoft.com/office/drawing/2012/chart">
+                  <c:ext xmlns:c16="http://schemas.microsoft.com/office/drawing/2014/chart" uri="{C3380CC4-5D6E-409C-BE32-E72D297353CC}">
+                    <c16:uniqueId val="{00000006-B67B-4DDF-A245-2C29D8FDE28A}"/>
+                  </c:ext>
+                </c:extLst>
+              </c15:ser>
+            </c15:filteredScatterSeries>
+            <c15:filteredScatterSeries>
+              <c15:ser>
+                <c:idx val="6"/>
+                <c:order val="6"/>
+                <c:tx>
+                  <c:v>7 Changes Old</c:v>
+                </c:tx>
+                <c:spPr>
+                  <a:ln w="22225">
+                    <a:solidFill>
+                      <a:schemeClr val="accent2"/>
+                    </a:solidFill>
+                  </a:ln>
+                </c:spPr>
+                <c:marker>
+                  <c:symbol val="circle"/>
+                  <c:size val="5"/>
+                  <c:spPr>
+                    <a:solidFill>
+                      <a:schemeClr val="accent2"/>
+                    </a:solidFill>
+                    <a:ln>
+                      <a:solidFill>
+                        <a:schemeClr val="accent2"/>
+                      </a:solidFill>
+                    </a:ln>
+                  </c:spPr>
+                </c:marker>
+                <c:xVal>
+                  <c:numRef>
+                    <c:extLst xmlns:c15="http://schemas.microsoft.com/office/drawing/2012/chart">
+                      <c:ext xmlns:c15="http://schemas.microsoft.com/office/drawing/2012/chart" uri="{02D57815-91ED-43cb-92C2-25804820EDAC}">
+                        <c15:formulaRef>
+                          <c15:sqref>'[Confidence-Intervals-zero.xlsx]Results'!$AB$3:$AB$101</c15:sqref>
+                        </c15:formulaRef>
+                      </c:ext>
+                    </c:extLst>
+                    <c:numCache>
+                      <c:formatCode>General</c:formatCode>
+                      <c:ptCount val="99"/>
+                      <c:pt idx="0">
+                        <c:v>6.5439550553374497</c:v>
+                      </c:pt>
+                      <c:pt idx="1">
+                        <c:v>6.5439550553374497</c:v>
+                      </c:pt>
+                      <c:pt idx="2">
+                        <c:v>6.5439550553374497</c:v>
+                      </c:pt>
+                      <c:pt idx="3">
+                        <c:v>6.5439550553374497</c:v>
+                      </c:pt>
+                      <c:pt idx="4">
+                        <c:v>6.6212437644378497</c:v>
+                      </c:pt>
+                      <c:pt idx="5">
+                        <c:v>7.9454927173254202</c:v>
+                      </c:pt>
+                      <c:pt idx="6">
+                        <c:v>9.2697416702129907</c:v>
+                      </c:pt>
+                      <c:pt idx="7">
+                        <c:v>10.593990623100501</c:v>
+                      </c:pt>
+                      <c:pt idx="8">
+                        <c:v>11.9182395759881</c:v>
+                      </c:pt>
+                      <c:pt idx="9">
+                        <c:v>13.2424885288757</c:v>
+                      </c:pt>
+                      <c:pt idx="10">
+                        <c:v>14.5667374817632</c:v>
+                      </c:pt>
+                      <c:pt idx="11">
+                        <c:v>15.890986434650801</c:v>
+                      </c:pt>
+                      <c:pt idx="12">
+                        <c:v>17.215235387538399</c:v>
+                      </c:pt>
+                      <c:pt idx="13">
+                        <c:v>18.539484340425901</c:v>
+                      </c:pt>
+                      <c:pt idx="14">
+                        <c:v>19.863733293313501</c:v>
+                      </c:pt>
+                      <c:pt idx="15">
+                        <c:v>21.187982246201098</c:v>
+                      </c:pt>
+                      <c:pt idx="16">
+                        <c:v>22.5122311990886</c:v>
+                      </c:pt>
+                      <c:pt idx="17">
+                        <c:v>23.8364801519762</c:v>
+                      </c:pt>
+                      <c:pt idx="18">
+                        <c:v>25.160729104863801</c:v>
+                      </c:pt>
+                      <c:pt idx="19">
+                        <c:v>26.484978057751398</c:v>
+                      </c:pt>
+                      <c:pt idx="20">
+                        <c:v>27.809227010638899</c:v>
+                      </c:pt>
+                      <c:pt idx="21">
+                        <c:v>29.1334759635265</c:v>
+                      </c:pt>
+                      <c:pt idx="22">
+                        <c:v>30.457724916414101</c:v>
+                      </c:pt>
+                      <c:pt idx="23">
+                        <c:v>31.781973869301599</c:v>
+                      </c:pt>
+                      <c:pt idx="24">
+                        <c:v>33.106222822189203</c:v>
+                      </c:pt>
+                      <c:pt idx="25">
+                        <c:v>34.430471775076803</c:v>
+                      </c:pt>
+                      <c:pt idx="26">
+                        <c:v>35.754720727964397</c:v>
+                      </c:pt>
+                      <c:pt idx="27">
+                        <c:v>37.078969680851898</c:v>
+                      </c:pt>
+                      <c:pt idx="28">
+                        <c:v>38.403218633739499</c:v>
+                      </c:pt>
+                      <c:pt idx="29">
+                        <c:v>39.7274675866271</c:v>
+                      </c:pt>
+                      <c:pt idx="30">
+                        <c:v>41.051716539514601</c:v>
+                      </c:pt>
+                      <c:pt idx="31">
+                        <c:v>42.375965492402202</c:v>
+                      </c:pt>
+                      <c:pt idx="32">
+                        <c:v>43.700214445289802</c:v>
+                      </c:pt>
+                      <c:pt idx="33">
+                        <c:v>45.024463398177303</c:v>
+                      </c:pt>
+                      <c:pt idx="34">
+                        <c:v>46.348712351064897</c:v>
+                      </c:pt>
+                      <c:pt idx="35">
+                        <c:v>47.672961303952498</c:v>
+                      </c:pt>
+                      <c:pt idx="36">
+                        <c:v>48.997210256839999</c:v>
+                      </c:pt>
+                      <c:pt idx="37">
+                        <c:v>50.3214592097276</c:v>
+                      </c:pt>
+                      <c:pt idx="38">
+                        <c:v>51.6457081626152</c:v>
+                      </c:pt>
+                      <c:pt idx="39">
+                        <c:v>52.969957115502801</c:v>
+                      </c:pt>
+                      <c:pt idx="40">
+                        <c:v>54.294206068390302</c:v>
+                      </c:pt>
+                      <c:pt idx="41">
+                        <c:v>55.618455021277903</c:v>
+                      </c:pt>
+                      <c:pt idx="42">
+                        <c:v>56.942703974165497</c:v>
+                      </c:pt>
+                      <c:pt idx="43">
+                        <c:v>58.266952927052998</c:v>
+                      </c:pt>
+                      <c:pt idx="44">
+                        <c:v>59.591201879940598</c:v>
+                      </c:pt>
+                      <c:pt idx="45">
+                        <c:v>60.915450832828199</c:v>
+                      </c:pt>
+                      <c:pt idx="46">
+                        <c:v>62.2396997857158</c:v>
+                      </c:pt>
+                      <c:pt idx="47">
+                        <c:v>63.563948738603301</c:v>
+                      </c:pt>
+                      <c:pt idx="48">
+                        <c:v>64.888197426164496</c:v>
+                      </c:pt>
+                      <c:pt idx="49">
+                        <c:v>66.212446644378502</c:v>
+                      </c:pt>
+                      <c:pt idx="50">
+                        <c:v>67.536695597266004</c:v>
+                      </c:pt>
+                      <c:pt idx="51">
+                        <c:v>68.860944550153604</c:v>
+                      </c:pt>
+                      <c:pt idx="52">
+                        <c:v>70.185193503041205</c:v>
+                      </c:pt>
+                      <c:pt idx="53">
+                        <c:v>71.509442455928706</c:v>
+                      </c:pt>
+                      <c:pt idx="54">
+                        <c:v>72.833691408816307</c:v>
+                      </c:pt>
+                      <c:pt idx="55">
+                        <c:v>74.157940361703893</c:v>
+                      </c:pt>
+                      <c:pt idx="56">
+                        <c:v>75.482189314591494</c:v>
+                      </c:pt>
+                      <c:pt idx="57">
+                        <c:v>76.806438267478995</c:v>
+                      </c:pt>
+                      <c:pt idx="58">
+                        <c:v>78.130687220366596</c:v>
+                      </c:pt>
+                      <c:pt idx="59">
+                        <c:v>79.454936173254197</c:v>
+                      </c:pt>
+                      <c:pt idx="60">
+                        <c:v>80.779185126141698</c:v>
+                      </c:pt>
+                      <c:pt idx="61">
+                        <c:v>82.103434079029299</c:v>
+                      </c:pt>
+                      <c:pt idx="62">
+                        <c:v>83.427683031916899</c:v>
+                      </c:pt>
+                      <c:pt idx="63">
+                        <c:v>84.751931984804401</c:v>
+                      </c:pt>
+                      <c:pt idx="64">
+                        <c:v>86.076180937692001</c:v>
+                      </c:pt>
+                      <c:pt idx="65">
+                        <c:v>87.400429890579602</c:v>
+                      </c:pt>
+                      <c:pt idx="66">
+                        <c:v>88.724678843467203</c:v>
+                      </c:pt>
+                      <c:pt idx="67">
+                        <c:v>90.048927796354704</c:v>
+                      </c:pt>
+                      <c:pt idx="68">
+                        <c:v>91.373176749242305</c:v>
+                      </c:pt>
+                      <c:pt idx="69">
+                        <c:v>92.697425702129905</c:v>
+                      </c:pt>
+                      <c:pt idx="70">
+                        <c:v>94.021674655017407</c:v>
+                      </c:pt>
+                      <c:pt idx="71">
+                        <c:v>95.345923607904993</c:v>
+                      </c:pt>
+                      <c:pt idx="72">
+                        <c:v>96.670172560792594</c:v>
+                      </c:pt>
+                      <c:pt idx="73">
+                        <c:v>97.994421513680194</c:v>
+                      </c:pt>
+                      <c:pt idx="74">
+                        <c:v>99.318670466567696</c:v>
+                      </c:pt>
+                      <c:pt idx="75">
+                        <c:v>100.642919419455</c:v>
+                      </c:pt>
+                      <c:pt idx="76">
+                        <c:v>101.967168372342</c:v>
+                      </c:pt>
+                      <c:pt idx="77">
+                        <c:v>103.29141732523</c:v>
+                      </c:pt>
+                      <c:pt idx="78">
+                        <c:v>104.615666278118</c:v>
+                      </c:pt>
+                      <c:pt idx="79">
+                        <c:v>105.939915231005</c:v>
+                      </c:pt>
+                      <c:pt idx="80">
+                        <c:v>107.264164183893</c:v>
+                      </c:pt>
+                      <c:pt idx="81">
+                        <c:v>108.58841313678001</c:v>
+                      </c:pt>
+                      <c:pt idx="82">
+                        <c:v>109.912662089668</c:v>
+                      </c:pt>
+                      <c:pt idx="83">
+                        <c:v>111.23691104255499</c:v>
+                      </c:pt>
+                      <c:pt idx="84">
+                        <c:v>112.56115999544301</c:v>
+                      </c:pt>
+                      <c:pt idx="85">
+                        <c:v>113.885408948331</c:v>
+                      </c:pt>
+                      <c:pt idx="86">
+                        <c:v>115.20965790121799</c:v>
+                      </c:pt>
+                      <c:pt idx="87">
+                        <c:v>116.53390685410599</c:v>
+                      </c:pt>
+                      <c:pt idx="88">
+                        <c:v>117.858155806993</c:v>
+                      </c:pt>
+                      <c:pt idx="89">
+                        <c:v>119.182404759881</c:v>
+                      </c:pt>
+                      <c:pt idx="90">
+                        <c:v>120.506653712768</c:v>
+                      </c:pt>
+                      <c:pt idx="91">
+                        <c:v>121.830902665656</c:v>
+                      </c:pt>
+                      <c:pt idx="92">
+                        <c:v>123.155151618544</c:v>
+                      </c:pt>
+                      <c:pt idx="93">
+                        <c:v>124.479400571431</c:v>
+                      </c:pt>
+                      <c:pt idx="94">
+                        <c:v>125.803649524319</c:v>
+                      </c:pt>
+                      <c:pt idx="95">
+                        <c:v>127.127898477206</c:v>
+                      </c:pt>
+                      <c:pt idx="96">
+                        <c:v>128.45214743009399</c:v>
+                      </c:pt>
+                      <c:pt idx="97">
+                        <c:v>129.77639591141801</c:v>
+                      </c:pt>
+                      <c:pt idx="98">
+                        <c:v>131.10064533586899</c:v>
+                      </c:pt>
+                    </c:numCache>
+                  </c:numRef>
+                </c:xVal>
+                <c:yVal>
+                  <c:numRef>
+                    <c:extLst xmlns:c15="http://schemas.microsoft.com/office/drawing/2012/chart">
+                      <c:ext xmlns:c15="http://schemas.microsoft.com/office/drawing/2012/chart" uri="{02D57815-91ED-43cb-92C2-25804820EDAC}">
+                        <c15:formulaRef>
+                          <c15:sqref>'[Confidence-Intervals-zero.xlsx]Results'!$AD$3:$AD$101</c15:sqref>
+                        </c15:formulaRef>
+                      </c:ext>
+                    </c:extLst>
+                    <c:numCache>
+                      <c:formatCode>General</c:formatCode>
+                      <c:ptCount val="99"/>
+                      <c:pt idx="0">
+                        <c:v>1</c:v>
+                      </c:pt>
+                      <c:pt idx="1">
+                        <c:v>1</c:v>
+                      </c:pt>
+                      <c:pt idx="2">
+                        <c:v>1</c:v>
+                      </c:pt>
+                      <c:pt idx="3">
+                        <c:v>1</c:v>
+                      </c:pt>
+                      <c:pt idx="4">
+                        <c:v>1</c:v>
+                      </c:pt>
+                      <c:pt idx="5">
+                        <c:v>1</c:v>
+                      </c:pt>
+                      <c:pt idx="6">
+                        <c:v>1</c:v>
+                      </c:pt>
+                      <c:pt idx="7">
+                        <c:v>1</c:v>
+                      </c:pt>
+                      <c:pt idx="8">
+                        <c:v>1</c:v>
+                      </c:pt>
+                      <c:pt idx="9">
+                        <c:v>1</c:v>
+                      </c:pt>
+                      <c:pt idx="10">
+                        <c:v>1</c:v>
+                      </c:pt>
+                      <c:pt idx="11">
+                        <c:v>1</c:v>
+                      </c:pt>
+                      <c:pt idx="12">
+                        <c:v>1</c:v>
+                      </c:pt>
+                      <c:pt idx="13">
+                        <c:v>1</c:v>
+                      </c:pt>
+                      <c:pt idx="14">
+                        <c:v>1</c:v>
+                      </c:pt>
+                      <c:pt idx="15">
+                        <c:v>1</c:v>
+                      </c:pt>
+                      <c:pt idx="16">
+                        <c:v>1</c:v>
+                      </c:pt>
+                      <c:pt idx="17">
+                        <c:v>1</c:v>
+                      </c:pt>
+                      <c:pt idx="18">
+                        <c:v>1</c:v>
+                      </c:pt>
+                      <c:pt idx="19">
+                        <c:v>1</c:v>
+                      </c:pt>
+                      <c:pt idx="20">
+                        <c:v>1</c:v>
+                      </c:pt>
+                      <c:pt idx="21">
+                        <c:v>1</c:v>
+                      </c:pt>
+                      <c:pt idx="22">
+                        <c:v>1</c:v>
+                      </c:pt>
+                      <c:pt idx="23">
+                        <c:v>1</c:v>
+                      </c:pt>
+                      <c:pt idx="24">
+                        <c:v>1</c:v>
+                      </c:pt>
+                      <c:pt idx="25">
+                        <c:v>1</c:v>
+                      </c:pt>
+                      <c:pt idx="26">
+                        <c:v>1</c:v>
+                      </c:pt>
+                      <c:pt idx="27">
+                        <c:v>1</c:v>
+                      </c:pt>
+                      <c:pt idx="28">
+                        <c:v>1</c:v>
+                      </c:pt>
+                      <c:pt idx="29">
+                        <c:v>1</c:v>
+                      </c:pt>
+                      <c:pt idx="30">
+                        <c:v>1</c:v>
+                      </c:pt>
+                      <c:pt idx="31">
+                        <c:v>1</c:v>
+                      </c:pt>
+                      <c:pt idx="32">
+                        <c:v>1</c:v>
+                      </c:pt>
+                      <c:pt idx="33">
+                        <c:v>1</c:v>
+                      </c:pt>
+                      <c:pt idx="34">
+                        <c:v>1</c:v>
+                      </c:pt>
+                      <c:pt idx="35">
+                        <c:v>1</c:v>
+                      </c:pt>
+                      <c:pt idx="36">
+                        <c:v>1</c:v>
+                      </c:pt>
+                      <c:pt idx="37">
+                        <c:v>1</c:v>
+                      </c:pt>
+                      <c:pt idx="38">
+                        <c:v>1</c:v>
+                      </c:pt>
+                      <c:pt idx="39">
+                        <c:v>1</c:v>
+                      </c:pt>
+                      <c:pt idx="40">
+                        <c:v>1</c:v>
+                      </c:pt>
+                      <c:pt idx="41">
+                        <c:v>1</c:v>
+                      </c:pt>
+                      <c:pt idx="42">
+                        <c:v>1</c:v>
+                      </c:pt>
+                      <c:pt idx="43">
+                        <c:v>1</c:v>
+                      </c:pt>
+                      <c:pt idx="44">
+                        <c:v>1</c:v>
+                      </c:pt>
+                      <c:pt idx="45">
+                        <c:v>1</c:v>
+                      </c:pt>
+                      <c:pt idx="46">
+                        <c:v>1</c:v>
+                      </c:pt>
+                      <c:pt idx="47">
+                        <c:v>1</c:v>
+                      </c:pt>
+                      <c:pt idx="48">
+                        <c:v>1</c:v>
+                      </c:pt>
+                      <c:pt idx="49">
+                        <c:v>1</c:v>
+                      </c:pt>
+                      <c:pt idx="50">
+                        <c:v>1</c:v>
+                      </c:pt>
+                      <c:pt idx="51">
+                        <c:v>1</c:v>
+                      </c:pt>
+                      <c:pt idx="52">
+                        <c:v>1</c:v>
+                      </c:pt>
+                      <c:pt idx="53">
+                        <c:v>1</c:v>
+                      </c:pt>
+                      <c:pt idx="54">
+                        <c:v>1</c:v>
+                      </c:pt>
+                      <c:pt idx="55">
+                        <c:v>1</c:v>
+                      </c:pt>
+                      <c:pt idx="56">
+                        <c:v>1</c:v>
+                      </c:pt>
+                      <c:pt idx="57">
+                        <c:v>1</c:v>
+                      </c:pt>
+                      <c:pt idx="58">
+                        <c:v>1</c:v>
+                      </c:pt>
+                      <c:pt idx="59">
+                        <c:v>1</c:v>
+                      </c:pt>
+                      <c:pt idx="60">
+                        <c:v>1</c:v>
+                      </c:pt>
+                      <c:pt idx="61">
+                        <c:v>1</c:v>
+                      </c:pt>
+                      <c:pt idx="62">
+                        <c:v>1</c:v>
+                      </c:pt>
+                      <c:pt idx="63">
+                        <c:v>0.99999999999999989</c:v>
+                      </c:pt>
+                      <c:pt idx="64">
+                        <c:v>0.99999999999999956</c:v>
+                      </c:pt>
+                      <c:pt idx="65">
+                        <c:v>0.99999999999999822</c:v>
+                      </c:pt>
+                      <c:pt idx="66">
+                        <c:v>0.99999999999999356</c:v>
+                      </c:pt>
+                      <c:pt idx="67">
+                        <c:v>0.99999999999997657</c:v>
+                      </c:pt>
+                      <c:pt idx="68">
+                        <c:v>0.99999999999946354</c:v>
+                      </c:pt>
+                      <c:pt idx="69">
+                        <c:v>0.99999999929376926</c:v>
+                      </c:pt>
+                      <c:pt idx="70">
+                        <c:v>0.99999999828442565</c:v>
+                      </c:pt>
+                      <c:pt idx="71">
+                        <c:v>0.99999999536951933</c:v>
+                      </c:pt>
+                      <c:pt idx="72">
+                        <c:v>0.9999999870337688</c:v>
+                      </c:pt>
+                      <c:pt idx="73">
+                        <c:v>0.99999996255069679</c:v>
+                      </c:pt>
+                      <c:pt idx="74">
+                        <c:v>0.99999989146235446</c:v>
+                      </c:pt>
+                      <c:pt idx="75">
+                        <c:v>0.9999996894420522</c:v>
+                      </c:pt>
+                      <c:pt idx="76">
+                        <c:v>0.99999878219973493</c:v>
+                      </c:pt>
+                      <c:pt idx="77">
+                        <c:v>0.9999944267280797</c:v>
+                      </c:pt>
+                      <c:pt idx="78">
+                        <c:v>0.99998614057720403</c:v>
+                      </c:pt>
+                      <c:pt idx="79">
+                        <c:v>0.999961618975304</c:v>
+                      </c:pt>
+                      <c:pt idx="80">
+                        <c:v>0.99991921993123067</c:v>
+                      </c:pt>
+                      <c:pt idx="81">
+                        <c:v>0.99982630807232775</c:v>
+                      </c:pt>
+                      <c:pt idx="82">
+                        <c:v>0.99968989142926357</c:v>
+                      </c:pt>
+                      <c:pt idx="83">
+                        <c:v>0.99938123826696434</c:v>
+                      </c:pt>
+                      <c:pt idx="84">
+                        <c:v>0.99875912074427819</c:v>
+                      </c:pt>
+                      <c:pt idx="85">
+                        <c:v>0.99753820963283579</c:v>
+                      </c:pt>
+                      <c:pt idx="86">
+                        <c:v>0.99525060354338213</c:v>
+                      </c:pt>
+                      <c:pt idx="87">
+                        <c:v>0.99147097611957691</c:v>
+                      </c:pt>
+                      <c:pt idx="88">
+                        <c:v>0.98256157088627549</c:v>
+                      </c:pt>
+                      <c:pt idx="89">
+                        <c:v>0.9689436031262868</c:v>
+                      </c:pt>
+                      <c:pt idx="90">
+                        <c:v>0.95503593426701194</c:v>
+                      </c:pt>
+                      <c:pt idx="91">
+                        <c:v>0.93485514342520681</c:v>
+                      </c:pt>
+                      <c:pt idx="92">
+                        <c:v>0.92007678205436783</c:v>
+                      </c:pt>
+                      <c:pt idx="93">
+                        <c:v>0.89224902693166797</c:v>
+                      </c:pt>
+                      <c:pt idx="94">
+                        <c:v>0.85231106325759975</c:v>
+                      </c:pt>
+                      <c:pt idx="95">
+                        <c:v>0.80536497329159351</c:v>
+                      </c:pt>
+                      <c:pt idx="96">
+                        <c:v>0.75259248364981046</c:v>
+                      </c:pt>
+                      <c:pt idx="97">
+                        <c:v>0.69754571431072787</c:v>
+                      </c:pt>
+                      <c:pt idx="98">
+                        <c:v>0.56477908954989475</c:v>
+                      </c:pt>
+                    </c:numCache>
+                  </c:numRef>
+                </c:yVal>
+                <c:smooth val="0"/>
+                <c:extLst xmlns:c15="http://schemas.microsoft.com/office/drawing/2012/chart">
+                  <c:ext xmlns:c16="http://schemas.microsoft.com/office/drawing/2014/chart" uri="{C3380CC4-5D6E-409C-BE32-E72D297353CC}">
+                    <c16:uniqueId val="{00000007-B67B-4DDF-A245-2C29D8FDE28A}"/>
+                  </c:ext>
+                </c:extLst>
+              </c15:ser>
+            </c15:filteredScatterSeries>
+            <c15:filteredScatterSeries>
+              <c15:ser>
+                <c:idx val="7"/>
+                <c:order val="7"/>
+                <c:tx>
+                  <c:v>5-7 Changes</c:v>
+                </c:tx>
+                <c:spPr>
+                  <a:ln w="22225">
+                    <a:solidFill>
+                      <a:schemeClr val="accent6"/>
+                    </a:solidFill>
+                  </a:ln>
+                </c:spPr>
+                <c:marker>
+                  <c:symbol val="circle"/>
+                  <c:size val="5"/>
+                  <c:spPr>
+                    <a:solidFill>
+                      <a:schemeClr val="accent6"/>
+                    </a:solidFill>
+                    <a:ln>
+                      <a:solidFill>
+                        <a:schemeClr val="accent6"/>
+                      </a:solidFill>
+                    </a:ln>
+                  </c:spPr>
+                </c:marker>
+                <c:xVal>
+                  <c:numRef>
+                    <c:extLst xmlns:c15="http://schemas.microsoft.com/office/drawing/2012/chart">
+                      <c:ext xmlns:c15="http://schemas.microsoft.com/office/drawing/2012/chart" uri="{02D57815-91ED-43cb-92C2-25804820EDAC}">
+                        <c15:formulaRef>
+                          <c15:sqref>'[Confidence-Intervals-zero.xlsx]Results'!$AG$3:$AG$108</c15:sqref>
+                        </c15:formulaRef>
+                      </c:ext>
+                    </c:extLst>
+                    <c:numCache>
+                      <c:formatCode>General</c:formatCode>
+                      <c:ptCount val="106"/>
+                      <c:pt idx="0">
+                        <c:v>6.5439550553374497</c:v>
+                      </c:pt>
+                      <c:pt idx="1">
+                        <c:v>6.5439550553374497</c:v>
+                      </c:pt>
+                      <c:pt idx="2">
+                        <c:v>6.5439550553374497</c:v>
+                      </c:pt>
+                      <c:pt idx="3">
+                        <c:v>6.5439550553374497</c:v>
+                      </c:pt>
+                      <c:pt idx="4">
+                        <c:v>6.7593274057524502</c:v>
+                      </c:pt>
+                      <c:pt idx="5">
+                        <c:v>8.1111930869029507</c:v>
+                      </c:pt>
+                      <c:pt idx="6">
+                        <c:v>9.4630587680531999</c:v>
+                      </c:pt>
+                      <c:pt idx="7">
+                        <c:v>11.888396479682299</c:v>
+                      </c:pt>
+                      <c:pt idx="8">
+                        <c:v>12.1667901303544</c:v>
+                      </c:pt>
+                      <c:pt idx="9">
+                        <c:v>13.5186558115049</c:v>
+                      </c:pt>
+                      <c:pt idx="10">
+                        <c:v>14.870521492655399</c:v>
+                      </c:pt>
+                      <c:pt idx="11">
+                        <c:v>16.222387173805799</c:v>
+                      </c:pt>
+                      <c:pt idx="12">
+                        <c:v>17.574252854956299</c:v>
+                      </c:pt>
+                      <c:pt idx="13">
+                        <c:v>18.926118536106799</c:v>
+                      </c:pt>
+                      <c:pt idx="14">
+                        <c:v>20.277984217257298</c:v>
+                      </c:pt>
+                      <c:pt idx="15">
+                        <c:v>21.629849898407802</c:v>
+                      </c:pt>
+                      <c:pt idx="16">
+                        <c:v>22.981715579558301</c:v>
+                      </c:pt>
+                      <c:pt idx="17">
+                        <c:v>24.333581260708801</c:v>
+                      </c:pt>
+                      <c:pt idx="18">
+                        <c:v>25.685446941859301</c:v>
+                      </c:pt>
+                      <c:pt idx="19">
+                        <c:v>27.0373126230098</c:v>
+                      </c:pt>
+                      <c:pt idx="20">
+                        <c:v>28.3891783041602</c:v>
+                      </c:pt>
+                      <c:pt idx="21">
+                        <c:v>29.7410439853108</c:v>
+                      </c:pt>
+                      <c:pt idx="22">
+                        <c:v>31.092909666461299</c:v>
+                      </c:pt>
+                      <c:pt idx="23">
+                        <c:v>32.444775347611703</c:v>
+                      </c:pt>
+                      <c:pt idx="24">
+                        <c:v>33.796641028762203</c:v>
+                      </c:pt>
+                      <c:pt idx="25">
+                        <c:v>35.148506709912702</c:v>
+                      </c:pt>
+                      <c:pt idx="26">
+                        <c:v>36.500372391063202</c:v>
+                      </c:pt>
+                      <c:pt idx="27">
+                        <c:v>37.852238072213702</c:v>
+                      </c:pt>
+                      <c:pt idx="28">
+                        <c:v>39.204103753364201</c:v>
+                      </c:pt>
+                      <c:pt idx="29">
+                        <c:v>40.555969434514701</c:v>
+                      </c:pt>
+                      <c:pt idx="30">
+                        <c:v>41.9078351156652</c:v>
+                      </c:pt>
+                      <c:pt idx="31">
+                        <c:v>43.2597007968157</c:v>
+                      </c:pt>
+                      <c:pt idx="32">
+                        <c:v>44.6115664779662</c:v>
+                      </c:pt>
+                      <c:pt idx="33">
+                        <c:v>45.963432159116699</c:v>
+                      </c:pt>
+                      <c:pt idx="34">
+                        <c:v>47.315297840267199</c:v>
+                      </c:pt>
+                      <c:pt idx="35">
+                        <c:v>48.667163521417599</c:v>
+                      </c:pt>
+                      <c:pt idx="36">
+                        <c:v>50.019029202568099</c:v>
+                      </c:pt>
+                      <c:pt idx="37">
+                        <c:v>51.370894883718599</c:v>
+                      </c:pt>
+                      <c:pt idx="38">
+                        <c:v>52.722760564869098</c:v>
+                      </c:pt>
+                      <c:pt idx="39">
+                        <c:v>54.074626246019598</c:v>
+                      </c:pt>
+                      <c:pt idx="40">
+                        <c:v>55.426491927170098</c:v>
+                      </c:pt>
+                      <c:pt idx="41">
+                        <c:v>56.778357608320597</c:v>
+                      </c:pt>
+                      <c:pt idx="42">
+                        <c:v>58.130223289471097</c:v>
+                      </c:pt>
+                      <c:pt idx="43">
+                        <c:v>59.482088970621597</c:v>
+                      </c:pt>
+                      <c:pt idx="44">
+                        <c:v>60.833954651772103</c:v>
+                      </c:pt>
+                      <c:pt idx="45">
+                        <c:v>62.185820332922603</c:v>
+                      </c:pt>
+                      <c:pt idx="46">
+                        <c:v>63.537686014073103</c:v>
+                      </c:pt>
+                      <c:pt idx="47">
+                        <c:v>64.889551695223602</c:v>
+                      </c:pt>
+                      <c:pt idx="48">
+                        <c:v>66.241417376374002</c:v>
+                      </c:pt>
+                      <c:pt idx="49">
+                        <c:v>67.593283057524502</c:v>
+                      </c:pt>
+                      <c:pt idx="50">
+                        <c:v>68.945148738675002</c:v>
+                      </c:pt>
+                      <c:pt idx="51">
+                        <c:v>70.297014419825501</c:v>
+                      </c:pt>
+                      <c:pt idx="52">
+                        <c:v>71.648880100976001</c:v>
+                      </c:pt>
+                      <c:pt idx="53">
+                        <c:v>73.000745782126501</c:v>
+                      </c:pt>
+                      <c:pt idx="54">
+                        <c:v>74.3526114632771</c:v>
+                      </c:pt>
+                      <c:pt idx="55">
+                        <c:v>75.7044771444275</c:v>
+                      </c:pt>
+                      <c:pt idx="56">
+                        <c:v>77.056342825578</c:v>
+                      </c:pt>
+                      <c:pt idx="57">
+                        <c:v>78.408208143759097</c:v>
+                      </c:pt>
+                      <c:pt idx="58">
+                        <c:v>79.760074187878999</c:v>
+                      </c:pt>
+                      <c:pt idx="59">
+                        <c:v>81.111939869029499</c:v>
+                      </c:pt>
+                      <c:pt idx="60">
+                        <c:v>82.463805550179899</c:v>
+                      </c:pt>
+                      <c:pt idx="61">
+                        <c:v>83.815671231330498</c:v>
+                      </c:pt>
+                      <c:pt idx="62">
+                        <c:v>85.167536912480898</c:v>
+                      </c:pt>
+                      <c:pt idx="63">
+                        <c:v>86.519402593631398</c:v>
+                      </c:pt>
+                      <c:pt idx="64">
+                        <c:v>87.871268274781997</c:v>
+                      </c:pt>
+                      <c:pt idx="65">
+                        <c:v>89.223133955932397</c:v>
+                      </c:pt>
+                      <c:pt idx="66">
+                        <c:v>90.574999637082897</c:v>
+                      </c:pt>
+                      <c:pt idx="67">
+                        <c:v>91.926865318233396</c:v>
+                      </c:pt>
+                      <c:pt idx="68">
+                        <c:v>93.278730999383896</c:v>
+                      </c:pt>
+                      <c:pt idx="69">
+                        <c:v>94.630596680534396</c:v>
+                      </c:pt>
+                      <c:pt idx="70">
+                        <c:v>95.982462361684895</c:v>
+                      </c:pt>
+                      <c:pt idx="71">
+                        <c:v>97.334328042835295</c:v>
+                      </c:pt>
+                      <c:pt idx="72">
+                        <c:v>98.686193723985795</c:v>
+                      </c:pt>
+                      <c:pt idx="73">
+                        <c:v>100.038059405136</c:v>
+                      </c:pt>
+                      <c:pt idx="74">
+                        <c:v>101.389925086286</c:v>
+                      </c:pt>
+                      <c:pt idx="75">
+                        <c:v>102.741790767437</c:v>
+                      </c:pt>
+                      <c:pt idx="76">
+                        <c:v>104.093656448587</c:v>
+                      </c:pt>
+                      <c:pt idx="77">
+                        <c:v>105.44552212973799</c:v>
+                      </c:pt>
+                      <c:pt idx="78">
+                        <c:v>106.797387810888</c:v>
+                      </c:pt>
+                      <c:pt idx="79">
+                        <c:v>108.14925349203899</c:v>
+                      </c:pt>
+                      <c:pt idx="80">
+                        <c:v>109.501119173189</c:v>
+                      </c:pt>
+                      <c:pt idx="81">
+                        <c:v>110.85298485433999</c:v>
+                      </c:pt>
+                      <c:pt idx="82">
+                        <c:v>112.20485053549</c:v>
+                      </c:pt>
+                      <c:pt idx="83">
+                        <c:v>113.55671621664099</c:v>
+                      </c:pt>
+                      <c:pt idx="84">
+                        <c:v>114.908581897791</c:v>
+                      </c:pt>
+                      <c:pt idx="85">
+                        <c:v>116.26044757894201</c:v>
+                      </c:pt>
+                      <c:pt idx="86">
+                        <c:v>117.61231326009199</c:v>
+                      </c:pt>
+                      <c:pt idx="87">
+                        <c:v>118.96417894124301</c:v>
+                      </c:pt>
+                      <c:pt idx="88">
+                        <c:v>120.31604462239299</c:v>
+                      </c:pt>
+                      <c:pt idx="89">
+                        <c:v>121.66791030354401</c:v>
+                      </c:pt>
+                      <c:pt idx="90">
+                        <c:v>123.01977598469399</c:v>
+                      </c:pt>
+                      <c:pt idx="91">
+                        <c:v>124.371641665845</c:v>
+                      </c:pt>
+                      <c:pt idx="92">
+                        <c:v>125.72350734699501</c:v>
+                      </c:pt>
+                      <c:pt idx="93">
+                        <c:v>127.075373028146</c:v>
+                      </c:pt>
+                      <c:pt idx="94">
+                        <c:v>128.42723870929601</c:v>
+                      </c:pt>
+                      <c:pt idx="95">
+                        <c:v>129.779104390447</c:v>
+                      </c:pt>
+                      <c:pt idx="96">
+                        <c:v>131.13097007159701</c:v>
+                      </c:pt>
+                      <c:pt idx="97">
+                        <c:v>132.482835752748</c:v>
+                      </c:pt>
+                      <c:pt idx="98">
+                        <c:v>133.834701433898</c:v>
+                      </c:pt>
+                      <c:pt idx="99">
+                        <c:v>134.55089910159199</c:v>
+                      </c:pt>
+                      <c:pt idx="100">
+                        <c:v>135.99768297365199</c:v>
+                      </c:pt>
+                      <c:pt idx="101">
+                        <c:v>137.44446684571199</c:v>
+                      </c:pt>
+                      <c:pt idx="102">
+                        <c:v>138.89125071777201</c:v>
+                      </c:pt>
+                      <c:pt idx="103">
+                        <c:v>140.33803458983201</c:v>
+                      </c:pt>
+                      <c:pt idx="104">
+                        <c:v>141.784818461892</c:v>
+                      </c:pt>
+                      <c:pt idx="105">
+                        <c:v>143.231602333952</c:v>
+                      </c:pt>
+                    </c:numCache>
+                  </c:numRef>
+                </c:xVal>
+                <c:yVal>
+                  <c:numRef>
+                    <c:extLst xmlns:c15="http://schemas.microsoft.com/office/drawing/2012/chart">
+                      <c:ext xmlns:c15="http://schemas.microsoft.com/office/drawing/2012/chart" uri="{02D57815-91ED-43cb-92C2-25804820EDAC}">
+                        <c15:formulaRef>
+                          <c15:sqref>'[Confidence-Intervals-zero.xlsx]Results'!$AI$3:$AI$108</c15:sqref>
+                        </c15:formulaRef>
+                      </c:ext>
+                    </c:extLst>
+                    <c:numCache>
+                      <c:formatCode>General</c:formatCode>
+                      <c:ptCount val="106"/>
+                      <c:pt idx="0">
+                        <c:v>1</c:v>
+                      </c:pt>
+                      <c:pt idx="1">
+                        <c:v>1</c:v>
+                      </c:pt>
+                      <c:pt idx="2">
+                        <c:v>1</c:v>
+                      </c:pt>
+                      <c:pt idx="3">
+                        <c:v>1</c:v>
+                      </c:pt>
+                      <c:pt idx="4">
+                        <c:v>1</c:v>
+                      </c:pt>
+                      <c:pt idx="5">
+                        <c:v>1</c:v>
+                      </c:pt>
+                      <c:pt idx="6">
+                        <c:v>1</c:v>
+                      </c:pt>
+                      <c:pt idx="7">
+                        <c:v>1</c:v>
+                      </c:pt>
+                      <c:pt idx="8">
+                        <c:v>1</c:v>
+                      </c:pt>
+                      <c:pt idx="9">
+                        <c:v>1</c:v>
+                      </c:pt>
+                      <c:pt idx="10">
+                        <c:v>1</c:v>
+                      </c:pt>
+                      <c:pt idx="11">
+                        <c:v>1</c:v>
+                      </c:pt>
+                      <c:pt idx="12">
+                        <c:v>1</c:v>
+                      </c:pt>
+                      <c:pt idx="13">
+                        <c:v>1</c:v>
+                      </c:pt>
+                      <c:pt idx="14">
+                        <c:v>1</c:v>
+                      </c:pt>
+                      <c:pt idx="15">
+                        <c:v>1</c:v>
+                      </c:pt>
+                      <c:pt idx="16">
+                        <c:v>1</c:v>
+                      </c:pt>
+                      <c:pt idx="17">
+                        <c:v>1</c:v>
+                      </c:pt>
+                      <c:pt idx="18">
+                        <c:v>1</c:v>
+                      </c:pt>
+                      <c:pt idx="19">
+                        <c:v>1</c:v>
+                      </c:pt>
+                      <c:pt idx="20">
+                        <c:v>1</c:v>
+                      </c:pt>
+                      <c:pt idx="21">
+                        <c:v>1</c:v>
+                      </c:pt>
+                      <c:pt idx="22">
+                        <c:v>1</c:v>
+                      </c:pt>
+                      <c:pt idx="23">
+                        <c:v>1</c:v>
+                      </c:pt>
+                      <c:pt idx="24">
+                        <c:v>1</c:v>
+                      </c:pt>
+                      <c:pt idx="25">
+                        <c:v>1</c:v>
+                      </c:pt>
+                      <c:pt idx="26">
+                        <c:v>1</c:v>
+                      </c:pt>
+                      <c:pt idx="27">
+                        <c:v>1</c:v>
+                      </c:pt>
+                      <c:pt idx="28">
+                        <c:v>1</c:v>
+                      </c:pt>
+                      <c:pt idx="29">
+                        <c:v>1</c:v>
+                      </c:pt>
+                      <c:pt idx="30">
+                        <c:v>1</c:v>
+                      </c:pt>
+                      <c:pt idx="31">
+                        <c:v>1</c:v>
+                      </c:pt>
+                      <c:pt idx="32">
+                        <c:v>1</c:v>
+                      </c:pt>
+                      <c:pt idx="33">
+                        <c:v>1</c:v>
+                      </c:pt>
+                      <c:pt idx="34">
+                        <c:v>1</c:v>
+                      </c:pt>
+                      <c:pt idx="35">
+                        <c:v>1</c:v>
+                      </c:pt>
+                      <c:pt idx="36">
+                        <c:v>1</c:v>
+                      </c:pt>
+                      <c:pt idx="37">
+                        <c:v>1</c:v>
+                      </c:pt>
+                      <c:pt idx="38">
+                        <c:v>1</c:v>
+                      </c:pt>
+                      <c:pt idx="39">
+                        <c:v>1</c:v>
+                      </c:pt>
+                      <c:pt idx="40">
+                        <c:v>1</c:v>
+                      </c:pt>
+                      <c:pt idx="41">
+                        <c:v>1</c:v>
+                      </c:pt>
+                      <c:pt idx="42">
+                        <c:v>1</c:v>
+                      </c:pt>
+                      <c:pt idx="43">
+                        <c:v>1</c:v>
+                      </c:pt>
+                      <c:pt idx="44">
+                        <c:v>1</c:v>
+                      </c:pt>
+                      <c:pt idx="45">
+                        <c:v>1</c:v>
+                      </c:pt>
+                      <c:pt idx="46">
+                        <c:v>1</c:v>
+                      </c:pt>
+                      <c:pt idx="47">
+                        <c:v>1</c:v>
+                      </c:pt>
+                      <c:pt idx="48">
+                        <c:v>1</c:v>
+                      </c:pt>
+                      <c:pt idx="49">
+                        <c:v>1</c:v>
+                      </c:pt>
+                      <c:pt idx="50">
+                        <c:v>1</c:v>
+                      </c:pt>
+                      <c:pt idx="51">
+                        <c:v>1</c:v>
+                      </c:pt>
+                      <c:pt idx="52">
+                        <c:v>1</c:v>
+                      </c:pt>
+                      <c:pt idx="53">
+                        <c:v>1</c:v>
+                      </c:pt>
+                      <c:pt idx="54">
+                        <c:v>1</c:v>
+                      </c:pt>
+                      <c:pt idx="55">
+                        <c:v>1</c:v>
+                      </c:pt>
+                      <c:pt idx="56">
+                        <c:v>1</c:v>
+                      </c:pt>
+                      <c:pt idx="57">
+                        <c:v>1</c:v>
+                      </c:pt>
+                      <c:pt idx="58">
+                        <c:v>1</c:v>
+                      </c:pt>
+                      <c:pt idx="59">
+                        <c:v>1</c:v>
+                      </c:pt>
+                      <c:pt idx="60">
+                        <c:v>1</c:v>
+                      </c:pt>
+                      <c:pt idx="61">
+                        <c:v>1</c:v>
+                      </c:pt>
+                      <c:pt idx="62">
+                        <c:v>0.99999999999999978</c:v>
+                      </c:pt>
+                      <c:pt idx="63">
+                        <c:v>0.999999999999998</c:v>
+                      </c:pt>
+                      <c:pt idx="64">
+                        <c:v>0.99999999999999267</c:v>
+                      </c:pt>
+                      <c:pt idx="65">
+                        <c:v>0.99999999999997191</c:v>
+                      </c:pt>
+                      <c:pt idx="66">
+                        <c:v>0.99999999999999956</c:v>
+                      </c:pt>
+                      <c:pt idx="67">
+                        <c:v>0.99999999999999978</c:v>
+                      </c:pt>
+                      <c:pt idx="68">
+                        <c:v>0.99999999999999678</c:v>
+                      </c:pt>
+                      <c:pt idx="69">
+                        <c:v>0.9999999983149267</c:v>
+                      </c:pt>
+                      <c:pt idx="70">
+                        <c:v>0.99999999215565727</c:v>
+                      </c:pt>
+                      <c:pt idx="71">
+                        <c:v>0.99999997334255331</c:v>
+                      </c:pt>
+                      <c:pt idx="72">
+                        <c:v>0.99999992299840312</c:v>
+                      </c:pt>
+                      <c:pt idx="73">
+                        <c:v>0.99999977563816922</c:v>
+                      </c:pt>
+                      <c:pt idx="74">
+                        <c:v>0.99999985914941769</c:v>
+                      </c:pt>
+                      <c:pt idx="75">
+                        <c:v>0.99999962927691488</c:v>
+                      </c:pt>
+                      <c:pt idx="76">
+                        <c:v>0.99999787520522232</c:v>
+                      </c:pt>
+                      <c:pt idx="77">
+                        <c:v>0.99997732340207091</c:v>
+                      </c:pt>
+                      <c:pt idx="78">
+                        <c:v>0.99996275247882782</c:v>
+                      </c:pt>
+                      <c:pt idx="79">
+                        <c:v>0.99992545763333562</c:v>
+                      </c:pt>
+                      <c:pt idx="80">
+                        <c:v>0.99970904323865384</c:v>
+                      </c:pt>
+                      <c:pt idx="81">
+                        <c:v>0.99955341455870339</c:v>
+                      </c:pt>
+                      <c:pt idx="82">
+                        <c:v>0.9987029922871844</c:v>
+                      </c:pt>
+                      <c:pt idx="83">
+                        <c:v>0.99741679351021428</c:v>
+                      </c:pt>
+                      <c:pt idx="84">
+                        <c:v>0.9951157909987276</c:v>
+                      </c:pt>
+                      <c:pt idx="85">
+                        <c:v>0.99103169868908447</c:v>
+                      </c:pt>
+                      <c:pt idx="86">
+                        <c:v>0.98395804164255951</c:v>
+                      </c:pt>
+                      <c:pt idx="87">
+                        <c:v>0.97780671965801824</c:v>
+                      </c:pt>
+                      <c:pt idx="88">
+                        <c:v>0.96830429567592113</c:v>
+                      </c:pt>
+                      <c:pt idx="89">
+                        <c:v>0.95115186155657871</c:v>
+                      </c:pt>
+                      <c:pt idx="90">
+                        <c:v>0.91731147321602435</c:v>
+                      </c:pt>
+                      <c:pt idx="91">
+                        <c:v>0.89826319631636231</c:v>
+                      </c:pt>
+                      <c:pt idx="92">
+                        <c:v>0.86214000471717067</c:v>
+                      </c:pt>
+                      <c:pt idx="93">
+                        <c:v>0.81762829258450409</c:v>
+                      </c:pt>
+                      <c:pt idx="94">
+                        <c:v>0.76343888955986405</c:v>
+                      </c:pt>
+                      <c:pt idx="95">
+                        <c:v>0.70409976903035931</c:v>
+                      </c:pt>
+                      <c:pt idx="96">
+                        <c:v>0.5624893033428392</c:v>
+                      </c:pt>
+                      <c:pt idx="97">
+                        <c:v>0.49722931549114358</c:v>
+                      </c:pt>
+                      <c:pt idx="98">
+                        <c:v>0.43409511929429956</c:v>
+                      </c:pt>
+                      <c:pt idx="99">
+                        <c:v>0.3960192887727132</c:v>
+                      </c:pt>
+                      <c:pt idx="100">
+                        <c:v>0.33311448715615466</c:v>
+                      </c:pt>
+                      <c:pt idx="101">
+                        <c:v>0.25433127799098854</c:v>
+                      </c:pt>
+                      <c:pt idx="102">
+                        <c:v>0.17269714076165343</c:v>
+                      </c:pt>
+                      <c:pt idx="103">
+                        <c:v>0.13756899592470107</c:v>
+                      </c:pt>
+                      <c:pt idx="104">
+                        <c:v>0.10859428913456448</c:v>
+                      </c:pt>
+                      <c:pt idx="105">
+                        <c:v>6.6305350535466601E-2</c:v>
+                      </c:pt>
+                    </c:numCache>
+                  </c:numRef>
+                </c:yVal>
+                <c:smooth val="0"/>
+                <c:extLst xmlns:c15="http://schemas.microsoft.com/office/drawing/2012/chart">
+                  <c:ext xmlns:c16="http://schemas.microsoft.com/office/drawing/2014/chart" uri="{C3380CC4-5D6E-409C-BE32-E72D297353CC}">
+                    <c16:uniqueId val="{00000008-B67B-4DDF-A245-2C29D8FDE28A}"/>
+                  </c:ext>
+                </c:extLst>
+              </c15:ser>
+            </c15:filteredScatterSeries>
+            <c15:filteredScatterSeries>
+              <c15:ser>
+                <c:idx val="9"/>
+                <c:order val="9"/>
+                <c:tx>
+                  <c:v>7 Changes</c:v>
+                </c:tx>
+                <c:xVal>
+                  <c:numRef>
+                    <c:extLst xmlns:c15="http://schemas.microsoft.com/office/drawing/2012/chart">
+                      <c:ext xmlns:c15="http://schemas.microsoft.com/office/drawing/2012/chart" uri="{02D57815-91ED-43cb-92C2-25804820EDAC}">
+                        <c15:formulaRef>
+                          <c15:sqref>'[Confidence-Intervals-zero.xlsx]Results'!$AO$3:$AO$101</c15:sqref>
+                        </c15:formulaRef>
+                      </c:ext>
+                    </c:extLst>
+                    <c:numCache>
+                      <c:formatCode>General</c:formatCode>
+                      <c:ptCount val="99"/>
+                      <c:pt idx="0">
+                        <c:v>6.5439550553374497</c:v>
+                      </c:pt>
+                      <c:pt idx="1">
+                        <c:v>6.5439550553374497</c:v>
+                      </c:pt>
+                      <c:pt idx="2">
+                        <c:v>6.5439550553374497</c:v>
+                      </c:pt>
+                      <c:pt idx="3">
+                        <c:v>6.5439550553374497</c:v>
+                      </c:pt>
+                      <c:pt idx="4">
+                        <c:v>7.2339183603006596</c:v>
+                      </c:pt>
+                      <c:pt idx="5">
+                        <c:v>8.68070223236065</c:v>
+                      </c:pt>
+                      <c:pt idx="6">
+                        <c:v>10.1274861044209</c:v>
+                      </c:pt>
+                      <c:pt idx="7">
+                        <c:v>11.888396479694499</c:v>
+                      </c:pt>
+                      <c:pt idx="8">
+                        <c:v>13.021053848541101</c:v>
+                      </c:pt>
+                      <c:pt idx="9">
+                        <c:v>14.467837720601301</c:v>
+                      </c:pt>
+                      <c:pt idx="10">
+                        <c:v>15.914621592661399</c:v>
+                      </c:pt>
+                      <c:pt idx="11">
+                        <c:v>17.3614054647215</c:v>
+                      </c:pt>
+                      <c:pt idx="12">
+                        <c:v>18.808189336781702</c:v>
+                      </c:pt>
+                      <c:pt idx="13">
+                        <c:v>20.2549732088418</c:v>
+                      </c:pt>
+                      <c:pt idx="14">
+                        <c:v>21.701757080901899</c:v>
+                      </c:pt>
+                      <c:pt idx="15">
+                        <c:v>23.148540952962101</c:v>
+                      </c:pt>
+                      <c:pt idx="16">
+                        <c:v>24.5953248250222</c:v>
+                      </c:pt>
+                      <c:pt idx="17">
+                        <c:v>26.042108697082298</c:v>
+                      </c:pt>
+                      <c:pt idx="18">
+                        <c:v>27.488892569142401</c:v>
+                      </c:pt>
+                      <c:pt idx="19">
+                        <c:v>28.935676441202499</c:v>
+                      </c:pt>
+                      <c:pt idx="20">
+                        <c:v>30.382460313262602</c:v>
+                      </c:pt>
+                      <c:pt idx="21">
+                        <c:v>31.829244185322899</c:v>
+                      </c:pt>
+                      <c:pt idx="22">
+                        <c:v>33.276028057383002</c:v>
+                      </c:pt>
+                      <c:pt idx="23">
+                        <c:v>34.722811929442997</c:v>
+                      </c:pt>
+                      <c:pt idx="24">
+                        <c:v>36.169595801503299</c:v>
+                      </c:pt>
+                      <c:pt idx="25">
+                        <c:v>37.616379673563401</c:v>
+                      </c:pt>
+                      <c:pt idx="26">
+                        <c:v>39.063163545623503</c:v>
+                      </c:pt>
+                      <c:pt idx="27">
+                        <c:v>40.509947417683698</c:v>
+                      </c:pt>
+                      <c:pt idx="28">
+                        <c:v>41.9567312897438</c:v>
+                      </c:pt>
+                      <c:pt idx="29">
+                        <c:v>43.403515161803902</c:v>
+                      </c:pt>
+                      <c:pt idx="30">
+                        <c:v>44.850299033864097</c:v>
+                      </c:pt>
+                      <c:pt idx="31">
+                        <c:v>46.297082905924199</c:v>
+                      </c:pt>
+                      <c:pt idx="32">
+                        <c:v>47.743866777984302</c:v>
+                      </c:pt>
+                      <c:pt idx="33">
+                        <c:v>49.190650650044397</c:v>
+                      </c:pt>
+                      <c:pt idx="34">
+                        <c:v>50.637434522104598</c:v>
+                      </c:pt>
+                      <c:pt idx="35">
+                        <c:v>52.084218394164701</c:v>
+                      </c:pt>
+                      <c:pt idx="36">
+                        <c:v>53.531002266224803</c:v>
+                      </c:pt>
+                      <c:pt idx="37">
+                        <c:v>54.977786138284998</c:v>
+                      </c:pt>
+                      <c:pt idx="38">
+                        <c:v>56.4245700103451</c:v>
+                      </c:pt>
+                      <c:pt idx="39">
+                        <c:v>57.871353882405202</c:v>
+                      </c:pt>
+                      <c:pt idx="40">
+                        <c:v>59.318137754465397</c:v>
+                      </c:pt>
+                      <c:pt idx="41">
+                        <c:v>60.764921626525499</c:v>
+                      </c:pt>
+                      <c:pt idx="42">
+                        <c:v>62.211705498585602</c:v>
+                      </c:pt>
+                      <c:pt idx="43">
+                        <c:v>63.658489370645803</c:v>
+                      </c:pt>
+                      <c:pt idx="44">
+                        <c:v>65.105273242705906</c:v>
+                      </c:pt>
+                      <c:pt idx="45">
+                        <c:v>66.552057114766001</c:v>
+                      </c:pt>
+                      <c:pt idx="46">
+                        <c:v>67.998840986826195</c:v>
+                      </c:pt>
+                      <c:pt idx="47">
+                        <c:v>69.445624858886305</c:v>
+                      </c:pt>
+                      <c:pt idx="48">
+                        <c:v>70.8924087309464</c:v>
+                      </c:pt>
+                      <c:pt idx="49">
+                        <c:v>72.339192603006595</c:v>
+                      </c:pt>
+                      <c:pt idx="50">
+                        <c:v>73.785976475066704</c:v>
+                      </c:pt>
+                      <c:pt idx="51">
+                        <c:v>75.232760347126799</c:v>
+                      </c:pt>
+                      <c:pt idx="52">
+                        <c:v>76.679544219186994</c:v>
+                      </c:pt>
+                      <c:pt idx="53">
+                        <c:v>78.126328091247103</c:v>
+                      </c:pt>
+                      <c:pt idx="54">
+                        <c:v>79.573111963307198</c:v>
+                      </c:pt>
+                      <c:pt idx="55">
+                        <c:v>81.019895835367393</c:v>
+                      </c:pt>
+                      <c:pt idx="56">
+                        <c:v>82.466679707427502</c:v>
+                      </c:pt>
+                      <c:pt idx="57">
+                        <c:v>83.913463579487598</c:v>
+                      </c:pt>
+                      <c:pt idx="58">
+                        <c:v>85.360247451547707</c:v>
+                      </c:pt>
+                      <c:pt idx="59">
+                        <c:v>86.807031323607902</c:v>
+                      </c:pt>
+                      <c:pt idx="60">
+                        <c:v>88.253815195667997</c:v>
+                      </c:pt>
+                      <c:pt idx="61">
+                        <c:v>89.700599067728106</c:v>
+                      </c:pt>
+                      <c:pt idx="62">
+                        <c:v>91.147382939788301</c:v>
+                      </c:pt>
+                      <c:pt idx="63">
+                        <c:v>92.594166811848396</c:v>
+                      </c:pt>
+                      <c:pt idx="64">
+                        <c:v>94.040950683908505</c:v>
+                      </c:pt>
+                      <c:pt idx="65">
+                        <c:v>95.4877345559687</c:v>
+                      </c:pt>
+                      <c:pt idx="66">
+                        <c:v>96.934518428028795</c:v>
+                      </c:pt>
+                      <c:pt idx="67">
+                        <c:v>98.381302300088905</c:v>
+                      </c:pt>
+                      <c:pt idx="68">
+                        <c:v>99.828086172149</c:v>
+                      </c:pt>
+                      <c:pt idx="69">
+                        <c:v>101.274870044209</c:v>
+                      </c:pt>
+                      <c:pt idx="70">
+                        <c:v>102.72165391626901</c:v>
+                      </c:pt>
+                      <c:pt idx="71">
+                        <c:v>104.168437788329</c:v>
+                      </c:pt>
+                      <c:pt idx="72">
+                        <c:v>105.615221660389</c:v>
+                      </c:pt>
+                      <c:pt idx="73">
+                        <c:v>107.06200553244901</c:v>
+                      </c:pt>
+                      <c:pt idx="74">
+                        <c:v>108.508789404509</c:v>
+                      </c:pt>
+                      <c:pt idx="75">
+                        <c:v>109.95557327656999</c:v>
+                      </c:pt>
+                      <c:pt idx="76">
+                        <c:v>111.40235714863</c:v>
+                      </c:pt>
+                      <c:pt idx="77">
+                        <c:v>112.84914102069</c:v>
+                      </c:pt>
+                      <c:pt idx="78">
+                        <c:v>114.29592489274999</c:v>
+                      </c:pt>
+                      <c:pt idx="79">
+                        <c:v>115.74270876481</c:v>
+                      </c:pt>
+                      <c:pt idx="80">
+                        <c:v>117.18949263687</c:v>
+                      </c:pt>
+                      <c:pt idx="81">
+                        <c:v>118.63627650893</c:v>
+                      </c:pt>
+                      <c:pt idx="82">
+                        <c:v>120.08306038099001</c:v>
+                      </c:pt>
+                      <c:pt idx="83">
+                        <c:v>121.529844253051</c:v>
+                      </c:pt>
+                      <c:pt idx="84">
+                        <c:v>122.97662812511101</c:v>
+                      </c:pt>
+                      <c:pt idx="85">
+                        <c:v>124.423411997171</c:v>
+                      </c:pt>
+                      <c:pt idx="86">
+                        <c:v>125.870195869231</c:v>
+                      </c:pt>
+                      <c:pt idx="87">
+                        <c:v>127.31697974129099</c:v>
+                      </c:pt>
+                      <c:pt idx="88">
+                        <c:v>128.76376361335099</c:v>
+                      </c:pt>
+                      <c:pt idx="89">
+                        <c:v>130.21054748541101</c:v>
+                      </c:pt>
+                      <c:pt idx="90">
+                        <c:v>131.657331357472</c:v>
+                      </c:pt>
+                      <c:pt idx="91">
+                        <c:v>133.104115229532</c:v>
+                      </c:pt>
+                      <c:pt idx="92">
+                        <c:v>134.55089910159199</c:v>
+                      </c:pt>
+                      <c:pt idx="93">
+                        <c:v>135.99768297365199</c:v>
+                      </c:pt>
+                      <c:pt idx="94">
+                        <c:v>137.44446684571199</c:v>
+                      </c:pt>
+                      <c:pt idx="95">
+                        <c:v>138.89125071777201</c:v>
+                      </c:pt>
+                      <c:pt idx="96">
+                        <c:v>140.33803458983201</c:v>
+                      </c:pt>
+                      <c:pt idx="97">
+                        <c:v>141.784818461892</c:v>
+                      </c:pt>
+                      <c:pt idx="98">
+                        <c:v>143.23160233395299</c:v>
+                      </c:pt>
+                    </c:numCache>
+                  </c:numRef>
+                </c:xVal>
+                <c:yVal>
+                  <c:numRef>
+                    <c:extLst xmlns:c15="http://schemas.microsoft.com/office/drawing/2012/chart">
+                      <c:ext xmlns:c15="http://schemas.microsoft.com/office/drawing/2012/chart" uri="{02D57815-91ED-43cb-92C2-25804820EDAC}">
+                        <c15:formulaRef>
+                          <c15:sqref>'[Confidence-Intervals-zero.xlsx]Results'!$AQ$3:$AQ$101</c15:sqref>
+                        </c15:formulaRef>
+                      </c:ext>
+                    </c:extLst>
+                    <c:numCache>
+                      <c:formatCode>General</c:formatCode>
+                      <c:ptCount val="99"/>
+                      <c:pt idx="0">
+                        <c:v>1</c:v>
+                      </c:pt>
+                      <c:pt idx="1">
+                        <c:v>1</c:v>
+                      </c:pt>
+                      <c:pt idx="2">
+                        <c:v>1</c:v>
+                      </c:pt>
+                      <c:pt idx="3">
+                        <c:v>1</c:v>
+                      </c:pt>
+                      <c:pt idx="4">
+                        <c:v>1</c:v>
+                      </c:pt>
+                      <c:pt idx="5">
+                        <c:v>1</c:v>
+                      </c:pt>
+                      <c:pt idx="6">
+                        <c:v>1</c:v>
+                      </c:pt>
+                      <c:pt idx="7">
+                        <c:v>1</c:v>
+                      </c:pt>
+                      <c:pt idx="8">
+                        <c:v>1</c:v>
+                      </c:pt>
+                      <c:pt idx="9">
+                        <c:v>1</c:v>
+                      </c:pt>
+                      <c:pt idx="10">
+                        <c:v>1</c:v>
+                      </c:pt>
+                      <c:pt idx="11">
+                        <c:v>1</c:v>
+                      </c:pt>
+                      <c:pt idx="12">
+                        <c:v>1</c:v>
+                      </c:pt>
+                      <c:pt idx="13">
+                        <c:v>1</c:v>
+                      </c:pt>
+                      <c:pt idx="14">
+                        <c:v>1</c:v>
+                      </c:pt>
+                      <c:pt idx="15">
+                        <c:v>1</c:v>
+                      </c:pt>
+                      <c:pt idx="16">
+                        <c:v>1</c:v>
+                      </c:pt>
+                      <c:pt idx="17">
+                        <c:v>1</c:v>
+                      </c:pt>
+                      <c:pt idx="18">
+                        <c:v>1</c:v>
+                      </c:pt>
+                      <c:pt idx="19">
+                        <c:v>1</c:v>
+                      </c:pt>
+                      <c:pt idx="20">
+                        <c:v>1</c:v>
+                      </c:pt>
+                      <c:pt idx="21">
+                        <c:v>1</c:v>
+                      </c:pt>
+                      <c:pt idx="22">
+                        <c:v>1</c:v>
+                      </c:pt>
+                      <c:pt idx="23">
+                        <c:v>1</c:v>
+                      </c:pt>
+                      <c:pt idx="24">
+                        <c:v>1</c:v>
+                      </c:pt>
+                      <c:pt idx="25">
+                        <c:v>1</c:v>
+                      </c:pt>
+                      <c:pt idx="26">
+                        <c:v>1</c:v>
+                      </c:pt>
+                      <c:pt idx="27">
+                        <c:v>1</c:v>
+                      </c:pt>
+                      <c:pt idx="28">
+                        <c:v>1</c:v>
+                      </c:pt>
+                      <c:pt idx="29">
+                        <c:v>1</c:v>
+                      </c:pt>
+                      <c:pt idx="30">
+                        <c:v>1</c:v>
+                      </c:pt>
+                      <c:pt idx="31">
+                        <c:v>1</c:v>
+                      </c:pt>
+                      <c:pt idx="32">
+                        <c:v>1</c:v>
+                      </c:pt>
+                      <c:pt idx="33">
+                        <c:v>1</c:v>
+                      </c:pt>
+                      <c:pt idx="34">
+                        <c:v>1</c:v>
+                      </c:pt>
+                      <c:pt idx="35">
+                        <c:v>1</c:v>
+                      </c:pt>
+                      <c:pt idx="36">
+                        <c:v>1</c:v>
+                      </c:pt>
+                      <c:pt idx="37">
+                        <c:v>1</c:v>
+                      </c:pt>
+                      <c:pt idx="38">
+                        <c:v>1</c:v>
+                      </c:pt>
+                      <c:pt idx="39">
+                        <c:v>1</c:v>
+                      </c:pt>
+                      <c:pt idx="40">
+                        <c:v>1</c:v>
+                      </c:pt>
+                      <c:pt idx="41">
+                        <c:v>1</c:v>
+                      </c:pt>
+                      <c:pt idx="42">
+                        <c:v>1</c:v>
+                      </c:pt>
+                      <c:pt idx="43">
+                        <c:v>1</c:v>
+                      </c:pt>
+                      <c:pt idx="44">
+                        <c:v>1</c:v>
+                      </c:pt>
+                      <c:pt idx="45">
+                        <c:v>1</c:v>
+                      </c:pt>
+                      <c:pt idx="46">
+                        <c:v>1</c:v>
+                      </c:pt>
+                      <c:pt idx="47">
+                        <c:v>1</c:v>
+                      </c:pt>
+                      <c:pt idx="48">
+                        <c:v>1</c:v>
+                      </c:pt>
+                      <c:pt idx="49">
+                        <c:v>1</c:v>
+                      </c:pt>
+                      <c:pt idx="50">
+                        <c:v>1</c:v>
+                      </c:pt>
+                      <c:pt idx="51">
+                        <c:v>1</c:v>
+                      </c:pt>
+                      <c:pt idx="52">
+                        <c:v>1</c:v>
+                      </c:pt>
+                      <c:pt idx="53">
+                        <c:v>1</c:v>
+                      </c:pt>
+                      <c:pt idx="54">
+                        <c:v>1</c:v>
+                      </c:pt>
+                      <c:pt idx="55">
+                        <c:v>1</c:v>
+                      </c:pt>
+                      <c:pt idx="56">
+                        <c:v>1</c:v>
+                      </c:pt>
+                      <c:pt idx="57">
+                        <c:v>0.99999999999999989</c:v>
+                      </c:pt>
+                      <c:pt idx="58">
+                        <c:v>0.99999999999999811</c:v>
+                      </c:pt>
+                      <c:pt idx="59">
+                        <c:v>0.99999999999999345</c:v>
+                      </c:pt>
+                      <c:pt idx="60">
+                        <c:v>0.99999999999997424</c:v>
+                      </c:pt>
+                      <c:pt idx="61">
+                        <c:v>0.99999999999638001</c:v>
+                      </c:pt>
+                      <c:pt idx="62">
+                        <c:v>0.99999999957321317</c:v>
+                      </c:pt>
+                      <c:pt idx="63">
+                        <c:v>0.99999999910296866</c:v>
+                      </c:pt>
+                      <c:pt idx="64">
+                        <c:v>0.99999999814997143</c:v>
+                      </c:pt>
+                      <c:pt idx="65">
+                        <c:v>0.99999999141077778</c:v>
+                      </c:pt>
+                      <c:pt idx="66">
+                        <c:v>0.99999997506574712</c:v>
+                      </c:pt>
+                      <c:pt idx="67">
+                        <c:v>0.99999992448432373</c:v>
+                      </c:pt>
+                      <c:pt idx="68">
+                        <c:v>0.99999947148956148</c:v>
+                      </c:pt>
+                      <c:pt idx="69">
+                        <c:v>0.99999815674322434</c:v>
+                      </c:pt>
+                      <c:pt idx="70">
+                        <c:v>0.99999534380808353</c:v>
+                      </c:pt>
+                      <c:pt idx="71">
+                        <c:v>0.99998806056298228</c:v>
+                      </c:pt>
+                      <c:pt idx="72">
+                        <c:v>0.99996764491092704</c:v>
+                      </c:pt>
+                      <c:pt idx="73">
+                        <c:v>0.99991952279694996</c:v>
+                      </c:pt>
+                      <c:pt idx="74">
+                        <c:v>0.99983064255801701</c:v>
+                      </c:pt>
+                      <c:pt idx="75">
+                        <c:v>0.99968303097268219</c:v>
+                      </c:pt>
+                      <c:pt idx="76">
+                        <c:v>0.99930823375051003</c:v>
+                      </c:pt>
+                      <c:pt idx="77">
+                        <c:v>0.99856409466213791</c:v>
+                      </c:pt>
+                      <c:pt idx="78">
+                        <c:v>0.99703792867097563</c:v>
+                      </c:pt>
+                      <c:pt idx="79">
+                        <c:v>0.99407624583770204</c:v>
+                      </c:pt>
+                      <c:pt idx="80">
+                        <c:v>0.98816056070170732</c:v>
+                      </c:pt>
+                      <c:pt idx="81">
+                        <c:v>0.97135603043916097</c:v>
+                      </c:pt>
+                      <c:pt idx="82">
+                        <c:v>0.96091561820575655</c:v>
+                      </c:pt>
+                      <c:pt idx="83">
+                        <c:v>0.9414897057084366</c:v>
+                      </c:pt>
+                      <c:pt idx="84">
+                        <c:v>0.92307342018189065</c:v>
+                      </c:pt>
+                      <c:pt idx="85">
+                        <c:v>0.89380419117912069</c:v>
+                      </c:pt>
+                      <c:pt idx="86">
+                        <c:v>0.85015501137943206</c:v>
+                      </c:pt>
+                      <c:pt idx="87">
+                        <c:v>0.798184886860276</c:v>
+                      </c:pt>
+                      <c:pt idx="88">
+                        <c:v>0.73953679176166676</c:v>
+                      </c:pt>
+                      <c:pt idx="89">
+                        <c:v>0.5901279431564419</c:v>
+                      </c:pt>
+                      <c:pt idx="90">
+                        <c:v>0.5364755276431985</c:v>
+                      </c:pt>
+                      <c:pt idx="91">
+                        <c:v>0.46458039537004425</c:v>
+                      </c:pt>
+                      <c:pt idx="92">
+                        <c:v>0.39601927310694396</c:v>
+                      </c:pt>
+                      <c:pt idx="93">
+                        <c:v>0.33311448715613867</c:v>
+                      </c:pt>
+                      <c:pt idx="94">
+                        <c:v>0.25433127799097444</c:v>
+                      </c:pt>
+                      <c:pt idx="95">
+                        <c:v>0.11836909886494984</c:v>
+                      </c:pt>
+                      <c:pt idx="96">
+                        <c:v>9.1029503420830715E-2</c:v>
+                      </c:pt>
+                      <c:pt idx="97">
+                        <c:v>6.9441538949000736E-2</c:v>
+                      </c:pt>
+                      <c:pt idx="98">
+                        <c:v>4.1769296140091061E-2</c:v>
+                      </c:pt>
+                    </c:numCache>
+                  </c:numRef>
+                </c:yVal>
+                <c:smooth val="0"/>
+                <c:extLst xmlns:c15="http://schemas.microsoft.com/office/drawing/2012/chart">
+                  <c:ext xmlns:c16="http://schemas.microsoft.com/office/drawing/2014/chart" uri="{C3380CC4-5D6E-409C-BE32-E72D297353CC}">
+                    <c16:uniqueId val="{00000009-B67B-4DDF-A245-2C29D8FDE28A}"/>
+                  </c:ext>
+                </c:extLst>
+              </c15:ser>
+            </c15:filteredScatterSeries>
+          </c:ext>
+        </c:extLst>
+      </c:scatterChart>
+      <c:valAx>
+        <c:axId val="545065824"/>
+        <c:scaling>
+          <c:orientation val="minMax"/>
+          <c:min val="110"/>
+        </c:scaling>
+        <c:delete val="0"/>
+        <c:axPos val="b"/>
+        <c:majorGridlines>
+          <c:spPr>
+            <a:ln w="9525" cap="flat" cmpd="sng" algn="ctr">
+              <a:solidFill>
+                <a:schemeClr val="tx1">
+                  <a:lumMod val="15000"/>
+                  <a:lumOff val="85000"/>
+                </a:schemeClr>
+              </a:solidFill>
+              <a:round/>
+            </a:ln>
+            <a:effectLst/>
+          </c:spPr>
+        </c:majorGridlines>
+        <c:title>
+          <c:tx>
+            <c:rich>
+              <a:bodyPr/>
+              <a:lstStyle/>
+              <a:p>
+                <a:pPr>
+                  <a:defRPr sz="1800"/>
+                </a:pPr>
+                <a:r>
+                  <a:rPr lang="nb-NO" sz="1800" dirty="0"/>
+                  <a:t>Oil Output </a:t>
+                </a:r>
+                <a:r>
+                  <a:rPr lang="nb-NO" sz="1800" dirty="0" smtClean="0"/>
+                  <a:t>[SOR]</a:t>
+                </a:r>
+                <a:endParaRPr lang="nb-NO" sz="1800" dirty="0"/>
+              </a:p>
+            </c:rich>
+          </c:tx>
+          <c:layout/>
+          <c:overlay val="0"/>
+        </c:title>
+        <c:numFmt formatCode="General" sourceLinked="1"/>
+        <c:majorTickMark val="none"/>
+        <c:minorTickMark val="none"/>
+        <c:tickLblPos val="nextTo"/>
+        <c:spPr>
+          <a:noFill/>
+          <a:ln w="9525" cap="flat" cmpd="sng" algn="ctr">
+            <a:solidFill>
+              <a:schemeClr val="tx1">
+                <a:lumMod val="25000"/>
+                <a:lumOff val="75000"/>
+              </a:schemeClr>
+            </a:solidFill>
+            <a:round/>
+          </a:ln>
+          <a:effectLst/>
+        </c:spPr>
+        <c:txPr>
+          <a:bodyPr rot="-60000000" spcFirstLastPara="1" vertOverflow="ellipsis" vert="horz" wrap="square" anchor="ctr" anchorCtr="1"/>
+          <a:lstStyle/>
+          <a:p>
+            <a:pPr>
+              <a:defRPr sz="1800" b="0" i="0" u="none" strike="noStrike" kern="1200" baseline="0">
+                <a:solidFill>
+                  <a:schemeClr val="tx1">
+                    <a:lumMod val="65000"/>
+                    <a:lumOff val="35000"/>
+                  </a:schemeClr>
+                </a:solidFill>
+                <a:latin typeface="+mn-lt"/>
+                <a:ea typeface="+mn-ea"/>
+                <a:cs typeface="+mn-cs"/>
+              </a:defRPr>
+            </a:pPr>
+            <a:endParaRPr lang="nb-NO"/>
+          </a:p>
+        </c:txPr>
+        <c:crossAx val="545064512"/>
+        <c:crosses val="autoZero"/>
+        <c:crossBetween val="midCat"/>
+      </c:valAx>
+      <c:valAx>
+        <c:axId val="545064512"/>
+        <c:scaling>
+          <c:orientation val="minMax"/>
+          <c:max val="1.05"/>
+          <c:min val="0"/>
+        </c:scaling>
+        <c:delete val="0"/>
+        <c:axPos val="l"/>
+        <c:majorGridlines>
+          <c:spPr>
+            <a:ln w="9525" cap="flat" cmpd="sng" algn="ctr">
+              <a:solidFill>
+                <a:schemeClr val="tx1">
+                  <a:lumMod val="15000"/>
+                  <a:lumOff val="85000"/>
+                </a:schemeClr>
+              </a:solidFill>
+              <a:round/>
+            </a:ln>
+            <a:effectLst/>
+          </c:spPr>
+        </c:majorGridlines>
+        <c:title>
+          <c:tx>
+            <c:rich>
+              <a:bodyPr/>
+              <a:lstStyle/>
+              <a:p>
+                <a:pPr>
+                  <a:defRPr sz="1800"/>
+                </a:pPr>
+                <a:r>
+                  <a:rPr lang="nb-NO" sz="1800"/>
+                  <a:t>P(Feasible)</a:t>
+                </a:r>
+              </a:p>
+            </c:rich>
+          </c:tx>
+          <c:layout/>
+          <c:overlay val="0"/>
+        </c:title>
+        <c:numFmt formatCode="0%" sourceLinked="0"/>
+        <c:majorTickMark val="none"/>
+        <c:minorTickMark val="none"/>
+        <c:tickLblPos val="nextTo"/>
+        <c:spPr>
+          <a:noFill/>
+          <a:ln w="9525" cap="flat" cmpd="sng" algn="ctr">
+            <a:solidFill>
+              <a:schemeClr val="tx1">
+                <a:lumMod val="25000"/>
+                <a:lumOff val="75000"/>
+              </a:schemeClr>
+            </a:solidFill>
+            <a:round/>
+          </a:ln>
+          <a:effectLst/>
+        </c:spPr>
+        <c:txPr>
+          <a:bodyPr rot="-60000000" spcFirstLastPara="1" vertOverflow="ellipsis" vert="horz" wrap="square" anchor="ctr" anchorCtr="1"/>
+          <a:lstStyle/>
+          <a:p>
+            <a:pPr>
+              <a:defRPr sz="1800" b="0" i="0" u="none" strike="noStrike" kern="1200" baseline="0">
+                <a:solidFill>
+                  <a:schemeClr val="tx1">
+                    <a:lumMod val="65000"/>
+                    <a:lumOff val="35000"/>
+                  </a:schemeClr>
+                </a:solidFill>
+                <a:latin typeface="+mn-lt"/>
+                <a:ea typeface="+mn-ea"/>
+                <a:cs typeface="+mn-cs"/>
+              </a:defRPr>
+            </a:pPr>
+            <a:endParaRPr lang="nb-NO"/>
+          </a:p>
+        </c:txPr>
+        <c:crossAx val="545065824"/>
+        <c:crosses val="autoZero"/>
+        <c:crossBetween val="midCat"/>
+      </c:valAx>
+    </c:plotArea>
+    <c:legend>
+      <c:legendPos val="b"/>
+      <c:layout/>
+      <c:overlay val="0"/>
+      <c:txPr>
+        <a:bodyPr/>
+        <a:lstStyle/>
+        <a:p>
+          <a:pPr>
+            <a:defRPr sz="1800"/>
+          </a:pPr>
+          <a:endParaRPr lang="nb-NO"/>
+        </a:p>
+      </c:txPr>
+    </c:legend>
+    <c:plotVisOnly val="1"/>
+    <c:dispBlanksAs val="gap"/>
+    <c:showDLblsOverMax val="0"/>
+  </c:chart>
+  <c:txPr>
+    <a:bodyPr/>
+    <a:lstStyle/>
+    <a:p>
+      <a:pPr>
+        <a:defRPr/>
+      </a:pPr>
+      <a:endParaRPr lang="nb-NO"/>
+    </a:p>
+  </c:txPr>
+  <c:externalData r:id="rId1">
+    <c:autoUpdate val="0"/>
+  </c:externalData>
+</c:chartSpace>
+</file>
+
 <file path=ppt/charts/chart2.xml><?xml version="1.0" encoding="utf-8"?>
 <c:chartSpace xmlns:c="http://schemas.openxmlformats.org/drawingml/2006/chart" xmlns:a="http://schemas.openxmlformats.org/drawingml/2006/main" xmlns:r="http://schemas.openxmlformats.org/officeDocument/2006/relationships" xmlns:c16r2="http://schemas.microsoft.com/office/drawing/2015/06/chart">
   <c:date1904 val="0"/>
@@ -24670,6 +32934,7 @@
           </a:p>
         </c:rich>
       </c:tx>
+      <c:layout/>
       <c:overlay val="0"/>
       <c:spPr>
         <a:noFill/>
@@ -25508,6 +33773,7 @@
               </a:p>
             </c:rich>
           </c:tx>
+          <c:layout/>
           <c:overlay val="0"/>
           <c:spPr>
             <a:noFill/>
@@ -25611,6 +33877,7 @@
               </a:p>
             </c:rich>
           </c:tx>
+          <c:layout/>
           <c:overlay val="0"/>
           <c:spPr>
             <a:noFill/>
@@ -25698,6 +33965,7 @@
         <c:idx val="0"/>
         <c:delete val="1"/>
       </c:legendEntry>
+      <c:layout/>
       <c:overlay val="0"/>
       <c:spPr>
         <a:noFill/>
@@ -26320,6 +34588,7 @@
               </a:p>
             </c:rich>
           </c:tx>
+          <c:layout/>
           <c:overlay val="0"/>
           <c:spPr>
             <a:noFill/>
@@ -26439,6 +34708,7 @@
               </a:p>
             </c:rich>
           </c:tx>
+          <c:layout/>
           <c:overlay val="0"/>
           <c:spPr>
             <a:noFill/>
@@ -26523,6 +34793,7 @@
     </c:plotArea>
     <c:legend>
       <c:legendPos val="b"/>
+      <c:layout/>
       <c:overlay val="0"/>
       <c:spPr>
         <a:noFill/>
@@ -26624,6 +34895,7 @@
           </a:p>
         </c:rich>
       </c:tx>
+      <c:layout/>
       <c:overlay val="0"/>
       <c:spPr>
         <a:noFill/>
@@ -27657,6 +35929,7 @@
               </a:p>
             </c:rich>
           </c:tx>
+          <c:layout/>
           <c:overlay val="0"/>
           <c:spPr>
             <a:noFill/>
@@ -27769,6 +36042,7 @@
               </a:p>
             </c:rich>
           </c:tx>
+          <c:layout/>
           <c:overlay val="0"/>
           <c:spPr>
             <a:noFill/>
@@ -27849,6 +36123,7 @@
     </c:plotArea>
     <c:legend>
       <c:legendPos val="b"/>
+      <c:layout/>
       <c:overlay val="0"/>
       <c:spPr>
         <a:noFill/>
@@ -27950,6 +36225,7 @@
           </a:p>
         </c:rich>
       </c:tx>
+      <c:layout/>
       <c:overlay val="0"/>
       <c:spPr>
         <a:noFill/>
@@ -28974,6 +37250,7 @@
               </a:p>
             </c:rich>
           </c:tx>
+          <c:layout/>
           <c:overlay val="0"/>
           <c:spPr>
             <a:noFill/>
@@ -29086,6 +37363,7 @@
               </a:p>
             </c:rich>
           </c:tx>
+          <c:layout/>
           <c:overlay val="0"/>
           <c:spPr>
             <a:noFill/>
@@ -29166,6 +37444,7 @@
     </c:plotArea>
     <c:legend>
       <c:legendPos val="b"/>
+      <c:layout/>
       <c:overlay val="0"/>
       <c:spPr>
         <a:noFill/>
@@ -29267,6 +37546,7 @@
           </a:p>
         </c:rich>
       </c:tx>
+      <c:layout/>
       <c:overlay val="0"/>
       <c:spPr>
         <a:noFill/>
@@ -30309,6 +38589,7 @@
               </a:p>
             </c:rich>
           </c:tx>
+          <c:layout/>
           <c:overlay val="0"/>
           <c:spPr>
             <a:noFill/>
@@ -30435,6 +38716,7 @@
               </a:p>
             </c:rich>
           </c:tx>
+          <c:layout/>
           <c:overlay val="0"/>
           <c:spPr>
             <a:noFill/>
@@ -30515,6 +38797,7 @@
     </c:plotArea>
     <c:legend>
       <c:legendPos val="b"/>
+      <c:layout/>
       <c:overlay val="0"/>
       <c:spPr>
         <a:noFill/>
@@ -30616,6 +38899,7 @@
           </a:p>
         </c:rich>
       </c:tx>
+      <c:layout/>
       <c:overlay val="0"/>
       <c:spPr>
         <a:noFill/>
@@ -31658,6 +39942,7 @@
               </a:p>
             </c:rich>
           </c:tx>
+          <c:layout/>
           <c:overlay val="0"/>
           <c:spPr>
             <a:noFill/>
@@ -31784,6 +40069,7 @@
               </a:p>
             </c:rich>
           </c:tx>
+          <c:layout/>
           <c:overlay val="0"/>
           <c:spPr>
             <a:noFill/>
@@ -31864,6 +40150,7 @@
     </c:plotArea>
     <c:legend>
       <c:legendPos val="b"/>
+      <c:layout/>
       <c:overlay val="0"/>
       <c:spPr>
         <a:noFill/>
@@ -31965,6 +40252,7 @@
           </a:p>
         </c:rich>
       </c:tx>
+      <c:layout/>
       <c:overlay val="0"/>
       <c:spPr>
         <a:noFill/>
@@ -33004,6 +41292,7 @@
               </a:p>
             </c:rich>
           </c:tx>
+          <c:layout/>
           <c:overlay val="0"/>
           <c:spPr>
             <a:noFill/>
@@ -33130,6 +41419,7 @@
               </a:p>
             </c:rich>
           </c:tx>
+          <c:layout/>
           <c:overlay val="0"/>
           <c:spPr>
             <a:noFill/>
@@ -33210,6 +41500,7 @@
     </c:plotArea>
     <c:legend>
       <c:legendPos val="b"/>
+      <c:layout/>
       <c:overlay val="0"/>
       <c:spPr>
         <a:noFill/>
@@ -33347,6 +41638,46 @@
 </file>
 
 <file path=ppt/charts/colors11.xml><?xml version="1.0" encoding="utf-8"?>
+<cs:colorStyle xmlns:cs="http://schemas.microsoft.com/office/drawing/2012/chartStyle" xmlns:a="http://schemas.openxmlformats.org/drawingml/2006/main" meth="cycle" id="10">
+  <a:schemeClr val="accent1"/>
+  <a:schemeClr val="accent2"/>
+  <a:schemeClr val="accent3"/>
+  <a:schemeClr val="accent4"/>
+  <a:schemeClr val="accent5"/>
+  <a:schemeClr val="accent6"/>
+  <cs:variation/>
+  <cs:variation>
+    <a:lumMod val="60000"/>
+  </cs:variation>
+  <cs:variation>
+    <a:lumMod val="80000"/>
+    <a:lumOff val="20000"/>
+  </cs:variation>
+  <cs:variation>
+    <a:lumMod val="80000"/>
+  </cs:variation>
+  <cs:variation>
+    <a:lumMod val="60000"/>
+    <a:lumOff val="40000"/>
+  </cs:variation>
+  <cs:variation>
+    <a:lumMod val="50000"/>
+  </cs:variation>
+  <cs:variation>
+    <a:lumMod val="70000"/>
+    <a:lumOff val="30000"/>
+  </cs:variation>
+  <cs:variation>
+    <a:lumMod val="70000"/>
+  </cs:variation>
+  <cs:variation>
+    <a:lumMod val="50000"/>
+    <a:lumOff val="50000"/>
+  </cs:variation>
+</cs:colorStyle>
+</file>
+
+<file path=ppt/charts/colors12.xml><?xml version="1.0" encoding="utf-8"?>
 <cs:colorStyle xmlns:cs="http://schemas.microsoft.com/office/drawing/2012/chartStyle" xmlns:a="http://schemas.openxmlformats.org/drawingml/2006/main" meth="cycle" id="10">
   <a:schemeClr val="accent1"/>
   <a:schemeClr val="accent2"/>
@@ -34739,6 +43070,522 @@
 </file>
 
 <file path=ppt/charts/style11.xml><?xml version="1.0" encoding="utf-8"?>
+<cs:chartStyle xmlns:cs="http://schemas.microsoft.com/office/drawing/2012/chartStyle" xmlns:a="http://schemas.openxmlformats.org/drawingml/2006/main" id="240">
+  <cs:axisTitle>
+    <cs:lnRef idx="0"/>
+    <cs:fillRef idx="0"/>
+    <cs:effectRef idx="0"/>
+    <cs:fontRef idx="minor">
+      <a:schemeClr val="tx1">
+        <a:lumMod val="65000"/>
+        <a:lumOff val="35000"/>
+      </a:schemeClr>
+    </cs:fontRef>
+    <cs:defRPr sz="1000" kern="1200"/>
+  </cs:axisTitle>
+  <cs:categoryAxis>
+    <cs:lnRef idx="0"/>
+    <cs:fillRef idx="0"/>
+    <cs:effectRef idx="0"/>
+    <cs:fontRef idx="minor">
+      <a:schemeClr val="tx1">
+        <a:lumMod val="65000"/>
+        <a:lumOff val="35000"/>
+      </a:schemeClr>
+    </cs:fontRef>
+    <cs:spPr>
+      <a:ln w="9525" cap="flat" cmpd="sng" algn="ctr">
+        <a:solidFill>
+          <a:schemeClr val="tx1">
+            <a:lumMod val="25000"/>
+            <a:lumOff val="75000"/>
+          </a:schemeClr>
+        </a:solidFill>
+        <a:round/>
+      </a:ln>
+    </cs:spPr>
+    <cs:defRPr sz="900" kern="1200"/>
+  </cs:categoryAxis>
+  <cs:chartArea mods="allowNoFillOverride allowNoLineOverride">
+    <cs:lnRef idx="0"/>
+    <cs:fillRef idx="0"/>
+    <cs:effectRef idx="0"/>
+    <cs:fontRef idx="minor">
+      <a:schemeClr val="tx1"/>
+    </cs:fontRef>
+    <cs:spPr>
+      <a:solidFill>
+        <a:schemeClr val="bg1"/>
+      </a:solidFill>
+      <a:ln w="9525" cap="flat" cmpd="sng" algn="ctr">
+        <a:solidFill>
+          <a:schemeClr val="tx1">
+            <a:lumMod val="15000"/>
+            <a:lumOff val="85000"/>
+          </a:schemeClr>
+        </a:solidFill>
+        <a:round/>
+      </a:ln>
+    </cs:spPr>
+    <cs:defRPr sz="1000" kern="1200"/>
+  </cs:chartArea>
+  <cs:dataLabel>
+    <cs:lnRef idx="0"/>
+    <cs:fillRef idx="0"/>
+    <cs:effectRef idx="0"/>
+    <cs:fontRef idx="minor">
+      <a:schemeClr val="tx1">
+        <a:lumMod val="75000"/>
+        <a:lumOff val="25000"/>
+      </a:schemeClr>
+    </cs:fontRef>
+    <cs:defRPr sz="900" kern="1200"/>
+  </cs:dataLabel>
+  <cs:dataLabelCallout>
+    <cs:lnRef idx="0"/>
+    <cs:fillRef idx="0"/>
+    <cs:effectRef idx="0"/>
+    <cs:fontRef idx="minor">
+      <a:schemeClr val="dk1">
+        <a:lumMod val="65000"/>
+        <a:lumOff val="35000"/>
+      </a:schemeClr>
+    </cs:fontRef>
+    <cs:spPr>
+      <a:solidFill>
+        <a:schemeClr val="lt1"/>
+      </a:solidFill>
+      <a:ln>
+        <a:solidFill>
+          <a:schemeClr val="dk1">
+            <a:lumMod val="25000"/>
+            <a:lumOff val="75000"/>
+          </a:schemeClr>
+        </a:solidFill>
+      </a:ln>
+    </cs:spPr>
+    <cs:defRPr sz="900" kern="1200"/>
+    <cs:bodyPr rot="0" spcFirstLastPara="1" vertOverflow="clip" horzOverflow="clip" vert="horz" wrap="square" lIns="36576" tIns="18288" rIns="36576" bIns="18288" anchor="ctr" anchorCtr="1">
+      <a:spAutoFit/>
+    </cs:bodyPr>
+  </cs:dataLabelCallout>
+  <cs:dataPoint>
+    <cs:lnRef idx="0"/>
+    <cs:fillRef idx="1">
+      <cs:styleClr val="auto"/>
+    </cs:fillRef>
+    <cs:effectRef idx="0"/>
+    <cs:fontRef idx="minor">
+      <a:schemeClr val="tx1"/>
+    </cs:fontRef>
+  </cs:dataPoint>
+  <cs:dataPoint3D>
+    <cs:lnRef idx="0"/>
+    <cs:fillRef idx="1">
+      <cs:styleClr val="auto"/>
+    </cs:fillRef>
+    <cs:effectRef idx="0"/>
+    <cs:fontRef idx="minor">
+      <a:schemeClr val="tx1"/>
+    </cs:fontRef>
+  </cs:dataPoint3D>
+  <cs:dataPointLine>
+    <cs:lnRef idx="0">
+      <cs:styleClr val="auto"/>
+    </cs:lnRef>
+    <cs:fillRef idx="1"/>
+    <cs:effectRef idx="0"/>
+    <cs:fontRef idx="minor">
+      <a:schemeClr val="tx1"/>
+    </cs:fontRef>
+    <cs:spPr>
+      <a:ln w="19050" cap="rnd">
+        <a:solidFill>
+          <a:schemeClr val="phClr"/>
+        </a:solidFill>
+        <a:round/>
+      </a:ln>
+    </cs:spPr>
+  </cs:dataPointLine>
+  <cs:dataPointMarker>
+    <cs:lnRef idx="0">
+      <cs:styleClr val="auto"/>
+    </cs:lnRef>
+    <cs:fillRef idx="1">
+      <cs:styleClr val="auto"/>
+    </cs:fillRef>
+    <cs:effectRef idx="0"/>
+    <cs:fontRef idx="minor">
+      <a:schemeClr val="tx1"/>
+    </cs:fontRef>
+    <cs:spPr>
+      <a:ln w="9525">
+        <a:solidFill>
+          <a:schemeClr val="phClr"/>
+        </a:solidFill>
+      </a:ln>
+    </cs:spPr>
+  </cs:dataPointMarker>
+  <cs:dataPointMarkerLayout symbol="circle" size="5"/>
+  <cs:dataPointWireframe>
+    <cs:lnRef idx="0">
+      <cs:styleClr val="auto"/>
+    </cs:lnRef>
+    <cs:fillRef idx="0"/>
+    <cs:effectRef idx="0"/>
+    <cs:fontRef idx="minor">
+      <a:schemeClr val="dk1"/>
+    </cs:fontRef>
+    <cs:spPr>
+      <a:ln w="9525" cap="rnd">
+        <a:solidFill>
+          <a:schemeClr val="phClr"/>
+        </a:solidFill>
+        <a:round/>
+      </a:ln>
+    </cs:spPr>
+  </cs:dataPointWireframe>
+  <cs:dataTable>
+    <cs:lnRef idx="0"/>
+    <cs:fillRef idx="0"/>
+    <cs:effectRef idx="0"/>
+    <cs:fontRef idx="minor">
+      <a:schemeClr val="tx1">
+        <a:lumMod val="65000"/>
+        <a:lumOff val="35000"/>
+      </a:schemeClr>
+    </cs:fontRef>
+    <cs:spPr>
+      <a:noFill/>
+      <a:ln w="9525" cap="flat" cmpd="sng" algn="ctr">
+        <a:solidFill>
+          <a:schemeClr val="tx1">
+            <a:lumMod val="15000"/>
+            <a:lumOff val="85000"/>
+          </a:schemeClr>
+        </a:solidFill>
+        <a:round/>
+      </a:ln>
+    </cs:spPr>
+    <cs:defRPr sz="900" kern="1200"/>
+  </cs:dataTable>
+  <cs:downBar>
+    <cs:lnRef idx="0"/>
+    <cs:fillRef idx="0"/>
+    <cs:effectRef idx="0"/>
+    <cs:fontRef idx="minor">
+      <a:schemeClr val="tx1"/>
+    </cs:fontRef>
+    <cs:spPr>
+      <a:solidFill>
+        <a:schemeClr val="dk1">
+          <a:lumMod val="75000"/>
+          <a:lumOff val="25000"/>
+        </a:schemeClr>
+      </a:solidFill>
+      <a:ln w="9525" cap="flat" cmpd="sng" algn="ctr">
+        <a:solidFill>
+          <a:schemeClr val="tx1">
+            <a:lumMod val="65000"/>
+            <a:lumOff val="35000"/>
+          </a:schemeClr>
+        </a:solidFill>
+        <a:round/>
+      </a:ln>
+    </cs:spPr>
+  </cs:downBar>
+  <cs:dropLine>
+    <cs:lnRef idx="0"/>
+    <cs:fillRef idx="0"/>
+    <cs:effectRef idx="0"/>
+    <cs:fontRef idx="minor">
+      <a:schemeClr val="tx1"/>
+    </cs:fontRef>
+    <cs:spPr>
+      <a:ln w="9525" cap="flat" cmpd="sng" algn="ctr">
+        <a:solidFill>
+          <a:schemeClr val="tx1">
+            <a:lumMod val="35000"/>
+            <a:lumOff val="65000"/>
+          </a:schemeClr>
+        </a:solidFill>
+        <a:round/>
+      </a:ln>
+    </cs:spPr>
+  </cs:dropLine>
+  <cs:errorBar>
+    <cs:lnRef idx="0"/>
+    <cs:fillRef idx="0"/>
+    <cs:effectRef idx="0"/>
+    <cs:fontRef idx="minor">
+      <a:schemeClr val="tx1"/>
+    </cs:fontRef>
+    <cs:spPr>
+      <a:ln w="9525" cap="flat" cmpd="sng" algn="ctr">
+        <a:solidFill>
+          <a:schemeClr val="tx1">
+            <a:lumMod val="65000"/>
+            <a:lumOff val="35000"/>
+          </a:schemeClr>
+        </a:solidFill>
+        <a:round/>
+      </a:ln>
+    </cs:spPr>
+  </cs:errorBar>
+  <cs:floor>
+    <cs:lnRef idx="0"/>
+    <cs:fillRef idx="0"/>
+    <cs:effectRef idx="0"/>
+    <cs:fontRef idx="minor">
+      <a:schemeClr val="tx1"/>
+    </cs:fontRef>
+    <cs:spPr>
+      <a:noFill/>
+      <a:ln>
+        <a:noFill/>
+      </a:ln>
+    </cs:spPr>
+  </cs:floor>
+  <cs:gridlineMajor>
+    <cs:lnRef idx="0"/>
+    <cs:fillRef idx="0"/>
+    <cs:effectRef idx="0"/>
+    <cs:fontRef idx="minor">
+      <a:schemeClr val="tx1"/>
+    </cs:fontRef>
+    <cs:spPr>
+      <a:ln w="9525" cap="flat" cmpd="sng" algn="ctr">
+        <a:solidFill>
+          <a:schemeClr val="tx1">
+            <a:lumMod val="15000"/>
+            <a:lumOff val="85000"/>
+          </a:schemeClr>
+        </a:solidFill>
+        <a:round/>
+      </a:ln>
+    </cs:spPr>
+  </cs:gridlineMajor>
+  <cs:gridlineMinor>
+    <cs:lnRef idx="0"/>
+    <cs:fillRef idx="0"/>
+    <cs:effectRef idx="0"/>
+    <cs:fontRef idx="minor">
+      <a:schemeClr val="tx1"/>
+    </cs:fontRef>
+    <cs:spPr>
+      <a:ln w="9525" cap="flat" cmpd="sng" algn="ctr">
+        <a:solidFill>
+          <a:schemeClr val="tx1">
+            <a:lumMod val="5000"/>
+            <a:lumOff val="95000"/>
+          </a:schemeClr>
+        </a:solidFill>
+        <a:round/>
+      </a:ln>
+    </cs:spPr>
+  </cs:gridlineMinor>
+  <cs:hiLoLine>
+    <cs:lnRef idx="0"/>
+    <cs:fillRef idx="0"/>
+    <cs:effectRef idx="0"/>
+    <cs:fontRef idx="minor">
+      <a:schemeClr val="tx1"/>
+    </cs:fontRef>
+    <cs:spPr>
+      <a:ln w="9525" cap="flat" cmpd="sng" algn="ctr">
+        <a:solidFill>
+          <a:schemeClr val="tx1">
+            <a:lumMod val="50000"/>
+            <a:lumOff val="50000"/>
+          </a:schemeClr>
+        </a:solidFill>
+        <a:round/>
+      </a:ln>
+    </cs:spPr>
+  </cs:hiLoLine>
+  <cs:leaderLine>
+    <cs:lnRef idx="0"/>
+    <cs:fillRef idx="0"/>
+    <cs:effectRef idx="0"/>
+    <cs:fontRef idx="minor">
+      <a:schemeClr val="tx1"/>
+    </cs:fontRef>
+    <cs:spPr>
+      <a:ln w="9525" cap="flat" cmpd="sng" algn="ctr">
+        <a:solidFill>
+          <a:schemeClr val="tx1">
+            <a:lumMod val="35000"/>
+            <a:lumOff val="65000"/>
+          </a:schemeClr>
+        </a:solidFill>
+        <a:round/>
+      </a:ln>
+    </cs:spPr>
+  </cs:leaderLine>
+  <cs:legend>
+    <cs:lnRef idx="0"/>
+    <cs:fillRef idx="0"/>
+    <cs:effectRef idx="0"/>
+    <cs:fontRef idx="minor">
+      <a:schemeClr val="tx1">
+        <a:lumMod val="65000"/>
+        <a:lumOff val="35000"/>
+      </a:schemeClr>
+    </cs:fontRef>
+    <cs:defRPr sz="900" kern="1200"/>
+  </cs:legend>
+  <cs:plotArea mods="allowNoFillOverride allowNoLineOverride">
+    <cs:lnRef idx="0"/>
+    <cs:fillRef idx="0"/>
+    <cs:effectRef idx="0"/>
+    <cs:fontRef idx="minor">
+      <a:schemeClr val="tx1"/>
+    </cs:fontRef>
+  </cs:plotArea>
+  <cs:plotArea3D mods="allowNoFillOverride allowNoLineOverride">
+    <cs:lnRef idx="0"/>
+    <cs:fillRef idx="0"/>
+    <cs:effectRef idx="0"/>
+    <cs:fontRef idx="minor">
+      <a:schemeClr val="tx1"/>
+    </cs:fontRef>
+  </cs:plotArea3D>
+  <cs:seriesAxis>
+    <cs:lnRef idx="0"/>
+    <cs:fillRef idx="0"/>
+    <cs:effectRef idx="0"/>
+    <cs:fontRef idx="minor">
+      <a:schemeClr val="tx1">
+        <a:lumMod val="65000"/>
+        <a:lumOff val="35000"/>
+      </a:schemeClr>
+    </cs:fontRef>
+    <cs:defRPr sz="900" kern="1200"/>
+  </cs:seriesAxis>
+  <cs:seriesLine>
+    <cs:lnRef idx="0"/>
+    <cs:fillRef idx="0"/>
+    <cs:effectRef idx="0"/>
+    <cs:fontRef idx="minor">
+      <a:schemeClr val="tx1"/>
+    </cs:fontRef>
+    <cs:spPr>
+      <a:ln w="9525" cap="flat" cmpd="sng" algn="ctr">
+        <a:solidFill>
+          <a:schemeClr val="tx1">
+            <a:lumMod val="35000"/>
+            <a:lumOff val="65000"/>
+          </a:schemeClr>
+        </a:solidFill>
+        <a:round/>
+      </a:ln>
+    </cs:spPr>
+  </cs:seriesLine>
+  <cs:title>
+    <cs:lnRef idx="0"/>
+    <cs:fillRef idx="0"/>
+    <cs:effectRef idx="0"/>
+    <cs:fontRef idx="minor">
+      <a:schemeClr val="tx1">
+        <a:lumMod val="65000"/>
+        <a:lumOff val="35000"/>
+      </a:schemeClr>
+    </cs:fontRef>
+    <cs:defRPr sz="1400" b="0" kern="1200" spc="0" baseline="0"/>
+  </cs:title>
+  <cs:trendline>
+    <cs:lnRef idx="0">
+      <cs:styleClr val="auto"/>
+    </cs:lnRef>
+    <cs:fillRef idx="0"/>
+    <cs:effectRef idx="0"/>
+    <cs:fontRef idx="minor">
+      <a:schemeClr val="tx1"/>
+    </cs:fontRef>
+    <cs:spPr>
+      <a:ln w="19050" cap="rnd">
+        <a:solidFill>
+          <a:schemeClr val="phClr"/>
+        </a:solidFill>
+        <a:prstDash val="sysDot"/>
+      </a:ln>
+    </cs:spPr>
+  </cs:trendline>
+  <cs:trendlineLabel>
+    <cs:lnRef idx="0"/>
+    <cs:fillRef idx="0"/>
+    <cs:effectRef idx="0"/>
+    <cs:fontRef idx="minor">
+      <a:schemeClr val="tx1">
+        <a:lumMod val="65000"/>
+        <a:lumOff val="35000"/>
+      </a:schemeClr>
+    </cs:fontRef>
+    <cs:defRPr sz="900" kern="1200"/>
+  </cs:trendlineLabel>
+  <cs:upBar>
+    <cs:lnRef idx="0"/>
+    <cs:fillRef idx="0"/>
+    <cs:effectRef idx="0"/>
+    <cs:fontRef idx="minor">
+      <a:schemeClr val="tx1"/>
+    </cs:fontRef>
+    <cs:spPr>
+      <a:solidFill>
+        <a:schemeClr val="lt1"/>
+      </a:solidFill>
+      <a:ln w="9525" cap="flat" cmpd="sng" algn="ctr">
+        <a:solidFill>
+          <a:schemeClr val="tx1">
+            <a:lumMod val="65000"/>
+            <a:lumOff val="35000"/>
+          </a:schemeClr>
+        </a:solidFill>
+        <a:round/>
+      </a:ln>
+    </cs:spPr>
+  </cs:upBar>
+  <cs:valueAxis>
+    <cs:lnRef idx="0"/>
+    <cs:fillRef idx="0"/>
+    <cs:effectRef idx="0"/>
+    <cs:fontRef idx="minor">
+      <a:schemeClr val="tx1">
+        <a:lumMod val="65000"/>
+        <a:lumOff val="35000"/>
+      </a:schemeClr>
+    </cs:fontRef>
+    <cs:spPr>
+      <a:ln w="9525" cap="flat" cmpd="sng" algn="ctr">
+        <a:solidFill>
+          <a:schemeClr val="tx1">
+            <a:lumMod val="25000"/>
+            <a:lumOff val="75000"/>
+          </a:schemeClr>
+        </a:solidFill>
+        <a:round/>
+      </a:ln>
+    </cs:spPr>
+    <cs:defRPr sz="900" kern="1200"/>
+  </cs:valueAxis>
+  <cs:wall>
+    <cs:lnRef idx="0"/>
+    <cs:fillRef idx="0"/>
+    <cs:effectRef idx="0"/>
+    <cs:fontRef idx="minor">
+      <a:schemeClr val="tx1"/>
+    </cs:fontRef>
+    <cs:spPr>
+      <a:noFill/>
+      <a:ln>
+        <a:noFill/>
+      </a:ln>
+    </cs:spPr>
+  </cs:wall>
+</cs:chartStyle>
+</file>
+
+<file path=ppt/charts/style12.xml><?xml version="1.0" encoding="utf-8"?>
 <cs:chartStyle xmlns:cs="http://schemas.microsoft.com/office/drawing/2012/chartStyle" xmlns:a="http://schemas.openxmlformats.org/drawingml/2006/main" id="240">
   <cs:axisTitle>
     <cs:lnRef idx="0"/>
@@ -39513,7 +48360,7 @@
           <a:p>
             <a:fld id="{E9696992-FC42-4C18-BCC9-E69A9169578E}" type="datetimeFigureOut">
               <a:rPr lang="nb-NO" smtClean="0"/>
-              <a:t>04.06.2018</a:t>
+              <a:t>05.06.2018</a:t>
             </a:fld>
             <a:endParaRPr lang="nb-NO"/>
           </a:p>
@@ -39683,7 +48530,7 @@
           <a:p>
             <a:fld id="{E9696992-FC42-4C18-BCC9-E69A9169578E}" type="datetimeFigureOut">
               <a:rPr lang="nb-NO" smtClean="0"/>
-              <a:t>04.06.2018</a:t>
+              <a:t>05.06.2018</a:t>
             </a:fld>
             <a:endParaRPr lang="nb-NO"/>
           </a:p>
@@ -39863,7 +48710,7 @@
           <a:p>
             <a:fld id="{E9696992-FC42-4C18-BCC9-E69A9169578E}" type="datetimeFigureOut">
               <a:rPr lang="nb-NO" smtClean="0"/>
-              <a:t>04.06.2018</a:t>
+              <a:t>05.06.2018</a:t>
             </a:fld>
             <a:endParaRPr lang="nb-NO"/>
           </a:p>
@@ -40033,7 +48880,7 @@
           <a:p>
             <a:fld id="{E9696992-FC42-4C18-BCC9-E69A9169578E}" type="datetimeFigureOut">
               <a:rPr lang="nb-NO" smtClean="0"/>
-              <a:t>04.06.2018</a:t>
+              <a:t>05.06.2018</a:t>
             </a:fld>
             <a:endParaRPr lang="nb-NO"/>
           </a:p>
@@ -40279,7 +49126,7 @@
           <a:p>
             <a:fld id="{E9696992-FC42-4C18-BCC9-E69A9169578E}" type="datetimeFigureOut">
               <a:rPr lang="nb-NO" smtClean="0"/>
-              <a:t>04.06.2018</a:t>
+              <a:t>05.06.2018</a:t>
             </a:fld>
             <a:endParaRPr lang="nb-NO"/>
           </a:p>
@@ -40511,7 +49358,7 @@
           <a:p>
             <a:fld id="{E9696992-FC42-4C18-BCC9-E69A9169578E}" type="datetimeFigureOut">
               <a:rPr lang="nb-NO" smtClean="0"/>
-              <a:t>04.06.2018</a:t>
+              <a:t>05.06.2018</a:t>
             </a:fld>
             <a:endParaRPr lang="nb-NO"/>
           </a:p>
@@ -40878,7 +49725,7 @@
           <a:p>
             <a:fld id="{E9696992-FC42-4C18-BCC9-E69A9169578E}" type="datetimeFigureOut">
               <a:rPr lang="nb-NO" smtClean="0"/>
-              <a:t>04.06.2018</a:t>
+              <a:t>05.06.2018</a:t>
             </a:fld>
             <a:endParaRPr lang="nb-NO"/>
           </a:p>
@@ -40996,7 +49843,7 @@
           <a:p>
             <a:fld id="{E9696992-FC42-4C18-BCC9-E69A9169578E}" type="datetimeFigureOut">
               <a:rPr lang="nb-NO" smtClean="0"/>
-              <a:t>04.06.2018</a:t>
+              <a:t>05.06.2018</a:t>
             </a:fld>
             <a:endParaRPr lang="nb-NO"/>
           </a:p>
@@ -41091,7 +49938,7 @@
           <a:p>
             <a:fld id="{E9696992-FC42-4C18-BCC9-E69A9169578E}" type="datetimeFigureOut">
               <a:rPr lang="nb-NO" smtClean="0"/>
-              <a:t>04.06.2018</a:t>
+              <a:t>05.06.2018</a:t>
             </a:fld>
             <a:endParaRPr lang="nb-NO"/>
           </a:p>
@@ -41368,7 +50215,7 @@
           <a:p>
             <a:fld id="{E9696992-FC42-4C18-BCC9-E69A9169578E}" type="datetimeFigureOut">
               <a:rPr lang="nb-NO" smtClean="0"/>
-              <a:t>04.06.2018</a:t>
+              <a:t>05.06.2018</a:t>
             </a:fld>
             <a:endParaRPr lang="nb-NO"/>
           </a:p>
@@ -41621,7 +50468,7 @@
           <a:p>
             <a:fld id="{E9696992-FC42-4C18-BCC9-E69A9169578E}" type="datetimeFigureOut">
               <a:rPr lang="nb-NO" smtClean="0"/>
-              <a:t>04.06.2018</a:t>
+              <a:t>05.06.2018</a:t>
             </a:fld>
             <a:endParaRPr lang="nb-NO"/>
           </a:p>
@@ -41834,7 +50681,7 @@
           <a:p>
             <a:fld id="{E9696992-FC42-4C18-BCC9-E69A9169578E}" type="datetimeFigureOut">
               <a:rPr lang="nb-NO" smtClean="0"/>
-              <a:t>04.06.2018</a:t>
+              <a:t>05.06.2018</a:t>
             </a:fld>
             <a:endParaRPr lang="nb-NO"/>
           </a:p>
@@ -46149,7 +54996,7 @@
           <p:nvPr>
             <p:extLst>
               <p:ext uri="{D42A27DB-BD31-4B8C-83A1-F6EECF244321}">
-                <p14:modId xmlns:p14="http://schemas.microsoft.com/office/powerpoint/2010/main" val="4111878151"/>
+                <p14:modId xmlns:p14="http://schemas.microsoft.com/office/powerpoint/2010/main" val="1833133063"/>
               </p:ext>
             </p:extLst>
           </p:nvPr>
@@ -46203,7 +55050,7 @@
           <p:nvPr>
             <p:extLst>
               <p:ext uri="{D42A27DB-BD31-4B8C-83A1-F6EECF244321}">
-                <p14:modId xmlns:p14="http://schemas.microsoft.com/office/powerpoint/2010/main" val="3606446182"/>
+                <p14:modId xmlns:p14="http://schemas.microsoft.com/office/powerpoint/2010/main" val="341516824"/>
               </p:ext>
             </p:extLst>
           </p:nvPr>
@@ -46311,7 +55158,7 @@
           <p:nvPr>
             <p:extLst>
               <p:ext uri="{D42A27DB-BD31-4B8C-83A1-F6EECF244321}">
-                <p14:modId xmlns:p14="http://schemas.microsoft.com/office/powerpoint/2010/main" val="3921801837"/>
+                <p14:modId xmlns:p14="http://schemas.microsoft.com/office/powerpoint/2010/main" val="4200103399"/>
               </p:ext>
             </p:extLst>
           </p:nvPr>
@@ -46438,6 +55285,384 @@
     <p:extLst>
       <p:ext uri="{BB962C8B-B14F-4D97-AF65-F5344CB8AC3E}">
         <p14:creationId xmlns:p14="http://schemas.microsoft.com/office/powerpoint/2010/main" val="795369562"/>
+      </p:ext>
+    </p:extLst>
+  </p:cSld>
+  <p:clrMapOvr>
+    <a:masterClrMapping/>
+  </p:clrMapOvr>
+</p:sld>
+</file>
+
+<file path=ppt/slides/slide17.xml><?xml version="1.0" encoding="utf-8"?>
+<p:sld xmlns:a="http://schemas.openxmlformats.org/drawingml/2006/main" xmlns:r="http://schemas.openxmlformats.org/officeDocument/2006/relationships" xmlns:p="http://schemas.openxmlformats.org/presentationml/2006/main">
+  <p:cSld>
+    <p:spTree>
+      <p:nvGrpSpPr>
+        <p:cNvPr id="1" name=""/>
+        <p:cNvGrpSpPr/>
+        <p:nvPr/>
+      </p:nvGrpSpPr>
+      <p:grpSpPr>
+        <a:xfrm>
+          <a:off x="0" y="0"/>
+          <a:ext cx="0" cy="0"/>
+          <a:chOff x="0" y="0"/>
+          <a:chExt cx="0" cy="0"/>
+        </a:xfrm>
+      </p:grpSpPr>
+      <p:graphicFrame>
+        <p:nvGraphicFramePr>
+          <p:cNvPr id="4" name="Chart 3"/>
+          <p:cNvGraphicFramePr>
+            <a:graphicFrameLocks/>
+          </p:cNvGraphicFramePr>
+          <p:nvPr>
+            <p:extLst>
+              <p:ext uri="{D42A27DB-BD31-4B8C-83A1-F6EECF244321}">
+                <p14:modId xmlns:p14="http://schemas.microsoft.com/office/powerpoint/2010/main" val="3647930695"/>
+              </p:ext>
+            </p:extLst>
+          </p:nvPr>
+        </p:nvGraphicFramePr>
+        <p:xfrm>
+          <a:off x="1247772" y="646906"/>
+          <a:ext cx="8916069" cy="5702300"/>
+        </p:xfrm>
+        <a:graphic>
+          <a:graphicData uri="http://schemas.openxmlformats.org/drawingml/2006/chart">
+            <c:chart xmlns:c="http://schemas.openxmlformats.org/drawingml/2006/chart" xmlns:r="http://schemas.openxmlformats.org/officeDocument/2006/relationships" r:id="rId2"/>
+          </a:graphicData>
+        </a:graphic>
+      </p:graphicFrame>
+    </p:spTree>
+    <p:extLst>
+      <p:ext uri="{BB962C8B-B14F-4D97-AF65-F5344CB8AC3E}">
+        <p14:creationId xmlns:p14="http://schemas.microsoft.com/office/powerpoint/2010/main" val="3453044998"/>
+      </p:ext>
+    </p:extLst>
+  </p:cSld>
+  <p:clrMapOvr>
+    <a:masterClrMapping/>
+  </p:clrMapOvr>
+</p:sld>
+</file>
+
+<file path=ppt/slides/slide18.xml><?xml version="1.0" encoding="utf-8"?>
+<p:sld xmlns:a="http://schemas.openxmlformats.org/drawingml/2006/main" xmlns:r="http://schemas.openxmlformats.org/officeDocument/2006/relationships" xmlns:p="http://schemas.openxmlformats.org/presentationml/2006/main">
+  <p:cSld>
+    <p:spTree>
+      <p:nvGrpSpPr>
+        <p:cNvPr id="1" name=""/>
+        <p:cNvGrpSpPr/>
+        <p:nvPr/>
+      </p:nvGrpSpPr>
+      <p:grpSpPr>
+        <a:xfrm>
+          <a:off x="0" y="0"/>
+          <a:ext cx="0" cy="0"/>
+          <a:chOff x="0" y="0"/>
+          <a:chExt cx="0" cy="0"/>
+        </a:xfrm>
+      </p:grpSpPr>
+      <p:graphicFrame>
+        <p:nvGraphicFramePr>
+          <p:cNvPr id="8" name="Chart 7"/>
+          <p:cNvGraphicFramePr>
+            <a:graphicFrameLocks/>
+          </p:cNvGraphicFramePr>
+          <p:nvPr>
+            <p:extLst>
+              <p:ext uri="{D42A27DB-BD31-4B8C-83A1-F6EECF244321}">
+                <p14:modId xmlns:p14="http://schemas.microsoft.com/office/powerpoint/2010/main" val="2107291117"/>
+              </p:ext>
+            </p:extLst>
+          </p:nvPr>
+        </p:nvGraphicFramePr>
+        <p:xfrm>
+          <a:off x="2121602" y="133350"/>
+          <a:ext cx="9073448" cy="5702300"/>
+        </p:xfrm>
+        <a:graphic>
+          <a:graphicData uri="http://schemas.openxmlformats.org/drawingml/2006/chart">
+            <c:chart xmlns:c="http://schemas.openxmlformats.org/drawingml/2006/chart" xmlns:r="http://schemas.openxmlformats.org/officeDocument/2006/relationships" r:id="rId2"/>
+          </a:graphicData>
+        </a:graphic>
+      </p:graphicFrame>
+    </p:spTree>
+    <p:extLst>
+      <p:ext uri="{BB962C8B-B14F-4D97-AF65-F5344CB8AC3E}">
+        <p14:creationId xmlns:p14="http://schemas.microsoft.com/office/powerpoint/2010/main" val="1198605683"/>
+      </p:ext>
+    </p:extLst>
+  </p:cSld>
+  <p:clrMapOvr>
+    <a:masterClrMapping/>
+  </p:clrMapOvr>
+</p:sld>
+</file>
+
+<file path=ppt/slides/slide19.xml><?xml version="1.0" encoding="utf-8"?>
+<p:sld xmlns:a="http://schemas.openxmlformats.org/drawingml/2006/main" xmlns:r="http://schemas.openxmlformats.org/officeDocument/2006/relationships" xmlns:p="http://schemas.openxmlformats.org/presentationml/2006/main">
+  <p:cSld>
+    <p:spTree>
+      <p:nvGrpSpPr>
+        <p:cNvPr id="1" name=""/>
+        <p:cNvGrpSpPr/>
+        <p:nvPr/>
+      </p:nvGrpSpPr>
+      <p:grpSpPr>
+        <a:xfrm>
+          <a:off x="0" y="0"/>
+          <a:ext cx="0" cy="0"/>
+          <a:chOff x="0" y="0"/>
+          <a:chExt cx="0" cy="0"/>
+        </a:xfrm>
+      </p:grpSpPr>
+      <p:grpSp>
+        <p:nvGrpSpPr>
+          <p:cNvPr id="12" name="Group 11"/>
+          <p:cNvGrpSpPr/>
+          <p:nvPr/>
+        </p:nvGrpSpPr>
+        <p:grpSpPr>
+          <a:xfrm>
+            <a:off x="6562725" y="1853845"/>
+            <a:ext cx="6850839" cy="4330644"/>
+            <a:chOff x="6562725" y="1853845"/>
+            <a:chExt cx="6850839" cy="4330644"/>
+          </a:xfrm>
+        </p:grpSpPr>
+        <p:pic>
+          <p:nvPicPr>
+            <p:cNvPr id="5" name="Picture 4"/>
+            <p:cNvPicPr>
+              <a:picLocks noChangeAspect="1"/>
+            </p:cNvPicPr>
+            <p:nvPr/>
+          </p:nvPicPr>
+          <p:blipFill>
+            <a:blip r:embed="rId2">
+              <a:extLst>
+                <a:ext uri="{28A0092B-C50C-407E-A947-70E740481C1C}">
+                  <a14:useLocalDpi xmlns:a14="http://schemas.microsoft.com/office/drawing/2010/main" val="0"/>
+                </a:ext>
+              </a:extLst>
+            </a:blip>
+            <a:stretch>
+              <a:fillRect/>
+            </a:stretch>
+          </p:blipFill>
+          <p:spPr>
+            <a:xfrm>
+              <a:off x="6562725" y="1853845"/>
+              <a:ext cx="6850839" cy="4330644"/>
+            </a:xfrm>
+            <a:prstGeom prst="rect">
+              <a:avLst/>
+            </a:prstGeom>
+          </p:spPr>
+        </p:pic>
+        <p:sp>
+          <p:nvSpPr>
+            <p:cNvPr id="8" name="Rectangle 7"/>
+            <p:cNvSpPr/>
+            <p:nvPr/>
+          </p:nvSpPr>
+          <p:spPr>
+            <a:xfrm>
+              <a:off x="6693678" y="3299251"/>
+              <a:ext cx="157162" cy="529799"/>
+            </a:xfrm>
+            <a:prstGeom prst="rect">
+              <a:avLst/>
+            </a:prstGeom>
+            <a:solidFill>
+              <a:schemeClr val="bg1"/>
+            </a:solidFill>
+            <a:ln>
+              <a:noFill/>
+            </a:ln>
+          </p:spPr>
+          <p:style>
+            <a:lnRef idx="2">
+              <a:schemeClr val="accent1">
+                <a:shade val="50000"/>
+              </a:schemeClr>
+            </a:lnRef>
+            <a:fillRef idx="1">
+              <a:schemeClr val="accent1"/>
+            </a:fillRef>
+            <a:effectRef idx="0">
+              <a:schemeClr val="accent1"/>
+            </a:effectRef>
+            <a:fontRef idx="minor">
+              <a:schemeClr val="lt1"/>
+            </a:fontRef>
+          </p:style>
+          <p:txBody>
+            <a:bodyPr rtlCol="0" anchor="ctr"/>
+            <a:lstStyle/>
+            <a:p>
+              <a:pPr algn="ctr"/>
+              <a:endParaRPr lang="nb-NO"/>
+            </a:p>
+          </p:txBody>
+        </p:sp>
+        <p:pic>
+          <p:nvPicPr>
+            <p:cNvPr id="7" name="Picture 6"/>
+            <p:cNvPicPr>
+              <a:picLocks noChangeAspect="1"/>
+            </p:cNvPicPr>
+            <p:nvPr/>
+          </p:nvPicPr>
+          <p:blipFill rotWithShape="1">
+            <a:blip r:embed="rId3" cstate="print">
+              <a:extLst>
+                <a:ext uri="{28A0092B-C50C-407E-A947-70E740481C1C}">
+                  <a14:useLocalDpi xmlns:a14="http://schemas.microsoft.com/office/drawing/2010/main" val="0"/>
+                </a:ext>
+              </a:extLst>
+            </a:blip>
+            <a:srcRect l="3194" t="34643" r="91997" b="53839"/>
+            <a:stretch/>
+          </p:blipFill>
+          <p:spPr>
+            <a:xfrm>
+              <a:off x="6609152" y="3428999"/>
+              <a:ext cx="288314" cy="442081"/>
+            </a:xfrm>
+            <a:prstGeom prst="rect">
+              <a:avLst/>
+            </a:prstGeom>
+          </p:spPr>
+        </p:pic>
+      </p:grpSp>
+      <p:grpSp>
+        <p:nvGrpSpPr>
+          <p:cNvPr id="13" name="Group 12"/>
+          <p:cNvGrpSpPr/>
+          <p:nvPr/>
+        </p:nvGrpSpPr>
+        <p:grpSpPr>
+          <a:xfrm>
+            <a:off x="0" y="1927751"/>
+            <a:ext cx="6850839" cy="4419895"/>
+            <a:chOff x="0" y="1927751"/>
+            <a:chExt cx="6850839" cy="4419895"/>
+          </a:xfrm>
+        </p:grpSpPr>
+        <p:pic>
+          <p:nvPicPr>
+            <p:cNvPr id="4" name="Picture 3"/>
+            <p:cNvPicPr>
+              <a:picLocks noChangeAspect="1"/>
+            </p:cNvPicPr>
+            <p:nvPr/>
+          </p:nvPicPr>
+          <p:blipFill>
+            <a:blip r:embed="rId4">
+              <a:extLst>
+                <a:ext uri="{28A0092B-C50C-407E-A947-70E740481C1C}">
+                  <a14:useLocalDpi xmlns:a14="http://schemas.microsoft.com/office/drawing/2010/main" val="0"/>
+                </a:ext>
+              </a:extLst>
+            </a:blip>
+            <a:stretch>
+              <a:fillRect/>
+            </a:stretch>
+          </p:blipFill>
+          <p:spPr>
+            <a:xfrm>
+              <a:off x="0" y="1927751"/>
+              <a:ext cx="6850839" cy="4419895"/>
+            </a:xfrm>
+            <a:prstGeom prst="rect">
+              <a:avLst/>
+            </a:prstGeom>
+          </p:spPr>
+        </p:pic>
+        <p:sp>
+          <p:nvSpPr>
+            <p:cNvPr id="9" name="Rectangle 8"/>
+            <p:cNvSpPr/>
+            <p:nvPr/>
+          </p:nvSpPr>
+          <p:spPr>
+            <a:xfrm>
+              <a:off x="130952" y="3299251"/>
+              <a:ext cx="192897" cy="596474"/>
+            </a:xfrm>
+            <a:prstGeom prst="rect">
+              <a:avLst/>
+            </a:prstGeom>
+            <a:solidFill>
+              <a:schemeClr val="bg1"/>
+            </a:solidFill>
+            <a:ln>
+              <a:noFill/>
+            </a:ln>
+          </p:spPr>
+          <p:style>
+            <a:lnRef idx="2">
+              <a:schemeClr val="accent1">
+                <a:shade val="50000"/>
+              </a:schemeClr>
+            </a:lnRef>
+            <a:fillRef idx="1">
+              <a:schemeClr val="accent1"/>
+            </a:fillRef>
+            <a:effectRef idx="0">
+              <a:schemeClr val="accent1"/>
+            </a:effectRef>
+            <a:fontRef idx="minor">
+              <a:schemeClr val="lt1"/>
+            </a:fontRef>
+          </p:style>
+          <p:txBody>
+            <a:bodyPr rtlCol="0" anchor="ctr"/>
+            <a:lstStyle/>
+            <a:p>
+              <a:pPr algn="ctr"/>
+              <a:endParaRPr lang="nb-NO"/>
+            </a:p>
+          </p:txBody>
+        </p:sp>
+        <p:pic>
+          <p:nvPicPr>
+            <p:cNvPr id="10" name="Picture 9"/>
+            <p:cNvPicPr>
+              <a:picLocks noChangeAspect="1"/>
+            </p:cNvPicPr>
+            <p:nvPr/>
+          </p:nvPicPr>
+          <p:blipFill rotWithShape="1">
+            <a:blip r:embed="rId3" cstate="print">
+              <a:extLst>
+                <a:ext uri="{28A0092B-C50C-407E-A947-70E740481C1C}">
+                  <a14:useLocalDpi xmlns:a14="http://schemas.microsoft.com/office/drawing/2010/main" val="0"/>
+                </a:ext>
+              </a:extLst>
+            </a:blip>
+            <a:srcRect l="3194" t="34643" r="91997" b="53839"/>
+            <a:stretch/>
+          </p:blipFill>
+          <p:spPr>
+            <a:xfrm>
+              <a:off x="55951" y="3472694"/>
+              <a:ext cx="288314" cy="442081"/>
+            </a:xfrm>
+            <a:prstGeom prst="rect">
+              <a:avLst/>
+            </a:prstGeom>
+          </p:spPr>
+        </p:pic>
+      </p:grpSp>
+    </p:spTree>
+    <p:extLst>
+      <p:ext uri="{BB962C8B-B14F-4D97-AF65-F5344CB8AC3E}">
+        <p14:creationId xmlns:p14="http://schemas.microsoft.com/office/powerpoint/2010/main" val="2073346923"/>
       </p:ext>
     </p:extLst>
   </p:cSld>

--- a/results/robust_recourse_iterative/Main workbooks/Results Comparison Plots.pptx
+++ b/results/robust_recourse_iterative/Main workbooks/Results Comparison Plots.pptx
@@ -1325,7 +1325,6 @@
           </a:p>
         </c:rich>
       </c:tx>
-      <c:layout/>
       <c:overlay val="0"/>
       <c:spPr>
         <a:noFill/>
@@ -2363,7 +2362,6 @@
               </a:p>
             </c:rich>
           </c:tx>
-          <c:layout/>
           <c:overlay val="0"/>
           <c:spPr>
             <a:noFill/>
@@ -2476,7 +2474,6 @@
               </a:p>
             </c:rich>
           </c:tx>
-          <c:layout/>
           <c:overlay val="0"/>
           <c:spPr>
             <a:noFill/>
@@ -2557,7 +2554,6 @@
     </c:plotArea>
     <c:legend>
       <c:legendPos val="b"/>
-      <c:layout/>
       <c:overlay val="0"/>
       <c:spPr>
         <a:noFill/>
@@ -3723,7 +3719,6 @@
               </a:p>
             </c:rich>
           </c:tx>
-          <c:layout/>
           <c:overlay val="0"/>
           <c:spPr>
             <a:noFill/>
@@ -3836,7 +3831,6 @@
               </a:p>
             </c:rich>
           </c:tx>
-          <c:layout/>
           <c:overlay val="0"/>
           <c:spPr>
             <a:noFill/>
@@ -3917,7 +3911,6 @@
     </c:plotArea>
     <c:legend>
       <c:legendPos val="b"/>
-      <c:layout/>
       <c:overlay val="0"/>
       <c:spPr>
         <a:noFill/>
@@ -4029,7 +4022,6 @@
           </a:p>
         </c:rich>
       </c:tx>
-      <c:layout/>
       <c:overlay val="0"/>
       <c:spPr>
         <a:noFill/>
@@ -5076,7 +5068,6 @@
               </a:p>
             </c:rich>
           </c:tx>
-          <c:layout/>
           <c:overlay val="0"/>
           <c:spPr>
             <a:noFill/>
@@ -5189,7 +5180,6 @@
               </a:p>
             </c:rich>
           </c:tx>
-          <c:layout/>
           <c:overlay val="0"/>
           <c:spPr>
             <a:noFill/>
@@ -5270,7 +5260,6 @@
     </c:plotArea>
     <c:legend>
       <c:legendPos val="b"/>
-      <c:layout/>
       <c:overlay val="0"/>
       <c:spPr>
         <a:noFill/>
@@ -5372,7 +5361,6 @@
           </a:p>
         </c:rich>
       </c:tx>
-      <c:layout/>
       <c:overlay val="0"/>
       <c:spPr>
         <a:noFill/>
@@ -6415,7 +6403,6 @@
               </a:p>
             </c:rich>
           </c:tx>
-          <c:layout/>
           <c:overlay val="0"/>
           <c:spPr>
             <a:noFill/>
@@ -6542,7 +6529,6 @@
               </a:p>
             </c:rich>
           </c:tx>
-          <c:layout/>
           <c:overlay val="0"/>
           <c:spPr>
             <a:noFill/>
@@ -6623,7 +6609,6 @@
     </c:plotArea>
     <c:legend>
       <c:legendPos val="b"/>
-      <c:layout/>
       <c:overlay val="0"/>
       <c:spPr>
         <a:noFill/>
@@ -6725,7 +6710,6 @@
           </a:p>
         </c:rich>
       </c:tx>
-      <c:layout/>
       <c:overlay val="0"/>
       <c:spPr>
         <a:noFill/>
@@ -7768,7 +7752,6 @@
               </a:p>
             </c:rich>
           </c:tx>
-          <c:layout/>
           <c:overlay val="0"/>
           <c:spPr>
             <a:noFill/>
@@ -7895,7 +7878,6 @@
               </a:p>
             </c:rich>
           </c:tx>
-          <c:layout/>
           <c:overlay val="0"/>
           <c:spPr>
             <a:noFill/>
@@ -8087,7 +8069,6 @@
           </a:p>
         </c:rich>
       </c:tx>
-      <c:layout/>
       <c:overlay val="0"/>
       <c:spPr>
         <a:noFill/>
@@ -9127,7 +9108,6 @@
               </a:p>
             </c:rich>
           </c:tx>
-          <c:layout/>
           <c:overlay val="0"/>
           <c:spPr>
             <a:noFill/>
@@ -9254,7 +9234,6 @@
               </a:p>
             </c:rich>
           </c:tx>
-          <c:layout/>
           <c:overlay val="0"/>
           <c:spPr>
             <a:noFill/>
@@ -9335,7 +9314,6 @@
     </c:plotArea>
     <c:legend>
       <c:legendPos val="b"/>
-      <c:layout/>
       <c:overlay val="0"/>
       <c:spPr>
         <a:noFill/>
@@ -9436,7 +9414,6 @@
           </a:p>
         </c:rich>
       </c:tx>
-      <c:layout/>
       <c:overlay val="0"/>
       <c:spPr>
         <a:noFill/>
@@ -12751,7 +12728,6 @@
               </a:p>
             </c:rich>
           </c:tx>
-          <c:layout/>
           <c:overlay val="0"/>
         </c:title>
         <c:numFmt formatCode="General" sourceLinked="1"/>
@@ -12834,7 +12810,6 @@
               </a:p>
             </c:rich>
           </c:tx>
-          <c:layout/>
           <c:overlay val="0"/>
         </c:title>
         <c:numFmt formatCode="0%" sourceLinked="0"/>
@@ -12882,7 +12857,6 @@
     </c:plotArea>
     <c:legend>
       <c:legendPos val="b"/>
-      <c:layout/>
       <c:overlay val="0"/>
       <c:txPr>
         <a:bodyPr/>
@@ -21277,6 +21251,135 @@
         <c:grouping val="standard"/>
         <c:varyColors val="0"/>
         <c:ser>
+          <c:idx val="2"/>
+          <c:order val="2"/>
+          <c:tx>
+            <c:strRef>
+              <c:f>Sheet1!$D$22</c:f>
+              <c:strCache>
+                <c:ptCount val="1"/>
+                <c:pt idx="0">
+                  <c:v>EEV</c:v>
+                </c:pt>
+              </c:strCache>
+            </c:strRef>
+          </c:tx>
+          <c:spPr>
+            <a:ln w="19050" cap="rnd">
+              <a:solidFill>
+                <a:schemeClr val="bg1"/>
+              </a:solidFill>
+              <a:round/>
+            </a:ln>
+            <a:effectLst/>
+          </c:spPr>
+          <c:marker>
+            <c:symbol val="none"/>
+          </c:marker>
+          <c:cat>
+            <c:numRef>
+              <c:f>Sheet1!$A$23:$A$35</c:f>
+              <c:numCache>
+                <c:formatCode>General</c:formatCode>
+                <c:ptCount val="13"/>
+                <c:pt idx="0">
+                  <c:v>5</c:v>
+                </c:pt>
+                <c:pt idx="1">
+                  <c:v>10</c:v>
+                </c:pt>
+                <c:pt idx="2">
+                  <c:v>15</c:v>
+                </c:pt>
+                <c:pt idx="3">
+                  <c:v>20</c:v>
+                </c:pt>
+                <c:pt idx="4">
+                  <c:v>30</c:v>
+                </c:pt>
+                <c:pt idx="5">
+                  <c:v>40</c:v>
+                </c:pt>
+                <c:pt idx="6">
+                  <c:v>50</c:v>
+                </c:pt>
+                <c:pt idx="7">
+                  <c:v>75</c:v>
+                </c:pt>
+                <c:pt idx="8">
+                  <c:v>100</c:v>
+                </c:pt>
+                <c:pt idx="9">
+                  <c:v>150</c:v>
+                </c:pt>
+                <c:pt idx="10">
+                  <c:v>200</c:v>
+                </c:pt>
+                <c:pt idx="11">
+                  <c:v>300</c:v>
+                </c:pt>
+                <c:pt idx="12">
+                  <c:v>400</c:v>
+                </c:pt>
+              </c:numCache>
+            </c:numRef>
+          </c:cat>
+          <c:val>
+            <c:numRef>
+              <c:f>Sheet1!$D$39:$D$51</c:f>
+              <c:numCache>
+                <c:formatCode>General</c:formatCode>
+                <c:ptCount val="13"/>
+                <c:pt idx="0">
+                  <c:v>109.2</c:v>
+                </c:pt>
+                <c:pt idx="1">
+                  <c:v>109.2</c:v>
+                </c:pt>
+                <c:pt idx="2">
+                  <c:v>109.2</c:v>
+                </c:pt>
+                <c:pt idx="3">
+                  <c:v>109.2</c:v>
+                </c:pt>
+                <c:pt idx="4">
+                  <c:v>109.2</c:v>
+                </c:pt>
+                <c:pt idx="5">
+                  <c:v>109.2</c:v>
+                </c:pt>
+                <c:pt idx="6">
+                  <c:v>109.2</c:v>
+                </c:pt>
+                <c:pt idx="7">
+                  <c:v>109.2</c:v>
+                </c:pt>
+                <c:pt idx="8">
+                  <c:v>109.2</c:v>
+                </c:pt>
+                <c:pt idx="9">
+                  <c:v>109.2</c:v>
+                </c:pt>
+                <c:pt idx="10">
+                  <c:v>109.2</c:v>
+                </c:pt>
+                <c:pt idx="11">
+                  <c:v>109.2</c:v>
+                </c:pt>
+                <c:pt idx="12">
+                  <c:v>109.2</c:v>
+                </c:pt>
+              </c:numCache>
+            </c:numRef>
+          </c:val>
+          <c:smooth val="1"/>
+          <c:extLst>
+            <c:ext xmlns:c16="http://schemas.microsoft.com/office/drawing/2014/chart" uri="{C3380CC4-5D6E-409C-BE32-E72D297353CC}">
+              <c16:uniqueId val="{00000000-90C9-4393-8C3E-A187EE222818}"/>
+            </c:ext>
+          </c:extLst>
+        </c:ser>
+        <c:ser>
           <c:idx val="4"/>
           <c:order val="4"/>
           <c:tx>
@@ -21346,7 +21449,7 @@
           <c:smooth val="0"/>
           <c:extLst>
             <c:ext xmlns:c16="http://schemas.microsoft.com/office/drawing/2014/chart" uri="{C3380CC4-5D6E-409C-BE32-E72D297353CC}">
-              <c16:uniqueId val="{00000000-F273-4879-A852-4363EA91602E}"/>
+              <c16:uniqueId val="{00000001-90C9-4393-8C3E-A187EE222818}"/>
             </c:ext>
           </c:extLst>
         </c:ser>
@@ -21422,7 +21525,7 @@
           <c:smooth val="0"/>
           <c:extLst>
             <c:ext xmlns:c16="http://schemas.microsoft.com/office/drawing/2014/chart" uri="{C3380CC4-5D6E-409C-BE32-E72D297353CC}">
-              <c16:uniqueId val="{00000001-F273-4879-A852-4363EA91602E}"/>
+              <c16:uniqueId val="{00000002-90C9-4393-8C3E-A187EE222818}"/>
             </c:ext>
           </c:extLst>
         </c:ser>
@@ -21495,7 +21598,7 @@
           <c:smooth val="0"/>
           <c:extLst>
             <c:ext xmlns:c16="http://schemas.microsoft.com/office/drawing/2014/chart" uri="{C3380CC4-5D6E-409C-BE32-E72D297353CC}">
-              <c16:uniqueId val="{00000002-F273-4879-A852-4363EA91602E}"/>
+              <c16:uniqueId val="{00000003-90C9-4393-8C3E-A187EE222818}"/>
             </c:ext>
           </c:extLst>
         </c:ser>
@@ -21642,7 +21745,7 @@
                 <c:smooth val="1"/>
                 <c:extLst>
                   <c:ext xmlns:c16="http://schemas.microsoft.com/office/drawing/2014/chart" uri="{C3380CC4-5D6E-409C-BE32-E72D297353CC}">
-                    <c16:uniqueId val="{00000003-F273-4879-A852-4363EA91602E}"/>
+                    <c16:uniqueId val="{00000004-90C9-4393-8C3E-A187EE222818}"/>
                   </c:ext>
                 </c:extLst>
               </c15:ser>
@@ -21771,156 +21874,7 @@
                 <c:smooth val="1"/>
                 <c:extLst xmlns:c15="http://schemas.microsoft.com/office/drawing/2012/chart">
                   <c:ext xmlns:c16="http://schemas.microsoft.com/office/drawing/2014/chart" uri="{C3380CC4-5D6E-409C-BE32-E72D297353CC}">
-                    <c16:uniqueId val="{00000004-F273-4879-A852-4363EA91602E}"/>
-                  </c:ext>
-                </c:extLst>
-              </c15:ser>
-            </c15:filteredLineSeries>
-            <c15:filteredLineSeries>
-              <c15:ser>
-                <c:idx val="2"/>
-                <c:order val="2"/>
-                <c:tx>
-                  <c:strRef>
-                    <c:extLst xmlns:c15="http://schemas.microsoft.com/office/drawing/2012/chart">
-                      <c:ext xmlns:c15="http://schemas.microsoft.com/office/drawing/2012/chart" uri="{02D57815-91ED-43cb-92C2-25804820EDAC}">
-                        <c15:formulaRef>
-                          <c15:sqref>Sheet1!$D$22</c15:sqref>
-                        </c15:formulaRef>
-                      </c:ext>
-                    </c:extLst>
-                    <c:strCache>
-                      <c:ptCount val="1"/>
-                      <c:pt idx="0">
-                        <c:v>EEV</c:v>
-                      </c:pt>
-                    </c:strCache>
-                  </c:strRef>
-                </c:tx>
-                <c:spPr>
-                  <a:ln w="19050" cap="rnd">
-                    <a:solidFill>
-                      <a:schemeClr val="accent3"/>
-                    </a:solidFill>
-                    <a:round/>
-                  </a:ln>
-                  <a:effectLst/>
-                </c:spPr>
-                <c:marker>
-                  <c:symbol val="none"/>
-                </c:marker>
-                <c:cat>
-                  <c:numRef>
-                    <c:extLst xmlns:c15="http://schemas.microsoft.com/office/drawing/2012/chart">
-                      <c:ext xmlns:c15="http://schemas.microsoft.com/office/drawing/2012/chart" uri="{02D57815-91ED-43cb-92C2-25804820EDAC}">
-                        <c15:formulaRef>
-                          <c15:sqref>Sheet1!$A$23:$A$35</c15:sqref>
-                        </c15:formulaRef>
-                      </c:ext>
-                    </c:extLst>
-                    <c:numCache>
-                      <c:formatCode>General</c:formatCode>
-                      <c:ptCount val="13"/>
-                      <c:pt idx="0">
-                        <c:v>5</c:v>
-                      </c:pt>
-                      <c:pt idx="1">
-                        <c:v>10</c:v>
-                      </c:pt>
-                      <c:pt idx="2">
-                        <c:v>15</c:v>
-                      </c:pt>
-                      <c:pt idx="3">
-                        <c:v>20</c:v>
-                      </c:pt>
-                      <c:pt idx="4">
-                        <c:v>30</c:v>
-                      </c:pt>
-                      <c:pt idx="5">
-                        <c:v>40</c:v>
-                      </c:pt>
-                      <c:pt idx="6">
-                        <c:v>50</c:v>
-                      </c:pt>
-                      <c:pt idx="7">
-                        <c:v>75</c:v>
-                      </c:pt>
-                      <c:pt idx="8">
-                        <c:v>100</c:v>
-                      </c:pt>
-                      <c:pt idx="9">
-                        <c:v>150</c:v>
-                      </c:pt>
-                      <c:pt idx="10">
-                        <c:v>200</c:v>
-                      </c:pt>
-                      <c:pt idx="11">
-                        <c:v>300</c:v>
-                      </c:pt>
-                      <c:pt idx="12">
-                        <c:v>400</c:v>
-                      </c:pt>
-                    </c:numCache>
-                  </c:numRef>
-                </c:cat>
-                <c:val>
-                  <c:numRef>
-                    <c:extLst xmlns:c15="http://schemas.microsoft.com/office/drawing/2012/chart">
-                      <c:ext xmlns:c15="http://schemas.microsoft.com/office/drawing/2012/chart" uri="{02D57815-91ED-43cb-92C2-25804820EDAC}">
-                        <c15:formulaRef>
-                          <c15:sqref>Sheet1!$D$39:$D$51</c15:sqref>
-                        </c15:formulaRef>
-                      </c:ext>
-                    </c:extLst>
-                    <c:numCache>
-                      <c:formatCode>General</c:formatCode>
-                      <c:ptCount val="13"/>
-                      <c:pt idx="0">
-                        <c:v>109.2</c:v>
-                      </c:pt>
-                      <c:pt idx="1">
-                        <c:v>109.2</c:v>
-                      </c:pt>
-                      <c:pt idx="2">
-                        <c:v>109.2</c:v>
-                      </c:pt>
-                      <c:pt idx="3">
-                        <c:v>109.2</c:v>
-                      </c:pt>
-                      <c:pt idx="4">
-                        <c:v>109.2</c:v>
-                      </c:pt>
-                      <c:pt idx="5">
-                        <c:v>109.2</c:v>
-                      </c:pt>
-                      <c:pt idx="6">
-                        <c:v>109.2</c:v>
-                      </c:pt>
-                      <c:pt idx="7">
-                        <c:v>109.2</c:v>
-                      </c:pt>
-                      <c:pt idx="8">
-                        <c:v>109.2</c:v>
-                      </c:pt>
-                      <c:pt idx="9">
-                        <c:v>109.2</c:v>
-                      </c:pt>
-                      <c:pt idx="10">
-                        <c:v>109.2</c:v>
-                      </c:pt>
-                      <c:pt idx="11">
-                        <c:v>109.2</c:v>
-                      </c:pt>
-                      <c:pt idx="12">
-                        <c:v>109.2</c:v>
-                      </c:pt>
-                    </c:numCache>
-                  </c:numRef>
-                </c:val>
-                <c:smooth val="1"/>
-                <c:extLst xmlns:c15="http://schemas.microsoft.com/office/drawing/2012/chart">
-                  <c:ext xmlns:c16="http://schemas.microsoft.com/office/drawing/2014/chart" uri="{C3380CC4-5D6E-409C-BE32-E72D297353CC}">
-                    <c16:uniqueId val="{00000005-F273-4879-A852-4363EA91602E}"/>
+                    <c16:uniqueId val="{00000005-90C9-4393-8C3E-A187EE222818}"/>
                   </c:ext>
                 </c:extLst>
               </c15:ser>
@@ -22055,7 +22009,7 @@
                 <c:smooth val="1"/>
                 <c:extLst xmlns:c15="http://schemas.microsoft.com/office/drawing/2012/chart">
                   <c:ext xmlns:c16="http://schemas.microsoft.com/office/drawing/2014/chart" uri="{C3380CC4-5D6E-409C-BE32-E72D297353CC}">
-                    <c16:uniqueId val="{00000006-F273-4879-A852-4363EA91602E}"/>
+                    <c16:uniqueId val="{00000006-90C9-4393-8C3E-A187EE222818}"/>
                   </c:ext>
                 </c:extLst>
               </c15:ser>
@@ -22285,6 +22239,10 @@
     </c:plotArea>
     <c:legend>
       <c:legendPos val="b"/>
+      <c:legendEntry>
+        <c:idx val="0"/>
+        <c:delete val="1"/>
+      </c:legendEntry>
       <c:layout/>
       <c:overlay val="0"/>
       <c:spPr>
@@ -22908,7 +22866,6 @@
               </a:p>
             </c:rich>
           </c:tx>
-          <c:layout/>
           <c:overlay val="0"/>
           <c:spPr>
             <a:noFill/>
@@ -23028,7 +22985,6 @@
               </a:p>
             </c:rich>
           </c:tx>
-          <c:layout/>
           <c:overlay val="0"/>
           <c:spPr>
             <a:noFill/>
@@ -23113,7 +23069,6 @@
     </c:plotArea>
     <c:legend>
       <c:legendPos val="b"/>
-      <c:layout/>
       <c:overlay val="0"/>
       <c:spPr>
         <a:noFill/>
@@ -23215,7 +23170,6 @@
           </a:p>
         </c:rich>
       </c:tx>
-      <c:layout/>
       <c:overlay val="0"/>
       <c:spPr>
         <a:noFill/>
@@ -24249,7 +24203,6 @@
               </a:p>
             </c:rich>
           </c:tx>
-          <c:layout/>
           <c:overlay val="0"/>
           <c:spPr>
             <a:noFill/>
@@ -24363,7 +24316,6 @@
               </a:p>
             </c:rich>
           </c:tx>
-          <c:layout/>
           <c:overlay val="0"/>
           <c:spPr>
             <a:noFill/>
@@ -24444,7 +24396,6 @@
     </c:plotArea>
     <c:legend>
       <c:legendPos val="b"/>
-      <c:layout/>
       <c:overlay val="0"/>
       <c:spPr>
         <a:noFill/>
@@ -24556,7 +24507,6 @@
           </a:p>
         </c:rich>
       </c:tx>
-      <c:layout/>
       <c:overlay val="0"/>
       <c:spPr>
         <a:noFill/>
@@ -25594,7 +25544,6 @@
               </a:p>
             </c:rich>
           </c:tx>
-          <c:layout/>
           <c:overlay val="0"/>
           <c:spPr>
             <a:noFill/>
@@ -25707,7 +25656,6 @@
               </a:p>
             </c:rich>
           </c:tx>
-          <c:layout/>
           <c:overlay val="0"/>
           <c:spPr>
             <a:noFill/>
@@ -25788,7 +25736,6 @@
     </c:plotArea>
     <c:legend>
       <c:legendPos val="b"/>
-      <c:layout/>
       <c:overlay val="0"/>
       <c:spPr>
         <a:noFill/>
@@ -25900,7 +25847,6 @@
           </a:p>
         </c:rich>
       </c:tx>
-      <c:layout/>
       <c:overlay val="0"/>
       <c:spPr>
         <a:noFill/>
@@ -26938,7 +26884,6 @@
               </a:p>
             </c:rich>
           </c:tx>
-          <c:layout/>
           <c:overlay val="0"/>
           <c:spPr>
             <a:noFill/>
@@ -27051,7 +26996,6 @@
               </a:p>
             </c:rich>
           </c:tx>
-          <c:layout/>
           <c:overlay val="0"/>
           <c:spPr>
             <a:noFill/>
@@ -27132,7 +27076,6 @@
     </c:plotArea>
     <c:legend>
       <c:legendPos val="b"/>
-      <c:layout/>
       <c:overlay val="0"/>
       <c:spPr>
         <a:noFill/>
@@ -35660,7 +35603,7 @@
           <a:p>
             <a:fld id="{E9696992-FC42-4C18-BCC9-E69A9169578E}" type="datetimeFigureOut">
               <a:rPr lang="nb-NO" smtClean="0"/>
-              <a:t>04.06.2018</a:t>
+              <a:t>07.06.2018</a:t>
             </a:fld>
             <a:endParaRPr lang="nb-NO"/>
           </a:p>
@@ -35830,7 +35773,7 @@
           <a:p>
             <a:fld id="{E9696992-FC42-4C18-BCC9-E69A9169578E}" type="datetimeFigureOut">
               <a:rPr lang="nb-NO" smtClean="0"/>
-              <a:t>04.06.2018</a:t>
+              <a:t>07.06.2018</a:t>
             </a:fld>
             <a:endParaRPr lang="nb-NO"/>
           </a:p>
@@ -36010,7 +35953,7 @@
           <a:p>
             <a:fld id="{E9696992-FC42-4C18-BCC9-E69A9169578E}" type="datetimeFigureOut">
               <a:rPr lang="nb-NO" smtClean="0"/>
-              <a:t>04.06.2018</a:t>
+              <a:t>07.06.2018</a:t>
             </a:fld>
             <a:endParaRPr lang="nb-NO"/>
           </a:p>
@@ -36180,7 +36123,7 @@
           <a:p>
             <a:fld id="{E9696992-FC42-4C18-BCC9-E69A9169578E}" type="datetimeFigureOut">
               <a:rPr lang="nb-NO" smtClean="0"/>
-              <a:t>04.06.2018</a:t>
+              <a:t>07.06.2018</a:t>
             </a:fld>
             <a:endParaRPr lang="nb-NO"/>
           </a:p>
@@ -36426,7 +36369,7 @@
           <a:p>
             <a:fld id="{E9696992-FC42-4C18-BCC9-E69A9169578E}" type="datetimeFigureOut">
               <a:rPr lang="nb-NO" smtClean="0"/>
-              <a:t>04.06.2018</a:t>
+              <a:t>07.06.2018</a:t>
             </a:fld>
             <a:endParaRPr lang="nb-NO"/>
           </a:p>
@@ -36658,7 +36601,7 @@
           <a:p>
             <a:fld id="{E9696992-FC42-4C18-BCC9-E69A9169578E}" type="datetimeFigureOut">
               <a:rPr lang="nb-NO" smtClean="0"/>
-              <a:t>04.06.2018</a:t>
+              <a:t>07.06.2018</a:t>
             </a:fld>
             <a:endParaRPr lang="nb-NO"/>
           </a:p>
@@ -37025,7 +36968,7 @@
           <a:p>
             <a:fld id="{E9696992-FC42-4C18-BCC9-E69A9169578E}" type="datetimeFigureOut">
               <a:rPr lang="nb-NO" smtClean="0"/>
-              <a:t>04.06.2018</a:t>
+              <a:t>07.06.2018</a:t>
             </a:fld>
             <a:endParaRPr lang="nb-NO"/>
           </a:p>
@@ -37143,7 +37086,7 @@
           <a:p>
             <a:fld id="{E9696992-FC42-4C18-BCC9-E69A9169578E}" type="datetimeFigureOut">
               <a:rPr lang="nb-NO" smtClean="0"/>
-              <a:t>04.06.2018</a:t>
+              <a:t>07.06.2018</a:t>
             </a:fld>
             <a:endParaRPr lang="nb-NO"/>
           </a:p>
@@ -37238,7 +37181,7 @@
           <a:p>
             <a:fld id="{E9696992-FC42-4C18-BCC9-E69A9169578E}" type="datetimeFigureOut">
               <a:rPr lang="nb-NO" smtClean="0"/>
-              <a:t>04.06.2018</a:t>
+              <a:t>07.06.2018</a:t>
             </a:fld>
             <a:endParaRPr lang="nb-NO"/>
           </a:p>
@@ -37515,7 +37458,7 @@
           <a:p>
             <a:fld id="{E9696992-FC42-4C18-BCC9-E69A9169578E}" type="datetimeFigureOut">
               <a:rPr lang="nb-NO" smtClean="0"/>
-              <a:t>04.06.2018</a:t>
+              <a:t>07.06.2018</a:t>
             </a:fld>
             <a:endParaRPr lang="nb-NO"/>
           </a:p>
@@ -37768,7 +37711,7 @@
           <a:p>
             <a:fld id="{E9696992-FC42-4C18-BCC9-E69A9169578E}" type="datetimeFigureOut">
               <a:rPr lang="nb-NO" smtClean="0"/>
-              <a:t>04.06.2018</a:t>
+              <a:t>07.06.2018</a:t>
             </a:fld>
             <a:endParaRPr lang="nb-NO"/>
           </a:p>
@@ -37981,7 +37924,7 @@
           <a:p>
             <a:fld id="{E9696992-FC42-4C18-BCC9-E69A9169578E}" type="datetimeFigureOut">
               <a:rPr lang="nb-NO" smtClean="0"/>
-              <a:t>04.06.2018</a:t>
+              <a:t>07.06.2018</a:t>
             </a:fld>
             <a:endParaRPr lang="nb-NO"/>
           </a:p>
@@ -44473,14 +44416,14 @@
       </p:sp>
       <p:graphicFrame>
         <p:nvGraphicFramePr>
-          <p:cNvPr id="11" name="Chart 10"/>
+          <p:cNvPr id="10" name="Chart 9"/>
           <p:cNvGraphicFramePr>
             <a:graphicFrameLocks/>
           </p:cNvGraphicFramePr>
           <p:nvPr>
             <p:extLst>
               <p:ext uri="{D42A27DB-BD31-4B8C-83A1-F6EECF244321}">
-                <p14:modId xmlns:p14="http://schemas.microsoft.com/office/powerpoint/2010/main" val="2528773441"/>
+                <p14:modId xmlns:p14="http://schemas.microsoft.com/office/powerpoint/2010/main" val="3912414123"/>
               </p:ext>
             </p:extLst>
           </p:nvPr>
